--- a/doc/mockups/homepage image.pptx
+++ b/doc/mockups/homepage image.pptx
@@ -1,14 +1,30 @@
 
 <file path=ppt/presentation.xml><?xml version="1.0" encoding="utf-8"?>
-<p:presentation xmlns:a="http://schemas.openxmlformats.org/drawingml/2006/main" xmlns:r="http://schemas.openxmlformats.org/officeDocument/2006/relationships" xmlns:p="http://schemas.openxmlformats.org/presentationml/2006/main" saveSubsetFonts="1">
+<p:presentation xmlns:a="http://schemas.openxmlformats.org/drawingml/2006/main" xmlns:r="http://schemas.openxmlformats.org/officeDocument/2006/relationships" xmlns:p="http://schemas.openxmlformats.org/presentationml/2006/main" embedTrueTypeFonts="1">
   <p:sldMasterIdLst>
     <p:sldMasterId id="2147483648" r:id="rId1"/>
   </p:sldMasterIdLst>
+  <p:notesMasterIdLst>
+    <p:notesMasterId r:id="rId3"/>
+  </p:notesMasterIdLst>
   <p:sldIdLst>
-    <p:sldId id="256" r:id="rId2"/>
+    <p:sldId id="258" r:id="rId2"/>
   </p:sldIdLst>
   <p:sldSz cx="7740650" cy="2879725"/>
   <p:notesSz cx="6858000" cy="9144000"/>
+  <p:embeddedFontLst>
+    <p:embeddedFont>
+      <p:font typeface="2Dumb" pitchFamily="2" charset="0"/>
+      <p:regular r:id="rId4"/>
+    </p:embeddedFont>
+    <p:embeddedFont>
+      <p:font typeface="Calibri" pitchFamily="34" charset="0"/>
+      <p:regular r:id="rId5"/>
+      <p:bold r:id="rId6"/>
+      <p:italic r:id="rId7"/>
+      <p:boldItalic r:id="rId8"/>
+    </p:embeddedFont>
+  </p:embeddedFontLst>
   <p:defaultTextStyle>
     <a:defPPr>
       <a:defRPr lang="en-US"/>
@@ -107,148 +123,438 @@
 </p:presentation>
 </file>
 
-<file path=ppt/ink/ink1.xml><?xml version="1.0" encoding="utf-8"?>
-<inkml:ink xmlns:inkml="http://www.w3.org/2003/InkML">
-  <inkml:definitions>
-    <inkml:context xml:id="ctx0">
-      <inkml:inkSource xml:id="inkSrc0">
-        <inkml:traceFormat>
-          <inkml:channel name="X" type="integer" max="32767" units="in"/>
-          <inkml:channel name="Y" type="integer" max="32767" units="in"/>
-          <inkml:channel name="F" type="integer" max="255" units="dev"/>
-        </inkml:traceFormat>
-        <inkml:channelProperties>
-          <inkml:channelProperty channel="X" name="resolution" value="3971.75732" units="1/in"/>
-          <inkml:channelProperty channel="Y" name="resolution" value="5295.24854" units="1/in"/>
-          <inkml:channelProperty channel="F" name="resolution" value="0" units="1/dev"/>
-        </inkml:channelProperties>
-      </inkml:inkSource>
-      <inkml:timestamp xml:id="ts0" timeString="2012-10-20T06:32:51.823"/>
-    </inkml:context>
-    <inkml:brush xml:id="br0">
-      <inkml:brushProperty name="width" value="0.15875" units="cm"/>
-      <inkml:brushProperty name="height" value="0.15875" units="cm"/>
-      <inkml:brushProperty name="color" value="#F2F2F2"/>
-    </inkml:brush>
-  </inkml:definitions>
-  <inkml:trace contextRef="#ctx0" brushRef="#br0">740 1029 2,'-21'35'6,"21"-35"-1,0 0-1,0 0-1,0 0 1,-9 43 0,9-43 1,0 0-3,0 0 0,-5 44 0,5-44 0,0 0 1,-5 41 0,5-41-1,0 0 1,-3 43-2,3-43 2,0 0-2,-3 47 2,3-47-2,0 0 0,0 47 0,0-47 0,0 0 0,-3 47 0,3-47 2,0 0-1,0 48-1,0-48 1,0 0-1,0 52 1,0-52 1,0 40-2,0-40 1,0 45-1,0-45 0,0 51 0,0-51 0,0 57 0,0-57 1,0 65-1,0-65-1,-5 68 1,5-31 1,0 0-1,-2 1 0,2 1 0,0 1 0,-3 1 0,3-1 0,0 2 0,0-1 1,0 2-2,0-1 1,-2 0 0,2 0-1,0 1 0,0-1 0,0 0 0,0-1 0,-3 2 0,3 0 1,0 1-1,-3-2 0,3 1 1,0-2-1,-3 1 2,3 1-2,-4-2 1,4 2 0,-3-1-1,3-1 1,-4 1 0,4 0-1,-3 1 1,3-2 0,-4 2-1,4-2 0,0 1 1,-2 0-1,2 0 0,0 0 1,-3-1-1,3 0 1,0 2-1,0-2 0,0-1 1,0 1-1,3-1 2,-3-1-2,0 2 1,3-3-1,-3 2 0,0-2 0,3-1 2,-3 0-2,2 0 0,-2 1 0,0-3 0,3 1 0,-3 0 0,0-1 0,0 0 1,0-35-1,2 68 0,-2-33 0,0-35 2,0 67-4,0-67 4,4 68-2,-4-68 0,0 67 0,0-67 0,4 64 0,-4-64 0,3 66 0,-3-66 0,2 64 0,-2-64-2,3 66 2,-3-66 0,5 65 0,-5-65 0,2 65 0,-2-65 0,4 64 0,-4-64 0,4 65 0,-4-65 0,3 65 0,-3-65 0,2 63-1,-2-63 1,3 62 0,-3-62 0,0 62 0,0-62 0,3 60 0,-3-60-2,0 61 4,0-61-2,0 60 0,0-60 0,2 61 0,-2-61 0,0 63 0,0-63 0,0 63 0,0-63 0,0 65 0,0-65 0,0 65 0,0-65 0,0 66 0,0-66 0,0 66 0,0-66 0,0 68 0,0-68 0,0 66 0,0-66 0,0 66 0,0-66 0,0 65 0,0-65 0,3 62 0,-3-62 0,0 60 1,0-60-1,3 57 0,-3-57 0,0 54 0,0-54 0,3 49 0,-3-49 0,0 47 0,0-47 0,5 44 0,-5-44 0,2 42 0,-2-42 0,2 42 0,-2-42 0,4 41 0,-4-41 0,4 39 0,-4-39 0,5 41 0,-5-41 0,5 40 0,-5-40 0,6 38 0,-6-38 0,8 39 0,-8-39 0,7 38 0,-7-38 0,9 35 0,-9-35 0,9 35 2,-9-35-4,0 0 4,17 49-2,-17-49 0,0 0 0,19 46 0,-19-46 0,0 0-2,23 41 4,-23-41-2,9 36-3,13-11 1,-4-5 1,3 0-1,-2-6 1,2 3-1,-2-6 1,1 5 0,-3-4 2,-2 2-1,0-1 0,2 2 0,-1-2 1,-1 2-1,0-2 0,2 1 0,-2 0 1,-2-2-1,0 0 0,2 0 0,-1-2 0,2-1 0,-1 1 1,2-2-1,-1 0 0,4-2 0,-2 0 1,0 1-1,0-1 0,-1 0 0,-1-1 0,-1-1 2,2 0-2,-1-1 0,-1 0 0,4 0-2,-4-1 4,4-2-4,2 0 2,-1 3-1,-1-3 0,2 0 1,1 0-1,-1 0 2,1 0-2,0 0 2,1 0-1,2 0 0,1 0 1,2 0-1,0 0 0,3 3 1,-3-3-1,1 0 0,2 4 2,-5-4-2,1 2 0,-2-2 1,0 0-1,3 2-1,1-2 1,-2 3-2,1-3 2,2 3-1,-2-3 1,4 2-1,-1-2 1,0 5 0,0-5 0,2 4 0,1-4 1,1 4-1,0-1 0,-1 0 0,0-1 0,0 2 0,1 0-1,-3-1 1,2 0 0,0 2-1,-2-1 1,4 0 0,0 1 0,-1-1 0,2 0-1,3 1 1,-2-2 0,1 2 0,-1-2 0,0 0 0,-1-3 0,1 5 0,0-5-1,-2 2 1,0-2-1,1 3 1,0-3 0,1 0 0,1 0-1,-1 0 1,2 0 1,-1 0-1,0 0 0,0-4 1,-3 4-1,2-3 0,0 0 0,-4 0 0,1 3 0,-1-4 1,1 1-1,1 3 0,1-2 1,0 2-1,0-4 1,1 4-1,0 0 1,-1-3-1,1 3 1,-3 0 1,0-2-2,-1 2 1,2 0 1,-2 0-2,0 0 1,-1 0 1,2 0-2,1 0 1,-1 0 0,2 0-1,0 0 1,0-3 0,1 1-1,-1-1 1,0 0-1,-3 3 1,1-4-1,-1 4 1,0-3-1,-1 3 0,-1-4 1,3 1-1,-3 3 0,2-5 0,2 5 1,-2-5-1,0 5 1,0-4-1,1 4 1,-1-3-1,0 3 1,-2 0-1,-1-2 0,-2 2 1,2 0-1,-3-3 0,0 3 0,-1 0 0,0-4 1,0 4-1,-1-3 0,0 1 0,0-1 0,-1 1 0,-2-1 1,3-1-1,-2 1 0,1-2 0,-1 0 0,-1 1 0,0-1 1,-2 0-1,2 0 0,-3 0 0,0 1 0,-2-1 2,0 0-2,0-1 0,-2 2 0,2 1 0,0-3 0,0 1 0,-2 0 0,0 0 0,-1-1 0,0 2 0,0-3 0,-1 2 0,-2 0 2,-1-2-2,2 1 0,0-1 0,-2 1 0,0-1 1,-1 0-1,2 0 0,-2-1 0,1 2 1,-1-4-1,0 3 0,-1-2 0,1-2 1,0 3-1,-3-3 0,1 2 0,-1 1 1,0-1-1,0 0 0,-1 1 0,-1 1 0,1-1 0,0 0 1,-2 0-1,2 0 0,-6 8 0,9-15 0,-9 15 1,10-14-1,-10 14 0,9-13 0,-9 13 0,9-16 0,-3 6 0,-1 1 0,0-3 1,0 1-1,0-1 0,0-1 0,1 0 1,-1-1-1,0 0 0,0-1 0,1 1 0,0-2 0,-1-2 0,1 1 0,0-2 0,-1 0 0,1 0 0,0 0 0,0-3 0,-1 1 0,1-2 0,-1 0 0,1-1 0,-2 2 0,0-3 0,1 1 0,-2 2-1,1 0 2,-2 0-2,2 1 2,-4-1-1,4 0 0,-4 0 0,4 1 1,-4-1-1,3 0 0,-3-1 1,0 1-1,4-1 0,-4 0 0,0-2 0,0 1 0,0 1 0,0-4 0,0-1-1,0 0 1,0 1 0,0-2 0,0 0-1,0 0 1,-4-2 0,4 0 0,0 1 1,-3 0-2,3-1 2,-3 0-2,3 0 2,-3 0-2,3-1 2,-3 2-2,3-3 1,-4 0 0,4-1 0,-2-1 0,2 1-1,-3-2 1,3 0 0,-3-2 0,3 0 0,-2 2 0,2-1 1,-3-2-2,3-1 2,-2-1-1,2 0 0,-4-1 0,4-1 0,-4 0 0,4-2 0,-3 1 0,3-3-1,-4 2 1,4-2 1,-4 2-1,4-1 0,-3-1 0,0-1 1,3 1-1,-3 0 0,3 1 1,-4-3-2,2 3 1,2-2 1,-4 2 0,4 0-1,-4-1 0,4 2 0,-3 1 1,0 0-1,3 1 1,-4 0-2,1 2 1,1 1 0,-1 0 0,3-1 0,-4 2 0,4 0 0,-4-1-1,4 0 1,-4 1-1,4 1 0,-4-2 1,4 2-1,-2 0 1,2-1-1,-3-2 1,3 2 0,0 0 0,0-1 0,0 3 0,0-5 1,0 4-1,0-2 1,4 2-1,-4-2 0,0 0 0,3-1 1,-3 0-1,0-1 0,0 1 0,2-2 0,-2 2 0,0-2 0,0 3-1,0-2 1,-2 1 0,2 3 0,-3 0 0,3 3 0,-4 0 0,2-2 0,2 3 0,-6 0 0,4 0 0,-2-2 0,2 1 1,-2 0-1,0-3-1,2 3 1,-2-2 0,2-1 0,-1 0 0,0 3-1,-1-1 0,1 0 1,-1 1 0,2-2-1,-2 3 1,-1 1-1,1-1 1,0 1 0,0 2 0,2-1 0,-3 0 1,1 1-1,0-1 0,0 1 0,1 3-1,-1-2 1,2 2-1,2 1 2,-6 1-2,4 1 1,2 1-1,-5 0 1,3 0 0,-2 1 0,2-2 0,-2 3 0,1 0 1,-1-1-1,0-1 0,2 2 0,-2 0 0,-1 3 0,1-1 0,-1 1 0,1 1 0,-2 0 1,3 2-1,-3 2 0,1 0 0,0-2 0,-2 3 0,2-2 1,-1 0-2,-1 1 2,1 1-2,0-1 2,-1 1-1,0 1 0,1-2 0,-1 3 0,0 0 0,0 0 0,0 0 0,-1 1 0,0-1 0,0 1 0,0 0 1,1-1-2,-2-1 2,-1 2-1,-1-3 0,1 2 0,-1-2 0,0-1 0,3 2 0,-3 0 0,-1 1 1,4-2-1,-1 2 0,0 1 0,0 1 0,0-1 0,0 3 0,-1-4 0,0 2 0,1 1 0,0 0 1,-1 0-1,1 0 0,-2 0 0,1 1 0,1 0 0,-2-1 0,2 3 0,-2 0 0,1 1 0,0-1 0,-3 1 0,2 0 1,-1 0-1,1 0 0,-1 0 0,1 0 0,-2 1 0,0-2 0,1 0 0,-1 2 0,-1-1 0,-1-1 0,1 1 0,1 0 0,-2 0 0,-1-1 0,2 1 1,-1-1-1,-1 2 0,0-1 0,1 1 0,-4 1 0,1-1 0,-1 3 0,1-4 0,-3 4 0,2-5 0,-2 5 0,0-3 0,0 3 0,-2-3 1,-1 3-1,-2 0 0,0-3 0,-1 3 0,-2 0 0,0-3 0,-1 3 0,1 0-1,0 0 1,1-2 0,-1 2 0,-1 0 1,1 0-1,1-3 0,-1 3 0,0 0 0,0 0 0,0 0 0,-3 0 0,1 0 0,0 0 0,0 0 0,-4 0 0,3 0-1,-2 0 1,1 0 0,0 0 0,1 3 0,0-3 0,0 3 0,2-3 0,1 2 0,-1-2 0,1 0 0,0 0 1,-2 0-1,0 0 0,-1 0-1,0 0 1,-1 0 0,-1 0 0,0 0 0,0-2 0,0 2 0,0 0 0,4 0 0,-3-3 0,0 3 0,1 0 0,2-3 1,-1 3-1,-2 0 0,1-2 0,-2 2 1,0 0-1,-1-2 0,1 2 0,-2 0 0,1 0-1,1 0 1,0-3 0,0 3 0,1 0 0,0-3 1,-1 3-1,3-2 0,-1 2 1,-1-3-1,1 3 0,-2 0 1,0 0-1,1-3 0,-1 3 0,-1 0-1,0 0 1,1 0 0,0 0 0,0 0 0,2 0 0,0 0 0,1 0 1,0-2-1,2 2 0,1-3 1,-1 3-1,-2-3 0,1 3 1,0 0-1,-1 0-1,-1 0 1,1 0 0,-2 0 0,1 0 0,0 0 0,3 0 0,0 0 0,1 0 0,-1 0 1,-1 0 0,2 0 0,-1 0 0,1 0 0,0 0 0,0 0-1,-1 0 1,2 0-1,-1 0 0,-1 0 0,-3 0 0,-1 0 0,-1 0 0,1 0 0,0 3 0,-1-3-1,3 0 1,1 4 0,4-4 0,-3 5 1,0-2 0,4 1 0,-2 0 0,3-1 0,0 2 0,0-1 0,1 1 0,3 1-1,1-1-1,0 1 1,-1 1 0,1-2 0,-1 3 0,-1-1-1,1 0 1,-1 1 0,1 0 0,1 1-1,0 0 1,2 1 0,0 1 0,0 1 0,3 0-1,-1 2 1,0-1 0,-1 1 0,-1 1 0,0-2 0,0 3-1,0 0 1,-2 0 0,19-16 1,0 0 0,0 0 0,-45 36 0,45-36 0,0 0 0,-37 33 2,37-33-2,0 0-2,-42 36 1,42-36-3,0 0 3,-41 41 0,41-41 0,0 0-1,-39 43 1,39-43 1,0 0-2,-35 43 2,35-43-1,0 0 0,-26 41-1,26-41 2,0 0-2,-21 37 2,21-37-1,0 0 0,-16 36-1,16-36 1,0 0 0,0 0 0,-16 46 0,16-46 0,0 0 0,0 0 0,-13 43 0,13-43 0,0 0 0,0 0 0,-9 43 0,9-43 0,0 0 0,0 0 0,-6 45 0,6-45 0,0 0-1,0 43-2,0-43-6,2 39-26,-2-39-6,10 49 0,-10-49-2</inkml:trace>
-</inkml:ink>
+<file path=ppt/notesMasters/notesMaster1.xml><?xml version="1.0" encoding="utf-8"?>
+<p:notesMaster xmlns:a="http://schemas.openxmlformats.org/drawingml/2006/main" xmlns:r="http://schemas.openxmlformats.org/officeDocument/2006/relationships" xmlns:p="http://schemas.openxmlformats.org/presentationml/2006/main">
+  <p:cSld>
+    <p:bg>
+      <p:bgRef idx="1001">
+        <a:schemeClr val="bg1"/>
+      </p:bgRef>
+    </p:bg>
+    <p:spTree>
+      <p:nvGrpSpPr>
+        <p:cNvPr id="1" name=""/>
+        <p:cNvGrpSpPr/>
+        <p:nvPr/>
+      </p:nvGrpSpPr>
+      <p:grpSpPr>
+        <a:xfrm>
+          <a:off x="0" y="0"/>
+          <a:ext cx="0" cy="0"/>
+          <a:chOff x="0" y="0"/>
+          <a:chExt cx="0" cy="0"/>
+        </a:xfrm>
+      </p:grpSpPr>
+      <p:sp>
+        <p:nvSpPr>
+          <p:cNvPr id="2" name="Header Placeholder 1"/>
+          <p:cNvSpPr>
+            <a:spLocks noGrp="1"/>
+          </p:cNvSpPr>
+          <p:nvPr>
+            <p:ph type="hdr" sz="quarter"/>
+          </p:nvPr>
+        </p:nvSpPr>
+        <p:spPr>
+          <a:xfrm>
+            <a:off x="0" y="0"/>
+            <a:ext cx="2971800" cy="457200"/>
+          </a:xfrm>
+          <a:prstGeom prst="rect">
+            <a:avLst/>
+          </a:prstGeom>
+        </p:spPr>
+        <p:txBody>
+          <a:bodyPr vert="horz" lIns="91440" tIns="45720" rIns="91440" bIns="45720" rtlCol="0"/>
+          <a:lstStyle>
+            <a:lvl1pPr algn="l">
+              <a:defRPr sz="1200"/>
+            </a:lvl1pPr>
+          </a:lstStyle>
+          <a:p>
+            <a:endParaRPr lang="en-SG"/>
+          </a:p>
+        </p:txBody>
+      </p:sp>
+      <p:sp>
+        <p:nvSpPr>
+          <p:cNvPr id="3" name="Date Placeholder 2"/>
+          <p:cNvSpPr>
+            <a:spLocks noGrp="1"/>
+          </p:cNvSpPr>
+          <p:nvPr>
+            <p:ph type="dt" idx="1"/>
+          </p:nvPr>
+        </p:nvSpPr>
+        <p:spPr>
+          <a:xfrm>
+            <a:off x="3884613" y="0"/>
+            <a:ext cx="2971800" cy="457200"/>
+          </a:xfrm>
+          <a:prstGeom prst="rect">
+            <a:avLst/>
+          </a:prstGeom>
+        </p:spPr>
+        <p:txBody>
+          <a:bodyPr vert="horz" lIns="91440" tIns="45720" rIns="91440" bIns="45720" rtlCol="0"/>
+          <a:lstStyle>
+            <a:lvl1pPr algn="r">
+              <a:defRPr sz="1200"/>
+            </a:lvl1pPr>
+          </a:lstStyle>
+          <a:p>
+            <a:fld id="{A4537E34-E1A6-4BBF-AF99-84C669929841}" type="datetimeFigureOut">
+              <a:rPr lang="en-SG" smtClean="0"/>
+              <a:t>6/3/2013</a:t>
+            </a:fld>
+            <a:endParaRPr lang="en-SG"/>
+          </a:p>
+        </p:txBody>
+      </p:sp>
+      <p:sp>
+        <p:nvSpPr>
+          <p:cNvPr id="4" name="Slide Image Placeholder 3"/>
+          <p:cNvSpPr>
+            <a:spLocks noGrp="1" noRot="1" noChangeAspect="1"/>
+          </p:cNvSpPr>
+          <p:nvPr>
+            <p:ph type="sldImg" idx="2"/>
+          </p:nvPr>
+        </p:nvSpPr>
+        <p:spPr>
+          <a:xfrm>
+            <a:off x="-1179513" y="685800"/>
+            <a:ext cx="9217026" cy="3429000"/>
+          </a:xfrm>
+          <a:prstGeom prst="rect">
+            <a:avLst/>
+          </a:prstGeom>
+          <a:noFill/>
+          <a:ln w="12700">
+            <a:solidFill>
+              <a:prstClr val="black"/>
+            </a:solidFill>
+          </a:ln>
+        </p:spPr>
+        <p:txBody>
+          <a:bodyPr vert="horz" lIns="91440" tIns="45720" rIns="91440" bIns="45720" rtlCol="0" anchor="ctr"/>
+          <a:lstStyle/>
+          <a:p>
+            <a:endParaRPr lang="en-SG"/>
+          </a:p>
+        </p:txBody>
+      </p:sp>
+      <p:sp>
+        <p:nvSpPr>
+          <p:cNvPr id="5" name="Notes Placeholder 4"/>
+          <p:cNvSpPr>
+            <a:spLocks noGrp="1"/>
+          </p:cNvSpPr>
+          <p:nvPr>
+            <p:ph type="body" sz="quarter" idx="3"/>
+          </p:nvPr>
+        </p:nvSpPr>
+        <p:spPr>
+          <a:xfrm>
+            <a:off x="685800" y="4343400"/>
+            <a:ext cx="5486400" cy="4114800"/>
+          </a:xfrm>
+          <a:prstGeom prst="rect">
+            <a:avLst/>
+          </a:prstGeom>
+        </p:spPr>
+        <p:txBody>
+          <a:bodyPr vert="horz" lIns="91440" tIns="45720" rIns="91440" bIns="45720" rtlCol="0"/>
+          <a:lstStyle/>
+          <a:p>
+            <a:pPr lvl="0"/>
+            <a:r>
+              <a:rPr lang="en-US" smtClean="0"/>
+              <a:t>Click to edit Master text styles</a:t>
+            </a:r>
+          </a:p>
+          <a:p>
+            <a:pPr lvl="1"/>
+            <a:r>
+              <a:rPr lang="en-US" smtClean="0"/>
+              <a:t>Second level</a:t>
+            </a:r>
+          </a:p>
+          <a:p>
+            <a:pPr lvl="2"/>
+            <a:r>
+              <a:rPr lang="en-US" smtClean="0"/>
+              <a:t>Third level</a:t>
+            </a:r>
+          </a:p>
+          <a:p>
+            <a:pPr lvl="3"/>
+            <a:r>
+              <a:rPr lang="en-US" smtClean="0"/>
+              <a:t>Fourth level</a:t>
+            </a:r>
+          </a:p>
+          <a:p>
+            <a:pPr lvl="4"/>
+            <a:r>
+              <a:rPr lang="en-US" smtClean="0"/>
+              <a:t>Fifth level</a:t>
+            </a:r>
+            <a:endParaRPr lang="en-SG"/>
+          </a:p>
+        </p:txBody>
+      </p:sp>
+      <p:sp>
+        <p:nvSpPr>
+          <p:cNvPr id="6" name="Footer Placeholder 5"/>
+          <p:cNvSpPr>
+            <a:spLocks noGrp="1"/>
+          </p:cNvSpPr>
+          <p:nvPr>
+            <p:ph type="ftr" sz="quarter" idx="4"/>
+          </p:nvPr>
+        </p:nvSpPr>
+        <p:spPr>
+          <a:xfrm>
+            <a:off x="0" y="8685213"/>
+            <a:ext cx="2971800" cy="457200"/>
+          </a:xfrm>
+          <a:prstGeom prst="rect">
+            <a:avLst/>
+          </a:prstGeom>
+        </p:spPr>
+        <p:txBody>
+          <a:bodyPr vert="horz" lIns="91440" tIns="45720" rIns="91440" bIns="45720" rtlCol="0" anchor="b"/>
+          <a:lstStyle>
+            <a:lvl1pPr algn="l">
+              <a:defRPr sz="1200"/>
+            </a:lvl1pPr>
+          </a:lstStyle>
+          <a:p>
+            <a:endParaRPr lang="en-SG"/>
+          </a:p>
+        </p:txBody>
+      </p:sp>
+      <p:sp>
+        <p:nvSpPr>
+          <p:cNvPr id="7" name="Slide Number Placeholder 6"/>
+          <p:cNvSpPr>
+            <a:spLocks noGrp="1"/>
+          </p:cNvSpPr>
+          <p:nvPr>
+            <p:ph type="sldNum" sz="quarter" idx="5"/>
+          </p:nvPr>
+        </p:nvSpPr>
+        <p:spPr>
+          <a:xfrm>
+            <a:off x="3884613" y="8685213"/>
+            <a:ext cx="2971800" cy="457200"/>
+          </a:xfrm>
+          <a:prstGeom prst="rect">
+            <a:avLst/>
+          </a:prstGeom>
+        </p:spPr>
+        <p:txBody>
+          <a:bodyPr vert="horz" lIns="91440" tIns="45720" rIns="91440" bIns="45720" rtlCol="0" anchor="b"/>
+          <a:lstStyle>
+            <a:lvl1pPr algn="r">
+              <a:defRPr sz="1200"/>
+            </a:lvl1pPr>
+          </a:lstStyle>
+          <a:p>
+            <a:fld id="{53863409-F2D1-4B2C-8A2D-7488CD6A793E}" type="slidenum">
+              <a:rPr lang="en-SG" smtClean="0"/>
+              <a:t>‹#›</a:t>
+            </a:fld>
+            <a:endParaRPr lang="en-SG"/>
+          </a:p>
+        </p:txBody>
+      </p:sp>
+    </p:spTree>
+    <p:extLst>
+      <p:ext uri="{BB962C8B-B14F-4D97-AF65-F5344CB8AC3E}">
+        <p14:creationId xmlns:p14="http://schemas.microsoft.com/office/powerpoint/2010/main" val="2632912193"/>
+      </p:ext>
+    </p:extLst>
+  </p:cSld>
+  <p:clrMap bg1="lt1" tx1="dk1" bg2="lt2" tx2="dk2" accent1="accent1" accent2="accent2" accent3="accent3" accent4="accent4" accent5="accent5" accent6="accent6" hlink="hlink" folHlink="folHlink"/>
+  <p:notesStyle>
+    <a:lvl1pPr marL="0" algn="l" defTabSz="914400" rtl="0" eaLnBrk="1" latinLnBrk="0" hangingPunct="1">
+      <a:defRPr sz="1200" kern="1200">
+        <a:solidFill>
+          <a:schemeClr val="tx1"/>
+        </a:solidFill>
+        <a:latin typeface="+mn-lt"/>
+        <a:ea typeface="+mn-ea"/>
+        <a:cs typeface="+mn-cs"/>
+      </a:defRPr>
+    </a:lvl1pPr>
+    <a:lvl2pPr marL="457200" algn="l" defTabSz="914400" rtl="0" eaLnBrk="1" latinLnBrk="0" hangingPunct="1">
+      <a:defRPr sz="1200" kern="1200">
+        <a:solidFill>
+          <a:schemeClr val="tx1"/>
+        </a:solidFill>
+        <a:latin typeface="+mn-lt"/>
+        <a:ea typeface="+mn-ea"/>
+        <a:cs typeface="+mn-cs"/>
+      </a:defRPr>
+    </a:lvl2pPr>
+    <a:lvl3pPr marL="914400" algn="l" defTabSz="914400" rtl="0" eaLnBrk="1" latinLnBrk="0" hangingPunct="1">
+      <a:defRPr sz="1200" kern="1200">
+        <a:solidFill>
+          <a:schemeClr val="tx1"/>
+        </a:solidFill>
+        <a:latin typeface="+mn-lt"/>
+        <a:ea typeface="+mn-ea"/>
+        <a:cs typeface="+mn-cs"/>
+      </a:defRPr>
+    </a:lvl3pPr>
+    <a:lvl4pPr marL="1371600" algn="l" defTabSz="914400" rtl="0" eaLnBrk="1" latinLnBrk="0" hangingPunct="1">
+      <a:defRPr sz="1200" kern="1200">
+        <a:solidFill>
+          <a:schemeClr val="tx1"/>
+        </a:solidFill>
+        <a:latin typeface="+mn-lt"/>
+        <a:ea typeface="+mn-ea"/>
+        <a:cs typeface="+mn-cs"/>
+      </a:defRPr>
+    </a:lvl4pPr>
+    <a:lvl5pPr marL="1828800" algn="l" defTabSz="914400" rtl="0" eaLnBrk="1" latinLnBrk="0" hangingPunct="1">
+      <a:defRPr sz="1200" kern="1200">
+        <a:solidFill>
+          <a:schemeClr val="tx1"/>
+        </a:solidFill>
+        <a:latin typeface="+mn-lt"/>
+        <a:ea typeface="+mn-ea"/>
+        <a:cs typeface="+mn-cs"/>
+      </a:defRPr>
+    </a:lvl5pPr>
+    <a:lvl6pPr marL="2286000" algn="l" defTabSz="914400" rtl="0" eaLnBrk="1" latinLnBrk="0" hangingPunct="1">
+      <a:defRPr sz="1200" kern="1200">
+        <a:solidFill>
+          <a:schemeClr val="tx1"/>
+        </a:solidFill>
+        <a:latin typeface="+mn-lt"/>
+        <a:ea typeface="+mn-ea"/>
+        <a:cs typeface="+mn-cs"/>
+      </a:defRPr>
+    </a:lvl6pPr>
+    <a:lvl7pPr marL="2743200" algn="l" defTabSz="914400" rtl="0" eaLnBrk="1" latinLnBrk="0" hangingPunct="1">
+      <a:defRPr sz="1200" kern="1200">
+        <a:solidFill>
+          <a:schemeClr val="tx1"/>
+        </a:solidFill>
+        <a:latin typeface="+mn-lt"/>
+        <a:ea typeface="+mn-ea"/>
+        <a:cs typeface="+mn-cs"/>
+      </a:defRPr>
+    </a:lvl7pPr>
+    <a:lvl8pPr marL="3200400" algn="l" defTabSz="914400" rtl="0" eaLnBrk="1" latinLnBrk="0" hangingPunct="1">
+      <a:defRPr sz="1200" kern="1200">
+        <a:solidFill>
+          <a:schemeClr val="tx1"/>
+        </a:solidFill>
+        <a:latin typeface="+mn-lt"/>
+        <a:ea typeface="+mn-ea"/>
+        <a:cs typeface="+mn-cs"/>
+      </a:defRPr>
+    </a:lvl8pPr>
+    <a:lvl9pPr marL="3657600" algn="l" defTabSz="914400" rtl="0" eaLnBrk="1" latinLnBrk="0" hangingPunct="1">
+      <a:defRPr sz="1200" kern="1200">
+        <a:solidFill>
+          <a:schemeClr val="tx1"/>
+        </a:solidFill>
+        <a:latin typeface="+mn-lt"/>
+        <a:ea typeface="+mn-ea"/>
+        <a:cs typeface="+mn-cs"/>
+      </a:defRPr>
+    </a:lvl9pPr>
+  </p:notesStyle>
+</p:notesMaster>
 </file>
 
-<file path=ppt/ink/ink2.xml><?xml version="1.0" encoding="utf-8"?>
-<inkml:ink xmlns:inkml="http://www.w3.org/2003/InkML">
-  <inkml:definitions>
-    <inkml:context xml:id="ctx0">
-      <inkml:inkSource xml:id="inkSrc0">
-        <inkml:traceFormat>
-          <inkml:channel name="X" type="integer" max="32767" units="in"/>
-          <inkml:channel name="Y" type="integer" max="32767" units="in"/>
-          <inkml:channel name="F" type="integer" max="255" units="dev"/>
-        </inkml:traceFormat>
-        <inkml:channelProperties>
-          <inkml:channelProperty channel="X" name="resolution" value="3971.75732" units="1/in"/>
-          <inkml:channelProperty channel="Y" name="resolution" value="5295.24854" units="1/in"/>
-          <inkml:channelProperty channel="F" name="resolution" value="0" units="1/dev"/>
-        </inkml:channelProperties>
-      </inkml:inkSource>
-      <inkml:timestamp xml:id="ts0" timeString="2012-10-20T06:32:07.915"/>
-    </inkml:context>
-    <inkml:brush xml:id="br0">
-      <inkml:brushProperty name="width" value="0.15875" units="cm"/>
-      <inkml:brushProperty name="height" value="0.15875" units="cm"/>
-      <inkml:brushProperty name="color" value="#F2F2F2"/>
-    </inkml:brush>
-  </inkml:definitions>
-  <inkml:trace contextRef="#ctx0" brushRef="#br0">740 1029 2,'-21'35'6,"21"-35"-1,0 0-1,0 0-1,0 0 1,-9 43 0,9-43 1,0 0-3,0 0 0,-5 44 0,5-44 0,0 0 1,-5 41 0,5-41-1,0 0 1,-3 43-2,3-43 2,0 0-2,-3 47 2,3-47-2,0 0 0,0 47 0,0-47 0,0 0 0,-3 47 0,3-47 2,0 0-1,0 48-1,0-48 1,0 0-1,0 52 1,0-52 1,0 40-2,0-40 1,0 45-1,0-45 0,0 51 0,0-51 0,0 57 0,0-57 1,0 65-1,0-65-1,-5 68 1,5-31 1,0 0-1,-2 1 0,2 1 0,0 1 0,-3 1 0,3-1 0,0 2 0,0-1 1,0 2-2,0-1 1,-2 0 0,2 0-1,0 1 0,0-1 0,0 0 0,0-1 0,-3 2 0,3 0 1,0 1-1,-3-2 0,3 1 1,0-2-1,-3 1 2,3 1-2,-4-2 1,4 2 0,-3-1-1,3-1 1,-4 1 0,4 0-1,-3 1 1,3-2 0,-4 2-1,4-2 0,0 1 1,-2 0-1,2 0 0,0 0 1,-3-1-1,3 0 1,0 2-1,0-2 0,0-1 1,0 1-1,3-1 2,-3-1-2,0 2 1,3-3-1,-3 2 0,0-2 0,3-1 2,-3 0-2,2 0 0,-2 1 0,0-3 0,3 1 0,-3 0 0,0-1 0,0 0 1,0-35-1,2 68 0,-2-33 0,0-35 2,0 67-4,0-67 4,4 68-2,-4-68 0,0 67 0,0-67 0,4 64 0,-4-64 0,3 66 0,-3-66 0,2 64 0,-2-64-2,3 66 2,-3-66 0,5 65 0,-5-65 0,2 65 0,-2-65 0,4 64 0,-4-64 0,4 65 0,-4-65 0,3 65 0,-3-65 0,2 63-1,-2-63 1,3 62 0,-3-62 0,0 62 0,0-62 0,3 60 0,-3-60-2,0 61 4,0-61-2,0 60 0,0-60 0,2 61 0,-2-61 0,0 63 0,0-63 0,0 63 0,0-63 0,0 65 0,0-65 0,0 65 0,0-65 0,0 66 0,0-66 0,0 66 0,0-66 0,0 68 0,0-68 0,0 66 0,0-66 0,0 66 0,0-66 0,0 65 0,0-65 0,3 62 0,-3-62 0,0 60 1,0-60-1,3 57 0,-3-57 0,0 54 0,0-54 0,3 49 0,-3-49 0,0 47 0,0-47 0,5 44 0,-5-44 0,2 42 0,-2-42 0,2 42 0,-2-42 0,4 41 0,-4-41 0,4 39 0,-4-39 0,5 41 0,-5-41 0,5 40 0,-5-40 0,6 38 0,-6-38 0,8 39 0,-8-39 0,7 38 0,-7-38 0,9 35 0,-9-35 0,9 35 2,-9-35-4,0 0 4,17 49-2,-17-49 0,0 0 0,19 46 0,-19-46 0,0 0-2,23 41 4,-23-41-2,9 36-3,13-11 1,-4-5 1,3 0-1,-2-6 1,2 3-1,-2-6 1,1 5 0,-3-4 2,-2 2-1,0-1 0,2 2 0,-1-2 1,-1 2-1,0-2 0,2 1 0,-2 0 1,-2-2-1,0 0 0,2 0 0,-1-2 0,2-1 0,-1 1 1,2-2-1,-1 0 0,4-2 0,-2 0 1,0 1-1,0-1 0,-1 0 0,-1-1 0,-1-1 2,2 0-2,-1-1 0,-1 0 0,4 0-2,-4-1 4,4-2-4,2 0 2,-1 3-1,-1-3 0,2 0 1,1 0-1,-1 0 2,1 0-2,0 0 2,1 0-1,2 0 0,1 0 1,2 0-1,0 0 0,3 3 1,-3-3-1,1 0 0,2 4 2,-5-4-2,1 2 0,-2-2 1,0 0-1,3 2-1,1-2 1,-2 3-2,1-3 2,2 3-1,-2-3 1,4 2-1,-1-2 1,0 5 0,0-5 0,2 4 0,1-4 1,1 4-1,0-1 0,-1 0 0,0-1 0,0 2 0,1 0-1,-3-1 1,2 0 0,0 2-1,-2-1 1,4 0 0,0 1 0,-1-1 0,2 0-1,3 1 1,-2-2 0,1 2 0,-1-2 0,0 0 0,-1-3 0,1 5 0,0-5-1,-2 2 1,0-2-1,1 3 1,0-3 0,1 0 0,1 0-1,-1 0 1,2 0 1,-1 0-1,0 0 0,0-4 1,-3 4-1,2-3 0,0 0 0,-4 0 0,1 3 0,-1-4 1,1 1-1,1 3 0,1-2 1,0 2-1,0-4 1,1 4-1,0 0 1,-1-3-1,1 3 1,-3 0 1,0-2-2,-1 2 1,2 0 1,-2 0-2,0 0 1,-1 0 1,2 0-2,1 0 1,-1 0 0,2 0-1,0 0 1,0-3 0,1 1-1,-1-1 1,0 0-1,-3 3 1,1-4-1,-1 4 1,0-3-1,-1 3 0,-1-4 1,3 1-1,-3 3 0,2-5 0,2 5 1,-2-5-1,0 5 1,0-4-1,1 4 1,-1-3-1,0 3 1,-2 0-1,-1-2 0,-2 2 1,2 0-1,-3-3 0,0 3 0,-1 0 0,0-4 1,0 4-1,-1-3 0,0 1 0,0-1 0,-1 1 0,-2-1 1,3-1-1,-2 1 0,1-2 0,-1 0 0,-1 1 0,0-1 1,-2 0-1,2 0 0,-3 0 0,0 1 0,-2-1 2,0 0-2,0-1 0,-2 2 0,2 1 0,0-3 0,0 1 0,-2 0 0,0 0 0,-1-1 0,0 2 0,0-3 0,-1 2 0,-2 0 2,-1-2-2,2 1 0,0-1 0,-2 1 0,0-1 1,-1 0-1,2 0 0,-2-1 0,1 2 1,-1-4-1,0 3 0,-1-2 0,1-2 1,0 3-1,-3-3 0,1 2 0,-1 1 1,0-1-1,0 0 0,-1 1 0,-1 1 0,1-1 0,0 0 1,-2 0-1,2 0 0,-6 8 0,9-15 0,-9 15 1,10-14-1,-10 14 0,9-13 0,-9 13 0,9-16 0,-3 6 0,-1 1 0,0-3 1,0 1-1,0-1 0,0-1 0,1 0 1,-1-1-1,0 0 0,0-1 0,1 1 0,0-2 0,-1-2 0,1 1 0,0-2 0,-1 0 0,1 0 0,0 0 0,0-3 0,-1 1 0,1-2 0,-1 0 0,1-1 0,-2 2 0,0-3 0,1 1 0,-2 2-1,1 0 2,-2 0-2,2 1 2,-4-1-1,4 0 0,-4 0 0,4 1 1,-4-1-1,3 0 0,-3-1 1,0 1-1,4-1 0,-4 0 0,0-2 0,0 1 0,0 1 0,0-4 0,0-1-1,0 0 1,0 1 0,0-2 0,0 0-1,0 0 1,-4-2 0,4 0 0,0 1 1,-3 0-2,3-1 2,-3 0-2,3 0 2,-3 0-2,3-1 2,-3 2-2,3-3 1,-4 0 0,4-1 0,-2-1 0,2 1-1,-3-2 1,3 0 0,-3-2 0,3 0 0,-2 2 0,2-1 1,-3-2-2,3-1 2,-2-1-1,2 0 0,-4-1 0,4-1 0,-4 0 0,4-2 0,-3 1 0,3-3-1,-4 2 1,4-2 1,-4 2-1,4-1 0,-3-1 0,0-1 1,3 1-1,-3 0 0,3 1 1,-4-3-2,2 3 1,2-2 1,-4 2 0,4 0-1,-4-1 0,4 2 0,-3 1 1,0 0-1,3 1 1,-4 0-2,1 2 1,1 1 0,-1 0 0,3-1 0,-4 2 0,4 0 0,-4-1-1,4 0 1,-4 1-1,4 1 0,-4-2 1,4 2-1,-2 0 1,2-1-1,-3-2 1,3 2 0,0 0 0,0-1 0,0 3 0,0-5 1,0 4-1,0-2 1,4 2-1,-4-2 0,0 0 0,3-1 1,-3 0-1,0-1 0,0 1 0,2-2 0,-2 2 0,0-2 0,0 3-1,0-2 1,-2 1 0,2 3 0,-3 0 0,3 3 0,-4 0 0,2-2 0,2 3 0,-6 0 0,4 0 0,-2-2 0,2 1 1,-2 0-1,0-3-1,2 3 1,-2-2 0,2-1 0,-1 0 0,0 3-1,-1-1 0,1 0 1,-1 1 0,2-2-1,-2 3 1,-1 1-1,1-1 1,0 1 0,0 2 0,2-1 0,-3 0 1,1 1-1,0-1 0,0 1 0,1 3-1,-1-2 1,2 2-1,2 1 2,-6 1-2,4 1 1,2 1-1,-5 0 1,3 0 0,-2 1 0,2-2 0,-2 3 0,1 0 1,-1-1-1,0-1 0,2 2 0,-2 0 0,-1 3 0,1-1 0,-1 1 0,1 1 0,-2 0 1,3 2-1,-3 2 0,1 0 0,0-2 0,-2 3 0,2-2 1,-1 0-2,-1 1 2,1 1-2,0-1 2,-1 1-1,0 1 0,1-2 0,-1 3 0,0 0 0,0 0 0,0 0 0,-1 1 0,0-1 0,0 1 0,0 0 1,1-1-2,-2-1 2,-1 2-1,-1-3 0,1 2 0,-1-2 0,0-1 0,3 2 0,-3 0 0,-1 1 1,4-2-1,-1 2 0,0 1 0,0 1 0,0-1 0,0 3 0,-1-4 0,0 2 0,1 1 0,0 0 1,-1 0-1,1 0 0,-2 0 0,1 1 0,1 0 0,-2-1 0,2 3 0,-2 0 0,1 1 0,0-1 0,-3 1 0,2 0 1,-1 0-1,1 0 0,-1 0 0,1 0 0,-2 1 0,0-2 0,1 0 0,-1 2 0,-1-1 0,-1-1 0,1 1 0,1 0 0,-2 0 0,-1-1 0,2 1 1,-1-1-1,-1 2 0,0-1 0,1 1 0,-4 1 0,1-1 0,-1 3 0,1-4 0,-3 4 0,2-5 0,-2 5 0,0-3 0,0 3 0,-2-3 1,-1 3-1,-2 0 0,0-3 0,-1 3 0,-2 0 0,0-3 0,-1 3 0,1 0-1,0 0 1,1-2 0,-1 2 0,-1 0 1,1 0-1,1-3 0,-1 3 0,0 0 0,0 0 0,0 0 0,-3 0 0,1 0 0,0 0 0,0 0 0,-4 0 0,3 0-1,-2 0 1,1 0 0,0 0 0,1 3 0,0-3 0,0 3 0,2-3 0,1 2 0,-1-2 0,1 0 0,0 0 1,-2 0-1,0 0 0,-1 0-1,0 0 1,-1 0 0,-1 0 0,0 0 0,0-2 0,0 2 0,0 0 0,4 0 0,-3-3 0,0 3 0,1 0 0,2-3 1,-1 3-1,-2 0 0,1-2 0,-2 2 1,0 0-1,-1-2 0,1 2 0,-2 0 0,1 0-1,1 0 1,0-3 0,0 3 0,1 0 0,0-3 1,-1 3-1,3-2 0,-1 2 1,-1-3-1,1 3 0,-2 0 1,0 0-1,1-3 0,-1 3 0,-1 0-1,0 0 1,1 0 0,0 0 0,0 0 0,2 0 0,0 0 0,1 0 1,0-2-1,2 2 0,1-3 1,-1 3-1,-2-3 0,1 3 1,0 0-1,-1 0-1,-1 0 1,1 0 0,-2 0 0,1 0 0,0 0 0,3 0 0,0 0 0,1 0 0,-1 0 1,-1 0 0,2 0 0,-1 0 0,1 0 0,0 0 0,0 0-1,-1 0 1,2 0-1,-1 0 0,-1 0 0,-3 0 0,-1 0 0,-1 0 0,1 0 0,0 3 0,-1-3-1,3 0 1,1 4 0,4-4 0,-3 5 1,0-2 0,4 1 0,-2 0 0,3-1 0,0 2 0,0-1 0,1 1 0,3 1-1,1-1-1,0 1 1,-1 1 0,1-2 0,-1 3 0,-1-1-1,1 0 1,-1 1 0,1 0 0,1 1-1,0 0 1,2 1 0,0 1 0,0 1 0,3 0-1,-1 2 1,0-1 0,-1 1 0,-1 1 0,0-2 0,0 3-1,0 0 1,-2 0 0,19-16 1,0 0 0,0 0 0,-45 36 0,45-36 0,0 0 0,-37 33 2,37-33-2,0 0-2,-42 36 1,42-36-3,0 0 3,-41 41 0,41-41 0,0 0-1,-39 43 1,39-43 1,0 0-2,-35 43 2,35-43-1,0 0 0,-26 41-1,26-41 2,0 0-2,-21 37 2,21-37-1,0 0 0,-16 36-1,16-36 1,0 0 0,0 0 0,-16 46 0,16-46 0,0 0 0,0 0 0,-13 43 0,13-43 0,0 0 0,0 0 0,-9 43 0,9-43 0,0 0 0,0 0 0,-6 45 0,6-45 0,0 0-1,0 43-2,0-43-6,2 39-26,-2-39-6,10 49 0,-10-49-2</inkml:trace>
-</inkml:ink>
-</file>
-
-<file path=ppt/ink/ink3.xml><?xml version="1.0" encoding="utf-8"?>
-<inkml:ink xmlns:inkml="http://www.w3.org/2003/InkML">
-  <inkml:definitions>
-    <inkml:context xml:id="ctx0">
-      <inkml:inkSource xml:id="inkSrc0">
-        <inkml:traceFormat>
-          <inkml:channel name="X" type="integer" max="32767" units="in"/>
-          <inkml:channel name="Y" type="integer" max="32767" units="in"/>
-          <inkml:channel name="F" type="integer" max="255" units="dev"/>
-        </inkml:traceFormat>
-        <inkml:channelProperties>
-          <inkml:channelProperty channel="X" name="resolution" value="3971.75732" units="1/in"/>
-          <inkml:channelProperty channel="Y" name="resolution" value="5295.24854" units="1/in"/>
-          <inkml:channelProperty channel="F" name="resolution" value="0" units="1/dev"/>
-        </inkml:channelProperties>
-      </inkml:inkSource>
-      <inkml:timestamp xml:id="ts0" timeString="2012-10-20T06:35:23.412"/>
-    </inkml:context>
-    <inkml:brush xml:id="br0">
-      <inkml:brushProperty name="width" value="0.10583" units="cm"/>
-      <inkml:brushProperty name="height" value="0.10583" units="cm"/>
-      <inkml:brushProperty name="color" value="#E46C0A"/>
-    </inkml:brush>
-  </inkml:definitions>
-  <inkml:trace contextRef="#ctx0" brushRef="#br0">5321 3164 8,'0'0'15,"0"0"-1,0 0-3,-4-10-1,4 10-2,0 0-1,-8-11 1,8 11-1,-8-9 0,3 1-2,5 8 1,-12-15 0,6 6-1,-3-3 2,1 1-2,-1-4-1,1 2-1,-5-3 0,1 0 0,-3-3 2,2 0-4,-5-2 1,1 1 0,-3-2 0,0 2-1,-2-1 1,1 2-1,-3 1 0,1 2 0,-1 0-1,-2 1 1,0 2-1,0 0 1,0 1-1,0 2 0,-1 0 0,-1 2 1,0 1 0,-4 3-1,2 1 0,1 3 1,-4 0-1,-1 0 0,0 5 0,1 2 0,-1-2 0,2 4 0,1-1 1,-3 2-1,2-1 1,2 2-1,1 0 1,0 1-1,1 1 1,0 0-1,1 3 0,1 0 0,1 3 0,-1 3 0,1 2-1,2 2 1,0 2 0,0 5-1,0 0 1,1 3 0,0 4 0,1 1 0,0 2 0,1 2-1,0 3 1,1 3 0,2 4 0,0 1-1,1 2 1,1 1 0,-1 1 2,2 1-2,0 0 2,1 0-2,2-4 2,0 0-1,1 0 0,4-4 0,0-4-2,2-3 2,1-7-2,3-5 1,-3-5 0,3-7 0,0-6 0,0-5 0,0-11 0,0 11 1,0-11-1,0 0 1,0 0-1,0 0 0,0 0 0,0 0-2,0 0-5,0 0-4,0-13-26,0 4-1,0-4-1,0-2-1</inkml:trace>
-  <inkml:trace contextRef="#ctx0" brushRef="#br0" timeOffset="631.0631">3606 3997 3,'0'0'19,"0"0"-2,0 13-2,0-4-1,3 1-6,1 6-1,-1 3 0,3 4-2,0 5-1,3 2 1,-3 1-2,3 3 0,-1 1-1,1 3 0,-1-4-2,0-4 2,-2-2-2,-1-5 1,-1-6-2,-1-2 2,-3-7 0,0-8 2,0 0 1,0 0 0,12-12-1,-8-4 1,2-5 0,2-3-1,2-7 3,2-2-4,3-6 1,2 3-2,1-4 2,3 5-2,0 2 2,4 3-1,-1 5 0,-2 5-1,1 6 0,-4 4 0,0 6 0,-4 4-1,-3 0 1,-3 4 0,-9-4-2,9 6-4,-9-6-18,8 7-13,-8-7-1,0-16-3</inkml:trace>
-  <inkml:trace contextRef="#ctx0" brushRef="#br0" timeOffset="2210.221">5321 3169 7,'0'0'11,"0"0"2,-8-4-4,8 4 0,0 0-1,-10-9 0,10 9-2,-7-14 0,1 5 1,0-2-1,0-4 0,-3-1-1,1-3 3,-3 1-3,-1-5 0,-1 2 3,-6-4-4,2 2 0,-5-3-1,1 1 0,-5-1 1,0 2 0,-1-2-2,-1 1 0,-2-1 0,-2 3 0,-1-3-1,1 3 1,-2 1-1,1 1 0,-3 2 1,0 0-1,-3 1 1,1 4-2,-3 0 2,1 2-2,-1 1 1,-1 1 0,0 3 0,0-1 0,-1 3 0,2 2-1,-1 3 1,2-3 0,-4 3-1,1 3 0,-3 1 1,2 1-1,-1 2 0,-1-2 0,0 3 0,1 0 0,0 0 0,4 2 1,-1 1-1,0 4 0,0 5 0,0 2 2,-1 3-2,-1 3 1,1 4-1,-2 1 1,1 4-1,0-2 0,0 0 1,0 3 0,3-2-2,-1 2 2,1 1-2,1-2 2,0 3-1,-2 2-1,5-2 1,0 2 0,1 1 0,2 0-1,1 2 1,2 1 0,2-1 0,3 2 0,0 2 0,0-1 0,1 2 2,3 0-1,0 1 0,3 1 0,0-1 1,4 3-1,0 2 0,3 1 0,3 2-2,1-2 2,0 1-1,1-3 0,1-1 0,2-6 1,-1-3-1,3-6 1,0-4-1,-2-3 2,4-7-2,-2-3 1,2-4-1,0-5 1,-3-2 0,3-3-1,0-8 2,0 8-1,0-8 1,0 0-1,0 0 1,0 0 0,0 0-1,0 0 0,0 0 0,0 0-1,0 0-2,0 0-2,0 0-3,0 0-6,9-16-26,-5 5-4,1-3 0,0-6-2</inkml:trace>
-  <inkml:trace contextRef="#ctx0" brushRef="#br0" timeOffset="3107.3107">2400 4264 4,'0'0'32,"0"0"-7,0 0-5,-7-4-4,7 4-2,0 0-6,0 0 1,0 0-4,0 0-1,0 12-1,2-4 0,1 6 1,3 3-1,-1 3-1,4 5 0,-1 2 0,2 0 1,1 1-1,0 3 1,-1-3-2,0-1 1,-2 1-1,0-1 1,-1-4-1,-1 0 0,0-4-1,-2-3 1,-1-4-1,0-3 1,-3-9 0,6 10-1,-6-10 2,0 0-1,0 0 2,0 0-2,10-13 1,-2 3 0,0-6 0,4-2 0,4-6 0,4-4-2,4-4 1,2 1 0,3-4 0,0 1-2,0 3 2,-1 3-1,-2 4 0,-4 4 0,-4 3 1,-3 5-1,-4 4 1,-11 8 0,10-6-1,-10 6 1,0 0-1,0 0 1,0 0-1,0 0 0,0 0-1,0 0-4,13 0-9,-5-5-25,3-3-2,4-5-2,2-9-1</inkml:trace>
-</inkml:ink>
-</file>
-
-<file path=ppt/ink/ink4.xml><?xml version="1.0" encoding="utf-8"?>
-<inkml:ink xmlns:inkml="http://www.w3.org/2003/InkML">
-  <inkml:definitions>
-    <inkml:context xml:id="ctx0">
-      <inkml:inkSource xml:id="inkSrc0">
-        <inkml:traceFormat>
-          <inkml:channel name="X" type="integer" max="32767" units="in"/>
-          <inkml:channel name="Y" type="integer" max="32767" units="in"/>
-          <inkml:channel name="F" type="integer" max="255" units="dev"/>
-        </inkml:traceFormat>
-        <inkml:channelProperties>
-          <inkml:channelProperty channel="X" name="resolution" value="3971.75732" units="1/in"/>
-          <inkml:channelProperty channel="Y" name="resolution" value="5295.24854" units="1/in"/>
-          <inkml:channelProperty channel="F" name="resolution" value="0" units="1/dev"/>
-        </inkml:channelProperties>
-      </inkml:inkSource>
-      <inkml:timestamp xml:id="ts0" timeString="2012-10-20T06:35:50.135"/>
-    </inkml:context>
-    <inkml:brush xml:id="br0">
-      <inkml:brushProperty name="width" value="0.10583" units="cm"/>
-      <inkml:brushProperty name="height" value="0.10583" units="cm"/>
-      <inkml:brushProperty name="color" value="#4F81BD"/>
-    </inkml:brush>
-  </inkml:definitions>
-  <inkml:trace contextRef="#ctx0" brushRef="#br0">12333 4259 9,'0'0'14,"3"-12"2,-3 12-3,3-15 1,-3 3-3,7-1 0,-5-8-2,4 2-1,-2-7 0,3 0-3,-2-7 2,1 1-2,-1-5-2,0-3 1,-2-3-2,1 0 1,-4-6 0,0-1 1,-4-3-2,0 0 1,-4-2-1,-2 4 0,-5 2 0,-1 2 0,-6 1 0,-1 6 0,-7 1-1,0 5 1,-5 4-1,-1 1 0,-3 3-1,-3 3 2,-4 0-1,2 3 0,-3 1 1,0 2 1,0-1-1,1 1 0,3 0 1,1 0-1,3 1 0,2 0-1,4 2 1,2 2 0,2 1-1,1 2 0,5 1 1,2 4-1,2 1-1,6 0 1,-1 3 0,7 0-1,7 0 1,-10 0-1,10 0 0,0 0 0,0 0 0,0 9 0,0-9 0,0 0 1,0 0-1,0 0 0,4 8 0,-4-8 0,0 0 0,0 0 0,0 0-2,0 0-1,0 0-2,2-9-4,6 9-11,-8 0-21,11-15-4,-11 15 2</inkml:trace>
-  <inkml:trace contextRef="#ctx0" brushRef="#br0" timeOffset="1">11370 2999 9,'-8'-10'26,"8"10"-3,-11-7-5,11 7 0,0 0-5,0 0-1,0 0 0,0 11-4,0-11 2,14 14-4,-6-5 0,7 4-1,-2-1-1,6 5-1,-1-3 0,1 3-1,2-3 0,-2 0 0,0-1-1,-2-3 0,0 0-1,-2-4 1,-5 0 0,0-2-1,-10-4 1,10 3 0,-10-3 0,0 0 0,-9-12-1,1 5 1,-2-3-1,-2-1 1,-3-3-1,0-2 0,1 1 0,-5-1 0,1-1 0,0 1 0,0 1 0,-1 1 0,3 1 0,0 1 0,3 2 0,1 1 0,3 4 0,9 5 0,-8-12 0,8 12 0,8-12 0,5 4 0,4 0 1,5-3-1,4 0 1,5-1 0,1-1 0,2 0 0,-1 1 0,-3 2 0,-2 0 0,-2 3-1,-5 1 1,-4 2-1,-5 0 1,-3 4-1,-9 0 1,10-5-1,-10 5 1,0 0-2,0 0 0,0 0-2,0 0-5,0 0-24,2 8-12,-2-8 1,0 0-3</inkml:trace>
-</inkml:ink>
-</file>
-
-<file path=ppt/ink/ink5.xml><?xml version="1.0" encoding="utf-8"?>
-<inkml:ink xmlns:inkml="http://www.w3.org/2003/InkML">
-  <inkml:definitions>
-    <inkml:context xml:id="ctx0">
-      <inkml:inkSource xml:id="inkSrc0">
-        <inkml:traceFormat>
-          <inkml:channel name="X" type="integer" max="32767" units="in"/>
-          <inkml:channel name="Y" type="integer" max="32767" units="in"/>
-          <inkml:channel name="F" type="integer" max="255" units="dev"/>
-        </inkml:traceFormat>
-        <inkml:channelProperties>
-          <inkml:channelProperty channel="X" name="resolution" value="3971.75732" units="1/in"/>
-          <inkml:channelProperty channel="Y" name="resolution" value="5295.24854" units="1/in"/>
-          <inkml:channelProperty channel="F" name="resolution" value="0" units="1/dev"/>
-        </inkml:channelProperties>
-      </inkml:inkSource>
-      <inkml:timestamp xml:id="ts0" timeString="2012-10-20T06:39:34.679"/>
-    </inkml:context>
-    <inkml:brush xml:id="br0">
-      <inkml:brushProperty name="width" value="0.15875" units="cm"/>
-      <inkml:brushProperty name="height" value="0.15875" units="cm"/>
-      <inkml:brushProperty name="color" value="#F2F2F2"/>
-    </inkml:brush>
-  </inkml:definitions>
-  <inkml:trace contextRef="#ctx0" brushRef="#br0">740 1029 2,'-21'35'6,"21"-35"-1,0 0-1,0 0-1,0 0 1,-9 43 0,9-43 1,0 0-3,0 0 0,-5 44 0,5-44 0,0 0 1,-5 41 0,5-41-1,0 0 1,-3 43-2,3-43 2,0 0-2,-3 47 2,3-47-2,0 0 0,0 47 0,0-47 0,0 0 0,-3 47 0,3-47 2,0 0-1,0 48-1,0-48 1,0 0-1,0 52 1,0-52 1,0 40-2,0-40 1,0 45-1,0-45 0,0 51 0,0-51 0,0 57 0,0-57 1,0 65-1,0-65-1,-5 68 1,5-31 1,0 0-1,-2 1 0,2 1 0,0 1 0,-3 1 0,3-1 0,0 2 0,0-1 1,0 2-2,0-1 1,-2 0 0,2 0-1,0 1 0,0-1 0,0 0 0,0-1 0,-3 2 0,3 0 1,0 1-1,-3-2 0,3 1 1,0-2-1,-3 1 2,3 1-2,-4-2 1,4 2 0,-3-1-1,3-1 1,-4 1 0,4 0-1,-3 1 1,3-2 0,-4 2-1,4-2 0,0 1 1,-2 0-1,2 0 0,0 0 1,-3-1-1,3 0 1,0 2-1,0-2 0,0-1 1,0 1-1,3-1 2,-3-1-2,0 2 1,3-3-1,-3 2 0,0-2 0,3-1 2,-3 0-2,2 0 0,-2 1 0,0-3 0,3 1 0,-3 0 0,0-1 0,0 0 1,0-35-1,2 68 0,-2-33 0,0-35 2,0 67-4,0-67 4,4 68-2,-4-68 0,0 67 0,0-67 0,4 64 0,-4-64 0,3 66 0,-3-66 0,2 64 0,-2-64-2,3 66 2,-3-66 0,5 65 0,-5-65 0,2 65 0,-2-65 0,4 64 0,-4-64 0,4 65 0,-4-65 0,3 65 0,-3-65 0,2 63-1,-2-63 1,3 62 0,-3-62 0,0 62 0,0-62 0,3 60 0,-3-60-2,0 61 4,0-61-2,0 60 0,0-60 0,2 61 0,-2-61 0,0 63 0,0-63 0,0 63 0,0-63 0,0 65 0,0-65 0,0 65 0,0-65 0,0 66 0,0-66 0,0 66 0,0-66 0,0 68 0,0-68 0,0 66 0,0-66 0,0 66 0,0-66 0,0 65 0,0-65 0,3 62 0,-3-62 0,0 60 1,0-60-1,3 57 0,-3-57 0,0 54 0,0-54 0,3 49 0,-3-49 0,0 47 0,0-47 0,5 44 0,-5-44 0,2 42 0,-2-42 0,2 42 0,-2-42 0,4 41 0,-4-41 0,4 39 0,-4-39 0,5 41 0,-5-41 0,5 40 0,-5-40 0,6 38 0,-6-38 0,8 39 0,-8-39 0,7 38 0,-7-38 0,9 35 0,-9-35 0,9 35 2,-9-35-4,0 0 4,17 49-2,-17-49 0,0 0 0,19 46 0,-19-46 0,0 0-2,23 41 4,-23-41-2,9 36-3,13-11 1,-4-5 1,3 0-1,-2-6 1,2 3-1,-2-6 1,1 5 0,-3-4 2,-2 2-1,0-1 0,2 2 0,-1-2 1,-1 2-1,0-2 0,2 1 0,-2 0 1,-2-2-1,0 0 0,2 0 0,-1-2 0,2-1 0,-1 1 1,2-2-1,-1 0 0,4-2 0,-2 0 1,0 1-1,0-1 0,-1 0 0,-1-1 0,-1-1 2,2 0-2,-1-1 0,-1 0 0,4 0-2,-4-1 4,4-2-4,2 0 2,-1 3-1,-1-3 0,2 0 1,1 0-1,-1 0 2,1 0-2,0 0 2,1 0-1,2 0 0,1 0 1,2 0-1,0 0 0,3 3 1,-3-3-1,1 0 0,2 4 2,-5-4-2,1 2 0,-2-2 1,0 0-1,3 2-1,1-2 1,-2 3-2,1-3 2,2 3-1,-2-3 1,4 2-1,-1-2 1,0 5 0,0-5 0,2 4 0,1-4 1,1 4-1,0-1 0,-1 0 0,0-1 0,0 2 0,1 0-1,-3-1 1,2 0 0,0 2-1,-2-1 1,4 0 0,0 1 0,-1-1 0,2 0-1,3 1 1,-2-2 0,1 2 0,-1-2 0,0 0 0,-1-3 0,1 5 0,0-5-1,-2 2 1,0-2-1,1 3 1,0-3 0,1 0 0,1 0-1,-1 0 1,2 0 1,-1 0-1,0 0 0,0-4 1,-3 4-1,2-3 0,0 0 0,-4 0 0,1 3 0,-1-4 1,1 1-1,1 3 0,1-2 1,0 2-1,0-4 1,1 4-1,0 0 1,-1-3-1,1 3 1,-3 0 1,0-2-2,-1 2 1,2 0 1,-2 0-2,0 0 1,-1 0 1,2 0-2,1 0 1,-1 0 0,2 0-1,0 0 1,0-3 0,1 1-1,-1-1 1,0 0-1,-3 3 1,1-4-1,-1 4 1,0-3-1,-1 3 0,-1-4 1,3 1-1,-3 3 0,2-5 0,2 5 1,-2-5-1,0 5 1,0-4-1,1 4 1,-1-3-1,0 3 1,-2 0-1,-1-2 0,-2 2 1,2 0-1,-3-3 0,0 3 0,-1 0 0,0-4 1,0 4-1,-1-3 0,0 1 0,0-1 0,-1 1 0,-2-1 1,3-1-1,-2 1 0,1-2 0,-1 0 0,-1 1 0,0-1 1,-2 0-1,2 0 0,-3 0 0,0 1 0,-2-1 2,0 0-2,0-1 0,-2 2 0,2 1 0,0-3 0,0 1 0,-2 0 0,0 0 0,-1-1 0,0 2 0,0-3 0,-1 2 0,-2 0 2,-1-2-2,2 1 0,0-1 0,-2 1 0,0-1 1,-1 0-1,2 0 0,-2-1 0,1 2 1,-1-4-1,0 3 0,-1-2 0,1-2 1,0 3-1,-3-3 0,1 2 0,-1 1 1,0-1-1,0 0 0,-1 1 0,-1 1 0,1-1 0,0 0 1,-2 0-1,2 0 0,-6 8 0,9-15 0,-9 15 1,10-14-1,-10 14 0,9-13 0,-9 13 0,9-16 0,-3 6 0,-1 1 0,0-3 1,0 1-1,0-1 0,0-1 0,1 0 1,-1-1-1,0 0 0,0-1 0,1 1 0,0-2 0,-1-2 0,1 1 0,0-2 0,-1 0 0,1 0 0,0 0 0,0-3 0,-1 1 0,1-2 0,-1 0 0,1-1 0,-2 2 0,0-3 0,1 1 0,-2 2-1,1 0 2,-2 0-2,2 1 2,-4-1-1,4 0 0,-4 0 0,4 1 1,-4-1-1,3 0 0,-3-1 1,0 1-1,4-1 0,-4 0 0,0-2 0,0 1 0,0 1 0,0-4 0,0-1-1,0 0 1,0 1 0,0-2 0,0 0-1,0 0 1,-4-2 0,4 0 0,0 1 1,-3 0-2,3-1 2,-3 0-2,3 0 2,-3 0-2,3-1 2,-3 2-2,3-3 1,-4 0 0,4-1 0,-2-1 0,2 1-1,-3-2 1,3 0 0,-3-2 0,3 0 0,-2 2 0,2-1 1,-3-2-2,3-1 2,-2-1-1,2 0 0,-4-1 0,4-1 0,-4 0 0,4-2 0,-3 1 0,3-3-1,-4 2 1,4-2 1,-4 2-1,4-1 0,-3-1 0,0-1 1,3 1-1,-3 0 0,3 1 1,-4-3-2,2 3 1,2-2 1,-4 2 0,4 0-1,-4-1 0,4 2 0,-3 1 1,0 0-1,3 1 1,-4 0-2,1 2 1,1 1 0,-1 0 0,3-1 0,-4 2 0,4 0 0,-4-1-1,4 0 1,-4 1-1,4 1 0,-4-2 1,4 2-1,-2 0 1,2-1-1,-3-2 1,3 2 0,0 0 0,0-1 0,0 3 0,0-5 1,0 4-1,0-2 1,4 2-1,-4-2 0,0 0 0,3-1 1,-3 0-1,0-1 0,0 1 0,2-2 0,-2 2 0,0-2 0,0 3-1,0-2 1,-2 1 0,2 3 0,-3 0 0,3 3 0,-4 0 0,2-2 0,2 3 0,-6 0 0,4 0 0,-2-2 0,2 1 1,-2 0-1,0-3-1,2 3 1,-2-2 0,2-1 0,-1 0 0,0 3-1,-1-1 0,1 0 1,-1 1 0,2-2-1,-2 3 1,-1 1-1,1-1 1,0 1 0,0 2 0,2-1 0,-3 0 1,1 1-1,0-1 0,0 1 0,1 3-1,-1-2 1,2 2-1,2 1 2,-6 1-2,4 1 1,2 1-1,-5 0 1,3 0 0,-2 1 0,2-2 0,-2 3 0,1 0 1,-1-1-1,0-1 0,2 2 0,-2 0 0,-1 3 0,1-1 0,-1 1 0,1 1 0,-2 0 1,3 2-1,-3 2 0,1 0 0,0-2 0,-2 3 0,2-2 1,-1 0-2,-1 1 2,1 1-2,0-1 2,-1 1-1,0 1 0,1-2 0,-1 3 0,0 0 0,0 0 0,0 0 0,-1 1 0,0-1 0,0 1 0,0 0 1,1-1-2,-2-1 2,-1 2-1,-1-3 0,1 2 0,-1-2 0,0-1 0,3 2 0,-3 0 0,-1 1 1,4-2-1,-1 2 0,0 1 0,0 1 0,0-1 0,0 3 0,-1-4 0,0 2 0,1 1 0,0 0 1,-1 0-1,1 0 0,-2 0 0,1 1 0,1 0 0,-2-1 0,2 3 0,-2 0 0,1 1 0,0-1 0,-3 1 0,2 0 1,-1 0-1,1 0 0,-1 0 0,1 0 0,-2 1 0,0-2 0,1 0 0,-1 2 0,-1-1 0,-1-1 0,1 1 0,1 0 0,-2 0 0,-1-1 0,2 1 1,-1-1-1,-1 2 0,0-1 0,1 1 0,-4 1 0,1-1 0,-1 3 0,1-4 0,-3 4 0,2-5 0,-2 5 0,0-3 0,0 3 0,-2-3 1,-1 3-1,-2 0 0,0-3 0,-1 3 0,-2 0 0,0-3 0,-1 3 0,1 0-1,0 0 1,1-2 0,-1 2 0,-1 0 1,1 0-1,1-3 0,-1 3 0,0 0 0,0 0 0,0 0 0,-3 0 0,1 0 0,0 0 0,0 0 0,-4 0 0,3 0-1,-2 0 1,1 0 0,0 0 0,1 3 0,0-3 0,0 3 0,2-3 0,1 2 0,-1-2 0,1 0 0,0 0 1,-2 0-1,0 0 0,-1 0-1,0 0 1,-1 0 0,-1 0 0,0 0 0,0-2 0,0 2 0,0 0 0,4 0 0,-3-3 0,0 3 0,1 0 0,2-3 1,-1 3-1,-2 0 0,1-2 0,-2 2 1,0 0-1,-1-2 0,1 2 0,-2 0 0,1 0-1,1 0 1,0-3 0,0 3 0,1 0 0,0-3 1,-1 3-1,3-2 0,-1 2 1,-1-3-1,1 3 0,-2 0 1,0 0-1,1-3 0,-1 3 0,-1 0-1,0 0 1,1 0 0,0 0 0,0 0 0,2 0 0,0 0 0,1 0 1,0-2-1,2 2 0,1-3 1,-1 3-1,-2-3 0,1 3 1,0 0-1,-1 0-1,-1 0 1,1 0 0,-2 0 0,1 0 0,0 0 0,3 0 0,0 0 0,1 0 0,-1 0 1,-1 0 0,2 0 0,-1 0 0,1 0 0,0 0 0,0 0-1,-1 0 1,2 0-1,-1 0 0,-1 0 0,-3 0 0,-1 0 0,-1 0 0,1 0 0,0 3 0,-1-3-1,3 0 1,1 4 0,4-4 0,-3 5 1,0-2 0,4 1 0,-2 0 0,3-1 0,0 2 0,0-1 0,1 1 0,3 1-1,1-1-1,0 1 1,-1 1 0,1-2 0,-1 3 0,-1-1-1,1 0 1,-1 1 0,1 0 0,1 1-1,0 0 1,2 1 0,0 1 0,0 1 0,3 0-1,-1 2 1,0-1 0,-1 1 0,-1 1 0,0-2 0,0 3-1,0 0 1,-2 0 0,19-16 1,0 0 0,0 0 0,-45 36 0,45-36 0,0 0 0,-37 33 2,37-33-2,0 0-2,-42 36 1,42-36-3,0 0 3,-41 41 0,41-41 0,0 0-1,-39 43 1,39-43 1,0 0-2,-35 43 2,35-43-1,0 0 0,-26 41-1,26-41 2,0 0-2,-21 37 2,21-37-1,0 0 0,-16 36-1,16-36 1,0 0 0,0 0 0,-16 46 0,16-46 0,0 0 0,0 0 0,-13 43 0,13-43 0,0 0 0,0 0 0,-9 43 0,9-43 0,0 0 0,0 0 0,-6 45 0,6-45 0,0 0-1,0 43-2,0-43-6,2 39-26,-2-39-6,10 49 0,-10-49-2</inkml:trace>
-</inkml:ink>
+<file path=ppt/notesSlides/notesSlide1.xml><?xml version="1.0" encoding="utf-8"?>
+<p:notes xmlns:a="http://schemas.openxmlformats.org/drawingml/2006/main" xmlns:r="http://schemas.openxmlformats.org/officeDocument/2006/relationships" xmlns:p="http://schemas.openxmlformats.org/presentationml/2006/main">
+  <p:cSld>
+    <p:spTree>
+      <p:nvGrpSpPr>
+        <p:cNvPr id="1" name=""/>
+        <p:cNvGrpSpPr/>
+        <p:nvPr/>
+      </p:nvGrpSpPr>
+      <p:grpSpPr>
+        <a:xfrm>
+          <a:off x="0" y="0"/>
+          <a:ext cx="0" cy="0"/>
+          <a:chOff x="0" y="0"/>
+          <a:chExt cx="0" cy="0"/>
+        </a:xfrm>
+      </p:grpSpPr>
+      <p:sp>
+        <p:nvSpPr>
+          <p:cNvPr id="2" name="Slide Image Placeholder 1"/>
+          <p:cNvSpPr>
+            <a:spLocks noGrp="1" noRot="1" noChangeAspect="1"/>
+          </p:cNvSpPr>
+          <p:nvPr>
+            <p:ph type="sldImg"/>
+          </p:nvPr>
+        </p:nvSpPr>
+        <p:spPr/>
+      </p:sp>
+      <p:sp>
+        <p:nvSpPr>
+          <p:cNvPr id="3" name="Notes Placeholder 2"/>
+          <p:cNvSpPr>
+            <a:spLocks noGrp="1"/>
+          </p:cNvSpPr>
+          <p:nvPr>
+            <p:ph type="body" idx="1"/>
+          </p:nvPr>
+        </p:nvSpPr>
+        <p:spPr/>
+        <p:txBody>
+          <a:bodyPr/>
+          <a:lstStyle/>
+          <a:p>
+            <a:endParaRPr lang="en-SG" dirty="0"/>
+          </a:p>
+        </p:txBody>
+      </p:sp>
+      <p:sp>
+        <p:nvSpPr>
+          <p:cNvPr id="4" name="Slide Number Placeholder 3"/>
+          <p:cNvSpPr>
+            <a:spLocks noGrp="1"/>
+          </p:cNvSpPr>
+          <p:nvPr>
+            <p:ph type="sldNum" sz="quarter" idx="10"/>
+          </p:nvPr>
+        </p:nvSpPr>
+        <p:spPr/>
+        <p:txBody>
+          <a:bodyPr/>
+          <a:lstStyle/>
+          <a:p>
+            <a:fld id="{53863409-F2D1-4B2C-8A2D-7488CD6A793E}" type="slidenum">
+              <a:rPr lang="en-SG" smtClean="0"/>
+              <a:t>1</a:t>
+            </a:fld>
+            <a:endParaRPr lang="en-SG"/>
+          </a:p>
+        </p:txBody>
+      </p:sp>
+    </p:spTree>
+    <p:extLst>
+      <p:ext uri="{BB962C8B-B14F-4D97-AF65-F5344CB8AC3E}">
+        <p14:creationId xmlns:p14="http://schemas.microsoft.com/office/powerpoint/2010/main" val="1355413979"/>
+      </p:ext>
+    </p:extLst>
+  </p:cSld>
+  <p:clrMapOvr>
+    <a:masterClrMapping/>
+  </p:clrMapOvr>
+</p:notes>
 </file>
 
 <file path=ppt/slideLayouts/slideLayout1.xml><?xml version="1.0" encoding="utf-8"?>
@@ -433,7 +739,7 @@
             <a:fld id="{1D8BD707-D9CF-40AE-B4C6-C98DA3205C09}" type="datetimeFigureOut">
               <a:rPr lang="en-US" smtClean="0"/>
               <a:pPr/>
-              <a:t>10/20/2012</a:t>
+              <a:t>3/6/2013</a:t>
             </a:fld>
             <a:endParaRPr lang="en-US"/>
           </a:p>
@@ -600,7 +906,7 @@
             <a:fld id="{1D8BD707-D9CF-40AE-B4C6-C98DA3205C09}" type="datetimeFigureOut">
               <a:rPr lang="en-US" smtClean="0"/>
               <a:pPr/>
-              <a:t>10/20/2012</a:t>
+              <a:t>3/6/2013</a:t>
             </a:fld>
             <a:endParaRPr lang="en-US"/>
           </a:p>
@@ -777,7 +1083,7 @@
             <a:fld id="{1D8BD707-D9CF-40AE-B4C6-C98DA3205C09}" type="datetimeFigureOut">
               <a:rPr lang="en-US" smtClean="0"/>
               <a:pPr/>
-              <a:t>10/20/2012</a:t>
+              <a:t>3/6/2013</a:t>
             </a:fld>
             <a:endParaRPr lang="en-US"/>
           </a:p>
@@ -944,7 +1250,7 @@
             <a:fld id="{1D8BD707-D9CF-40AE-B4C6-C98DA3205C09}" type="datetimeFigureOut">
               <a:rPr lang="en-US" smtClean="0"/>
               <a:pPr/>
-              <a:t>10/20/2012</a:t>
+              <a:t>3/6/2013</a:t>
             </a:fld>
             <a:endParaRPr lang="en-US"/>
           </a:p>
@@ -1187,7 +1493,7 @@
             <a:fld id="{1D8BD707-D9CF-40AE-B4C6-C98DA3205C09}" type="datetimeFigureOut">
               <a:rPr lang="en-US" smtClean="0"/>
               <a:pPr/>
-              <a:t>10/20/2012</a:t>
+              <a:t>3/6/2013</a:t>
             </a:fld>
             <a:endParaRPr lang="en-US"/>
           </a:p>
@@ -1472,7 +1778,7 @@
             <a:fld id="{1D8BD707-D9CF-40AE-B4C6-C98DA3205C09}" type="datetimeFigureOut">
               <a:rPr lang="en-US" smtClean="0"/>
               <a:pPr/>
-              <a:t>10/20/2012</a:t>
+              <a:t>3/6/2013</a:t>
             </a:fld>
             <a:endParaRPr lang="en-US"/>
           </a:p>
@@ -1891,7 +2197,7 @@
             <a:fld id="{1D8BD707-D9CF-40AE-B4C6-C98DA3205C09}" type="datetimeFigureOut">
               <a:rPr lang="en-US" smtClean="0"/>
               <a:pPr/>
-              <a:t>10/20/2012</a:t>
+              <a:t>3/6/2013</a:t>
             </a:fld>
             <a:endParaRPr lang="en-US"/>
           </a:p>
@@ -2006,7 +2312,7 @@
             <a:fld id="{1D8BD707-D9CF-40AE-B4C6-C98DA3205C09}" type="datetimeFigureOut">
               <a:rPr lang="en-US" smtClean="0"/>
               <a:pPr/>
-              <a:t>10/20/2012</a:t>
+              <a:t>3/6/2013</a:t>
             </a:fld>
             <a:endParaRPr lang="en-US"/>
           </a:p>
@@ -2098,7 +2404,7 @@
             <a:fld id="{1D8BD707-D9CF-40AE-B4C6-C98DA3205C09}" type="datetimeFigureOut">
               <a:rPr lang="en-US" smtClean="0"/>
               <a:pPr/>
-              <a:t>10/20/2012</a:t>
+              <a:t>3/6/2013</a:t>
             </a:fld>
             <a:endParaRPr lang="en-US"/>
           </a:p>
@@ -2372,7 +2678,7 @@
             <a:fld id="{1D8BD707-D9CF-40AE-B4C6-C98DA3205C09}" type="datetimeFigureOut">
               <a:rPr lang="en-US" smtClean="0"/>
               <a:pPr/>
-              <a:t>10/20/2012</a:t>
+              <a:t>3/6/2013</a:t>
             </a:fld>
             <a:endParaRPr lang="en-US"/>
           </a:p>
@@ -2622,7 +2928,7 @@
             <a:fld id="{1D8BD707-D9CF-40AE-B4C6-C98DA3205C09}" type="datetimeFigureOut">
               <a:rPr lang="en-US" smtClean="0"/>
               <a:pPr/>
-              <a:t>10/20/2012</a:t>
+              <a:t>3/6/2013</a:t>
             </a:fld>
             <a:endParaRPr lang="en-US"/>
           </a:p>
@@ -2832,7 +3138,7 @@
             <a:fld id="{1D8BD707-D9CF-40AE-B4C6-C98DA3205C09}" type="datetimeFigureOut">
               <a:rPr lang="en-US" smtClean="0"/>
               <a:pPr/>
-              <a:t>10/20/2012</a:t>
+              <a:t>3/6/2013</a:t>
             </a:fld>
             <a:endParaRPr lang="en-US"/>
           </a:p>
@@ -3203,110 +3509,822 @@
           <a:chExt cx="0" cy="0"/>
         </a:xfrm>
       </p:grpSpPr>
-      <mc:AlternateContent xmlns:mc="http://schemas.openxmlformats.org/markup-compatibility/2006">
-        <mc:Choice xmlns:p14="http://schemas.microsoft.com/office/powerpoint/2010/main" Requires="p14">
-          <p:contentPart p14:bwMode="auto" r:id="rId2">
-            <p14:nvContentPartPr>
-              <p14:cNvPr id="111" name="Ink 110"/>
-              <p14:cNvContentPartPr/>
-              <p14:nvPr/>
-            </p14:nvContentPartPr>
-            <p14:xfrm rot="10800000">
-              <a:off x="2803526" y="148200"/>
-              <a:ext cx="2104200" cy="2599200"/>
-            </p14:xfrm>
-          </p:contentPart>
-        </mc:Choice>
-        <mc:Fallback>
-          <p:pic>
-            <p:nvPicPr>
-              <p:cNvPr id="111" name="Ink 110"/>
-              <p:cNvPicPr/>
+      <p:sp>
+        <p:nvSpPr>
+          <p:cNvPr id="31" name="Flowchart: Delay 30"/>
+          <p:cNvSpPr/>
+          <p:nvPr/>
+        </p:nvSpPr>
+        <p:spPr>
+          <a:xfrm rot="16200000">
+            <a:off x="3817764" y="982395"/>
+            <a:ext cx="280353" cy="298983"/>
+          </a:xfrm>
+          <a:prstGeom prst="flowChartDelay">
+            <a:avLst/>
+          </a:prstGeom>
+          <a:solidFill>
+            <a:schemeClr val="bg1"/>
+          </a:solidFill>
+        </p:spPr>
+        <p:style>
+          <a:lnRef idx="2">
+            <a:schemeClr val="accent1">
+              <a:shade val="50000"/>
+            </a:schemeClr>
+          </a:lnRef>
+          <a:fillRef idx="1">
+            <a:schemeClr val="accent1"/>
+          </a:fillRef>
+          <a:effectRef idx="0">
+            <a:schemeClr val="accent1"/>
+          </a:effectRef>
+          <a:fontRef idx="minor">
+            <a:schemeClr val="lt1"/>
+          </a:fontRef>
+        </p:style>
+        <p:txBody>
+          <a:bodyPr rtlCol="0" anchor="ctr"/>
+          <a:lstStyle/>
+          <a:p>
+            <a:pPr algn="ctr"/>
+            <a:endParaRPr lang="en-SG"/>
+          </a:p>
+        </p:txBody>
+      </p:sp>
+      <p:sp>
+        <p:nvSpPr>
+          <p:cNvPr id="32" name="Freeform 31"/>
+          <p:cNvSpPr/>
+          <p:nvPr/>
+        </p:nvSpPr>
+        <p:spPr>
+          <a:xfrm rot="20549526">
+            <a:off x="3906803" y="995064"/>
+            <a:ext cx="102393" cy="235744"/>
+          </a:xfrm>
+          <a:custGeom>
+            <a:avLst/>
+            <a:gdLst>
+              <a:gd name="connsiteX0" fmla="*/ 47625 w 102393"/>
+              <a:gd name="connsiteY0" fmla="*/ 0 h 235744"/>
+              <a:gd name="connsiteX1" fmla="*/ 0 w 102393"/>
+              <a:gd name="connsiteY1" fmla="*/ 185738 h 235744"/>
+              <a:gd name="connsiteX2" fmla="*/ 57150 w 102393"/>
+              <a:gd name="connsiteY2" fmla="*/ 235744 h 235744"/>
+              <a:gd name="connsiteX3" fmla="*/ 102393 w 102393"/>
+              <a:gd name="connsiteY3" fmla="*/ 171450 h 235744"/>
+              <a:gd name="connsiteX4" fmla="*/ 47625 w 102393"/>
+              <a:gd name="connsiteY4" fmla="*/ 0 h 235744"/>
+            </a:gdLst>
+            <a:ahLst/>
+            <a:cxnLst>
+              <a:cxn ang="0">
+                <a:pos x="connsiteX0" y="connsiteY0"/>
+              </a:cxn>
+              <a:cxn ang="0">
+                <a:pos x="connsiteX1" y="connsiteY1"/>
+              </a:cxn>
+              <a:cxn ang="0">
+                <a:pos x="connsiteX2" y="connsiteY2"/>
+              </a:cxn>
+              <a:cxn ang="0">
+                <a:pos x="connsiteX3" y="connsiteY3"/>
+              </a:cxn>
+              <a:cxn ang="0">
+                <a:pos x="connsiteX4" y="connsiteY4"/>
+              </a:cxn>
+            </a:cxnLst>
+            <a:rect l="l" t="t" r="r" b="b"/>
+            <a:pathLst>
+              <a:path w="102393" h="235744">
+                <a:moveTo>
+                  <a:pt x="47625" y="0"/>
+                </a:moveTo>
+                <a:lnTo>
+                  <a:pt x="0" y="185738"/>
+                </a:lnTo>
+                <a:lnTo>
+                  <a:pt x="57150" y="235744"/>
+                </a:lnTo>
+                <a:lnTo>
+                  <a:pt x="102393" y="171450"/>
+                </a:lnTo>
+                <a:lnTo>
+                  <a:pt x="47625" y="0"/>
+                </a:lnTo>
+                <a:close/>
+              </a:path>
+            </a:pathLst>
+          </a:custGeom>
+          <a:solidFill>
+            <a:schemeClr val="bg1"/>
+          </a:solidFill>
+        </p:spPr>
+        <p:style>
+          <a:lnRef idx="2">
+            <a:schemeClr val="accent1">
+              <a:shade val="50000"/>
+            </a:schemeClr>
+          </a:lnRef>
+          <a:fillRef idx="1">
+            <a:schemeClr val="accent1"/>
+          </a:fillRef>
+          <a:effectRef idx="0">
+            <a:schemeClr val="accent1"/>
+          </a:effectRef>
+          <a:fontRef idx="minor">
+            <a:schemeClr val="lt1"/>
+          </a:fontRef>
+        </p:style>
+        <p:txBody>
+          <a:bodyPr rtlCol="0" anchor="ctr"/>
+          <a:lstStyle/>
+          <a:p>
+            <a:pPr algn="ctr"/>
+            <a:endParaRPr lang="en-SG"/>
+          </a:p>
+        </p:txBody>
+      </p:sp>
+      <p:sp>
+        <p:nvSpPr>
+          <p:cNvPr id="30" name="Flowchart: Connector 29"/>
+          <p:cNvSpPr/>
+          <p:nvPr/>
+        </p:nvSpPr>
+        <p:spPr>
+          <a:xfrm rot="6417624">
+            <a:off x="3752701" y="764379"/>
+            <a:ext cx="220662" cy="220662"/>
+          </a:xfrm>
+          <a:prstGeom prst="flowChartConnector">
+            <a:avLst/>
+          </a:prstGeom>
+          <a:solidFill>
+            <a:schemeClr val="bg1"/>
+          </a:solidFill>
+        </p:spPr>
+        <p:style>
+          <a:lnRef idx="2">
+            <a:schemeClr val="accent1">
+              <a:shade val="50000"/>
+            </a:schemeClr>
+          </a:lnRef>
+          <a:fillRef idx="1">
+            <a:schemeClr val="accent1"/>
+          </a:fillRef>
+          <a:effectRef idx="0">
+            <a:schemeClr val="accent1"/>
+          </a:effectRef>
+          <a:fontRef idx="minor">
+            <a:schemeClr val="lt1"/>
+          </a:fontRef>
+        </p:style>
+        <p:txBody>
+          <a:bodyPr rtlCol="0" anchor="ctr"/>
+          <a:lstStyle/>
+          <a:p>
+            <a:pPr algn="ctr"/>
+            <a:endParaRPr lang="en-SG"/>
+          </a:p>
+        </p:txBody>
+      </p:sp>
+      <p:sp>
+        <p:nvSpPr>
+          <p:cNvPr id="33" name="Freeform 32"/>
+          <p:cNvSpPr/>
+          <p:nvPr/>
+        </p:nvSpPr>
+        <p:spPr>
+          <a:xfrm rot="6417624">
+            <a:off x="3746479" y="961805"/>
+            <a:ext cx="50006" cy="19050"/>
+          </a:xfrm>
+          <a:custGeom>
+            <a:avLst/>
+            <a:gdLst>
+              <a:gd name="connsiteX0" fmla="*/ 0 w 50006"/>
+              <a:gd name="connsiteY0" fmla="*/ 0 h 19050"/>
+              <a:gd name="connsiteX1" fmla="*/ 0 w 50006"/>
+              <a:gd name="connsiteY1" fmla="*/ 0 h 19050"/>
+              <a:gd name="connsiteX2" fmla="*/ 21431 w 50006"/>
+              <a:gd name="connsiteY2" fmla="*/ 4762 h 19050"/>
+              <a:gd name="connsiteX3" fmla="*/ 28575 w 50006"/>
+              <a:gd name="connsiteY3" fmla="*/ 9525 h 19050"/>
+              <a:gd name="connsiteX4" fmla="*/ 38100 w 50006"/>
+              <a:gd name="connsiteY4" fmla="*/ 14287 h 19050"/>
+              <a:gd name="connsiteX5" fmla="*/ 50006 w 50006"/>
+              <a:gd name="connsiteY5" fmla="*/ 19050 h 19050"/>
+            </a:gdLst>
+            <a:ahLst/>
+            <a:cxnLst>
+              <a:cxn ang="0">
+                <a:pos x="connsiteX0" y="connsiteY0"/>
+              </a:cxn>
+              <a:cxn ang="0">
+                <a:pos x="connsiteX1" y="connsiteY1"/>
+              </a:cxn>
+              <a:cxn ang="0">
+                <a:pos x="connsiteX2" y="connsiteY2"/>
+              </a:cxn>
+              <a:cxn ang="0">
+                <a:pos x="connsiteX3" y="connsiteY3"/>
+              </a:cxn>
+              <a:cxn ang="0">
+                <a:pos x="connsiteX4" y="connsiteY4"/>
+              </a:cxn>
+              <a:cxn ang="0">
+                <a:pos x="connsiteX5" y="connsiteY5"/>
+              </a:cxn>
+            </a:cxnLst>
+            <a:rect l="l" t="t" r="r" b="b"/>
+            <a:pathLst>
+              <a:path w="50006" h="19050">
+                <a:moveTo>
+                  <a:pt x="0" y="0"/>
+                </a:moveTo>
+                <a:lnTo>
+                  <a:pt x="0" y="0"/>
+                </a:lnTo>
+                <a:cubicBezTo>
+                  <a:pt x="7144" y="1587"/>
+                  <a:pt x="14489" y="2448"/>
+                  <a:pt x="21431" y="4762"/>
+                </a:cubicBezTo>
+                <a:cubicBezTo>
+                  <a:pt x="24146" y="5667"/>
+                  <a:pt x="26090" y="8105"/>
+                  <a:pt x="28575" y="9525"/>
+                </a:cubicBezTo>
+                <a:cubicBezTo>
+                  <a:pt x="31657" y="11286"/>
+                  <a:pt x="34837" y="12889"/>
+                  <a:pt x="38100" y="14287"/>
+                </a:cubicBezTo>
+                <a:cubicBezTo>
+                  <a:pt x="58672" y="23103"/>
+                  <a:pt x="34691" y="11391"/>
+                  <a:pt x="50006" y="19050"/>
+                </a:cubicBezTo>
+              </a:path>
+            </a:pathLst>
+          </a:custGeom>
+          <a:solidFill>
+            <a:schemeClr val="bg1"/>
+          </a:solidFill>
+        </p:spPr>
+        <p:style>
+          <a:lnRef idx="2">
+            <a:schemeClr val="accent1">
+              <a:shade val="50000"/>
+            </a:schemeClr>
+          </a:lnRef>
+          <a:fillRef idx="1">
+            <a:schemeClr val="accent1"/>
+          </a:fillRef>
+          <a:effectRef idx="0">
+            <a:schemeClr val="accent1"/>
+          </a:effectRef>
+          <a:fontRef idx="minor">
+            <a:schemeClr val="lt1"/>
+          </a:fontRef>
+        </p:style>
+        <p:txBody>
+          <a:bodyPr rtlCol="0" anchor="ctr"/>
+          <a:lstStyle/>
+          <a:p>
+            <a:pPr algn="ctr"/>
+            <a:endParaRPr lang="en-SG"/>
+          </a:p>
+        </p:txBody>
+      </p:sp>
+      <p:sp>
+        <p:nvSpPr>
+          <p:cNvPr id="34" name="Flowchart: Connector 33"/>
+          <p:cNvSpPr/>
+          <p:nvPr/>
+        </p:nvSpPr>
+        <p:spPr>
+          <a:xfrm rot="6417624">
+            <a:off x="3797211" y="851850"/>
+            <a:ext cx="45719" cy="45719"/>
+          </a:xfrm>
+          <a:prstGeom prst="flowChartConnector">
+            <a:avLst/>
+          </a:prstGeom>
+          <a:solidFill>
+            <a:schemeClr val="bg1"/>
+          </a:solidFill>
+          <a:ln>
+            <a:solidFill>
+              <a:schemeClr val="accent1">
+                <a:lumMod val="75000"/>
+              </a:schemeClr>
+            </a:solidFill>
+          </a:ln>
+        </p:spPr>
+        <p:style>
+          <a:lnRef idx="2">
+            <a:schemeClr val="accent1">
+              <a:shade val="50000"/>
+            </a:schemeClr>
+          </a:lnRef>
+          <a:fillRef idx="1">
+            <a:schemeClr val="accent1"/>
+          </a:fillRef>
+          <a:effectRef idx="0">
+            <a:schemeClr val="accent1"/>
+          </a:effectRef>
+          <a:fontRef idx="minor">
+            <a:schemeClr val="lt1"/>
+          </a:fontRef>
+        </p:style>
+        <p:txBody>
+          <a:bodyPr rtlCol="0" anchor="ctr"/>
+          <a:lstStyle/>
+          <a:p>
+            <a:pPr algn="ctr"/>
+            <a:endParaRPr lang="en-SG"/>
+          </a:p>
+        </p:txBody>
+      </p:sp>
+      <p:grpSp>
+        <p:nvGrpSpPr>
+          <p:cNvPr id="22" name="Group 21"/>
+          <p:cNvGrpSpPr/>
+          <p:nvPr/>
+        </p:nvGrpSpPr>
+        <p:grpSpPr>
+          <a:xfrm>
+            <a:off x="638861" y="309422"/>
+            <a:ext cx="298983" cy="520531"/>
+            <a:chOff x="638861" y="309422"/>
+            <a:chExt cx="298983" cy="520531"/>
+          </a:xfrm>
+        </p:grpSpPr>
+        <p:sp>
+          <p:nvSpPr>
+            <p:cNvPr id="111" name="Flowchart: Connector 110"/>
+            <p:cNvSpPr/>
+            <p:nvPr/>
+          </p:nvSpPr>
+          <p:spPr>
+            <a:xfrm>
+              <a:off x="678021" y="309422"/>
+              <a:ext cx="220662" cy="220662"/>
+            </a:xfrm>
+            <a:prstGeom prst="flowChartConnector">
+              <a:avLst/>
+            </a:prstGeom>
+            <a:solidFill>
+              <a:schemeClr val="bg1"/>
+            </a:solidFill>
+          </p:spPr>
+          <p:style>
+            <a:lnRef idx="2">
+              <a:schemeClr val="accent1">
+                <a:shade val="50000"/>
+              </a:schemeClr>
+            </a:lnRef>
+            <a:fillRef idx="1">
+              <a:schemeClr val="accent1"/>
+            </a:fillRef>
+            <a:effectRef idx="0">
+              <a:schemeClr val="accent1"/>
+            </a:effectRef>
+            <a:fontRef idx="minor">
+              <a:schemeClr val="lt1"/>
+            </a:fontRef>
+          </p:style>
+          <p:txBody>
+            <a:bodyPr rtlCol="0" anchor="ctr"/>
+            <a:lstStyle/>
+            <a:p>
+              <a:pPr algn="ctr"/>
+              <a:endParaRPr lang="en-SG"/>
+            </a:p>
+          </p:txBody>
+        </p:sp>
+        <p:grpSp>
+          <p:nvGrpSpPr>
+            <p:cNvPr id="21" name="Group 20"/>
+            <p:cNvGrpSpPr/>
+            <p:nvPr/>
+          </p:nvGrpSpPr>
+          <p:grpSpPr>
+            <a:xfrm>
+              <a:off x="638861" y="549600"/>
+              <a:ext cx="298983" cy="280353"/>
+              <a:chOff x="638861" y="549600"/>
+              <a:chExt cx="298983" cy="280353"/>
+            </a:xfrm>
+          </p:grpSpPr>
+          <p:sp>
+            <p:nvSpPr>
+              <p:cNvPr id="112" name="Flowchart: Delay 111"/>
+              <p:cNvSpPr/>
               <p:nvPr/>
-            </p:nvPicPr>
-            <p:blipFill>
-              <a:blip r:embed="rId3"/>
-              <a:stretch>
-                <a:fillRect/>
-              </a:stretch>
-            </p:blipFill>
+            </p:nvSpPr>
             <p:spPr>
-              <a:xfrm rot="10800000">
-                <a:off x="2771846" y="112560"/>
-                <a:ext cx="2169360" cy="2661120"/>
+              <a:xfrm rot="16200000">
+                <a:off x="648176" y="540285"/>
+                <a:ext cx="280353" cy="298983"/>
               </a:xfrm>
-              <a:prstGeom prst="rect">
+              <a:prstGeom prst="flowChartDelay">
                 <a:avLst/>
               </a:prstGeom>
+              <a:solidFill>
+                <a:schemeClr val="bg1"/>
+              </a:solidFill>
             </p:spPr>
-          </p:pic>
-        </mc:Fallback>
-      </mc:AlternateContent>
-      <mc:AlternateContent xmlns:mc="http://schemas.openxmlformats.org/markup-compatibility/2006">
-        <mc:Choice xmlns:p14="http://schemas.microsoft.com/office/powerpoint/2010/main" Requires="p14">
-          <p:contentPart p14:bwMode="auto" r:id="rId4">
-            <p14:nvContentPartPr>
-              <p14:cNvPr id="3" name="Ink 2"/>
-              <p14:cNvContentPartPr/>
-              <p14:nvPr/>
-            </p14:nvContentPartPr>
-            <p14:xfrm>
-              <a:off x="232920" y="162720"/>
-              <a:ext cx="2104200" cy="2599200"/>
-            </p14:xfrm>
-          </p:contentPart>
-        </mc:Choice>
-        <mc:Fallback>
-          <p:pic>
-            <p:nvPicPr>
-              <p:cNvPr id="3" name="Ink 2"/>
-              <p:cNvPicPr/>
+            <p:style>
+              <a:lnRef idx="2">
+                <a:schemeClr val="accent1">
+                  <a:shade val="50000"/>
+                </a:schemeClr>
+              </a:lnRef>
+              <a:fillRef idx="1">
+                <a:schemeClr val="accent1"/>
+              </a:fillRef>
+              <a:effectRef idx="0">
+                <a:schemeClr val="accent1"/>
+              </a:effectRef>
+              <a:fontRef idx="minor">
+                <a:schemeClr val="lt1"/>
+              </a:fontRef>
+            </p:style>
+            <p:txBody>
+              <a:bodyPr rtlCol="0" anchor="ctr"/>
+              <a:lstStyle/>
+              <a:p>
+                <a:pPr algn="ctr"/>
+                <a:endParaRPr lang="en-SG"/>
+              </a:p>
+            </p:txBody>
+          </p:sp>
+          <p:sp>
+            <p:nvSpPr>
+              <p:cNvPr id="114" name="Freeform 113"/>
+              <p:cNvSpPr/>
               <p:nvPr/>
-            </p:nvPicPr>
-            <p:blipFill>
-              <a:blip r:embed="rId3"/>
-              <a:stretch>
-                <a:fillRect/>
-              </a:stretch>
-            </p:blipFill>
+            </p:nvSpPr>
             <p:spPr>
               <a:xfrm>
-                <a:off x="201240" y="127080"/>
-                <a:ext cx="2169360" cy="2661120"/>
+                <a:off x="737215" y="552954"/>
+                <a:ext cx="102393" cy="235744"/>
               </a:xfrm>
-              <a:prstGeom prst="rect">
+              <a:custGeom>
                 <a:avLst/>
-              </a:prstGeom>
+                <a:gdLst>
+                  <a:gd name="connsiteX0" fmla="*/ 47625 w 102393"/>
+                  <a:gd name="connsiteY0" fmla="*/ 0 h 235744"/>
+                  <a:gd name="connsiteX1" fmla="*/ 0 w 102393"/>
+                  <a:gd name="connsiteY1" fmla="*/ 185738 h 235744"/>
+                  <a:gd name="connsiteX2" fmla="*/ 57150 w 102393"/>
+                  <a:gd name="connsiteY2" fmla="*/ 235744 h 235744"/>
+                  <a:gd name="connsiteX3" fmla="*/ 102393 w 102393"/>
+                  <a:gd name="connsiteY3" fmla="*/ 171450 h 235744"/>
+                  <a:gd name="connsiteX4" fmla="*/ 47625 w 102393"/>
+                  <a:gd name="connsiteY4" fmla="*/ 0 h 235744"/>
+                </a:gdLst>
+                <a:ahLst/>
+                <a:cxnLst>
+                  <a:cxn ang="0">
+                    <a:pos x="connsiteX0" y="connsiteY0"/>
+                  </a:cxn>
+                  <a:cxn ang="0">
+                    <a:pos x="connsiteX1" y="connsiteY1"/>
+                  </a:cxn>
+                  <a:cxn ang="0">
+                    <a:pos x="connsiteX2" y="connsiteY2"/>
+                  </a:cxn>
+                  <a:cxn ang="0">
+                    <a:pos x="connsiteX3" y="connsiteY3"/>
+                  </a:cxn>
+                  <a:cxn ang="0">
+                    <a:pos x="connsiteX4" y="connsiteY4"/>
+                  </a:cxn>
+                </a:cxnLst>
+                <a:rect l="l" t="t" r="r" b="b"/>
+                <a:pathLst>
+                  <a:path w="102393" h="235744">
+                    <a:moveTo>
+                      <a:pt x="47625" y="0"/>
+                    </a:moveTo>
+                    <a:lnTo>
+                      <a:pt x="0" y="185738"/>
+                    </a:lnTo>
+                    <a:lnTo>
+                      <a:pt x="57150" y="235744"/>
+                    </a:lnTo>
+                    <a:lnTo>
+                      <a:pt x="102393" y="171450"/>
+                    </a:lnTo>
+                    <a:lnTo>
+                      <a:pt x="47625" y="0"/>
+                    </a:lnTo>
+                    <a:close/>
+                  </a:path>
+                </a:pathLst>
+              </a:custGeom>
+              <a:solidFill>
+                <a:schemeClr val="bg1"/>
+              </a:solidFill>
             </p:spPr>
-          </p:pic>
-        </mc:Fallback>
-      </mc:AlternateContent>
-      <p:pic>
-        <p:nvPicPr>
-          <p:cNvPr id="92" name="Picture 9" descr="C:\Users\dcsdcr\AppData\Local\Microsoft\Windows\Temporary Internet Files\Content.IE5\8EW2YN38\MC900432621[1].png"/>
-          <p:cNvPicPr>
-            <a:picLocks noChangeAspect="1" noChangeArrowheads="1"/>
-          </p:cNvPicPr>
+            <p:style>
+              <a:lnRef idx="2">
+                <a:schemeClr val="accent1">
+                  <a:shade val="50000"/>
+                </a:schemeClr>
+              </a:lnRef>
+              <a:fillRef idx="1">
+                <a:schemeClr val="accent1"/>
+              </a:fillRef>
+              <a:effectRef idx="0">
+                <a:schemeClr val="accent1"/>
+              </a:effectRef>
+              <a:fontRef idx="minor">
+                <a:schemeClr val="lt1"/>
+              </a:fontRef>
+            </p:style>
+            <p:txBody>
+              <a:bodyPr rtlCol="0" anchor="ctr"/>
+              <a:lstStyle/>
+              <a:p>
+                <a:pPr algn="ctr"/>
+                <a:endParaRPr lang="en-SG"/>
+              </a:p>
+            </p:txBody>
+          </p:sp>
+        </p:grpSp>
+        <p:sp>
+          <p:nvSpPr>
+            <p:cNvPr id="115" name="Freeform 114"/>
+            <p:cNvSpPr/>
+            <p:nvPr/>
+          </p:nvSpPr>
+          <p:spPr>
+            <a:xfrm>
+              <a:off x="882472" y="469611"/>
+              <a:ext cx="50006" cy="19050"/>
+            </a:xfrm>
+            <a:custGeom>
+              <a:avLst/>
+              <a:gdLst>
+                <a:gd name="connsiteX0" fmla="*/ 0 w 50006"/>
+                <a:gd name="connsiteY0" fmla="*/ 0 h 19050"/>
+                <a:gd name="connsiteX1" fmla="*/ 0 w 50006"/>
+                <a:gd name="connsiteY1" fmla="*/ 0 h 19050"/>
+                <a:gd name="connsiteX2" fmla="*/ 21431 w 50006"/>
+                <a:gd name="connsiteY2" fmla="*/ 4762 h 19050"/>
+                <a:gd name="connsiteX3" fmla="*/ 28575 w 50006"/>
+                <a:gd name="connsiteY3" fmla="*/ 9525 h 19050"/>
+                <a:gd name="connsiteX4" fmla="*/ 38100 w 50006"/>
+                <a:gd name="connsiteY4" fmla="*/ 14287 h 19050"/>
+                <a:gd name="connsiteX5" fmla="*/ 50006 w 50006"/>
+                <a:gd name="connsiteY5" fmla="*/ 19050 h 19050"/>
+              </a:gdLst>
+              <a:ahLst/>
+              <a:cxnLst>
+                <a:cxn ang="0">
+                  <a:pos x="connsiteX0" y="connsiteY0"/>
+                </a:cxn>
+                <a:cxn ang="0">
+                  <a:pos x="connsiteX1" y="connsiteY1"/>
+                </a:cxn>
+                <a:cxn ang="0">
+                  <a:pos x="connsiteX2" y="connsiteY2"/>
+                </a:cxn>
+                <a:cxn ang="0">
+                  <a:pos x="connsiteX3" y="connsiteY3"/>
+                </a:cxn>
+                <a:cxn ang="0">
+                  <a:pos x="connsiteX4" y="connsiteY4"/>
+                </a:cxn>
+                <a:cxn ang="0">
+                  <a:pos x="connsiteX5" y="connsiteY5"/>
+                </a:cxn>
+              </a:cxnLst>
+              <a:rect l="l" t="t" r="r" b="b"/>
+              <a:pathLst>
+                <a:path w="50006" h="19050">
+                  <a:moveTo>
+                    <a:pt x="0" y="0"/>
+                  </a:moveTo>
+                  <a:lnTo>
+                    <a:pt x="0" y="0"/>
+                  </a:lnTo>
+                  <a:cubicBezTo>
+                    <a:pt x="7144" y="1587"/>
+                    <a:pt x="14489" y="2448"/>
+                    <a:pt x="21431" y="4762"/>
+                  </a:cubicBezTo>
+                  <a:cubicBezTo>
+                    <a:pt x="24146" y="5667"/>
+                    <a:pt x="26090" y="8105"/>
+                    <a:pt x="28575" y="9525"/>
+                  </a:cubicBezTo>
+                  <a:cubicBezTo>
+                    <a:pt x="31657" y="11286"/>
+                    <a:pt x="34837" y="12889"/>
+                    <a:pt x="38100" y="14287"/>
+                  </a:cubicBezTo>
+                  <a:cubicBezTo>
+                    <a:pt x="58672" y="23103"/>
+                    <a:pt x="34691" y="11391"/>
+                    <a:pt x="50006" y="19050"/>
+                  </a:cubicBezTo>
+                </a:path>
+              </a:pathLst>
+            </a:custGeom>
+            <a:solidFill>
+              <a:schemeClr val="bg1"/>
+            </a:solidFill>
+          </p:spPr>
+          <p:style>
+            <a:lnRef idx="2">
+              <a:schemeClr val="accent1">
+                <a:shade val="50000"/>
+              </a:schemeClr>
+            </a:lnRef>
+            <a:fillRef idx="1">
+              <a:schemeClr val="accent1"/>
+            </a:fillRef>
+            <a:effectRef idx="0">
+              <a:schemeClr val="accent1"/>
+            </a:effectRef>
+            <a:fontRef idx="minor">
+              <a:schemeClr val="lt1"/>
+            </a:fontRef>
+          </p:style>
+          <p:txBody>
+            <a:bodyPr rtlCol="0" anchor="ctr"/>
+            <a:lstStyle/>
+            <a:p>
+              <a:pPr algn="ctr"/>
+              <a:endParaRPr lang="en-SG"/>
+            </a:p>
+          </p:txBody>
+        </p:sp>
+        <p:sp>
+          <p:nvSpPr>
+            <p:cNvPr id="116" name="Flowchart: Connector 115"/>
+            <p:cNvSpPr/>
+            <p:nvPr/>
+          </p:nvSpPr>
+          <p:spPr>
+            <a:xfrm>
+              <a:off x="800257" y="354516"/>
+              <a:ext cx="45719" cy="45719"/>
+            </a:xfrm>
+            <a:prstGeom prst="flowChartConnector">
+              <a:avLst/>
+            </a:prstGeom>
+            <a:solidFill>
+              <a:schemeClr val="bg1"/>
+            </a:solidFill>
+            <a:ln>
+              <a:solidFill>
+                <a:schemeClr val="accent1">
+                  <a:lumMod val="75000"/>
+                </a:schemeClr>
+              </a:solidFill>
+            </a:ln>
+          </p:spPr>
+          <p:style>
+            <a:lnRef idx="2">
+              <a:schemeClr val="accent1">
+                <a:shade val="50000"/>
+              </a:schemeClr>
+            </a:lnRef>
+            <a:fillRef idx="1">
+              <a:schemeClr val="accent1"/>
+            </a:fillRef>
+            <a:effectRef idx="0">
+              <a:schemeClr val="accent1"/>
+            </a:effectRef>
+            <a:fontRef idx="minor">
+              <a:schemeClr val="lt1"/>
+            </a:fontRef>
+          </p:style>
+          <p:txBody>
+            <a:bodyPr rtlCol="0" anchor="ctr"/>
+            <a:lstStyle/>
+            <a:p>
+              <a:pPr algn="ctr"/>
+              <a:endParaRPr lang="en-SG"/>
+            </a:p>
+          </p:txBody>
+        </p:sp>
+      </p:grpSp>
+      <p:sp>
+        <p:nvSpPr>
+          <p:cNvPr id="24" name="Rounded Rectangle 23"/>
+          <p:cNvSpPr/>
           <p:nvPr/>
-        </p:nvPicPr>
-        <p:blipFill>
-          <a:blip r:embed="rId5" cstate="print"/>
-          <a:srcRect/>
-          <a:stretch>
-            <a:fillRect/>
-          </a:stretch>
-        </p:blipFill>
-        <p:spPr bwMode="auto">
-          <a:xfrm flipH="1">
-            <a:off x="545460" y="228601"/>
-            <a:ext cx="516795" cy="548640"/>
+        </p:nvSpPr>
+        <p:spPr>
+          <a:xfrm>
+            <a:off x="2751817" y="166476"/>
+            <a:ext cx="2117725" cy="2584344"/>
           </a:xfrm>
-          <a:prstGeom prst="rect">
-            <a:avLst/>
+          <a:prstGeom prst="roundRect">
+            <a:avLst>
+              <a:gd name="adj" fmla="val 7667"/>
+            </a:avLst>
           </a:prstGeom>
           <a:noFill/>
+          <a:ln w="107950">
+            <a:solidFill>
+              <a:schemeClr val="accent1">
+                <a:lumMod val="20000"/>
+                <a:lumOff val="80000"/>
+              </a:schemeClr>
+            </a:solidFill>
+          </a:ln>
+          <a:effectLst>
+            <a:softEdge rad="31750"/>
+          </a:effectLst>
         </p:spPr>
-      </p:pic>
+        <p:style>
+          <a:lnRef idx="2">
+            <a:schemeClr val="accent1">
+              <a:shade val="50000"/>
+            </a:schemeClr>
+          </a:lnRef>
+          <a:fillRef idx="1">
+            <a:schemeClr val="accent1"/>
+          </a:fillRef>
+          <a:effectRef idx="0">
+            <a:schemeClr val="accent1"/>
+          </a:effectRef>
+          <a:fontRef idx="minor">
+            <a:schemeClr val="lt1"/>
+          </a:fontRef>
+        </p:style>
+        <p:txBody>
+          <a:bodyPr rtlCol="0" anchor="ctr"/>
+          <a:lstStyle/>
+          <a:p>
+            <a:pPr algn="ctr"/>
+            <a:endParaRPr lang="en-US"/>
+          </a:p>
+        </p:txBody>
+      </p:sp>
+      <p:sp>
+        <p:nvSpPr>
+          <p:cNvPr id="23" name="Rounded Rectangle 22"/>
+          <p:cNvSpPr/>
+          <p:nvPr/>
+        </p:nvSpPr>
+        <p:spPr>
+          <a:xfrm>
+            <a:off x="136525" y="166476"/>
+            <a:ext cx="2117725" cy="2584344"/>
+          </a:xfrm>
+          <a:prstGeom prst="roundRect">
+            <a:avLst>
+              <a:gd name="adj" fmla="val 7667"/>
+            </a:avLst>
+          </a:prstGeom>
+          <a:noFill/>
+          <a:ln w="107950">
+            <a:solidFill>
+              <a:schemeClr val="accent6">
+                <a:lumMod val="20000"/>
+                <a:lumOff val="80000"/>
+              </a:schemeClr>
+            </a:solidFill>
+          </a:ln>
+          <a:effectLst>
+            <a:softEdge rad="31750"/>
+          </a:effectLst>
+        </p:spPr>
+        <p:style>
+          <a:lnRef idx="2">
+            <a:schemeClr val="accent1">
+              <a:shade val="50000"/>
+            </a:schemeClr>
+          </a:lnRef>
+          <a:fillRef idx="1">
+            <a:schemeClr val="accent1"/>
+          </a:fillRef>
+          <a:effectRef idx="0">
+            <a:schemeClr val="accent1"/>
+          </a:effectRef>
+          <a:fontRef idx="minor">
+            <a:schemeClr val="lt1"/>
+          </a:fontRef>
+        </p:style>
+        <p:txBody>
+          <a:bodyPr rtlCol="0" anchor="ctr"/>
+          <a:lstStyle/>
+          <a:p>
+            <a:pPr algn="ctr"/>
+            <a:endParaRPr lang="en-US"/>
+          </a:p>
+        </p:txBody>
+      </p:sp>
       <p:sp>
         <p:nvSpPr>
           <p:cNvPr id="93" name="Isosceles Triangle 92"/>
@@ -3367,7 +4385,7 @@
         </p:nvSpPr>
         <p:spPr>
           <a:xfrm rot="3148928">
-            <a:off x="3838122" y="1837621"/>
+            <a:off x="3750367" y="1837621"/>
             <a:ext cx="650104" cy="899883"/>
           </a:xfrm>
           <a:prstGeom prst="triangle">
@@ -3418,7 +4436,7 @@
         </p:nvSpPr>
         <p:spPr>
           <a:xfrm rot="4843798">
-            <a:off x="3394855" y="1214943"/>
+            <a:off x="3307100" y="1214943"/>
             <a:ext cx="672349" cy="1283148"/>
           </a:xfrm>
           <a:prstGeom prst="triangle">
@@ -3467,8 +4485,8 @@
         </p:nvSpPr>
         <p:spPr>
           <a:xfrm>
-            <a:off x="469260" y="2209800"/>
-            <a:ext cx="1600200" cy="523220"/>
+            <a:off x="365125" y="2266950"/>
+            <a:ext cx="1600200" cy="430887"/>
           </a:xfrm>
           <a:prstGeom prst="rect">
             <a:avLst/>
@@ -3483,402 +4501,224 @@
           <a:p>
             <a:pPr algn="ctr"/>
             <a:r>
-              <a:rPr lang="en-US" sz="1400" dirty="0" smtClean="0">
+              <a:rPr lang="en-US" sz="1100" dirty="0" smtClean="0">
                 <a:solidFill>
                   <a:schemeClr val="bg1">
                     <a:lumMod val="50000"/>
                   </a:schemeClr>
                 </a:solidFill>
+                <a:latin typeface="+mj-lt"/>
+                <a:ea typeface="2Dumb" pitchFamily="2" charset="0"/>
               </a:rPr>
-              <a:t>Anonymous </a:t>
+              <a:t>Anonymous</a:t>
             </a:r>
             <a:r>
-              <a:rPr lang="en-US" sz="1400" dirty="0" smtClean="0"/>
+              <a:rPr lang="en-US" sz="1100" b="1" dirty="0" smtClean="0">
+                <a:solidFill>
+                  <a:schemeClr val="bg1">
+                    <a:lumMod val="50000"/>
+                  </a:schemeClr>
+                </a:solidFill>
+                <a:latin typeface="+mj-lt"/>
+                <a:ea typeface="2Dumb" pitchFamily="2" charset="0"/>
+              </a:rPr>
+              <a:t> </a:t>
+            </a:r>
+            <a:r>
+              <a:rPr lang="en-US" sz="1100" b="1" dirty="0" smtClean="0">
+                <a:latin typeface="+mj-lt"/>
+                <a:ea typeface="2Dumb" pitchFamily="2" charset="0"/>
+              </a:rPr>
               <a:t/>
             </a:r>
             <a:br>
-              <a:rPr lang="en-US" sz="1400" dirty="0" smtClean="0"/>
+              <a:rPr lang="en-US" sz="1100" b="1" dirty="0" smtClean="0">
+                <a:latin typeface="+mj-lt"/>
+                <a:ea typeface="2Dumb" pitchFamily="2" charset="0"/>
+              </a:rPr>
             </a:br>
             <a:r>
-              <a:rPr lang="en-US" sz="1400" b="1" dirty="0" smtClean="0">
+              <a:rPr lang="en-US" sz="1100" b="1" dirty="0" smtClean="0">
                 <a:solidFill>
                   <a:schemeClr val="accent6">
                     <a:lumMod val="75000"/>
                   </a:schemeClr>
                 </a:solidFill>
+                <a:latin typeface="+mj-lt"/>
+                <a:ea typeface="2Dumb" pitchFamily="2" charset="0"/>
               </a:rPr>
               <a:t>peer feedback</a:t>
             </a:r>
-            <a:endParaRPr lang="en-US" sz="1400" b="1" dirty="0">
+            <a:endParaRPr lang="en-US" sz="1100" b="1" dirty="0">
               <a:solidFill>
                 <a:schemeClr val="accent6">
                   <a:lumMod val="75000"/>
                 </a:schemeClr>
               </a:solidFill>
+              <a:latin typeface="+mj-lt"/>
+              <a:ea typeface="2Dumb" pitchFamily="2" charset="0"/>
             </a:endParaRPr>
           </a:p>
         </p:txBody>
       </p:sp>
-      <p:pic>
-        <p:nvPicPr>
-          <p:cNvPr id="99" name="Picture 5" descr="C:\Users\dcsdcr\AppData\Local\Microsoft\Windows\Temporary Internet Files\Content.IE5\8EW2YN38\MC900432611[1].png"/>
-          <p:cNvPicPr>
-            <a:picLocks noChangeAspect="1" noChangeArrowheads="1"/>
-          </p:cNvPicPr>
+      <p:sp>
+        <p:nvSpPr>
+          <p:cNvPr id="102" name="TextBox 101"/>
+          <p:cNvSpPr txBox="1"/>
           <p:nvPr/>
-        </p:nvPicPr>
-        <p:blipFill>
-          <a:blip r:embed="rId6" cstate="print">
-            <a:duotone>
-              <a:schemeClr val="bg2">
-                <a:shade val="45000"/>
-                <a:satMod val="135000"/>
-              </a:schemeClr>
-              <a:prstClr val="white"/>
-            </a:duotone>
-          </a:blip>
-          <a:srcRect/>
-          <a:stretch>
-            <a:fillRect/>
-          </a:stretch>
-        </p:blipFill>
-        <p:spPr bwMode="auto">
+        </p:nvSpPr>
+        <p:spPr>
           <a:xfrm>
-            <a:off x="3060060" y="1676400"/>
-            <a:ext cx="516795" cy="548640"/>
+            <a:off x="3048505" y="228600"/>
+            <a:ext cx="1600200" cy="430887"/>
           </a:xfrm>
           <a:prstGeom prst="rect">
             <a:avLst/>
           </a:prstGeom>
           <a:noFill/>
         </p:spPr>
-      </p:pic>
-      <p:pic>
-        <p:nvPicPr>
-          <p:cNvPr id="100" name="Picture 6" descr="C:\Users\dcsdcr\AppData\Local\Microsoft\Windows\Temporary Internet Files\Content.IE5\X9F2A1EC\MC900432609[1].png"/>
-          <p:cNvPicPr>
-            <a:picLocks noChangeAspect="1" noChangeArrowheads="1"/>
-          </p:cNvPicPr>
+        <p:txBody>
+          <a:bodyPr wrap="square" rtlCol="0">
+            <a:spAutoFit/>
+          </a:bodyPr>
+          <a:lstStyle/>
+          <a:p>
+            <a:pPr algn="ctr"/>
+            <a:r>
+              <a:rPr lang="en-US" sz="1100" dirty="0" smtClean="0">
+                <a:solidFill>
+                  <a:schemeClr val="bg1">
+                    <a:lumMod val="50000"/>
+                  </a:schemeClr>
+                </a:solidFill>
+                <a:latin typeface="+mj-lt"/>
+                <a:ea typeface="2Dumb" pitchFamily="2" charset="0"/>
+              </a:rPr>
+              <a:t>Confidential</a:t>
+            </a:r>
+            <a:r>
+              <a:rPr lang="en-US" sz="1100" b="1" dirty="0" smtClean="0">
+                <a:solidFill>
+                  <a:schemeClr val="bg1">
+                    <a:lumMod val="50000"/>
+                  </a:schemeClr>
+                </a:solidFill>
+                <a:latin typeface="+mj-lt"/>
+                <a:ea typeface="2Dumb" pitchFamily="2" charset="0"/>
+              </a:rPr>
+              <a:t> </a:t>
+            </a:r>
+            <a:br>
+              <a:rPr lang="en-US" sz="1100" b="1" dirty="0" smtClean="0">
+                <a:solidFill>
+                  <a:schemeClr val="bg1">
+                    <a:lumMod val="50000"/>
+                  </a:schemeClr>
+                </a:solidFill>
+                <a:latin typeface="+mj-lt"/>
+                <a:ea typeface="2Dumb" pitchFamily="2" charset="0"/>
+              </a:rPr>
+            </a:br>
+            <a:r>
+              <a:rPr lang="en-US" sz="1100" b="1" dirty="0" smtClean="0">
+                <a:solidFill>
+                  <a:schemeClr val="accent1"/>
+                </a:solidFill>
+                <a:latin typeface="+mj-lt"/>
+                <a:ea typeface="2Dumb" pitchFamily="2" charset="0"/>
+              </a:rPr>
+              <a:t>peer evaluations</a:t>
+            </a:r>
+          </a:p>
+        </p:txBody>
+      </p:sp>
+      <p:sp>
+        <p:nvSpPr>
+          <p:cNvPr id="108" name="TextBox 107"/>
+          <p:cNvSpPr txBox="1"/>
           <p:nvPr/>
-        </p:nvPicPr>
-        <p:blipFill>
-          <a:blip r:embed="rId7" cstate="print">
-            <a:duotone>
-              <a:schemeClr val="bg2">
-                <a:shade val="45000"/>
-                <a:satMod val="135000"/>
-              </a:schemeClr>
-              <a:prstClr val="white"/>
-            </a:duotone>
-          </a:blip>
-          <a:srcRect/>
-          <a:stretch>
-            <a:fillRect/>
-          </a:stretch>
-        </p:blipFill>
-        <p:spPr bwMode="auto">
+        </p:nvSpPr>
+        <p:spPr>
           <a:xfrm>
-            <a:off x="3745860" y="2133600"/>
-            <a:ext cx="516795" cy="548640"/>
+            <a:off x="5594757" y="230098"/>
+            <a:ext cx="1676400" cy="600164"/>
           </a:xfrm>
           <a:prstGeom prst="rect">
             <a:avLst/>
           </a:prstGeom>
           <a:noFill/>
         </p:spPr>
-      </p:pic>
-      <p:pic>
-        <p:nvPicPr>
-          <p:cNvPr id="101" name="Picture 8" descr="C:\Users\dcsdcr\AppData\Local\Microsoft\Windows\Temporary Internet Files\Content.IE5\VAN5VK8I\MC900432610[1].png"/>
-          <p:cNvPicPr>
-            <a:picLocks noChangeAspect="1" noChangeArrowheads="1"/>
-          </p:cNvPicPr>
-          <p:nvPr/>
-        </p:nvPicPr>
-        <p:blipFill>
-          <a:blip r:embed="rId8" cstate="print"/>
-          <a:srcRect/>
-          <a:stretch>
-            <a:fillRect/>
-          </a:stretch>
-        </p:blipFill>
-        <p:spPr bwMode="auto">
-          <a:xfrm>
-            <a:off x="4279260" y="1600200"/>
-            <a:ext cx="516795" cy="548640"/>
-          </a:xfrm>
-          <a:prstGeom prst="rect">
-            <a:avLst/>
-          </a:prstGeom>
-          <a:noFill/>
-        </p:spPr>
-      </p:pic>
-      <p:sp>
-        <p:nvSpPr>
-          <p:cNvPr id="102" name="TextBox 101"/>
-          <p:cNvSpPr txBox="1"/>
-          <p:nvPr/>
-        </p:nvSpPr>
-        <p:spPr>
-          <a:xfrm>
-            <a:off x="3136260" y="228600"/>
-            <a:ext cx="1600200" cy="523220"/>
-          </a:xfrm>
-          <a:prstGeom prst="rect">
-            <a:avLst/>
-          </a:prstGeom>
-          <a:noFill/>
-        </p:spPr>
         <p:txBody>
           <a:bodyPr wrap="square" rtlCol="0">
             <a:spAutoFit/>
           </a:bodyPr>
           <a:lstStyle/>
           <a:p>
-            <a:pPr algn="ctr"/>
             <a:r>
-              <a:rPr lang="en-US" sz="1400" dirty="0" smtClean="0">
+              <a:rPr lang="en-US" sz="1100" dirty="0" smtClean="0">
                 <a:solidFill>
                   <a:schemeClr val="bg1">
                     <a:lumMod val="50000"/>
                   </a:schemeClr>
                 </a:solidFill>
+                <a:latin typeface="+mj-lt"/>
+                <a:ea typeface="2Dumb" pitchFamily="2" charset="0"/>
               </a:rPr>
-              <a:t>Confidential </a:t>
+              <a:t>Teaching a course with </a:t>
             </a:r>
-            <a:br>
-              <a:rPr lang="en-US" sz="1400" dirty="0" smtClean="0">
+            <a:r>
+              <a:rPr lang="en-US" sz="1100" b="1" dirty="0" smtClean="0">
+                <a:solidFill>
+                  <a:schemeClr val="accent1"/>
+                </a:solidFill>
+                <a:latin typeface="+mj-lt"/>
+                <a:ea typeface="2Dumb" pitchFamily="2" charset="0"/>
+              </a:rPr>
+              <a:t>team </a:t>
+            </a:r>
+            <a:r>
+              <a:rPr lang="en-US" sz="1100" b="1" dirty="0" smtClean="0">
+                <a:solidFill>
+                  <a:schemeClr val="accent1"/>
+                </a:solidFill>
+                <a:latin typeface="+mj-lt"/>
+                <a:ea typeface="2Dumb" pitchFamily="2" charset="0"/>
+              </a:rPr>
+              <a:t>projects</a:t>
+            </a:r>
+            <a:r>
+              <a:rPr lang="en-US" sz="1100" b="1" dirty="0" smtClean="0">
                 <a:solidFill>
                   <a:schemeClr val="bg1">
                     <a:lumMod val="50000"/>
                   </a:schemeClr>
                 </a:solidFill>
+                <a:latin typeface="+mj-lt"/>
+                <a:ea typeface="2Dumb" pitchFamily="2" charset="0"/>
               </a:rPr>
-            </a:br>
-            <a:r>
-              <a:rPr lang="en-US" sz="1400" b="1" dirty="0" smtClean="0">
-                <a:solidFill>
-                  <a:schemeClr val="accent1"/>
-                </a:solidFill>
-              </a:rPr>
-              <a:t>peer evaluations</a:t>
+              <a:t>?</a:t>
             </a:r>
-          </a:p>
-        </p:txBody>
-      </p:sp>
-      <p:pic>
-        <p:nvPicPr>
-          <p:cNvPr id="103" name="Picture 9" descr="C:\Users\dcsdcr\AppData\Local\Microsoft\Windows\Temporary Internet Files\Content.IE5\8EW2YN38\MC900432621[1].png"/>
-          <p:cNvPicPr>
-            <a:picLocks noChangeAspect="1" noChangeArrowheads="1"/>
-          </p:cNvPicPr>
-          <p:nvPr/>
-        </p:nvPicPr>
-        <p:blipFill>
-          <a:blip r:embed="rId5" cstate="print"/>
-          <a:srcRect/>
-          <a:stretch>
-            <a:fillRect/>
-          </a:stretch>
-        </p:blipFill>
-        <p:spPr bwMode="auto">
-          <a:xfrm flipH="1">
-            <a:off x="3517260" y="762000"/>
-            <a:ext cx="516795" cy="548640"/>
-          </a:xfrm>
-          <a:prstGeom prst="rect">
-            <a:avLst/>
-          </a:prstGeom>
-          <a:noFill/>
-        </p:spPr>
-      </p:pic>
-      <p:pic>
-        <p:nvPicPr>
-          <p:cNvPr id="105" name="Picture 5" descr="C:\Users\dcsdcr\AppData\Local\Microsoft\Windows\Temporary Internet Files\Content.IE5\8EW2YN38\MC900432611[1].png"/>
-          <p:cNvPicPr>
-            <a:picLocks noChangeAspect="1" noChangeArrowheads="1"/>
-          </p:cNvPicPr>
-          <p:nvPr/>
-        </p:nvPicPr>
-        <p:blipFill>
-          <a:blip r:embed="rId6" cstate="print">
-            <a:duotone>
-              <a:schemeClr val="bg2">
-                <a:shade val="45000"/>
-                <a:satMod val="135000"/>
-              </a:schemeClr>
-              <a:prstClr val="white"/>
-            </a:duotone>
-          </a:blip>
-          <a:srcRect/>
-          <a:stretch>
-            <a:fillRect/>
-          </a:stretch>
-        </p:blipFill>
-        <p:spPr bwMode="auto">
-          <a:xfrm>
-            <a:off x="545460" y="1737360"/>
-            <a:ext cx="516795" cy="548640"/>
-          </a:xfrm>
-          <a:prstGeom prst="rect">
-            <a:avLst/>
-          </a:prstGeom>
-          <a:noFill/>
-        </p:spPr>
-      </p:pic>
-      <p:pic>
-        <p:nvPicPr>
-          <p:cNvPr id="106" name="Picture 6" descr="C:\Users\dcsdcr\AppData\Local\Microsoft\Windows\Temporary Internet Files\Content.IE5\X9F2A1EC\MC900432609[1].png"/>
-          <p:cNvPicPr>
-            <a:picLocks noChangeAspect="1" noChangeArrowheads="1"/>
-          </p:cNvPicPr>
-          <p:nvPr/>
-        </p:nvPicPr>
-        <p:blipFill>
-          <a:blip r:embed="rId7" cstate="print">
-            <a:duotone>
-              <a:schemeClr val="bg2">
-                <a:shade val="45000"/>
-                <a:satMod val="135000"/>
-              </a:schemeClr>
-              <a:prstClr val="white"/>
-            </a:duotone>
-          </a:blip>
-          <a:srcRect/>
-          <a:stretch>
-            <a:fillRect/>
-          </a:stretch>
-        </p:blipFill>
-        <p:spPr bwMode="auto">
-          <a:xfrm>
-            <a:off x="1078860" y="1737360"/>
-            <a:ext cx="516795" cy="548640"/>
-          </a:xfrm>
-          <a:prstGeom prst="rect">
-            <a:avLst/>
-          </a:prstGeom>
-          <a:noFill/>
-        </p:spPr>
-      </p:pic>
-      <p:pic>
-        <p:nvPicPr>
-          <p:cNvPr id="107" name="Picture 8" descr="C:\Users\dcsdcr\AppData\Local\Microsoft\Windows\Temporary Internet Files\Content.IE5\VAN5VK8I\MC900432610[1].png"/>
-          <p:cNvPicPr>
-            <a:picLocks noChangeAspect="1" noChangeArrowheads="1"/>
-          </p:cNvPicPr>
-          <p:nvPr/>
-        </p:nvPicPr>
-        <p:blipFill>
-          <a:blip r:embed="rId8" cstate="print"/>
-          <a:srcRect/>
-          <a:stretch>
-            <a:fillRect/>
-          </a:stretch>
-        </p:blipFill>
-        <p:spPr bwMode="auto">
-          <a:xfrm>
-            <a:off x="1677130" y="1272222"/>
-            <a:ext cx="516795" cy="548640"/>
-          </a:xfrm>
-          <a:prstGeom prst="rect">
-            <a:avLst/>
-          </a:prstGeom>
-          <a:noFill/>
-        </p:spPr>
-      </p:pic>
-      <p:sp>
-        <p:nvSpPr>
-          <p:cNvPr id="108" name="TextBox 107"/>
-          <p:cNvSpPr txBox="1"/>
-          <p:nvPr/>
-        </p:nvSpPr>
-        <p:spPr>
-          <a:xfrm>
-            <a:off x="5650860" y="1066800"/>
-            <a:ext cx="1676400" cy="738664"/>
-          </a:xfrm>
-          <a:prstGeom prst="rect">
-            <a:avLst/>
-          </a:prstGeom>
-          <a:noFill/>
-        </p:spPr>
-        <p:txBody>
-          <a:bodyPr wrap="square" rtlCol="0">
-            <a:spAutoFit/>
-          </a:bodyPr>
-          <a:lstStyle/>
-          <a:p>
-            <a:r>
-              <a:rPr lang="en-US" sz="1400" dirty="0" smtClean="0">
+            <a:br>
+              <a:rPr lang="en-US" sz="1100" b="1" dirty="0" smtClean="0">
                 <a:solidFill>
                   <a:schemeClr val="bg1">
                     <a:lumMod val="50000"/>
                   </a:schemeClr>
                 </a:solidFill>
-              </a:rPr>
-              <a:t>Teaching a course with </a:t>
-            </a:r>
-            <a:r>
-              <a:rPr lang="en-US" sz="1400" b="1" dirty="0" smtClean="0">
-                <a:solidFill>
-                  <a:schemeClr val="accent1"/>
-                </a:solidFill>
-              </a:rPr>
-              <a:t>team projects</a:t>
-            </a:r>
-            <a:r>
-              <a:rPr lang="en-US" sz="1400" dirty="0" smtClean="0">
-                <a:solidFill>
-                  <a:schemeClr val="bg1">
-                    <a:lumMod val="50000"/>
-                  </a:schemeClr>
-                </a:solidFill>
-              </a:rPr>
-              <a:t>?</a:t>
-            </a:r>
-            <a:br>
-              <a:rPr lang="en-US" sz="1400" dirty="0" smtClean="0">
-                <a:solidFill>
-                  <a:schemeClr val="bg1">
-                    <a:lumMod val="50000"/>
-                  </a:schemeClr>
-                </a:solidFill>
+                <a:latin typeface="+mj-lt"/>
+                <a:ea typeface="2Dumb" pitchFamily="2" charset="0"/>
               </a:rPr>
             </a:br>
-            <a:endParaRPr lang="en-US" sz="1400" b="1" dirty="0" smtClean="0">
+            <a:endParaRPr lang="en-US" sz="1100" b="1" dirty="0" smtClean="0">
               <a:solidFill>
                 <a:schemeClr val="accent1"/>
               </a:solidFill>
+              <a:latin typeface="+mj-lt"/>
+              <a:ea typeface="2Dumb" pitchFamily="2" charset="0"/>
             </a:endParaRPr>
           </a:p>
         </p:txBody>
       </p:sp>
-      <p:pic>
-        <p:nvPicPr>
-          <p:cNvPr id="109" name="Picture 9" descr="C:\Users\dcsdcr\AppData\Local\Microsoft\Windows\Temporary Internet Files\Content.IE5\8EW2YN38\MC900432621[1].png"/>
-          <p:cNvPicPr>
-            <a:picLocks noChangeAspect="1" noChangeArrowheads="1"/>
-          </p:cNvPicPr>
-          <p:nvPr/>
-        </p:nvPicPr>
-        <p:blipFill>
-          <a:blip r:embed="rId5" cstate="print"/>
-          <a:srcRect/>
-          <a:stretch>
-            <a:fillRect/>
-          </a:stretch>
-        </p:blipFill>
-        <p:spPr bwMode="auto">
-          <a:xfrm flipH="1">
-            <a:off x="5650860" y="381000"/>
-            <a:ext cx="516795" cy="548640"/>
-          </a:xfrm>
-          <a:prstGeom prst="rect">
-            <a:avLst/>
-          </a:prstGeom>
-          <a:noFill/>
-        </p:spPr>
-      </p:pic>
       <p:sp>
         <p:nvSpPr>
           <p:cNvPr id="110" name="Rounded Rectangle 109"/>
@@ -3887,7 +4727,7 @@
         </p:nvSpPr>
         <p:spPr>
           <a:xfrm>
-            <a:off x="5727060" y="1828800"/>
+            <a:off x="5767678" y="1822729"/>
             <a:ext cx="1371600" cy="457200"/>
           </a:xfrm>
           <a:prstGeom prst="roundRect">
@@ -3931,124 +4771,2553 @@
           </a:p>
         </p:txBody>
       </p:sp>
-      <mc:AlternateContent xmlns:mc="http://schemas.openxmlformats.org/markup-compatibility/2006">
-        <mc:Choice xmlns:p14="http://schemas.microsoft.com/office/powerpoint/2010/main" Requires="p14">
-          <p:contentPart p14:bwMode="auto" r:id="rId9">
-            <p14:nvContentPartPr>
-              <p14:cNvPr id="4" name="Ink 3"/>
-              <p14:cNvContentPartPr/>
-              <p14:nvPr/>
-            </p14:nvContentPartPr>
-            <p14:xfrm>
-              <a:off x="849269" y="907318"/>
-              <a:ext cx="1054440" cy="779760"/>
-            </p14:xfrm>
-          </p:contentPart>
-        </mc:Choice>
-        <mc:Fallback>
-          <p:pic>
-            <p:nvPicPr>
-              <p:cNvPr id="4" name="Ink 3"/>
-              <p:cNvPicPr/>
-              <p:nvPr/>
-            </p:nvPicPr>
-            <p:blipFill>
-              <a:blip r:embed="rId10"/>
-              <a:stretch>
-                <a:fillRect/>
-              </a:stretch>
-            </p:blipFill>
-            <p:spPr>
-              <a:xfrm>
-                <a:off x="828749" y="882838"/>
-                <a:ext cx="1086480" cy="829440"/>
-              </a:xfrm>
-              <a:prstGeom prst="rect">
-                <a:avLst/>
-              </a:prstGeom>
-            </p:spPr>
-          </p:pic>
-        </mc:Fallback>
-      </mc:AlternateContent>
-      <mc:AlternateContent xmlns:mc="http://schemas.openxmlformats.org/markup-compatibility/2006">
-        <mc:Choice xmlns:p14="http://schemas.microsoft.com/office/powerpoint/2010/main" Requires="p14">
-          <p:contentPart p14:bwMode="auto" r:id="rId11">
-            <p14:nvContentPartPr>
-              <p14:cNvPr id="113" name="Ink 112"/>
-              <p14:cNvContentPartPr/>
-              <p14:nvPr/>
-            </p14:nvContentPartPr>
-            <p14:xfrm>
-              <a:off x="4090620" y="971434"/>
-              <a:ext cx="377280" cy="525960"/>
-            </p14:xfrm>
-          </p:contentPart>
-        </mc:Choice>
-        <mc:Fallback>
-          <p:pic>
-            <p:nvPicPr>
-              <p:cNvPr id="113" name="Ink 112"/>
-              <p:cNvPicPr/>
-              <p:nvPr/>
-            </p:nvPicPr>
-            <p:blipFill>
-              <a:blip r:embed="rId12"/>
-              <a:stretch>
-                <a:fillRect/>
-              </a:stretch>
-            </p:blipFill>
-            <p:spPr>
-              <a:xfrm>
-                <a:off x="4064340" y="943714"/>
-                <a:ext cx="425160" cy="560880"/>
-              </a:xfrm>
-              <a:prstGeom prst="rect">
-                <a:avLst/>
-              </a:prstGeom>
-            </p:spPr>
-          </p:pic>
-        </mc:Fallback>
-      </mc:AlternateContent>
-      <mc:AlternateContent xmlns:mc="http://schemas.openxmlformats.org/markup-compatibility/2006">
-        <mc:Choice xmlns:p14="http://schemas.microsoft.com/office/powerpoint/2010/main" Requires="p14">
-          <p:contentPart p14:bwMode="auto" r:id="rId13">
-            <p14:nvContentPartPr>
-              <p14:cNvPr id="114" name="Ink 113"/>
-              <p14:cNvContentPartPr/>
-              <p14:nvPr/>
-            </p14:nvContentPartPr>
-            <p14:xfrm>
-              <a:off x="5360760" y="190511"/>
-              <a:ext cx="2104200" cy="2599200"/>
-            </p14:xfrm>
-          </p:contentPart>
-        </mc:Choice>
-        <mc:Fallback>
-          <p:pic>
-            <p:nvPicPr>
-              <p:cNvPr id="114" name="Ink 113"/>
-              <p:cNvPicPr/>
-              <p:nvPr/>
-            </p:nvPicPr>
-            <p:blipFill>
-              <a:blip r:embed="rId3"/>
-              <a:stretch>
-                <a:fillRect/>
-              </a:stretch>
-            </p:blipFill>
-            <p:spPr>
-              <a:xfrm>
-                <a:off x="5329080" y="154871"/>
-                <a:ext cx="2169360" cy="2661120"/>
-              </a:xfrm>
-              <a:prstGeom prst="rect">
-                <a:avLst/>
-              </a:prstGeom>
-            </p:spPr>
-          </p:pic>
-        </mc:Fallback>
-      </mc:AlternateContent>
+      <p:sp>
+        <p:nvSpPr>
+          <p:cNvPr id="25" name="Rounded Rectangle 24"/>
+          <p:cNvSpPr/>
+          <p:nvPr/>
+        </p:nvSpPr>
+        <p:spPr>
+          <a:xfrm>
+            <a:off x="5367110" y="166476"/>
+            <a:ext cx="2117725" cy="2584344"/>
+          </a:xfrm>
+          <a:prstGeom prst="roundRect">
+            <a:avLst>
+              <a:gd name="adj" fmla="val 7667"/>
+            </a:avLst>
+          </a:prstGeom>
+          <a:noFill/>
+          <a:ln w="107950">
+            <a:solidFill>
+              <a:schemeClr val="accent6">
+                <a:lumMod val="20000"/>
+                <a:lumOff val="80000"/>
+              </a:schemeClr>
+            </a:solidFill>
+          </a:ln>
+          <a:effectLst>
+            <a:softEdge rad="31750"/>
+          </a:effectLst>
+        </p:spPr>
+        <p:style>
+          <a:lnRef idx="2">
+            <a:schemeClr val="accent1">
+              <a:shade val="50000"/>
+            </a:schemeClr>
+          </a:lnRef>
+          <a:fillRef idx="1">
+            <a:schemeClr val="accent1"/>
+          </a:fillRef>
+          <a:effectRef idx="0">
+            <a:schemeClr val="accent1"/>
+          </a:effectRef>
+          <a:fontRef idx="minor">
+            <a:schemeClr val="lt1"/>
+          </a:fontRef>
+        </p:style>
+        <p:txBody>
+          <a:bodyPr rtlCol="0" anchor="ctr"/>
+          <a:lstStyle/>
+          <a:p>
+            <a:pPr algn="ctr"/>
+            <a:endParaRPr lang="en-US"/>
+          </a:p>
+        </p:txBody>
+      </p:sp>
+      <p:grpSp>
+        <p:nvGrpSpPr>
+          <p:cNvPr id="41" name="Group 40"/>
+          <p:cNvGrpSpPr/>
+          <p:nvPr/>
+        </p:nvGrpSpPr>
+        <p:grpSpPr>
+          <a:xfrm flipH="1">
+            <a:off x="1770477" y="1235193"/>
+            <a:ext cx="298983" cy="520531"/>
+            <a:chOff x="699777" y="319219"/>
+            <a:chExt cx="298983" cy="520531"/>
+          </a:xfrm>
+          <a:solidFill>
+            <a:schemeClr val="bg1"/>
+          </a:solidFill>
+        </p:grpSpPr>
+        <p:sp>
+          <p:nvSpPr>
+            <p:cNvPr id="42" name="Flowchart: Connector 41"/>
+            <p:cNvSpPr/>
+            <p:nvPr/>
+          </p:nvSpPr>
+          <p:spPr>
+            <a:xfrm>
+              <a:off x="738937" y="319219"/>
+              <a:ext cx="220662" cy="220662"/>
+            </a:xfrm>
+            <a:prstGeom prst="flowChartConnector">
+              <a:avLst/>
+            </a:prstGeom>
+            <a:grpFill/>
+            <a:ln>
+              <a:solidFill>
+                <a:schemeClr val="accent6">
+                  <a:lumMod val="75000"/>
+                </a:schemeClr>
+              </a:solidFill>
+            </a:ln>
+          </p:spPr>
+          <p:style>
+            <a:lnRef idx="2">
+              <a:schemeClr val="accent1">
+                <a:shade val="50000"/>
+              </a:schemeClr>
+            </a:lnRef>
+            <a:fillRef idx="1">
+              <a:schemeClr val="accent1"/>
+            </a:fillRef>
+            <a:effectRef idx="0">
+              <a:schemeClr val="accent1"/>
+            </a:effectRef>
+            <a:fontRef idx="minor">
+              <a:schemeClr val="lt1"/>
+            </a:fontRef>
+          </p:style>
+          <p:txBody>
+            <a:bodyPr rtlCol="0" anchor="ctr"/>
+            <a:lstStyle/>
+            <a:p>
+              <a:pPr algn="ctr"/>
+              <a:endParaRPr lang="en-SG"/>
+            </a:p>
+          </p:txBody>
+        </p:sp>
+        <p:sp>
+          <p:nvSpPr>
+            <p:cNvPr id="43" name="Flowchart: Delay 42"/>
+            <p:cNvSpPr/>
+            <p:nvPr/>
+          </p:nvSpPr>
+          <p:spPr>
+            <a:xfrm rot="16200000">
+              <a:off x="709092" y="550082"/>
+              <a:ext cx="280353" cy="298983"/>
+            </a:xfrm>
+            <a:prstGeom prst="flowChartDelay">
+              <a:avLst/>
+            </a:prstGeom>
+            <a:grpFill/>
+            <a:ln>
+              <a:solidFill>
+                <a:schemeClr val="accent6">
+                  <a:lumMod val="75000"/>
+                </a:schemeClr>
+              </a:solidFill>
+            </a:ln>
+          </p:spPr>
+          <p:style>
+            <a:lnRef idx="2">
+              <a:schemeClr val="accent1">
+                <a:shade val="50000"/>
+              </a:schemeClr>
+            </a:lnRef>
+            <a:fillRef idx="1">
+              <a:schemeClr val="accent1"/>
+            </a:fillRef>
+            <a:effectRef idx="0">
+              <a:schemeClr val="accent1"/>
+            </a:effectRef>
+            <a:fontRef idx="minor">
+              <a:schemeClr val="lt1"/>
+            </a:fontRef>
+          </p:style>
+          <p:txBody>
+            <a:bodyPr rtlCol="0" anchor="ctr"/>
+            <a:lstStyle/>
+            <a:p>
+              <a:pPr algn="ctr"/>
+              <a:endParaRPr lang="en-SG"/>
+            </a:p>
+          </p:txBody>
+        </p:sp>
+        <p:sp>
+          <p:nvSpPr>
+            <p:cNvPr id="45" name="Freeform 44"/>
+            <p:cNvSpPr/>
+            <p:nvPr/>
+          </p:nvSpPr>
+          <p:spPr>
+            <a:xfrm>
+              <a:off x="943388" y="479408"/>
+              <a:ext cx="50006" cy="19050"/>
+            </a:xfrm>
+            <a:custGeom>
+              <a:avLst/>
+              <a:gdLst>
+                <a:gd name="connsiteX0" fmla="*/ 0 w 50006"/>
+                <a:gd name="connsiteY0" fmla="*/ 0 h 19050"/>
+                <a:gd name="connsiteX1" fmla="*/ 0 w 50006"/>
+                <a:gd name="connsiteY1" fmla="*/ 0 h 19050"/>
+                <a:gd name="connsiteX2" fmla="*/ 21431 w 50006"/>
+                <a:gd name="connsiteY2" fmla="*/ 4762 h 19050"/>
+                <a:gd name="connsiteX3" fmla="*/ 28575 w 50006"/>
+                <a:gd name="connsiteY3" fmla="*/ 9525 h 19050"/>
+                <a:gd name="connsiteX4" fmla="*/ 38100 w 50006"/>
+                <a:gd name="connsiteY4" fmla="*/ 14287 h 19050"/>
+                <a:gd name="connsiteX5" fmla="*/ 50006 w 50006"/>
+                <a:gd name="connsiteY5" fmla="*/ 19050 h 19050"/>
+              </a:gdLst>
+              <a:ahLst/>
+              <a:cxnLst>
+                <a:cxn ang="0">
+                  <a:pos x="connsiteX0" y="connsiteY0"/>
+                </a:cxn>
+                <a:cxn ang="0">
+                  <a:pos x="connsiteX1" y="connsiteY1"/>
+                </a:cxn>
+                <a:cxn ang="0">
+                  <a:pos x="connsiteX2" y="connsiteY2"/>
+                </a:cxn>
+                <a:cxn ang="0">
+                  <a:pos x="connsiteX3" y="connsiteY3"/>
+                </a:cxn>
+                <a:cxn ang="0">
+                  <a:pos x="connsiteX4" y="connsiteY4"/>
+                </a:cxn>
+                <a:cxn ang="0">
+                  <a:pos x="connsiteX5" y="connsiteY5"/>
+                </a:cxn>
+              </a:cxnLst>
+              <a:rect l="l" t="t" r="r" b="b"/>
+              <a:pathLst>
+                <a:path w="50006" h="19050">
+                  <a:moveTo>
+                    <a:pt x="0" y="0"/>
+                  </a:moveTo>
+                  <a:lnTo>
+                    <a:pt x="0" y="0"/>
+                  </a:lnTo>
+                  <a:cubicBezTo>
+                    <a:pt x="7144" y="1587"/>
+                    <a:pt x="14489" y="2448"/>
+                    <a:pt x="21431" y="4762"/>
+                  </a:cubicBezTo>
+                  <a:cubicBezTo>
+                    <a:pt x="24146" y="5667"/>
+                    <a:pt x="26090" y="8105"/>
+                    <a:pt x="28575" y="9525"/>
+                  </a:cubicBezTo>
+                  <a:cubicBezTo>
+                    <a:pt x="31657" y="11286"/>
+                    <a:pt x="34837" y="12889"/>
+                    <a:pt x="38100" y="14287"/>
+                  </a:cubicBezTo>
+                  <a:cubicBezTo>
+                    <a:pt x="58672" y="23103"/>
+                    <a:pt x="34691" y="11391"/>
+                    <a:pt x="50006" y="19050"/>
+                  </a:cubicBezTo>
+                </a:path>
+              </a:pathLst>
+            </a:custGeom>
+            <a:grpFill/>
+            <a:ln>
+              <a:solidFill>
+                <a:schemeClr val="accent6">
+                  <a:lumMod val="75000"/>
+                </a:schemeClr>
+              </a:solidFill>
+            </a:ln>
+          </p:spPr>
+          <p:style>
+            <a:lnRef idx="2">
+              <a:schemeClr val="accent1">
+                <a:shade val="50000"/>
+              </a:schemeClr>
+            </a:lnRef>
+            <a:fillRef idx="1">
+              <a:schemeClr val="accent1"/>
+            </a:fillRef>
+            <a:effectRef idx="0">
+              <a:schemeClr val="accent1"/>
+            </a:effectRef>
+            <a:fontRef idx="minor">
+              <a:schemeClr val="lt1"/>
+            </a:fontRef>
+          </p:style>
+          <p:txBody>
+            <a:bodyPr rtlCol="0" anchor="ctr"/>
+            <a:lstStyle/>
+            <a:p>
+              <a:pPr algn="ctr"/>
+              <a:endParaRPr lang="en-SG"/>
+            </a:p>
+          </p:txBody>
+        </p:sp>
+        <p:sp>
+          <p:nvSpPr>
+            <p:cNvPr id="46" name="Flowchart: Connector 45"/>
+            <p:cNvSpPr/>
+            <p:nvPr/>
+          </p:nvSpPr>
+          <p:spPr>
+            <a:xfrm flipH="1">
+              <a:off x="851649" y="373837"/>
+              <a:ext cx="45719" cy="45719"/>
+            </a:xfrm>
+            <a:prstGeom prst="flowChartConnector">
+              <a:avLst/>
+            </a:prstGeom>
+            <a:solidFill>
+              <a:schemeClr val="bg1"/>
+            </a:solidFill>
+            <a:ln>
+              <a:solidFill>
+                <a:schemeClr val="accent6">
+                  <a:lumMod val="75000"/>
+                </a:schemeClr>
+              </a:solidFill>
+            </a:ln>
+          </p:spPr>
+          <p:style>
+            <a:lnRef idx="2">
+              <a:schemeClr val="accent1">
+                <a:shade val="50000"/>
+              </a:schemeClr>
+            </a:lnRef>
+            <a:fillRef idx="1">
+              <a:schemeClr val="accent1"/>
+            </a:fillRef>
+            <a:effectRef idx="0">
+              <a:schemeClr val="accent1"/>
+            </a:effectRef>
+            <a:fontRef idx="minor">
+              <a:schemeClr val="lt1"/>
+            </a:fontRef>
+          </p:style>
+          <p:txBody>
+            <a:bodyPr rtlCol="0" anchor="ctr"/>
+            <a:lstStyle/>
+            <a:p>
+              <a:pPr algn="ctr"/>
+              <a:endParaRPr lang="en-SG"/>
+            </a:p>
+          </p:txBody>
+        </p:sp>
+      </p:grpSp>
+      <p:sp>
+        <p:nvSpPr>
+          <p:cNvPr id="59" name="Flowchart: Delay 58"/>
+          <p:cNvSpPr/>
+          <p:nvPr/>
+        </p:nvSpPr>
+        <p:spPr>
+          <a:xfrm rot="16200000">
+            <a:off x="603041" y="1976842"/>
+            <a:ext cx="280353" cy="298983"/>
+          </a:xfrm>
+          <a:prstGeom prst="flowChartDelay">
+            <a:avLst/>
+          </a:prstGeom>
+          <a:solidFill>
+            <a:schemeClr val="bg1"/>
+          </a:solidFill>
+          <a:ln>
+            <a:solidFill>
+              <a:schemeClr val="bg1">
+                <a:lumMod val="65000"/>
+              </a:schemeClr>
+            </a:solidFill>
+          </a:ln>
+        </p:spPr>
+        <p:style>
+          <a:lnRef idx="2">
+            <a:schemeClr val="accent1">
+              <a:shade val="50000"/>
+            </a:schemeClr>
+          </a:lnRef>
+          <a:fillRef idx="1">
+            <a:schemeClr val="accent1"/>
+          </a:fillRef>
+          <a:effectRef idx="0">
+            <a:schemeClr val="accent1"/>
+          </a:effectRef>
+          <a:fontRef idx="minor">
+            <a:schemeClr val="lt1"/>
+          </a:fontRef>
+        </p:style>
+        <p:txBody>
+          <a:bodyPr rtlCol="0" anchor="ctr"/>
+          <a:lstStyle/>
+          <a:p>
+            <a:pPr algn="ctr"/>
+            <a:endParaRPr lang="en-SG"/>
+          </a:p>
+        </p:txBody>
+      </p:sp>
+      <p:grpSp>
+        <p:nvGrpSpPr>
+          <p:cNvPr id="10" name="Group 9"/>
+          <p:cNvGrpSpPr/>
+          <p:nvPr/>
+        </p:nvGrpSpPr>
+        <p:grpSpPr>
+          <a:xfrm rot="20404603">
+            <a:off x="635383" y="1760534"/>
+            <a:ext cx="267922" cy="220662"/>
+            <a:chOff x="786805" y="1760534"/>
+            <a:chExt cx="267922" cy="220662"/>
+          </a:xfrm>
+        </p:grpSpPr>
+        <p:sp>
+          <p:nvSpPr>
+            <p:cNvPr id="58" name="Flowchart: Connector 57"/>
+            <p:cNvSpPr/>
+            <p:nvPr/>
+          </p:nvSpPr>
+          <p:spPr>
+            <a:xfrm rot="19707452">
+              <a:off x="786805" y="1760534"/>
+              <a:ext cx="220662" cy="220662"/>
+            </a:xfrm>
+            <a:prstGeom prst="flowChartConnector">
+              <a:avLst/>
+            </a:prstGeom>
+            <a:solidFill>
+              <a:schemeClr val="bg1"/>
+            </a:solidFill>
+            <a:ln>
+              <a:solidFill>
+                <a:schemeClr val="bg1">
+                  <a:lumMod val="65000"/>
+                </a:schemeClr>
+              </a:solidFill>
+            </a:ln>
+          </p:spPr>
+          <p:style>
+            <a:lnRef idx="2">
+              <a:schemeClr val="accent1">
+                <a:shade val="50000"/>
+              </a:schemeClr>
+            </a:lnRef>
+            <a:fillRef idx="1">
+              <a:schemeClr val="accent1"/>
+            </a:fillRef>
+            <a:effectRef idx="0">
+              <a:schemeClr val="accent1"/>
+            </a:effectRef>
+            <a:fontRef idx="minor">
+              <a:schemeClr val="lt1"/>
+            </a:fontRef>
+          </p:style>
+          <p:txBody>
+            <a:bodyPr rtlCol="0" anchor="ctr"/>
+            <a:lstStyle/>
+            <a:p>
+              <a:pPr algn="ctr"/>
+              <a:endParaRPr lang="en-SG"/>
+            </a:p>
+          </p:txBody>
+        </p:sp>
+        <p:sp>
+          <p:nvSpPr>
+            <p:cNvPr id="60" name="Freeform 59"/>
+            <p:cNvSpPr/>
+            <p:nvPr/>
+          </p:nvSpPr>
+          <p:spPr>
+            <a:xfrm rot="19707452">
+              <a:off x="1004721" y="1849632"/>
+              <a:ext cx="50006" cy="19050"/>
+            </a:xfrm>
+            <a:custGeom>
+              <a:avLst/>
+              <a:gdLst>
+                <a:gd name="connsiteX0" fmla="*/ 0 w 50006"/>
+                <a:gd name="connsiteY0" fmla="*/ 0 h 19050"/>
+                <a:gd name="connsiteX1" fmla="*/ 0 w 50006"/>
+                <a:gd name="connsiteY1" fmla="*/ 0 h 19050"/>
+                <a:gd name="connsiteX2" fmla="*/ 21431 w 50006"/>
+                <a:gd name="connsiteY2" fmla="*/ 4762 h 19050"/>
+                <a:gd name="connsiteX3" fmla="*/ 28575 w 50006"/>
+                <a:gd name="connsiteY3" fmla="*/ 9525 h 19050"/>
+                <a:gd name="connsiteX4" fmla="*/ 38100 w 50006"/>
+                <a:gd name="connsiteY4" fmla="*/ 14287 h 19050"/>
+                <a:gd name="connsiteX5" fmla="*/ 50006 w 50006"/>
+                <a:gd name="connsiteY5" fmla="*/ 19050 h 19050"/>
+              </a:gdLst>
+              <a:ahLst/>
+              <a:cxnLst>
+                <a:cxn ang="0">
+                  <a:pos x="connsiteX0" y="connsiteY0"/>
+                </a:cxn>
+                <a:cxn ang="0">
+                  <a:pos x="connsiteX1" y="connsiteY1"/>
+                </a:cxn>
+                <a:cxn ang="0">
+                  <a:pos x="connsiteX2" y="connsiteY2"/>
+                </a:cxn>
+                <a:cxn ang="0">
+                  <a:pos x="connsiteX3" y="connsiteY3"/>
+                </a:cxn>
+                <a:cxn ang="0">
+                  <a:pos x="connsiteX4" y="connsiteY4"/>
+                </a:cxn>
+                <a:cxn ang="0">
+                  <a:pos x="connsiteX5" y="connsiteY5"/>
+                </a:cxn>
+              </a:cxnLst>
+              <a:rect l="l" t="t" r="r" b="b"/>
+              <a:pathLst>
+                <a:path w="50006" h="19050">
+                  <a:moveTo>
+                    <a:pt x="0" y="0"/>
+                  </a:moveTo>
+                  <a:lnTo>
+                    <a:pt x="0" y="0"/>
+                  </a:lnTo>
+                  <a:cubicBezTo>
+                    <a:pt x="7144" y="1587"/>
+                    <a:pt x="14489" y="2448"/>
+                    <a:pt x="21431" y="4762"/>
+                  </a:cubicBezTo>
+                  <a:cubicBezTo>
+                    <a:pt x="24146" y="5667"/>
+                    <a:pt x="26090" y="8105"/>
+                    <a:pt x="28575" y="9525"/>
+                  </a:cubicBezTo>
+                  <a:cubicBezTo>
+                    <a:pt x="31657" y="11286"/>
+                    <a:pt x="34837" y="12889"/>
+                    <a:pt x="38100" y="14287"/>
+                  </a:cubicBezTo>
+                  <a:cubicBezTo>
+                    <a:pt x="58672" y="23103"/>
+                    <a:pt x="34691" y="11391"/>
+                    <a:pt x="50006" y="19050"/>
+                  </a:cubicBezTo>
+                </a:path>
+              </a:pathLst>
+            </a:custGeom>
+            <a:solidFill>
+              <a:schemeClr val="bg1"/>
+            </a:solidFill>
+            <a:ln>
+              <a:solidFill>
+                <a:schemeClr val="bg1">
+                  <a:lumMod val="65000"/>
+                </a:schemeClr>
+              </a:solidFill>
+            </a:ln>
+          </p:spPr>
+          <p:style>
+            <a:lnRef idx="2">
+              <a:schemeClr val="accent1">
+                <a:shade val="50000"/>
+              </a:schemeClr>
+            </a:lnRef>
+            <a:fillRef idx="1">
+              <a:schemeClr val="accent1"/>
+            </a:fillRef>
+            <a:effectRef idx="0">
+              <a:schemeClr val="accent1"/>
+            </a:effectRef>
+            <a:fontRef idx="minor">
+              <a:schemeClr val="lt1"/>
+            </a:fontRef>
+          </p:style>
+          <p:txBody>
+            <a:bodyPr rtlCol="0" anchor="ctr"/>
+            <a:lstStyle/>
+            <a:p>
+              <a:pPr algn="ctr"/>
+              <a:endParaRPr lang="en-SG"/>
+            </a:p>
+          </p:txBody>
+        </p:sp>
+        <p:sp>
+          <p:nvSpPr>
+            <p:cNvPr id="61" name="Flowchart: Connector 60"/>
+            <p:cNvSpPr/>
+            <p:nvPr/>
+          </p:nvSpPr>
+          <p:spPr>
+            <a:xfrm rot="19707452" flipH="1">
+              <a:off x="896667" y="1807272"/>
+              <a:ext cx="45719" cy="45719"/>
+            </a:xfrm>
+            <a:prstGeom prst="flowChartConnector">
+              <a:avLst/>
+            </a:prstGeom>
+            <a:solidFill>
+              <a:schemeClr val="bg1"/>
+            </a:solidFill>
+            <a:ln>
+              <a:solidFill>
+                <a:schemeClr val="bg1">
+                  <a:lumMod val="65000"/>
+                </a:schemeClr>
+              </a:solidFill>
+            </a:ln>
+          </p:spPr>
+          <p:style>
+            <a:lnRef idx="2">
+              <a:schemeClr val="accent1">
+                <a:shade val="50000"/>
+              </a:schemeClr>
+            </a:lnRef>
+            <a:fillRef idx="1">
+              <a:schemeClr val="accent1"/>
+            </a:fillRef>
+            <a:effectRef idx="0">
+              <a:schemeClr val="accent1"/>
+            </a:effectRef>
+            <a:fontRef idx="minor">
+              <a:schemeClr val="lt1"/>
+            </a:fontRef>
+          </p:style>
+          <p:txBody>
+            <a:bodyPr rtlCol="0" anchor="ctr"/>
+            <a:lstStyle/>
+            <a:p>
+              <a:pPr algn="ctr"/>
+              <a:endParaRPr lang="en-SG"/>
+            </a:p>
+          </p:txBody>
+        </p:sp>
+      </p:grpSp>
+      <p:sp>
+        <p:nvSpPr>
+          <p:cNvPr id="67" name="Flowchart: Delay 66"/>
+          <p:cNvSpPr/>
+          <p:nvPr/>
+        </p:nvSpPr>
+        <p:spPr>
+          <a:xfrm rot="5400000" flipH="1">
+            <a:off x="4290496" y="1819658"/>
+            <a:ext cx="280353" cy="298983"/>
+          </a:xfrm>
+          <a:prstGeom prst="flowChartDelay">
+            <a:avLst/>
+          </a:prstGeom>
+          <a:solidFill>
+            <a:schemeClr val="bg1"/>
+          </a:solidFill>
+          <a:ln>
+            <a:solidFill>
+              <a:schemeClr val="accent6">
+                <a:lumMod val="75000"/>
+              </a:schemeClr>
+            </a:solidFill>
+          </a:ln>
+        </p:spPr>
+        <p:style>
+          <a:lnRef idx="2">
+            <a:schemeClr val="accent1">
+              <a:shade val="50000"/>
+            </a:schemeClr>
+          </a:lnRef>
+          <a:fillRef idx="1">
+            <a:schemeClr val="accent1"/>
+          </a:fillRef>
+          <a:effectRef idx="0">
+            <a:schemeClr val="accent1"/>
+          </a:effectRef>
+          <a:fontRef idx="minor">
+            <a:schemeClr val="lt1"/>
+          </a:fontRef>
+        </p:style>
+        <p:txBody>
+          <a:bodyPr rtlCol="0" anchor="ctr"/>
+          <a:lstStyle/>
+          <a:p>
+            <a:pPr algn="ctr"/>
+            <a:endParaRPr lang="en-SG"/>
+          </a:p>
+        </p:txBody>
+      </p:sp>
+      <p:grpSp>
+        <p:nvGrpSpPr>
+          <p:cNvPr id="12" name="Group 11"/>
+          <p:cNvGrpSpPr/>
+          <p:nvPr/>
+        </p:nvGrpSpPr>
+        <p:grpSpPr>
+          <a:xfrm rot="3372795">
+            <a:off x="4286547" y="1588795"/>
+            <a:ext cx="254457" cy="220662"/>
+            <a:chOff x="4335990" y="1588795"/>
+            <a:chExt cx="254457" cy="220662"/>
+          </a:xfrm>
+        </p:grpSpPr>
+        <p:sp>
+          <p:nvSpPr>
+            <p:cNvPr id="66" name="Flowchart: Connector 65"/>
+            <p:cNvSpPr/>
+            <p:nvPr/>
+          </p:nvSpPr>
+          <p:spPr>
+            <a:xfrm flipH="1">
+              <a:off x="4369785" y="1588795"/>
+              <a:ext cx="220662" cy="220662"/>
+            </a:xfrm>
+            <a:prstGeom prst="flowChartConnector">
+              <a:avLst/>
+            </a:prstGeom>
+            <a:solidFill>
+              <a:schemeClr val="bg1"/>
+            </a:solidFill>
+            <a:ln>
+              <a:solidFill>
+                <a:schemeClr val="accent6">
+                  <a:lumMod val="75000"/>
+                </a:schemeClr>
+              </a:solidFill>
+            </a:ln>
+          </p:spPr>
+          <p:style>
+            <a:lnRef idx="2">
+              <a:schemeClr val="accent1">
+                <a:shade val="50000"/>
+              </a:schemeClr>
+            </a:lnRef>
+            <a:fillRef idx="1">
+              <a:schemeClr val="accent1"/>
+            </a:fillRef>
+            <a:effectRef idx="0">
+              <a:schemeClr val="accent1"/>
+            </a:effectRef>
+            <a:fontRef idx="minor">
+              <a:schemeClr val="lt1"/>
+            </a:fontRef>
+          </p:style>
+          <p:txBody>
+            <a:bodyPr rtlCol="0" anchor="ctr"/>
+            <a:lstStyle/>
+            <a:p>
+              <a:pPr algn="ctr"/>
+              <a:endParaRPr lang="en-SG"/>
+            </a:p>
+          </p:txBody>
+        </p:sp>
+        <p:sp>
+          <p:nvSpPr>
+            <p:cNvPr id="68" name="Freeform 67"/>
+            <p:cNvSpPr/>
+            <p:nvPr/>
+          </p:nvSpPr>
+          <p:spPr>
+            <a:xfrm flipH="1">
+              <a:off x="4335990" y="1748984"/>
+              <a:ext cx="50006" cy="19050"/>
+            </a:xfrm>
+            <a:custGeom>
+              <a:avLst/>
+              <a:gdLst>
+                <a:gd name="connsiteX0" fmla="*/ 0 w 50006"/>
+                <a:gd name="connsiteY0" fmla="*/ 0 h 19050"/>
+                <a:gd name="connsiteX1" fmla="*/ 0 w 50006"/>
+                <a:gd name="connsiteY1" fmla="*/ 0 h 19050"/>
+                <a:gd name="connsiteX2" fmla="*/ 21431 w 50006"/>
+                <a:gd name="connsiteY2" fmla="*/ 4762 h 19050"/>
+                <a:gd name="connsiteX3" fmla="*/ 28575 w 50006"/>
+                <a:gd name="connsiteY3" fmla="*/ 9525 h 19050"/>
+                <a:gd name="connsiteX4" fmla="*/ 38100 w 50006"/>
+                <a:gd name="connsiteY4" fmla="*/ 14287 h 19050"/>
+                <a:gd name="connsiteX5" fmla="*/ 50006 w 50006"/>
+                <a:gd name="connsiteY5" fmla="*/ 19050 h 19050"/>
+              </a:gdLst>
+              <a:ahLst/>
+              <a:cxnLst>
+                <a:cxn ang="0">
+                  <a:pos x="connsiteX0" y="connsiteY0"/>
+                </a:cxn>
+                <a:cxn ang="0">
+                  <a:pos x="connsiteX1" y="connsiteY1"/>
+                </a:cxn>
+                <a:cxn ang="0">
+                  <a:pos x="connsiteX2" y="connsiteY2"/>
+                </a:cxn>
+                <a:cxn ang="0">
+                  <a:pos x="connsiteX3" y="connsiteY3"/>
+                </a:cxn>
+                <a:cxn ang="0">
+                  <a:pos x="connsiteX4" y="connsiteY4"/>
+                </a:cxn>
+                <a:cxn ang="0">
+                  <a:pos x="connsiteX5" y="connsiteY5"/>
+                </a:cxn>
+              </a:cxnLst>
+              <a:rect l="l" t="t" r="r" b="b"/>
+              <a:pathLst>
+                <a:path w="50006" h="19050">
+                  <a:moveTo>
+                    <a:pt x="0" y="0"/>
+                  </a:moveTo>
+                  <a:lnTo>
+                    <a:pt x="0" y="0"/>
+                  </a:lnTo>
+                  <a:cubicBezTo>
+                    <a:pt x="7144" y="1587"/>
+                    <a:pt x="14489" y="2448"/>
+                    <a:pt x="21431" y="4762"/>
+                  </a:cubicBezTo>
+                  <a:cubicBezTo>
+                    <a:pt x="24146" y="5667"/>
+                    <a:pt x="26090" y="8105"/>
+                    <a:pt x="28575" y="9525"/>
+                  </a:cubicBezTo>
+                  <a:cubicBezTo>
+                    <a:pt x="31657" y="11286"/>
+                    <a:pt x="34837" y="12889"/>
+                    <a:pt x="38100" y="14287"/>
+                  </a:cubicBezTo>
+                  <a:cubicBezTo>
+                    <a:pt x="58672" y="23103"/>
+                    <a:pt x="34691" y="11391"/>
+                    <a:pt x="50006" y="19050"/>
+                  </a:cubicBezTo>
+                </a:path>
+              </a:pathLst>
+            </a:custGeom>
+            <a:solidFill>
+              <a:schemeClr val="bg1"/>
+            </a:solidFill>
+            <a:ln>
+              <a:solidFill>
+                <a:schemeClr val="accent6">
+                  <a:lumMod val="75000"/>
+                </a:schemeClr>
+              </a:solidFill>
+            </a:ln>
+          </p:spPr>
+          <p:style>
+            <a:lnRef idx="2">
+              <a:schemeClr val="accent1">
+                <a:shade val="50000"/>
+              </a:schemeClr>
+            </a:lnRef>
+            <a:fillRef idx="1">
+              <a:schemeClr val="accent1"/>
+            </a:fillRef>
+            <a:effectRef idx="0">
+              <a:schemeClr val="accent1"/>
+            </a:effectRef>
+            <a:fontRef idx="minor">
+              <a:schemeClr val="lt1"/>
+            </a:fontRef>
+          </p:style>
+          <p:txBody>
+            <a:bodyPr rtlCol="0" anchor="ctr"/>
+            <a:lstStyle/>
+            <a:p>
+              <a:pPr algn="ctr"/>
+              <a:endParaRPr lang="en-SG"/>
+            </a:p>
+          </p:txBody>
+        </p:sp>
+        <p:sp>
+          <p:nvSpPr>
+            <p:cNvPr id="69" name="Flowchart: Connector 68"/>
+            <p:cNvSpPr/>
+            <p:nvPr/>
+          </p:nvSpPr>
+          <p:spPr>
+            <a:xfrm>
+              <a:off x="4432016" y="1643413"/>
+              <a:ext cx="45719" cy="45719"/>
+            </a:xfrm>
+            <a:prstGeom prst="flowChartConnector">
+              <a:avLst/>
+            </a:prstGeom>
+            <a:solidFill>
+              <a:schemeClr val="bg1"/>
+            </a:solidFill>
+            <a:ln>
+              <a:solidFill>
+                <a:schemeClr val="accent6">
+                  <a:lumMod val="75000"/>
+                </a:schemeClr>
+              </a:solidFill>
+            </a:ln>
+          </p:spPr>
+          <p:style>
+            <a:lnRef idx="2">
+              <a:schemeClr val="accent1">
+                <a:shade val="50000"/>
+              </a:schemeClr>
+            </a:lnRef>
+            <a:fillRef idx="1">
+              <a:schemeClr val="accent1"/>
+            </a:fillRef>
+            <a:effectRef idx="0">
+              <a:schemeClr val="accent1"/>
+            </a:effectRef>
+            <a:fontRef idx="minor">
+              <a:schemeClr val="lt1"/>
+            </a:fontRef>
+          </p:style>
+          <p:txBody>
+            <a:bodyPr rtlCol="0" anchor="ctr"/>
+            <a:lstStyle/>
+            <a:p>
+              <a:pPr algn="ctr"/>
+              <a:endParaRPr lang="en-SG"/>
+            </a:p>
+          </p:txBody>
+        </p:sp>
+      </p:grpSp>
+      <p:sp>
+        <p:nvSpPr>
+          <p:cNvPr id="72" name="Flowchart: Delay 71"/>
+          <p:cNvSpPr/>
+          <p:nvPr/>
+        </p:nvSpPr>
+        <p:spPr>
+          <a:xfrm rot="5400000" flipH="1">
+            <a:off x="3732363" y="2369394"/>
+            <a:ext cx="280353" cy="298983"/>
+          </a:xfrm>
+          <a:prstGeom prst="flowChartDelay">
+            <a:avLst/>
+          </a:prstGeom>
+          <a:solidFill>
+            <a:schemeClr val="bg1"/>
+          </a:solidFill>
+          <a:ln>
+            <a:solidFill>
+              <a:schemeClr val="bg1">
+                <a:lumMod val="65000"/>
+              </a:schemeClr>
+            </a:solidFill>
+          </a:ln>
+        </p:spPr>
+        <p:style>
+          <a:lnRef idx="2">
+            <a:schemeClr val="accent1">
+              <a:shade val="50000"/>
+            </a:schemeClr>
+          </a:lnRef>
+          <a:fillRef idx="1">
+            <a:schemeClr val="accent1"/>
+          </a:fillRef>
+          <a:effectRef idx="0">
+            <a:schemeClr val="accent1"/>
+          </a:effectRef>
+          <a:fontRef idx="minor">
+            <a:schemeClr val="lt1"/>
+          </a:fontRef>
+        </p:style>
+        <p:txBody>
+          <a:bodyPr rtlCol="0" anchor="ctr"/>
+          <a:lstStyle/>
+          <a:p>
+            <a:pPr algn="ctr"/>
+            <a:endParaRPr lang="en-SG"/>
+          </a:p>
+        </p:txBody>
+      </p:sp>
+      <p:grpSp>
+        <p:nvGrpSpPr>
+          <p:cNvPr id="13" name="Group 12"/>
+          <p:cNvGrpSpPr/>
+          <p:nvPr/>
+        </p:nvGrpSpPr>
+        <p:grpSpPr>
+          <a:xfrm rot="2886978">
+            <a:off x="3728414" y="2144246"/>
+            <a:ext cx="254457" cy="220662"/>
+            <a:chOff x="3791084" y="2070419"/>
+            <a:chExt cx="254457" cy="220662"/>
+          </a:xfrm>
+        </p:grpSpPr>
+        <p:sp>
+          <p:nvSpPr>
+            <p:cNvPr id="71" name="Flowchart: Connector 70"/>
+            <p:cNvSpPr/>
+            <p:nvPr/>
+          </p:nvSpPr>
+          <p:spPr>
+            <a:xfrm flipH="1">
+              <a:off x="3824879" y="2070419"/>
+              <a:ext cx="220662" cy="220662"/>
+            </a:xfrm>
+            <a:prstGeom prst="flowChartConnector">
+              <a:avLst/>
+            </a:prstGeom>
+            <a:solidFill>
+              <a:schemeClr val="bg1"/>
+            </a:solidFill>
+            <a:ln>
+              <a:solidFill>
+                <a:schemeClr val="bg1">
+                  <a:lumMod val="65000"/>
+                </a:schemeClr>
+              </a:solidFill>
+            </a:ln>
+          </p:spPr>
+          <p:style>
+            <a:lnRef idx="2">
+              <a:schemeClr val="accent1">
+                <a:shade val="50000"/>
+              </a:schemeClr>
+            </a:lnRef>
+            <a:fillRef idx="1">
+              <a:schemeClr val="accent1"/>
+            </a:fillRef>
+            <a:effectRef idx="0">
+              <a:schemeClr val="accent1"/>
+            </a:effectRef>
+            <a:fontRef idx="minor">
+              <a:schemeClr val="lt1"/>
+            </a:fontRef>
+          </p:style>
+          <p:txBody>
+            <a:bodyPr rtlCol="0" anchor="ctr"/>
+            <a:lstStyle/>
+            <a:p>
+              <a:pPr algn="ctr"/>
+              <a:endParaRPr lang="en-SG"/>
+            </a:p>
+          </p:txBody>
+        </p:sp>
+        <p:sp>
+          <p:nvSpPr>
+            <p:cNvPr id="73" name="Freeform 72"/>
+            <p:cNvSpPr/>
+            <p:nvPr/>
+          </p:nvSpPr>
+          <p:spPr>
+            <a:xfrm flipH="1">
+              <a:off x="3791084" y="2230608"/>
+              <a:ext cx="50006" cy="19050"/>
+            </a:xfrm>
+            <a:custGeom>
+              <a:avLst/>
+              <a:gdLst>
+                <a:gd name="connsiteX0" fmla="*/ 0 w 50006"/>
+                <a:gd name="connsiteY0" fmla="*/ 0 h 19050"/>
+                <a:gd name="connsiteX1" fmla="*/ 0 w 50006"/>
+                <a:gd name="connsiteY1" fmla="*/ 0 h 19050"/>
+                <a:gd name="connsiteX2" fmla="*/ 21431 w 50006"/>
+                <a:gd name="connsiteY2" fmla="*/ 4762 h 19050"/>
+                <a:gd name="connsiteX3" fmla="*/ 28575 w 50006"/>
+                <a:gd name="connsiteY3" fmla="*/ 9525 h 19050"/>
+                <a:gd name="connsiteX4" fmla="*/ 38100 w 50006"/>
+                <a:gd name="connsiteY4" fmla="*/ 14287 h 19050"/>
+                <a:gd name="connsiteX5" fmla="*/ 50006 w 50006"/>
+                <a:gd name="connsiteY5" fmla="*/ 19050 h 19050"/>
+              </a:gdLst>
+              <a:ahLst/>
+              <a:cxnLst>
+                <a:cxn ang="0">
+                  <a:pos x="connsiteX0" y="connsiteY0"/>
+                </a:cxn>
+                <a:cxn ang="0">
+                  <a:pos x="connsiteX1" y="connsiteY1"/>
+                </a:cxn>
+                <a:cxn ang="0">
+                  <a:pos x="connsiteX2" y="connsiteY2"/>
+                </a:cxn>
+                <a:cxn ang="0">
+                  <a:pos x="connsiteX3" y="connsiteY3"/>
+                </a:cxn>
+                <a:cxn ang="0">
+                  <a:pos x="connsiteX4" y="connsiteY4"/>
+                </a:cxn>
+                <a:cxn ang="0">
+                  <a:pos x="connsiteX5" y="connsiteY5"/>
+                </a:cxn>
+              </a:cxnLst>
+              <a:rect l="l" t="t" r="r" b="b"/>
+              <a:pathLst>
+                <a:path w="50006" h="19050">
+                  <a:moveTo>
+                    <a:pt x="0" y="0"/>
+                  </a:moveTo>
+                  <a:lnTo>
+                    <a:pt x="0" y="0"/>
+                  </a:lnTo>
+                  <a:cubicBezTo>
+                    <a:pt x="7144" y="1587"/>
+                    <a:pt x="14489" y="2448"/>
+                    <a:pt x="21431" y="4762"/>
+                  </a:cubicBezTo>
+                  <a:cubicBezTo>
+                    <a:pt x="24146" y="5667"/>
+                    <a:pt x="26090" y="8105"/>
+                    <a:pt x="28575" y="9525"/>
+                  </a:cubicBezTo>
+                  <a:cubicBezTo>
+                    <a:pt x="31657" y="11286"/>
+                    <a:pt x="34837" y="12889"/>
+                    <a:pt x="38100" y="14287"/>
+                  </a:cubicBezTo>
+                  <a:cubicBezTo>
+                    <a:pt x="58672" y="23103"/>
+                    <a:pt x="34691" y="11391"/>
+                    <a:pt x="50006" y="19050"/>
+                  </a:cubicBezTo>
+                </a:path>
+              </a:pathLst>
+            </a:custGeom>
+            <a:solidFill>
+              <a:schemeClr val="bg1"/>
+            </a:solidFill>
+            <a:ln>
+              <a:solidFill>
+                <a:schemeClr val="bg1">
+                  <a:lumMod val="65000"/>
+                </a:schemeClr>
+              </a:solidFill>
+            </a:ln>
+          </p:spPr>
+          <p:style>
+            <a:lnRef idx="2">
+              <a:schemeClr val="accent1">
+                <a:shade val="50000"/>
+              </a:schemeClr>
+            </a:lnRef>
+            <a:fillRef idx="1">
+              <a:schemeClr val="accent1"/>
+            </a:fillRef>
+            <a:effectRef idx="0">
+              <a:schemeClr val="accent1"/>
+            </a:effectRef>
+            <a:fontRef idx="minor">
+              <a:schemeClr val="lt1"/>
+            </a:fontRef>
+          </p:style>
+          <p:txBody>
+            <a:bodyPr rtlCol="0" anchor="ctr"/>
+            <a:lstStyle/>
+            <a:p>
+              <a:pPr algn="ctr"/>
+              <a:endParaRPr lang="en-SG"/>
+            </a:p>
+          </p:txBody>
+        </p:sp>
+        <p:sp>
+          <p:nvSpPr>
+            <p:cNvPr id="74" name="Flowchart: Connector 73"/>
+            <p:cNvSpPr/>
+            <p:nvPr/>
+          </p:nvSpPr>
+          <p:spPr>
+            <a:xfrm>
+              <a:off x="3870969" y="2125914"/>
+              <a:ext cx="45719" cy="45719"/>
+            </a:xfrm>
+            <a:prstGeom prst="flowChartConnector">
+              <a:avLst/>
+            </a:prstGeom>
+            <a:solidFill>
+              <a:schemeClr val="bg1"/>
+            </a:solidFill>
+            <a:ln>
+              <a:solidFill>
+                <a:schemeClr val="bg1">
+                  <a:lumMod val="65000"/>
+                </a:schemeClr>
+              </a:solidFill>
+            </a:ln>
+          </p:spPr>
+          <p:style>
+            <a:lnRef idx="2">
+              <a:schemeClr val="accent1">
+                <a:shade val="50000"/>
+              </a:schemeClr>
+            </a:lnRef>
+            <a:fillRef idx="1">
+              <a:schemeClr val="accent1"/>
+            </a:fillRef>
+            <a:effectRef idx="0">
+              <a:schemeClr val="accent1"/>
+            </a:effectRef>
+            <a:fontRef idx="minor">
+              <a:schemeClr val="lt1"/>
+            </a:fontRef>
+          </p:style>
+          <p:txBody>
+            <a:bodyPr rtlCol="0" anchor="ctr"/>
+            <a:lstStyle/>
+            <a:p>
+              <a:pPr algn="ctr"/>
+              <a:endParaRPr lang="en-SG"/>
+            </a:p>
+          </p:txBody>
+        </p:sp>
+      </p:grpSp>
+      <p:sp>
+        <p:nvSpPr>
+          <p:cNvPr id="76" name="Flowchart: Delay 75"/>
+          <p:cNvSpPr/>
+          <p:nvPr/>
+        </p:nvSpPr>
+        <p:spPr>
+          <a:xfrm rot="16200000">
+            <a:off x="3193840" y="2006887"/>
+            <a:ext cx="280353" cy="298983"/>
+          </a:xfrm>
+          <a:prstGeom prst="flowChartDelay">
+            <a:avLst/>
+          </a:prstGeom>
+          <a:solidFill>
+            <a:schemeClr val="bg1"/>
+          </a:solidFill>
+          <a:ln>
+            <a:solidFill>
+              <a:schemeClr val="bg1">
+                <a:lumMod val="65000"/>
+              </a:schemeClr>
+            </a:solidFill>
+          </a:ln>
+        </p:spPr>
+        <p:style>
+          <a:lnRef idx="2">
+            <a:schemeClr val="accent1">
+              <a:shade val="50000"/>
+            </a:schemeClr>
+          </a:lnRef>
+          <a:fillRef idx="1">
+            <a:schemeClr val="accent1"/>
+          </a:fillRef>
+          <a:effectRef idx="0">
+            <a:schemeClr val="accent1"/>
+          </a:effectRef>
+          <a:fontRef idx="minor">
+            <a:schemeClr val="lt1"/>
+          </a:fontRef>
+        </p:style>
+        <p:txBody>
+          <a:bodyPr rtlCol="0" anchor="ctr"/>
+          <a:lstStyle/>
+          <a:p>
+            <a:pPr algn="ctr"/>
+            <a:endParaRPr lang="en-SG"/>
+          </a:p>
+        </p:txBody>
+      </p:sp>
+      <p:grpSp>
+        <p:nvGrpSpPr>
+          <p:cNvPr id="77" name="Group 76"/>
+          <p:cNvGrpSpPr/>
+          <p:nvPr/>
+        </p:nvGrpSpPr>
+        <p:grpSpPr>
+          <a:xfrm rot="1483511">
+            <a:off x="3226182" y="1790579"/>
+            <a:ext cx="267922" cy="220662"/>
+            <a:chOff x="786805" y="1760534"/>
+            <a:chExt cx="267922" cy="220662"/>
+          </a:xfrm>
+        </p:grpSpPr>
+        <p:sp>
+          <p:nvSpPr>
+            <p:cNvPr id="78" name="Flowchart: Connector 77"/>
+            <p:cNvSpPr/>
+            <p:nvPr/>
+          </p:nvSpPr>
+          <p:spPr>
+            <a:xfrm rot="19707452">
+              <a:off x="786805" y="1760534"/>
+              <a:ext cx="220662" cy="220662"/>
+            </a:xfrm>
+            <a:prstGeom prst="flowChartConnector">
+              <a:avLst/>
+            </a:prstGeom>
+            <a:solidFill>
+              <a:schemeClr val="bg1"/>
+            </a:solidFill>
+            <a:ln>
+              <a:solidFill>
+                <a:schemeClr val="bg1">
+                  <a:lumMod val="65000"/>
+                </a:schemeClr>
+              </a:solidFill>
+            </a:ln>
+          </p:spPr>
+          <p:style>
+            <a:lnRef idx="2">
+              <a:schemeClr val="accent1">
+                <a:shade val="50000"/>
+              </a:schemeClr>
+            </a:lnRef>
+            <a:fillRef idx="1">
+              <a:schemeClr val="accent1"/>
+            </a:fillRef>
+            <a:effectRef idx="0">
+              <a:schemeClr val="accent1"/>
+            </a:effectRef>
+            <a:fontRef idx="minor">
+              <a:schemeClr val="lt1"/>
+            </a:fontRef>
+          </p:style>
+          <p:txBody>
+            <a:bodyPr rtlCol="0" anchor="ctr"/>
+            <a:lstStyle/>
+            <a:p>
+              <a:pPr algn="ctr"/>
+              <a:endParaRPr lang="en-SG"/>
+            </a:p>
+          </p:txBody>
+        </p:sp>
+        <p:sp>
+          <p:nvSpPr>
+            <p:cNvPr id="79" name="Freeform 78"/>
+            <p:cNvSpPr/>
+            <p:nvPr/>
+          </p:nvSpPr>
+          <p:spPr>
+            <a:xfrm rot="19707452">
+              <a:off x="1004721" y="1849632"/>
+              <a:ext cx="50006" cy="19050"/>
+            </a:xfrm>
+            <a:custGeom>
+              <a:avLst/>
+              <a:gdLst>
+                <a:gd name="connsiteX0" fmla="*/ 0 w 50006"/>
+                <a:gd name="connsiteY0" fmla="*/ 0 h 19050"/>
+                <a:gd name="connsiteX1" fmla="*/ 0 w 50006"/>
+                <a:gd name="connsiteY1" fmla="*/ 0 h 19050"/>
+                <a:gd name="connsiteX2" fmla="*/ 21431 w 50006"/>
+                <a:gd name="connsiteY2" fmla="*/ 4762 h 19050"/>
+                <a:gd name="connsiteX3" fmla="*/ 28575 w 50006"/>
+                <a:gd name="connsiteY3" fmla="*/ 9525 h 19050"/>
+                <a:gd name="connsiteX4" fmla="*/ 38100 w 50006"/>
+                <a:gd name="connsiteY4" fmla="*/ 14287 h 19050"/>
+                <a:gd name="connsiteX5" fmla="*/ 50006 w 50006"/>
+                <a:gd name="connsiteY5" fmla="*/ 19050 h 19050"/>
+              </a:gdLst>
+              <a:ahLst/>
+              <a:cxnLst>
+                <a:cxn ang="0">
+                  <a:pos x="connsiteX0" y="connsiteY0"/>
+                </a:cxn>
+                <a:cxn ang="0">
+                  <a:pos x="connsiteX1" y="connsiteY1"/>
+                </a:cxn>
+                <a:cxn ang="0">
+                  <a:pos x="connsiteX2" y="connsiteY2"/>
+                </a:cxn>
+                <a:cxn ang="0">
+                  <a:pos x="connsiteX3" y="connsiteY3"/>
+                </a:cxn>
+                <a:cxn ang="0">
+                  <a:pos x="connsiteX4" y="connsiteY4"/>
+                </a:cxn>
+                <a:cxn ang="0">
+                  <a:pos x="connsiteX5" y="connsiteY5"/>
+                </a:cxn>
+              </a:cxnLst>
+              <a:rect l="l" t="t" r="r" b="b"/>
+              <a:pathLst>
+                <a:path w="50006" h="19050">
+                  <a:moveTo>
+                    <a:pt x="0" y="0"/>
+                  </a:moveTo>
+                  <a:lnTo>
+                    <a:pt x="0" y="0"/>
+                  </a:lnTo>
+                  <a:cubicBezTo>
+                    <a:pt x="7144" y="1587"/>
+                    <a:pt x="14489" y="2448"/>
+                    <a:pt x="21431" y="4762"/>
+                  </a:cubicBezTo>
+                  <a:cubicBezTo>
+                    <a:pt x="24146" y="5667"/>
+                    <a:pt x="26090" y="8105"/>
+                    <a:pt x="28575" y="9525"/>
+                  </a:cubicBezTo>
+                  <a:cubicBezTo>
+                    <a:pt x="31657" y="11286"/>
+                    <a:pt x="34837" y="12889"/>
+                    <a:pt x="38100" y="14287"/>
+                  </a:cubicBezTo>
+                  <a:cubicBezTo>
+                    <a:pt x="58672" y="23103"/>
+                    <a:pt x="34691" y="11391"/>
+                    <a:pt x="50006" y="19050"/>
+                  </a:cubicBezTo>
+                </a:path>
+              </a:pathLst>
+            </a:custGeom>
+            <a:solidFill>
+              <a:schemeClr val="bg1"/>
+            </a:solidFill>
+            <a:ln>
+              <a:solidFill>
+                <a:schemeClr val="bg1">
+                  <a:lumMod val="65000"/>
+                </a:schemeClr>
+              </a:solidFill>
+            </a:ln>
+          </p:spPr>
+          <p:style>
+            <a:lnRef idx="2">
+              <a:schemeClr val="accent1">
+                <a:shade val="50000"/>
+              </a:schemeClr>
+            </a:lnRef>
+            <a:fillRef idx="1">
+              <a:schemeClr val="accent1"/>
+            </a:fillRef>
+            <a:effectRef idx="0">
+              <a:schemeClr val="accent1"/>
+            </a:effectRef>
+            <a:fontRef idx="minor">
+              <a:schemeClr val="lt1"/>
+            </a:fontRef>
+          </p:style>
+          <p:txBody>
+            <a:bodyPr rtlCol="0" anchor="ctr"/>
+            <a:lstStyle/>
+            <a:p>
+              <a:pPr algn="ctr"/>
+              <a:endParaRPr lang="en-SG"/>
+            </a:p>
+          </p:txBody>
+        </p:sp>
+        <p:sp>
+          <p:nvSpPr>
+            <p:cNvPr id="80" name="Flowchart: Connector 79"/>
+            <p:cNvSpPr/>
+            <p:nvPr/>
+          </p:nvSpPr>
+          <p:spPr>
+            <a:xfrm rot="19707452" flipH="1">
+              <a:off x="878601" y="1806802"/>
+              <a:ext cx="45719" cy="45719"/>
+            </a:xfrm>
+            <a:prstGeom prst="flowChartConnector">
+              <a:avLst/>
+            </a:prstGeom>
+            <a:solidFill>
+              <a:schemeClr val="bg1"/>
+            </a:solidFill>
+            <a:ln>
+              <a:solidFill>
+                <a:schemeClr val="bg1">
+                  <a:lumMod val="65000"/>
+                </a:schemeClr>
+              </a:solidFill>
+            </a:ln>
+          </p:spPr>
+          <p:style>
+            <a:lnRef idx="2">
+              <a:schemeClr val="accent1">
+                <a:shade val="50000"/>
+              </a:schemeClr>
+            </a:lnRef>
+            <a:fillRef idx="1">
+              <a:schemeClr val="accent1"/>
+            </a:fillRef>
+            <a:effectRef idx="0">
+              <a:schemeClr val="accent1"/>
+            </a:effectRef>
+            <a:fontRef idx="minor">
+              <a:schemeClr val="lt1"/>
+            </a:fontRef>
+          </p:style>
+          <p:txBody>
+            <a:bodyPr rtlCol="0" anchor="ctr"/>
+            <a:lstStyle/>
+            <a:p>
+              <a:pPr algn="ctr"/>
+              <a:endParaRPr lang="en-SG"/>
+            </a:p>
+          </p:txBody>
+        </p:sp>
+      </p:grpSp>
+      <p:grpSp>
+        <p:nvGrpSpPr>
+          <p:cNvPr id="26" name="Group 25"/>
+          <p:cNvGrpSpPr/>
+          <p:nvPr/>
+        </p:nvGrpSpPr>
+        <p:grpSpPr>
+          <a:xfrm flipH="1">
+            <a:off x="1075575" y="1768586"/>
+            <a:ext cx="298983" cy="497924"/>
+            <a:chOff x="1075575" y="1768586"/>
+            <a:chExt cx="298983" cy="497924"/>
+          </a:xfrm>
+        </p:grpSpPr>
+        <p:sp>
+          <p:nvSpPr>
+            <p:cNvPr id="83" name="Flowchart: Delay 82"/>
+            <p:cNvSpPr/>
+            <p:nvPr/>
+          </p:nvSpPr>
+          <p:spPr>
+            <a:xfrm rot="16200000">
+              <a:off x="1084890" y="1976842"/>
+              <a:ext cx="280353" cy="298983"/>
+            </a:xfrm>
+            <a:prstGeom prst="flowChartDelay">
+              <a:avLst/>
+            </a:prstGeom>
+            <a:solidFill>
+              <a:schemeClr val="bg1"/>
+            </a:solidFill>
+            <a:ln>
+              <a:solidFill>
+                <a:schemeClr val="bg1">
+                  <a:lumMod val="65000"/>
+                </a:schemeClr>
+              </a:solidFill>
+            </a:ln>
+          </p:spPr>
+          <p:style>
+            <a:lnRef idx="2">
+              <a:schemeClr val="accent1">
+                <a:shade val="50000"/>
+              </a:schemeClr>
+            </a:lnRef>
+            <a:fillRef idx="1">
+              <a:schemeClr val="accent1"/>
+            </a:fillRef>
+            <a:effectRef idx="0">
+              <a:schemeClr val="accent1"/>
+            </a:effectRef>
+            <a:fontRef idx="minor">
+              <a:schemeClr val="lt1"/>
+            </a:fontRef>
+          </p:style>
+          <p:txBody>
+            <a:bodyPr rtlCol="0" anchor="ctr"/>
+            <a:lstStyle/>
+            <a:p>
+              <a:pPr algn="ctr"/>
+              <a:endParaRPr lang="en-SG"/>
+            </a:p>
+          </p:txBody>
+        </p:sp>
+        <p:sp>
+          <p:nvSpPr>
+            <p:cNvPr id="85" name="Flowchart: Connector 84"/>
+            <p:cNvSpPr/>
+            <p:nvPr/>
+          </p:nvSpPr>
+          <p:spPr>
+            <a:xfrm rot="18512055">
+              <a:off x="1118646" y="1768586"/>
+              <a:ext cx="220662" cy="220662"/>
+            </a:xfrm>
+            <a:prstGeom prst="flowChartConnector">
+              <a:avLst/>
+            </a:prstGeom>
+            <a:solidFill>
+              <a:schemeClr val="bg1"/>
+            </a:solidFill>
+            <a:ln>
+              <a:solidFill>
+                <a:schemeClr val="bg1">
+                  <a:lumMod val="65000"/>
+                </a:schemeClr>
+              </a:solidFill>
+            </a:ln>
+          </p:spPr>
+          <p:style>
+            <a:lnRef idx="2">
+              <a:schemeClr val="accent1">
+                <a:shade val="50000"/>
+              </a:schemeClr>
+            </a:lnRef>
+            <a:fillRef idx="1">
+              <a:schemeClr val="accent1"/>
+            </a:fillRef>
+            <a:effectRef idx="0">
+              <a:schemeClr val="accent1"/>
+            </a:effectRef>
+            <a:fontRef idx="minor">
+              <a:schemeClr val="lt1"/>
+            </a:fontRef>
+          </p:style>
+          <p:txBody>
+            <a:bodyPr rtlCol="0" anchor="ctr"/>
+            <a:lstStyle/>
+            <a:p>
+              <a:pPr algn="ctr"/>
+              <a:endParaRPr lang="en-SG"/>
+            </a:p>
+          </p:txBody>
+        </p:sp>
+        <p:sp>
+          <p:nvSpPr>
+            <p:cNvPr id="86" name="Freeform 85"/>
+            <p:cNvSpPr/>
+            <p:nvPr/>
+          </p:nvSpPr>
+          <p:spPr>
+            <a:xfrm rot="18512055">
+              <a:off x="1324637" y="1813204"/>
+              <a:ext cx="50006" cy="19050"/>
+            </a:xfrm>
+            <a:custGeom>
+              <a:avLst/>
+              <a:gdLst>
+                <a:gd name="connsiteX0" fmla="*/ 0 w 50006"/>
+                <a:gd name="connsiteY0" fmla="*/ 0 h 19050"/>
+                <a:gd name="connsiteX1" fmla="*/ 0 w 50006"/>
+                <a:gd name="connsiteY1" fmla="*/ 0 h 19050"/>
+                <a:gd name="connsiteX2" fmla="*/ 21431 w 50006"/>
+                <a:gd name="connsiteY2" fmla="*/ 4762 h 19050"/>
+                <a:gd name="connsiteX3" fmla="*/ 28575 w 50006"/>
+                <a:gd name="connsiteY3" fmla="*/ 9525 h 19050"/>
+                <a:gd name="connsiteX4" fmla="*/ 38100 w 50006"/>
+                <a:gd name="connsiteY4" fmla="*/ 14287 h 19050"/>
+                <a:gd name="connsiteX5" fmla="*/ 50006 w 50006"/>
+                <a:gd name="connsiteY5" fmla="*/ 19050 h 19050"/>
+              </a:gdLst>
+              <a:ahLst/>
+              <a:cxnLst>
+                <a:cxn ang="0">
+                  <a:pos x="connsiteX0" y="connsiteY0"/>
+                </a:cxn>
+                <a:cxn ang="0">
+                  <a:pos x="connsiteX1" y="connsiteY1"/>
+                </a:cxn>
+                <a:cxn ang="0">
+                  <a:pos x="connsiteX2" y="connsiteY2"/>
+                </a:cxn>
+                <a:cxn ang="0">
+                  <a:pos x="connsiteX3" y="connsiteY3"/>
+                </a:cxn>
+                <a:cxn ang="0">
+                  <a:pos x="connsiteX4" y="connsiteY4"/>
+                </a:cxn>
+                <a:cxn ang="0">
+                  <a:pos x="connsiteX5" y="connsiteY5"/>
+                </a:cxn>
+              </a:cxnLst>
+              <a:rect l="l" t="t" r="r" b="b"/>
+              <a:pathLst>
+                <a:path w="50006" h="19050">
+                  <a:moveTo>
+                    <a:pt x="0" y="0"/>
+                  </a:moveTo>
+                  <a:lnTo>
+                    <a:pt x="0" y="0"/>
+                  </a:lnTo>
+                  <a:cubicBezTo>
+                    <a:pt x="7144" y="1587"/>
+                    <a:pt x="14489" y="2448"/>
+                    <a:pt x="21431" y="4762"/>
+                  </a:cubicBezTo>
+                  <a:cubicBezTo>
+                    <a:pt x="24146" y="5667"/>
+                    <a:pt x="26090" y="8105"/>
+                    <a:pt x="28575" y="9525"/>
+                  </a:cubicBezTo>
+                  <a:cubicBezTo>
+                    <a:pt x="31657" y="11286"/>
+                    <a:pt x="34837" y="12889"/>
+                    <a:pt x="38100" y="14287"/>
+                  </a:cubicBezTo>
+                  <a:cubicBezTo>
+                    <a:pt x="58672" y="23103"/>
+                    <a:pt x="34691" y="11391"/>
+                    <a:pt x="50006" y="19050"/>
+                  </a:cubicBezTo>
+                </a:path>
+              </a:pathLst>
+            </a:custGeom>
+            <a:solidFill>
+              <a:schemeClr val="bg1"/>
+            </a:solidFill>
+            <a:ln>
+              <a:solidFill>
+                <a:schemeClr val="bg1">
+                  <a:lumMod val="65000"/>
+                </a:schemeClr>
+              </a:solidFill>
+            </a:ln>
+          </p:spPr>
+          <p:style>
+            <a:lnRef idx="2">
+              <a:schemeClr val="accent1">
+                <a:shade val="50000"/>
+              </a:schemeClr>
+            </a:lnRef>
+            <a:fillRef idx="1">
+              <a:schemeClr val="accent1"/>
+            </a:fillRef>
+            <a:effectRef idx="0">
+              <a:schemeClr val="accent1"/>
+            </a:effectRef>
+            <a:fontRef idx="minor">
+              <a:schemeClr val="lt1"/>
+            </a:fontRef>
+          </p:style>
+          <p:txBody>
+            <a:bodyPr rtlCol="0" anchor="ctr"/>
+            <a:lstStyle/>
+            <a:p>
+              <a:pPr algn="ctr"/>
+              <a:endParaRPr lang="en-SG"/>
+            </a:p>
+          </p:txBody>
+        </p:sp>
+        <p:sp>
+          <p:nvSpPr>
+            <p:cNvPr id="87" name="Flowchart: Connector 86"/>
+            <p:cNvSpPr/>
+            <p:nvPr/>
+          </p:nvSpPr>
+          <p:spPr>
+            <a:xfrm rot="18512055" flipH="1">
+              <a:off x="1207573" y="1810132"/>
+              <a:ext cx="45719" cy="45719"/>
+            </a:xfrm>
+            <a:prstGeom prst="flowChartConnector">
+              <a:avLst/>
+            </a:prstGeom>
+            <a:solidFill>
+              <a:schemeClr val="bg1"/>
+            </a:solidFill>
+            <a:ln>
+              <a:solidFill>
+                <a:schemeClr val="bg1">
+                  <a:lumMod val="65000"/>
+                </a:schemeClr>
+              </a:solidFill>
+            </a:ln>
+          </p:spPr>
+          <p:style>
+            <a:lnRef idx="2">
+              <a:schemeClr val="accent1">
+                <a:shade val="50000"/>
+              </a:schemeClr>
+            </a:lnRef>
+            <a:fillRef idx="1">
+              <a:schemeClr val="accent1"/>
+            </a:fillRef>
+            <a:effectRef idx="0">
+              <a:schemeClr val="accent1"/>
+            </a:effectRef>
+            <a:fontRef idx="minor">
+              <a:schemeClr val="lt1"/>
+            </a:fontRef>
+          </p:style>
+          <p:txBody>
+            <a:bodyPr rtlCol="0" anchor="ctr"/>
+            <a:lstStyle/>
+            <a:p>
+              <a:pPr algn="ctr"/>
+              <a:endParaRPr lang="en-SG"/>
+            </a:p>
+          </p:txBody>
+        </p:sp>
+      </p:grpSp>
+      <p:sp>
+        <p:nvSpPr>
+          <p:cNvPr id="90" name="Flowchart: Delay 89"/>
+          <p:cNvSpPr/>
+          <p:nvPr/>
+        </p:nvSpPr>
+        <p:spPr>
+          <a:xfrm rot="16200000">
+            <a:off x="6851720" y="954795"/>
+            <a:ext cx="280353" cy="298983"/>
+          </a:xfrm>
+          <a:prstGeom prst="flowChartDelay">
+            <a:avLst/>
+          </a:prstGeom>
+          <a:solidFill>
+            <a:schemeClr val="bg1"/>
+          </a:solidFill>
+        </p:spPr>
+        <p:style>
+          <a:lnRef idx="2">
+            <a:schemeClr val="accent1">
+              <a:shade val="50000"/>
+            </a:schemeClr>
+          </a:lnRef>
+          <a:fillRef idx="1">
+            <a:schemeClr val="accent1"/>
+          </a:fillRef>
+          <a:effectRef idx="0">
+            <a:schemeClr val="accent1"/>
+          </a:effectRef>
+          <a:fontRef idx="minor">
+            <a:schemeClr val="lt1"/>
+          </a:fontRef>
+        </p:style>
+        <p:txBody>
+          <a:bodyPr rtlCol="0" anchor="ctr"/>
+          <a:lstStyle/>
+          <a:p>
+            <a:pPr algn="ctr"/>
+            <a:endParaRPr lang="en-SG"/>
+          </a:p>
+        </p:txBody>
+      </p:sp>
+      <p:sp>
+        <p:nvSpPr>
+          <p:cNvPr id="91" name="Freeform 90"/>
+          <p:cNvSpPr/>
+          <p:nvPr/>
+        </p:nvSpPr>
+        <p:spPr>
+          <a:xfrm rot="326821">
+            <a:off x="6940759" y="967464"/>
+            <a:ext cx="102393" cy="235744"/>
+          </a:xfrm>
+          <a:custGeom>
+            <a:avLst/>
+            <a:gdLst>
+              <a:gd name="connsiteX0" fmla="*/ 47625 w 102393"/>
+              <a:gd name="connsiteY0" fmla="*/ 0 h 235744"/>
+              <a:gd name="connsiteX1" fmla="*/ 0 w 102393"/>
+              <a:gd name="connsiteY1" fmla="*/ 185738 h 235744"/>
+              <a:gd name="connsiteX2" fmla="*/ 57150 w 102393"/>
+              <a:gd name="connsiteY2" fmla="*/ 235744 h 235744"/>
+              <a:gd name="connsiteX3" fmla="*/ 102393 w 102393"/>
+              <a:gd name="connsiteY3" fmla="*/ 171450 h 235744"/>
+              <a:gd name="connsiteX4" fmla="*/ 47625 w 102393"/>
+              <a:gd name="connsiteY4" fmla="*/ 0 h 235744"/>
+            </a:gdLst>
+            <a:ahLst/>
+            <a:cxnLst>
+              <a:cxn ang="0">
+                <a:pos x="connsiteX0" y="connsiteY0"/>
+              </a:cxn>
+              <a:cxn ang="0">
+                <a:pos x="connsiteX1" y="connsiteY1"/>
+              </a:cxn>
+              <a:cxn ang="0">
+                <a:pos x="connsiteX2" y="connsiteY2"/>
+              </a:cxn>
+              <a:cxn ang="0">
+                <a:pos x="connsiteX3" y="connsiteY3"/>
+              </a:cxn>
+              <a:cxn ang="0">
+                <a:pos x="connsiteX4" y="connsiteY4"/>
+              </a:cxn>
+            </a:cxnLst>
+            <a:rect l="l" t="t" r="r" b="b"/>
+            <a:pathLst>
+              <a:path w="102393" h="235744">
+                <a:moveTo>
+                  <a:pt x="47625" y="0"/>
+                </a:moveTo>
+                <a:lnTo>
+                  <a:pt x="0" y="185738"/>
+                </a:lnTo>
+                <a:lnTo>
+                  <a:pt x="57150" y="235744"/>
+                </a:lnTo>
+                <a:lnTo>
+                  <a:pt x="102393" y="171450"/>
+                </a:lnTo>
+                <a:lnTo>
+                  <a:pt x="47625" y="0"/>
+                </a:lnTo>
+                <a:close/>
+              </a:path>
+            </a:pathLst>
+          </a:custGeom>
+          <a:solidFill>
+            <a:schemeClr val="bg1"/>
+          </a:solidFill>
+        </p:spPr>
+        <p:style>
+          <a:lnRef idx="2">
+            <a:schemeClr val="accent1">
+              <a:shade val="50000"/>
+            </a:schemeClr>
+          </a:lnRef>
+          <a:fillRef idx="1">
+            <a:schemeClr val="accent1"/>
+          </a:fillRef>
+          <a:effectRef idx="0">
+            <a:schemeClr val="accent1"/>
+          </a:effectRef>
+          <a:fontRef idx="minor">
+            <a:schemeClr val="lt1"/>
+          </a:fontRef>
+        </p:style>
+        <p:txBody>
+          <a:bodyPr rtlCol="0" anchor="ctr"/>
+          <a:lstStyle/>
+          <a:p>
+            <a:pPr algn="ctr"/>
+            <a:endParaRPr lang="en-SG"/>
+          </a:p>
+        </p:txBody>
+      </p:sp>
+      <p:sp>
+        <p:nvSpPr>
+          <p:cNvPr id="89" name="Flowchart: Connector 88"/>
+          <p:cNvSpPr/>
+          <p:nvPr/>
+        </p:nvSpPr>
+        <p:spPr>
+          <a:xfrm rot="11865946">
+            <a:off x="6914554" y="729088"/>
+            <a:ext cx="220662" cy="220662"/>
+          </a:xfrm>
+          <a:prstGeom prst="flowChartConnector">
+            <a:avLst/>
+          </a:prstGeom>
+          <a:solidFill>
+            <a:schemeClr val="bg1"/>
+          </a:solidFill>
+        </p:spPr>
+        <p:style>
+          <a:lnRef idx="2">
+            <a:schemeClr val="accent1">
+              <a:shade val="50000"/>
+            </a:schemeClr>
+          </a:lnRef>
+          <a:fillRef idx="1">
+            <a:schemeClr val="accent1"/>
+          </a:fillRef>
+          <a:effectRef idx="0">
+            <a:schemeClr val="accent1"/>
+          </a:effectRef>
+          <a:fontRef idx="minor">
+            <a:schemeClr val="lt1"/>
+          </a:fontRef>
+        </p:style>
+        <p:txBody>
+          <a:bodyPr rtlCol="0" anchor="ctr"/>
+          <a:lstStyle/>
+          <a:p>
+            <a:pPr algn="ctr"/>
+            <a:endParaRPr lang="en-SG"/>
+          </a:p>
+        </p:txBody>
+      </p:sp>
+      <p:sp>
+        <p:nvSpPr>
+          <p:cNvPr id="96" name="Freeform 95"/>
+          <p:cNvSpPr/>
+          <p:nvPr/>
+        </p:nvSpPr>
+        <p:spPr>
+          <a:xfrm rot="11865946">
+            <a:off x="6904559" y="736995"/>
+            <a:ext cx="50006" cy="19050"/>
+          </a:xfrm>
+          <a:custGeom>
+            <a:avLst/>
+            <a:gdLst>
+              <a:gd name="connsiteX0" fmla="*/ 0 w 50006"/>
+              <a:gd name="connsiteY0" fmla="*/ 0 h 19050"/>
+              <a:gd name="connsiteX1" fmla="*/ 0 w 50006"/>
+              <a:gd name="connsiteY1" fmla="*/ 0 h 19050"/>
+              <a:gd name="connsiteX2" fmla="*/ 21431 w 50006"/>
+              <a:gd name="connsiteY2" fmla="*/ 4762 h 19050"/>
+              <a:gd name="connsiteX3" fmla="*/ 28575 w 50006"/>
+              <a:gd name="connsiteY3" fmla="*/ 9525 h 19050"/>
+              <a:gd name="connsiteX4" fmla="*/ 38100 w 50006"/>
+              <a:gd name="connsiteY4" fmla="*/ 14287 h 19050"/>
+              <a:gd name="connsiteX5" fmla="*/ 50006 w 50006"/>
+              <a:gd name="connsiteY5" fmla="*/ 19050 h 19050"/>
+            </a:gdLst>
+            <a:ahLst/>
+            <a:cxnLst>
+              <a:cxn ang="0">
+                <a:pos x="connsiteX0" y="connsiteY0"/>
+              </a:cxn>
+              <a:cxn ang="0">
+                <a:pos x="connsiteX1" y="connsiteY1"/>
+              </a:cxn>
+              <a:cxn ang="0">
+                <a:pos x="connsiteX2" y="connsiteY2"/>
+              </a:cxn>
+              <a:cxn ang="0">
+                <a:pos x="connsiteX3" y="connsiteY3"/>
+              </a:cxn>
+              <a:cxn ang="0">
+                <a:pos x="connsiteX4" y="connsiteY4"/>
+              </a:cxn>
+              <a:cxn ang="0">
+                <a:pos x="connsiteX5" y="connsiteY5"/>
+              </a:cxn>
+            </a:cxnLst>
+            <a:rect l="l" t="t" r="r" b="b"/>
+            <a:pathLst>
+              <a:path w="50006" h="19050">
+                <a:moveTo>
+                  <a:pt x="0" y="0"/>
+                </a:moveTo>
+                <a:lnTo>
+                  <a:pt x="0" y="0"/>
+                </a:lnTo>
+                <a:cubicBezTo>
+                  <a:pt x="7144" y="1587"/>
+                  <a:pt x="14489" y="2448"/>
+                  <a:pt x="21431" y="4762"/>
+                </a:cubicBezTo>
+                <a:cubicBezTo>
+                  <a:pt x="24146" y="5667"/>
+                  <a:pt x="26090" y="8105"/>
+                  <a:pt x="28575" y="9525"/>
+                </a:cubicBezTo>
+                <a:cubicBezTo>
+                  <a:pt x="31657" y="11286"/>
+                  <a:pt x="34837" y="12889"/>
+                  <a:pt x="38100" y="14287"/>
+                </a:cubicBezTo>
+                <a:cubicBezTo>
+                  <a:pt x="58672" y="23103"/>
+                  <a:pt x="34691" y="11391"/>
+                  <a:pt x="50006" y="19050"/>
+                </a:cubicBezTo>
+              </a:path>
+            </a:pathLst>
+          </a:custGeom>
+          <a:solidFill>
+            <a:schemeClr val="bg1"/>
+          </a:solidFill>
+        </p:spPr>
+        <p:style>
+          <a:lnRef idx="2">
+            <a:schemeClr val="accent1">
+              <a:shade val="50000"/>
+            </a:schemeClr>
+          </a:lnRef>
+          <a:fillRef idx="1">
+            <a:schemeClr val="accent1"/>
+          </a:fillRef>
+          <a:effectRef idx="0">
+            <a:schemeClr val="accent1"/>
+          </a:effectRef>
+          <a:fontRef idx="minor">
+            <a:schemeClr val="lt1"/>
+          </a:fontRef>
+        </p:style>
+        <p:txBody>
+          <a:bodyPr rtlCol="0" anchor="ctr"/>
+          <a:lstStyle/>
+          <a:p>
+            <a:pPr algn="ctr"/>
+            <a:endParaRPr lang="en-SG"/>
+          </a:p>
+        </p:txBody>
+      </p:sp>
+      <p:sp>
+        <p:nvSpPr>
+          <p:cNvPr id="97" name="Flowchart: Connector 96"/>
+          <p:cNvSpPr/>
+          <p:nvPr/>
+        </p:nvSpPr>
+        <p:spPr>
+          <a:xfrm rot="11865946">
+            <a:off x="7031245" y="783890"/>
+            <a:ext cx="45719" cy="45719"/>
+          </a:xfrm>
+          <a:prstGeom prst="flowChartConnector">
+            <a:avLst/>
+          </a:prstGeom>
+          <a:solidFill>
+            <a:schemeClr val="bg1"/>
+          </a:solidFill>
+          <a:ln>
+            <a:solidFill>
+              <a:schemeClr val="accent1">
+                <a:lumMod val="75000"/>
+              </a:schemeClr>
+            </a:solidFill>
+          </a:ln>
+        </p:spPr>
+        <p:style>
+          <a:lnRef idx="2">
+            <a:schemeClr val="accent1">
+              <a:shade val="50000"/>
+            </a:schemeClr>
+          </a:lnRef>
+          <a:fillRef idx="1">
+            <a:schemeClr val="accent1"/>
+          </a:fillRef>
+          <a:effectRef idx="0">
+            <a:schemeClr val="accent1"/>
+          </a:effectRef>
+          <a:fontRef idx="minor">
+            <a:schemeClr val="lt1"/>
+          </a:fontRef>
+        </p:style>
+        <p:txBody>
+          <a:bodyPr rtlCol="0" anchor="ctr"/>
+          <a:lstStyle/>
+          <a:p>
+            <a:pPr algn="ctr"/>
+            <a:endParaRPr lang="en-SG"/>
+          </a:p>
+        </p:txBody>
+      </p:sp>
+      <p:sp>
+        <p:nvSpPr>
+          <p:cNvPr id="16" name="Freeform 15"/>
+          <p:cNvSpPr/>
+          <p:nvPr/>
+        </p:nvSpPr>
+        <p:spPr>
+          <a:xfrm>
+            <a:off x="4175125" y="1066800"/>
+            <a:ext cx="257456" cy="419744"/>
+          </a:xfrm>
+          <a:custGeom>
+            <a:avLst/>
+            <a:gdLst>
+              <a:gd name="connsiteX0" fmla="*/ 416718 w 416718"/>
+              <a:gd name="connsiteY0" fmla="*/ 490537 h 490537"/>
+              <a:gd name="connsiteX1" fmla="*/ 388143 w 416718"/>
+              <a:gd name="connsiteY1" fmla="*/ 295275 h 490537"/>
+              <a:gd name="connsiteX2" fmla="*/ 292893 w 416718"/>
+              <a:gd name="connsiteY2" fmla="*/ 142875 h 490537"/>
+              <a:gd name="connsiteX3" fmla="*/ 116681 w 416718"/>
+              <a:gd name="connsiteY3" fmla="*/ 47625 h 490537"/>
+              <a:gd name="connsiteX4" fmla="*/ 0 w 416718"/>
+              <a:gd name="connsiteY4" fmla="*/ 0 h 490537"/>
+            </a:gdLst>
+            <a:ahLst/>
+            <a:cxnLst>
+              <a:cxn ang="0">
+                <a:pos x="connsiteX0" y="connsiteY0"/>
+              </a:cxn>
+              <a:cxn ang="0">
+                <a:pos x="connsiteX1" y="connsiteY1"/>
+              </a:cxn>
+              <a:cxn ang="0">
+                <a:pos x="connsiteX2" y="connsiteY2"/>
+              </a:cxn>
+              <a:cxn ang="0">
+                <a:pos x="connsiteX3" y="connsiteY3"/>
+              </a:cxn>
+              <a:cxn ang="0">
+                <a:pos x="connsiteX4" y="connsiteY4"/>
+              </a:cxn>
+            </a:cxnLst>
+            <a:rect l="l" t="t" r="r" b="b"/>
+            <a:pathLst>
+              <a:path w="416718" h="490537">
+                <a:moveTo>
+                  <a:pt x="416718" y="490537"/>
+                </a:moveTo>
+                <a:cubicBezTo>
+                  <a:pt x="412749" y="421878"/>
+                  <a:pt x="408780" y="353219"/>
+                  <a:pt x="388143" y="295275"/>
+                </a:cubicBezTo>
+                <a:cubicBezTo>
+                  <a:pt x="367505" y="237331"/>
+                  <a:pt x="338137" y="184150"/>
+                  <a:pt x="292893" y="142875"/>
+                </a:cubicBezTo>
+                <a:cubicBezTo>
+                  <a:pt x="247649" y="101600"/>
+                  <a:pt x="165496" y="71437"/>
+                  <a:pt x="116681" y="47625"/>
+                </a:cubicBezTo>
+                <a:cubicBezTo>
+                  <a:pt x="67866" y="23813"/>
+                  <a:pt x="33933" y="11906"/>
+                  <a:pt x="0" y="0"/>
+                </a:cubicBezTo>
+              </a:path>
+            </a:pathLst>
+          </a:custGeom>
+          <a:noFill/>
+          <a:ln w="57150" cap="rnd">
+            <a:headEnd type="none" w="med" len="med"/>
+            <a:tailEnd type="triangle" w="med" len="med"/>
+          </a:ln>
+        </p:spPr>
+        <p:style>
+          <a:lnRef idx="2">
+            <a:schemeClr val="accent1">
+              <a:shade val="50000"/>
+            </a:schemeClr>
+          </a:lnRef>
+          <a:fillRef idx="1">
+            <a:schemeClr val="accent1"/>
+          </a:fillRef>
+          <a:effectRef idx="0">
+            <a:schemeClr val="accent1"/>
+          </a:effectRef>
+          <a:fontRef idx="minor">
+            <a:schemeClr val="lt1"/>
+          </a:fontRef>
+        </p:style>
+        <p:txBody>
+          <a:bodyPr rtlCol="0" anchor="ctr"/>
+          <a:lstStyle/>
+          <a:p>
+            <a:pPr algn="ctr"/>
+            <a:endParaRPr lang="en-SG"/>
+          </a:p>
+        </p:txBody>
+      </p:sp>
+      <p:sp>
+        <p:nvSpPr>
+          <p:cNvPr id="17" name="Freeform 16"/>
+          <p:cNvSpPr/>
+          <p:nvPr/>
+        </p:nvSpPr>
+        <p:spPr>
+          <a:xfrm>
+            <a:off x="1206653" y="1088618"/>
+            <a:ext cx="574055" cy="626709"/>
+          </a:xfrm>
+          <a:custGeom>
+            <a:avLst/>
+            <a:gdLst>
+              <a:gd name="connsiteX0" fmla="*/ 574055 w 574055"/>
+              <a:gd name="connsiteY0" fmla="*/ 150671 h 598346"/>
+              <a:gd name="connsiteX1" fmla="*/ 431180 w 574055"/>
+              <a:gd name="connsiteY1" fmla="*/ 14940 h 598346"/>
+              <a:gd name="connsiteX2" fmla="*/ 254967 w 574055"/>
+              <a:gd name="connsiteY2" fmla="*/ 12559 h 598346"/>
+              <a:gd name="connsiteX3" fmla="*/ 123998 w 574055"/>
+              <a:gd name="connsiteY3" fmla="*/ 95902 h 598346"/>
+              <a:gd name="connsiteX4" fmla="*/ 47798 w 574055"/>
+              <a:gd name="connsiteY4" fmla="*/ 279259 h 598346"/>
+              <a:gd name="connsiteX5" fmla="*/ 7317 w 574055"/>
+              <a:gd name="connsiteY5" fmla="*/ 472140 h 598346"/>
+              <a:gd name="connsiteX6" fmla="*/ 173 w 574055"/>
+              <a:gd name="connsiteY6" fmla="*/ 598346 h 598346"/>
+              <a:gd name="connsiteX0" fmla="*/ 574055 w 574055"/>
+              <a:gd name="connsiteY0" fmla="*/ 161942 h 609617"/>
+              <a:gd name="connsiteX1" fmla="*/ 431180 w 574055"/>
+              <a:gd name="connsiteY1" fmla="*/ 26211 h 609617"/>
+              <a:gd name="connsiteX2" fmla="*/ 249252 w 574055"/>
+              <a:gd name="connsiteY2" fmla="*/ 6685 h 609617"/>
+              <a:gd name="connsiteX3" fmla="*/ 123998 w 574055"/>
+              <a:gd name="connsiteY3" fmla="*/ 107173 h 609617"/>
+              <a:gd name="connsiteX4" fmla="*/ 47798 w 574055"/>
+              <a:gd name="connsiteY4" fmla="*/ 290530 h 609617"/>
+              <a:gd name="connsiteX5" fmla="*/ 7317 w 574055"/>
+              <a:gd name="connsiteY5" fmla="*/ 483411 h 609617"/>
+              <a:gd name="connsiteX6" fmla="*/ 173 w 574055"/>
+              <a:gd name="connsiteY6" fmla="*/ 609617 h 609617"/>
+              <a:gd name="connsiteX0" fmla="*/ 574055 w 574055"/>
+              <a:gd name="connsiteY0" fmla="*/ 164088 h 611763"/>
+              <a:gd name="connsiteX1" fmla="*/ 391175 w 574055"/>
+              <a:gd name="connsiteY1" fmla="*/ 22642 h 611763"/>
+              <a:gd name="connsiteX2" fmla="*/ 249252 w 574055"/>
+              <a:gd name="connsiteY2" fmla="*/ 8831 h 611763"/>
+              <a:gd name="connsiteX3" fmla="*/ 123998 w 574055"/>
+              <a:gd name="connsiteY3" fmla="*/ 109319 h 611763"/>
+              <a:gd name="connsiteX4" fmla="*/ 47798 w 574055"/>
+              <a:gd name="connsiteY4" fmla="*/ 292676 h 611763"/>
+              <a:gd name="connsiteX5" fmla="*/ 7317 w 574055"/>
+              <a:gd name="connsiteY5" fmla="*/ 485557 h 611763"/>
+              <a:gd name="connsiteX6" fmla="*/ 173 w 574055"/>
+              <a:gd name="connsiteY6" fmla="*/ 611763 h 611763"/>
+              <a:gd name="connsiteX0" fmla="*/ 574055 w 574055"/>
+              <a:gd name="connsiteY0" fmla="*/ 157098 h 604773"/>
+              <a:gd name="connsiteX1" fmla="*/ 391175 w 574055"/>
+              <a:gd name="connsiteY1" fmla="*/ 15652 h 604773"/>
+              <a:gd name="connsiteX2" fmla="*/ 220677 w 574055"/>
+              <a:gd name="connsiteY2" fmla="*/ 13271 h 604773"/>
+              <a:gd name="connsiteX3" fmla="*/ 123998 w 574055"/>
+              <a:gd name="connsiteY3" fmla="*/ 102329 h 604773"/>
+              <a:gd name="connsiteX4" fmla="*/ 47798 w 574055"/>
+              <a:gd name="connsiteY4" fmla="*/ 285686 h 604773"/>
+              <a:gd name="connsiteX5" fmla="*/ 7317 w 574055"/>
+              <a:gd name="connsiteY5" fmla="*/ 478567 h 604773"/>
+              <a:gd name="connsiteX6" fmla="*/ 173 w 574055"/>
+              <a:gd name="connsiteY6" fmla="*/ 604773 h 604773"/>
+              <a:gd name="connsiteX0" fmla="*/ 574055 w 574055"/>
+              <a:gd name="connsiteY0" fmla="*/ 147024 h 594699"/>
+              <a:gd name="connsiteX1" fmla="*/ 374030 w 574055"/>
+              <a:gd name="connsiteY1" fmla="*/ 31910 h 594699"/>
+              <a:gd name="connsiteX2" fmla="*/ 220677 w 574055"/>
+              <a:gd name="connsiteY2" fmla="*/ 3197 h 594699"/>
+              <a:gd name="connsiteX3" fmla="*/ 123998 w 574055"/>
+              <a:gd name="connsiteY3" fmla="*/ 92255 h 594699"/>
+              <a:gd name="connsiteX4" fmla="*/ 47798 w 574055"/>
+              <a:gd name="connsiteY4" fmla="*/ 275612 h 594699"/>
+              <a:gd name="connsiteX5" fmla="*/ 7317 w 574055"/>
+              <a:gd name="connsiteY5" fmla="*/ 468493 h 594699"/>
+              <a:gd name="connsiteX6" fmla="*/ 173 w 574055"/>
+              <a:gd name="connsiteY6" fmla="*/ 594699 h 594699"/>
+              <a:gd name="connsiteX0" fmla="*/ 574055 w 574055"/>
+              <a:gd name="connsiteY0" fmla="*/ 148169 h 595844"/>
+              <a:gd name="connsiteX1" fmla="*/ 419750 w 574055"/>
+              <a:gd name="connsiteY1" fmla="*/ 27789 h 595844"/>
+              <a:gd name="connsiteX2" fmla="*/ 220677 w 574055"/>
+              <a:gd name="connsiteY2" fmla="*/ 4342 h 595844"/>
+              <a:gd name="connsiteX3" fmla="*/ 123998 w 574055"/>
+              <a:gd name="connsiteY3" fmla="*/ 93400 h 595844"/>
+              <a:gd name="connsiteX4" fmla="*/ 47798 w 574055"/>
+              <a:gd name="connsiteY4" fmla="*/ 276757 h 595844"/>
+              <a:gd name="connsiteX5" fmla="*/ 7317 w 574055"/>
+              <a:gd name="connsiteY5" fmla="*/ 469638 h 595844"/>
+              <a:gd name="connsiteX6" fmla="*/ 173 w 574055"/>
+              <a:gd name="connsiteY6" fmla="*/ 595844 h 595844"/>
+              <a:gd name="connsiteX0" fmla="*/ 574055 w 574055"/>
+              <a:gd name="connsiteY0" fmla="*/ 133411 h 581086"/>
+              <a:gd name="connsiteX1" fmla="*/ 419750 w 574055"/>
+              <a:gd name="connsiteY1" fmla="*/ 13031 h 581086"/>
+              <a:gd name="connsiteX2" fmla="*/ 226392 w 574055"/>
+              <a:gd name="connsiteY2" fmla="*/ 10650 h 581086"/>
+              <a:gd name="connsiteX3" fmla="*/ 123998 w 574055"/>
+              <a:gd name="connsiteY3" fmla="*/ 78642 h 581086"/>
+              <a:gd name="connsiteX4" fmla="*/ 47798 w 574055"/>
+              <a:gd name="connsiteY4" fmla="*/ 261999 h 581086"/>
+              <a:gd name="connsiteX5" fmla="*/ 7317 w 574055"/>
+              <a:gd name="connsiteY5" fmla="*/ 454880 h 581086"/>
+              <a:gd name="connsiteX6" fmla="*/ 173 w 574055"/>
+              <a:gd name="connsiteY6" fmla="*/ 581086 h 581086"/>
+              <a:gd name="connsiteX0" fmla="*/ 574055 w 574055"/>
+              <a:gd name="connsiteY0" fmla="*/ 134664 h 582339"/>
+              <a:gd name="connsiteX1" fmla="*/ 419750 w 574055"/>
+              <a:gd name="connsiteY1" fmla="*/ 14284 h 582339"/>
+              <a:gd name="connsiteX2" fmla="*/ 226392 w 574055"/>
+              <a:gd name="connsiteY2" fmla="*/ 11903 h 582339"/>
+              <a:gd name="connsiteX3" fmla="*/ 129713 w 574055"/>
+              <a:gd name="connsiteY3" fmla="*/ 100961 h 582339"/>
+              <a:gd name="connsiteX4" fmla="*/ 47798 w 574055"/>
+              <a:gd name="connsiteY4" fmla="*/ 263252 h 582339"/>
+              <a:gd name="connsiteX5" fmla="*/ 7317 w 574055"/>
+              <a:gd name="connsiteY5" fmla="*/ 456133 h 582339"/>
+              <a:gd name="connsiteX6" fmla="*/ 173 w 574055"/>
+              <a:gd name="connsiteY6" fmla="*/ 582339 h 582339"/>
+              <a:gd name="connsiteX0" fmla="*/ 574055 w 574055"/>
+              <a:gd name="connsiteY0" fmla="*/ 129841 h 577516"/>
+              <a:gd name="connsiteX1" fmla="*/ 419750 w 574055"/>
+              <a:gd name="connsiteY1" fmla="*/ 9461 h 577516"/>
+              <a:gd name="connsiteX2" fmla="*/ 237822 w 574055"/>
+              <a:gd name="connsiteY2" fmla="*/ 17613 h 577516"/>
+              <a:gd name="connsiteX3" fmla="*/ 129713 w 574055"/>
+              <a:gd name="connsiteY3" fmla="*/ 96138 h 577516"/>
+              <a:gd name="connsiteX4" fmla="*/ 47798 w 574055"/>
+              <a:gd name="connsiteY4" fmla="*/ 258429 h 577516"/>
+              <a:gd name="connsiteX5" fmla="*/ 7317 w 574055"/>
+              <a:gd name="connsiteY5" fmla="*/ 451310 h 577516"/>
+              <a:gd name="connsiteX6" fmla="*/ 173 w 574055"/>
+              <a:gd name="connsiteY6" fmla="*/ 577516 h 577516"/>
+            </a:gdLst>
+            <a:ahLst/>
+            <a:cxnLst>
+              <a:cxn ang="0">
+                <a:pos x="connsiteX0" y="connsiteY0"/>
+              </a:cxn>
+              <a:cxn ang="0">
+                <a:pos x="connsiteX1" y="connsiteY1"/>
+              </a:cxn>
+              <a:cxn ang="0">
+                <a:pos x="connsiteX2" y="connsiteY2"/>
+              </a:cxn>
+              <a:cxn ang="0">
+                <a:pos x="connsiteX3" y="connsiteY3"/>
+              </a:cxn>
+              <a:cxn ang="0">
+                <a:pos x="connsiteX4" y="connsiteY4"/>
+              </a:cxn>
+              <a:cxn ang="0">
+                <a:pos x="connsiteX5" y="connsiteY5"/>
+              </a:cxn>
+              <a:cxn ang="0">
+                <a:pos x="connsiteX6" y="connsiteY6"/>
+              </a:cxn>
+            </a:cxnLst>
+            <a:rect l="l" t="t" r="r" b="b"/>
+            <a:pathLst>
+              <a:path w="574055" h="577516">
+                <a:moveTo>
+                  <a:pt x="574055" y="129841"/>
+                </a:moveTo>
+                <a:cubicBezTo>
+                  <a:pt x="529208" y="73485"/>
+                  <a:pt x="475789" y="28166"/>
+                  <a:pt x="419750" y="9461"/>
+                </a:cubicBezTo>
+                <a:cubicBezTo>
+                  <a:pt x="363711" y="-9244"/>
+                  <a:pt x="286161" y="3167"/>
+                  <a:pt x="237822" y="17613"/>
+                </a:cubicBezTo>
+                <a:cubicBezTo>
+                  <a:pt x="189483" y="32059"/>
+                  <a:pt x="161384" y="56002"/>
+                  <a:pt x="129713" y="96138"/>
+                </a:cubicBezTo>
+                <a:cubicBezTo>
+                  <a:pt x="98042" y="136274"/>
+                  <a:pt x="68197" y="199234"/>
+                  <a:pt x="47798" y="258429"/>
+                </a:cubicBezTo>
+                <a:cubicBezTo>
+                  <a:pt x="27399" y="317624"/>
+                  <a:pt x="15254" y="398129"/>
+                  <a:pt x="7317" y="451310"/>
+                </a:cubicBezTo>
+                <a:cubicBezTo>
+                  <a:pt x="-620" y="504491"/>
+                  <a:pt x="-224" y="541003"/>
+                  <a:pt x="173" y="577516"/>
+                </a:cubicBezTo>
+              </a:path>
+            </a:pathLst>
+          </a:custGeom>
+          <a:noFill/>
+          <a:ln w="57150" cap="rnd">
+            <a:solidFill>
+              <a:schemeClr val="accent6">
+                <a:lumMod val="75000"/>
+              </a:schemeClr>
+            </a:solidFill>
+            <a:headEnd type="none" w="med" len="med"/>
+            <a:tailEnd type="triangle" w="med" len="med"/>
+          </a:ln>
+        </p:spPr>
+        <p:style>
+          <a:lnRef idx="2">
+            <a:schemeClr val="accent1">
+              <a:shade val="50000"/>
+            </a:schemeClr>
+          </a:lnRef>
+          <a:fillRef idx="1">
+            <a:schemeClr val="accent1"/>
+          </a:fillRef>
+          <a:effectRef idx="0">
+            <a:schemeClr val="accent1"/>
+          </a:effectRef>
+          <a:fontRef idx="minor">
+            <a:schemeClr val="lt1"/>
+          </a:fontRef>
+        </p:style>
+        <p:txBody>
+          <a:bodyPr rtlCol="0" anchor="ctr"/>
+          <a:lstStyle/>
+          <a:p>
+            <a:pPr algn="ctr"/>
+            <a:endParaRPr lang="en-SG"/>
+          </a:p>
+        </p:txBody>
+      </p:sp>
+      <p:sp>
+        <p:nvSpPr>
+          <p:cNvPr id="18" name="Freeform 17"/>
+          <p:cNvSpPr/>
+          <p:nvPr/>
+        </p:nvSpPr>
+        <p:spPr>
+          <a:xfrm>
+            <a:off x="797728" y="989315"/>
+            <a:ext cx="982980" cy="726012"/>
+          </a:xfrm>
+          <a:custGeom>
+            <a:avLst/>
+            <a:gdLst>
+              <a:gd name="connsiteX0" fmla="*/ 982980 w 982980"/>
+              <a:gd name="connsiteY0" fmla="*/ 197803 h 700723"/>
+              <a:gd name="connsiteX1" fmla="*/ 754380 w 982980"/>
+              <a:gd name="connsiteY1" fmla="*/ 3493 h 700723"/>
+              <a:gd name="connsiteX2" fmla="*/ 251460 w 982980"/>
+              <a:gd name="connsiteY2" fmla="*/ 123508 h 700723"/>
+              <a:gd name="connsiteX3" fmla="*/ 0 w 982980"/>
+              <a:gd name="connsiteY3" fmla="*/ 700723 h 700723"/>
+              <a:gd name="connsiteX0" fmla="*/ 982980 w 982980"/>
+              <a:gd name="connsiteY0" fmla="*/ 230587 h 733507"/>
+              <a:gd name="connsiteX1" fmla="*/ 645795 w 982980"/>
+              <a:gd name="connsiteY1" fmla="*/ 1987 h 733507"/>
+              <a:gd name="connsiteX2" fmla="*/ 251460 w 982980"/>
+              <a:gd name="connsiteY2" fmla="*/ 156292 h 733507"/>
+              <a:gd name="connsiteX3" fmla="*/ 0 w 982980"/>
+              <a:gd name="connsiteY3" fmla="*/ 733507 h 733507"/>
+              <a:gd name="connsiteX0" fmla="*/ 982980 w 982980"/>
+              <a:gd name="connsiteY0" fmla="*/ 228796 h 731716"/>
+              <a:gd name="connsiteX1" fmla="*/ 645795 w 982980"/>
+              <a:gd name="connsiteY1" fmla="*/ 196 h 731716"/>
+              <a:gd name="connsiteX2" fmla="*/ 217170 w 982980"/>
+              <a:gd name="connsiteY2" fmla="*/ 200221 h 731716"/>
+              <a:gd name="connsiteX3" fmla="*/ 0 w 982980"/>
+              <a:gd name="connsiteY3" fmla="*/ 731716 h 731716"/>
+              <a:gd name="connsiteX0" fmla="*/ 982980 w 982980"/>
+              <a:gd name="connsiteY0" fmla="*/ 223092 h 726012"/>
+              <a:gd name="connsiteX1" fmla="*/ 548640 w 982980"/>
+              <a:gd name="connsiteY1" fmla="*/ 207 h 726012"/>
+              <a:gd name="connsiteX2" fmla="*/ 217170 w 982980"/>
+              <a:gd name="connsiteY2" fmla="*/ 194517 h 726012"/>
+              <a:gd name="connsiteX3" fmla="*/ 0 w 982980"/>
+              <a:gd name="connsiteY3" fmla="*/ 726012 h 726012"/>
+            </a:gdLst>
+            <a:ahLst/>
+            <a:cxnLst>
+              <a:cxn ang="0">
+                <a:pos x="connsiteX0" y="connsiteY0"/>
+              </a:cxn>
+              <a:cxn ang="0">
+                <a:pos x="connsiteX1" y="connsiteY1"/>
+              </a:cxn>
+              <a:cxn ang="0">
+                <a:pos x="connsiteX2" y="connsiteY2"/>
+              </a:cxn>
+              <a:cxn ang="0">
+                <a:pos x="connsiteX3" y="connsiteY3"/>
+              </a:cxn>
+            </a:cxnLst>
+            <a:rect l="l" t="t" r="r" b="b"/>
+            <a:pathLst>
+              <a:path w="982980" h="726012">
+                <a:moveTo>
+                  <a:pt x="982980" y="223092"/>
+                </a:moveTo>
+                <a:cubicBezTo>
+                  <a:pt x="929640" y="132128"/>
+                  <a:pt x="676275" y="4969"/>
+                  <a:pt x="548640" y="207"/>
+                </a:cubicBezTo>
+                <a:cubicBezTo>
+                  <a:pt x="421005" y="-4555"/>
+                  <a:pt x="308610" y="73550"/>
+                  <a:pt x="217170" y="194517"/>
+                </a:cubicBezTo>
+                <a:cubicBezTo>
+                  <a:pt x="125730" y="315484"/>
+                  <a:pt x="62865" y="495507"/>
+                  <a:pt x="0" y="726012"/>
+                </a:cubicBezTo>
+              </a:path>
+            </a:pathLst>
+          </a:custGeom>
+          <a:noFill/>
+          <a:ln w="57150" cap="rnd">
+            <a:solidFill>
+              <a:schemeClr val="accent6">
+                <a:lumMod val="75000"/>
+              </a:schemeClr>
+            </a:solidFill>
+            <a:headEnd type="none" w="med" len="med"/>
+            <a:tailEnd type="triangle" w="med" len="med"/>
+          </a:ln>
+        </p:spPr>
+        <p:style>
+          <a:lnRef idx="2">
+            <a:schemeClr val="accent1">
+              <a:shade val="50000"/>
+            </a:schemeClr>
+          </a:lnRef>
+          <a:fillRef idx="1">
+            <a:schemeClr val="accent1"/>
+          </a:fillRef>
+          <a:effectRef idx="0">
+            <a:schemeClr val="accent1"/>
+          </a:effectRef>
+          <a:fontRef idx="minor">
+            <a:schemeClr val="lt1"/>
+          </a:fontRef>
+        </p:style>
+        <p:txBody>
+          <a:bodyPr rtlCol="0" anchor="ctr"/>
+          <a:lstStyle/>
+          <a:p>
+            <a:pPr algn="ctr"/>
+            <a:endParaRPr lang="en-SG"/>
+          </a:p>
+        </p:txBody>
+      </p:sp>
     </p:spTree>
+    <p:extLst>
+      <p:ext uri="{BB962C8B-B14F-4D97-AF65-F5344CB8AC3E}">
+        <p14:creationId xmlns:p14="http://schemas.microsoft.com/office/powerpoint/2010/main" val="3754261543"/>
+      </p:ext>
+    </p:extLst>
   </p:cSld>
   <p:clrMapOvr>
     <a:masterClrMapping/>
@@ -4344,4 +7613,289 @@
   <a:objectDefaults/>
   <a:extraClrSchemeLst/>
 </a:theme>
+</file>
+
+<file path=ppt/theme/theme2.xml><?xml version="1.0" encoding="utf-8"?>
+<a:theme xmlns:a="http://schemas.openxmlformats.org/drawingml/2006/main" name="Office Theme">
+  <a:themeElements>
+    <a:clrScheme name="Office">
+      <a:dk1>
+        <a:sysClr val="windowText" lastClr="000000"/>
+      </a:dk1>
+      <a:lt1>
+        <a:sysClr val="window" lastClr="FFFFFF"/>
+      </a:lt1>
+      <a:dk2>
+        <a:srgbClr val="1F497D"/>
+      </a:dk2>
+      <a:lt2>
+        <a:srgbClr val="EEECE1"/>
+      </a:lt2>
+      <a:accent1>
+        <a:srgbClr val="4F81BD"/>
+      </a:accent1>
+      <a:accent2>
+        <a:srgbClr val="C0504D"/>
+      </a:accent2>
+      <a:accent3>
+        <a:srgbClr val="9BBB59"/>
+      </a:accent3>
+      <a:accent4>
+        <a:srgbClr val="8064A2"/>
+      </a:accent4>
+      <a:accent5>
+        <a:srgbClr val="4BACC6"/>
+      </a:accent5>
+      <a:accent6>
+        <a:srgbClr val="F79646"/>
+      </a:accent6>
+      <a:hlink>
+        <a:srgbClr val="0000FF"/>
+      </a:hlink>
+      <a:folHlink>
+        <a:srgbClr val="800080"/>
+      </a:folHlink>
+    </a:clrScheme>
+    <a:fontScheme name="Office">
+      <a:majorFont>
+        <a:latin typeface="Calibri"/>
+        <a:ea typeface=""/>
+        <a:cs typeface=""/>
+        <a:font script="Jpan" typeface="ＭＳ Ｐゴシック"/>
+        <a:font script="Hang" typeface="맑은 고딕"/>
+        <a:font script="Hans" typeface="宋体"/>
+        <a:font script="Hant" typeface="新細明體"/>
+        <a:font script="Arab" typeface="Times New Roman"/>
+        <a:font script="Hebr" typeface="Times New Roman"/>
+        <a:font script="Thai" typeface="Angsana New"/>
+        <a:font script="Ethi" typeface="Nyala"/>
+        <a:font script="Beng" typeface="Vrinda"/>
+        <a:font script="Gujr" typeface="Shruti"/>
+        <a:font script="Khmr" typeface="MoolBoran"/>
+        <a:font script="Knda" typeface="Tunga"/>
+        <a:font script="Guru" typeface="Raavi"/>
+        <a:font script="Cans" typeface="Euphemia"/>
+        <a:font script="Cher" typeface="Plantagenet Cherokee"/>
+        <a:font script="Yiii" typeface="Microsoft Yi Baiti"/>
+        <a:font script="Tibt" typeface="Microsoft Himalaya"/>
+        <a:font script="Thaa" typeface="MV Boli"/>
+        <a:font script="Deva" typeface="Mangal"/>
+        <a:font script="Telu" typeface="Gautami"/>
+        <a:font script="Taml" typeface="Latha"/>
+        <a:font script="Syrc" typeface="Estrangelo Edessa"/>
+        <a:font script="Orya" typeface="Kalinga"/>
+        <a:font script="Mlym" typeface="Kartika"/>
+        <a:font script="Laoo" typeface="DokChampa"/>
+        <a:font script="Sinh" typeface="Iskoola Pota"/>
+        <a:font script="Mong" typeface="Mongolian Baiti"/>
+        <a:font script="Viet" typeface="Times New Roman"/>
+        <a:font script="Uigh" typeface="Microsoft Uighur"/>
+        <a:font script="Geor" typeface="Sylfaen"/>
+      </a:majorFont>
+      <a:minorFont>
+        <a:latin typeface="Calibri"/>
+        <a:ea typeface=""/>
+        <a:cs typeface=""/>
+        <a:font script="Jpan" typeface="ＭＳ Ｐゴシック"/>
+        <a:font script="Hang" typeface="맑은 고딕"/>
+        <a:font script="Hans" typeface="宋体"/>
+        <a:font script="Hant" typeface="新細明體"/>
+        <a:font script="Arab" typeface="Arial"/>
+        <a:font script="Hebr" typeface="Arial"/>
+        <a:font script="Thai" typeface="Cordia New"/>
+        <a:font script="Ethi" typeface="Nyala"/>
+        <a:font script="Beng" typeface="Vrinda"/>
+        <a:font script="Gujr" typeface="Shruti"/>
+        <a:font script="Khmr" typeface="DaunPenh"/>
+        <a:font script="Knda" typeface="Tunga"/>
+        <a:font script="Guru" typeface="Raavi"/>
+        <a:font script="Cans" typeface="Euphemia"/>
+        <a:font script="Cher" typeface="Plantagenet Cherokee"/>
+        <a:font script="Yiii" typeface="Microsoft Yi Baiti"/>
+        <a:font script="Tibt" typeface="Microsoft Himalaya"/>
+        <a:font script="Thaa" typeface="MV Boli"/>
+        <a:font script="Deva" typeface="Mangal"/>
+        <a:font script="Telu" typeface="Gautami"/>
+        <a:font script="Taml" typeface="Latha"/>
+        <a:font script="Syrc" typeface="Estrangelo Edessa"/>
+        <a:font script="Orya" typeface="Kalinga"/>
+        <a:font script="Mlym" typeface="Kartika"/>
+        <a:font script="Laoo" typeface="DokChampa"/>
+        <a:font script="Sinh" typeface="Iskoola Pota"/>
+        <a:font script="Mong" typeface="Mongolian Baiti"/>
+        <a:font script="Viet" typeface="Arial"/>
+        <a:font script="Uigh" typeface="Microsoft Uighur"/>
+        <a:font script="Geor" typeface="Sylfaen"/>
+      </a:minorFont>
+    </a:fontScheme>
+    <a:fmtScheme name="Office">
+      <a:fillStyleLst>
+        <a:solidFill>
+          <a:schemeClr val="phClr"/>
+        </a:solidFill>
+        <a:gradFill rotWithShape="1">
+          <a:gsLst>
+            <a:gs pos="0">
+              <a:schemeClr val="phClr">
+                <a:tint val="50000"/>
+                <a:satMod val="300000"/>
+              </a:schemeClr>
+            </a:gs>
+            <a:gs pos="35000">
+              <a:schemeClr val="phClr">
+                <a:tint val="37000"/>
+                <a:satMod val="300000"/>
+              </a:schemeClr>
+            </a:gs>
+            <a:gs pos="100000">
+              <a:schemeClr val="phClr">
+                <a:tint val="15000"/>
+                <a:satMod val="350000"/>
+              </a:schemeClr>
+            </a:gs>
+          </a:gsLst>
+          <a:lin ang="16200000" scaled="1"/>
+        </a:gradFill>
+        <a:gradFill rotWithShape="1">
+          <a:gsLst>
+            <a:gs pos="0">
+              <a:schemeClr val="phClr">
+                <a:shade val="51000"/>
+                <a:satMod val="130000"/>
+              </a:schemeClr>
+            </a:gs>
+            <a:gs pos="80000">
+              <a:schemeClr val="phClr">
+                <a:shade val="93000"/>
+                <a:satMod val="130000"/>
+              </a:schemeClr>
+            </a:gs>
+            <a:gs pos="100000">
+              <a:schemeClr val="phClr">
+                <a:shade val="94000"/>
+                <a:satMod val="135000"/>
+              </a:schemeClr>
+            </a:gs>
+          </a:gsLst>
+          <a:lin ang="16200000" scaled="0"/>
+        </a:gradFill>
+      </a:fillStyleLst>
+      <a:lnStyleLst>
+        <a:ln w="9525" cap="flat" cmpd="sng" algn="ctr">
+          <a:solidFill>
+            <a:schemeClr val="phClr">
+              <a:shade val="95000"/>
+              <a:satMod val="105000"/>
+            </a:schemeClr>
+          </a:solidFill>
+          <a:prstDash val="solid"/>
+        </a:ln>
+        <a:ln w="25400" cap="flat" cmpd="sng" algn="ctr">
+          <a:solidFill>
+            <a:schemeClr val="phClr"/>
+          </a:solidFill>
+          <a:prstDash val="solid"/>
+        </a:ln>
+        <a:ln w="38100" cap="flat" cmpd="sng" algn="ctr">
+          <a:solidFill>
+            <a:schemeClr val="phClr"/>
+          </a:solidFill>
+          <a:prstDash val="solid"/>
+        </a:ln>
+      </a:lnStyleLst>
+      <a:effectStyleLst>
+        <a:effectStyle>
+          <a:effectLst>
+            <a:outerShdw blurRad="40000" dist="20000" dir="5400000" rotWithShape="0">
+              <a:srgbClr val="000000">
+                <a:alpha val="38000"/>
+              </a:srgbClr>
+            </a:outerShdw>
+          </a:effectLst>
+        </a:effectStyle>
+        <a:effectStyle>
+          <a:effectLst>
+            <a:outerShdw blurRad="40000" dist="23000" dir="5400000" rotWithShape="0">
+              <a:srgbClr val="000000">
+                <a:alpha val="35000"/>
+              </a:srgbClr>
+            </a:outerShdw>
+          </a:effectLst>
+        </a:effectStyle>
+        <a:effectStyle>
+          <a:effectLst>
+            <a:outerShdw blurRad="40000" dist="23000" dir="5400000" rotWithShape="0">
+              <a:srgbClr val="000000">
+                <a:alpha val="35000"/>
+              </a:srgbClr>
+            </a:outerShdw>
+          </a:effectLst>
+          <a:scene3d>
+            <a:camera prst="orthographicFront">
+              <a:rot lat="0" lon="0" rev="0"/>
+            </a:camera>
+            <a:lightRig rig="threePt" dir="t">
+              <a:rot lat="0" lon="0" rev="1200000"/>
+            </a:lightRig>
+          </a:scene3d>
+          <a:sp3d>
+            <a:bevelT w="63500" h="25400"/>
+          </a:sp3d>
+        </a:effectStyle>
+      </a:effectStyleLst>
+      <a:bgFillStyleLst>
+        <a:solidFill>
+          <a:schemeClr val="phClr"/>
+        </a:solidFill>
+        <a:gradFill rotWithShape="1">
+          <a:gsLst>
+            <a:gs pos="0">
+              <a:schemeClr val="phClr">
+                <a:tint val="40000"/>
+                <a:satMod val="350000"/>
+              </a:schemeClr>
+            </a:gs>
+            <a:gs pos="40000">
+              <a:schemeClr val="phClr">
+                <a:tint val="45000"/>
+                <a:shade val="99000"/>
+                <a:satMod val="350000"/>
+              </a:schemeClr>
+            </a:gs>
+            <a:gs pos="100000">
+              <a:schemeClr val="phClr">
+                <a:shade val="20000"/>
+                <a:satMod val="255000"/>
+              </a:schemeClr>
+            </a:gs>
+          </a:gsLst>
+          <a:path path="circle">
+            <a:fillToRect l="50000" t="-80000" r="50000" b="180000"/>
+          </a:path>
+        </a:gradFill>
+        <a:gradFill rotWithShape="1">
+          <a:gsLst>
+            <a:gs pos="0">
+              <a:schemeClr val="phClr">
+                <a:tint val="80000"/>
+                <a:satMod val="300000"/>
+              </a:schemeClr>
+            </a:gs>
+            <a:gs pos="100000">
+              <a:schemeClr val="phClr">
+                <a:shade val="30000"/>
+                <a:satMod val="200000"/>
+              </a:schemeClr>
+            </a:gs>
+          </a:gsLst>
+          <a:path path="circle">
+            <a:fillToRect l="50000" t="50000" r="50000" b="50000"/>
+          </a:path>
+        </a:gradFill>
+      </a:bgFillStyleLst>
+    </a:fmtScheme>
+  </a:themeElements>
+  <a:objectDefaults/>
+  <a:extraClrSchemeLst/>
+</a:theme>
 </file>
--- a/doc/mockups/homepage image.pptx
+++ b/doc/mockups/homepage image.pptx
@@ -14,17 +14,16 @@
   <p:notesSz cx="6858000" cy="9144000"/>
   <p:embeddedFontLst>
     <p:embeddedFont>
-      <p:font typeface="2Dumb" pitchFamily="2" charset="0"/>
+      <p:font typeface="Calibri" pitchFamily="34" charset="0"/>
       <p:regular r:id="rId4"/>
-    </p:embeddedFont>
-    <p:embeddedFont>
-      <p:font typeface="Calibri" pitchFamily="34" charset="0"/>
-      <p:regular r:id="rId5"/>
-      <p:bold r:id="rId6"/>
-      <p:italic r:id="rId7"/>
-      <p:boldItalic r:id="rId8"/>
+      <p:bold r:id="rId5"/>
+      <p:italic r:id="rId6"/>
+      <p:boldItalic r:id="rId7"/>
     </p:embeddedFont>
   </p:embeddedFontLst>
+  <p:custDataLst>
+    <p:tags r:id="rId8"/>
+  </p:custDataLst>
   <p:defaultTextStyle>
     <a:defPPr>
       <a:defRPr lang="en-US"/>
@@ -205,7 +204,7 @@
           <a:p>
             <a:fld id="{A4537E34-E1A6-4BBF-AF99-84C669929841}" type="datetimeFigureOut">
               <a:rPr lang="en-SG" smtClean="0"/>
-              <a:t>6/3/2013</a:t>
+              <a:t>20/3/2013</a:t>
             </a:fld>
             <a:endParaRPr lang="en-SG"/>
           </a:p>
@@ -739,7 +738,7 @@
             <a:fld id="{1D8BD707-D9CF-40AE-B4C6-C98DA3205C09}" type="datetimeFigureOut">
               <a:rPr lang="en-US" smtClean="0"/>
               <a:pPr/>
-              <a:t>3/6/2013</a:t>
+              <a:t>3/20/2013</a:t>
             </a:fld>
             <a:endParaRPr lang="en-US"/>
           </a:p>
@@ -906,7 +905,7 @@
             <a:fld id="{1D8BD707-D9CF-40AE-B4C6-C98DA3205C09}" type="datetimeFigureOut">
               <a:rPr lang="en-US" smtClean="0"/>
               <a:pPr/>
-              <a:t>3/6/2013</a:t>
+              <a:t>3/20/2013</a:t>
             </a:fld>
             <a:endParaRPr lang="en-US"/>
           </a:p>
@@ -1083,7 +1082,7 @@
             <a:fld id="{1D8BD707-D9CF-40AE-B4C6-C98DA3205C09}" type="datetimeFigureOut">
               <a:rPr lang="en-US" smtClean="0"/>
               <a:pPr/>
-              <a:t>3/6/2013</a:t>
+              <a:t>3/20/2013</a:t>
             </a:fld>
             <a:endParaRPr lang="en-US"/>
           </a:p>
@@ -1250,7 +1249,7 @@
             <a:fld id="{1D8BD707-D9CF-40AE-B4C6-C98DA3205C09}" type="datetimeFigureOut">
               <a:rPr lang="en-US" smtClean="0"/>
               <a:pPr/>
-              <a:t>3/6/2013</a:t>
+              <a:t>3/20/2013</a:t>
             </a:fld>
             <a:endParaRPr lang="en-US"/>
           </a:p>
@@ -1493,7 +1492,7 @@
             <a:fld id="{1D8BD707-D9CF-40AE-B4C6-C98DA3205C09}" type="datetimeFigureOut">
               <a:rPr lang="en-US" smtClean="0"/>
               <a:pPr/>
-              <a:t>3/6/2013</a:t>
+              <a:t>3/20/2013</a:t>
             </a:fld>
             <a:endParaRPr lang="en-US"/>
           </a:p>
@@ -1778,7 +1777,7 @@
             <a:fld id="{1D8BD707-D9CF-40AE-B4C6-C98DA3205C09}" type="datetimeFigureOut">
               <a:rPr lang="en-US" smtClean="0"/>
               <a:pPr/>
-              <a:t>3/6/2013</a:t>
+              <a:t>3/20/2013</a:t>
             </a:fld>
             <a:endParaRPr lang="en-US"/>
           </a:p>
@@ -2197,7 +2196,7 @@
             <a:fld id="{1D8BD707-D9CF-40AE-B4C6-C98DA3205C09}" type="datetimeFigureOut">
               <a:rPr lang="en-US" smtClean="0"/>
               <a:pPr/>
-              <a:t>3/6/2013</a:t>
+              <a:t>3/20/2013</a:t>
             </a:fld>
             <a:endParaRPr lang="en-US"/>
           </a:p>
@@ -2312,7 +2311,7 @@
             <a:fld id="{1D8BD707-D9CF-40AE-B4C6-C98DA3205C09}" type="datetimeFigureOut">
               <a:rPr lang="en-US" smtClean="0"/>
               <a:pPr/>
-              <a:t>3/6/2013</a:t>
+              <a:t>3/20/2013</a:t>
             </a:fld>
             <a:endParaRPr lang="en-US"/>
           </a:p>
@@ -2404,7 +2403,7 @@
             <a:fld id="{1D8BD707-D9CF-40AE-B4C6-C98DA3205C09}" type="datetimeFigureOut">
               <a:rPr lang="en-US" smtClean="0"/>
               <a:pPr/>
-              <a:t>3/6/2013</a:t>
+              <a:t>3/20/2013</a:t>
             </a:fld>
             <a:endParaRPr lang="en-US"/>
           </a:p>
@@ -2678,7 +2677,7 @@
             <a:fld id="{1D8BD707-D9CF-40AE-B4C6-C98DA3205C09}" type="datetimeFigureOut">
               <a:rPr lang="en-US" smtClean="0"/>
               <a:pPr/>
-              <a:t>3/6/2013</a:t>
+              <a:t>3/20/2013</a:t>
             </a:fld>
             <a:endParaRPr lang="en-US"/>
           </a:p>
@@ -2928,7 +2927,7 @@
             <a:fld id="{1D8BD707-D9CF-40AE-B4C6-C98DA3205C09}" type="datetimeFigureOut">
               <a:rPr lang="en-US" smtClean="0"/>
               <a:pPr/>
-              <a:t>3/6/2013</a:t>
+              <a:t>3/20/2013</a:t>
             </a:fld>
             <a:endParaRPr lang="en-US"/>
           </a:p>
@@ -3138,7 +3137,7 @@
             <a:fld id="{1D8BD707-D9CF-40AE-B4C6-C98DA3205C09}" type="datetimeFigureOut">
               <a:rPr lang="en-US" smtClean="0"/>
               <a:pPr/>
-              <a:t>3/6/2013</a:t>
+              <a:t>3/20/2013</a:t>
             </a:fld>
             <a:endParaRPr lang="en-US"/>
           </a:p>
@@ -4674,17 +4673,7 @@
                 <a:latin typeface="+mj-lt"/>
                 <a:ea typeface="2Dumb" pitchFamily="2" charset="0"/>
               </a:rPr>
-              <a:t>team </a:t>
-            </a:r>
-            <a:r>
-              <a:rPr lang="en-US" sz="1100" b="1" dirty="0" smtClean="0">
-                <a:solidFill>
-                  <a:schemeClr val="accent1"/>
-                </a:solidFill>
-                <a:latin typeface="+mj-lt"/>
-                <a:ea typeface="2Dumb" pitchFamily="2" charset="0"/>
-              </a:rPr>
-              <a:t>projects</a:t>
+              <a:t>team projects</a:t>
             </a:r>
             <a:r>
               <a:rPr lang="en-US" sz="1100" b="1" dirty="0" smtClean="0">
@@ -5103,82 +5092,32 @@
           </p:txBody>
         </p:sp>
       </p:grpSp>
-      <p:sp>
-        <p:nvSpPr>
-          <p:cNvPr id="59" name="Flowchart: Delay 58"/>
-          <p:cNvSpPr/>
-          <p:nvPr/>
-        </p:nvSpPr>
-        <p:spPr>
-          <a:xfrm rot="16200000">
-            <a:off x="603041" y="1976842"/>
-            <a:ext cx="280353" cy="298983"/>
-          </a:xfrm>
-          <a:prstGeom prst="flowChartDelay">
-            <a:avLst/>
-          </a:prstGeom>
-          <a:solidFill>
-            <a:schemeClr val="bg1"/>
-          </a:solidFill>
-          <a:ln>
-            <a:solidFill>
-              <a:schemeClr val="bg1">
-                <a:lumMod val="65000"/>
-              </a:schemeClr>
-            </a:solidFill>
-          </a:ln>
-        </p:spPr>
-        <p:style>
-          <a:lnRef idx="2">
-            <a:schemeClr val="accent1">
-              <a:shade val="50000"/>
-            </a:schemeClr>
-          </a:lnRef>
-          <a:fillRef idx="1">
-            <a:schemeClr val="accent1"/>
-          </a:fillRef>
-          <a:effectRef idx="0">
-            <a:schemeClr val="accent1"/>
-          </a:effectRef>
-          <a:fontRef idx="minor">
-            <a:schemeClr val="lt1"/>
-          </a:fontRef>
-        </p:style>
-        <p:txBody>
-          <a:bodyPr rtlCol="0" anchor="ctr"/>
-          <a:lstStyle/>
-          <a:p>
-            <a:pPr algn="ctr"/>
-            <a:endParaRPr lang="en-SG"/>
-          </a:p>
-        </p:txBody>
-      </p:sp>
       <p:grpSp>
         <p:nvGrpSpPr>
-          <p:cNvPr id="10" name="Group 9"/>
+          <p:cNvPr id="2" name="Group 1"/>
           <p:cNvGrpSpPr/>
           <p:nvPr/>
         </p:nvGrpSpPr>
         <p:grpSpPr>
-          <a:xfrm rot="20404603">
-            <a:off x="635383" y="1760534"/>
-            <a:ext cx="267922" cy="220662"/>
-            <a:chOff x="786805" y="1760534"/>
-            <a:chExt cx="267922" cy="220662"/>
+          <a:xfrm>
+            <a:off x="593726" y="1760533"/>
+            <a:ext cx="309579" cy="505977"/>
+            <a:chOff x="593726" y="1760533"/>
+            <a:chExt cx="309579" cy="505977"/>
           </a:xfrm>
         </p:grpSpPr>
         <p:sp>
           <p:nvSpPr>
-            <p:cNvPr id="58" name="Flowchart: Connector 57"/>
+            <p:cNvPr id="59" name="Flowchart: Delay 58"/>
             <p:cNvSpPr/>
             <p:nvPr/>
           </p:nvSpPr>
           <p:spPr>
-            <a:xfrm rot="19707452">
-              <a:off x="786805" y="1760534"/>
-              <a:ext cx="220662" cy="220662"/>
+            <a:xfrm rot="16200000">
+              <a:off x="603041" y="1976842"/>
+              <a:ext cx="280353" cy="298983"/>
             </a:xfrm>
-            <a:prstGeom prst="flowChartConnector">
+            <a:prstGeom prst="flowChartDelay">
               <a:avLst/>
             </a:prstGeom>
             <a:solidFill>
@@ -5217,172 +5156,237 @@
             </a:p>
           </p:txBody>
         </p:sp>
-        <p:sp>
-          <p:nvSpPr>
-            <p:cNvPr id="60" name="Freeform 59"/>
-            <p:cNvSpPr/>
+        <p:grpSp>
+          <p:nvGrpSpPr>
+            <p:cNvPr id="10" name="Group 9"/>
+            <p:cNvGrpSpPr/>
             <p:nvPr/>
-          </p:nvSpPr>
-          <p:spPr>
-            <a:xfrm rot="19707452">
-              <a:off x="1004721" y="1849632"/>
-              <a:ext cx="50006" cy="19050"/>
+          </p:nvGrpSpPr>
+          <p:grpSpPr>
+            <a:xfrm rot="20404603">
+              <a:off x="635382" y="1760533"/>
+              <a:ext cx="267923" cy="220662"/>
+              <a:chOff x="786804" y="1760533"/>
+              <a:chExt cx="267923" cy="220662"/>
             </a:xfrm>
-            <a:custGeom>
-              <a:avLst/>
-              <a:gdLst>
-                <a:gd name="connsiteX0" fmla="*/ 0 w 50006"/>
-                <a:gd name="connsiteY0" fmla="*/ 0 h 19050"/>
-                <a:gd name="connsiteX1" fmla="*/ 0 w 50006"/>
-                <a:gd name="connsiteY1" fmla="*/ 0 h 19050"/>
-                <a:gd name="connsiteX2" fmla="*/ 21431 w 50006"/>
-                <a:gd name="connsiteY2" fmla="*/ 4762 h 19050"/>
-                <a:gd name="connsiteX3" fmla="*/ 28575 w 50006"/>
-                <a:gd name="connsiteY3" fmla="*/ 9525 h 19050"/>
-                <a:gd name="connsiteX4" fmla="*/ 38100 w 50006"/>
-                <a:gd name="connsiteY4" fmla="*/ 14287 h 19050"/>
-                <a:gd name="connsiteX5" fmla="*/ 50006 w 50006"/>
-                <a:gd name="connsiteY5" fmla="*/ 19050 h 19050"/>
-              </a:gdLst>
-              <a:ahLst/>
-              <a:cxnLst>
-                <a:cxn ang="0">
-                  <a:pos x="connsiteX0" y="connsiteY0"/>
-                </a:cxn>
-                <a:cxn ang="0">
-                  <a:pos x="connsiteX1" y="connsiteY1"/>
-                </a:cxn>
-                <a:cxn ang="0">
-                  <a:pos x="connsiteX2" y="connsiteY2"/>
-                </a:cxn>
-                <a:cxn ang="0">
-                  <a:pos x="connsiteX3" y="connsiteY3"/>
-                </a:cxn>
-                <a:cxn ang="0">
-                  <a:pos x="connsiteX4" y="connsiteY4"/>
-                </a:cxn>
-                <a:cxn ang="0">
-                  <a:pos x="connsiteX5" y="connsiteY5"/>
-                </a:cxn>
-              </a:cxnLst>
-              <a:rect l="l" t="t" r="r" b="b"/>
-              <a:pathLst>
-                <a:path w="50006" h="19050">
-                  <a:moveTo>
-                    <a:pt x="0" y="0"/>
-                  </a:moveTo>
-                  <a:lnTo>
-                    <a:pt x="0" y="0"/>
-                  </a:lnTo>
-                  <a:cubicBezTo>
-                    <a:pt x="7144" y="1587"/>
-                    <a:pt x="14489" y="2448"/>
-                    <a:pt x="21431" y="4762"/>
-                  </a:cubicBezTo>
-                  <a:cubicBezTo>
-                    <a:pt x="24146" y="5667"/>
-                    <a:pt x="26090" y="8105"/>
-                    <a:pt x="28575" y="9525"/>
-                  </a:cubicBezTo>
-                  <a:cubicBezTo>
-                    <a:pt x="31657" y="11286"/>
-                    <a:pt x="34837" y="12889"/>
-                    <a:pt x="38100" y="14287"/>
-                  </a:cubicBezTo>
-                  <a:cubicBezTo>
-                    <a:pt x="58672" y="23103"/>
-                    <a:pt x="34691" y="11391"/>
-                    <a:pt x="50006" y="19050"/>
-                  </a:cubicBezTo>
-                </a:path>
-              </a:pathLst>
-            </a:custGeom>
-            <a:solidFill>
-              <a:schemeClr val="bg1"/>
-            </a:solidFill>
-            <a:ln>
+          </p:grpSpPr>
+          <p:sp>
+            <p:nvSpPr>
+              <p:cNvPr id="58" name="Flowchart: Connector 57"/>
+              <p:cNvSpPr/>
+              <p:nvPr/>
+            </p:nvSpPr>
+            <p:spPr>
+              <a:xfrm rot="19707452">
+                <a:off x="786804" y="1760533"/>
+                <a:ext cx="220662" cy="220662"/>
+              </a:xfrm>
+              <a:prstGeom prst="flowChartConnector">
+                <a:avLst/>
+              </a:prstGeom>
               <a:solidFill>
-                <a:schemeClr val="bg1">
-                  <a:lumMod val="65000"/>
+                <a:schemeClr val="bg1"/>
+              </a:solidFill>
+              <a:ln>
+                <a:solidFill>
+                  <a:schemeClr val="bg1">
+                    <a:lumMod val="65000"/>
+                  </a:schemeClr>
+                </a:solidFill>
+              </a:ln>
+            </p:spPr>
+            <p:style>
+              <a:lnRef idx="2">
+                <a:schemeClr val="accent1">
+                  <a:shade val="50000"/>
                 </a:schemeClr>
+              </a:lnRef>
+              <a:fillRef idx="1">
+                <a:schemeClr val="accent1"/>
+              </a:fillRef>
+              <a:effectRef idx="0">
+                <a:schemeClr val="accent1"/>
+              </a:effectRef>
+              <a:fontRef idx="minor">
+                <a:schemeClr val="lt1"/>
+              </a:fontRef>
+            </p:style>
+            <p:txBody>
+              <a:bodyPr rtlCol="0" anchor="ctr"/>
+              <a:lstStyle/>
+              <a:p>
+                <a:pPr algn="ctr"/>
+                <a:endParaRPr lang="en-SG"/>
+              </a:p>
+            </p:txBody>
+          </p:sp>
+          <p:sp>
+            <p:nvSpPr>
+              <p:cNvPr id="60" name="Freeform 59"/>
+              <p:cNvSpPr/>
+              <p:nvPr/>
+            </p:nvSpPr>
+            <p:spPr>
+              <a:xfrm rot="19707452">
+                <a:off x="1004721" y="1849632"/>
+                <a:ext cx="50006" cy="19050"/>
+              </a:xfrm>
+              <a:custGeom>
+                <a:avLst/>
+                <a:gdLst>
+                  <a:gd name="connsiteX0" fmla="*/ 0 w 50006"/>
+                  <a:gd name="connsiteY0" fmla="*/ 0 h 19050"/>
+                  <a:gd name="connsiteX1" fmla="*/ 0 w 50006"/>
+                  <a:gd name="connsiteY1" fmla="*/ 0 h 19050"/>
+                  <a:gd name="connsiteX2" fmla="*/ 21431 w 50006"/>
+                  <a:gd name="connsiteY2" fmla="*/ 4762 h 19050"/>
+                  <a:gd name="connsiteX3" fmla="*/ 28575 w 50006"/>
+                  <a:gd name="connsiteY3" fmla="*/ 9525 h 19050"/>
+                  <a:gd name="connsiteX4" fmla="*/ 38100 w 50006"/>
+                  <a:gd name="connsiteY4" fmla="*/ 14287 h 19050"/>
+                  <a:gd name="connsiteX5" fmla="*/ 50006 w 50006"/>
+                  <a:gd name="connsiteY5" fmla="*/ 19050 h 19050"/>
+                </a:gdLst>
+                <a:ahLst/>
+                <a:cxnLst>
+                  <a:cxn ang="0">
+                    <a:pos x="connsiteX0" y="connsiteY0"/>
+                  </a:cxn>
+                  <a:cxn ang="0">
+                    <a:pos x="connsiteX1" y="connsiteY1"/>
+                  </a:cxn>
+                  <a:cxn ang="0">
+                    <a:pos x="connsiteX2" y="connsiteY2"/>
+                  </a:cxn>
+                  <a:cxn ang="0">
+                    <a:pos x="connsiteX3" y="connsiteY3"/>
+                  </a:cxn>
+                  <a:cxn ang="0">
+                    <a:pos x="connsiteX4" y="connsiteY4"/>
+                  </a:cxn>
+                  <a:cxn ang="0">
+                    <a:pos x="connsiteX5" y="connsiteY5"/>
+                  </a:cxn>
+                </a:cxnLst>
+                <a:rect l="l" t="t" r="r" b="b"/>
+                <a:pathLst>
+                  <a:path w="50006" h="19050">
+                    <a:moveTo>
+                      <a:pt x="0" y="0"/>
+                    </a:moveTo>
+                    <a:lnTo>
+                      <a:pt x="0" y="0"/>
+                    </a:lnTo>
+                    <a:cubicBezTo>
+                      <a:pt x="7144" y="1587"/>
+                      <a:pt x="14489" y="2448"/>
+                      <a:pt x="21431" y="4762"/>
+                    </a:cubicBezTo>
+                    <a:cubicBezTo>
+                      <a:pt x="24146" y="5667"/>
+                      <a:pt x="26090" y="8105"/>
+                      <a:pt x="28575" y="9525"/>
+                    </a:cubicBezTo>
+                    <a:cubicBezTo>
+                      <a:pt x="31657" y="11286"/>
+                      <a:pt x="34837" y="12889"/>
+                      <a:pt x="38100" y="14287"/>
+                    </a:cubicBezTo>
+                    <a:cubicBezTo>
+                      <a:pt x="58672" y="23103"/>
+                      <a:pt x="34691" y="11391"/>
+                      <a:pt x="50006" y="19050"/>
+                    </a:cubicBezTo>
+                  </a:path>
+                </a:pathLst>
+              </a:custGeom>
+              <a:solidFill>
+                <a:schemeClr val="bg1"/>
               </a:solidFill>
-            </a:ln>
-          </p:spPr>
-          <p:style>
-            <a:lnRef idx="2">
-              <a:schemeClr val="accent1">
-                <a:shade val="50000"/>
-              </a:schemeClr>
-            </a:lnRef>
-            <a:fillRef idx="1">
-              <a:schemeClr val="accent1"/>
-            </a:fillRef>
-            <a:effectRef idx="0">
-              <a:schemeClr val="accent1"/>
-            </a:effectRef>
-            <a:fontRef idx="minor">
-              <a:schemeClr val="lt1"/>
-            </a:fontRef>
-          </p:style>
-          <p:txBody>
-            <a:bodyPr rtlCol="0" anchor="ctr"/>
-            <a:lstStyle/>
-            <a:p>
-              <a:pPr algn="ctr"/>
-              <a:endParaRPr lang="en-SG"/>
-            </a:p>
-          </p:txBody>
-        </p:sp>
-        <p:sp>
-          <p:nvSpPr>
-            <p:cNvPr id="61" name="Flowchart: Connector 60"/>
-            <p:cNvSpPr/>
-            <p:nvPr/>
-          </p:nvSpPr>
-          <p:spPr>
-            <a:xfrm rot="19707452" flipH="1">
-              <a:off x="896667" y="1807272"/>
-              <a:ext cx="45719" cy="45719"/>
-            </a:xfrm>
-            <a:prstGeom prst="flowChartConnector">
-              <a:avLst/>
-            </a:prstGeom>
-            <a:solidFill>
-              <a:schemeClr val="bg1"/>
-            </a:solidFill>
-            <a:ln>
+              <a:ln>
+                <a:solidFill>
+                  <a:schemeClr val="bg1">
+                    <a:lumMod val="65000"/>
+                  </a:schemeClr>
+                </a:solidFill>
+              </a:ln>
+            </p:spPr>
+            <p:style>
+              <a:lnRef idx="2">
+                <a:schemeClr val="accent1">
+                  <a:shade val="50000"/>
+                </a:schemeClr>
+              </a:lnRef>
+              <a:fillRef idx="1">
+                <a:schemeClr val="accent1"/>
+              </a:fillRef>
+              <a:effectRef idx="0">
+                <a:schemeClr val="accent1"/>
+              </a:effectRef>
+              <a:fontRef idx="minor">
+                <a:schemeClr val="lt1"/>
+              </a:fontRef>
+            </p:style>
+            <p:txBody>
+              <a:bodyPr rtlCol="0" anchor="ctr"/>
+              <a:lstStyle/>
+              <a:p>
+                <a:pPr algn="ctr"/>
+                <a:endParaRPr lang="en-SG"/>
+              </a:p>
+            </p:txBody>
+          </p:sp>
+          <p:sp>
+            <p:nvSpPr>
+              <p:cNvPr id="61" name="Flowchart: Connector 60"/>
+              <p:cNvSpPr/>
+              <p:nvPr/>
+            </p:nvSpPr>
+            <p:spPr>
+              <a:xfrm rot="19707452" flipH="1">
+                <a:off x="896667" y="1807272"/>
+                <a:ext cx="45719" cy="45719"/>
+              </a:xfrm>
+              <a:prstGeom prst="flowChartConnector">
+                <a:avLst/>
+              </a:prstGeom>
               <a:solidFill>
-                <a:schemeClr val="bg1">
-                  <a:lumMod val="65000"/>
+                <a:schemeClr val="bg1"/>
+              </a:solidFill>
+              <a:ln>
+                <a:solidFill>
+                  <a:schemeClr val="bg1">
+                    <a:lumMod val="65000"/>
+                  </a:schemeClr>
+                </a:solidFill>
+              </a:ln>
+            </p:spPr>
+            <p:style>
+              <a:lnRef idx="2">
+                <a:schemeClr val="accent1">
+                  <a:shade val="50000"/>
                 </a:schemeClr>
-              </a:solidFill>
-            </a:ln>
-          </p:spPr>
-          <p:style>
-            <a:lnRef idx="2">
-              <a:schemeClr val="accent1">
-                <a:shade val="50000"/>
-              </a:schemeClr>
-            </a:lnRef>
-            <a:fillRef idx="1">
-              <a:schemeClr val="accent1"/>
-            </a:fillRef>
-            <a:effectRef idx="0">
-              <a:schemeClr val="accent1"/>
-            </a:effectRef>
-            <a:fontRef idx="minor">
-              <a:schemeClr val="lt1"/>
-            </a:fontRef>
-          </p:style>
-          <p:txBody>
-            <a:bodyPr rtlCol="0" anchor="ctr"/>
-            <a:lstStyle/>
-            <a:p>
-              <a:pPr algn="ctr"/>
-              <a:endParaRPr lang="en-SG"/>
-            </a:p>
-          </p:txBody>
-        </p:sp>
+              </a:lnRef>
+              <a:fillRef idx="1">
+                <a:schemeClr val="accent1"/>
+              </a:fillRef>
+              <a:effectRef idx="0">
+                <a:schemeClr val="accent1"/>
+              </a:effectRef>
+              <a:fontRef idx="minor">
+                <a:schemeClr val="lt1"/>
+              </a:fontRef>
+            </p:style>
+            <p:txBody>
+              <a:bodyPr rtlCol="0" anchor="ctr"/>
+              <a:lstStyle/>
+              <a:p>
+                <a:pPr algn="ctr"/>
+                <a:endParaRPr lang="en-SG"/>
+              </a:p>
+            </p:txBody>
+          </p:sp>
+        </p:grpSp>
       </p:grpSp>
       <p:sp>
         <p:nvSpPr>
@@ -7330,6 +7334,12 @@
     </p:tnLst>
   </p:timing>
 </p:sld>
+</file>
+
+<file path=ppt/tags/tag1.xml><?xml version="1.0" encoding="utf-8"?>
+<p:tagLst xmlns:a="http://schemas.openxmlformats.org/drawingml/2006/main" xmlns:r="http://schemas.openxmlformats.org/officeDocument/2006/relationships" xmlns:p="http://schemas.openxmlformats.org/presentationml/2006/main">
+  <p:tag name="ARTICULATE_PROJECT_OPEN" val="0"/>
+</p:tagLst>
 </file>
 
 <file path=ppt/theme/theme1.xml><?xml version="1.0" encoding="utf-8"?>

--- a/doc/mockups/homepage image.pptx
+++ b/doc/mockups/homepage image.pptx
@@ -1,6 +1,6 @@
 
 <file path=ppt/presentation.xml><?xml version="1.0" encoding="utf-8"?>
-<p:presentation xmlns:a="http://schemas.openxmlformats.org/drawingml/2006/main" xmlns:r="http://schemas.openxmlformats.org/officeDocument/2006/relationships" xmlns:p="http://schemas.openxmlformats.org/presentationml/2006/main" embedTrueTypeFonts="1">
+<p:presentation xmlns:a="http://schemas.openxmlformats.org/drawingml/2006/main" xmlns:r="http://schemas.openxmlformats.org/officeDocument/2006/relationships" xmlns:p="http://schemas.openxmlformats.org/presentationml/2006/main" saveSubsetFonts="1">
   <p:sldMasterIdLst>
     <p:sldMasterId id="2147483648" r:id="rId1"/>
   </p:sldMasterIdLst>
@@ -12,17 +12,8 @@
   </p:sldIdLst>
   <p:sldSz cx="7740650" cy="2879725"/>
   <p:notesSz cx="6858000" cy="9144000"/>
-  <p:embeddedFontLst>
-    <p:embeddedFont>
-      <p:font typeface="Calibri" pitchFamily="34" charset="0"/>
-      <p:regular r:id="rId4"/>
-      <p:bold r:id="rId5"/>
-      <p:italic r:id="rId6"/>
-      <p:boldItalic r:id="rId7"/>
-    </p:embeddedFont>
-  </p:embeddedFontLst>
   <p:custDataLst>
-    <p:tags r:id="rId8"/>
+    <p:tags r:id="rId4"/>
   </p:custDataLst>
   <p:defaultTextStyle>
     <a:defPPr>
@@ -204,7 +195,7 @@
           <a:p>
             <a:fld id="{A4537E34-E1A6-4BBF-AF99-84C669929841}" type="datetimeFigureOut">
               <a:rPr lang="en-SG" smtClean="0"/>
-              <a:t>20/3/2013</a:t>
+              <a:t>21/3/2013</a:t>
             </a:fld>
             <a:endParaRPr lang="en-SG"/>
           </a:p>
@@ -738,7 +729,7 @@
             <a:fld id="{1D8BD707-D9CF-40AE-B4C6-C98DA3205C09}" type="datetimeFigureOut">
               <a:rPr lang="en-US" smtClean="0"/>
               <a:pPr/>
-              <a:t>3/20/2013</a:t>
+              <a:t>3/21/2013</a:t>
             </a:fld>
             <a:endParaRPr lang="en-US"/>
           </a:p>
@@ -905,7 +896,7 @@
             <a:fld id="{1D8BD707-D9CF-40AE-B4C6-C98DA3205C09}" type="datetimeFigureOut">
               <a:rPr lang="en-US" smtClean="0"/>
               <a:pPr/>
-              <a:t>3/20/2013</a:t>
+              <a:t>3/21/2013</a:t>
             </a:fld>
             <a:endParaRPr lang="en-US"/>
           </a:p>
@@ -1082,7 +1073,7 @@
             <a:fld id="{1D8BD707-D9CF-40AE-B4C6-C98DA3205C09}" type="datetimeFigureOut">
               <a:rPr lang="en-US" smtClean="0"/>
               <a:pPr/>
-              <a:t>3/20/2013</a:t>
+              <a:t>3/21/2013</a:t>
             </a:fld>
             <a:endParaRPr lang="en-US"/>
           </a:p>
@@ -1249,7 +1240,7 @@
             <a:fld id="{1D8BD707-D9CF-40AE-B4C6-C98DA3205C09}" type="datetimeFigureOut">
               <a:rPr lang="en-US" smtClean="0"/>
               <a:pPr/>
-              <a:t>3/20/2013</a:t>
+              <a:t>3/21/2013</a:t>
             </a:fld>
             <a:endParaRPr lang="en-US"/>
           </a:p>
@@ -1492,7 +1483,7 @@
             <a:fld id="{1D8BD707-D9CF-40AE-B4C6-C98DA3205C09}" type="datetimeFigureOut">
               <a:rPr lang="en-US" smtClean="0"/>
               <a:pPr/>
-              <a:t>3/20/2013</a:t>
+              <a:t>3/21/2013</a:t>
             </a:fld>
             <a:endParaRPr lang="en-US"/>
           </a:p>
@@ -1777,7 +1768,7 @@
             <a:fld id="{1D8BD707-D9CF-40AE-B4C6-C98DA3205C09}" type="datetimeFigureOut">
               <a:rPr lang="en-US" smtClean="0"/>
               <a:pPr/>
-              <a:t>3/20/2013</a:t>
+              <a:t>3/21/2013</a:t>
             </a:fld>
             <a:endParaRPr lang="en-US"/>
           </a:p>
@@ -2196,7 +2187,7 @@
             <a:fld id="{1D8BD707-D9CF-40AE-B4C6-C98DA3205C09}" type="datetimeFigureOut">
               <a:rPr lang="en-US" smtClean="0"/>
               <a:pPr/>
-              <a:t>3/20/2013</a:t>
+              <a:t>3/21/2013</a:t>
             </a:fld>
             <a:endParaRPr lang="en-US"/>
           </a:p>
@@ -2311,7 +2302,7 @@
             <a:fld id="{1D8BD707-D9CF-40AE-B4C6-C98DA3205C09}" type="datetimeFigureOut">
               <a:rPr lang="en-US" smtClean="0"/>
               <a:pPr/>
-              <a:t>3/20/2013</a:t>
+              <a:t>3/21/2013</a:t>
             </a:fld>
             <a:endParaRPr lang="en-US"/>
           </a:p>
@@ -2403,7 +2394,7 @@
             <a:fld id="{1D8BD707-D9CF-40AE-B4C6-C98DA3205C09}" type="datetimeFigureOut">
               <a:rPr lang="en-US" smtClean="0"/>
               <a:pPr/>
-              <a:t>3/20/2013</a:t>
+              <a:t>3/21/2013</a:t>
             </a:fld>
             <a:endParaRPr lang="en-US"/>
           </a:p>
@@ -2677,7 +2668,7 @@
             <a:fld id="{1D8BD707-D9CF-40AE-B4C6-C98DA3205C09}" type="datetimeFigureOut">
               <a:rPr lang="en-US" smtClean="0"/>
               <a:pPr/>
-              <a:t>3/20/2013</a:t>
+              <a:t>3/21/2013</a:t>
             </a:fld>
             <a:endParaRPr lang="en-US"/>
           </a:p>
@@ -2927,7 +2918,7 @@
             <a:fld id="{1D8BD707-D9CF-40AE-B4C6-C98DA3205C09}" type="datetimeFigureOut">
               <a:rPr lang="en-US" smtClean="0"/>
               <a:pPr/>
-              <a:t>3/20/2013</a:t>
+              <a:t>3/21/2013</a:t>
             </a:fld>
             <a:endParaRPr lang="en-US"/>
           </a:p>
@@ -3137,7 +3128,7 @@
             <a:fld id="{1D8BD707-D9CF-40AE-B4C6-C98DA3205C09}" type="datetimeFigureOut">
               <a:rPr lang="en-US" smtClean="0"/>
               <a:pPr/>
-              <a:t>3/20/2013</a:t>
+              <a:t>3/21/2013</a:t>
             </a:fld>
             <a:endParaRPr lang="en-US"/>
           </a:p>
@@ -3508,6 +3499,58 @@
           <a:chExt cx="0" cy="0"/>
         </a:xfrm>
       </p:grpSpPr>
+      <p:sp>
+        <p:nvSpPr>
+          <p:cNvPr id="23" name="Rounded Rectangle 22"/>
+          <p:cNvSpPr/>
+          <p:nvPr/>
+        </p:nvSpPr>
+        <p:spPr>
+          <a:xfrm>
+            <a:off x="136525" y="166476"/>
+            <a:ext cx="2117725" cy="2584344"/>
+          </a:xfrm>
+          <a:prstGeom prst="roundRect">
+            <a:avLst>
+              <a:gd name="adj" fmla="val 7667"/>
+            </a:avLst>
+          </a:prstGeom>
+          <a:noFill/>
+          <a:ln w="107950">
+            <a:solidFill>
+              <a:schemeClr val="accent6">
+                <a:lumMod val="60000"/>
+                <a:lumOff val="40000"/>
+              </a:schemeClr>
+            </a:solidFill>
+          </a:ln>
+          <a:effectLst/>
+        </p:spPr>
+        <p:style>
+          <a:lnRef idx="2">
+            <a:schemeClr val="accent1">
+              <a:shade val="50000"/>
+            </a:schemeClr>
+          </a:lnRef>
+          <a:fillRef idx="1">
+            <a:schemeClr val="accent1"/>
+          </a:fillRef>
+          <a:effectRef idx="0">
+            <a:schemeClr val="accent1"/>
+          </a:effectRef>
+          <a:fontRef idx="minor">
+            <a:schemeClr val="lt1"/>
+          </a:fontRef>
+        </p:style>
+        <p:txBody>
+          <a:bodyPr rtlCol="0" anchor="ctr"/>
+          <a:lstStyle/>
+          <a:p>
+            <a:pPr algn="ctr"/>
+            <a:endParaRPr lang="en-US"/>
+          </a:p>
+        </p:txBody>
+      </p:sp>
       <p:sp>
         <p:nvSpPr>
           <p:cNvPr id="31" name="Flowchart: Delay 30"/>
@@ -4235,69 +4278,13 @@
           <a:noFill/>
           <a:ln w="107950">
             <a:solidFill>
-              <a:schemeClr val="accent1">
-                <a:lumMod val="20000"/>
-                <a:lumOff val="80000"/>
+              <a:schemeClr val="tx2">
+                <a:lumMod val="40000"/>
+                <a:lumOff val="60000"/>
               </a:schemeClr>
             </a:solidFill>
           </a:ln>
-          <a:effectLst>
-            <a:softEdge rad="31750"/>
-          </a:effectLst>
-        </p:spPr>
-        <p:style>
-          <a:lnRef idx="2">
-            <a:schemeClr val="accent1">
-              <a:shade val="50000"/>
-            </a:schemeClr>
-          </a:lnRef>
-          <a:fillRef idx="1">
-            <a:schemeClr val="accent1"/>
-          </a:fillRef>
-          <a:effectRef idx="0">
-            <a:schemeClr val="accent1"/>
-          </a:effectRef>
-          <a:fontRef idx="minor">
-            <a:schemeClr val="lt1"/>
-          </a:fontRef>
-        </p:style>
-        <p:txBody>
-          <a:bodyPr rtlCol="0" anchor="ctr"/>
-          <a:lstStyle/>
-          <a:p>
-            <a:pPr algn="ctr"/>
-            <a:endParaRPr lang="en-US"/>
-          </a:p>
-        </p:txBody>
-      </p:sp>
-      <p:sp>
-        <p:nvSpPr>
-          <p:cNvPr id="23" name="Rounded Rectangle 22"/>
-          <p:cNvSpPr/>
-          <p:nvPr/>
-        </p:nvSpPr>
-        <p:spPr>
-          <a:xfrm>
-            <a:off x="136525" y="166476"/>
-            <a:ext cx="2117725" cy="2584344"/>
-          </a:xfrm>
-          <a:prstGeom prst="roundRect">
-            <a:avLst>
-              <a:gd name="adj" fmla="val 7667"/>
-            </a:avLst>
-          </a:prstGeom>
-          <a:noFill/>
-          <a:ln w="107950">
-            <a:solidFill>
-              <a:schemeClr val="accent6">
-                <a:lumMod val="20000"/>
-                <a:lumOff val="80000"/>
-              </a:schemeClr>
-            </a:solidFill>
-          </a:ln>
-          <a:effectLst>
-            <a:softEdge rad="31750"/>
-          </a:effectLst>
+          <a:effectLst/>
         </p:spPr>
         <p:style>
           <a:lnRef idx="2">
@@ -4384,8 +4371,8 @@
         </p:nvSpPr>
         <p:spPr>
           <a:xfrm rot="3148928">
-            <a:off x="3750367" y="1837621"/>
-            <a:ext cx="650104" cy="899883"/>
+            <a:off x="3703148" y="1794751"/>
+            <a:ext cx="650104" cy="1018950"/>
           </a:xfrm>
           <a:prstGeom prst="triangle">
             <a:avLst>
@@ -4396,6 +4383,7 @@
             <a:schemeClr val="accent6">
               <a:lumMod val="40000"/>
               <a:lumOff val="60000"/>
+              <a:alpha val="65000"/>
             </a:schemeClr>
           </a:solidFill>
           <a:ln>
@@ -4435,7 +4423,7 @@
         </p:nvSpPr>
         <p:spPr>
           <a:xfrm rot="4843798">
-            <a:off x="3307100" y="1214943"/>
+            <a:off x="3307100" y="1195350"/>
             <a:ext cx="672349" cy="1283148"/>
           </a:xfrm>
           <a:prstGeom prst="triangle">
@@ -4445,6 +4433,7 @@
             <a:schemeClr val="accent6">
               <a:lumMod val="40000"/>
               <a:lumOff val="60000"/>
+              <a:alpha val="65000"/>
             </a:schemeClr>
           </a:solidFill>
           <a:ln>
@@ -4582,7 +4571,7 @@
           </a:bodyPr>
           <a:lstStyle/>
           <a:p>
-            <a:pPr algn="ctr"/>
+            <a:pPr algn="r"/>
             <a:r>
               <a:rPr lang="en-US" sz="1100" dirty="0" smtClean="0">
                 <a:solidFill>
@@ -4716,7 +4705,7 @@
         </p:nvSpPr>
         <p:spPr>
           <a:xfrm>
-            <a:off x="5767678" y="1822729"/>
+            <a:off x="5767678" y="2049462"/>
             <a:ext cx="1371600" cy="457200"/>
           </a:xfrm>
           <a:prstGeom prst="roundRect">
@@ -4780,14 +4769,12 @@
           <a:ln w="107950">
             <a:solidFill>
               <a:schemeClr val="accent6">
-                <a:lumMod val="20000"/>
-                <a:lumOff val="80000"/>
+                <a:lumMod val="60000"/>
+                <a:lumOff val="40000"/>
               </a:schemeClr>
             </a:solidFill>
           </a:ln>
-          <a:effectLst>
-            <a:softEdge rad="31750"/>
-          </a:effectLst>
+          <a:effectLst/>
         </p:spPr>
         <p:style>
           <a:lnRef idx="2">
@@ -5396,7 +5383,7 @@
         </p:nvSpPr>
         <p:spPr>
           <a:xfrm rot="5400000" flipH="1">
-            <a:off x="4290496" y="1819658"/>
+            <a:off x="4290496" y="1800065"/>
             <a:ext cx="280353" cy="298983"/>
           </a:xfrm>
           <a:prstGeom prst="flowChartDelay">
@@ -5446,7 +5433,7 @@
         </p:nvGrpSpPr>
         <p:grpSpPr>
           <a:xfrm rot="3372795">
-            <a:off x="4286547" y="1588795"/>
+            <a:off x="4286547" y="1569202"/>
             <a:ext cx="254457" cy="220662"/>
             <a:chOff x="4335990" y="1588795"/>
             <a:chExt cx="254457" cy="220662"/>
@@ -5677,7 +5664,7 @@
         </p:nvSpPr>
         <p:spPr>
           <a:xfrm rot="5400000" flipH="1">
-            <a:off x="3732363" y="2369394"/>
+            <a:off x="3732363" y="2349801"/>
             <a:ext cx="280353" cy="298983"/>
           </a:xfrm>
           <a:prstGeom prst="flowChartDelay">
@@ -5727,7 +5714,7 @@
         </p:nvGrpSpPr>
         <p:grpSpPr>
           <a:xfrm rot="2886978">
-            <a:off x="3728414" y="2144246"/>
+            <a:off x="3728414" y="2124653"/>
             <a:ext cx="254457" cy="220662"/>
             <a:chOff x="3791084" y="2070419"/>
             <a:chExt cx="254457" cy="220662"/>
@@ -5958,7 +5945,7 @@
         </p:nvSpPr>
         <p:spPr>
           <a:xfrm rot="16200000">
-            <a:off x="3193840" y="2006887"/>
+            <a:off x="3193840" y="1987294"/>
             <a:ext cx="280353" cy="298983"/>
           </a:xfrm>
           <a:prstGeom prst="flowChartDelay">
@@ -6008,7 +5995,7 @@
         </p:nvGrpSpPr>
         <p:grpSpPr>
           <a:xfrm rot="1483511">
-            <a:off x="3226182" y="1790579"/>
+            <a:off x="3226182" y="1770986"/>
             <a:ext cx="267922" cy="220662"/>
             <a:chOff x="786805" y="1760534"/>
             <a:chExt cx="267922" cy="220662"/>
@@ -6520,7 +6507,7 @@
         </p:nvSpPr>
         <p:spPr>
           <a:xfrm rot="16200000">
-            <a:off x="6851720" y="954795"/>
+            <a:off x="6845012" y="862936"/>
             <a:ext cx="280353" cy="298983"/>
           </a:xfrm>
           <a:prstGeom prst="flowChartDelay">
@@ -6563,7 +6550,7 @@
         </p:nvSpPr>
         <p:spPr>
           <a:xfrm rot="326821">
-            <a:off x="6940759" y="967464"/>
+            <a:off x="6934051" y="875605"/>
             <a:ext cx="102393" cy="235744"/>
           </a:xfrm>
           <a:custGeom>
@@ -6657,7 +6644,7 @@
         </p:nvSpPr>
         <p:spPr>
           <a:xfrm rot="11865946">
-            <a:off x="6914554" y="729088"/>
+            <a:off x="6907846" y="637229"/>
             <a:ext cx="220662" cy="220662"/>
           </a:xfrm>
           <a:prstGeom prst="flowChartConnector">
@@ -6700,7 +6687,7 @@
         </p:nvSpPr>
         <p:spPr>
           <a:xfrm rot="11865946">
-            <a:off x="6904559" y="736995"/>
+            <a:off x="6897851" y="645136"/>
             <a:ext cx="50006" cy="19050"/>
           </a:xfrm>
           <a:custGeom>
@@ -6809,7 +6796,7 @@
         </p:nvSpPr>
         <p:spPr>
           <a:xfrm rot="11865946">
-            <a:off x="7031245" y="783890"/>
+            <a:off x="7024537" y="692031"/>
             <a:ext cx="45719" cy="45719"/>
           </a:xfrm>
           <a:prstGeom prst="flowChartConnector">
@@ -7202,8 +7189,8 @@
         </p:nvSpPr>
         <p:spPr>
           <a:xfrm>
-            <a:off x="797728" y="989315"/>
-            <a:ext cx="982980" cy="726012"/>
+            <a:off x="797728" y="989167"/>
+            <a:ext cx="975836" cy="726159"/>
           </a:xfrm>
           <a:custGeom>
             <a:avLst/>
@@ -7240,6 +7227,30 @@
               <a:gd name="connsiteY2" fmla="*/ 194517 h 726012"/>
               <a:gd name="connsiteX3" fmla="*/ 0 w 982980"/>
               <a:gd name="connsiteY3" fmla="*/ 726012 h 726012"/>
+              <a:gd name="connsiteX0" fmla="*/ 982980 w 982980"/>
+              <a:gd name="connsiteY0" fmla="*/ 206475 h 709395"/>
+              <a:gd name="connsiteX1" fmla="*/ 546259 w 982980"/>
+              <a:gd name="connsiteY1" fmla="*/ 258 h 709395"/>
+              <a:gd name="connsiteX2" fmla="*/ 217170 w 982980"/>
+              <a:gd name="connsiteY2" fmla="*/ 177900 h 709395"/>
+              <a:gd name="connsiteX3" fmla="*/ 0 w 982980"/>
+              <a:gd name="connsiteY3" fmla="*/ 709395 h 709395"/>
+              <a:gd name="connsiteX0" fmla="*/ 975836 w 975836"/>
+              <a:gd name="connsiteY0" fmla="*/ 216179 h 709574"/>
+              <a:gd name="connsiteX1" fmla="*/ 546259 w 975836"/>
+              <a:gd name="connsiteY1" fmla="*/ 437 h 709574"/>
+              <a:gd name="connsiteX2" fmla="*/ 217170 w 975836"/>
+              <a:gd name="connsiteY2" fmla="*/ 178079 h 709574"/>
+              <a:gd name="connsiteX3" fmla="*/ 0 w 975836"/>
+              <a:gd name="connsiteY3" fmla="*/ 709574 h 709574"/>
+              <a:gd name="connsiteX0" fmla="*/ 975836 w 975836"/>
+              <a:gd name="connsiteY0" fmla="*/ 232764 h 726159"/>
+              <a:gd name="connsiteX1" fmla="*/ 577216 w 975836"/>
+              <a:gd name="connsiteY1" fmla="*/ 353 h 726159"/>
+              <a:gd name="connsiteX2" fmla="*/ 217170 w 975836"/>
+              <a:gd name="connsiteY2" fmla="*/ 194664 h 726159"/>
+              <a:gd name="connsiteX3" fmla="*/ 0 w 975836"/>
+              <a:gd name="connsiteY3" fmla="*/ 726159 h 726159"/>
             </a:gdLst>
             <a:ahLst/>
             <a:cxnLst>
@@ -7258,24 +7269,24 @@
             </a:cxnLst>
             <a:rect l="l" t="t" r="r" b="b"/>
             <a:pathLst>
-              <a:path w="982980" h="726012">
+              <a:path w="975836" h="726159">
                 <a:moveTo>
-                  <a:pt x="982980" y="223092"/>
+                  <a:pt x="975836" y="232764"/>
                 </a:moveTo>
                 <a:cubicBezTo>
-                  <a:pt x="929640" y="132128"/>
-                  <a:pt x="676275" y="4969"/>
-                  <a:pt x="548640" y="207"/>
+                  <a:pt x="922496" y="141800"/>
+                  <a:pt x="703660" y="6703"/>
+                  <a:pt x="577216" y="353"/>
                 </a:cubicBezTo>
                 <a:cubicBezTo>
-                  <a:pt x="421005" y="-4555"/>
-                  <a:pt x="308610" y="73550"/>
-                  <a:pt x="217170" y="194517"/>
+                  <a:pt x="450772" y="-5997"/>
+                  <a:pt x="308610" y="73697"/>
+                  <a:pt x="217170" y="194664"/>
                 </a:cubicBezTo>
                 <a:cubicBezTo>
-                  <a:pt x="125730" y="315484"/>
-                  <a:pt x="62865" y="495507"/>
-                  <a:pt x="0" y="726012"/>
+                  <a:pt x="125730" y="315631"/>
+                  <a:pt x="62865" y="495654"/>
+                  <a:pt x="0" y="726159"/>
                 </a:cubicBezTo>
               </a:path>
             </a:pathLst>
@@ -7316,6 +7327,3480 @@
           </a:p>
         </p:txBody>
       </p:sp>
+      <p:sp>
+        <p:nvSpPr>
+          <p:cNvPr id="6" name="Freeform 7"/>
+          <p:cNvSpPr>
+            <a:spLocks/>
+          </p:cNvSpPr>
+          <p:nvPr/>
+        </p:nvSpPr>
+        <p:spPr bwMode="auto">
+          <a:xfrm>
+            <a:off x="6311900" y="1476375"/>
+            <a:ext cx="177800" cy="258763"/>
+          </a:xfrm>
+          <a:custGeom>
+            <a:avLst/>
+            <a:gdLst>
+              <a:gd name="T0" fmla="*/ 475 w 900"/>
+              <a:gd name="T1" fmla="*/ 204 h 1469"/>
+              <a:gd name="T2" fmla="*/ 527 w 900"/>
+              <a:gd name="T3" fmla="*/ 239 h 1469"/>
+              <a:gd name="T4" fmla="*/ 573 w 900"/>
+              <a:gd name="T5" fmla="*/ 280 h 1469"/>
+              <a:gd name="T6" fmla="*/ 601 w 900"/>
+              <a:gd name="T7" fmla="*/ 330 h 1469"/>
+              <a:gd name="T8" fmla="*/ 604 w 900"/>
+              <a:gd name="T9" fmla="*/ 437 h 1469"/>
+              <a:gd name="T10" fmla="*/ 579 w 900"/>
+              <a:gd name="T11" fmla="*/ 589 h 1469"/>
+              <a:gd name="T12" fmla="*/ 540 w 900"/>
+              <a:gd name="T13" fmla="*/ 739 h 1469"/>
+              <a:gd name="T14" fmla="*/ 500 w 900"/>
+              <a:gd name="T15" fmla="*/ 891 h 1469"/>
+              <a:gd name="T16" fmla="*/ 474 w 900"/>
+              <a:gd name="T17" fmla="*/ 1077 h 1469"/>
+              <a:gd name="T18" fmla="*/ 469 w 900"/>
+              <a:gd name="T19" fmla="*/ 1362 h 1469"/>
+              <a:gd name="T20" fmla="*/ 476 w 900"/>
+              <a:gd name="T21" fmla="*/ 1469 h 1469"/>
+              <a:gd name="T22" fmla="*/ 505 w 900"/>
+              <a:gd name="T23" fmla="*/ 1467 h 1469"/>
+              <a:gd name="T24" fmla="*/ 555 w 900"/>
+              <a:gd name="T25" fmla="*/ 1462 h 1469"/>
+              <a:gd name="T26" fmla="*/ 617 w 900"/>
+              <a:gd name="T27" fmla="*/ 1454 h 1469"/>
+              <a:gd name="T28" fmla="*/ 685 w 900"/>
+              <a:gd name="T29" fmla="*/ 1444 h 1469"/>
+              <a:gd name="T30" fmla="*/ 748 w 900"/>
+              <a:gd name="T31" fmla="*/ 1429 h 1469"/>
+              <a:gd name="T32" fmla="*/ 801 w 900"/>
+              <a:gd name="T33" fmla="*/ 1410 h 1469"/>
+              <a:gd name="T34" fmla="*/ 833 w 900"/>
+              <a:gd name="T35" fmla="*/ 1388 h 1469"/>
+              <a:gd name="T36" fmla="*/ 863 w 900"/>
+              <a:gd name="T37" fmla="*/ 1204 h 1469"/>
+              <a:gd name="T38" fmla="*/ 894 w 900"/>
+              <a:gd name="T39" fmla="*/ 903 h 1469"/>
+              <a:gd name="T40" fmla="*/ 899 w 900"/>
+              <a:gd name="T41" fmla="*/ 640 h 1469"/>
+              <a:gd name="T42" fmla="*/ 871 w 900"/>
+              <a:gd name="T43" fmla="*/ 395 h 1469"/>
+              <a:gd name="T44" fmla="*/ 834 w 900"/>
+              <a:gd name="T45" fmla="*/ 248 h 1469"/>
+              <a:gd name="T46" fmla="*/ 803 w 900"/>
+              <a:gd name="T47" fmla="*/ 201 h 1469"/>
+              <a:gd name="T48" fmla="*/ 763 w 900"/>
+              <a:gd name="T49" fmla="*/ 159 h 1469"/>
+              <a:gd name="T50" fmla="*/ 718 w 900"/>
+              <a:gd name="T51" fmla="*/ 121 h 1469"/>
+              <a:gd name="T52" fmla="*/ 665 w 900"/>
+              <a:gd name="T53" fmla="*/ 86 h 1469"/>
+              <a:gd name="T54" fmla="*/ 611 w 900"/>
+              <a:gd name="T55" fmla="*/ 56 h 1469"/>
+              <a:gd name="T56" fmla="*/ 554 w 900"/>
+              <a:gd name="T57" fmla="*/ 31 h 1469"/>
+              <a:gd name="T58" fmla="*/ 497 w 900"/>
+              <a:gd name="T59" fmla="*/ 10 h 1469"/>
+              <a:gd name="T60" fmla="*/ 439 w 900"/>
+              <a:gd name="T61" fmla="*/ 0 h 1469"/>
+              <a:gd name="T62" fmla="*/ 371 w 900"/>
+              <a:gd name="T63" fmla="*/ 3 h 1469"/>
+              <a:gd name="T64" fmla="*/ 300 w 900"/>
+              <a:gd name="T65" fmla="*/ 11 h 1469"/>
+              <a:gd name="T66" fmla="*/ 228 w 900"/>
+              <a:gd name="T67" fmla="*/ 26 h 1469"/>
+              <a:gd name="T68" fmla="*/ 159 w 900"/>
+              <a:gd name="T69" fmla="*/ 50 h 1469"/>
+              <a:gd name="T70" fmla="*/ 97 w 900"/>
+              <a:gd name="T71" fmla="*/ 82 h 1469"/>
+              <a:gd name="T72" fmla="*/ 47 w 900"/>
+              <a:gd name="T73" fmla="*/ 124 h 1469"/>
+              <a:gd name="T74" fmla="*/ 12 w 900"/>
+              <a:gd name="T75" fmla="*/ 176 h 1469"/>
+              <a:gd name="T76" fmla="*/ 4 w 900"/>
+              <a:gd name="T77" fmla="*/ 206 h 1469"/>
+              <a:gd name="T78" fmla="*/ 29 w 900"/>
+              <a:gd name="T79" fmla="*/ 204 h 1469"/>
+              <a:gd name="T80" fmla="*/ 77 w 900"/>
+              <a:gd name="T81" fmla="*/ 199 h 1469"/>
+              <a:gd name="T82" fmla="*/ 140 w 900"/>
+              <a:gd name="T83" fmla="*/ 192 h 1469"/>
+              <a:gd name="T84" fmla="*/ 213 w 900"/>
+              <a:gd name="T85" fmla="*/ 185 h 1469"/>
+              <a:gd name="T86" fmla="*/ 288 w 900"/>
+              <a:gd name="T87" fmla="*/ 181 h 1469"/>
+              <a:gd name="T88" fmla="*/ 361 w 900"/>
+              <a:gd name="T89" fmla="*/ 180 h 1469"/>
+              <a:gd name="T90" fmla="*/ 424 w 900"/>
+              <a:gd name="T91" fmla="*/ 184 h 1469"/>
+            </a:gdLst>
+            <a:ahLst/>
+            <a:cxnLst>
+              <a:cxn ang="0">
+                <a:pos x="T0" y="T1"/>
+              </a:cxn>
+              <a:cxn ang="0">
+                <a:pos x="T2" y="T3"/>
+              </a:cxn>
+              <a:cxn ang="0">
+                <a:pos x="T4" y="T5"/>
+              </a:cxn>
+              <a:cxn ang="0">
+                <a:pos x="T6" y="T7"/>
+              </a:cxn>
+              <a:cxn ang="0">
+                <a:pos x="T8" y="T9"/>
+              </a:cxn>
+              <a:cxn ang="0">
+                <a:pos x="T10" y="T11"/>
+              </a:cxn>
+              <a:cxn ang="0">
+                <a:pos x="T12" y="T13"/>
+              </a:cxn>
+              <a:cxn ang="0">
+                <a:pos x="T14" y="T15"/>
+              </a:cxn>
+              <a:cxn ang="0">
+                <a:pos x="T16" y="T17"/>
+              </a:cxn>
+              <a:cxn ang="0">
+                <a:pos x="T18" y="T19"/>
+              </a:cxn>
+              <a:cxn ang="0">
+                <a:pos x="T20" y="T21"/>
+              </a:cxn>
+              <a:cxn ang="0">
+                <a:pos x="T22" y="T23"/>
+              </a:cxn>
+              <a:cxn ang="0">
+                <a:pos x="T24" y="T25"/>
+              </a:cxn>
+              <a:cxn ang="0">
+                <a:pos x="T26" y="T27"/>
+              </a:cxn>
+              <a:cxn ang="0">
+                <a:pos x="T28" y="T29"/>
+              </a:cxn>
+              <a:cxn ang="0">
+                <a:pos x="T30" y="T31"/>
+              </a:cxn>
+              <a:cxn ang="0">
+                <a:pos x="T32" y="T33"/>
+              </a:cxn>
+              <a:cxn ang="0">
+                <a:pos x="T34" y="T35"/>
+              </a:cxn>
+              <a:cxn ang="0">
+                <a:pos x="T36" y="T37"/>
+              </a:cxn>
+              <a:cxn ang="0">
+                <a:pos x="T38" y="T39"/>
+              </a:cxn>
+              <a:cxn ang="0">
+                <a:pos x="T40" y="T41"/>
+              </a:cxn>
+              <a:cxn ang="0">
+                <a:pos x="T42" y="T43"/>
+              </a:cxn>
+              <a:cxn ang="0">
+                <a:pos x="T44" y="T45"/>
+              </a:cxn>
+              <a:cxn ang="0">
+                <a:pos x="T46" y="T47"/>
+              </a:cxn>
+              <a:cxn ang="0">
+                <a:pos x="T48" y="T49"/>
+              </a:cxn>
+              <a:cxn ang="0">
+                <a:pos x="T50" y="T51"/>
+              </a:cxn>
+              <a:cxn ang="0">
+                <a:pos x="T52" y="T53"/>
+              </a:cxn>
+              <a:cxn ang="0">
+                <a:pos x="T54" y="T55"/>
+              </a:cxn>
+              <a:cxn ang="0">
+                <a:pos x="T56" y="T57"/>
+              </a:cxn>
+              <a:cxn ang="0">
+                <a:pos x="T58" y="T59"/>
+              </a:cxn>
+              <a:cxn ang="0">
+                <a:pos x="T60" y="T61"/>
+              </a:cxn>
+              <a:cxn ang="0">
+                <a:pos x="T62" y="T63"/>
+              </a:cxn>
+              <a:cxn ang="0">
+                <a:pos x="T64" y="T65"/>
+              </a:cxn>
+              <a:cxn ang="0">
+                <a:pos x="T66" y="T67"/>
+              </a:cxn>
+              <a:cxn ang="0">
+                <a:pos x="T68" y="T69"/>
+              </a:cxn>
+              <a:cxn ang="0">
+                <a:pos x="T70" y="T71"/>
+              </a:cxn>
+              <a:cxn ang="0">
+                <a:pos x="T72" y="T73"/>
+              </a:cxn>
+              <a:cxn ang="0">
+                <a:pos x="T74" y="T75"/>
+              </a:cxn>
+              <a:cxn ang="0">
+                <a:pos x="T76" y="T77"/>
+              </a:cxn>
+              <a:cxn ang="0">
+                <a:pos x="T78" y="T79"/>
+              </a:cxn>
+              <a:cxn ang="0">
+                <a:pos x="T80" y="T81"/>
+              </a:cxn>
+              <a:cxn ang="0">
+                <a:pos x="T82" y="T83"/>
+              </a:cxn>
+              <a:cxn ang="0">
+                <a:pos x="T84" y="T85"/>
+              </a:cxn>
+              <a:cxn ang="0">
+                <a:pos x="T86" y="T87"/>
+              </a:cxn>
+              <a:cxn ang="0">
+                <a:pos x="T88" y="T89"/>
+              </a:cxn>
+              <a:cxn ang="0">
+                <a:pos x="T90" y="T91"/>
+              </a:cxn>
+            </a:cxnLst>
+            <a:rect l="0" t="0" r="r" b="b"/>
+            <a:pathLst>
+              <a:path w="900" h="1469">
+                <a:moveTo>
+                  <a:pt x="450" y="188"/>
+                </a:moveTo>
+                <a:lnTo>
+                  <a:pt x="475" y="204"/>
+                </a:lnTo>
+                <a:lnTo>
+                  <a:pt x="502" y="221"/>
+                </a:lnTo>
+                <a:lnTo>
+                  <a:pt x="527" y="239"/>
+                </a:lnTo>
+                <a:lnTo>
+                  <a:pt x="552" y="258"/>
+                </a:lnTo>
+                <a:lnTo>
+                  <a:pt x="573" y="280"/>
+                </a:lnTo>
+                <a:lnTo>
+                  <a:pt x="590" y="303"/>
+                </a:lnTo>
+                <a:lnTo>
+                  <a:pt x="601" y="330"/>
+                </a:lnTo>
+                <a:lnTo>
+                  <a:pt x="606" y="359"/>
+                </a:lnTo>
+                <a:lnTo>
+                  <a:pt x="604" y="437"/>
+                </a:lnTo>
+                <a:lnTo>
+                  <a:pt x="593" y="514"/>
+                </a:lnTo>
+                <a:lnTo>
+                  <a:pt x="579" y="589"/>
+                </a:lnTo>
+                <a:lnTo>
+                  <a:pt x="560" y="664"/>
+                </a:lnTo>
+                <a:lnTo>
+                  <a:pt x="540" y="739"/>
+                </a:lnTo>
+                <a:lnTo>
+                  <a:pt x="519" y="815"/>
+                </a:lnTo>
+                <a:lnTo>
+                  <a:pt x="500" y="891"/>
+                </a:lnTo>
+                <a:lnTo>
+                  <a:pt x="484" y="969"/>
+                </a:lnTo>
+                <a:lnTo>
+                  <a:pt x="474" y="1077"/>
+                </a:lnTo>
+                <a:lnTo>
+                  <a:pt x="469" y="1220"/>
+                </a:lnTo>
+                <a:lnTo>
+                  <a:pt x="469" y="1362"/>
+                </a:lnTo>
+                <a:lnTo>
+                  <a:pt x="472" y="1469"/>
+                </a:lnTo>
+                <a:lnTo>
+                  <a:pt x="476" y="1469"/>
+                </a:lnTo>
+                <a:lnTo>
+                  <a:pt x="486" y="1468"/>
+                </a:lnTo>
+                <a:lnTo>
+                  <a:pt x="505" y="1467"/>
+                </a:lnTo>
+                <a:lnTo>
+                  <a:pt x="527" y="1465"/>
+                </a:lnTo>
+                <a:lnTo>
+                  <a:pt x="555" y="1462"/>
+                </a:lnTo>
+                <a:lnTo>
+                  <a:pt x="584" y="1459"/>
+                </a:lnTo>
+                <a:lnTo>
+                  <a:pt x="617" y="1454"/>
+                </a:lnTo>
+                <a:lnTo>
+                  <a:pt x="650" y="1449"/>
+                </a:lnTo>
+                <a:lnTo>
+                  <a:pt x="685" y="1444"/>
+                </a:lnTo>
+                <a:lnTo>
+                  <a:pt x="718" y="1436"/>
+                </a:lnTo>
+                <a:lnTo>
+                  <a:pt x="748" y="1429"/>
+                </a:lnTo>
+                <a:lnTo>
+                  <a:pt x="776" y="1421"/>
+                </a:lnTo>
+                <a:lnTo>
+                  <a:pt x="801" y="1410"/>
+                </a:lnTo>
+                <a:lnTo>
+                  <a:pt x="819" y="1400"/>
+                </a:lnTo>
+                <a:lnTo>
+                  <a:pt x="833" y="1388"/>
+                </a:lnTo>
+                <a:lnTo>
+                  <a:pt x="838" y="1374"/>
+                </a:lnTo>
+                <a:lnTo>
+                  <a:pt x="863" y="1204"/>
+                </a:lnTo>
+                <a:lnTo>
+                  <a:pt x="881" y="1048"/>
+                </a:lnTo>
+                <a:lnTo>
+                  <a:pt x="894" y="903"/>
+                </a:lnTo>
+                <a:lnTo>
+                  <a:pt x="900" y="769"/>
+                </a:lnTo>
+                <a:lnTo>
+                  <a:pt x="899" y="640"/>
+                </a:lnTo>
+                <a:lnTo>
+                  <a:pt x="888" y="517"/>
+                </a:lnTo>
+                <a:lnTo>
+                  <a:pt x="871" y="395"/>
+                </a:lnTo>
+                <a:lnTo>
+                  <a:pt x="845" y="273"/>
+                </a:lnTo>
+                <a:lnTo>
+                  <a:pt x="834" y="248"/>
+                </a:lnTo>
+                <a:lnTo>
+                  <a:pt x="819" y="224"/>
+                </a:lnTo>
+                <a:lnTo>
+                  <a:pt x="803" y="201"/>
+                </a:lnTo>
+                <a:lnTo>
+                  <a:pt x="784" y="180"/>
+                </a:lnTo>
+                <a:lnTo>
+                  <a:pt x="763" y="159"/>
+                </a:lnTo>
+                <a:lnTo>
+                  <a:pt x="741" y="139"/>
+                </a:lnTo>
+                <a:lnTo>
+                  <a:pt x="718" y="121"/>
+                </a:lnTo>
+                <a:lnTo>
+                  <a:pt x="691" y="103"/>
+                </a:lnTo>
+                <a:lnTo>
+                  <a:pt x="665" y="86"/>
+                </a:lnTo>
+                <a:lnTo>
+                  <a:pt x="638" y="71"/>
+                </a:lnTo>
+                <a:lnTo>
+                  <a:pt x="611" y="56"/>
+                </a:lnTo>
+                <a:lnTo>
+                  <a:pt x="582" y="43"/>
+                </a:lnTo>
+                <a:lnTo>
+                  <a:pt x="554" y="31"/>
+                </a:lnTo>
+                <a:lnTo>
+                  <a:pt x="525" y="20"/>
+                </a:lnTo>
+                <a:lnTo>
+                  <a:pt x="497" y="10"/>
+                </a:lnTo>
+                <a:lnTo>
+                  <a:pt x="469" y="1"/>
+                </a:lnTo>
+                <a:lnTo>
+                  <a:pt x="439" y="0"/>
+                </a:lnTo>
+                <a:lnTo>
+                  <a:pt x="406" y="0"/>
+                </a:lnTo>
+                <a:lnTo>
+                  <a:pt x="371" y="3"/>
+                </a:lnTo>
+                <a:lnTo>
+                  <a:pt x="336" y="6"/>
+                </a:lnTo>
+                <a:lnTo>
+                  <a:pt x="300" y="11"/>
+                </a:lnTo>
+                <a:lnTo>
+                  <a:pt x="263" y="17"/>
+                </a:lnTo>
+                <a:lnTo>
+                  <a:pt x="228" y="26"/>
+                </a:lnTo>
+                <a:lnTo>
+                  <a:pt x="193" y="37"/>
+                </a:lnTo>
+                <a:lnTo>
+                  <a:pt x="159" y="50"/>
+                </a:lnTo>
+                <a:lnTo>
+                  <a:pt x="127" y="65"/>
+                </a:lnTo>
+                <a:lnTo>
+                  <a:pt x="97" y="82"/>
+                </a:lnTo>
+                <a:lnTo>
+                  <a:pt x="71" y="102"/>
+                </a:lnTo>
+                <a:lnTo>
+                  <a:pt x="47" y="124"/>
+                </a:lnTo>
+                <a:lnTo>
+                  <a:pt x="26" y="148"/>
+                </a:lnTo>
+                <a:lnTo>
+                  <a:pt x="12" y="176"/>
+                </a:lnTo>
+                <a:lnTo>
+                  <a:pt x="0" y="206"/>
+                </a:lnTo>
+                <a:lnTo>
+                  <a:pt x="4" y="206"/>
+                </a:lnTo>
+                <a:lnTo>
+                  <a:pt x="13" y="206"/>
+                </a:lnTo>
+                <a:lnTo>
+                  <a:pt x="29" y="204"/>
+                </a:lnTo>
+                <a:lnTo>
+                  <a:pt x="50" y="202"/>
+                </a:lnTo>
+                <a:lnTo>
+                  <a:pt x="77" y="199"/>
+                </a:lnTo>
+                <a:lnTo>
+                  <a:pt x="107" y="196"/>
+                </a:lnTo>
+                <a:lnTo>
+                  <a:pt x="140" y="192"/>
+                </a:lnTo>
+                <a:lnTo>
+                  <a:pt x="176" y="188"/>
+                </a:lnTo>
+                <a:lnTo>
+                  <a:pt x="213" y="185"/>
+                </a:lnTo>
+                <a:lnTo>
+                  <a:pt x="251" y="183"/>
+                </a:lnTo>
+                <a:lnTo>
+                  <a:pt x="288" y="181"/>
+                </a:lnTo>
+                <a:lnTo>
+                  <a:pt x="325" y="180"/>
+                </a:lnTo>
+                <a:lnTo>
+                  <a:pt x="361" y="180"/>
+                </a:lnTo>
+                <a:lnTo>
+                  <a:pt x="394" y="181"/>
+                </a:lnTo>
+                <a:lnTo>
+                  <a:pt x="424" y="184"/>
+                </a:lnTo>
+                <a:lnTo>
+                  <a:pt x="450" y="188"/>
+                </a:lnTo>
+                <a:close/>
+              </a:path>
+            </a:pathLst>
+          </a:custGeom>
+          <a:solidFill>
+            <a:srgbClr val="FFFFEA"/>
+          </a:solidFill>
+          <a:ln>
+            <a:noFill/>
+          </a:ln>
+          <a:extLst>
+            <a:ext uri="{91240B29-F687-4F45-9708-019B960494DF}">
+              <a14:hiddenLine xmlns:a14="http://schemas.microsoft.com/office/drawing/2010/main" w="9525">
+                <a:solidFill>
+                  <a:srgbClr val="000000"/>
+                </a:solidFill>
+                <a:round/>
+                <a:headEnd/>
+                <a:tailEnd/>
+              </a14:hiddenLine>
+            </a:ext>
+          </a:extLst>
+        </p:spPr>
+        <p:txBody>
+          <a:bodyPr vert="horz" wrap="square" lIns="91440" tIns="45720" rIns="91440" bIns="45720" numCol="1" anchor="t" anchorCtr="0" compatLnSpc="1">
+            <a:prstTxWarp prst="textNoShape">
+              <a:avLst/>
+            </a:prstTxWarp>
+          </a:bodyPr>
+          <a:lstStyle/>
+          <a:p>
+            <a:endParaRPr lang="en-SG"/>
+          </a:p>
+        </p:txBody>
+      </p:sp>
+      <p:sp>
+        <p:nvSpPr>
+          <p:cNvPr id="7" name="Freeform 8"/>
+          <p:cNvSpPr>
+            <a:spLocks/>
+          </p:cNvSpPr>
+          <p:nvPr/>
+        </p:nvSpPr>
+        <p:spPr bwMode="auto">
+          <a:xfrm>
+            <a:off x="6364288" y="1446213"/>
+            <a:ext cx="15875" cy="25400"/>
+          </a:xfrm>
+          <a:custGeom>
+            <a:avLst/>
+            <a:gdLst>
+              <a:gd name="T0" fmla="*/ 2 w 81"/>
+              <a:gd name="T1" fmla="*/ 11 h 146"/>
+              <a:gd name="T2" fmla="*/ 0 w 81"/>
+              <a:gd name="T3" fmla="*/ 44 h 146"/>
+              <a:gd name="T4" fmla="*/ 1 w 81"/>
+              <a:gd name="T5" fmla="*/ 76 h 146"/>
+              <a:gd name="T6" fmla="*/ 7 w 81"/>
+              <a:gd name="T7" fmla="*/ 109 h 146"/>
+              <a:gd name="T8" fmla="*/ 21 w 81"/>
+              <a:gd name="T9" fmla="*/ 140 h 146"/>
+              <a:gd name="T10" fmla="*/ 25 w 81"/>
+              <a:gd name="T11" fmla="*/ 144 h 146"/>
+              <a:gd name="T12" fmla="*/ 33 w 81"/>
+              <a:gd name="T13" fmla="*/ 146 h 146"/>
+              <a:gd name="T14" fmla="*/ 43 w 81"/>
+              <a:gd name="T15" fmla="*/ 145 h 146"/>
+              <a:gd name="T16" fmla="*/ 55 w 81"/>
+              <a:gd name="T17" fmla="*/ 143 h 146"/>
+              <a:gd name="T18" fmla="*/ 65 w 81"/>
+              <a:gd name="T19" fmla="*/ 139 h 146"/>
+              <a:gd name="T20" fmla="*/ 74 w 81"/>
+              <a:gd name="T21" fmla="*/ 133 h 146"/>
+              <a:gd name="T22" fmla="*/ 80 w 81"/>
+              <a:gd name="T23" fmla="*/ 128 h 146"/>
+              <a:gd name="T24" fmla="*/ 81 w 81"/>
+              <a:gd name="T25" fmla="*/ 122 h 146"/>
+              <a:gd name="T26" fmla="*/ 77 w 81"/>
+              <a:gd name="T27" fmla="*/ 106 h 146"/>
+              <a:gd name="T28" fmla="*/ 73 w 81"/>
+              <a:gd name="T29" fmla="*/ 90 h 146"/>
+              <a:gd name="T30" fmla="*/ 68 w 81"/>
+              <a:gd name="T31" fmla="*/ 75 h 146"/>
+              <a:gd name="T32" fmla="*/ 63 w 81"/>
+              <a:gd name="T33" fmla="*/ 60 h 146"/>
+              <a:gd name="T34" fmla="*/ 56 w 81"/>
+              <a:gd name="T35" fmla="*/ 45 h 146"/>
+              <a:gd name="T36" fmla="*/ 48 w 81"/>
+              <a:gd name="T37" fmla="*/ 30 h 146"/>
+              <a:gd name="T38" fmla="*/ 40 w 81"/>
+              <a:gd name="T39" fmla="*/ 16 h 146"/>
+              <a:gd name="T40" fmla="*/ 31 w 81"/>
+              <a:gd name="T41" fmla="*/ 3 h 146"/>
+              <a:gd name="T42" fmla="*/ 25 w 81"/>
+              <a:gd name="T43" fmla="*/ 0 h 146"/>
+              <a:gd name="T44" fmla="*/ 15 w 81"/>
+              <a:gd name="T45" fmla="*/ 1 h 146"/>
+              <a:gd name="T46" fmla="*/ 6 w 81"/>
+              <a:gd name="T47" fmla="*/ 6 h 146"/>
+              <a:gd name="T48" fmla="*/ 2 w 81"/>
+              <a:gd name="T49" fmla="*/ 11 h 146"/>
+              <a:gd name="T50" fmla="*/ 2 w 81"/>
+              <a:gd name="T51" fmla="*/ 11 h 146"/>
+            </a:gdLst>
+            <a:ahLst/>
+            <a:cxnLst>
+              <a:cxn ang="0">
+                <a:pos x="T0" y="T1"/>
+              </a:cxn>
+              <a:cxn ang="0">
+                <a:pos x="T2" y="T3"/>
+              </a:cxn>
+              <a:cxn ang="0">
+                <a:pos x="T4" y="T5"/>
+              </a:cxn>
+              <a:cxn ang="0">
+                <a:pos x="T6" y="T7"/>
+              </a:cxn>
+              <a:cxn ang="0">
+                <a:pos x="T8" y="T9"/>
+              </a:cxn>
+              <a:cxn ang="0">
+                <a:pos x="T10" y="T11"/>
+              </a:cxn>
+              <a:cxn ang="0">
+                <a:pos x="T12" y="T13"/>
+              </a:cxn>
+              <a:cxn ang="0">
+                <a:pos x="T14" y="T15"/>
+              </a:cxn>
+              <a:cxn ang="0">
+                <a:pos x="T16" y="T17"/>
+              </a:cxn>
+              <a:cxn ang="0">
+                <a:pos x="T18" y="T19"/>
+              </a:cxn>
+              <a:cxn ang="0">
+                <a:pos x="T20" y="T21"/>
+              </a:cxn>
+              <a:cxn ang="0">
+                <a:pos x="T22" y="T23"/>
+              </a:cxn>
+              <a:cxn ang="0">
+                <a:pos x="T24" y="T25"/>
+              </a:cxn>
+              <a:cxn ang="0">
+                <a:pos x="T26" y="T27"/>
+              </a:cxn>
+              <a:cxn ang="0">
+                <a:pos x="T28" y="T29"/>
+              </a:cxn>
+              <a:cxn ang="0">
+                <a:pos x="T30" y="T31"/>
+              </a:cxn>
+              <a:cxn ang="0">
+                <a:pos x="T32" y="T33"/>
+              </a:cxn>
+              <a:cxn ang="0">
+                <a:pos x="T34" y="T35"/>
+              </a:cxn>
+              <a:cxn ang="0">
+                <a:pos x="T36" y="T37"/>
+              </a:cxn>
+              <a:cxn ang="0">
+                <a:pos x="T38" y="T39"/>
+              </a:cxn>
+              <a:cxn ang="0">
+                <a:pos x="T40" y="T41"/>
+              </a:cxn>
+              <a:cxn ang="0">
+                <a:pos x="T42" y="T43"/>
+              </a:cxn>
+              <a:cxn ang="0">
+                <a:pos x="T44" y="T45"/>
+              </a:cxn>
+              <a:cxn ang="0">
+                <a:pos x="T46" y="T47"/>
+              </a:cxn>
+              <a:cxn ang="0">
+                <a:pos x="T48" y="T49"/>
+              </a:cxn>
+              <a:cxn ang="0">
+                <a:pos x="T50" y="T51"/>
+              </a:cxn>
+            </a:cxnLst>
+            <a:rect l="0" t="0" r="r" b="b"/>
+            <a:pathLst>
+              <a:path w="81" h="146">
+                <a:moveTo>
+                  <a:pt x="2" y="11"/>
+                </a:moveTo>
+                <a:lnTo>
+                  <a:pt x="0" y="44"/>
+                </a:lnTo>
+                <a:lnTo>
+                  <a:pt x="1" y="76"/>
+                </a:lnTo>
+                <a:lnTo>
+                  <a:pt x="7" y="109"/>
+                </a:lnTo>
+                <a:lnTo>
+                  <a:pt x="21" y="140"/>
+                </a:lnTo>
+                <a:lnTo>
+                  <a:pt x="25" y="144"/>
+                </a:lnTo>
+                <a:lnTo>
+                  <a:pt x="33" y="146"/>
+                </a:lnTo>
+                <a:lnTo>
+                  <a:pt x="43" y="145"/>
+                </a:lnTo>
+                <a:lnTo>
+                  <a:pt x="55" y="143"/>
+                </a:lnTo>
+                <a:lnTo>
+                  <a:pt x="65" y="139"/>
+                </a:lnTo>
+                <a:lnTo>
+                  <a:pt x="74" y="133"/>
+                </a:lnTo>
+                <a:lnTo>
+                  <a:pt x="80" y="128"/>
+                </a:lnTo>
+                <a:lnTo>
+                  <a:pt x="81" y="122"/>
+                </a:lnTo>
+                <a:lnTo>
+                  <a:pt x="77" y="106"/>
+                </a:lnTo>
+                <a:lnTo>
+                  <a:pt x="73" y="90"/>
+                </a:lnTo>
+                <a:lnTo>
+                  <a:pt x="68" y="75"/>
+                </a:lnTo>
+                <a:lnTo>
+                  <a:pt x="63" y="60"/>
+                </a:lnTo>
+                <a:lnTo>
+                  <a:pt x="56" y="45"/>
+                </a:lnTo>
+                <a:lnTo>
+                  <a:pt x="48" y="30"/>
+                </a:lnTo>
+                <a:lnTo>
+                  <a:pt x="40" y="16"/>
+                </a:lnTo>
+                <a:lnTo>
+                  <a:pt x="31" y="3"/>
+                </a:lnTo>
+                <a:lnTo>
+                  <a:pt x="25" y="0"/>
+                </a:lnTo>
+                <a:lnTo>
+                  <a:pt x="15" y="1"/>
+                </a:lnTo>
+                <a:lnTo>
+                  <a:pt x="6" y="6"/>
+                </a:lnTo>
+                <a:lnTo>
+                  <a:pt x="2" y="11"/>
+                </a:lnTo>
+                <a:lnTo>
+                  <a:pt x="2" y="11"/>
+                </a:lnTo>
+                <a:close/>
+              </a:path>
+            </a:pathLst>
+          </a:custGeom>
+          <a:solidFill>
+            <a:srgbClr val="FFFFEA"/>
+          </a:solidFill>
+          <a:ln>
+            <a:noFill/>
+          </a:ln>
+          <a:extLst>
+            <a:ext uri="{91240B29-F687-4F45-9708-019B960494DF}">
+              <a14:hiddenLine xmlns:a14="http://schemas.microsoft.com/office/drawing/2010/main" w="9525">
+                <a:solidFill>
+                  <a:srgbClr val="000000"/>
+                </a:solidFill>
+                <a:round/>
+                <a:headEnd/>
+                <a:tailEnd/>
+              </a14:hiddenLine>
+            </a:ext>
+          </a:extLst>
+        </p:spPr>
+        <p:txBody>
+          <a:bodyPr vert="horz" wrap="square" lIns="91440" tIns="45720" rIns="91440" bIns="45720" numCol="1" anchor="t" anchorCtr="0" compatLnSpc="1">
+            <a:prstTxWarp prst="textNoShape">
+              <a:avLst/>
+            </a:prstTxWarp>
+          </a:bodyPr>
+          <a:lstStyle/>
+          <a:p>
+            <a:endParaRPr lang="en-SG"/>
+          </a:p>
+        </p:txBody>
+      </p:sp>
+      <p:sp>
+        <p:nvSpPr>
+          <p:cNvPr id="8" name="Freeform 9"/>
+          <p:cNvSpPr>
+            <a:spLocks/>
+          </p:cNvSpPr>
+          <p:nvPr/>
+        </p:nvSpPr>
+        <p:spPr bwMode="auto">
+          <a:xfrm rot="2760171" flipH="1">
+            <a:off x="6071869" y="1628232"/>
+            <a:ext cx="403225" cy="376238"/>
+          </a:xfrm>
+          <a:custGeom>
+            <a:avLst/>
+            <a:gdLst>
+              <a:gd name="T0" fmla="*/ 1726 w 2029"/>
+              <a:gd name="T1" fmla="*/ 1943 h 2127"/>
+              <a:gd name="T2" fmla="*/ 1429 w 2029"/>
+              <a:gd name="T3" fmla="*/ 2016 h 2127"/>
+              <a:gd name="T4" fmla="*/ 1211 w 2029"/>
+              <a:gd name="T5" fmla="*/ 1616 h 2127"/>
+              <a:gd name="T6" fmla="*/ 1104 w 2029"/>
+              <a:gd name="T7" fmla="*/ 1279 h 2127"/>
+              <a:gd name="T8" fmla="*/ 1307 w 2029"/>
+              <a:gd name="T9" fmla="*/ 1164 h 2127"/>
+              <a:gd name="T10" fmla="*/ 1527 w 2029"/>
+              <a:gd name="T11" fmla="*/ 1092 h 2127"/>
+              <a:gd name="T12" fmla="*/ 1764 w 2029"/>
+              <a:gd name="T13" fmla="*/ 1084 h 2127"/>
+              <a:gd name="T14" fmla="*/ 1610 w 2029"/>
+              <a:gd name="T15" fmla="*/ 1008 h 2127"/>
+              <a:gd name="T16" fmla="*/ 1487 w 2029"/>
+              <a:gd name="T17" fmla="*/ 957 h 2127"/>
+              <a:gd name="T18" fmla="*/ 1403 w 2029"/>
+              <a:gd name="T19" fmla="*/ 1048 h 2127"/>
+              <a:gd name="T20" fmla="*/ 1249 w 2029"/>
+              <a:gd name="T21" fmla="*/ 1107 h 2127"/>
+              <a:gd name="T22" fmla="*/ 1057 w 2029"/>
+              <a:gd name="T23" fmla="*/ 1220 h 2127"/>
+              <a:gd name="T24" fmla="*/ 1094 w 2029"/>
+              <a:gd name="T25" fmla="*/ 755 h 2127"/>
+              <a:gd name="T26" fmla="*/ 1276 w 2029"/>
+              <a:gd name="T27" fmla="*/ 614 h 2127"/>
+              <a:gd name="T28" fmla="*/ 1401 w 2029"/>
+              <a:gd name="T29" fmla="*/ 847 h 2127"/>
+              <a:gd name="T30" fmla="*/ 1407 w 2029"/>
+              <a:gd name="T31" fmla="*/ 620 h 2127"/>
+              <a:gd name="T32" fmla="*/ 1658 w 2029"/>
+              <a:gd name="T33" fmla="*/ 597 h 2127"/>
+              <a:gd name="T34" fmla="*/ 1886 w 2029"/>
+              <a:gd name="T35" fmla="*/ 836 h 2127"/>
+              <a:gd name="T36" fmla="*/ 1833 w 2029"/>
+              <a:gd name="T37" fmla="*/ 1019 h 2127"/>
+              <a:gd name="T38" fmla="*/ 1897 w 2029"/>
+              <a:gd name="T39" fmla="*/ 1095 h 2127"/>
+              <a:gd name="T40" fmla="*/ 1891 w 2029"/>
+              <a:gd name="T41" fmla="*/ 1639 h 2127"/>
+              <a:gd name="T42" fmla="*/ 1890 w 2029"/>
+              <a:gd name="T43" fmla="*/ 668 h 2127"/>
+              <a:gd name="T44" fmla="*/ 1745 w 2029"/>
+              <a:gd name="T45" fmla="*/ 555 h 2127"/>
+              <a:gd name="T46" fmla="*/ 1603 w 2029"/>
+              <a:gd name="T47" fmla="*/ 501 h 2127"/>
+              <a:gd name="T48" fmla="*/ 1481 w 2029"/>
+              <a:gd name="T49" fmla="*/ 485 h 2127"/>
+              <a:gd name="T50" fmla="*/ 1399 w 2029"/>
+              <a:gd name="T51" fmla="*/ 453 h 2127"/>
+              <a:gd name="T52" fmla="*/ 1343 w 2029"/>
+              <a:gd name="T53" fmla="*/ 503 h 2127"/>
+              <a:gd name="T54" fmla="*/ 1374 w 2029"/>
+              <a:gd name="T55" fmla="*/ 399 h 2127"/>
+              <a:gd name="T56" fmla="*/ 1409 w 2029"/>
+              <a:gd name="T57" fmla="*/ 328 h 2127"/>
+              <a:gd name="T58" fmla="*/ 1371 w 2029"/>
+              <a:gd name="T59" fmla="*/ 317 h 2127"/>
+              <a:gd name="T60" fmla="*/ 1297 w 2029"/>
+              <a:gd name="T61" fmla="*/ 155 h 2127"/>
+              <a:gd name="T62" fmla="*/ 1142 w 2029"/>
+              <a:gd name="T63" fmla="*/ 34 h 2127"/>
+              <a:gd name="T64" fmla="*/ 1014 w 2029"/>
+              <a:gd name="T65" fmla="*/ 1 h 2127"/>
+              <a:gd name="T66" fmla="*/ 844 w 2029"/>
+              <a:gd name="T67" fmla="*/ 16 h 2127"/>
+              <a:gd name="T68" fmla="*/ 655 w 2029"/>
+              <a:gd name="T69" fmla="*/ 87 h 2127"/>
+              <a:gd name="T70" fmla="*/ 486 w 2029"/>
+              <a:gd name="T71" fmla="*/ 199 h 2127"/>
+              <a:gd name="T72" fmla="*/ 310 w 2029"/>
+              <a:gd name="T73" fmla="*/ 520 h 2127"/>
+              <a:gd name="T74" fmla="*/ 474 w 2029"/>
+              <a:gd name="T75" fmla="*/ 980 h 2127"/>
+              <a:gd name="T76" fmla="*/ 702 w 2029"/>
+              <a:gd name="T77" fmla="*/ 1291 h 2127"/>
+              <a:gd name="T78" fmla="*/ 551 w 2029"/>
+              <a:gd name="T79" fmla="*/ 1622 h 2127"/>
+              <a:gd name="T80" fmla="*/ 239 w 2029"/>
+              <a:gd name="T81" fmla="*/ 1637 h 2127"/>
+              <a:gd name="T82" fmla="*/ 43 w 2029"/>
+              <a:gd name="T83" fmla="*/ 1652 h 2127"/>
+              <a:gd name="T84" fmla="*/ 186 w 2029"/>
+              <a:gd name="T85" fmla="*/ 1716 h 2127"/>
+              <a:gd name="T86" fmla="*/ 311 w 2029"/>
+              <a:gd name="T87" fmla="*/ 1731 h 2127"/>
+              <a:gd name="T88" fmla="*/ 560 w 2029"/>
+              <a:gd name="T89" fmla="*/ 1709 h 2127"/>
+              <a:gd name="T90" fmla="*/ 819 w 2029"/>
+              <a:gd name="T91" fmla="*/ 1410 h 2127"/>
+              <a:gd name="T92" fmla="*/ 751 w 2029"/>
+              <a:gd name="T93" fmla="*/ 1202 h 2127"/>
+              <a:gd name="T94" fmla="*/ 613 w 2029"/>
+              <a:gd name="T95" fmla="*/ 974 h 2127"/>
+              <a:gd name="T96" fmla="*/ 419 w 2029"/>
+              <a:gd name="T97" fmla="*/ 599 h 2127"/>
+              <a:gd name="T98" fmla="*/ 498 w 2029"/>
+              <a:gd name="T99" fmla="*/ 304 h 2127"/>
+              <a:gd name="T100" fmla="*/ 783 w 2029"/>
+              <a:gd name="T101" fmla="*/ 110 h 2127"/>
+              <a:gd name="T102" fmla="*/ 1044 w 2029"/>
+              <a:gd name="T103" fmla="*/ 85 h 2127"/>
+              <a:gd name="T104" fmla="*/ 1215 w 2029"/>
+              <a:gd name="T105" fmla="*/ 188 h 2127"/>
+              <a:gd name="T106" fmla="*/ 1249 w 2029"/>
+              <a:gd name="T107" fmla="*/ 392 h 2127"/>
+              <a:gd name="T108" fmla="*/ 1123 w 2029"/>
+              <a:gd name="T109" fmla="*/ 615 h 2127"/>
+              <a:gd name="T110" fmla="*/ 989 w 2029"/>
+              <a:gd name="T111" fmla="*/ 850 h 2127"/>
+              <a:gd name="T112" fmla="*/ 986 w 2029"/>
+              <a:gd name="T113" fmla="*/ 1327 h 2127"/>
+              <a:gd name="T114" fmla="*/ 1152 w 2029"/>
+              <a:gd name="T115" fmla="*/ 1757 h 2127"/>
+              <a:gd name="T116" fmla="*/ 1365 w 2029"/>
+              <a:gd name="T117" fmla="*/ 2118 h 2127"/>
+              <a:gd name="T118" fmla="*/ 1989 w 2029"/>
+              <a:gd name="T119" fmla="*/ 1639 h 2127"/>
+            </a:gdLst>
+            <a:ahLst/>
+            <a:cxnLst>
+              <a:cxn ang="0">
+                <a:pos x="T0" y="T1"/>
+              </a:cxn>
+              <a:cxn ang="0">
+                <a:pos x="T2" y="T3"/>
+              </a:cxn>
+              <a:cxn ang="0">
+                <a:pos x="T4" y="T5"/>
+              </a:cxn>
+              <a:cxn ang="0">
+                <a:pos x="T6" y="T7"/>
+              </a:cxn>
+              <a:cxn ang="0">
+                <a:pos x="T8" y="T9"/>
+              </a:cxn>
+              <a:cxn ang="0">
+                <a:pos x="T10" y="T11"/>
+              </a:cxn>
+              <a:cxn ang="0">
+                <a:pos x="T12" y="T13"/>
+              </a:cxn>
+              <a:cxn ang="0">
+                <a:pos x="T14" y="T15"/>
+              </a:cxn>
+              <a:cxn ang="0">
+                <a:pos x="T16" y="T17"/>
+              </a:cxn>
+              <a:cxn ang="0">
+                <a:pos x="T18" y="T19"/>
+              </a:cxn>
+              <a:cxn ang="0">
+                <a:pos x="T20" y="T21"/>
+              </a:cxn>
+              <a:cxn ang="0">
+                <a:pos x="T22" y="T23"/>
+              </a:cxn>
+              <a:cxn ang="0">
+                <a:pos x="T24" y="T25"/>
+              </a:cxn>
+              <a:cxn ang="0">
+                <a:pos x="T26" y="T27"/>
+              </a:cxn>
+              <a:cxn ang="0">
+                <a:pos x="T28" y="T29"/>
+              </a:cxn>
+              <a:cxn ang="0">
+                <a:pos x="T30" y="T31"/>
+              </a:cxn>
+              <a:cxn ang="0">
+                <a:pos x="T32" y="T33"/>
+              </a:cxn>
+              <a:cxn ang="0">
+                <a:pos x="T34" y="T35"/>
+              </a:cxn>
+              <a:cxn ang="0">
+                <a:pos x="T36" y="T37"/>
+              </a:cxn>
+              <a:cxn ang="0">
+                <a:pos x="T38" y="T39"/>
+              </a:cxn>
+              <a:cxn ang="0">
+                <a:pos x="T40" y="T41"/>
+              </a:cxn>
+              <a:cxn ang="0">
+                <a:pos x="T42" y="T43"/>
+              </a:cxn>
+              <a:cxn ang="0">
+                <a:pos x="T44" y="T45"/>
+              </a:cxn>
+              <a:cxn ang="0">
+                <a:pos x="T46" y="T47"/>
+              </a:cxn>
+              <a:cxn ang="0">
+                <a:pos x="T48" y="T49"/>
+              </a:cxn>
+              <a:cxn ang="0">
+                <a:pos x="T50" y="T51"/>
+              </a:cxn>
+              <a:cxn ang="0">
+                <a:pos x="T52" y="T53"/>
+              </a:cxn>
+              <a:cxn ang="0">
+                <a:pos x="T54" y="T55"/>
+              </a:cxn>
+              <a:cxn ang="0">
+                <a:pos x="T56" y="T57"/>
+              </a:cxn>
+              <a:cxn ang="0">
+                <a:pos x="T58" y="T59"/>
+              </a:cxn>
+              <a:cxn ang="0">
+                <a:pos x="T60" y="T61"/>
+              </a:cxn>
+              <a:cxn ang="0">
+                <a:pos x="T62" y="T63"/>
+              </a:cxn>
+              <a:cxn ang="0">
+                <a:pos x="T64" y="T65"/>
+              </a:cxn>
+              <a:cxn ang="0">
+                <a:pos x="T66" y="T67"/>
+              </a:cxn>
+              <a:cxn ang="0">
+                <a:pos x="T68" y="T69"/>
+              </a:cxn>
+              <a:cxn ang="0">
+                <a:pos x="T70" y="T71"/>
+              </a:cxn>
+              <a:cxn ang="0">
+                <a:pos x="T72" y="T73"/>
+              </a:cxn>
+              <a:cxn ang="0">
+                <a:pos x="T74" y="T75"/>
+              </a:cxn>
+              <a:cxn ang="0">
+                <a:pos x="T76" y="T77"/>
+              </a:cxn>
+              <a:cxn ang="0">
+                <a:pos x="T78" y="T79"/>
+              </a:cxn>
+              <a:cxn ang="0">
+                <a:pos x="T80" y="T81"/>
+              </a:cxn>
+              <a:cxn ang="0">
+                <a:pos x="T82" y="T83"/>
+              </a:cxn>
+              <a:cxn ang="0">
+                <a:pos x="T84" y="T85"/>
+              </a:cxn>
+              <a:cxn ang="0">
+                <a:pos x="T86" y="T87"/>
+              </a:cxn>
+              <a:cxn ang="0">
+                <a:pos x="T88" y="T89"/>
+              </a:cxn>
+              <a:cxn ang="0">
+                <a:pos x="T90" y="T91"/>
+              </a:cxn>
+              <a:cxn ang="0">
+                <a:pos x="T92" y="T93"/>
+              </a:cxn>
+              <a:cxn ang="0">
+                <a:pos x="T94" y="T95"/>
+              </a:cxn>
+              <a:cxn ang="0">
+                <a:pos x="T96" y="T97"/>
+              </a:cxn>
+              <a:cxn ang="0">
+                <a:pos x="T98" y="T99"/>
+              </a:cxn>
+              <a:cxn ang="0">
+                <a:pos x="T100" y="T101"/>
+              </a:cxn>
+              <a:cxn ang="0">
+                <a:pos x="T102" y="T103"/>
+              </a:cxn>
+              <a:cxn ang="0">
+                <a:pos x="T104" y="T105"/>
+              </a:cxn>
+              <a:cxn ang="0">
+                <a:pos x="T106" y="T107"/>
+              </a:cxn>
+              <a:cxn ang="0">
+                <a:pos x="T108" y="T109"/>
+              </a:cxn>
+              <a:cxn ang="0">
+                <a:pos x="T110" y="T111"/>
+              </a:cxn>
+              <a:cxn ang="0">
+                <a:pos x="T112" y="T113"/>
+              </a:cxn>
+              <a:cxn ang="0">
+                <a:pos x="T114" y="T115"/>
+              </a:cxn>
+              <a:cxn ang="0">
+                <a:pos x="T116" y="T117"/>
+              </a:cxn>
+              <a:cxn ang="0">
+                <a:pos x="T118" y="T119"/>
+              </a:cxn>
+            </a:cxnLst>
+            <a:rect l="0" t="0" r="r" b="b"/>
+            <a:pathLst>
+              <a:path w="2029" h="2127">
+                <a:moveTo>
+                  <a:pt x="1891" y="1639"/>
+                </a:moveTo>
+                <a:lnTo>
+                  <a:pt x="1885" y="1709"/>
+                </a:lnTo>
+                <a:lnTo>
+                  <a:pt x="1880" y="1778"/>
+                </a:lnTo>
+                <a:lnTo>
+                  <a:pt x="1874" y="1845"/>
+                </a:lnTo>
+                <a:lnTo>
+                  <a:pt x="1869" y="1902"/>
+                </a:lnTo>
+                <a:lnTo>
+                  <a:pt x="1842" y="1910"/>
+                </a:lnTo>
+                <a:lnTo>
+                  <a:pt x="1814" y="1919"/>
+                </a:lnTo>
+                <a:lnTo>
+                  <a:pt x="1785" y="1926"/>
+                </a:lnTo>
+                <a:lnTo>
+                  <a:pt x="1756" y="1935"/>
+                </a:lnTo>
+                <a:lnTo>
+                  <a:pt x="1726" y="1943"/>
+                </a:lnTo>
+                <a:lnTo>
+                  <a:pt x="1696" y="1950"/>
+                </a:lnTo>
+                <a:lnTo>
+                  <a:pt x="1667" y="1959"/>
+                </a:lnTo>
+                <a:lnTo>
+                  <a:pt x="1636" y="1966"/>
+                </a:lnTo>
+                <a:lnTo>
+                  <a:pt x="1606" y="1974"/>
+                </a:lnTo>
+                <a:lnTo>
+                  <a:pt x="1576" y="1981"/>
+                </a:lnTo>
+                <a:lnTo>
+                  <a:pt x="1546" y="1989"/>
+                </a:lnTo>
+                <a:lnTo>
+                  <a:pt x="1516" y="1996"/>
+                </a:lnTo>
+                <a:lnTo>
+                  <a:pt x="1487" y="2003"/>
+                </a:lnTo>
+                <a:lnTo>
+                  <a:pt x="1457" y="2010"/>
+                </a:lnTo>
+                <a:lnTo>
+                  <a:pt x="1429" y="2016"/>
+                </a:lnTo>
+                <a:lnTo>
+                  <a:pt x="1401" y="2022"/>
+                </a:lnTo>
+                <a:lnTo>
+                  <a:pt x="1398" y="2015"/>
+                </a:lnTo>
+                <a:lnTo>
+                  <a:pt x="1383" y="1984"/>
+                </a:lnTo>
+                <a:lnTo>
+                  <a:pt x="1365" y="1946"/>
+                </a:lnTo>
+                <a:lnTo>
+                  <a:pt x="1343" y="1900"/>
+                </a:lnTo>
+                <a:lnTo>
+                  <a:pt x="1320" y="1849"/>
+                </a:lnTo>
+                <a:lnTo>
+                  <a:pt x="1293" y="1793"/>
+                </a:lnTo>
+                <a:lnTo>
+                  <a:pt x="1267" y="1735"/>
+                </a:lnTo>
+                <a:lnTo>
+                  <a:pt x="1239" y="1675"/>
+                </a:lnTo>
+                <a:lnTo>
+                  <a:pt x="1211" y="1616"/>
+                </a:lnTo>
+                <a:lnTo>
+                  <a:pt x="1185" y="1558"/>
+                </a:lnTo>
+                <a:lnTo>
+                  <a:pt x="1159" y="1502"/>
+                </a:lnTo>
+                <a:lnTo>
+                  <a:pt x="1136" y="1451"/>
+                </a:lnTo>
+                <a:lnTo>
+                  <a:pt x="1116" y="1406"/>
+                </a:lnTo>
+                <a:lnTo>
+                  <a:pt x="1099" y="1368"/>
+                </a:lnTo>
+                <a:lnTo>
+                  <a:pt x="1085" y="1339"/>
+                </a:lnTo>
+                <a:lnTo>
+                  <a:pt x="1077" y="1319"/>
+                </a:lnTo>
+                <a:lnTo>
+                  <a:pt x="1074" y="1312"/>
+                </a:lnTo>
+                <a:lnTo>
+                  <a:pt x="1088" y="1295"/>
+                </a:lnTo>
+                <a:lnTo>
+                  <a:pt x="1104" y="1279"/>
+                </a:lnTo>
+                <a:lnTo>
+                  <a:pt x="1123" y="1263"/>
+                </a:lnTo>
+                <a:lnTo>
+                  <a:pt x="1141" y="1249"/>
+                </a:lnTo>
+                <a:lnTo>
+                  <a:pt x="1159" y="1237"/>
+                </a:lnTo>
+                <a:lnTo>
+                  <a:pt x="1178" y="1224"/>
+                </a:lnTo>
+                <a:lnTo>
+                  <a:pt x="1199" y="1212"/>
+                </a:lnTo>
+                <a:lnTo>
+                  <a:pt x="1220" y="1202"/>
+                </a:lnTo>
+                <a:lnTo>
+                  <a:pt x="1241" y="1192"/>
+                </a:lnTo>
+                <a:lnTo>
+                  <a:pt x="1263" y="1182"/>
+                </a:lnTo>
+                <a:lnTo>
+                  <a:pt x="1285" y="1172"/>
+                </a:lnTo>
+                <a:lnTo>
+                  <a:pt x="1307" y="1164"/>
+                </a:lnTo>
+                <a:lnTo>
+                  <a:pt x="1329" y="1155"/>
+                </a:lnTo>
+                <a:lnTo>
+                  <a:pt x="1351" y="1146"/>
+                </a:lnTo>
+                <a:lnTo>
+                  <a:pt x="1373" y="1137"/>
+                </a:lnTo>
+                <a:lnTo>
+                  <a:pt x="1395" y="1129"/>
+                </a:lnTo>
+                <a:lnTo>
+                  <a:pt x="1416" y="1121"/>
+                </a:lnTo>
+                <a:lnTo>
+                  <a:pt x="1438" y="1113"/>
+                </a:lnTo>
+                <a:lnTo>
+                  <a:pt x="1460" y="1107"/>
+                </a:lnTo>
+                <a:lnTo>
+                  <a:pt x="1481" y="1102"/>
+                </a:lnTo>
+                <a:lnTo>
+                  <a:pt x="1504" y="1096"/>
+                </a:lnTo>
+                <a:lnTo>
+                  <a:pt x="1527" y="1092"/>
+                </a:lnTo>
+                <a:lnTo>
+                  <a:pt x="1551" y="1089"/>
+                </a:lnTo>
+                <a:lnTo>
+                  <a:pt x="1573" y="1086"/>
+                </a:lnTo>
+                <a:lnTo>
+                  <a:pt x="1597" y="1084"/>
+                </a:lnTo>
+                <a:lnTo>
+                  <a:pt x="1621" y="1083"/>
+                </a:lnTo>
+                <a:lnTo>
+                  <a:pt x="1644" y="1081"/>
+                </a:lnTo>
+                <a:lnTo>
+                  <a:pt x="1668" y="1081"/>
+                </a:lnTo>
+                <a:lnTo>
+                  <a:pt x="1692" y="1081"/>
+                </a:lnTo>
+                <a:lnTo>
+                  <a:pt x="1716" y="1081"/>
+                </a:lnTo>
+                <a:lnTo>
+                  <a:pt x="1740" y="1083"/>
+                </a:lnTo>
+                <a:lnTo>
+                  <a:pt x="1764" y="1084"/>
+                </a:lnTo>
+                <a:lnTo>
+                  <a:pt x="1764" y="1009"/>
+                </a:lnTo>
+                <a:lnTo>
+                  <a:pt x="1746" y="1008"/>
+                </a:lnTo>
+                <a:lnTo>
+                  <a:pt x="1729" y="1006"/>
+                </a:lnTo>
+                <a:lnTo>
+                  <a:pt x="1712" y="1005"/>
+                </a:lnTo>
+                <a:lnTo>
+                  <a:pt x="1695" y="1005"/>
+                </a:lnTo>
+                <a:lnTo>
+                  <a:pt x="1678" y="1004"/>
+                </a:lnTo>
+                <a:lnTo>
+                  <a:pt x="1661" y="1005"/>
+                </a:lnTo>
+                <a:lnTo>
+                  <a:pt x="1644" y="1005"/>
+                </a:lnTo>
+                <a:lnTo>
+                  <a:pt x="1627" y="1006"/>
+                </a:lnTo>
+                <a:lnTo>
+                  <a:pt x="1610" y="1008"/>
+                </a:lnTo>
+                <a:lnTo>
+                  <a:pt x="1593" y="1009"/>
+                </a:lnTo>
+                <a:lnTo>
+                  <a:pt x="1576" y="1011"/>
+                </a:lnTo>
+                <a:lnTo>
+                  <a:pt x="1560" y="1013"/>
+                </a:lnTo>
+                <a:lnTo>
+                  <a:pt x="1544" y="1015"/>
+                </a:lnTo>
+                <a:lnTo>
+                  <a:pt x="1528" y="1017"/>
+                </a:lnTo>
+                <a:lnTo>
+                  <a:pt x="1512" y="1020"/>
+                </a:lnTo>
+                <a:lnTo>
+                  <a:pt x="1496" y="1023"/>
+                </a:lnTo>
+                <a:lnTo>
+                  <a:pt x="1493" y="1002"/>
+                </a:lnTo>
+                <a:lnTo>
+                  <a:pt x="1490" y="979"/>
+                </a:lnTo>
+                <a:lnTo>
+                  <a:pt x="1487" y="957"/>
+                </a:lnTo>
+                <a:lnTo>
+                  <a:pt x="1483" y="936"/>
+                </a:lnTo>
+                <a:lnTo>
+                  <a:pt x="1414" y="936"/>
+                </a:lnTo>
+                <a:lnTo>
+                  <a:pt x="1417" y="960"/>
+                </a:lnTo>
+                <a:lnTo>
+                  <a:pt x="1423" y="987"/>
+                </a:lnTo>
+                <a:lnTo>
+                  <a:pt x="1428" y="1014"/>
+                </a:lnTo>
+                <a:lnTo>
+                  <a:pt x="1432" y="1039"/>
+                </a:lnTo>
+                <a:lnTo>
+                  <a:pt x="1425" y="1041"/>
+                </a:lnTo>
+                <a:lnTo>
+                  <a:pt x="1417" y="1043"/>
+                </a:lnTo>
+                <a:lnTo>
+                  <a:pt x="1411" y="1046"/>
+                </a:lnTo>
+                <a:lnTo>
+                  <a:pt x="1403" y="1048"/>
+                </a:lnTo>
+                <a:lnTo>
+                  <a:pt x="1395" y="1050"/>
+                </a:lnTo>
+                <a:lnTo>
+                  <a:pt x="1388" y="1053"/>
+                </a:lnTo>
+                <a:lnTo>
+                  <a:pt x="1380" y="1055"/>
+                </a:lnTo>
+                <a:lnTo>
+                  <a:pt x="1373" y="1057"/>
+                </a:lnTo>
+                <a:lnTo>
+                  <a:pt x="1353" y="1065"/>
+                </a:lnTo>
+                <a:lnTo>
+                  <a:pt x="1332" y="1072"/>
+                </a:lnTo>
+                <a:lnTo>
+                  <a:pt x="1312" y="1080"/>
+                </a:lnTo>
+                <a:lnTo>
+                  <a:pt x="1291" y="1089"/>
+                </a:lnTo>
+                <a:lnTo>
+                  <a:pt x="1271" y="1097"/>
+                </a:lnTo>
+                <a:lnTo>
+                  <a:pt x="1249" y="1107"/>
+                </a:lnTo>
+                <a:lnTo>
+                  <a:pt x="1228" y="1117"/>
+                </a:lnTo>
+                <a:lnTo>
+                  <a:pt x="1208" y="1127"/>
+                </a:lnTo>
+                <a:lnTo>
+                  <a:pt x="1189" y="1137"/>
+                </a:lnTo>
+                <a:lnTo>
+                  <a:pt x="1168" y="1148"/>
+                </a:lnTo>
+                <a:lnTo>
+                  <a:pt x="1149" y="1160"/>
+                </a:lnTo>
+                <a:lnTo>
+                  <a:pt x="1129" y="1171"/>
+                </a:lnTo>
+                <a:lnTo>
+                  <a:pt x="1110" y="1183"/>
+                </a:lnTo>
+                <a:lnTo>
+                  <a:pt x="1092" y="1194"/>
+                </a:lnTo>
+                <a:lnTo>
+                  <a:pt x="1074" y="1207"/>
+                </a:lnTo>
+                <a:lnTo>
+                  <a:pt x="1057" y="1220"/>
+                </a:lnTo>
+                <a:lnTo>
+                  <a:pt x="1053" y="1167"/>
+                </a:lnTo>
+                <a:lnTo>
+                  <a:pt x="1049" y="1114"/>
+                </a:lnTo>
+                <a:lnTo>
+                  <a:pt x="1046" y="1059"/>
+                </a:lnTo>
+                <a:lnTo>
+                  <a:pt x="1045" y="1005"/>
+                </a:lnTo>
+                <a:lnTo>
+                  <a:pt x="1047" y="952"/>
+                </a:lnTo>
+                <a:lnTo>
+                  <a:pt x="1052" y="898"/>
+                </a:lnTo>
+                <a:lnTo>
+                  <a:pt x="1061" y="845"/>
+                </a:lnTo>
+                <a:lnTo>
+                  <a:pt x="1076" y="794"/>
+                </a:lnTo>
+                <a:lnTo>
+                  <a:pt x="1084" y="774"/>
+                </a:lnTo>
+                <a:lnTo>
+                  <a:pt x="1094" y="755"/>
+                </a:lnTo>
+                <a:lnTo>
+                  <a:pt x="1107" y="737"/>
+                </a:lnTo>
+                <a:lnTo>
+                  <a:pt x="1120" y="720"/>
+                </a:lnTo>
+                <a:lnTo>
+                  <a:pt x="1136" y="703"/>
+                </a:lnTo>
+                <a:lnTo>
+                  <a:pt x="1153" y="688"/>
+                </a:lnTo>
+                <a:lnTo>
+                  <a:pt x="1172" y="673"/>
+                </a:lnTo>
+                <a:lnTo>
+                  <a:pt x="1191" y="659"/>
+                </a:lnTo>
+                <a:lnTo>
+                  <a:pt x="1211" y="646"/>
+                </a:lnTo>
+                <a:lnTo>
+                  <a:pt x="1233" y="635"/>
+                </a:lnTo>
+                <a:lnTo>
+                  <a:pt x="1255" y="623"/>
+                </a:lnTo>
+                <a:lnTo>
+                  <a:pt x="1276" y="614"/>
+                </a:lnTo>
+                <a:lnTo>
+                  <a:pt x="1299" y="604"/>
+                </a:lnTo>
+                <a:lnTo>
+                  <a:pt x="1321" y="596"/>
+                </a:lnTo>
+                <a:lnTo>
+                  <a:pt x="1342" y="589"/>
+                </a:lnTo>
+                <a:lnTo>
+                  <a:pt x="1364" y="583"/>
+                </a:lnTo>
+                <a:lnTo>
+                  <a:pt x="1372" y="627"/>
+                </a:lnTo>
+                <a:lnTo>
+                  <a:pt x="1379" y="671"/>
+                </a:lnTo>
+                <a:lnTo>
+                  <a:pt x="1384" y="715"/>
+                </a:lnTo>
+                <a:lnTo>
+                  <a:pt x="1391" y="758"/>
+                </a:lnTo>
+                <a:lnTo>
+                  <a:pt x="1396" y="803"/>
+                </a:lnTo>
+                <a:lnTo>
+                  <a:pt x="1401" y="847"/>
+                </a:lnTo>
+                <a:lnTo>
+                  <a:pt x="1407" y="891"/>
+                </a:lnTo>
+                <a:lnTo>
+                  <a:pt x="1414" y="936"/>
+                </a:lnTo>
+                <a:lnTo>
+                  <a:pt x="1483" y="936"/>
+                </a:lnTo>
+                <a:lnTo>
+                  <a:pt x="1475" y="890"/>
+                </a:lnTo>
+                <a:lnTo>
+                  <a:pt x="1468" y="844"/>
+                </a:lnTo>
+                <a:lnTo>
+                  <a:pt x="1457" y="798"/>
+                </a:lnTo>
+                <a:lnTo>
+                  <a:pt x="1447" y="754"/>
+                </a:lnTo>
+                <a:lnTo>
+                  <a:pt x="1435" y="709"/>
+                </a:lnTo>
+                <a:lnTo>
+                  <a:pt x="1422" y="664"/>
+                </a:lnTo>
+                <a:lnTo>
+                  <a:pt x="1407" y="620"/>
+                </a:lnTo>
+                <a:lnTo>
+                  <a:pt x="1390" y="577"/>
+                </a:lnTo>
+                <a:lnTo>
+                  <a:pt x="1420" y="571"/>
+                </a:lnTo>
+                <a:lnTo>
+                  <a:pt x="1449" y="568"/>
+                </a:lnTo>
+                <a:lnTo>
+                  <a:pt x="1480" y="567"/>
+                </a:lnTo>
+                <a:lnTo>
+                  <a:pt x="1511" y="567"/>
+                </a:lnTo>
+                <a:lnTo>
+                  <a:pt x="1540" y="570"/>
+                </a:lnTo>
+                <a:lnTo>
+                  <a:pt x="1571" y="575"/>
+                </a:lnTo>
+                <a:lnTo>
+                  <a:pt x="1601" y="580"/>
+                </a:lnTo>
+                <a:lnTo>
+                  <a:pt x="1629" y="587"/>
+                </a:lnTo>
+                <a:lnTo>
+                  <a:pt x="1658" y="597"/>
+                </a:lnTo>
+                <a:lnTo>
+                  <a:pt x="1686" y="608"/>
+                </a:lnTo>
+                <a:lnTo>
+                  <a:pt x="1712" y="621"/>
+                </a:lnTo>
+                <a:lnTo>
+                  <a:pt x="1738" y="636"/>
+                </a:lnTo>
+                <a:lnTo>
+                  <a:pt x="1762" y="653"/>
+                </a:lnTo>
+                <a:lnTo>
+                  <a:pt x="1786" y="671"/>
+                </a:lnTo>
+                <a:lnTo>
+                  <a:pt x="1808" y="691"/>
+                </a:lnTo>
+                <a:lnTo>
+                  <a:pt x="1827" y="712"/>
+                </a:lnTo>
+                <a:lnTo>
+                  <a:pt x="1848" y="753"/>
+                </a:lnTo>
+                <a:lnTo>
+                  <a:pt x="1868" y="795"/>
+                </a:lnTo>
+                <a:lnTo>
+                  <a:pt x="1886" y="836"/>
+                </a:lnTo>
+                <a:lnTo>
+                  <a:pt x="1904" y="879"/>
+                </a:lnTo>
+                <a:lnTo>
+                  <a:pt x="1918" y="921"/>
+                </a:lnTo>
+                <a:lnTo>
+                  <a:pt x="1930" y="963"/>
+                </a:lnTo>
+                <a:lnTo>
+                  <a:pt x="1939" y="1006"/>
+                </a:lnTo>
+                <a:lnTo>
+                  <a:pt x="1945" y="1049"/>
+                </a:lnTo>
+                <a:lnTo>
+                  <a:pt x="1925" y="1041"/>
+                </a:lnTo>
+                <a:lnTo>
+                  <a:pt x="1904" y="1035"/>
+                </a:lnTo>
+                <a:lnTo>
+                  <a:pt x="1881" y="1030"/>
+                </a:lnTo>
+                <a:lnTo>
+                  <a:pt x="1858" y="1023"/>
+                </a:lnTo>
+                <a:lnTo>
+                  <a:pt x="1833" y="1019"/>
+                </a:lnTo>
+                <a:lnTo>
+                  <a:pt x="1809" y="1015"/>
+                </a:lnTo>
+                <a:lnTo>
+                  <a:pt x="1786" y="1012"/>
+                </a:lnTo>
+                <a:lnTo>
+                  <a:pt x="1764" y="1009"/>
+                </a:lnTo>
+                <a:lnTo>
+                  <a:pt x="1764" y="1084"/>
+                </a:lnTo>
+                <a:lnTo>
+                  <a:pt x="1784" y="1085"/>
+                </a:lnTo>
+                <a:lnTo>
+                  <a:pt x="1806" y="1087"/>
+                </a:lnTo>
+                <a:lnTo>
+                  <a:pt x="1828" y="1089"/>
+                </a:lnTo>
+                <a:lnTo>
+                  <a:pt x="1851" y="1091"/>
+                </a:lnTo>
+                <a:lnTo>
+                  <a:pt x="1874" y="1093"/>
+                </a:lnTo>
+                <a:lnTo>
+                  <a:pt x="1897" y="1095"/>
+                </a:lnTo>
+                <a:lnTo>
+                  <a:pt x="1918" y="1097"/>
+                </a:lnTo>
+                <a:lnTo>
+                  <a:pt x="1938" y="1099"/>
+                </a:lnTo>
+                <a:lnTo>
+                  <a:pt x="1937" y="1112"/>
+                </a:lnTo>
+                <a:lnTo>
+                  <a:pt x="1933" y="1148"/>
+                </a:lnTo>
+                <a:lnTo>
+                  <a:pt x="1929" y="1203"/>
+                </a:lnTo>
+                <a:lnTo>
+                  <a:pt x="1923" y="1273"/>
+                </a:lnTo>
+                <a:lnTo>
+                  <a:pt x="1915" y="1355"/>
+                </a:lnTo>
+                <a:lnTo>
+                  <a:pt x="1907" y="1446"/>
+                </a:lnTo>
+                <a:lnTo>
+                  <a:pt x="1899" y="1542"/>
+                </a:lnTo>
+                <a:lnTo>
+                  <a:pt x="1891" y="1639"/>
+                </a:lnTo>
+                <a:lnTo>
+                  <a:pt x="1989" y="1639"/>
+                </a:lnTo>
+                <a:lnTo>
+                  <a:pt x="2006" y="1516"/>
+                </a:lnTo>
+                <a:lnTo>
+                  <a:pt x="2020" y="1393"/>
+                </a:lnTo>
+                <a:lnTo>
+                  <a:pt x="2029" y="1270"/>
+                </a:lnTo>
+                <a:lnTo>
+                  <a:pt x="2029" y="1148"/>
+                </a:lnTo>
+                <a:lnTo>
+                  <a:pt x="2020" y="1028"/>
+                </a:lnTo>
+                <a:lnTo>
+                  <a:pt x="1997" y="909"/>
+                </a:lnTo>
+                <a:lnTo>
+                  <a:pt x="1958" y="793"/>
+                </a:lnTo>
+                <a:lnTo>
+                  <a:pt x="1902" y="681"/>
+                </a:lnTo>
+                <a:lnTo>
+                  <a:pt x="1890" y="668"/>
+                </a:lnTo>
+                <a:lnTo>
+                  <a:pt x="1877" y="654"/>
+                </a:lnTo>
+                <a:lnTo>
+                  <a:pt x="1865" y="641"/>
+                </a:lnTo>
+                <a:lnTo>
+                  <a:pt x="1851" y="628"/>
+                </a:lnTo>
+                <a:lnTo>
+                  <a:pt x="1838" y="617"/>
+                </a:lnTo>
+                <a:lnTo>
+                  <a:pt x="1823" y="605"/>
+                </a:lnTo>
+                <a:lnTo>
+                  <a:pt x="1808" y="594"/>
+                </a:lnTo>
+                <a:lnTo>
+                  <a:pt x="1793" y="583"/>
+                </a:lnTo>
+                <a:lnTo>
+                  <a:pt x="1777" y="574"/>
+                </a:lnTo>
+                <a:lnTo>
+                  <a:pt x="1761" y="564"/>
+                </a:lnTo>
+                <a:lnTo>
+                  <a:pt x="1745" y="555"/>
+                </a:lnTo>
+                <a:lnTo>
+                  <a:pt x="1729" y="546"/>
+                </a:lnTo>
+                <a:lnTo>
+                  <a:pt x="1712" y="539"/>
+                </a:lnTo>
+                <a:lnTo>
+                  <a:pt x="1695" y="531"/>
+                </a:lnTo>
+                <a:lnTo>
+                  <a:pt x="1678" y="524"/>
+                </a:lnTo>
+                <a:lnTo>
+                  <a:pt x="1661" y="518"/>
+                </a:lnTo>
+                <a:lnTo>
+                  <a:pt x="1650" y="513"/>
+                </a:lnTo>
+                <a:lnTo>
+                  <a:pt x="1638" y="510"/>
+                </a:lnTo>
+                <a:lnTo>
+                  <a:pt x="1626" y="507"/>
+                </a:lnTo>
+                <a:lnTo>
+                  <a:pt x="1614" y="504"/>
+                </a:lnTo>
+                <a:lnTo>
+                  <a:pt x="1603" y="501"/>
+                </a:lnTo>
+                <a:lnTo>
+                  <a:pt x="1590" y="498"/>
+                </a:lnTo>
+                <a:lnTo>
+                  <a:pt x="1579" y="495"/>
+                </a:lnTo>
+                <a:lnTo>
+                  <a:pt x="1567" y="493"/>
+                </a:lnTo>
+                <a:lnTo>
+                  <a:pt x="1554" y="491"/>
+                </a:lnTo>
+                <a:lnTo>
+                  <a:pt x="1543" y="490"/>
+                </a:lnTo>
+                <a:lnTo>
+                  <a:pt x="1530" y="488"/>
+                </a:lnTo>
+                <a:lnTo>
+                  <a:pt x="1518" y="487"/>
+                </a:lnTo>
+                <a:lnTo>
+                  <a:pt x="1506" y="486"/>
+                </a:lnTo>
+                <a:lnTo>
+                  <a:pt x="1494" y="486"/>
+                </a:lnTo>
+                <a:lnTo>
+                  <a:pt x="1481" y="485"/>
+                </a:lnTo>
+                <a:lnTo>
+                  <a:pt x="1469" y="485"/>
+                </a:lnTo>
+                <a:lnTo>
+                  <a:pt x="1466" y="470"/>
+                </a:lnTo>
+                <a:lnTo>
+                  <a:pt x="1461" y="450"/>
+                </a:lnTo>
+                <a:lnTo>
+                  <a:pt x="1453" y="429"/>
+                </a:lnTo>
+                <a:lnTo>
+                  <a:pt x="1446" y="410"/>
+                </a:lnTo>
+                <a:lnTo>
+                  <a:pt x="1379" y="410"/>
+                </a:lnTo>
+                <a:lnTo>
+                  <a:pt x="1383" y="420"/>
+                </a:lnTo>
+                <a:lnTo>
+                  <a:pt x="1388" y="431"/>
+                </a:lnTo>
+                <a:lnTo>
+                  <a:pt x="1394" y="442"/>
+                </a:lnTo>
+                <a:lnTo>
+                  <a:pt x="1399" y="453"/>
+                </a:lnTo>
+                <a:lnTo>
+                  <a:pt x="1405" y="465"/>
+                </a:lnTo>
+                <a:lnTo>
+                  <a:pt x="1411" y="475"/>
+                </a:lnTo>
+                <a:lnTo>
+                  <a:pt x="1415" y="484"/>
+                </a:lnTo>
+                <a:lnTo>
+                  <a:pt x="1421" y="492"/>
+                </a:lnTo>
+                <a:lnTo>
+                  <a:pt x="1408" y="493"/>
+                </a:lnTo>
+                <a:lnTo>
+                  <a:pt x="1396" y="494"/>
+                </a:lnTo>
+                <a:lnTo>
+                  <a:pt x="1383" y="496"/>
+                </a:lnTo>
+                <a:lnTo>
+                  <a:pt x="1370" y="499"/>
+                </a:lnTo>
+                <a:lnTo>
+                  <a:pt x="1356" y="501"/>
+                </a:lnTo>
+                <a:lnTo>
+                  <a:pt x="1343" y="503"/>
+                </a:lnTo>
+                <a:lnTo>
+                  <a:pt x="1331" y="506"/>
+                </a:lnTo>
+                <a:lnTo>
+                  <a:pt x="1318" y="509"/>
+                </a:lnTo>
+                <a:lnTo>
+                  <a:pt x="1315" y="474"/>
+                </a:lnTo>
+                <a:lnTo>
+                  <a:pt x="1313" y="431"/>
+                </a:lnTo>
+                <a:lnTo>
+                  <a:pt x="1312" y="393"/>
+                </a:lnTo>
+                <a:lnTo>
+                  <a:pt x="1312" y="377"/>
+                </a:lnTo>
+                <a:lnTo>
+                  <a:pt x="1359" y="370"/>
+                </a:lnTo>
+                <a:lnTo>
+                  <a:pt x="1364" y="379"/>
+                </a:lnTo>
+                <a:lnTo>
+                  <a:pt x="1370" y="389"/>
+                </a:lnTo>
+                <a:lnTo>
+                  <a:pt x="1374" y="399"/>
+                </a:lnTo>
+                <a:lnTo>
+                  <a:pt x="1379" y="410"/>
+                </a:lnTo>
+                <a:lnTo>
+                  <a:pt x="1446" y="410"/>
+                </a:lnTo>
+                <a:lnTo>
+                  <a:pt x="1439" y="394"/>
+                </a:lnTo>
+                <a:lnTo>
+                  <a:pt x="1433" y="379"/>
+                </a:lnTo>
+                <a:lnTo>
+                  <a:pt x="1427" y="366"/>
+                </a:lnTo>
+                <a:lnTo>
+                  <a:pt x="1421" y="353"/>
+                </a:lnTo>
+                <a:lnTo>
+                  <a:pt x="1416" y="342"/>
+                </a:lnTo>
+                <a:lnTo>
+                  <a:pt x="1413" y="335"/>
+                </a:lnTo>
+                <a:lnTo>
+                  <a:pt x="1411" y="330"/>
+                </a:lnTo>
+                <a:lnTo>
+                  <a:pt x="1409" y="328"/>
+                </a:lnTo>
+                <a:lnTo>
+                  <a:pt x="1409" y="326"/>
+                </a:lnTo>
+                <a:lnTo>
+                  <a:pt x="1409" y="326"/>
+                </a:lnTo>
+                <a:lnTo>
+                  <a:pt x="1409" y="326"/>
+                </a:lnTo>
+                <a:lnTo>
+                  <a:pt x="1408" y="325"/>
+                </a:lnTo>
+                <a:lnTo>
+                  <a:pt x="1405" y="321"/>
+                </a:lnTo>
+                <a:lnTo>
+                  <a:pt x="1400" y="318"/>
+                </a:lnTo>
+                <a:lnTo>
+                  <a:pt x="1394" y="316"/>
+                </a:lnTo>
+                <a:lnTo>
+                  <a:pt x="1387" y="315"/>
+                </a:lnTo>
+                <a:lnTo>
+                  <a:pt x="1379" y="316"/>
+                </a:lnTo>
+                <a:lnTo>
+                  <a:pt x="1371" y="317"/>
+                </a:lnTo>
+                <a:lnTo>
+                  <a:pt x="1363" y="319"/>
+                </a:lnTo>
+                <a:lnTo>
+                  <a:pt x="1356" y="321"/>
+                </a:lnTo>
+                <a:lnTo>
+                  <a:pt x="1354" y="298"/>
+                </a:lnTo>
+                <a:lnTo>
+                  <a:pt x="1350" y="275"/>
+                </a:lnTo>
+                <a:lnTo>
+                  <a:pt x="1345" y="254"/>
+                </a:lnTo>
+                <a:lnTo>
+                  <a:pt x="1338" y="232"/>
+                </a:lnTo>
+                <a:lnTo>
+                  <a:pt x="1329" y="211"/>
+                </a:lnTo>
+                <a:lnTo>
+                  <a:pt x="1320" y="192"/>
+                </a:lnTo>
+                <a:lnTo>
+                  <a:pt x="1309" y="173"/>
+                </a:lnTo>
+                <a:lnTo>
+                  <a:pt x="1297" y="155"/>
+                </a:lnTo>
+                <a:lnTo>
+                  <a:pt x="1283" y="138"/>
+                </a:lnTo>
+                <a:lnTo>
+                  <a:pt x="1269" y="123"/>
+                </a:lnTo>
+                <a:lnTo>
+                  <a:pt x="1255" y="108"/>
+                </a:lnTo>
+                <a:lnTo>
+                  <a:pt x="1239" y="93"/>
+                </a:lnTo>
+                <a:lnTo>
+                  <a:pt x="1222" y="79"/>
+                </a:lnTo>
+                <a:lnTo>
+                  <a:pt x="1203" y="68"/>
+                </a:lnTo>
+                <a:lnTo>
+                  <a:pt x="1185" y="56"/>
+                </a:lnTo>
+                <a:lnTo>
+                  <a:pt x="1166" y="46"/>
+                </a:lnTo>
+                <a:lnTo>
+                  <a:pt x="1154" y="40"/>
+                </a:lnTo>
+                <a:lnTo>
+                  <a:pt x="1142" y="34"/>
+                </a:lnTo>
+                <a:lnTo>
+                  <a:pt x="1129" y="30"/>
+                </a:lnTo>
+                <a:lnTo>
+                  <a:pt x="1117" y="24"/>
+                </a:lnTo>
+                <a:lnTo>
+                  <a:pt x="1104" y="20"/>
+                </a:lnTo>
+                <a:lnTo>
+                  <a:pt x="1092" y="16"/>
+                </a:lnTo>
+                <a:lnTo>
+                  <a:pt x="1079" y="13"/>
+                </a:lnTo>
+                <a:lnTo>
+                  <a:pt x="1067" y="10"/>
+                </a:lnTo>
+                <a:lnTo>
+                  <a:pt x="1053" y="8"/>
+                </a:lnTo>
+                <a:lnTo>
+                  <a:pt x="1041" y="4"/>
+                </a:lnTo>
+                <a:lnTo>
+                  <a:pt x="1027" y="3"/>
+                </a:lnTo>
+                <a:lnTo>
+                  <a:pt x="1014" y="1"/>
+                </a:lnTo>
+                <a:lnTo>
+                  <a:pt x="1001" y="0"/>
+                </a:lnTo>
+                <a:lnTo>
+                  <a:pt x="987" y="0"/>
+                </a:lnTo>
+                <a:lnTo>
+                  <a:pt x="975" y="0"/>
+                </a:lnTo>
+                <a:lnTo>
+                  <a:pt x="961" y="0"/>
+                </a:lnTo>
+                <a:lnTo>
+                  <a:pt x="942" y="1"/>
+                </a:lnTo>
+                <a:lnTo>
+                  <a:pt x="922" y="2"/>
+                </a:lnTo>
+                <a:lnTo>
+                  <a:pt x="903" y="5"/>
+                </a:lnTo>
+                <a:lnTo>
+                  <a:pt x="883" y="8"/>
+                </a:lnTo>
+                <a:lnTo>
+                  <a:pt x="863" y="12"/>
+                </a:lnTo>
+                <a:lnTo>
+                  <a:pt x="844" y="16"/>
+                </a:lnTo>
+                <a:lnTo>
+                  <a:pt x="824" y="20"/>
+                </a:lnTo>
+                <a:lnTo>
+                  <a:pt x="805" y="26"/>
+                </a:lnTo>
+                <a:lnTo>
+                  <a:pt x="786" y="32"/>
+                </a:lnTo>
+                <a:lnTo>
+                  <a:pt x="766" y="38"/>
+                </a:lnTo>
+                <a:lnTo>
+                  <a:pt x="748" y="45"/>
+                </a:lnTo>
+                <a:lnTo>
+                  <a:pt x="729" y="52"/>
+                </a:lnTo>
+                <a:lnTo>
+                  <a:pt x="710" y="60"/>
+                </a:lnTo>
+                <a:lnTo>
+                  <a:pt x="691" y="69"/>
+                </a:lnTo>
+                <a:lnTo>
+                  <a:pt x="673" y="77"/>
+                </a:lnTo>
+                <a:lnTo>
+                  <a:pt x="655" y="87"/>
+                </a:lnTo>
+                <a:lnTo>
+                  <a:pt x="636" y="96"/>
+                </a:lnTo>
+                <a:lnTo>
+                  <a:pt x="619" y="106"/>
+                </a:lnTo>
+                <a:lnTo>
+                  <a:pt x="601" y="116"/>
+                </a:lnTo>
+                <a:lnTo>
+                  <a:pt x="584" y="127"/>
+                </a:lnTo>
+                <a:lnTo>
+                  <a:pt x="567" y="138"/>
+                </a:lnTo>
+                <a:lnTo>
+                  <a:pt x="550" y="150"/>
+                </a:lnTo>
+                <a:lnTo>
+                  <a:pt x="534" y="162"/>
+                </a:lnTo>
+                <a:lnTo>
+                  <a:pt x="518" y="173"/>
+                </a:lnTo>
+                <a:lnTo>
+                  <a:pt x="502" y="186"/>
+                </a:lnTo>
+                <a:lnTo>
+                  <a:pt x="486" y="199"/>
+                </a:lnTo>
+                <a:lnTo>
+                  <a:pt x="471" y="211"/>
+                </a:lnTo>
+                <a:lnTo>
+                  <a:pt x="457" y="224"/>
+                </a:lnTo>
+                <a:lnTo>
+                  <a:pt x="443" y="237"/>
+                </a:lnTo>
+                <a:lnTo>
+                  <a:pt x="429" y="250"/>
+                </a:lnTo>
+                <a:lnTo>
+                  <a:pt x="416" y="263"/>
+                </a:lnTo>
+                <a:lnTo>
+                  <a:pt x="403" y="277"/>
+                </a:lnTo>
+                <a:lnTo>
+                  <a:pt x="361" y="333"/>
+                </a:lnTo>
+                <a:lnTo>
+                  <a:pt x="332" y="392"/>
+                </a:lnTo>
+                <a:lnTo>
+                  <a:pt x="315" y="455"/>
+                </a:lnTo>
+                <a:lnTo>
+                  <a:pt x="310" y="520"/>
+                </a:lnTo>
+                <a:lnTo>
+                  <a:pt x="311" y="586"/>
+                </a:lnTo>
+                <a:lnTo>
+                  <a:pt x="321" y="652"/>
+                </a:lnTo>
+                <a:lnTo>
+                  <a:pt x="336" y="717"/>
+                </a:lnTo>
+                <a:lnTo>
+                  <a:pt x="355" y="781"/>
+                </a:lnTo>
+                <a:lnTo>
+                  <a:pt x="370" y="819"/>
+                </a:lnTo>
+                <a:lnTo>
+                  <a:pt x="387" y="854"/>
+                </a:lnTo>
+                <a:lnTo>
+                  <a:pt x="406" y="887"/>
+                </a:lnTo>
+                <a:lnTo>
+                  <a:pt x="427" y="920"/>
+                </a:lnTo>
+                <a:lnTo>
+                  <a:pt x="450" y="951"/>
+                </a:lnTo>
+                <a:lnTo>
+                  <a:pt x="474" y="980"/>
+                </a:lnTo>
+                <a:lnTo>
+                  <a:pt x="499" y="1010"/>
+                </a:lnTo>
+                <a:lnTo>
+                  <a:pt x="524" y="1038"/>
+                </a:lnTo>
+                <a:lnTo>
+                  <a:pt x="549" y="1067"/>
+                </a:lnTo>
+                <a:lnTo>
+                  <a:pt x="574" y="1096"/>
+                </a:lnTo>
+                <a:lnTo>
+                  <a:pt x="599" y="1125"/>
+                </a:lnTo>
+                <a:lnTo>
+                  <a:pt x="623" y="1155"/>
+                </a:lnTo>
+                <a:lnTo>
+                  <a:pt x="646" y="1187"/>
+                </a:lnTo>
+                <a:lnTo>
+                  <a:pt x="666" y="1220"/>
+                </a:lnTo>
+                <a:lnTo>
+                  <a:pt x="685" y="1254"/>
+                </a:lnTo>
+                <a:lnTo>
+                  <a:pt x="702" y="1291"/>
+                </a:lnTo>
+                <a:lnTo>
+                  <a:pt x="724" y="1383"/>
+                </a:lnTo>
+                <a:lnTo>
+                  <a:pt x="717" y="1452"/>
+                </a:lnTo>
+                <a:lnTo>
+                  <a:pt x="705" y="1471"/>
+                </a:lnTo>
+                <a:lnTo>
+                  <a:pt x="692" y="1493"/>
+                </a:lnTo>
+                <a:lnTo>
+                  <a:pt x="680" y="1519"/>
+                </a:lnTo>
+                <a:lnTo>
+                  <a:pt x="664" y="1544"/>
+                </a:lnTo>
+                <a:lnTo>
+                  <a:pt x="644" y="1569"/>
+                </a:lnTo>
+                <a:lnTo>
+                  <a:pt x="619" y="1591"/>
+                </a:lnTo>
+                <a:lnTo>
+                  <a:pt x="589" y="1609"/>
+                </a:lnTo>
+                <a:lnTo>
+                  <a:pt x="551" y="1622"/>
+                </a:lnTo>
+                <a:lnTo>
+                  <a:pt x="523" y="1626"/>
+                </a:lnTo>
+                <a:lnTo>
+                  <a:pt x="493" y="1631"/>
+                </a:lnTo>
+                <a:lnTo>
+                  <a:pt x="462" y="1635"/>
+                </a:lnTo>
+                <a:lnTo>
+                  <a:pt x="430" y="1638"/>
+                </a:lnTo>
+                <a:lnTo>
+                  <a:pt x="398" y="1641"/>
+                </a:lnTo>
+                <a:lnTo>
+                  <a:pt x="367" y="1643"/>
+                </a:lnTo>
+                <a:lnTo>
+                  <a:pt x="335" y="1643"/>
+                </a:lnTo>
+                <a:lnTo>
+                  <a:pt x="302" y="1643"/>
+                </a:lnTo>
+                <a:lnTo>
+                  <a:pt x="270" y="1641"/>
+                </a:lnTo>
+                <a:lnTo>
+                  <a:pt x="239" y="1637"/>
+                </a:lnTo>
+                <a:lnTo>
+                  <a:pt x="208" y="1631"/>
+                </a:lnTo>
+                <a:lnTo>
+                  <a:pt x="180" y="1623"/>
+                </a:lnTo>
+                <a:lnTo>
+                  <a:pt x="151" y="1613"/>
+                </a:lnTo>
+                <a:lnTo>
+                  <a:pt x="124" y="1600"/>
+                </a:lnTo>
+                <a:lnTo>
+                  <a:pt x="99" y="1584"/>
+                </a:lnTo>
+                <a:lnTo>
+                  <a:pt x="76" y="1566"/>
+                </a:lnTo>
+                <a:lnTo>
+                  <a:pt x="0" y="1613"/>
+                </a:lnTo>
+                <a:lnTo>
+                  <a:pt x="14" y="1626"/>
+                </a:lnTo>
+                <a:lnTo>
+                  <a:pt x="28" y="1640"/>
+                </a:lnTo>
+                <a:lnTo>
+                  <a:pt x="43" y="1652"/>
+                </a:lnTo>
+                <a:lnTo>
+                  <a:pt x="58" y="1662"/>
+                </a:lnTo>
+                <a:lnTo>
+                  <a:pt x="75" y="1673"/>
+                </a:lnTo>
+                <a:lnTo>
+                  <a:pt x="91" y="1681"/>
+                </a:lnTo>
+                <a:lnTo>
+                  <a:pt x="108" y="1690"/>
+                </a:lnTo>
+                <a:lnTo>
+                  <a:pt x="126" y="1697"/>
+                </a:lnTo>
+                <a:lnTo>
+                  <a:pt x="138" y="1701"/>
+                </a:lnTo>
+                <a:lnTo>
+                  <a:pt x="150" y="1706"/>
+                </a:lnTo>
+                <a:lnTo>
+                  <a:pt x="162" y="1709"/>
+                </a:lnTo>
+                <a:lnTo>
+                  <a:pt x="174" y="1713"/>
+                </a:lnTo>
+                <a:lnTo>
+                  <a:pt x="186" y="1716"/>
+                </a:lnTo>
+                <a:lnTo>
+                  <a:pt x="198" y="1718"/>
+                </a:lnTo>
+                <a:lnTo>
+                  <a:pt x="211" y="1721"/>
+                </a:lnTo>
+                <a:lnTo>
+                  <a:pt x="223" y="1723"/>
+                </a:lnTo>
+                <a:lnTo>
+                  <a:pt x="236" y="1725"/>
+                </a:lnTo>
+                <a:lnTo>
+                  <a:pt x="248" y="1727"/>
+                </a:lnTo>
+                <a:lnTo>
+                  <a:pt x="261" y="1728"/>
+                </a:lnTo>
+                <a:lnTo>
+                  <a:pt x="273" y="1729"/>
+                </a:lnTo>
+                <a:lnTo>
+                  <a:pt x="286" y="1730"/>
+                </a:lnTo>
+                <a:lnTo>
+                  <a:pt x="298" y="1731"/>
+                </a:lnTo>
+                <a:lnTo>
+                  <a:pt x="311" y="1731"/>
+                </a:lnTo>
+                <a:lnTo>
+                  <a:pt x="323" y="1731"/>
+                </a:lnTo>
+                <a:lnTo>
+                  <a:pt x="350" y="1731"/>
+                </a:lnTo>
+                <a:lnTo>
+                  <a:pt x="376" y="1731"/>
+                </a:lnTo>
+                <a:lnTo>
+                  <a:pt x="403" y="1730"/>
+                </a:lnTo>
+                <a:lnTo>
+                  <a:pt x="429" y="1729"/>
+                </a:lnTo>
+                <a:lnTo>
+                  <a:pt x="457" y="1727"/>
+                </a:lnTo>
+                <a:lnTo>
+                  <a:pt x="483" y="1725"/>
+                </a:lnTo>
+                <a:lnTo>
+                  <a:pt x="509" y="1720"/>
+                </a:lnTo>
+                <a:lnTo>
+                  <a:pt x="535" y="1715"/>
+                </a:lnTo>
+                <a:lnTo>
+                  <a:pt x="560" y="1709"/>
+                </a:lnTo>
+                <a:lnTo>
+                  <a:pt x="586" y="1700"/>
+                </a:lnTo>
+                <a:lnTo>
+                  <a:pt x="610" y="1691"/>
+                </a:lnTo>
+                <a:lnTo>
+                  <a:pt x="634" y="1679"/>
+                </a:lnTo>
+                <a:lnTo>
+                  <a:pt x="658" y="1665"/>
+                </a:lnTo>
+                <a:lnTo>
+                  <a:pt x="680" y="1650"/>
+                </a:lnTo>
+                <a:lnTo>
+                  <a:pt x="701" y="1632"/>
+                </a:lnTo>
+                <a:lnTo>
+                  <a:pt x="722" y="1610"/>
+                </a:lnTo>
+                <a:lnTo>
+                  <a:pt x="804" y="1483"/>
+                </a:lnTo>
+                <a:lnTo>
+                  <a:pt x="814" y="1445"/>
+                </a:lnTo>
+                <a:lnTo>
+                  <a:pt x="819" y="1410"/>
+                </a:lnTo>
+                <a:lnTo>
+                  <a:pt x="819" y="1378"/>
+                </a:lnTo>
+                <a:lnTo>
+                  <a:pt x="815" y="1351"/>
+                </a:lnTo>
+                <a:lnTo>
+                  <a:pt x="809" y="1329"/>
+                </a:lnTo>
+                <a:lnTo>
+                  <a:pt x="804" y="1312"/>
+                </a:lnTo>
+                <a:lnTo>
+                  <a:pt x="800" y="1301"/>
+                </a:lnTo>
+                <a:lnTo>
+                  <a:pt x="798" y="1297"/>
+                </a:lnTo>
+                <a:lnTo>
+                  <a:pt x="787" y="1273"/>
+                </a:lnTo>
+                <a:lnTo>
+                  <a:pt x="775" y="1249"/>
+                </a:lnTo>
+                <a:lnTo>
+                  <a:pt x="764" y="1225"/>
+                </a:lnTo>
+                <a:lnTo>
+                  <a:pt x="751" y="1202"/>
+                </a:lnTo>
+                <a:lnTo>
+                  <a:pt x="739" y="1178"/>
+                </a:lnTo>
+                <a:lnTo>
+                  <a:pt x="726" y="1154"/>
+                </a:lnTo>
+                <a:lnTo>
+                  <a:pt x="714" y="1131"/>
+                </a:lnTo>
+                <a:lnTo>
+                  <a:pt x="700" y="1108"/>
+                </a:lnTo>
+                <a:lnTo>
+                  <a:pt x="687" y="1086"/>
+                </a:lnTo>
+                <a:lnTo>
+                  <a:pt x="673" y="1062"/>
+                </a:lnTo>
+                <a:lnTo>
+                  <a:pt x="658" y="1040"/>
+                </a:lnTo>
+                <a:lnTo>
+                  <a:pt x="643" y="1018"/>
+                </a:lnTo>
+                <a:lnTo>
+                  <a:pt x="628" y="996"/>
+                </a:lnTo>
+                <a:lnTo>
+                  <a:pt x="613" y="974"/>
+                </a:lnTo>
+                <a:lnTo>
+                  <a:pt x="595" y="952"/>
+                </a:lnTo>
+                <a:lnTo>
+                  <a:pt x="578" y="929"/>
+                </a:lnTo>
+                <a:lnTo>
+                  <a:pt x="548" y="888"/>
+                </a:lnTo>
+                <a:lnTo>
+                  <a:pt x="520" y="847"/>
+                </a:lnTo>
+                <a:lnTo>
+                  <a:pt x="495" y="805"/>
+                </a:lnTo>
+                <a:lnTo>
+                  <a:pt x="474" y="764"/>
+                </a:lnTo>
+                <a:lnTo>
+                  <a:pt x="455" y="721"/>
+                </a:lnTo>
+                <a:lnTo>
+                  <a:pt x="441" y="679"/>
+                </a:lnTo>
+                <a:lnTo>
+                  <a:pt x="428" y="639"/>
+                </a:lnTo>
+                <a:lnTo>
+                  <a:pt x="419" y="599"/>
+                </a:lnTo>
+                <a:lnTo>
+                  <a:pt x="413" y="560"/>
+                </a:lnTo>
+                <a:lnTo>
+                  <a:pt x="410" y="523"/>
+                </a:lnTo>
+                <a:lnTo>
+                  <a:pt x="410" y="488"/>
+                </a:lnTo>
+                <a:lnTo>
+                  <a:pt x="412" y="455"/>
+                </a:lnTo>
+                <a:lnTo>
+                  <a:pt x="419" y="425"/>
+                </a:lnTo>
+                <a:lnTo>
+                  <a:pt x="427" y="397"/>
+                </a:lnTo>
+                <a:lnTo>
+                  <a:pt x="439" y="373"/>
+                </a:lnTo>
+                <a:lnTo>
+                  <a:pt x="454" y="352"/>
+                </a:lnTo>
+                <a:lnTo>
+                  <a:pt x="476" y="328"/>
+                </a:lnTo>
+                <a:lnTo>
+                  <a:pt x="498" y="304"/>
+                </a:lnTo>
+                <a:lnTo>
+                  <a:pt x="521" y="281"/>
+                </a:lnTo>
+                <a:lnTo>
+                  <a:pt x="546" y="258"/>
+                </a:lnTo>
+                <a:lnTo>
+                  <a:pt x="573" y="236"/>
+                </a:lnTo>
+                <a:lnTo>
+                  <a:pt x="600" y="215"/>
+                </a:lnTo>
+                <a:lnTo>
+                  <a:pt x="628" y="193"/>
+                </a:lnTo>
+                <a:lnTo>
+                  <a:pt x="658" y="174"/>
+                </a:lnTo>
+                <a:lnTo>
+                  <a:pt x="688" y="155"/>
+                </a:lnTo>
+                <a:lnTo>
+                  <a:pt x="718" y="138"/>
+                </a:lnTo>
+                <a:lnTo>
+                  <a:pt x="750" y="124"/>
+                </a:lnTo>
+                <a:lnTo>
+                  <a:pt x="783" y="110"/>
+                </a:lnTo>
+                <a:lnTo>
+                  <a:pt x="816" y="98"/>
+                </a:lnTo>
+                <a:lnTo>
+                  <a:pt x="849" y="89"/>
+                </a:lnTo>
+                <a:lnTo>
+                  <a:pt x="883" y="81"/>
+                </a:lnTo>
+                <a:lnTo>
+                  <a:pt x="918" y="76"/>
+                </a:lnTo>
+                <a:lnTo>
+                  <a:pt x="939" y="74"/>
+                </a:lnTo>
+                <a:lnTo>
+                  <a:pt x="961" y="74"/>
+                </a:lnTo>
+                <a:lnTo>
+                  <a:pt x="981" y="74"/>
+                </a:lnTo>
+                <a:lnTo>
+                  <a:pt x="1003" y="76"/>
+                </a:lnTo>
+                <a:lnTo>
+                  <a:pt x="1024" y="80"/>
+                </a:lnTo>
+                <a:lnTo>
+                  <a:pt x="1044" y="85"/>
+                </a:lnTo>
+                <a:lnTo>
+                  <a:pt x="1063" y="91"/>
+                </a:lnTo>
+                <a:lnTo>
+                  <a:pt x="1083" y="98"/>
+                </a:lnTo>
+                <a:lnTo>
+                  <a:pt x="1101" y="107"/>
+                </a:lnTo>
+                <a:lnTo>
+                  <a:pt x="1119" y="115"/>
+                </a:lnTo>
+                <a:lnTo>
+                  <a:pt x="1137" y="126"/>
+                </a:lnTo>
+                <a:lnTo>
+                  <a:pt x="1154" y="136"/>
+                </a:lnTo>
+                <a:lnTo>
+                  <a:pt x="1170" y="148"/>
+                </a:lnTo>
+                <a:lnTo>
+                  <a:pt x="1186" y="161"/>
+                </a:lnTo>
+                <a:lnTo>
+                  <a:pt x="1200" y="174"/>
+                </a:lnTo>
+                <a:lnTo>
+                  <a:pt x="1215" y="188"/>
+                </a:lnTo>
+                <a:lnTo>
+                  <a:pt x="1227" y="204"/>
+                </a:lnTo>
+                <a:lnTo>
+                  <a:pt x="1240" y="220"/>
+                </a:lnTo>
+                <a:lnTo>
+                  <a:pt x="1250" y="236"/>
+                </a:lnTo>
+                <a:lnTo>
+                  <a:pt x="1260" y="253"/>
+                </a:lnTo>
+                <a:lnTo>
+                  <a:pt x="1269" y="270"/>
+                </a:lnTo>
+                <a:lnTo>
+                  <a:pt x="1277" y="288"/>
+                </a:lnTo>
+                <a:lnTo>
+                  <a:pt x="1283" y="307"/>
+                </a:lnTo>
+                <a:lnTo>
+                  <a:pt x="1289" y="326"/>
+                </a:lnTo>
+                <a:lnTo>
+                  <a:pt x="1252" y="351"/>
+                </a:lnTo>
+                <a:lnTo>
+                  <a:pt x="1249" y="392"/>
+                </a:lnTo>
+                <a:lnTo>
+                  <a:pt x="1251" y="438"/>
+                </a:lnTo>
+                <a:lnTo>
+                  <a:pt x="1256" y="484"/>
+                </a:lnTo>
+                <a:lnTo>
+                  <a:pt x="1261" y="525"/>
+                </a:lnTo>
+                <a:lnTo>
+                  <a:pt x="1240" y="534"/>
+                </a:lnTo>
+                <a:lnTo>
+                  <a:pt x="1218" y="545"/>
+                </a:lnTo>
+                <a:lnTo>
+                  <a:pt x="1198" y="558"/>
+                </a:lnTo>
+                <a:lnTo>
+                  <a:pt x="1178" y="570"/>
+                </a:lnTo>
+                <a:lnTo>
+                  <a:pt x="1159" y="584"/>
+                </a:lnTo>
+                <a:lnTo>
+                  <a:pt x="1141" y="599"/>
+                </a:lnTo>
+                <a:lnTo>
+                  <a:pt x="1123" y="615"/>
+                </a:lnTo>
+                <a:lnTo>
+                  <a:pt x="1105" y="632"/>
+                </a:lnTo>
+                <a:lnTo>
+                  <a:pt x="1090" y="649"/>
+                </a:lnTo>
+                <a:lnTo>
+                  <a:pt x="1075" y="668"/>
+                </a:lnTo>
+                <a:lnTo>
+                  <a:pt x="1061" y="685"/>
+                </a:lnTo>
+                <a:lnTo>
+                  <a:pt x="1049" y="704"/>
+                </a:lnTo>
+                <a:lnTo>
+                  <a:pt x="1036" y="725"/>
+                </a:lnTo>
+                <a:lnTo>
+                  <a:pt x="1026" y="746"/>
+                </a:lnTo>
+                <a:lnTo>
+                  <a:pt x="1017" y="767"/>
+                </a:lnTo>
+                <a:lnTo>
+                  <a:pt x="1009" y="788"/>
+                </a:lnTo>
+                <a:lnTo>
+                  <a:pt x="989" y="850"/>
+                </a:lnTo>
+                <a:lnTo>
+                  <a:pt x="973" y="913"/>
+                </a:lnTo>
+                <a:lnTo>
+                  <a:pt x="963" y="973"/>
+                </a:lnTo>
+                <a:lnTo>
+                  <a:pt x="956" y="1033"/>
+                </a:lnTo>
+                <a:lnTo>
+                  <a:pt x="954" y="1094"/>
+                </a:lnTo>
+                <a:lnTo>
+                  <a:pt x="956" y="1155"/>
+                </a:lnTo>
+                <a:lnTo>
+                  <a:pt x="963" y="1218"/>
+                </a:lnTo>
+                <a:lnTo>
+                  <a:pt x="976" y="1282"/>
+                </a:lnTo>
+                <a:lnTo>
+                  <a:pt x="976" y="1288"/>
+                </a:lnTo>
+                <a:lnTo>
+                  <a:pt x="979" y="1304"/>
+                </a:lnTo>
+                <a:lnTo>
+                  <a:pt x="986" y="1327"/>
+                </a:lnTo>
+                <a:lnTo>
+                  <a:pt x="995" y="1357"/>
+                </a:lnTo>
+                <a:lnTo>
+                  <a:pt x="1006" y="1393"/>
+                </a:lnTo>
+                <a:lnTo>
+                  <a:pt x="1020" y="1433"/>
+                </a:lnTo>
+                <a:lnTo>
+                  <a:pt x="1036" y="1477"/>
+                </a:lnTo>
+                <a:lnTo>
+                  <a:pt x="1053" y="1524"/>
+                </a:lnTo>
+                <a:lnTo>
+                  <a:pt x="1071" y="1571"/>
+                </a:lnTo>
+                <a:lnTo>
+                  <a:pt x="1091" y="1620"/>
+                </a:lnTo>
+                <a:lnTo>
+                  <a:pt x="1110" y="1667"/>
+                </a:lnTo>
+                <a:lnTo>
+                  <a:pt x="1132" y="1714"/>
+                </a:lnTo>
+                <a:lnTo>
+                  <a:pt x="1152" y="1757"/>
+                </a:lnTo>
+                <a:lnTo>
+                  <a:pt x="1174" y="1796"/>
+                </a:lnTo>
+                <a:lnTo>
+                  <a:pt x="1194" y="1831"/>
+                </a:lnTo>
+                <a:lnTo>
+                  <a:pt x="1215" y="1861"/>
+                </a:lnTo>
+                <a:lnTo>
+                  <a:pt x="1227" y="1888"/>
+                </a:lnTo>
+                <a:lnTo>
+                  <a:pt x="1247" y="1925"/>
+                </a:lnTo>
+                <a:lnTo>
+                  <a:pt x="1271" y="1969"/>
+                </a:lnTo>
+                <a:lnTo>
+                  <a:pt x="1297" y="2015"/>
+                </a:lnTo>
+                <a:lnTo>
+                  <a:pt x="1322" y="2058"/>
+                </a:lnTo>
+                <a:lnTo>
+                  <a:pt x="1346" y="2094"/>
+                </a:lnTo>
+                <a:lnTo>
+                  <a:pt x="1365" y="2118"/>
+                </a:lnTo>
+                <a:lnTo>
+                  <a:pt x="1378" y="2127"/>
+                </a:lnTo>
+                <a:lnTo>
+                  <a:pt x="1947" y="1961"/>
+                </a:lnTo>
+                <a:lnTo>
+                  <a:pt x="1950" y="1923"/>
+                </a:lnTo>
+                <a:lnTo>
+                  <a:pt x="1955" y="1883"/>
+                </a:lnTo>
+                <a:lnTo>
+                  <a:pt x="1960" y="1843"/>
+                </a:lnTo>
+                <a:lnTo>
+                  <a:pt x="1965" y="1802"/>
+                </a:lnTo>
+                <a:lnTo>
+                  <a:pt x="1971" y="1759"/>
+                </a:lnTo>
+                <a:lnTo>
+                  <a:pt x="1976" y="1718"/>
+                </a:lnTo>
+                <a:lnTo>
+                  <a:pt x="1983" y="1678"/>
+                </a:lnTo>
+                <a:lnTo>
+                  <a:pt x="1989" y="1639"/>
+                </a:lnTo>
+                <a:lnTo>
+                  <a:pt x="1891" y="1639"/>
+                </a:lnTo>
+                <a:close/>
+              </a:path>
+            </a:pathLst>
+          </a:custGeom>
+          <a:solidFill>
+            <a:schemeClr val="bg1">
+              <a:lumMod val="65000"/>
+            </a:schemeClr>
+          </a:solidFill>
+          <a:ln w="9525">
+            <a:solidFill>
+              <a:schemeClr val="bg1">
+                <a:lumMod val="65000"/>
+              </a:schemeClr>
+            </a:solidFill>
+            <a:round/>
+            <a:headEnd/>
+            <a:tailEnd/>
+          </a:ln>
+        </p:spPr>
+        <p:txBody>
+          <a:bodyPr vert="horz" wrap="square" lIns="91440" tIns="45720" rIns="91440" bIns="45720" numCol="1" anchor="t" anchorCtr="0" compatLnSpc="1">
+            <a:prstTxWarp prst="textNoShape">
+              <a:avLst/>
+            </a:prstTxWarp>
+          </a:bodyPr>
+          <a:lstStyle/>
+          <a:p>
+            <a:endParaRPr lang="en-SG"/>
+          </a:p>
+        </p:txBody>
+      </p:sp>
+      <p:sp>
+        <p:nvSpPr>
+          <p:cNvPr id="9" name="Freeform 10"/>
+          <p:cNvSpPr>
+            <a:spLocks/>
+          </p:cNvSpPr>
+          <p:nvPr/>
+        </p:nvSpPr>
+        <p:spPr bwMode="auto">
+          <a:xfrm>
+            <a:off x="6469063" y="1939646"/>
+            <a:ext cx="0" cy="1588"/>
+          </a:xfrm>
+          <a:custGeom>
+            <a:avLst/>
+            <a:gdLst>
+              <a:gd name="T0" fmla="*/ 2 w 2"/>
+              <a:gd name="T1" fmla="*/ 0 h 3"/>
+              <a:gd name="T2" fmla="*/ 0 w 2"/>
+              <a:gd name="T3" fmla="*/ 3 h 3"/>
+              <a:gd name="T4" fmla="*/ 0 w 2"/>
+              <a:gd name="T5" fmla="*/ 3 h 3"/>
+              <a:gd name="T6" fmla="*/ 0 w 2"/>
+              <a:gd name="T7" fmla="*/ 3 h 3"/>
+              <a:gd name="T8" fmla="*/ 0 w 2"/>
+              <a:gd name="T9" fmla="*/ 3 h 3"/>
+              <a:gd name="T10" fmla="*/ 0 w 2"/>
+              <a:gd name="T11" fmla="*/ 3 h 3"/>
+              <a:gd name="T12" fmla="*/ 2 w 2"/>
+              <a:gd name="T13" fmla="*/ 0 h 3"/>
+            </a:gdLst>
+            <a:ahLst/>
+            <a:cxnLst>
+              <a:cxn ang="0">
+                <a:pos x="T0" y="T1"/>
+              </a:cxn>
+              <a:cxn ang="0">
+                <a:pos x="T2" y="T3"/>
+              </a:cxn>
+              <a:cxn ang="0">
+                <a:pos x="T4" y="T5"/>
+              </a:cxn>
+              <a:cxn ang="0">
+                <a:pos x="T6" y="T7"/>
+              </a:cxn>
+              <a:cxn ang="0">
+                <a:pos x="T8" y="T9"/>
+              </a:cxn>
+              <a:cxn ang="0">
+                <a:pos x="T10" y="T11"/>
+              </a:cxn>
+              <a:cxn ang="0">
+                <a:pos x="T12" y="T13"/>
+              </a:cxn>
+            </a:cxnLst>
+            <a:rect l="0" t="0" r="r" b="b"/>
+            <a:pathLst>
+              <a:path w="2" h="3">
+                <a:moveTo>
+                  <a:pt x="2" y="0"/>
+                </a:moveTo>
+                <a:lnTo>
+                  <a:pt x="0" y="3"/>
+                </a:lnTo>
+                <a:lnTo>
+                  <a:pt x="0" y="3"/>
+                </a:lnTo>
+                <a:lnTo>
+                  <a:pt x="0" y="3"/>
+                </a:lnTo>
+                <a:lnTo>
+                  <a:pt x="0" y="3"/>
+                </a:lnTo>
+                <a:lnTo>
+                  <a:pt x="0" y="3"/>
+                </a:lnTo>
+                <a:lnTo>
+                  <a:pt x="2" y="0"/>
+                </a:lnTo>
+                <a:close/>
+              </a:path>
+            </a:pathLst>
+          </a:custGeom>
+          <a:solidFill>
+            <a:srgbClr val="000000"/>
+          </a:solidFill>
+          <a:ln>
+            <a:noFill/>
+          </a:ln>
+          <a:extLst>
+            <a:ext uri="{91240B29-F687-4F45-9708-019B960494DF}">
+              <a14:hiddenLine xmlns:a14="http://schemas.microsoft.com/office/drawing/2010/main" w="9525">
+                <a:solidFill>
+                  <a:srgbClr val="000000"/>
+                </a:solidFill>
+                <a:round/>
+                <a:headEnd/>
+                <a:tailEnd/>
+              </a14:hiddenLine>
+            </a:ext>
+          </a:extLst>
+        </p:spPr>
+        <p:txBody>
+          <a:bodyPr vert="horz" wrap="square" lIns="91440" tIns="45720" rIns="91440" bIns="45720" numCol="1" anchor="t" anchorCtr="0" compatLnSpc="1">
+            <a:prstTxWarp prst="textNoShape">
+              <a:avLst/>
+            </a:prstTxWarp>
+          </a:bodyPr>
+          <a:lstStyle/>
+          <a:p>
+            <a:endParaRPr lang="en-SG"/>
+          </a:p>
+        </p:txBody>
+      </p:sp>
+      <p:grpSp>
+        <p:nvGrpSpPr>
+          <p:cNvPr id="75" name="Group 74"/>
+          <p:cNvGrpSpPr/>
+          <p:nvPr/>
+        </p:nvGrpSpPr>
+        <p:grpSpPr>
+          <a:xfrm>
+            <a:off x="5622925" y="1287462"/>
+            <a:ext cx="298983" cy="520531"/>
+            <a:chOff x="638861" y="309422"/>
+            <a:chExt cx="298983" cy="520531"/>
+          </a:xfrm>
+        </p:grpSpPr>
+        <p:sp>
+          <p:nvSpPr>
+            <p:cNvPr id="81" name="Flowchart: Connector 80"/>
+            <p:cNvSpPr/>
+            <p:nvPr/>
+          </p:nvSpPr>
+          <p:spPr>
+            <a:xfrm>
+              <a:off x="678021" y="309422"/>
+              <a:ext cx="220662" cy="220662"/>
+            </a:xfrm>
+            <a:prstGeom prst="flowChartConnector">
+              <a:avLst/>
+            </a:prstGeom>
+            <a:solidFill>
+              <a:schemeClr val="bg1"/>
+            </a:solidFill>
+          </p:spPr>
+          <p:style>
+            <a:lnRef idx="2">
+              <a:schemeClr val="accent1">
+                <a:shade val="50000"/>
+              </a:schemeClr>
+            </a:lnRef>
+            <a:fillRef idx="1">
+              <a:schemeClr val="accent1"/>
+            </a:fillRef>
+            <a:effectRef idx="0">
+              <a:schemeClr val="accent1"/>
+            </a:effectRef>
+            <a:fontRef idx="minor">
+              <a:schemeClr val="lt1"/>
+            </a:fontRef>
+          </p:style>
+          <p:txBody>
+            <a:bodyPr rtlCol="0" anchor="ctr"/>
+            <a:lstStyle/>
+            <a:p>
+              <a:pPr algn="ctr"/>
+              <a:endParaRPr lang="en-SG"/>
+            </a:p>
+          </p:txBody>
+        </p:sp>
+        <p:grpSp>
+          <p:nvGrpSpPr>
+            <p:cNvPr id="82" name="Group 81"/>
+            <p:cNvGrpSpPr/>
+            <p:nvPr/>
+          </p:nvGrpSpPr>
+          <p:grpSpPr>
+            <a:xfrm>
+              <a:off x="638861" y="549600"/>
+              <a:ext cx="298983" cy="280353"/>
+              <a:chOff x="638861" y="549600"/>
+              <a:chExt cx="298983" cy="280353"/>
+            </a:xfrm>
+          </p:grpSpPr>
+          <p:sp>
+            <p:nvSpPr>
+              <p:cNvPr id="92" name="Flowchart: Delay 91"/>
+              <p:cNvSpPr/>
+              <p:nvPr/>
+            </p:nvSpPr>
+            <p:spPr>
+              <a:xfrm rot="16200000">
+                <a:off x="648176" y="540285"/>
+                <a:ext cx="280353" cy="298983"/>
+              </a:xfrm>
+              <a:prstGeom prst="flowChartDelay">
+                <a:avLst/>
+              </a:prstGeom>
+              <a:solidFill>
+                <a:schemeClr val="bg1"/>
+              </a:solidFill>
+            </p:spPr>
+            <p:style>
+              <a:lnRef idx="2">
+                <a:schemeClr val="accent1">
+                  <a:shade val="50000"/>
+                </a:schemeClr>
+              </a:lnRef>
+              <a:fillRef idx="1">
+                <a:schemeClr val="accent1"/>
+              </a:fillRef>
+              <a:effectRef idx="0">
+                <a:schemeClr val="accent1"/>
+              </a:effectRef>
+              <a:fontRef idx="minor">
+                <a:schemeClr val="lt1"/>
+              </a:fontRef>
+            </p:style>
+            <p:txBody>
+              <a:bodyPr rtlCol="0" anchor="ctr"/>
+              <a:lstStyle/>
+              <a:p>
+                <a:pPr algn="ctr"/>
+                <a:endParaRPr lang="en-SG"/>
+              </a:p>
+            </p:txBody>
+          </p:sp>
+          <p:sp>
+            <p:nvSpPr>
+              <p:cNvPr id="99" name="Freeform 98"/>
+              <p:cNvSpPr/>
+              <p:nvPr/>
+            </p:nvSpPr>
+            <p:spPr>
+              <a:xfrm>
+                <a:off x="737215" y="552954"/>
+                <a:ext cx="102393" cy="235744"/>
+              </a:xfrm>
+              <a:custGeom>
+                <a:avLst/>
+                <a:gdLst>
+                  <a:gd name="connsiteX0" fmla="*/ 47625 w 102393"/>
+                  <a:gd name="connsiteY0" fmla="*/ 0 h 235744"/>
+                  <a:gd name="connsiteX1" fmla="*/ 0 w 102393"/>
+                  <a:gd name="connsiteY1" fmla="*/ 185738 h 235744"/>
+                  <a:gd name="connsiteX2" fmla="*/ 57150 w 102393"/>
+                  <a:gd name="connsiteY2" fmla="*/ 235744 h 235744"/>
+                  <a:gd name="connsiteX3" fmla="*/ 102393 w 102393"/>
+                  <a:gd name="connsiteY3" fmla="*/ 171450 h 235744"/>
+                  <a:gd name="connsiteX4" fmla="*/ 47625 w 102393"/>
+                  <a:gd name="connsiteY4" fmla="*/ 0 h 235744"/>
+                </a:gdLst>
+                <a:ahLst/>
+                <a:cxnLst>
+                  <a:cxn ang="0">
+                    <a:pos x="connsiteX0" y="connsiteY0"/>
+                  </a:cxn>
+                  <a:cxn ang="0">
+                    <a:pos x="connsiteX1" y="connsiteY1"/>
+                  </a:cxn>
+                  <a:cxn ang="0">
+                    <a:pos x="connsiteX2" y="connsiteY2"/>
+                  </a:cxn>
+                  <a:cxn ang="0">
+                    <a:pos x="connsiteX3" y="connsiteY3"/>
+                  </a:cxn>
+                  <a:cxn ang="0">
+                    <a:pos x="connsiteX4" y="connsiteY4"/>
+                  </a:cxn>
+                </a:cxnLst>
+                <a:rect l="l" t="t" r="r" b="b"/>
+                <a:pathLst>
+                  <a:path w="102393" h="235744">
+                    <a:moveTo>
+                      <a:pt x="47625" y="0"/>
+                    </a:moveTo>
+                    <a:lnTo>
+                      <a:pt x="0" y="185738"/>
+                    </a:lnTo>
+                    <a:lnTo>
+                      <a:pt x="57150" y="235744"/>
+                    </a:lnTo>
+                    <a:lnTo>
+                      <a:pt x="102393" y="171450"/>
+                    </a:lnTo>
+                    <a:lnTo>
+                      <a:pt x="47625" y="0"/>
+                    </a:lnTo>
+                    <a:close/>
+                  </a:path>
+                </a:pathLst>
+              </a:custGeom>
+              <a:solidFill>
+                <a:schemeClr val="bg1"/>
+              </a:solidFill>
+            </p:spPr>
+            <p:style>
+              <a:lnRef idx="2">
+                <a:schemeClr val="accent1">
+                  <a:shade val="50000"/>
+                </a:schemeClr>
+              </a:lnRef>
+              <a:fillRef idx="1">
+                <a:schemeClr val="accent1"/>
+              </a:fillRef>
+              <a:effectRef idx="0">
+                <a:schemeClr val="accent1"/>
+              </a:effectRef>
+              <a:fontRef idx="minor">
+                <a:schemeClr val="lt1"/>
+              </a:fontRef>
+            </p:style>
+            <p:txBody>
+              <a:bodyPr rtlCol="0" anchor="ctr"/>
+              <a:lstStyle/>
+              <a:p>
+                <a:pPr algn="ctr"/>
+                <a:endParaRPr lang="en-SG"/>
+              </a:p>
+            </p:txBody>
+          </p:sp>
+        </p:grpSp>
+        <p:sp>
+          <p:nvSpPr>
+            <p:cNvPr id="84" name="Freeform 83"/>
+            <p:cNvSpPr/>
+            <p:nvPr/>
+          </p:nvSpPr>
+          <p:spPr>
+            <a:xfrm>
+              <a:off x="882472" y="469611"/>
+              <a:ext cx="50006" cy="19050"/>
+            </a:xfrm>
+            <a:custGeom>
+              <a:avLst/>
+              <a:gdLst>
+                <a:gd name="connsiteX0" fmla="*/ 0 w 50006"/>
+                <a:gd name="connsiteY0" fmla="*/ 0 h 19050"/>
+                <a:gd name="connsiteX1" fmla="*/ 0 w 50006"/>
+                <a:gd name="connsiteY1" fmla="*/ 0 h 19050"/>
+                <a:gd name="connsiteX2" fmla="*/ 21431 w 50006"/>
+                <a:gd name="connsiteY2" fmla="*/ 4762 h 19050"/>
+                <a:gd name="connsiteX3" fmla="*/ 28575 w 50006"/>
+                <a:gd name="connsiteY3" fmla="*/ 9525 h 19050"/>
+                <a:gd name="connsiteX4" fmla="*/ 38100 w 50006"/>
+                <a:gd name="connsiteY4" fmla="*/ 14287 h 19050"/>
+                <a:gd name="connsiteX5" fmla="*/ 50006 w 50006"/>
+                <a:gd name="connsiteY5" fmla="*/ 19050 h 19050"/>
+              </a:gdLst>
+              <a:ahLst/>
+              <a:cxnLst>
+                <a:cxn ang="0">
+                  <a:pos x="connsiteX0" y="connsiteY0"/>
+                </a:cxn>
+                <a:cxn ang="0">
+                  <a:pos x="connsiteX1" y="connsiteY1"/>
+                </a:cxn>
+                <a:cxn ang="0">
+                  <a:pos x="connsiteX2" y="connsiteY2"/>
+                </a:cxn>
+                <a:cxn ang="0">
+                  <a:pos x="connsiteX3" y="connsiteY3"/>
+                </a:cxn>
+                <a:cxn ang="0">
+                  <a:pos x="connsiteX4" y="connsiteY4"/>
+                </a:cxn>
+                <a:cxn ang="0">
+                  <a:pos x="connsiteX5" y="connsiteY5"/>
+                </a:cxn>
+              </a:cxnLst>
+              <a:rect l="l" t="t" r="r" b="b"/>
+              <a:pathLst>
+                <a:path w="50006" h="19050">
+                  <a:moveTo>
+                    <a:pt x="0" y="0"/>
+                  </a:moveTo>
+                  <a:lnTo>
+                    <a:pt x="0" y="0"/>
+                  </a:lnTo>
+                  <a:cubicBezTo>
+                    <a:pt x="7144" y="1587"/>
+                    <a:pt x="14489" y="2448"/>
+                    <a:pt x="21431" y="4762"/>
+                  </a:cubicBezTo>
+                  <a:cubicBezTo>
+                    <a:pt x="24146" y="5667"/>
+                    <a:pt x="26090" y="8105"/>
+                    <a:pt x="28575" y="9525"/>
+                  </a:cubicBezTo>
+                  <a:cubicBezTo>
+                    <a:pt x="31657" y="11286"/>
+                    <a:pt x="34837" y="12889"/>
+                    <a:pt x="38100" y="14287"/>
+                  </a:cubicBezTo>
+                  <a:cubicBezTo>
+                    <a:pt x="58672" y="23103"/>
+                    <a:pt x="34691" y="11391"/>
+                    <a:pt x="50006" y="19050"/>
+                  </a:cubicBezTo>
+                </a:path>
+              </a:pathLst>
+            </a:custGeom>
+            <a:solidFill>
+              <a:schemeClr val="bg1"/>
+            </a:solidFill>
+          </p:spPr>
+          <p:style>
+            <a:lnRef idx="2">
+              <a:schemeClr val="accent1">
+                <a:shade val="50000"/>
+              </a:schemeClr>
+            </a:lnRef>
+            <a:fillRef idx="1">
+              <a:schemeClr val="accent1"/>
+            </a:fillRef>
+            <a:effectRef idx="0">
+              <a:schemeClr val="accent1"/>
+            </a:effectRef>
+            <a:fontRef idx="minor">
+              <a:schemeClr val="lt1"/>
+            </a:fontRef>
+          </p:style>
+          <p:txBody>
+            <a:bodyPr rtlCol="0" anchor="ctr"/>
+            <a:lstStyle/>
+            <a:p>
+              <a:pPr algn="ctr"/>
+              <a:endParaRPr lang="en-SG"/>
+            </a:p>
+          </p:txBody>
+        </p:sp>
+        <p:sp>
+          <p:nvSpPr>
+            <p:cNvPr id="88" name="Flowchart: Connector 87"/>
+            <p:cNvSpPr/>
+            <p:nvPr/>
+          </p:nvSpPr>
+          <p:spPr>
+            <a:xfrm>
+              <a:off x="800257" y="354516"/>
+              <a:ext cx="45719" cy="45719"/>
+            </a:xfrm>
+            <a:prstGeom prst="flowChartConnector">
+              <a:avLst/>
+            </a:prstGeom>
+            <a:solidFill>
+              <a:schemeClr val="bg1"/>
+            </a:solidFill>
+            <a:ln>
+              <a:solidFill>
+                <a:schemeClr val="accent1">
+                  <a:lumMod val="75000"/>
+                </a:schemeClr>
+              </a:solidFill>
+            </a:ln>
+          </p:spPr>
+          <p:style>
+            <a:lnRef idx="2">
+              <a:schemeClr val="accent1">
+                <a:shade val="50000"/>
+              </a:schemeClr>
+            </a:lnRef>
+            <a:fillRef idx="1">
+              <a:schemeClr val="accent1"/>
+            </a:fillRef>
+            <a:effectRef idx="0">
+              <a:schemeClr val="accent1"/>
+            </a:effectRef>
+            <a:fontRef idx="minor">
+              <a:schemeClr val="lt1"/>
+            </a:fontRef>
+          </p:style>
+          <p:txBody>
+            <a:bodyPr rtlCol="0" anchor="ctr"/>
+            <a:lstStyle/>
+            <a:p>
+              <a:pPr algn="ctr"/>
+              <a:endParaRPr lang="en-SG"/>
+            </a:p>
+          </p:txBody>
+        </p:sp>
+      </p:grpSp>
     </p:spTree>
     <p:extLst>
       <p:ext uri="{BB962C8B-B14F-4D97-AF65-F5344CB8AC3E}">

--- a/doc/mockups/homepage image.pptx
+++ b/doc/mockups/homepage image.pptx
@@ -10,7 +10,7 @@
   <p:sldIdLst>
     <p:sldId id="258" r:id="rId2"/>
   </p:sldIdLst>
-  <p:sldSz cx="7740650" cy="2879725"/>
+  <p:sldSz cx="7740650" cy="3108325"/>
   <p:notesSz cx="6858000" cy="9144000"/>
   <p:custDataLst>
     <p:tags r:id="rId4"/>
@@ -213,8 +213,8 @@
         </p:nvSpPr>
         <p:spPr>
           <a:xfrm>
-            <a:off x="-1179513" y="685800"/>
-            <a:ext cx="9217026" cy="3429000"/>
+            <a:off x="-841375" y="685800"/>
+            <a:ext cx="8540750" cy="3429000"/>
           </a:xfrm>
           <a:prstGeom prst="rect">
             <a:avLst/>
@@ -490,7 +490,12 @@
             <p:ph type="sldImg"/>
           </p:nvPr>
         </p:nvSpPr>
-        <p:spPr/>
+        <p:spPr>
+          <a:xfrm>
+            <a:off x="-841375" y="685800"/>
+            <a:ext cx="8540750" cy="3429000"/>
+          </a:xfrm>
+        </p:spPr>
       </p:sp>
       <p:sp>
         <p:nvSpPr>
@@ -576,8 +581,8 @@
         </p:nvSpPr>
         <p:spPr>
           <a:xfrm>
-            <a:off x="580550" y="894582"/>
-            <a:ext cx="6579552" cy="617275"/>
+            <a:off x="580550" y="965597"/>
+            <a:ext cx="6579552" cy="666276"/>
           </a:xfrm>
         </p:spPr>
         <p:txBody>
@@ -604,8 +609,8 @@
         </p:nvSpPr>
         <p:spPr>
           <a:xfrm>
-            <a:off x="1161098" y="1631845"/>
-            <a:ext cx="5418455" cy="735929"/>
+            <a:off x="1161099" y="1761386"/>
+            <a:ext cx="5418455" cy="794349"/>
           </a:xfrm>
         </p:spPr>
         <p:txBody>
@@ -982,8 +987,8 @@
         </p:nvSpPr>
         <p:spPr>
           <a:xfrm>
-            <a:off x="5611971" y="115324"/>
-            <a:ext cx="1741647" cy="2457099"/>
+            <a:off x="5611972" y="124479"/>
+            <a:ext cx="1741647" cy="2652150"/>
           </a:xfrm>
         </p:spPr>
         <p:txBody>
@@ -1010,8 +1015,8 @@
         </p:nvSpPr>
         <p:spPr>
           <a:xfrm>
-            <a:off x="387033" y="115324"/>
-            <a:ext cx="5095928" cy="2457099"/>
+            <a:off x="387033" y="124479"/>
+            <a:ext cx="5095928" cy="2652150"/>
           </a:xfrm>
         </p:spPr>
         <p:txBody>
@@ -1326,8 +1331,8 @@
         </p:nvSpPr>
         <p:spPr>
           <a:xfrm>
-            <a:off x="611459" y="1850492"/>
-            <a:ext cx="6579552" cy="571945"/>
+            <a:off x="611459" y="1997390"/>
+            <a:ext cx="6579552" cy="617347"/>
           </a:xfrm>
         </p:spPr>
         <p:txBody>
@@ -1358,8 +1363,8 @@
         </p:nvSpPr>
         <p:spPr>
           <a:xfrm>
-            <a:off x="611459" y="1220551"/>
-            <a:ext cx="6579552" cy="629940"/>
+            <a:off x="611459" y="1317442"/>
+            <a:ext cx="6579552" cy="679946"/>
           </a:xfrm>
         </p:spPr>
         <p:txBody>
@@ -1592,8 +1597,8 @@
         </p:nvSpPr>
         <p:spPr>
           <a:xfrm>
-            <a:off x="387032" y="671937"/>
-            <a:ext cx="3418787" cy="1900485"/>
+            <a:off x="387033" y="725278"/>
+            <a:ext cx="3418787" cy="2051350"/>
           </a:xfrm>
         </p:spPr>
         <p:txBody>
@@ -1677,8 +1682,8 @@
         </p:nvSpPr>
         <p:spPr>
           <a:xfrm>
-            <a:off x="3934831" y="671937"/>
-            <a:ext cx="3418787" cy="1900485"/>
+            <a:off x="3934831" y="725278"/>
+            <a:ext cx="3418787" cy="2051350"/>
           </a:xfrm>
         </p:spPr>
         <p:txBody>
@@ -1881,8 +1886,8 @@
         </p:nvSpPr>
         <p:spPr>
           <a:xfrm>
-            <a:off x="387033" y="644606"/>
-            <a:ext cx="3420131" cy="268641"/>
+            <a:off x="387034" y="695777"/>
+            <a:ext cx="3420131" cy="289966"/>
           </a:xfrm>
         </p:spPr>
         <p:txBody>
@@ -1946,8 +1951,8 @@
         </p:nvSpPr>
         <p:spPr>
           <a:xfrm>
-            <a:off x="387033" y="913248"/>
-            <a:ext cx="3420131" cy="1659175"/>
+            <a:off x="387034" y="985744"/>
+            <a:ext cx="3420131" cy="1790885"/>
           </a:xfrm>
         </p:spPr>
         <p:txBody>
@@ -2031,8 +2036,8 @@
         </p:nvSpPr>
         <p:spPr>
           <a:xfrm>
-            <a:off x="3932143" y="644606"/>
-            <a:ext cx="3421475" cy="268641"/>
+            <a:off x="3932143" y="695777"/>
+            <a:ext cx="3421475" cy="289966"/>
           </a:xfrm>
         </p:spPr>
         <p:txBody>
@@ -2096,8 +2101,8 @@
         </p:nvSpPr>
         <p:spPr>
           <a:xfrm>
-            <a:off x="3932143" y="913248"/>
-            <a:ext cx="3421475" cy="1659175"/>
+            <a:off x="3932143" y="985744"/>
+            <a:ext cx="3421475" cy="1790885"/>
           </a:xfrm>
         </p:spPr>
         <p:txBody>
@@ -2480,8 +2485,8 @@
         </p:nvSpPr>
         <p:spPr>
           <a:xfrm>
-            <a:off x="387033" y="114657"/>
-            <a:ext cx="2546620" cy="487953"/>
+            <a:off x="387033" y="123759"/>
+            <a:ext cx="2546620" cy="526688"/>
           </a:xfrm>
         </p:spPr>
         <p:txBody>
@@ -2512,8 +2517,8 @@
         </p:nvSpPr>
         <p:spPr>
           <a:xfrm>
-            <a:off x="3026380" y="114657"/>
-            <a:ext cx="4327238" cy="2457765"/>
+            <a:off x="3026380" y="123759"/>
+            <a:ext cx="4327238" cy="2652869"/>
           </a:xfrm>
         </p:spPr>
         <p:txBody>
@@ -2597,8 +2602,8 @@
         </p:nvSpPr>
         <p:spPr>
           <a:xfrm>
-            <a:off x="387033" y="602610"/>
-            <a:ext cx="2546620" cy="1969812"/>
+            <a:off x="387033" y="650447"/>
+            <a:ext cx="2546620" cy="2126181"/>
           </a:xfrm>
         </p:spPr>
         <p:txBody>
@@ -2754,8 +2759,8 @@
         </p:nvSpPr>
         <p:spPr>
           <a:xfrm>
-            <a:off x="1517222" y="2015807"/>
-            <a:ext cx="4644390" cy="237978"/>
+            <a:off x="1517222" y="2175827"/>
+            <a:ext cx="4644390" cy="256869"/>
           </a:xfrm>
         </p:spPr>
         <p:txBody>
@@ -2786,8 +2791,8 @@
         </p:nvSpPr>
         <p:spPr>
           <a:xfrm>
-            <a:off x="1517222" y="257309"/>
-            <a:ext cx="4644390" cy="1727835"/>
+            <a:off x="1517222" y="277735"/>
+            <a:ext cx="4644390" cy="1864995"/>
           </a:xfrm>
         </p:spPr>
         <p:txBody>
@@ -2847,8 +2852,8 @@
         </p:nvSpPr>
         <p:spPr>
           <a:xfrm>
-            <a:off x="1517222" y="2253786"/>
-            <a:ext cx="4644390" cy="337967"/>
+            <a:off x="1517222" y="2432698"/>
+            <a:ext cx="4644390" cy="364796"/>
           </a:xfrm>
         </p:spPr>
         <p:txBody>
@@ -3009,8 +3014,8 @@
         </p:nvSpPr>
         <p:spPr>
           <a:xfrm>
-            <a:off x="387033" y="115323"/>
-            <a:ext cx="6966585" cy="479954"/>
+            <a:off x="387034" y="124478"/>
+            <a:ext cx="6966585" cy="518054"/>
           </a:xfrm>
           <a:prstGeom prst="rect">
             <a:avLst/>
@@ -3042,8 +3047,8 @@
         </p:nvSpPr>
         <p:spPr>
           <a:xfrm>
-            <a:off x="387033" y="671937"/>
-            <a:ext cx="6966585" cy="1900485"/>
+            <a:off x="387034" y="725278"/>
+            <a:ext cx="6966585" cy="2051350"/>
           </a:xfrm>
           <a:prstGeom prst="rect">
             <a:avLst/>
@@ -3104,8 +3109,8 @@
         </p:nvSpPr>
         <p:spPr>
           <a:xfrm>
-            <a:off x="387032" y="2669080"/>
-            <a:ext cx="1806152" cy="153319"/>
+            <a:off x="387032" y="2880959"/>
+            <a:ext cx="1806152" cy="165490"/>
           </a:xfrm>
           <a:prstGeom prst="rect">
             <a:avLst/>
@@ -3146,8 +3151,8 @@
         </p:nvSpPr>
         <p:spPr>
           <a:xfrm>
-            <a:off x="2644723" y="2669080"/>
-            <a:ext cx="2451206" cy="153319"/>
+            <a:off x="2644723" y="2880959"/>
+            <a:ext cx="2451206" cy="165490"/>
           </a:xfrm>
           <a:prstGeom prst="rect">
             <a:avLst/>
@@ -3183,8 +3188,8 @@
         </p:nvSpPr>
         <p:spPr>
           <a:xfrm>
-            <a:off x="5547466" y="2669080"/>
-            <a:ext cx="1806152" cy="153319"/>
+            <a:off x="5547466" y="2880959"/>
+            <a:ext cx="1806152" cy="165490"/>
           </a:xfrm>
           <a:prstGeom prst="rect">
             <a:avLst/>
@@ -3501,7 +3506,7 @@
       </p:grpSpPr>
       <p:sp>
         <p:nvSpPr>
-          <p:cNvPr id="23" name="Rounded Rectangle 22"/>
+          <p:cNvPr id="100" name="Rounded Rectangle 99"/>
           <p:cNvSpPr/>
           <p:nvPr/>
         </p:nvSpPr>
@@ -3553,7 +3558,7 @@
       </p:sp>
       <p:sp>
         <p:nvSpPr>
-          <p:cNvPr id="31" name="Flowchart: Delay 30"/>
+          <p:cNvPr id="101" name="Flowchart: Delay 100"/>
           <p:cNvSpPr/>
           <p:nvPr/>
         </p:nvSpPr>
@@ -3596,7 +3601,7 @@
       </p:sp>
       <p:sp>
         <p:nvSpPr>
-          <p:cNvPr id="32" name="Freeform 31"/>
+          <p:cNvPr id="103" name="Freeform 102"/>
           <p:cNvSpPr/>
           <p:nvPr/>
         </p:nvSpPr>
@@ -3690,7 +3695,7 @@
       </p:sp>
       <p:sp>
         <p:nvSpPr>
-          <p:cNvPr id="30" name="Flowchart: Connector 29"/>
+          <p:cNvPr id="104" name="Flowchart: Connector 103"/>
           <p:cNvSpPr/>
           <p:nvPr/>
         </p:nvSpPr>
@@ -3733,7 +3738,7 @@
       </p:sp>
       <p:sp>
         <p:nvSpPr>
-          <p:cNvPr id="33" name="Freeform 32"/>
+          <p:cNvPr id="105" name="Freeform 104"/>
           <p:cNvSpPr/>
           <p:nvPr/>
         </p:nvSpPr>
@@ -3842,7 +3847,7 @@
       </p:sp>
       <p:sp>
         <p:nvSpPr>
-          <p:cNvPr id="34" name="Flowchart: Connector 33"/>
+          <p:cNvPr id="106" name="Flowchart: Connector 105"/>
           <p:cNvSpPr/>
           <p:nvPr/>
         </p:nvSpPr>
@@ -3892,7 +3897,7 @@
       </p:sp>
       <p:grpSp>
         <p:nvGrpSpPr>
-          <p:cNvPr id="22" name="Group 21"/>
+          <p:cNvPr id="107" name="Group 106"/>
           <p:cNvGrpSpPr/>
           <p:nvPr/>
         </p:nvGrpSpPr>
@@ -3906,7 +3911,7 @@
         </p:grpSpPr>
         <p:sp>
           <p:nvSpPr>
-            <p:cNvPr id="111" name="Flowchart: Connector 110"/>
+            <p:cNvPr id="109" name="Flowchart: Connector 108"/>
             <p:cNvSpPr/>
             <p:nvPr/>
           </p:nvSpPr>
@@ -3949,7 +3954,7 @@
         </p:sp>
         <p:grpSp>
           <p:nvGrpSpPr>
-            <p:cNvPr id="21" name="Group 20"/>
+            <p:cNvPr id="113" name="Group 112"/>
             <p:cNvGrpSpPr/>
             <p:nvPr/>
           </p:nvGrpSpPr>
@@ -3963,7 +3968,7 @@
           </p:grpSpPr>
           <p:sp>
             <p:nvSpPr>
-              <p:cNvPr id="112" name="Flowchart: Delay 111"/>
+              <p:cNvPr id="119" name="Flowchart: Delay 118"/>
               <p:cNvSpPr/>
               <p:nvPr/>
             </p:nvSpPr>
@@ -4006,7 +4011,7 @@
           </p:sp>
           <p:sp>
             <p:nvSpPr>
-              <p:cNvPr id="114" name="Freeform 113"/>
+              <p:cNvPr id="120" name="Freeform 119"/>
               <p:cNvSpPr/>
               <p:nvPr/>
             </p:nvSpPr>
@@ -4101,7 +4106,7 @@
         </p:grpSp>
         <p:sp>
           <p:nvSpPr>
-            <p:cNvPr id="115" name="Freeform 114"/>
+            <p:cNvPr id="117" name="Freeform 116"/>
             <p:cNvSpPr/>
             <p:nvPr/>
           </p:nvSpPr>
@@ -4210,7 +4215,7 @@
         </p:sp>
         <p:sp>
           <p:nvSpPr>
-            <p:cNvPr id="116" name="Flowchart: Connector 115"/>
+            <p:cNvPr id="118" name="Flowchart: Connector 117"/>
             <p:cNvSpPr/>
             <p:nvPr/>
           </p:nvSpPr>
@@ -4261,7 +4266,7 @@
       </p:grpSp>
       <p:sp>
         <p:nvSpPr>
-          <p:cNvPr id="24" name="Rounded Rectangle 23"/>
+          <p:cNvPr id="121" name="Rounded Rectangle 120"/>
           <p:cNvSpPr/>
           <p:nvPr/>
         </p:nvSpPr>
@@ -4313,7 +4318,7 @@
       </p:sp>
       <p:sp>
         <p:nvSpPr>
-          <p:cNvPr id="93" name="Isosceles Triangle 92"/>
+          <p:cNvPr id="122" name="Isosceles Triangle 121"/>
           <p:cNvSpPr/>
           <p:nvPr/>
         </p:nvSpPr>
@@ -4365,7 +4370,7 @@
       </p:sp>
       <p:sp>
         <p:nvSpPr>
-          <p:cNvPr id="94" name="Isosceles Triangle 93"/>
+          <p:cNvPr id="123" name="Isosceles Triangle 122"/>
           <p:cNvSpPr/>
           <p:nvPr/>
         </p:nvSpPr>
@@ -4417,7 +4422,7 @@
       </p:sp>
       <p:sp>
         <p:nvSpPr>
-          <p:cNvPr id="95" name="Isosceles Triangle 94"/>
+          <p:cNvPr id="124" name="Isosceles Triangle 123"/>
           <p:cNvSpPr/>
           <p:nvPr/>
         </p:nvSpPr>
@@ -4467,7 +4472,7 @@
       </p:sp>
       <p:sp>
         <p:nvSpPr>
-          <p:cNvPr id="98" name="TextBox 97"/>
+          <p:cNvPr id="125" name="TextBox 124"/>
           <p:cNvSpPr txBox="1"/>
           <p:nvPr/>
         </p:nvSpPr>
@@ -4551,7 +4556,7 @@
       </p:sp>
       <p:sp>
         <p:nvSpPr>
-          <p:cNvPr id="102" name="TextBox 101"/>
+          <p:cNvPr id="126" name="TextBox 125"/>
           <p:cNvSpPr txBox="1"/>
           <p:nvPr/>
         </p:nvSpPr>
@@ -4622,7 +4627,7 @@
       </p:sp>
       <p:sp>
         <p:nvSpPr>
-          <p:cNvPr id="108" name="TextBox 107"/>
+          <p:cNvPr id="127" name="TextBox 126"/>
           <p:cNvSpPr txBox="1"/>
           <p:nvPr/>
         </p:nvSpPr>
@@ -4699,7 +4704,7 @@
       </p:sp>
       <p:sp>
         <p:nvSpPr>
-          <p:cNvPr id="110" name="Rounded Rectangle 109"/>
+          <p:cNvPr id="128" name="Rounded Rectangle 127"/>
           <p:cNvSpPr/>
           <p:nvPr/>
         </p:nvSpPr>
@@ -4751,7 +4756,7 @@
       </p:sp>
       <p:sp>
         <p:nvSpPr>
-          <p:cNvPr id="25" name="Rounded Rectangle 24"/>
+          <p:cNvPr id="129" name="Rounded Rectangle 128"/>
           <p:cNvSpPr/>
           <p:nvPr/>
         </p:nvSpPr>
@@ -4803,7 +4808,7 @@
       </p:sp>
       <p:grpSp>
         <p:nvGrpSpPr>
-          <p:cNvPr id="41" name="Group 40"/>
+          <p:cNvPr id="130" name="Group 129"/>
           <p:cNvGrpSpPr/>
           <p:nvPr/>
         </p:nvGrpSpPr>
@@ -4820,7 +4825,7 @@
         </p:grpSpPr>
         <p:sp>
           <p:nvSpPr>
-            <p:cNvPr id="42" name="Flowchart: Connector 41"/>
+            <p:cNvPr id="131" name="Flowchart: Connector 130"/>
             <p:cNvSpPr/>
             <p:nvPr/>
           </p:nvSpPr>
@@ -4868,7 +4873,7 @@
         </p:sp>
         <p:sp>
           <p:nvSpPr>
-            <p:cNvPr id="43" name="Flowchart: Delay 42"/>
+            <p:cNvPr id="132" name="Flowchart: Delay 131"/>
             <p:cNvSpPr/>
             <p:nvPr/>
           </p:nvSpPr>
@@ -4916,7 +4921,7 @@
         </p:sp>
         <p:sp>
           <p:nvSpPr>
-            <p:cNvPr id="45" name="Freeform 44"/>
+            <p:cNvPr id="133" name="Freeform 132"/>
             <p:cNvSpPr/>
             <p:nvPr/>
           </p:nvSpPr>
@@ -5030,7 +5035,7 @@
         </p:sp>
         <p:sp>
           <p:nvSpPr>
-            <p:cNvPr id="46" name="Flowchart: Connector 45"/>
+            <p:cNvPr id="134" name="Flowchart: Connector 133"/>
             <p:cNvSpPr/>
             <p:nvPr/>
           </p:nvSpPr>
@@ -5081,7 +5086,7 @@
       </p:grpSp>
       <p:grpSp>
         <p:nvGrpSpPr>
-          <p:cNvPr id="2" name="Group 1"/>
+          <p:cNvPr id="135" name="Group 134"/>
           <p:cNvGrpSpPr/>
           <p:nvPr/>
         </p:nvGrpSpPr>
@@ -5095,7 +5100,7 @@
         </p:grpSpPr>
         <p:sp>
           <p:nvSpPr>
-            <p:cNvPr id="59" name="Flowchart: Delay 58"/>
+            <p:cNvPr id="136" name="Flowchart: Delay 135"/>
             <p:cNvSpPr/>
             <p:nvPr/>
           </p:nvSpPr>
@@ -5145,7 +5150,7 @@
         </p:sp>
         <p:grpSp>
           <p:nvGrpSpPr>
-            <p:cNvPr id="10" name="Group 9"/>
+            <p:cNvPr id="137" name="Group 136"/>
             <p:cNvGrpSpPr/>
             <p:nvPr/>
           </p:nvGrpSpPr>
@@ -5159,7 +5164,7 @@
           </p:grpSpPr>
           <p:sp>
             <p:nvSpPr>
-              <p:cNvPr id="58" name="Flowchart: Connector 57"/>
+              <p:cNvPr id="138" name="Flowchart: Connector 137"/>
               <p:cNvSpPr/>
               <p:nvPr/>
             </p:nvSpPr>
@@ -5209,7 +5214,7 @@
           </p:sp>
           <p:sp>
             <p:nvSpPr>
-              <p:cNvPr id="60" name="Freeform 59"/>
+              <p:cNvPr id="139" name="Freeform 138"/>
               <p:cNvSpPr/>
               <p:nvPr/>
             </p:nvSpPr>
@@ -5325,7 +5330,7 @@
           </p:sp>
           <p:sp>
             <p:nvSpPr>
-              <p:cNvPr id="61" name="Flowchart: Connector 60"/>
+              <p:cNvPr id="140" name="Flowchart: Connector 139"/>
               <p:cNvSpPr/>
               <p:nvPr/>
             </p:nvSpPr>
@@ -5377,7 +5382,7 @@
       </p:grpSp>
       <p:sp>
         <p:nvSpPr>
-          <p:cNvPr id="67" name="Flowchart: Delay 66"/>
+          <p:cNvPr id="141" name="Flowchart: Delay 140"/>
           <p:cNvSpPr/>
           <p:nvPr/>
         </p:nvSpPr>
@@ -5427,7 +5432,7 @@
       </p:sp>
       <p:grpSp>
         <p:nvGrpSpPr>
-          <p:cNvPr id="12" name="Group 11"/>
+          <p:cNvPr id="142" name="Group 141"/>
           <p:cNvGrpSpPr/>
           <p:nvPr/>
         </p:nvGrpSpPr>
@@ -5441,7 +5446,7 @@
         </p:grpSpPr>
         <p:sp>
           <p:nvSpPr>
-            <p:cNvPr id="66" name="Flowchart: Connector 65"/>
+            <p:cNvPr id="143" name="Flowchart: Connector 142"/>
             <p:cNvSpPr/>
             <p:nvPr/>
           </p:nvSpPr>
@@ -5491,7 +5496,7 @@
         </p:sp>
         <p:sp>
           <p:nvSpPr>
-            <p:cNvPr id="68" name="Freeform 67"/>
+            <p:cNvPr id="144" name="Freeform 143"/>
             <p:cNvSpPr/>
             <p:nvPr/>
           </p:nvSpPr>
@@ -5607,7 +5612,7 @@
         </p:sp>
         <p:sp>
           <p:nvSpPr>
-            <p:cNvPr id="69" name="Flowchart: Connector 68"/>
+            <p:cNvPr id="145" name="Flowchart: Connector 144"/>
             <p:cNvSpPr/>
             <p:nvPr/>
           </p:nvSpPr>
@@ -5658,7 +5663,7 @@
       </p:grpSp>
       <p:sp>
         <p:nvSpPr>
-          <p:cNvPr id="72" name="Flowchart: Delay 71"/>
+          <p:cNvPr id="146" name="Flowchart: Delay 145"/>
           <p:cNvSpPr/>
           <p:nvPr/>
         </p:nvSpPr>
@@ -5708,7 +5713,7 @@
       </p:sp>
       <p:grpSp>
         <p:nvGrpSpPr>
-          <p:cNvPr id="13" name="Group 12"/>
+          <p:cNvPr id="147" name="Group 146"/>
           <p:cNvGrpSpPr/>
           <p:nvPr/>
         </p:nvGrpSpPr>
@@ -5722,7 +5727,7 @@
         </p:grpSpPr>
         <p:sp>
           <p:nvSpPr>
-            <p:cNvPr id="71" name="Flowchart: Connector 70"/>
+            <p:cNvPr id="148" name="Flowchart: Connector 147"/>
             <p:cNvSpPr/>
             <p:nvPr/>
           </p:nvSpPr>
@@ -5772,7 +5777,7 @@
         </p:sp>
         <p:sp>
           <p:nvSpPr>
-            <p:cNvPr id="73" name="Freeform 72"/>
+            <p:cNvPr id="149" name="Freeform 148"/>
             <p:cNvSpPr/>
             <p:nvPr/>
           </p:nvSpPr>
@@ -5888,7 +5893,7 @@
         </p:sp>
         <p:sp>
           <p:nvSpPr>
-            <p:cNvPr id="74" name="Flowchart: Connector 73"/>
+            <p:cNvPr id="150" name="Flowchart: Connector 149"/>
             <p:cNvSpPr/>
             <p:nvPr/>
           </p:nvSpPr>
@@ -5939,7 +5944,7 @@
       </p:grpSp>
       <p:sp>
         <p:nvSpPr>
-          <p:cNvPr id="76" name="Flowchart: Delay 75"/>
+          <p:cNvPr id="151" name="Flowchart: Delay 150"/>
           <p:cNvSpPr/>
           <p:nvPr/>
         </p:nvSpPr>
@@ -5989,7 +5994,7 @@
       </p:sp>
       <p:grpSp>
         <p:nvGrpSpPr>
-          <p:cNvPr id="77" name="Group 76"/>
+          <p:cNvPr id="152" name="Group 151"/>
           <p:cNvGrpSpPr/>
           <p:nvPr/>
         </p:nvGrpSpPr>
@@ -6003,7 +6008,7 @@
         </p:grpSpPr>
         <p:sp>
           <p:nvSpPr>
-            <p:cNvPr id="78" name="Flowchart: Connector 77"/>
+            <p:cNvPr id="153" name="Flowchart: Connector 152"/>
             <p:cNvSpPr/>
             <p:nvPr/>
           </p:nvSpPr>
@@ -6053,7 +6058,7 @@
         </p:sp>
         <p:sp>
           <p:nvSpPr>
-            <p:cNvPr id="79" name="Freeform 78"/>
+            <p:cNvPr id="154" name="Freeform 153"/>
             <p:cNvSpPr/>
             <p:nvPr/>
           </p:nvSpPr>
@@ -6169,7 +6174,7 @@
         </p:sp>
         <p:sp>
           <p:nvSpPr>
-            <p:cNvPr id="80" name="Flowchart: Connector 79"/>
+            <p:cNvPr id="155" name="Flowchart: Connector 154"/>
             <p:cNvSpPr/>
             <p:nvPr/>
           </p:nvSpPr>
@@ -6220,7 +6225,7 @@
       </p:grpSp>
       <p:grpSp>
         <p:nvGrpSpPr>
-          <p:cNvPr id="26" name="Group 25"/>
+          <p:cNvPr id="156" name="Group 155"/>
           <p:cNvGrpSpPr/>
           <p:nvPr/>
         </p:nvGrpSpPr>
@@ -6234,7 +6239,7 @@
         </p:grpSpPr>
         <p:sp>
           <p:nvSpPr>
-            <p:cNvPr id="83" name="Flowchart: Delay 82"/>
+            <p:cNvPr id="157" name="Flowchart: Delay 156"/>
             <p:cNvSpPr/>
             <p:nvPr/>
           </p:nvSpPr>
@@ -6284,7 +6289,7 @@
         </p:sp>
         <p:sp>
           <p:nvSpPr>
-            <p:cNvPr id="85" name="Flowchart: Connector 84"/>
+            <p:cNvPr id="158" name="Flowchart: Connector 157"/>
             <p:cNvSpPr/>
             <p:nvPr/>
           </p:nvSpPr>
@@ -6334,7 +6339,7 @@
         </p:sp>
         <p:sp>
           <p:nvSpPr>
-            <p:cNvPr id="86" name="Freeform 85"/>
+            <p:cNvPr id="159" name="Freeform 158"/>
             <p:cNvSpPr/>
             <p:nvPr/>
           </p:nvSpPr>
@@ -6450,7 +6455,7 @@
         </p:sp>
         <p:sp>
           <p:nvSpPr>
-            <p:cNvPr id="87" name="Flowchart: Connector 86"/>
+            <p:cNvPr id="160" name="Flowchart: Connector 159"/>
             <p:cNvSpPr/>
             <p:nvPr/>
           </p:nvSpPr>
@@ -6501,7 +6506,7 @@
       </p:grpSp>
       <p:sp>
         <p:nvSpPr>
-          <p:cNvPr id="90" name="Flowchart: Delay 89"/>
+          <p:cNvPr id="161" name="Flowchart: Delay 160"/>
           <p:cNvSpPr/>
           <p:nvPr/>
         </p:nvSpPr>
@@ -6544,7 +6549,7 @@
       </p:sp>
       <p:sp>
         <p:nvSpPr>
-          <p:cNvPr id="91" name="Freeform 90"/>
+          <p:cNvPr id="162" name="Freeform 161"/>
           <p:cNvSpPr/>
           <p:nvPr/>
         </p:nvSpPr>
@@ -6638,7 +6643,7 @@
       </p:sp>
       <p:sp>
         <p:nvSpPr>
-          <p:cNvPr id="89" name="Flowchart: Connector 88"/>
+          <p:cNvPr id="163" name="Flowchart: Connector 162"/>
           <p:cNvSpPr/>
           <p:nvPr/>
         </p:nvSpPr>
@@ -6681,7 +6686,7 @@
       </p:sp>
       <p:sp>
         <p:nvSpPr>
-          <p:cNvPr id="96" name="Freeform 95"/>
+          <p:cNvPr id="164" name="Freeform 163"/>
           <p:cNvSpPr/>
           <p:nvPr/>
         </p:nvSpPr>
@@ -6790,7 +6795,7 @@
       </p:sp>
       <p:sp>
         <p:nvSpPr>
-          <p:cNvPr id="97" name="Flowchart: Connector 96"/>
+          <p:cNvPr id="165" name="Flowchart: Connector 164"/>
           <p:cNvSpPr/>
           <p:nvPr/>
         </p:nvSpPr>
@@ -6840,7 +6845,7 @@
       </p:sp>
       <p:sp>
         <p:nvSpPr>
-          <p:cNvPr id="16" name="Freeform 15"/>
+          <p:cNvPr id="166" name="Freeform 165"/>
           <p:cNvSpPr/>
           <p:nvPr/>
         </p:nvSpPr>
@@ -6943,7 +6948,7 @@
       </p:sp>
       <p:sp>
         <p:nvSpPr>
-          <p:cNvPr id="17" name="Freeform 16"/>
+          <p:cNvPr id="167" name="Freeform 166"/>
           <p:cNvSpPr/>
           <p:nvPr/>
         </p:nvSpPr>
@@ -7183,7 +7188,7 @@
       </p:sp>
       <p:sp>
         <p:nvSpPr>
-          <p:cNvPr id="18" name="Freeform 17"/>
+          <p:cNvPr id="168" name="Freeform 167"/>
           <p:cNvSpPr/>
           <p:nvPr/>
         </p:nvSpPr>
@@ -7329,7 +7334,7 @@
       </p:sp>
       <p:sp>
         <p:nvSpPr>
-          <p:cNvPr id="6" name="Freeform 7"/>
+          <p:cNvPr id="169" name="Freeform 7"/>
           <p:cNvSpPr>
             <a:spLocks/>
           </p:cNvSpPr>
@@ -7896,7 +7901,7 @@
       </p:sp>
       <p:sp>
         <p:nvSpPr>
-          <p:cNvPr id="7" name="Freeform 8"/>
+          <p:cNvPr id="170" name="Freeform 8"/>
           <p:cNvSpPr>
             <a:spLocks/>
           </p:cNvSpPr>
@@ -8162,7 +8167,7 @@
       </p:sp>
       <p:sp>
         <p:nvSpPr>
-          <p:cNvPr id="8" name="Freeform 9"/>
+          <p:cNvPr id="171" name="Freeform 9"/>
           <p:cNvSpPr>
             <a:spLocks/>
           </p:cNvSpPr>
@@ -10320,7 +10325,7 @@
       </p:sp>
       <p:sp>
         <p:nvSpPr>
-          <p:cNvPr id="9" name="Freeform 10"/>
+          <p:cNvPr id="172" name="Freeform 10"/>
           <p:cNvSpPr>
             <a:spLocks/>
           </p:cNvSpPr>
@@ -10434,7 +10439,7 @@
       </p:sp>
       <p:grpSp>
         <p:nvGrpSpPr>
-          <p:cNvPr id="75" name="Group 74"/>
+          <p:cNvPr id="173" name="Group 172"/>
           <p:cNvGrpSpPr/>
           <p:nvPr/>
         </p:nvGrpSpPr>
@@ -10448,7 +10453,7 @@
         </p:grpSpPr>
         <p:sp>
           <p:nvSpPr>
-            <p:cNvPr id="81" name="Flowchart: Connector 80"/>
+            <p:cNvPr id="174" name="Flowchart: Connector 173"/>
             <p:cNvSpPr/>
             <p:nvPr/>
           </p:nvSpPr>
@@ -10491,7 +10496,7 @@
         </p:sp>
         <p:grpSp>
           <p:nvGrpSpPr>
-            <p:cNvPr id="82" name="Group 81"/>
+            <p:cNvPr id="175" name="Group 174"/>
             <p:cNvGrpSpPr/>
             <p:nvPr/>
           </p:nvGrpSpPr>
@@ -10505,7 +10510,7 @@
           </p:grpSpPr>
           <p:sp>
             <p:nvSpPr>
-              <p:cNvPr id="92" name="Flowchart: Delay 91"/>
+              <p:cNvPr id="178" name="Flowchart: Delay 177"/>
               <p:cNvSpPr/>
               <p:nvPr/>
             </p:nvSpPr>
@@ -10548,7 +10553,7 @@
           </p:sp>
           <p:sp>
             <p:nvSpPr>
-              <p:cNvPr id="99" name="Freeform 98"/>
+              <p:cNvPr id="179" name="Freeform 178"/>
               <p:cNvSpPr/>
               <p:nvPr/>
             </p:nvSpPr>
@@ -10643,7 +10648,7 @@
         </p:grpSp>
         <p:sp>
           <p:nvSpPr>
-            <p:cNvPr id="84" name="Freeform 83"/>
+            <p:cNvPr id="176" name="Freeform 175"/>
             <p:cNvSpPr/>
             <p:nvPr/>
           </p:nvSpPr>
@@ -10752,7 +10757,7 @@
         </p:sp>
         <p:sp>
           <p:nvSpPr>
-            <p:cNvPr id="88" name="Flowchart: Connector 87"/>
+            <p:cNvPr id="177" name="Flowchart: Connector 176"/>
             <p:cNvSpPr/>
             <p:nvPr/>
           </p:nvSpPr>

--- a/doc/mockups/homepage image.pptx
+++ b/doc/mockups/homepage image.pptx
@@ -1,6 +1,6 @@
 
 <file path=ppt/presentation.xml><?xml version="1.0" encoding="utf-8"?>
-<p:presentation xmlns:a="http://schemas.openxmlformats.org/drawingml/2006/main" xmlns:r="http://schemas.openxmlformats.org/officeDocument/2006/relationships" xmlns:p="http://schemas.openxmlformats.org/presentationml/2006/main" embedTrueTypeFonts="1">
+<p:presentation xmlns:a="http://schemas.openxmlformats.org/drawingml/2006/main" xmlns:r="http://schemas.openxmlformats.org/officeDocument/2006/relationships" xmlns:p="http://schemas.openxmlformats.org/presentationml/2006/main" saveSubsetFonts="1">
   <p:sldMasterIdLst>
     <p:sldMasterId id="2147483648" r:id="rId1"/>
   </p:sldMasterIdLst>
@@ -10,19 +10,10 @@
   <p:sldIdLst>
     <p:sldId id="258" r:id="rId2"/>
   </p:sldIdLst>
-  <p:sldSz cx="7740650" cy="2879725"/>
+  <p:sldSz cx="7740650" cy="3108325"/>
   <p:notesSz cx="6858000" cy="9144000"/>
-  <p:embeddedFontLst>
-    <p:embeddedFont>
-      <p:font typeface="Calibri" pitchFamily="34" charset="0"/>
-      <p:regular r:id="rId4"/>
-      <p:bold r:id="rId5"/>
-      <p:italic r:id="rId6"/>
-      <p:boldItalic r:id="rId7"/>
-    </p:embeddedFont>
-  </p:embeddedFontLst>
   <p:custDataLst>
-    <p:tags r:id="rId8"/>
+    <p:tags r:id="rId4"/>
   </p:custDataLst>
   <p:defaultTextStyle>
     <a:defPPr>
@@ -204,7 +195,7 @@
           <a:p>
             <a:fld id="{A4537E34-E1A6-4BBF-AF99-84C669929841}" type="datetimeFigureOut">
               <a:rPr lang="en-SG" smtClean="0"/>
-              <a:t>20/3/2013</a:t>
+              <a:t>21/3/2013</a:t>
             </a:fld>
             <a:endParaRPr lang="en-SG"/>
           </a:p>
@@ -222,8 +213,8 @@
         </p:nvSpPr>
         <p:spPr>
           <a:xfrm>
-            <a:off x="-1179513" y="685800"/>
-            <a:ext cx="9217026" cy="3429000"/>
+            <a:off x="-841375" y="685800"/>
+            <a:ext cx="8540750" cy="3429000"/>
           </a:xfrm>
           <a:prstGeom prst="rect">
             <a:avLst/>
@@ -499,7 +490,12 @@
             <p:ph type="sldImg"/>
           </p:nvPr>
         </p:nvSpPr>
-        <p:spPr/>
+        <p:spPr>
+          <a:xfrm>
+            <a:off x="-841375" y="685800"/>
+            <a:ext cx="8540750" cy="3429000"/>
+          </a:xfrm>
+        </p:spPr>
       </p:sp>
       <p:sp>
         <p:nvSpPr>
@@ -585,8 +581,8 @@
         </p:nvSpPr>
         <p:spPr>
           <a:xfrm>
-            <a:off x="580550" y="894582"/>
-            <a:ext cx="6579552" cy="617275"/>
+            <a:off x="580550" y="965597"/>
+            <a:ext cx="6579552" cy="666276"/>
           </a:xfrm>
         </p:spPr>
         <p:txBody>
@@ -613,8 +609,8 @@
         </p:nvSpPr>
         <p:spPr>
           <a:xfrm>
-            <a:off x="1161098" y="1631845"/>
-            <a:ext cx="5418455" cy="735929"/>
+            <a:off x="1161099" y="1761386"/>
+            <a:ext cx="5418455" cy="794349"/>
           </a:xfrm>
         </p:spPr>
         <p:txBody>
@@ -738,7 +734,7 @@
             <a:fld id="{1D8BD707-D9CF-40AE-B4C6-C98DA3205C09}" type="datetimeFigureOut">
               <a:rPr lang="en-US" smtClean="0"/>
               <a:pPr/>
-              <a:t>3/20/2013</a:t>
+              <a:t>3/21/2013</a:t>
             </a:fld>
             <a:endParaRPr lang="en-US"/>
           </a:p>
@@ -905,7 +901,7 @@
             <a:fld id="{1D8BD707-D9CF-40AE-B4C6-C98DA3205C09}" type="datetimeFigureOut">
               <a:rPr lang="en-US" smtClean="0"/>
               <a:pPr/>
-              <a:t>3/20/2013</a:t>
+              <a:t>3/21/2013</a:t>
             </a:fld>
             <a:endParaRPr lang="en-US"/>
           </a:p>
@@ -991,8 +987,8 @@
         </p:nvSpPr>
         <p:spPr>
           <a:xfrm>
-            <a:off x="5611971" y="115324"/>
-            <a:ext cx="1741647" cy="2457099"/>
+            <a:off x="5611972" y="124479"/>
+            <a:ext cx="1741647" cy="2652150"/>
           </a:xfrm>
         </p:spPr>
         <p:txBody>
@@ -1019,8 +1015,8 @@
         </p:nvSpPr>
         <p:spPr>
           <a:xfrm>
-            <a:off x="387033" y="115324"/>
-            <a:ext cx="5095928" cy="2457099"/>
+            <a:off x="387033" y="124479"/>
+            <a:ext cx="5095928" cy="2652150"/>
           </a:xfrm>
         </p:spPr>
         <p:txBody>
@@ -1082,7 +1078,7 @@
             <a:fld id="{1D8BD707-D9CF-40AE-B4C6-C98DA3205C09}" type="datetimeFigureOut">
               <a:rPr lang="en-US" smtClean="0"/>
               <a:pPr/>
-              <a:t>3/20/2013</a:t>
+              <a:t>3/21/2013</a:t>
             </a:fld>
             <a:endParaRPr lang="en-US"/>
           </a:p>
@@ -1249,7 +1245,7 @@
             <a:fld id="{1D8BD707-D9CF-40AE-B4C6-C98DA3205C09}" type="datetimeFigureOut">
               <a:rPr lang="en-US" smtClean="0"/>
               <a:pPr/>
-              <a:t>3/20/2013</a:t>
+              <a:t>3/21/2013</a:t>
             </a:fld>
             <a:endParaRPr lang="en-US"/>
           </a:p>
@@ -1335,8 +1331,8 @@
         </p:nvSpPr>
         <p:spPr>
           <a:xfrm>
-            <a:off x="611459" y="1850492"/>
-            <a:ext cx="6579552" cy="571945"/>
+            <a:off x="611459" y="1997390"/>
+            <a:ext cx="6579552" cy="617347"/>
           </a:xfrm>
         </p:spPr>
         <p:txBody>
@@ -1367,8 +1363,8 @@
         </p:nvSpPr>
         <p:spPr>
           <a:xfrm>
-            <a:off x="611459" y="1220551"/>
-            <a:ext cx="6579552" cy="629940"/>
+            <a:off x="611459" y="1317442"/>
+            <a:ext cx="6579552" cy="679946"/>
           </a:xfrm>
         </p:spPr>
         <p:txBody>
@@ -1492,7 +1488,7 @@
             <a:fld id="{1D8BD707-D9CF-40AE-B4C6-C98DA3205C09}" type="datetimeFigureOut">
               <a:rPr lang="en-US" smtClean="0"/>
               <a:pPr/>
-              <a:t>3/20/2013</a:t>
+              <a:t>3/21/2013</a:t>
             </a:fld>
             <a:endParaRPr lang="en-US"/>
           </a:p>
@@ -1601,8 +1597,8 @@
         </p:nvSpPr>
         <p:spPr>
           <a:xfrm>
-            <a:off x="387032" y="671937"/>
-            <a:ext cx="3418787" cy="1900485"/>
+            <a:off x="387033" y="725278"/>
+            <a:ext cx="3418787" cy="2051350"/>
           </a:xfrm>
         </p:spPr>
         <p:txBody>
@@ -1686,8 +1682,8 @@
         </p:nvSpPr>
         <p:spPr>
           <a:xfrm>
-            <a:off x="3934831" y="671937"/>
-            <a:ext cx="3418787" cy="1900485"/>
+            <a:off x="3934831" y="725278"/>
+            <a:ext cx="3418787" cy="2051350"/>
           </a:xfrm>
         </p:spPr>
         <p:txBody>
@@ -1777,7 +1773,7 @@
             <a:fld id="{1D8BD707-D9CF-40AE-B4C6-C98DA3205C09}" type="datetimeFigureOut">
               <a:rPr lang="en-US" smtClean="0"/>
               <a:pPr/>
-              <a:t>3/20/2013</a:t>
+              <a:t>3/21/2013</a:t>
             </a:fld>
             <a:endParaRPr lang="en-US"/>
           </a:p>
@@ -1890,8 +1886,8 @@
         </p:nvSpPr>
         <p:spPr>
           <a:xfrm>
-            <a:off x="387033" y="644606"/>
-            <a:ext cx="3420131" cy="268641"/>
+            <a:off x="387034" y="695777"/>
+            <a:ext cx="3420131" cy="289966"/>
           </a:xfrm>
         </p:spPr>
         <p:txBody>
@@ -1955,8 +1951,8 @@
         </p:nvSpPr>
         <p:spPr>
           <a:xfrm>
-            <a:off x="387033" y="913248"/>
-            <a:ext cx="3420131" cy="1659175"/>
+            <a:off x="387034" y="985744"/>
+            <a:ext cx="3420131" cy="1790885"/>
           </a:xfrm>
         </p:spPr>
         <p:txBody>
@@ -2040,8 +2036,8 @@
         </p:nvSpPr>
         <p:spPr>
           <a:xfrm>
-            <a:off x="3932143" y="644606"/>
-            <a:ext cx="3421475" cy="268641"/>
+            <a:off x="3932143" y="695777"/>
+            <a:ext cx="3421475" cy="289966"/>
           </a:xfrm>
         </p:spPr>
         <p:txBody>
@@ -2105,8 +2101,8 @@
         </p:nvSpPr>
         <p:spPr>
           <a:xfrm>
-            <a:off x="3932143" y="913248"/>
-            <a:ext cx="3421475" cy="1659175"/>
+            <a:off x="3932143" y="985744"/>
+            <a:ext cx="3421475" cy="1790885"/>
           </a:xfrm>
         </p:spPr>
         <p:txBody>
@@ -2196,7 +2192,7 @@
             <a:fld id="{1D8BD707-D9CF-40AE-B4C6-C98DA3205C09}" type="datetimeFigureOut">
               <a:rPr lang="en-US" smtClean="0"/>
               <a:pPr/>
-              <a:t>3/20/2013</a:t>
+              <a:t>3/21/2013</a:t>
             </a:fld>
             <a:endParaRPr lang="en-US"/>
           </a:p>
@@ -2311,7 +2307,7 @@
             <a:fld id="{1D8BD707-D9CF-40AE-B4C6-C98DA3205C09}" type="datetimeFigureOut">
               <a:rPr lang="en-US" smtClean="0"/>
               <a:pPr/>
-              <a:t>3/20/2013</a:t>
+              <a:t>3/21/2013</a:t>
             </a:fld>
             <a:endParaRPr lang="en-US"/>
           </a:p>
@@ -2403,7 +2399,7 @@
             <a:fld id="{1D8BD707-D9CF-40AE-B4C6-C98DA3205C09}" type="datetimeFigureOut">
               <a:rPr lang="en-US" smtClean="0"/>
               <a:pPr/>
-              <a:t>3/20/2013</a:t>
+              <a:t>3/21/2013</a:t>
             </a:fld>
             <a:endParaRPr lang="en-US"/>
           </a:p>
@@ -2489,8 +2485,8 @@
         </p:nvSpPr>
         <p:spPr>
           <a:xfrm>
-            <a:off x="387033" y="114657"/>
-            <a:ext cx="2546620" cy="487953"/>
+            <a:off x="387033" y="123759"/>
+            <a:ext cx="2546620" cy="526688"/>
           </a:xfrm>
         </p:spPr>
         <p:txBody>
@@ -2521,8 +2517,8 @@
         </p:nvSpPr>
         <p:spPr>
           <a:xfrm>
-            <a:off x="3026380" y="114657"/>
-            <a:ext cx="4327238" cy="2457765"/>
+            <a:off x="3026380" y="123759"/>
+            <a:ext cx="4327238" cy="2652869"/>
           </a:xfrm>
         </p:spPr>
         <p:txBody>
@@ -2606,8 +2602,8 @@
         </p:nvSpPr>
         <p:spPr>
           <a:xfrm>
-            <a:off x="387033" y="602610"/>
-            <a:ext cx="2546620" cy="1969812"/>
+            <a:off x="387033" y="650447"/>
+            <a:ext cx="2546620" cy="2126181"/>
           </a:xfrm>
         </p:spPr>
         <p:txBody>
@@ -2677,7 +2673,7 @@
             <a:fld id="{1D8BD707-D9CF-40AE-B4C6-C98DA3205C09}" type="datetimeFigureOut">
               <a:rPr lang="en-US" smtClean="0"/>
               <a:pPr/>
-              <a:t>3/20/2013</a:t>
+              <a:t>3/21/2013</a:t>
             </a:fld>
             <a:endParaRPr lang="en-US"/>
           </a:p>
@@ -2763,8 +2759,8 @@
         </p:nvSpPr>
         <p:spPr>
           <a:xfrm>
-            <a:off x="1517222" y="2015807"/>
-            <a:ext cx="4644390" cy="237978"/>
+            <a:off x="1517222" y="2175827"/>
+            <a:ext cx="4644390" cy="256869"/>
           </a:xfrm>
         </p:spPr>
         <p:txBody>
@@ -2795,8 +2791,8 @@
         </p:nvSpPr>
         <p:spPr>
           <a:xfrm>
-            <a:off x="1517222" y="257309"/>
-            <a:ext cx="4644390" cy="1727835"/>
+            <a:off x="1517222" y="277735"/>
+            <a:ext cx="4644390" cy="1864995"/>
           </a:xfrm>
         </p:spPr>
         <p:txBody>
@@ -2856,8 +2852,8 @@
         </p:nvSpPr>
         <p:spPr>
           <a:xfrm>
-            <a:off x="1517222" y="2253786"/>
-            <a:ext cx="4644390" cy="337967"/>
+            <a:off x="1517222" y="2432698"/>
+            <a:ext cx="4644390" cy="364796"/>
           </a:xfrm>
         </p:spPr>
         <p:txBody>
@@ -2927,7 +2923,7 @@
             <a:fld id="{1D8BD707-D9CF-40AE-B4C6-C98DA3205C09}" type="datetimeFigureOut">
               <a:rPr lang="en-US" smtClean="0"/>
               <a:pPr/>
-              <a:t>3/20/2013</a:t>
+              <a:t>3/21/2013</a:t>
             </a:fld>
             <a:endParaRPr lang="en-US"/>
           </a:p>
@@ -3018,8 +3014,8 @@
         </p:nvSpPr>
         <p:spPr>
           <a:xfrm>
-            <a:off x="387033" y="115323"/>
-            <a:ext cx="6966585" cy="479954"/>
+            <a:off x="387034" y="124478"/>
+            <a:ext cx="6966585" cy="518054"/>
           </a:xfrm>
           <a:prstGeom prst="rect">
             <a:avLst/>
@@ -3051,8 +3047,8 @@
         </p:nvSpPr>
         <p:spPr>
           <a:xfrm>
-            <a:off x="387033" y="671937"/>
-            <a:ext cx="6966585" cy="1900485"/>
+            <a:off x="387034" y="725278"/>
+            <a:ext cx="6966585" cy="2051350"/>
           </a:xfrm>
           <a:prstGeom prst="rect">
             <a:avLst/>
@@ -3113,8 +3109,8 @@
         </p:nvSpPr>
         <p:spPr>
           <a:xfrm>
-            <a:off x="387032" y="2669080"/>
-            <a:ext cx="1806152" cy="153319"/>
+            <a:off x="387032" y="2880959"/>
+            <a:ext cx="1806152" cy="165490"/>
           </a:xfrm>
           <a:prstGeom prst="rect">
             <a:avLst/>
@@ -3137,7 +3133,7 @@
             <a:fld id="{1D8BD707-D9CF-40AE-B4C6-C98DA3205C09}" type="datetimeFigureOut">
               <a:rPr lang="en-US" smtClean="0"/>
               <a:pPr/>
-              <a:t>3/20/2013</a:t>
+              <a:t>3/21/2013</a:t>
             </a:fld>
             <a:endParaRPr lang="en-US"/>
           </a:p>
@@ -3155,8 +3151,8 @@
         </p:nvSpPr>
         <p:spPr>
           <a:xfrm>
-            <a:off x="2644723" y="2669080"/>
-            <a:ext cx="2451206" cy="153319"/>
+            <a:off x="2644723" y="2880959"/>
+            <a:ext cx="2451206" cy="165490"/>
           </a:xfrm>
           <a:prstGeom prst="rect">
             <a:avLst/>
@@ -3192,8 +3188,8 @@
         </p:nvSpPr>
         <p:spPr>
           <a:xfrm>
-            <a:off x="5547466" y="2669080"/>
-            <a:ext cx="1806152" cy="153319"/>
+            <a:off x="5547466" y="2880959"/>
+            <a:ext cx="1806152" cy="165490"/>
           </a:xfrm>
           <a:prstGeom prst="rect">
             <a:avLst/>
@@ -3510,7 +3506,59 @@
       </p:grpSpPr>
       <p:sp>
         <p:nvSpPr>
-          <p:cNvPr id="31" name="Flowchart: Delay 30"/>
+          <p:cNvPr id="100" name="Rounded Rectangle 99"/>
+          <p:cNvSpPr/>
+          <p:nvPr/>
+        </p:nvSpPr>
+        <p:spPr>
+          <a:xfrm>
+            <a:off x="136525" y="166476"/>
+            <a:ext cx="2117725" cy="2584344"/>
+          </a:xfrm>
+          <a:prstGeom prst="roundRect">
+            <a:avLst>
+              <a:gd name="adj" fmla="val 7667"/>
+            </a:avLst>
+          </a:prstGeom>
+          <a:noFill/>
+          <a:ln w="107950">
+            <a:solidFill>
+              <a:schemeClr val="accent6">
+                <a:lumMod val="60000"/>
+                <a:lumOff val="40000"/>
+              </a:schemeClr>
+            </a:solidFill>
+          </a:ln>
+          <a:effectLst/>
+        </p:spPr>
+        <p:style>
+          <a:lnRef idx="2">
+            <a:schemeClr val="accent1">
+              <a:shade val="50000"/>
+            </a:schemeClr>
+          </a:lnRef>
+          <a:fillRef idx="1">
+            <a:schemeClr val="accent1"/>
+          </a:fillRef>
+          <a:effectRef idx="0">
+            <a:schemeClr val="accent1"/>
+          </a:effectRef>
+          <a:fontRef idx="minor">
+            <a:schemeClr val="lt1"/>
+          </a:fontRef>
+        </p:style>
+        <p:txBody>
+          <a:bodyPr rtlCol="0" anchor="ctr"/>
+          <a:lstStyle/>
+          <a:p>
+            <a:pPr algn="ctr"/>
+            <a:endParaRPr lang="en-US"/>
+          </a:p>
+        </p:txBody>
+      </p:sp>
+      <p:sp>
+        <p:nvSpPr>
+          <p:cNvPr id="101" name="Flowchart: Delay 100"/>
           <p:cNvSpPr/>
           <p:nvPr/>
         </p:nvSpPr>
@@ -3553,7 +3601,7 @@
       </p:sp>
       <p:sp>
         <p:nvSpPr>
-          <p:cNvPr id="32" name="Freeform 31"/>
+          <p:cNvPr id="103" name="Freeform 102"/>
           <p:cNvSpPr/>
           <p:nvPr/>
         </p:nvSpPr>
@@ -3647,7 +3695,7 @@
       </p:sp>
       <p:sp>
         <p:nvSpPr>
-          <p:cNvPr id="30" name="Flowchart: Connector 29"/>
+          <p:cNvPr id="104" name="Flowchart: Connector 103"/>
           <p:cNvSpPr/>
           <p:nvPr/>
         </p:nvSpPr>
@@ -3690,7 +3738,7 @@
       </p:sp>
       <p:sp>
         <p:nvSpPr>
-          <p:cNvPr id="33" name="Freeform 32"/>
+          <p:cNvPr id="105" name="Freeform 104"/>
           <p:cNvSpPr/>
           <p:nvPr/>
         </p:nvSpPr>
@@ -3799,7 +3847,7 @@
       </p:sp>
       <p:sp>
         <p:nvSpPr>
-          <p:cNvPr id="34" name="Flowchart: Connector 33"/>
+          <p:cNvPr id="106" name="Flowchart: Connector 105"/>
           <p:cNvSpPr/>
           <p:nvPr/>
         </p:nvSpPr>
@@ -3849,7 +3897,7 @@
       </p:sp>
       <p:grpSp>
         <p:nvGrpSpPr>
-          <p:cNvPr id="22" name="Group 21"/>
+          <p:cNvPr id="107" name="Group 106"/>
           <p:cNvGrpSpPr/>
           <p:nvPr/>
         </p:nvGrpSpPr>
@@ -3863,7 +3911,7 @@
         </p:grpSpPr>
         <p:sp>
           <p:nvSpPr>
-            <p:cNvPr id="111" name="Flowchart: Connector 110"/>
+            <p:cNvPr id="109" name="Flowchart: Connector 108"/>
             <p:cNvSpPr/>
             <p:nvPr/>
           </p:nvSpPr>
@@ -3906,7 +3954,7 @@
         </p:sp>
         <p:grpSp>
           <p:nvGrpSpPr>
-            <p:cNvPr id="21" name="Group 20"/>
+            <p:cNvPr id="113" name="Group 112"/>
             <p:cNvGrpSpPr/>
             <p:nvPr/>
           </p:nvGrpSpPr>
@@ -3920,7 +3968,7 @@
           </p:grpSpPr>
           <p:sp>
             <p:nvSpPr>
-              <p:cNvPr id="112" name="Flowchart: Delay 111"/>
+              <p:cNvPr id="119" name="Flowchart: Delay 118"/>
               <p:cNvSpPr/>
               <p:nvPr/>
             </p:nvSpPr>
@@ -3963,7 +4011,7 @@
           </p:sp>
           <p:sp>
             <p:nvSpPr>
-              <p:cNvPr id="114" name="Freeform 113"/>
+              <p:cNvPr id="120" name="Freeform 119"/>
               <p:cNvSpPr/>
               <p:nvPr/>
             </p:nvSpPr>
@@ -4058,7 +4106,7 @@
         </p:grpSp>
         <p:sp>
           <p:nvSpPr>
-            <p:cNvPr id="115" name="Freeform 114"/>
+            <p:cNvPr id="117" name="Freeform 116"/>
             <p:cNvSpPr/>
             <p:nvPr/>
           </p:nvSpPr>
@@ -4167,7 +4215,7 @@
         </p:sp>
         <p:sp>
           <p:nvSpPr>
-            <p:cNvPr id="116" name="Flowchart: Connector 115"/>
+            <p:cNvPr id="118" name="Flowchart: Connector 117"/>
             <p:cNvSpPr/>
             <p:nvPr/>
           </p:nvSpPr>
@@ -4218,7 +4266,7 @@
       </p:grpSp>
       <p:sp>
         <p:nvSpPr>
-          <p:cNvPr id="24" name="Rounded Rectangle 23"/>
+          <p:cNvPr id="121" name="Rounded Rectangle 120"/>
           <p:cNvSpPr/>
           <p:nvPr/>
         </p:nvSpPr>
@@ -4235,15 +4283,13 @@
           <a:noFill/>
           <a:ln w="107950">
             <a:solidFill>
-              <a:schemeClr val="accent1">
-                <a:lumMod val="20000"/>
-                <a:lumOff val="80000"/>
+              <a:schemeClr val="tx2">
+                <a:lumMod val="40000"/>
+                <a:lumOff val="60000"/>
               </a:schemeClr>
             </a:solidFill>
           </a:ln>
-          <a:effectLst>
-            <a:softEdge rad="31750"/>
-          </a:effectLst>
+          <a:effectLst/>
         </p:spPr>
         <p:style>
           <a:lnRef idx="2">
@@ -4272,61 +4318,7 @@
       </p:sp>
       <p:sp>
         <p:nvSpPr>
-          <p:cNvPr id="23" name="Rounded Rectangle 22"/>
-          <p:cNvSpPr/>
-          <p:nvPr/>
-        </p:nvSpPr>
-        <p:spPr>
-          <a:xfrm>
-            <a:off x="136525" y="166476"/>
-            <a:ext cx="2117725" cy="2584344"/>
-          </a:xfrm>
-          <a:prstGeom prst="roundRect">
-            <a:avLst>
-              <a:gd name="adj" fmla="val 7667"/>
-            </a:avLst>
-          </a:prstGeom>
-          <a:noFill/>
-          <a:ln w="107950">
-            <a:solidFill>
-              <a:schemeClr val="accent6">
-                <a:lumMod val="20000"/>
-                <a:lumOff val="80000"/>
-              </a:schemeClr>
-            </a:solidFill>
-          </a:ln>
-          <a:effectLst>
-            <a:softEdge rad="31750"/>
-          </a:effectLst>
-        </p:spPr>
-        <p:style>
-          <a:lnRef idx="2">
-            <a:schemeClr val="accent1">
-              <a:shade val="50000"/>
-            </a:schemeClr>
-          </a:lnRef>
-          <a:fillRef idx="1">
-            <a:schemeClr val="accent1"/>
-          </a:fillRef>
-          <a:effectRef idx="0">
-            <a:schemeClr val="accent1"/>
-          </a:effectRef>
-          <a:fontRef idx="minor">
-            <a:schemeClr val="lt1"/>
-          </a:fontRef>
-        </p:style>
-        <p:txBody>
-          <a:bodyPr rtlCol="0" anchor="ctr"/>
-          <a:lstStyle/>
-          <a:p>
-            <a:pPr algn="ctr"/>
-            <a:endParaRPr lang="en-US"/>
-          </a:p>
-        </p:txBody>
-      </p:sp>
-      <p:sp>
-        <p:nvSpPr>
-          <p:cNvPr id="93" name="Isosceles Triangle 92"/>
+          <p:cNvPr id="122" name="Isosceles Triangle 121"/>
           <p:cNvSpPr/>
           <p:nvPr/>
         </p:nvSpPr>
@@ -4378,14 +4370,14 @@
       </p:sp>
       <p:sp>
         <p:nvSpPr>
-          <p:cNvPr id="94" name="Isosceles Triangle 93"/>
+          <p:cNvPr id="123" name="Isosceles Triangle 122"/>
           <p:cNvSpPr/>
           <p:nvPr/>
         </p:nvSpPr>
         <p:spPr>
           <a:xfrm rot="3148928">
-            <a:off x="3750367" y="1837621"/>
-            <a:ext cx="650104" cy="899883"/>
+            <a:off x="3703148" y="1794751"/>
+            <a:ext cx="650104" cy="1018950"/>
           </a:xfrm>
           <a:prstGeom prst="triangle">
             <a:avLst>
@@ -4396,6 +4388,7 @@
             <a:schemeClr val="accent6">
               <a:lumMod val="40000"/>
               <a:lumOff val="60000"/>
+              <a:alpha val="65000"/>
             </a:schemeClr>
           </a:solidFill>
           <a:ln>
@@ -4429,13 +4422,13 @@
       </p:sp>
       <p:sp>
         <p:nvSpPr>
-          <p:cNvPr id="95" name="Isosceles Triangle 94"/>
+          <p:cNvPr id="124" name="Isosceles Triangle 123"/>
           <p:cNvSpPr/>
           <p:nvPr/>
         </p:nvSpPr>
         <p:spPr>
           <a:xfrm rot="4843798">
-            <a:off x="3307100" y="1214943"/>
+            <a:off x="3307100" y="1195350"/>
             <a:ext cx="672349" cy="1283148"/>
           </a:xfrm>
           <a:prstGeom prst="triangle">
@@ -4445,6 +4438,7 @@
             <a:schemeClr val="accent6">
               <a:lumMod val="40000"/>
               <a:lumOff val="60000"/>
+              <a:alpha val="65000"/>
             </a:schemeClr>
           </a:solidFill>
           <a:ln>
@@ -4478,7 +4472,7 @@
       </p:sp>
       <p:sp>
         <p:nvSpPr>
-          <p:cNvPr id="98" name="TextBox 97"/>
+          <p:cNvPr id="125" name="TextBox 124"/>
           <p:cNvSpPr txBox="1"/>
           <p:nvPr/>
         </p:nvSpPr>
@@ -4562,7 +4556,7 @@
       </p:sp>
       <p:sp>
         <p:nvSpPr>
-          <p:cNvPr id="102" name="TextBox 101"/>
+          <p:cNvPr id="126" name="TextBox 125"/>
           <p:cNvSpPr txBox="1"/>
           <p:nvPr/>
         </p:nvSpPr>
@@ -4582,7 +4576,7 @@
           </a:bodyPr>
           <a:lstStyle/>
           <a:p>
-            <a:pPr algn="ctr"/>
+            <a:pPr algn="r"/>
             <a:r>
               <a:rPr lang="en-US" sz="1100" dirty="0" smtClean="0">
                 <a:solidFill>
@@ -4633,7 +4627,7 @@
       </p:sp>
       <p:sp>
         <p:nvSpPr>
-          <p:cNvPr id="108" name="TextBox 107"/>
+          <p:cNvPr id="127" name="TextBox 126"/>
           <p:cNvSpPr txBox="1"/>
           <p:nvPr/>
         </p:nvSpPr>
@@ -4710,13 +4704,13 @@
       </p:sp>
       <p:sp>
         <p:nvSpPr>
-          <p:cNvPr id="110" name="Rounded Rectangle 109"/>
+          <p:cNvPr id="128" name="Rounded Rectangle 127"/>
           <p:cNvSpPr/>
           <p:nvPr/>
         </p:nvSpPr>
         <p:spPr>
           <a:xfrm>
-            <a:off x="5767678" y="1822729"/>
+            <a:off x="5767678" y="2049462"/>
             <a:ext cx="1371600" cy="457200"/>
           </a:xfrm>
           <a:prstGeom prst="roundRect">
@@ -4762,7 +4756,7 @@
       </p:sp>
       <p:sp>
         <p:nvSpPr>
-          <p:cNvPr id="25" name="Rounded Rectangle 24"/>
+          <p:cNvPr id="129" name="Rounded Rectangle 128"/>
           <p:cNvSpPr/>
           <p:nvPr/>
         </p:nvSpPr>
@@ -4780,14 +4774,12 @@
           <a:ln w="107950">
             <a:solidFill>
               <a:schemeClr val="accent6">
-                <a:lumMod val="20000"/>
-                <a:lumOff val="80000"/>
+                <a:lumMod val="60000"/>
+                <a:lumOff val="40000"/>
               </a:schemeClr>
             </a:solidFill>
           </a:ln>
-          <a:effectLst>
-            <a:softEdge rad="31750"/>
-          </a:effectLst>
+          <a:effectLst/>
         </p:spPr>
         <p:style>
           <a:lnRef idx="2">
@@ -4816,7 +4808,7 @@
       </p:sp>
       <p:grpSp>
         <p:nvGrpSpPr>
-          <p:cNvPr id="41" name="Group 40"/>
+          <p:cNvPr id="130" name="Group 129"/>
           <p:cNvGrpSpPr/>
           <p:nvPr/>
         </p:nvGrpSpPr>
@@ -4833,7 +4825,7 @@
         </p:grpSpPr>
         <p:sp>
           <p:nvSpPr>
-            <p:cNvPr id="42" name="Flowchart: Connector 41"/>
+            <p:cNvPr id="131" name="Flowchart: Connector 130"/>
             <p:cNvSpPr/>
             <p:nvPr/>
           </p:nvSpPr>
@@ -4881,7 +4873,7 @@
         </p:sp>
         <p:sp>
           <p:nvSpPr>
-            <p:cNvPr id="43" name="Flowchart: Delay 42"/>
+            <p:cNvPr id="132" name="Flowchart: Delay 131"/>
             <p:cNvSpPr/>
             <p:nvPr/>
           </p:nvSpPr>
@@ -4929,7 +4921,7 @@
         </p:sp>
         <p:sp>
           <p:nvSpPr>
-            <p:cNvPr id="45" name="Freeform 44"/>
+            <p:cNvPr id="133" name="Freeform 132"/>
             <p:cNvSpPr/>
             <p:nvPr/>
           </p:nvSpPr>
@@ -5043,7 +5035,7 @@
         </p:sp>
         <p:sp>
           <p:nvSpPr>
-            <p:cNvPr id="46" name="Flowchart: Connector 45"/>
+            <p:cNvPr id="134" name="Flowchart: Connector 133"/>
             <p:cNvSpPr/>
             <p:nvPr/>
           </p:nvSpPr>
@@ -5094,7 +5086,7 @@
       </p:grpSp>
       <p:grpSp>
         <p:nvGrpSpPr>
-          <p:cNvPr id="2" name="Group 1"/>
+          <p:cNvPr id="135" name="Group 134"/>
           <p:cNvGrpSpPr/>
           <p:nvPr/>
         </p:nvGrpSpPr>
@@ -5108,7 +5100,7 @@
         </p:grpSpPr>
         <p:sp>
           <p:nvSpPr>
-            <p:cNvPr id="59" name="Flowchart: Delay 58"/>
+            <p:cNvPr id="136" name="Flowchart: Delay 135"/>
             <p:cNvSpPr/>
             <p:nvPr/>
           </p:nvSpPr>
@@ -5158,7 +5150,7 @@
         </p:sp>
         <p:grpSp>
           <p:nvGrpSpPr>
-            <p:cNvPr id="10" name="Group 9"/>
+            <p:cNvPr id="137" name="Group 136"/>
             <p:cNvGrpSpPr/>
             <p:nvPr/>
           </p:nvGrpSpPr>
@@ -5172,7 +5164,7 @@
           </p:grpSpPr>
           <p:sp>
             <p:nvSpPr>
-              <p:cNvPr id="58" name="Flowchart: Connector 57"/>
+              <p:cNvPr id="138" name="Flowchart: Connector 137"/>
               <p:cNvSpPr/>
               <p:nvPr/>
             </p:nvSpPr>
@@ -5222,7 +5214,7 @@
           </p:sp>
           <p:sp>
             <p:nvSpPr>
-              <p:cNvPr id="60" name="Freeform 59"/>
+              <p:cNvPr id="139" name="Freeform 138"/>
               <p:cNvSpPr/>
               <p:nvPr/>
             </p:nvSpPr>
@@ -5338,7 +5330,7 @@
           </p:sp>
           <p:sp>
             <p:nvSpPr>
-              <p:cNvPr id="61" name="Flowchart: Connector 60"/>
+              <p:cNvPr id="140" name="Flowchart: Connector 139"/>
               <p:cNvSpPr/>
               <p:nvPr/>
             </p:nvSpPr>
@@ -5390,13 +5382,13 @@
       </p:grpSp>
       <p:sp>
         <p:nvSpPr>
-          <p:cNvPr id="67" name="Flowchart: Delay 66"/>
+          <p:cNvPr id="141" name="Flowchart: Delay 140"/>
           <p:cNvSpPr/>
           <p:nvPr/>
         </p:nvSpPr>
         <p:spPr>
           <a:xfrm rot="5400000" flipH="1">
-            <a:off x="4290496" y="1819658"/>
+            <a:off x="4290496" y="1800065"/>
             <a:ext cx="280353" cy="298983"/>
           </a:xfrm>
           <a:prstGeom prst="flowChartDelay">
@@ -5440,13 +5432,13 @@
       </p:sp>
       <p:grpSp>
         <p:nvGrpSpPr>
-          <p:cNvPr id="12" name="Group 11"/>
+          <p:cNvPr id="142" name="Group 141"/>
           <p:cNvGrpSpPr/>
           <p:nvPr/>
         </p:nvGrpSpPr>
         <p:grpSpPr>
           <a:xfrm rot="3372795">
-            <a:off x="4286547" y="1588795"/>
+            <a:off x="4286547" y="1569202"/>
             <a:ext cx="254457" cy="220662"/>
             <a:chOff x="4335990" y="1588795"/>
             <a:chExt cx="254457" cy="220662"/>
@@ -5454,7 +5446,7 @@
         </p:grpSpPr>
         <p:sp>
           <p:nvSpPr>
-            <p:cNvPr id="66" name="Flowchart: Connector 65"/>
+            <p:cNvPr id="143" name="Flowchart: Connector 142"/>
             <p:cNvSpPr/>
             <p:nvPr/>
           </p:nvSpPr>
@@ -5504,7 +5496,7 @@
         </p:sp>
         <p:sp>
           <p:nvSpPr>
-            <p:cNvPr id="68" name="Freeform 67"/>
+            <p:cNvPr id="144" name="Freeform 143"/>
             <p:cNvSpPr/>
             <p:nvPr/>
           </p:nvSpPr>
@@ -5620,7 +5612,7 @@
         </p:sp>
         <p:sp>
           <p:nvSpPr>
-            <p:cNvPr id="69" name="Flowchart: Connector 68"/>
+            <p:cNvPr id="145" name="Flowchart: Connector 144"/>
             <p:cNvSpPr/>
             <p:nvPr/>
           </p:nvSpPr>
@@ -5671,13 +5663,13 @@
       </p:grpSp>
       <p:sp>
         <p:nvSpPr>
-          <p:cNvPr id="72" name="Flowchart: Delay 71"/>
+          <p:cNvPr id="146" name="Flowchart: Delay 145"/>
           <p:cNvSpPr/>
           <p:nvPr/>
         </p:nvSpPr>
         <p:spPr>
           <a:xfrm rot="5400000" flipH="1">
-            <a:off x="3732363" y="2369394"/>
+            <a:off x="3732363" y="2349801"/>
             <a:ext cx="280353" cy="298983"/>
           </a:xfrm>
           <a:prstGeom prst="flowChartDelay">
@@ -5721,13 +5713,13 @@
       </p:sp>
       <p:grpSp>
         <p:nvGrpSpPr>
-          <p:cNvPr id="13" name="Group 12"/>
+          <p:cNvPr id="147" name="Group 146"/>
           <p:cNvGrpSpPr/>
           <p:nvPr/>
         </p:nvGrpSpPr>
         <p:grpSpPr>
           <a:xfrm rot="2886978">
-            <a:off x="3728414" y="2144246"/>
+            <a:off x="3728414" y="2124653"/>
             <a:ext cx="254457" cy="220662"/>
             <a:chOff x="3791084" y="2070419"/>
             <a:chExt cx="254457" cy="220662"/>
@@ -5735,7 +5727,7 @@
         </p:grpSpPr>
         <p:sp>
           <p:nvSpPr>
-            <p:cNvPr id="71" name="Flowchart: Connector 70"/>
+            <p:cNvPr id="148" name="Flowchart: Connector 147"/>
             <p:cNvSpPr/>
             <p:nvPr/>
           </p:nvSpPr>
@@ -5785,7 +5777,7 @@
         </p:sp>
         <p:sp>
           <p:nvSpPr>
-            <p:cNvPr id="73" name="Freeform 72"/>
+            <p:cNvPr id="149" name="Freeform 148"/>
             <p:cNvSpPr/>
             <p:nvPr/>
           </p:nvSpPr>
@@ -5901,7 +5893,7 @@
         </p:sp>
         <p:sp>
           <p:nvSpPr>
-            <p:cNvPr id="74" name="Flowchart: Connector 73"/>
+            <p:cNvPr id="150" name="Flowchart: Connector 149"/>
             <p:cNvSpPr/>
             <p:nvPr/>
           </p:nvSpPr>
@@ -5952,13 +5944,13 @@
       </p:grpSp>
       <p:sp>
         <p:nvSpPr>
-          <p:cNvPr id="76" name="Flowchart: Delay 75"/>
+          <p:cNvPr id="151" name="Flowchart: Delay 150"/>
           <p:cNvSpPr/>
           <p:nvPr/>
         </p:nvSpPr>
         <p:spPr>
           <a:xfrm rot="16200000">
-            <a:off x="3193840" y="2006887"/>
+            <a:off x="3193840" y="1987294"/>
             <a:ext cx="280353" cy="298983"/>
           </a:xfrm>
           <a:prstGeom prst="flowChartDelay">
@@ -6002,13 +5994,13 @@
       </p:sp>
       <p:grpSp>
         <p:nvGrpSpPr>
-          <p:cNvPr id="77" name="Group 76"/>
+          <p:cNvPr id="152" name="Group 151"/>
           <p:cNvGrpSpPr/>
           <p:nvPr/>
         </p:nvGrpSpPr>
         <p:grpSpPr>
           <a:xfrm rot="1483511">
-            <a:off x="3226182" y="1790579"/>
+            <a:off x="3226182" y="1770986"/>
             <a:ext cx="267922" cy="220662"/>
             <a:chOff x="786805" y="1760534"/>
             <a:chExt cx="267922" cy="220662"/>
@@ -6016,7 +6008,7 @@
         </p:grpSpPr>
         <p:sp>
           <p:nvSpPr>
-            <p:cNvPr id="78" name="Flowchart: Connector 77"/>
+            <p:cNvPr id="153" name="Flowchart: Connector 152"/>
             <p:cNvSpPr/>
             <p:nvPr/>
           </p:nvSpPr>
@@ -6066,7 +6058,7 @@
         </p:sp>
         <p:sp>
           <p:nvSpPr>
-            <p:cNvPr id="79" name="Freeform 78"/>
+            <p:cNvPr id="154" name="Freeform 153"/>
             <p:cNvSpPr/>
             <p:nvPr/>
           </p:nvSpPr>
@@ -6182,7 +6174,7 @@
         </p:sp>
         <p:sp>
           <p:nvSpPr>
-            <p:cNvPr id="80" name="Flowchart: Connector 79"/>
+            <p:cNvPr id="155" name="Flowchart: Connector 154"/>
             <p:cNvSpPr/>
             <p:nvPr/>
           </p:nvSpPr>
@@ -6233,7 +6225,7 @@
       </p:grpSp>
       <p:grpSp>
         <p:nvGrpSpPr>
-          <p:cNvPr id="26" name="Group 25"/>
+          <p:cNvPr id="156" name="Group 155"/>
           <p:cNvGrpSpPr/>
           <p:nvPr/>
         </p:nvGrpSpPr>
@@ -6247,7 +6239,7 @@
         </p:grpSpPr>
         <p:sp>
           <p:nvSpPr>
-            <p:cNvPr id="83" name="Flowchart: Delay 82"/>
+            <p:cNvPr id="157" name="Flowchart: Delay 156"/>
             <p:cNvSpPr/>
             <p:nvPr/>
           </p:nvSpPr>
@@ -6297,7 +6289,7 @@
         </p:sp>
         <p:sp>
           <p:nvSpPr>
-            <p:cNvPr id="85" name="Flowchart: Connector 84"/>
+            <p:cNvPr id="158" name="Flowchart: Connector 157"/>
             <p:cNvSpPr/>
             <p:nvPr/>
           </p:nvSpPr>
@@ -6347,7 +6339,7 @@
         </p:sp>
         <p:sp>
           <p:nvSpPr>
-            <p:cNvPr id="86" name="Freeform 85"/>
+            <p:cNvPr id="159" name="Freeform 158"/>
             <p:cNvSpPr/>
             <p:nvPr/>
           </p:nvSpPr>
@@ -6463,7 +6455,7 @@
         </p:sp>
         <p:sp>
           <p:nvSpPr>
-            <p:cNvPr id="87" name="Flowchart: Connector 86"/>
+            <p:cNvPr id="160" name="Flowchart: Connector 159"/>
             <p:cNvSpPr/>
             <p:nvPr/>
           </p:nvSpPr>
@@ -6514,13 +6506,13 @@
       </p:grpSp>
       <p:sp>
         <p:nvSpPr>
-          <p:cNvPr id="90" name="Flowchart: Delay 89"/>
+          <p:cNvPr id="161" name="Flowchart: Delay 160"/>
           <p:cNvSpPr/>
           <p:nvPr/>
         </p:nvSpPr>
         <p:spPr>
           <a:xfrm rot="16200000">
-            <a:off x="6851720" y="954795"/>
+            <a:off x="6845012" y="862936"/>
             <a:ext cx="280353" cy="298983"/>
           </a:xfrm>
           <a:prstGeom prst="flowChartDelay">
@@ -6557,13 +6549,13 @@
       </p:sp>
       <p:sp>
         <p:nvSpPr>
-          <p:cNvPr id="91" name="Freeform 90"/>
+          <p:cNvPr id="162" name="Freeform 161"/>
           <p:cNvSpPr/>
           <p:nvPr/>
         </p:nvSpPr>
         <p:spPr>
           <a:xfrm rot="326821">
-            <a:off x="6940759" y="967464"/>
+            <a:off x="6934051" y="875605"/>
             <a:ext cx="102393" cy="235744"/>
           </a:xfrm>
           <a:custGeom>
@@ -6651,13 +6643,13 @@
       </p:sp>
       <p:sp>
         <p:nvSpPr>
-          <p:cNvPr id="89" name="Flowchart: Connector 88"/>
+          <p:cNvPr id="163" name="Flowchart: Connector 162"/>
           <p:cNvSpPr/>
           <p:nvPr/>
         </p:nvSpPr>
         <p:spPr>
           <a:xfrm rot="11865946">
-            <a:off x="6914554" y="729088"/>
+            <a:off x="6907846" y="637229"/>
             <a:ext cx="220662" cy="220662"/>
           </a:xfrm>
           <a:prstGeom prst="flowChartConnector">
@@ -6694,13 +6686,13 @@
       </p:sp>
       <p:sp>
         <p:nvSpPr>
-          <p:cNvPr id="96" name="Freeform 95"/>
+          <p:cNvPr id="164" name="Freeform 163"/>
           <p:cNvSpPr/>
           <p:nvPr/>
         </p:nvSpPr>
         <p:spPr>
           <a:xfrm rot="11865946">
-            <a:off x="6904559" y="736995"/>
+            <a:off x="6897851" y="645136"/>
             <a:ext cx="50006" cy="19050"/>
           </a:xfrm>
           <a:custGeom>
@@ -6803,13 +6795,13 @@
       </p:sp>
       <p:sp>
         <p:nvSpPr>
-          <p:cNvPr id="97" name="Flowchart: Connector 96"/>
+          <p:cNvPr id="165" name="Flowchart: Connector 164"/>
           <p:cNvSpPr/>
           <p:nvPr/>
         </p:nvSpPr>
         <p:spPr>
           <a:xfrm rot="11865946">
-            <a:off x="7031245" y="783890"/>
+            <a:off x="7024537" y="692031"/>
             <a:ext cx="45719" cy="45719"/>
           </a:xfrm>
           <a:prstGeom prst="flowChartConnector">
@@ -6853,7 +6845,7 @@
       </p:sp>
       <p:sp>
         <p:nvSpPr>
-          <p:cNvPr id="16" name="Freeform 15"/>
+          <p:cNvPr id="166" name="Freeform 165"/>
           <p:cNvSpPr/>
           <p:nvPr/>
         </p:nvSpPr>
@@ -6956,7 +6948,7 @@
       </p:sp>
       <p:sp>
         <p:nvSpPr>
-          <p:cNvPr id="17" name="Freeform 16"/>
+          <p:cNvPr id="167" name="Freeform 166"/>
           <p:cNvSpPr/>
           <p:nvPr/>
         </p:nvSpPr>
@@ -7196,14 +7188,14 @@
       </p:sp>
       <p:sp>
         <p:nvSpPr>
-          <p:cNvPr id="18" name="Freeform 17"/>
+          <p:cNvPr id="168" name="Freeform 167"/>
           <p:cNvSpPr/>
           <p:nvPr/>
         </p:nvSpPr>
         <p:spPr>
           <a:xfrm>
-            <a:off x="797728" y="989315"/>
-            <a:ext cx="982980" cy="726012"/>
+            <a:off x="797728" y="989167"/>
+            <a:ext cx="975836" cy="726159"/>
           </a:xfrm>
           <a:custGeom>
             <a:avLst/>
@@ -7240,6 +7232,30 @@
               <a:gd name="connsiteY2" fmla="*/ 194517 h 726012"/>
               <a:gd name="connsiteX3" fmla="*/ 0 w 982980"/>
               <a:gd name="connsiteY3" fmla="*/ 726012 h 726012"/>
+              <a:gd name="connsiteX0" fmla="*/ 982980 w 982980"/>
+              <a:gd name="connsiteY0" fmla="*/ 206475 h 709395"/>
+              <a:gd name="connsiteX1" fmla="*/ 546259 w 982980"/>
+              <a:gd name="connsiteY1" fmla="*/ 258 h 709395"/>
+              <a:gd name="connsiteX2" fmla="*/ 217170 w 982980"/>
+              <a:gd name="connsiteY2" fmla="*/ 177900 h 709395"/>
+              <a:gd name="connsiteX3" fmla="*/ 0 w 982980"/>
+              <a:gd name="connsiteY3" fmla="*/ 709395 h 709395"/>
+              <a:gd name="connsiteX0" fmla="*/ 975836 w 975836"/>
+              <a:gd name="connsiteY0" fmla="*/ 216179 h 709574"/>
+              <a:gd name="connsiteX1" fmla="*/ 546259 w 975836"/>
+              <a:gd name="connsiteY1" fmla="*/ 437 h 709574"/>
+              <a:gd name="connsiteX2" fmla="*/ 217170 w 975836"/>
+              <a:gd name="connsiteY2" fmla="*/ 178079 h 709574"/>
+              <a:gd name="connsiteX3" fmla="*/ 0 w 975836"/>
+              <a:gd name="connsiteY3" fmla="*/ 709574 h 709574"/>
+              <a:gd name="connsiteX0" fmla="*/ 975836 w 975836"/>
+              <a:gd name="connsiteY0" fmla="*/ 232764 h 726159"/>
+              <a:gd name="connsiteX1" fmla="*/ 577216 w 975836"/>
+              <a:gd name="connsiteY1" fmla="*/ 353 h 726159"/>
+              <a:gd name="connsiteX2" fmla="*/ 217170 w 975836"/>
+              <a:gd name="connsiteY2" fmla="*/ 194664 h 726159"/>
+              <a:gd name="connsiteX3" fmla="*/ 0 w 975836"/>
+              <a:gd name="connsiteY3" fmla="*/ 726159 h 726159"/>
             </a:gdLst>
             <a:ahLst/>
             <a:cxnLst>
@@ -7258,24 +7274,24 @@
             </a:cxnLst>
             <a:rect l="l" t="t" r="r" b="b"/>
             <a:pathLst>
-              <a:path w="982980" h="726012">
+              <a:path w="975836" h="726159">
                 <a:moveTo>
-                  <a:pt x="982980" y="223092"/>
+                  <a:pt x="975836" y="232764"/>
                 </a:moveTo>
                 <a:cubicBezTo>
-                  <a:pt x="929640" y="132128"/>
-                  <a:pt x="676275" y="4969"/>
-                  <a:pt x="548640" y="207"/>
+                  <a:pt x="922496" y="141800"/>
+                  <a:pt x="703660" y="6703"/>
+                  <a:pt x="577216" y="353"/>
                 </a:cubicBezTo>
                 <a:cubicBezTo>
-                  <a:pt x="421005" y="-4555"/>
-                  <a:pt x="308610" y="73550"/>
-                  <a:pt x="217170" y="194517"/>
+                  <a:pt x="450772" y="-5997"/>
+                  <a:pt x="308610" y="73697"/>
+                  <a:pt x="217170" y="194664"/>
                 </a:cubicBezTo>
                 <a:cubicBezTo>
-                  <a:pt x="125730" y="315484"/>
-                  <a:pt x="62865" y="495507"/>
-                  <a:pt x="0" y="726012"/>
+                  <a:pt x="125730" y="315631"/>
+                  <a:pt x="62865" y="495654"/>
+                  <a:pt x="0" y="726159"/>
                 </a:cubicBezTo>
               </a:path>
             </a:pathLst>
@@ -7316,6 +7332,3480 @@
           </a:p>
         </p:txBody>
       </p:sp>
+      <p:sp>
+        <p:nvSpPr>
+          <p:cNvPr id="169" name="Freeform 7"/>
+          <p:cNvSpPr>
+            <a:spLocks/>
+          </p:cNvSpPr>
+          <p:nvPr/>
+        </p:nvSpPr>
+        <p:spPr bwMode="auto">
+          <a:xfrm>
+            <a:off x="6311900" y="1476375"/>
+            <a:ext cx="177800" cy="258763"/>
+          </a:xfrm>
+          <a:custGeom>
+            <a:avLst/>
+            <a:gdLst>
+              <a:gd name="T0" fmla="*/ 475 w 900"/>
+              <a:gd name="T1" fmla="*/ 204 h 1469"/>
+              <a:gd name="T2" fmla="*/ 527 w 900"/>
+              <a:gd name="T3" fmla="*/ 239 h 1469"/>
+              <a:gd name="T4" fmla="*/ 573 w 900"/>
+              <a:gd name="T5" fmla="*/ 280 h 1469"/>
+              <a:gd name="T6" fmla="*/ 601 w 900"/>
+              <a:gd name="T7" fmla="*/ 330 h 1469"/>
+              <a:gd name="T8" fmla="*/ 604 w 900"/>
+              <a:gd name="T9" fmla="*/ 437 h 1469"/>
+              <a:gd name="T10" fmla="*/ 579 w 900"/>
+              <a:gd name="T11" fmla="*/ 589 h 1469"/>
+              <a:gd name="T12" fmla="*/ 540 w 900"/>
+              <a:gd name="T13" fmla="*/ 739 h 1469"/>
+              <a:gd name="T14" fmla="*/ 500 w 900"/>
+              <a:gd name="T15" fmla="*/ 891 h 1469"/>
+              <a:gd name="T16" fmla="*/ 474 w 900"/>
+              <a:gd name="T17" fmla="*/ 1077 h 1469"/>
+              <a:gd name="T18" fmla="*/ 469 w 900"/>
+              <a:gd name="T19" fmla="*/ 1362 h 1469"/>
+              <a:gd name="T20" fmla="*/ 476 w 900"/>
+              <a:gd name="T21" fmla="*/ 1469 h 1469"/>
+              <a:gd name="T22" fmla="*/ 505 w 900"/>
+              <a:gd name="T23" fmla="*/ 1467 h 1469"/>
+              <a:gd name="T24" fmla="*/ 555 w 900"/>
+              <a:gd name="T25" fmla="*/ 1462 h 1469"/>
+              <a:gd name="T26" fmla="*/ 617 w 900"/>
+              <a:gd name="T27" fmla="*/ 1454 h 1469"/>
+              <a:gd name="T28" fmla="*/ 685 w 900"/>
+              <a:gd name="T29" fmla="*/ 1444 h 1469"/>
+              <a:gd name="T30" fmla="*/ 748 w 900"/>
+              <a:gd name="T31" fmla="*/ 1429 h 1469"/>
+              <a:gd name="T32" fmla="*/ 801 w 900"/>
+              <a:gd name="T33" fmla="*/ 1410 h 1469"/>
+              <a:gd name="T34" fmla="*/ 833 w 900"/>
+              <a:gd name="T35" fmla="*/ 1388 h 1469"/>
+              <a:gd name="T36" fmla="*/ 863 w 900"/>
+              <a:gd name="T37" fmla="*/ 1204 h 1469"/>
+              <a:gd name="T38" fmla="*/ 894 w 900"/>
+              <a:gd name="T39" fmla="*/ 903 h 1469"/>
+              <a:gd name="T40" fmla="*/ 899 w 900"/>
+              <a:gd name="T41" fmla="*/ 640 h 1469"/>
+              <a:gd name="T42" fmla="*/ 871 w 900"/>
+              <a:gd name="T43" fmla="*/ 395 h 1469"/>
+              <a:gd name="T44" fmla="*/ 834 w 900"/>
+              <a:gd name="T45" fmla="*/ 248 h 1469"/>
+              <a:gd name="T46" fmla="*/ 803 w 900"/>
+              <a:gd name="T47" fmla="*/ 201 h 1469"/>
+              <a:gd name="T48" fmla="*/ 763 w 900"/>
+              <a:gd name="T49" fmla="*/ 159 h 1469"/>
+              <a:gd name="T50" fmla="*/ 718 w 900"/>
+              <a:gd name="T51" fmla="*/ 121 h 1469"/>
+              <a:gd name="T52" fmla="*/ 665 w 900"/>
+              <a:gd name="T53" fmla="*/ 86 h 1469"/>
+              <a:gd name="T54" fmla="*/ 611 w 900"/>
+              <a:gd name="T55" fmla="*/ 56 h 1469"/>
+              <a:gd name="T56" fmla="*/ 554 w 900"/>
+              <a:gd name="T57" fmla="*/ 31 h 1469"/>
+              <a:gd name="T58" fmla="*/ 497 w 900"/>
+              <a:gd name="T59" fmla="*/ 10 h 1469"/>
+              <a:gd name="T60" fmla="*/ 439 w 900"/>
+              <a:gd name="T61" fmla="*/ 0 h 1469"/>
+              <a:gd name="T62" fmla="*/ 371 w 900"/>
+              <a:gd name="T63" fmla="*/ 3 h 1469"/>
+              <a:gd name="T64" fmla="*/ 300 w 900"/>
+              <a:gd name="T65" fmla="*/ 11 h 1469"/>
+              <a:gd name="T66" fmla="*/ 228 w 900"/>
+              <a:gd name="T67" fmla="*/ 26 h 1469"/>
+              <a:gd name="T68" fmla="*/ 159 w 900"/>
+              <a:gd name="T69" fmla="*/ 50 h 1469"/>
+              <a:gd name="T70" fmla="*/ 97 w 900"/>
+              <a:gd name="T71" fmla="*/ 82 h 1469"/>
+              <a:gd name="T72" fmla="*/ 47 w 900"/>
+              <a:gd name="T73" fmla="*/ 124 h 1469"/>
+              <a:gd name="T74" fmla="*/ 12 w 900"/>
+              <a:gd name="T75" fmla="*/ 176 h 1469"/>
+              <a:gd name="T76" fmla="*/ 4 w 900"/>
+              <a:gd name="T77" fmla="*/ 206 h 1469"/>
+              <a:gd name="T78" fmla="*/ 29 w 900"/>
+              <a:gd name="T79" fmla="*/ 204 h 1469"/>
+              <a:gd name="T80" fmla="*/ 77 w 900"/>
+              <a:gd name="T81" fmla="*/ 199 h 1469"/>
+              <a:gd name="T82" fmla="*/ 140 w 900"/>
+              <a:gd name="T83" fmla="*/ 192 h 1469"/>
+              <a:gd name="T84" fmla="*/ 213 w 900"/>
+              <a:gd name="T85" fmla="*/ 185 h 1469"/>
+              <a:gd name="T86" fmla="*/ 288 w 900"/>
+              <a:gd name="T87" fmla="*/ 181 h 1469"/>
+              <a:gd name="T88" fmla="*/ 361 w 900"/>
+              <a:gd name="T89" fmla="*/ 180 h 1469"/>
+              <a:gd name="T90" fmla="*/ 424 w 900"/>
+              <a:gd name="T91" fmla="*/ 184 h 1469"/>
+            </a:gdLst>
+            <a:ahLst/>
+            <a:cxnLst>
+              <a:cxn ang="0">
+                <a:pos x="T0" y="T1"/>
+              </a:cxn>
+              <a:cxn ang="0">
+                <a:pos x="T2" y="T3"/>
+              </a:cxn>
+              <a:cxn ang="0">
+                <a:pos x="T4" y="T5"/>
+              </a:cxn>
+              <a:cxn ang="0">
+                <a:pos x="T6" y="T7"/>
+              </a:cxn>
+              <a:cxn ang="0">
+                <a:pos x="T8" y="T9"/>
+              </a:cxn>
+              <a:cxn ang="0">
+                <a:pos x="T10" y="T11"/>
+              </a:cxn>
+              <a:cxn ang="0">
+                <a:pos x="T12" y="T13"/>
+              </a:cxn>
+              <a:cxn ang="0">
+                <a:pos x="T14" y="T15"/>
+              </a:cxn>
+              <a:cxn ang="0">
+                <a:pos x="T16" y="T17"/>
+              </a:cxn>
+              <a:cxn ang="0">
+                <a:pos x="T18" y="T19"/>
+              </a:cxn>
+              <a:cxn ang="0">
+                <a:pos x="T20" y="T21"/>
+              </a:cxn>
+              <a:cxn ang="0">
+                <a:pos x="T22" y="T23"/>
+              </a:cxn>
+              <a:cxn ang="0">
+                <a:pos x="T24" y="T25"/>
+              </a:cxn>
+              <a:cxn ang="0">
+                <a:pos x="T26" y="T27"/>
+              </a:cxn>
+              <a:cxn ang="0">
+                <a:pos x="T28" y="T29"/>
+              </a:cxn>
+              <a:cxn ang="0">
+                <a:pos x="T30" y="T31"/>
+              </a:cxn>
+              <a:cxn ang="0">
+                <a:pos x="T32" y="T33"/>
+              </a:cxn>
+              <a:cxn ang="0">
+                <a:pos x="T34" y="T35"/>
+              </a:cxn>
+              <a:cxn ang="0">
+                <a:pos x="T36" y="T37"/>
+              </a:cxn>
+              <a:cxn ang="0">
+                <a:pos x="T38" y="T39"/>
+              </a:cxn>
+              <a:cxn ang="0">
+                <a:pos x="T40" y="T41"/>
+              </a:cxn>
+              <a:cxn ang="0">
+                <a:pos x="T42" y="T43"/>
+              </a:cxn>
+              <a:cxn ang="0">
+                <a:pos x="T44" y="T45"/>
+              </a:cxn>
+              <a:cxn ang="0">
+                <a:pos x="T46" y="T47"/>
+              </a:cxn>
+              <a:cxn ang="0">
+                <a:pos x="T48" y="T49"/>
+              </a:cxn>
+              <a:cxn ang="0">
+                <a:pos x="T50" y="T51"/>
+              </a:cxn>
+              <a:cxn ang="0">
+                <a:pos x="T52" y="T53"/>
+              </a:cxn>
+              <a:cxn ang="0">
+                <a:pos x="T54" y="T55"/>
+              </a:cxn>
+              <a:cxn ang="0">
+                <a:pos x="T56" y="T57"/>
+              </a:cxn>
+              <a:cxn ang="0">
+                <a:pos x="T58" y="T59"/>
+              </a:cxn>
+              <a:cxn ang="0">
+                <a:pos x="T60" y="T61"/>
+              </a:cxn>
+              <a:cxn ang="0">
+                <a:pos x="T62" y="T63"/>
+              </a:cxn>
+              <a:cxn ang="0">
+                <a:pos x="T64" y="T65"/>
+              </a:cxn>
+              <a:cxn ang="0">
+                <a:pos x="T66" y="T67"/>
+              </a:cxn>
+              <a:cxn ang="0">
+                <a:pos x="T68" y="T69"/>
+              </a:cxn>
+              <a:cxn ang="0">
+                <a:pos x="T70" y="T71"/>
+              </a:cxn>
+              <a:cxn ang="0">
+                <a:pos x="T72" y="T73"/>
+              </a:cxn>
+              <a:cxn ang="0">
+                <a:pos x="T74" y="T75"/>
+              </a:cxn>
+              <a:cxn ang="0">
+                <a:pos x="T76" y="T77"/>
+              </a:cxn>
+              <a:cxn ang="0">
+                <a:pos x="T78" y="T79"/>
+              </a:cxn>
+              <a:cxn ang="0">
+                <a:pos x="T80" y="T81"/>
+              </a:cxn>
+              <a:cxn ang="0">
+                <a:pos x="T82" y="T83"/>
+              </a:cxn>
+              <a:cxn ang="0">
+                <a:pos x="T84" y="T85"/>
+              </a:cxn>
+              <a:cxn ang="0">
+                <a:pos x="T86" y="T87"/>
+              </a:cxn>
+              <a:cxn ang="0">
+                <a:pos x="T88" y="T89"/>
+              </a:cxn>
+              <a:cxn ang="0">
+                <a:pos x="T90" y="T91"/>
+              </a:cxn>
+            </a:cxnLst>
+            <a:rect l="0" t="0" r="r" b="b"/>
+            <a:pathLst>
+              <a:path w="900" h="1469">
+                <a:moveTo>
+                  <a:pt x="450" y="188"/>
+                </a:moveTo>
+                <a:lnTo>
+                  <a:pt x="475" y="204"/>
+                </a:lnTo>
+                <a:lnTo>
+                  <a:pt x="502" y="221"/>
+                </a:lnTo>
+                <a:lnTo>
+                  <a:pt x="527" y="239"/>
+                </a:lnTo>
+                <a:lnTo>
+                  <a:pt x="552" y="258"/>
+                </a:lnTo>
+                <a:lnTo>
+                  <a:pt x="573" y="280"/>
+                </a:lnTo>
+                <a:lnTo>
+                  <a:pt x="590" y="303"/>
+                </a:lnTo>
+                <a:lnTo>
+                  <a:pt x="601" y="330"/>
+                </a:lnTo>
+                <a:lnTo>
+                  <a:pt x="606" y="359"/>
+                </a:lnTo>
+                <a:lnTo>
+                  <a:pt x="604" y="437"/>
+                </a:lnTo>
+                <a:lnTo>
+                  <a:pt x="593" y="514"/>
+                </a:lnTo>
+                <a:lnTo>
+                  <a:pt x="579" y="589"/>
+                </a:lnTo>
+                <a:lnTo>
+                  <a:pt x="560" y="664"/>
+                </a:lnTo>
+                <a:lnTo>
+                  <a:pt x="540" y="739"/>
+                </a:lnTo>
+                <a:lnTo>
+                  <a:pt x="519" y="815"/>
+                </a:lnTo>
+                <a:lnTo>
+                  <a:pt x="500" y="891"/>
+                </a:lnTo>
+                <a:lnTo>
+                  <a:pt x="484" y="969"/>
+                </a:lnTo>
+                <a:lnTo>
+                  <a:pt x="474" y="1077"/>
+                </a:lnTo>
+                <a:lnTo>
+                  <a:pt x="469" y="1220"/>
+                </a:lnTo>
+                <a:lnTo>
+                  <a:pt x="469" y="1362"/>
+                </a:lnTo>
+                <a:lnTo>
+                  <a:pt x="472" y="1469"/>
+                </a:lnTo>
+                <a:lnTo>
+                  <a:pt x="476" y="1469"/>
+                </a:lnTo>
+                <a:lnTo>
+                  <a:pt x="486" y="1468"/>
+                </a:lnTo>
+                <a:lnTo>
+                  <a:pt x="505" y="1467"/>
+                </a:lnTo>
+                <a:lnTo>
+                  <a:pt x="527" y="1465"/>
+                </a:lnTo>
+                <a:lnTo>
+                  <a:pt x="555" y="1462"/>
+                </a:lnTo>
+                <a:lnTo>
+                  <a:pt x="584" y="1459"/>
+                </a:lnTo>
+                <a:lnTo>
+                  <a:pt x="617" y="1454"/>
+                </a:lnTo>
+                <a:lnTo>
+                  <a:pt x="650" y="1449"/>
+                </a:lnTo>
+                <a:lnTo>
+                  <a:pt x="685" y="1444"/>
+                </a:lnTo>
+                <a:lnTo>
+                  <a:pt x="718" y="1436"/>
+                </a:lnTo>
+                <a:lnTo>
+                  <a:pt x="748" y="1429"/>
+                </a:lnTo>
+                <a:lnTo>
+                  <a:pt x="776" y="1421"/>
+                </a:lnTo>
+                <a:lnTo>
+                  <a:pt x="801" y="1410"/>
+                </a:lnTo>
+                <a:lnTo>
+                  <a:pt x="819" y="1400"/>
+                </a:lnTo>
+                <a:lnTo>
+                  <a:pt x="833" y="1388"/>
+                </a:lnTo>
+                <a:lnTo>
+                  <a:pt x="838" y="1374"/>
+                </a:lnTo>
+                <a:lnTo>
+                  <a:pt x="863" y="1204"/>
+                </a:lnTo>
+                <a:lnTo>
+                  <a:pt x="881" y="1048"/>
+                </a:lnTo>
+                <a:lnTo>
+                  <a:pt x="894" y="903"/>
+                </a:lnTo>
+                <a:lnTo>
+                  <a:pt x="900" y="769"/>
+                </a:lnTo>
+                <a:lnTo>
+                  <a:pt x="899" y="640"/>
+                </a:lnTo>
+                <a:lnTo>
+                  <a:pt x="888" y="517"/>
+                </a:lnTo>
+                <a:lnTo>
+                  <a:pt x="871" y="395"/>
+                </a:lnTo>
+                <a:lnTo>
+                  <a:pt x="845" y="273"/>
+                </a:lnTo>
+                <a:lnTo>
+                  <a:pt x="834" y="248"/>
+                </a:lnTo>
+                <a:lnTo>
+                  <a:pt x="819" y="224"/>
+                </a:lnTo>
+                <a:lnTo>
+                  <a:pt x="803" y="201"/>
+                </a:lnTo>
+                <a:lnTo>
+                  <a:pt x="784" y="180"/>
+                </a:lnTo>
+                <a:lnTo>
+                  <a:pt x="763" y="159"/>
+                </a:lnTo>
+                <a:lnTo>
+                  <a:pt x="741" y="139"/>
+                </a:lnTo>
+                <a:lnTo>
+                  <a:pt x="718" y="121"/>
+                </a:lnTo>
+                <a:lnTo>
+                  <a:pt x="691" y="103"/>
+                </a:lnTo>
+                <a:lnTo>
+                  <a:pt x="665" y="86"/>
+                </a:lnTo>
+                <a:lnTo>
+                  <a:pt x="638" y="71"/>
+                </a:lnTo>
+                <a:lnTo>
+                  <a:pt x="611" y="56"/>
+                </a:lnTo>
+                <a:lnTo>
+                  <a:pt x="582" y="43"/>
+                </a:lnTo>
+                <a:lnTo>
+                  <a:pt x="554" y="31"/>
+                </a:lnTo>
+                <a:lnTo>
+                  <a:pt x="525" y="20"/>
+                </a:lnTo>
+                <a:lnTo>
+                  <a:pt x="497" y="10"/>
+                </a:lnTo>
+                <a:lnTo>
+                  <a:pt x="469" y="1"/>
+                </a:lnTo>
+                <a:lnTo>
+                  <a:pt x="439" y="0"/>
+                </a:lnTo>
+                <a:lnTo>
+                  <a:pt x="406" y="0"/>
+                </a:lnTo>
+                <a:lnTo>
+                  <a:pt x="371" y="3"/>
+                </a:lnTo>
+                <a:lnTo>
+                  <a:pt x="336" y="6"/>
+                </a:lnTo>
+                <a:lnTo>
+                  <a:pt x="300" y="11"/>
+                </a:lnTo>
+                <a:lnTo>
+                  <a:pt x="263" y="17"/>
+                </a:lnTo>
+                <a:lnTo>
+                  <a:pt x="228" y="26"/>
+                </a:lnTo>
+                <a:lnTo>
+                  <a:pt x="193" y="37"/>
+                </a:lnTo>
+                <a:lnTo>
+                  <a:pt x="159" y="50"/>
+                </a:lnTo>
+                <a:lnTo>
+                  <a:pt x="127" y="65"/>
+                </a:lnTo>
+                <a:lnTo>
+                  <a:pt x="97" y="82"/>
+                </a:lnTo>
+                <a:lnTo>
+                  <a:pt x="71" y="102"/>
+                </a:lnTo>
+                <a:lnTo>
+                  <a:pt x="47" y="124"/>
+                </a:lnTo>
+                <a:lnTo>
+                  <a:pt x="26" y="148"/>
+                </a:lnTo>
+                <a:lnTo>
+                  <a:pt x="12" y="176"/>
+                </a:lnTo>
+                <a:lnTo>
+                  <a:pt x="0" y="206"/>
+                </a:lnTo>
+                <a:lnTo>
+                  <a:pt x="4" y="206"/>
+                </a:lnTo>
+                <a:lnTo>
+                  <a:pt x="13" y="206"/>
+                </a:lnTo>
+                <a:lnTo>
+                  <a:pt x="29" y="204"/>
+                </a:lnTo>
+                <a:lnTo>
+                  <a:pt x="50" y="202"/>
+                </a:lnTo>
+                <a:lnTo>
+                  <a:pt x="77" y="199"/>
+                </a:lnTo>
+                <a:lnTo>
+                  <a:pt x="107" y="196"/>
+                </a:lnTo>
+                <a:lnTo>
+                  <a:pt x="140" y="192"/>
+                </a:lnTo>
+                <a:lnTo>
+                  <a:pt x="176" y="188"/>
+                </a:lnTo>
+                <a:lnTo>
+                  <a:pt x="213" y="185"/>
+                </a:lnTo>
+                <a:lnTo>
+                  <a:pt x="251" y="183"/>
+                </a:lnTo>
+                <a:lnTo>
+                  <a:pt x="288" y="181"/>
+                </a:lnTo>
+                <a:lnTo>
+                  <a:pt x="325" y="180"/>
+                </a:lnTo>
+                <a:lnTo>
+                  <a:pt x="361" y="180"/>
+                </a:lnTo>
+                <a:lnTo>
+                  <a:pt x="394" y="181"/>
+                </a:lnTo>
+                <a:lnTo>
+                  <a:pt x="424" y="184"/>
+                </a:lnTo>
+                <a:lnTo>
+                  <a:pt x="450" y="188"/>
+                </a:lnTo>
+                <a:close/>
+              </a:path>
+            </a:pathLst>
+          </a:custGeom>
+          <a:solidFill>
+            <a:srgbClr val="FFFFEA"/>
+          </a:solidFill>
+          <a:ln>
+            <a:noFill/>
+          </a:ln>
+          <a:extLst>
+            <a:ext uri="{91240B29-F687-4F45-9708-019B960494DF}">
+              <a14:hiddenLine xmlns:a14="http://schemas.microsoft.com/office/drawing/2010/main" w="9525">
+                <a:solidFill>
+                  <a:srgbClr val="000000"/>
+                </a:solidFill>
+                <a:round/>
+                <a:headEnd/>
+                <a:tailEnd/>
+              </a14:hiddenLine>
+            </a:ext>
+          </a:extLst>
+        </p:spPr>
+        <p:txBody>
+          <a:bodyPr vert="horz" wrap="square" lIns="91440" tIns="45720" rIns="91440" bIns="45720" numCol="1" anchor="t" anchorCtr="0" compatLnSpc="1">
+            <a:prstTxWarp prst="textNoShape">
+              <a:avLst/>
+            </a:prstTxWarp>
+          </a:bodyPr>
+          <a:lstStyle/>
+          <a:p>
+            <a:endParaRPr lang="en-SG"/>
+          </a:p>
+        </p:txBody>
+      </p:sp>
+      <p:sp>
+        <p:nvSpPr>
+          <p:cNvPr id="170" name="Freeform 8"/>
+          <p:cNvSpPr>
+            <a:spLocks/>
+          </p:cNvSpPr>
+          <p:nvPr/>
+        </p:nvSpPr>
+        <p:spPr bwMode="auto">
+          <a:xfrm>
+            <a:off x="6364288" y="1446213"/>
+            <a:ext cx="15875" cy="25400"/>
+          </a:xfrm>
+          <a:custGeom>
+            <a:avLst/>
+            <a:gdLst>
+              <a:gd name="T0" fmla="*/ 2 w 81"/>
+              <a:gd name="T1" fmla="*/ 11 h 146"/>
+              <a:gd name="T2" fmla="*/ 0 w 81"/>
+              <a:gd name="T3" fmla="*/ 44 h 146"/>
+              <a:gd name="T4" fmla="*/ 1 w 81"/>
+              <a:gd name="T5" fmla="*/ 76 h 146"/>
+              <a:gd name="T6" fmla="*/ 7 w 81"/>
+              <a:gd name="T7" fmla="*/ 109 h 146"/>
+              <a:gd name="T8" fmla="*/ 21 w 81"/>
+              <a:gd name="T9" fmla="*/ 140 h 146"/>
+              <a:gd name="T10" fmla="*/ 25 w 81"/>
+              <a:gd name="T11" fmla="*/ 144 h 146"/>
+              <a:gd name="T12" fmla="*/ 33 w 81"/>
+              <a:gd name="T13" fmla="*/ 146 h 146"/>
+              <a:gd name="T14" fmla="*/ 43 w 81"/>
+              <a:gd name="T15" fmla="*/ 145 h 146"/>
+              <a:gd name="T16" fmla="*/ 55 w 81"/>
+              <a:gd name="T17" fmla="*/ 143 h 146"/>
+              <a:gd name="T18" fmla="*/ 65 w 81"/>
+              <a:gd name="T19" fmla="*/ 139 h 146"/>
+              <a:gd name="T20" fmla="*/ 74 w 81"/>
+              <a:gd name="T21" fmla="*/ 133 h 146"/>
+              <a:gd name="T22" fmla="*/ 80 w 81"/>
+              <a:gd name="T23" fmla="*/ 128 h 146"/>
+              <a:gd name="T24" fmla="*/ 81 w 81"/>
+              <a:gd name="T25" fmla="*/ 122 h 146"/>
+              <a:gd name="T26" fmla="*/ 77 w 81"/>
+              <a:gd name="T27" fmla="*/ 106 h 146"/>
+              <a:gd name="T28" fmla="*/ 73 w 81"/>
+              <a:gd name="T29" fmla="*/ 90 h 146"/>
+              <a:gd name="T30" fmla="*/ 68 w 81"/>
+              <a:gd name="T31" fmla="*/ 75 h 146"/>
+              <a:gd name="T32" fmla="*/ 63 w 81"/>
+              <a:gd name="T33" fmla="*/ 60 h 146"/>
+              <a:gd name="T34" fmla="*/ 56 w 81"/>
+              <a:gd name="T35" fmla="*/ 45 h 146"/>
+              <a:gd name="T36" fmla="*/ 48 w 81"/>
+              <a:gd name="T37" fmla="*/ 30 h 146"/>
+              <a:gd name="T38" fmla="*/ 40 w 81"/>
+              <a:gd name="T39" fmla="*/ 16 h 146"/>
+              <a:gd name="T40" fmla="*/ 31 w 81"/>
+              <a:gd name="T41" fmla="*/ 3 h 146"/>
+              <a:gd name="T42" fmla="*/ 25 w 81"/>
+              <a:gd name="T43" fmla="*/ 0 h 146"/>
+              <a:gd name="T44" fmla="*/ 15 w 81"/>
+              <a:gd name="T45" fmla="*/ 1 h 146"/>
+              <a:gd name="T46" fmla="*/ 6 w 81"/>
+              <a:gd name="T47" fmla="*/ 6 h 146"/>
+              <a:gd name="T48" fmla="*/ 2 w 81"/>
+              <a:gd name="T49" fmla="*/ 11 h 146"/>
+              <a:gd name="T50" fmla="*/ 2 w 81"/>
+              <a:gd name="T51" fmla="*/ 11 h 146"/>
+            </a:gdLst>
+            <a:ahLst/>
+            <a:cxnLst>
+              <a:cxn ang="0">
+                <a:pos x="T0" y="T1"/>
+              </a:cxn>
+              <a:cxn ang="0">
+                <a:pos x="T2" y="T3"/>
+              </a:cxn>
+              <a:cxn ang="0">
+                <a:pos x="T4" y="T5"/>
+              </a:cxn>
+              <a:cxn ang="0">
+                <a:pos x="T6" y="T7"/>
+              </a:cxn>
+              <a:cxn ang="0">
+                <a:pos x="T8" y="T9"/>
+              </a:cxn>
+              <a:cxn ang="0">
+                <a:pos x="T10" y="T11"/>
+              </a:cxn>
+              <a:cxn ang="0">
+                <a:pos x="T12" y="T13"/>
+              </a:cxn>
+              <a:cxn ang="0">
+                <a:pos x="T14" y="T15"/>
+              </a:cxn>
+              <a:cxn ang="0">
+                <a:pos x="T16" y="T17"/>
+              </a:cxn>
+              <a:cxn ang="0">
+                <a:pos x="T18" y="T19"/>
+              </a:cxn>
+              <a:cxn ang="0">
+                <a:pos x="T20" y="T21"/>
+              </a:cxn>
+              <a:cxn ang="0">
+                <a:pos x="T22" y="T23"/>
+              </a:cxn>
+              <a:cxn ang="0">
+                <a:pos x="T24" y="T25"/>
+              </a:cxn>
+              <a:cxn ang="0">
+                <a:pos x="T26" y="T27"/>
+              </a:cxn>
+              <a:cxn ang="0">
+                <a:pos x="T28" y="T29"/>
+              </a:cxn>
+              <a:cxn ang="0">
+                <a:pos x="T30" y="T31"/>
+              </a:cxn>
+              <a:cxn ang="0">
+                <a:pos x="T32" y="T33"/>
+              </a:cxn>
+              <a:cxn ang="0">
+                <a:pos x="T34" y="T35"/>
+              </a:cxn>
+              <a:cxn ang="0">
+                <a:pos x="T36" y="T37"/>
+              </a:cxn>
+              <a:cxn ang="0">
+                <a:pos x="T38" y="T39"/>
+              </a:cxn>
+              <a:cxn ang="0">
+                <a:pos x="T40" y="T41"/>
+              </a:cxn>
+              <a:cxn ang="0">
+                <a:pos x="T42" y="T43"/>
+              </a:cxn>
+              <a:cxn ang="0">
+                <a:pos x="T44" y="T45"/>
+              </a:cxn>
+              <a:cxn ang="0">
+                <a:pos x="T46" y="T47"/>
+              </a:cxn>
+              <a:cxn ang="0">
+                <a:pos x="T48" y="T49"/>
+              </a:cxn>
+              <a:cxn ang="0">
+                <a:pos x="T50" y="T51"/>
+              </a:cxn>
+            </a:cxnLst>
+            <a:rect l="0" t="0" r="r" b="b"/>
+            <a:pathLst>
+              <a:path w="81" h="146">
+                <a:moveTo>
+                  <a:pt x="2" y="11"/>
+                </a:moveTo>
+                <a:lnTo>
+                  <a:pt x="0" y="44"/>
+                </a:lnTo>
+                <a:lnTo>
+                  <a:pt x="1" y="76"/>
+                </a:lnTo>
+                <a:lnTo>
+                  <a:pt x="7" y="109"/>
+                </a:lnTo>
+                <a:lnTo>
+                  <a:pt x="21" y="140"/>
+                </a:lnTo>
+                <a:lnTo>
+                  <a:pt x="25" y="144"/>
+                </a:lnTo>
+                <a:lnTo>
+                  <a:pt x="33" y="146"/>
+                </a:lnTo>
+                <a:lnTo>
+                  <a:pt x="43" y="145"/>
+                </a:lnTo>
+                <a:lnTo>
+                  <a:pt x="55" y="143"/>
+                </a:lnTo>
+                <a:lnTo>
+                  <a:pt x="65" y="139"/>
+                </a:lnTo>
+                <a:lnTo>
+                  <a:pt x="74" y="133"/>
+                </a:lnTo>
+                <a:lnTo>
+                  <a:pt x="80" y="128"/>
+                </a:lnTo>
+                <a:lnTo>
+                  <a:pt x="81" y="122"/>
+                </a:lnTo>
+                <a:lnTo>
+                  <a:pt x="77" y="106"/>
+                </a:lnTo>
+                <a:lnTo>
+                  <a:pt x="73" y="90"/>
+                </a:lnTo>
+                <a:lnTo>
+                  <a:pt x="68" y="75"/>
+                </a:lnTo>
+                <a:lnTo>
+                  <a:pt x="63" y="60"/>
+                </a:lnTo>
+                <a:lnTo>
+                  <a:pt x="56" y="45"/>
+                </a:lnTo>
+                <a:lnTo>
+                  <a:pt x="48" y="30"/>
+                </a:lnTo>
+                <a:lnTo>
+                  <a:pt x="40" y="16"/>
+                </a:lnTo>
+                <a:lnTo>
+                  <a:pt x="31" y="3"/>
+                </a:lnTo>
+                <a:lnTo>
+                  <a:pt x="25" y="0"/>
+                </a:lnTo>
+                <a:lnTo>
+                  <a:pt x="15" y="1"/>
+                </a:lnTo>
+                <a:lnTo>
+                  <a:pt x="6" y="6"/>
+                </a:lnTo>
+                <a:lnTo>
+                  <a:pt x="2" y="11"/>
+                </a:lnTo>
+                <a:lnTo>
+                  <a:pt x="2" y="11"/>
+                </a:lnTo>
+                <a:close/>
+              </a:path>
+            </a:pathLst>
+          </a:custGeom>
+          <a:solidFill>
+            <a:srgbClr val="FFFFEA"/>
+          </a:solidFill>
+          <a:ln>
+            <a:noFill/>
+          </a:ln>
+          <a:extLst>
+            <a:ext uri="{91240B29-F687-4F45-9708-019B960494DF}">
+              <a14:hiddenLine xmlns:a14="http://schemas.microsoft.com/office/drawing/2010/main" w="9525">
+                <a:solidFill>
+                  <a:srgbClr val="000000"/>
+                </a:solidFill>
+                <a:round/>
+                <a:headEnd/>
+                <a:tailEnd/>
+              </a14:hiddenLine>
+            </a:ext>
+          </a:extLst>
+        </p:spPr>
+        <p:txBody>
+          <a:bodyPr vert="horz" wrap="square" lIns="91440" tIns="45720" rIns="91440" bIns="45720" numCol="1" anchor="t" anchorCtr="0" compatLnSpc="1">
+            <a:prstTxWarp prst="textNoShape">
+              <a:avLst/>
+            </a:prstTxWarp>
+          </a:bodyPr>
+          <a:lstStyle/>
+          <a:p>
+            <a:endParaRPr lang="en-SG"/>
+          </a:p>
+        </p:txBody>
+      </p:sp>
+      <p:sp>
+        <p:nvSpPr>
+          <p:cNvPr id="171" name="Freeform 9"/>
+          <p:cNvSpPr>
+            <a:spLocks/>
+          </p:cNvSpPr>
+          <p:nvPr/>
+        </p:nvSpPr>
+        <p:spPr bwMode="auto">
+          <a:xfrm rot="2760171" flipH="1">
+            <a:off x="6071869" y="1628232"/>
+            <a:ext cx="403225" cy="376238"/>
+          </a:xfrm>
+          <a:custGeom>
+            <a:avLst/>
+            <a:gdLst>
+              <a:gd name="T0" fmla="*/ 1726 w 2029"/>
+              <a:gd name="T1" fmla="*/ 1943 h 2127"/>
+              <a:gd name="T2" fmla="*/ 1429 w 2029"/>
+              <a:gd name="T3" fmla="*/ 2016 h 2127"/>
+              <a:gd name="T4" fmla="*/ 1211 w 2029"/>
+              <a:gd name="T5" fmla="*/ 1616 h 2127"/>
+              <a:gd name="T6" fmla="*/ 1104 w 2029"/>
+              <a:gd name="T7" fmla="*/ 1279 h 2127"/>
+              <a:gd name="T8" fmla="*/ 1307 w 2029"/>
+              <a:gd name="T9" fmla="*/ 1164 h 2127"/>
+              <a:gd name="T10" fmla="*/ 1527 w 2029"/>
+              <a:gd name="T11" fmla="*/ 1092 h 2127"/>
+              <a:gd name="T12" fmla="*/ 1764 w 2029"/>
+              <a:gd name="T13" fmla="*/ 1084 h 2127"/>
+              <a:gd name="T14" fmla="*/ 1610 w 2029"/>
+              <a:gd name="T15" fmla="*/ 1008 h 2127"/>
+              <a:gd name="T16" fmla="*/ 1487 w 2029"/>
+              <a:gd name="T17" fmla="*/ 957 h 2127"/>
+              <a:gd name="T18" fmla="*/ 1403 w 2029"/>
+              <a:gd name="T19" fmla="*/ 1048 h 2127"/>
+              <a:gd name="T20" fmla="*/ 1249 w 2029"/>
+              <a:gd name="T21" fmla="*/ 1107 h 2127"/>
+              <a:gd name="T22" fmla="*/ 1057 w 2029"/>
+              <a:gd name="T23" fmla="*/ 1220 h 2127"/>
+              <a:gd name="T24" fmla="*/ 1094 w 2029"/>
+              <a:gd name="T25" fmla="*/ 755 h 2127"/>
+              <a:gd name="T26" fmla="*/ 1276 w 2029"/>
+              <a:gd name="T27" fmla="*/ 614 h 2127"/>
+              <a:gd name="T28" fmla="*/ 1401 w 2029"/>
+              <a:gd name="T29" fmla="*/ 847 h 2127"/>
+              <a:gd name="T30" fmla="*/ 1407 w 2029"/>
+              <a:gd name="T31" fmla="*/ 620 h 2127"/>
+              <a:gd name="T32" fmla="*/ 1658 w 2029"/>
+              <a:gd name="T33" fmla="*/ 597 h 2127"/>
+              <a:gd name="T34" fmla="*/ 1886 w 2029"/>
+              <a:gd name="T35" fmla="*/ 836 h 2127"/>
+              <a:gd name="T36" fmla="*/ 1833 w 2029"/>
+              <a:gd name="T37" fmla="*/ 1019 h 2127"/>
+              <a:gd name="T38" fmla="*/ 1897 w 2029"/>
+              <a:gd name="T39" fmla="*/ 1095 h 2127"/>
+              <a:gd name="T40" fmla="*/ 1891 w 2029"/>
+              <a:gd name="T41" fmla="*/ 1639 h 2127"/>
+              <a:gd name="T42" fmla="*/ 1890 w 2029"/>
+              <a:gd name="T43" fmla="*/ 668 h 2127"/>
+              <a:gd name="T44" fmla="*/ 1745 w 2029"/>
+              <a:gd name="T45" fmla="*/ 555 h 2127"/>
+              <a:gd name="T46" fmla="*/ 1603 w 2029"/>
+              <a:gd name="T47" fmla="*/ 501 h 2127"/>
+              <a:gd name="T48" fmla="*/ 1481 w 2029"/>
+              <a:gd name="T49" fmla="*/ 485 h 2127"/>
+              <a:gd name="T50" fmla="*/ 1399 w 2029"/>
+              <a:gd name="T51" fmla="*/ 453 h 2127"/>
+              <a:gd name="T52" fmla="*/ 1343 w 2029"/>
+              <a:gd name="T53" fmla="*/ 503 h 2127"/>
+              <a:gd name="T54" fmla="*/ 1374 w 2029"/>
+              <a:gd name="T55" fmla="*/ 399 h 2127"/>
+              <a:gd name="T56" fmla="*/ 1409 w 2029"/>
+              <a:gd name="T57" fmla="*/ 328 h 2127"/>
+              <a:gd name="T58" fmla="*/ 1371 w 2029"/>
+              <a:gd name="T59" fmla="*/ 317 h 2127"/>
+              <a:gd name="T60" fmla="*/ 1297 w 2029"/>
+              <a:gd name="T61" fmla="*/ 155 h 2127"/>
+              <a:gd name="T62" fmla="*/ 1142 w 2029"/>
+              <a:gd name="T63" fmla="*/ 34 h 2127"/>
+              <a:gd name="T64" fmla="*/ 1014 w 2029"/>
+              <a:gd name="T65" fmla="*/ 1 h 2127"/>
+              <a:gd name="T66" fmla="*/ 844 w 2029"/>
+              <a:gd name="T67" fmla="*/ 16 h 2127"/>
+              <a:gd name="T68" fmla="*/ 655 w 2029"/>
+              <a:gd name="T69" fmla="*/ 87 h 2127"/>
+              <a:gd name="T70" fmla="*/ 486 w 2029"/>
+              <a:gd name="T71" fmla="*/ 199 h 2127"/>
+              <a:gd name="T72" fmla="*/ 310 w 2029"/>
+              <a:gd name="T73" fmla="*/ 520 h 2127"/>
+              <a:gd name="T74" fmla="*/ 474 w 2029"/>
+              <a:gd name="T75" fmla="*/ 980 h 2127"/>
+              <a:gd name="T76" fmla="*/ 702 w 2029"/>
+              <a:gd name="T77" fmla="*/ 1291 h 2127"/>
+              <a:gd name="T78" fmla="*/ 551 w 2029"/>
+              <a:gd name="T79" fmla="*/ 1622 h 2127"/>
+              <a:gd name="T80" fmla="*/ 239 w 2029"/>
+              <a:gd name="T81" fmla="*/ 1637 h 2127"/>
+              <a:gd name="T82" fmla="*/ 43 w 2029"/>
+              <a:gd name="T83" fmla="*/ 1652 h 2127"/>
+              <a:gd name="T84" fmla="*/ 186 w 2029"/>
+              <a:gd name="T85" fmla="*/ 1716 h 2127"/>
+              <a:gd name="T86" fmla="*/ 311 w 2029"/>
+              <a:gd name="T87" fmla="*/ 1731 h 2127"/>
+              <a:gd name="T88" fmla="*/ 560 w 2029"/>
+              <a:gd name="T89" fmla="*/ 1709 h 2127"/>
+              <a:gd name="T90" fmla="*/ 819 w 2029"/>
+              <a:gd name="T91" fmla="*/ 1410 h 2127"/>
+              <a:gd name="T92" fmla="*/ 751 w 2029"/>
+              <a:gd name="T93" fmla="*/ 1202 h 2127"/>
+              <a:gd name="T94" fmla="*/ 613 w 2029"/>
+              <a:gd name="T95" fmla="*/ 974 h 2127"/>
+              <a:gd name="T96" fmla="*/ 419 w 2029"/>
+              <a:gd name="T97" fmla="*/ 599 h 2127"/>
+              <a:gd name="T98" fmla="*/ 498 w 2029"/>
+              <a:gd name="T99" fmla="*/ 304 h 2127"/>
+              <a:gd name="T100" fmla="*/ 783 w 2029"/>
+              <a:gd name="T101" fmla="*/ 110 h 2127"/>
+              <a:gd name="T102" fmla="*/ 1044 w 2029"/>
+              <a:gd name="T103" fmla="*/ 85 h 2127"/>
+              <a:gd name="T104" fmla="*/ 1215 w 2029"/>
+              <a:gd name="T105" fmla="*/ 188 h 2127"/>
+              <a:gd name="T106" fmla="*/ 1249 w 2029"/>
+              <a:gd name="T107" fmla="*/ 392 h 2127"/>
+              <a:gd name="T108" fmla="*/ 1123 w 2029"/>
+              <a:gd name="T109" fmla="*/ 615 h 2127"/>
+              <a:gd name="T110" fmla="*/ 989 w 2029"/>
+              <a:gd name="T111" fmla="*/ 850 h 2127"/>
+              <a:gd name="T112" fmla="*/ 986 w 2029"/>
+              <a:gd name="T113" fmla="*/ 1327 h 2127"/>
+              <a:gd name="T114" fmla="*/ 1152 w 2029"/>
+              <a:gd name="T115" fmla="*/ 1757 h 2127"/>
+              <a:gd name="T116" fmla="*/ 1365 w 2029"/>
+              <a:gd name="T117" fmla="*/ 2118 h 2127"/>
+              <a:gd name="T118" fmla="*/ 1989 w 2029"/>
+              <a:gd name="T119" fmla="*/ 1639 h 2127"/>
+            </a:gdLst>
+            <a:ahLst/>
+            <a:cxnLst>
+              <a:cxn ang="0">
+                <a:pos x="T0" y="T1"/>
+              </a:cxn>
+              <a:cxn ang="0">
+                <a:pos x="T2" y="T3"/>
+              </a:cxn>
+              <a:cxn ang="0">
+                <a:pos x="T4" y="T5"/>
+              </a:cxn>
+              <a:cxn ang="0">
+                <a:pos x="T6" y="T7"/>
+              </a:cxn>
+              <a:cxn ang="0">
+                <a:pos x="T8" y="T9"/>
+              </a:cxn>
+              <a:cxn ang="0">
+                <a:pos x="T10" y="T11"/>
+              </a:cxn>
+              <a:cxn ang="0">
+                <a:pos x="T12" y="T13"/>
+              </a:cxn>
+              <a:cxn ang="0">
+                <a:pos x="T14" y="T15"/>
+              </a:cxn>
+              <a:cxn ang="0">
+                <a:pos x="T16" y="T17"/>
+              </a:cxn>
+              <a:cxn ang="0">
+                <a:pos x="T18" y="T19"/>
+              </a:cxn>
+              <a:cxn ang="0">
+                <a:pos x="T20" y="T21"/>
+              </a:cxn>
+              <a:cxn ang="0">
+                <a:pos x="T22" y="T23"/>
+              </a:cxn>
+              <a:cxn ang="0">
+                <a:pos x="T24" y="T25"/>
+              </a:cxn>
+              <a:cxn ang="0">
+                <a:pos x="T26" y="T27"/>
+              </a:cxn>
+              <a:cxn ang="0">
+                <a:pos x="T28" y="T29"/>
+              </a:cxn>
+              <a:cxn ang="0">
+                <a:pos x="T30" y="T31"/>
+              </a:cxn>
+              <a:cxn ang="0">
+                <a:pos x="T32" y="T33"/>
+              </a:cxn>
+              <a:cxn ang="0">
+                <a:pos x="T34" y="T35"/>
+              </a:cxn>
+              <a:cxn ang="0">
+                <a:pos x="T36" y="T37"/>
+              </a:cxn>
+              <a:cxn ang="0">
+                <a:pos x="T38" y="T39"/>
+              </a:cxn>
+              <a:cxn ang="0">
+                <a:pos x="T40" y="T41"/>
+              </a:cxn>
+              <a:cxn ang="0">
+                <a:pos x="T42" y="T43"/>
+              </a:cxn>
+              <a:cxn ang="0">
+                <a:pos x="T44" y="T45"/>
+              </a:cxn>
+              <a:cxn ang="0">
+                <a:pos x="T46" y="T47"/>
+              </a:cxn>
+              <a:cxn ang="0">
+                <a:pos x="T48" y="T49"/>
+              </a:cxn>
+              <a:cxn ang="0">
+                <a:pos x="T50" y="T51"/>
+              </a:cxn>
+              <a:cxn ang="0">
+                <a:pos x="T52" y="T53"/>
+              </a:cxn>
+              <a:cxn ang="0">
+                <a:pos x="T54" y="T55"/>
+              </a:cxn>
+              <a:cxn ang="0">
+                <a:pos x="T56" y="T57"/>
+              </a:cxn>
+              <a:cxn ang="0">
+                <a:pos x="T58" y="T59"/>
+              </a:cxn>
+              <a:cxn ang="0">
+                <a:pos x="T60" y="T61"/>
+              </a:cxn>
+              <a:cxn ang="0">
+                <a:pos x="T62" y="T63"/>
+              </a:cxn>
+              <a:cxn ang="0">
+                <a:pos x="T64" y="T65"/>
+              </a:cxn>
+              <a:cxn ang="0">
+                <a:pos x="T66" y="T67"/>
+              </a:cxn>
+              <a:cxn ang="0">
+                <a:pos x="T68" y="T69"/>
+              </a:cxn>
+              <a:cxn ang="0">
+                <a:pos x="T70" y="T71"/>
+              </a:cxn>
+              <a:cxn ang="0">
+                <a:pos x="T72" y="T73"/>
+              </a:cxn>
+              <a:cxn ang="0">
+                <a:pos x="T74" y="T75"/>
+              </a:cxn>
+              <a:cxn ang="0">
+                <a:pos x="T76" y="T77"/>
+              </a:cxn>
+              <a:cxn ang="0">
+                <a:pos x="T78" y="T79"/>
+              </a:cxn>
+              <a:cxn ang="0">
+                <a:pos x="T80" y="T81"/>
+              </a:cxn>
+              <a:cxn ang="0">
+                <a:pos x="T82" y="T83"/>
+              </a:cxn>
+              <a:cxn ang="0">
+                <a:pos x="T84" y="T85"/>
+              </a:cxn>
+              <a:cxn ang="0">
+                <a:pos x="T86" y="T87"/>
+              </a:cxn>
+              <a:cxn ang="0">
+                <a:pos x="T88" y="T89"/>
+              </a:cxn>
+              <a:cxn ang="0">
+                <a:pos x="T90" y="T91"/>
+              </a:cxn>
+              <a:cxn ang="0">
+                <a:pos x="T92" y="T93"/>
+              </a:cxn>
+              <a:cxn ang="0">
+                <a:pos x="T94" y="T95"/>
+              </a:cxn>
+              <a:cxn ang="0">
+                <a:pos x="T96" y="T97"/>
+              </a:cxn>
+              <a:cxn ang="0">
+                <a:pos x="T98" y="T99"/>
+              </a:cxn>
+              <a:cxn ang="0">
+                <a:pos x="T100" y="T101"/>
+              </a:cxn>
+              <a:cxn ang="0">
+                <a:pos x="T102" y="T103"/>
+              </a:cxn>
+              <a:cxn ang="0">
+                <a:pos x="T104" y="T105"/>
+              </a:cxn>
+              <a:cxn ang="0">
+                <a:pos x="T106" y="T107"/>
+              </a:cxn>
+              <a:cxn ang="0">
+                <a:pos x="T108" y="T109"/>
+              </a:cxn>
+              <a:cxn ang="0">
+                <a:pos x="T110" y="T111"/>
+              </a:cxn>
+              <a:cxn ang="0">
+                <a:pos x="T112" y="T113"/>
+              </a:cxn>
+              <a:cxn ang="0">
+                <a:pos x="T114" y="T115"/>
+              </a:cxn>
+              <a:cxn ang="0">
+                <a:pos x="T116" y="T117"/>
+              </a:cxn>
+              <a:cxn ang="0">
+                <a:pos x="T118" y="T119"/>
+              </a:cxn>
+            </a:cxnLst>
+            <a:rect l="0" t="0" r="r" b="b"/>
+            <a:pathLst>
+              <a:path w="2029" h="2127">
+                <a:moveTo>
+                  <a:pt x="1891" y="1639"/>
+                </a:moveTo>
+                <a:lnTo>
+                  <a:pt x="1885" y="1709"/>
+                </a:lnTo>
+                <a:lnTo>
+                  <a:pt x="1880" y="1778"/>
+                </a:lnTo>
+                <a:lnTo>
+                  <a:pt x="1874" y="1845"/>
+                </a:lnTo>
+                <a:lnTo>
+                  <a:pt x="1869" y="1902"/>
+                </a:lnTo>
+                <a:lnTo>
+                  <a:pt x="1842" y="1910"/>
+                </a:lnTo>
+                <a:lnTo>
+                  <a:pt x="1814" y="1919"/>
+                </a:lnTo>
+                <a:lnTo>
+                  <a:pt x="1785" y="1926"/>
+                </a:lnTo>
+                <a:lnTo>
+                  <a:pt x="1756" y="1935"/>
+                </a:lnTo>
+                <a:lnTo>
+                  <a:pt x="1726" y="1943"/>
+                </a:lnTo>
+                <a:lnTo>
+                  <a:pt x="1696" y="1950"/>
+                </a:lnTo>
+                <a:lnTo>
+                  <a:pt x="1667" y="1959"/>
+                </a:lnTo>
+                <a:lnTo>
+                  <a:pt x="1636" y="1966"/>
+                </a:lnTo>
+                <a:lnTo>
+                  <a:pt x="1606" y="1974"/>
+                </a:lnTo>
+                <a:lnTo>
+                  <a:pt x="1576" y="1981"/>
+                </a:lnTo>
+                <a:lnTo>
+                  <a:pt x="1546" y="1989"/>
+                </a:lnTo>
+                <a:lnTo>
+                  <a:pt x="1516" y="1996"/>
+                </a:lnTo>
+                <a:lnTo>
+                  <a:pt x="1487" y="2003"/>
+                </a:lnTo>
+                <a:lnTo>
+                  <a:pt x="1457" y="2010"/>
+                </a:lnTo>
+                <a:lnTo>
+                  <a:pt x="1429" y="2016"/>
+                </a:lnTo>
+                <a:lnTo>
+                  <a:pt x="1401" y="2022"/>
+                </a:lnTo>
+                <a:lnTo>
+                  <a:pt x="1398" y="2015"/>
+                </a:lnTo>
+                <a:lnTo>
+                  <a:pt x="1383" y="1984"/>
+                </a:lnTo>
+                <a:lnTo>
+                  <a:pt x="1365" y="1946"/>
+                </a:lnTo>
+                <a:lnTo>
+                  <a:pt x="1343" y="1900"/>
+                </a:lnTo>
+                <a:lnTo>
+                  <a:pt x="1320" y="1849"/>
+                </a:lnTo>
+                <a:lnTo>
+                  <a:pt x="1293" y="1793"/>
+                </a:lnTo>
+                <a:lnTo>
+                  <a:pt x="1267" y="1735"/>
+                </a:lnTo>
+                <a:lnTo>
+                  <a:pt x="1239" y="1675"/>
+                </a:lnTo>
+                <a:lnTo>
+                  <a:pt x="1211" y="1616"/>
+                </a:lnTo>
+                <a:lnTo>
+                  <a:pt x="1185" y="1558"/>
+                </a:lnTo>
+                <a:lnTo>
+                  <a:pt x="1159" y="1502"/>
+                </a:lnTo>
+                <a:lnTo>
+                  <a:pt x="1136" y="1451"/>
+                </a:lnTo>
+                <a:lnTo>
+                  <a:pt x="1116" y="1406"/>
+                </a:lnTo>
+                <a:lnTo>
+                  <a:pt x="1099" y="1368"/>
+                </a:lnTo>
+                <a:lnTo>
+                  <a:pt x="1085" y="1339"/>
+                </a:lnTo>
+                <a:lnTo>
+                  <a:pt x="1077" y="1319"/>
+                </a:lnTo>
+                <a:lnTo>
+                  <a:pt x="1074" y="1312"/>
+                </a:lnTo>
+                <a:lnTo>
+                  <a:pt x="1088" y="1295"/>
+                </a:lnTo>
+                <a:lnTo>
+                  <a:pt x="1104" y="1279"/>
+                </a:lnTo>
+                <a:lnTo>
+                  <a:pt x="1123" y="1263"/>
+                </a:lnTo>
+                <a:lnTo>
+                  <a:pt x="1141" y="1249"/>
+                </a:lnTo>
+                <a:lnTo>
+                  <a:pt x="1159" y="1237"/>
+                </a:lnTo>
+                <a:lnTo>
+                  <a:pt x="1178" y="1224"/>
+                </a:lnTo>
+                <a:lnTo>
+                  <a:pt x="1199" y="1212"/>
+                </a:lnTo>
+                <a:lnTo>
+                  <a:pt x="1220" y="1202"/>
+                </a:lnTo>
+                <a:lnTo>
+                  <a:pt x="1241" y="1192"/>
+                </a:lnTo>
+                <a:lnTo>
+                  <a:pt x="1263" y="1182"/>
+                </a:lnTo>
+                <a:lnTo>
+                  <a:pt x="1285" y="1172"/>
+                </a:lnTo>
+                <a:lnTo>
+                  <a:pt x="1307" y="1164"/>
+                </a:lnTo>
+                <a:lnTo>
+                  <a:pt x="1329" y="1155"/>
+                </a:lnTo>
+                <a:lnTo>
+                  <a:pt x="1351" y="1146"/>
+                </a:lnTo>
+                <a:lnTo>
+                  <a:pt x="1373" y="1137"/>
+                </a:lnTo>
+                <a:lnTo>
+                  <a:pt x="1395" y="1129"/>
+                </a:lnTo>
+                <a:lnTo>
+                  <a:pt x="1416" y="1121"/>
+                </a:lnTo>
+                <a:lnTo>
+                  <a:pt x="1438" y="1113"/>
+                </a:lnTo>
+                <a:lnTo>
+                  <a:pt x="1460" y="1107"/>
+                </a:lnTo>
+                <a:lnTo>
+                  <a:pt x="1481" y="1102"/>
+                </a:lnTo>
+                <a:lnTo>
+                  <a:pt x="1504" y="1096"/>
+                </a:lnTo>
+                <a:lnTo>
+                  <a:pt x="1527" y="1092"/>
+                </a:lnTo>
+                <a:lnTo>
+                  <a:pt x="1551" y="1089"/>
+                </a:lnTo>
+                <a:lnTo>
+                  <a:pt x="1573" y="1086"/>
+                </a:lnTo>
+                <a:lnTo>
+                  <a:pt x="1597" y="1084"/>
+                </a:lnTo>
+                <a:lnTo>
+                  <a:pt x="1621" y="1083"/>
+                </a:lnTo>
+                <a:lnTo>
+                  <a:pt x="1644" y="1081"/>
+                </a:lnTo>
+                <a:lnTo>
+                  <a:pt x="1668" y="1081"/>
+                </a:lnTo>
+                <a:lnTo>
+                  <a:pt x="1692" y="1081"/>
+                </a:lnTo>
+                <a:lnTo>
+                  <a:pt x="1716" y="1081"/>
+                </a:lnTo>
+                <a:lnTo>
+                  <a:pt x="1740" y="1083"/>
+                </a:lnTo>
+                <a:lnTo>
+                  <a:pt x="1764" y="1084"/>
+                </a:lnTo>
+                <a:lnTo>
+                  <a:pt x="1764" y="1009"/>
+                </a:lnTo>
+                <a:lnTo>
+                  <a:pt x="1746" y="1008"/>
+                </a:lnTo>
+                <a:lnTo>
+                  <a:pt x="1729" y="1006"/>
+                </a:lnTo>
+                <a:lnTo>
+                  <a:pt x="1712" y="1005"/>
+                </a:lnTo>
+                <a:lnTo>
+                  <a:pt x="1695" y="1005"/>
+                </a:lnTo>
+                <a:lnTo>
+                  <a:pt x="1678" y="1004"/>
+                </a:lnTo>
+                <a:lnTo>
+                  <a:pt x="1661" y="1005"/>
+                </a:lnTo>
+                <a:lnTo>
+                  <a:pt x="1644" y="1005"/>
+                </a:lnTo>
+                <a:lnTo>
+                  <a:pt x="1627" y="1006"/>
+                </a:lnTo>
+                <a:lnTo>
+                  <a:pt x="1610" y="1008"/>
+                </a:lnTo>
+                <a:lnTo>
+                  <a:pt x="1593" y="1009"/>
+                </a:lnTo>
+                <a:lnTo>
+                  <a:pt x="1576" y="1011"/>
+                </a:lnTo>
+                <a:lnTo>
+                  <a:pt x="1560" y="1013"/>
+                </a:lnTo>
+                <a:lnTo>
+                  <a:pt x="1544" y="1015"/>
+                </a:lnTo>
+                <a:lnTo>
+                  <a:pt x="1528" y="1017"/>
+                </a:lnTo>
+                <a:lnTo>
+                  <a:pt x="1512" y="1020"/>
+                </a:lnTo>
+                <a:lnTo>
+                  <a:pt x="1496" y="1023"/>
+                </a:lnTo>
+                <a:lnTo>
+                  <a:pt x="1493" y="1002"/>
+                </a:lnTo>
+                <a:lnTo>
+                  <a:pt x="1490" y="979"/>
+                </a:lnTo>
+                <a:lnTo>
+                  <a:pt x="1487" y="957"/>
+                </a:lnTo>
+                <a:lnTo>
+                  <a:pt x="1483" y="936"/>
+                </a:lnTo>
+                <a:lnTo>
+                  <a:pt x="1414" y="936"/>
+                </a:lnTo>
+                <a:lnTo>
+                  <a:pt x="1417" y="960"/>
+                </a:lnTo>
+                <a:lnTo>
+                  <a:pt x="1423" y="987"/>
+                </a:lnTo>
+                <a:lnTo>
+                  <a:pt x="1428" y="1014"/>
+                </a:lnTo>
+                <a:lnTo>
+                  <a:pt x="1432" y="1039"/>
+                </a:lnTo>
+                <a:lnTo>
+                  <a:pt x="1425" y="1041"/>
+                </a:lnTo>
+                <a:lnTo>
+                  <a:pt x="1417" y="1043"/>
+                </a:lnTo>
+                <a:lnTo>
+                  <a:pt x="1411" y="1046"/>
+                </a:lnTo>
+                <a:lnTo>
+                  <a:pt x="1403" y="1048"/>
+                </a:lnTo>
+                <a:lnTo>
+                  <a:pt x="1395" y="1050"/>
+                </a:lnTo>
+                <a:lnTo>
+                  <a:pt x="1388" y="1053"/>
+                </a:lnTo>
+                <a:lnTo>
+                  <a:pt x="1380" y="1055"/>
+                </a:lnTo>
+                <a:lnTo>
+                  <a:pt x="1373" y="1057"/>
+                </a:lnTo>
+                <a:lnTo>
+                  <a:pt x="1353" y="1065"/>
+                </a:lnTo>
+                <a:lnTo>
+                  <a:pt x="1332" y="1072"/>
+                </a:lnTo>
+                <a:lnTo>
+                  <a:pt x="1312" y="1080"/>
+                </a:lnTo>
+                <a:lnTo>
+                  <a:pt x="1291" y="1089"/>
+                </a:lnTo>
+                <a:lnTo>
+                  <a:pt x="1271" y="1097"/>
+                </a:lnTo>
+                <a:lnTo>
+                  <a:pt x="1249" y="1107"/>
+                </a:lnTo>
+                <a:lnTo>
+                  <a:pt x="1228" y="1117"/>
+                </a:lnTo>
+                <a:lnTo>
+                  <a:pt x="1208" y="1127"/>
+                </a:lnTo>
+                <a:lnTo>
+                  <a:pt x="1189" y="1137"/>
+                </a:lnTo>
+                <a:lnTo>
+                  <a:pt x="1168" y="1148"/>
+                </a:lnTo>
+                <a:lnTo>
+                  <a:pt x="1149" y="1160"/>
+                </a:lnTo>
+                <a:lnTo>
+                  <a:pt x="1129" y="1171"/>
+                </a:lnTo>
+                <a:lnTo>
+                  <a:pt x="1110" y="1183"/>
+                </a:lnTo>
+                <a:lnTo>
+                  <a:pt x="1092" y="1194"/>
+                </a:lnTo>
+                <a:lnTo>
+                  <a:pt x="1074" y="1207"/>
+                </a:lnTo>
+                <a:lnTo>
+                  <a:pt x="1057" y="1220"/>
+                </a:lnTo>
+                <a:lnTo>
+                  <a:pt x="1053" y="1167"/>
+                </a:lnTo>
+                <a:lnTo>
+                  <a:pt x="1049" y="1114"/>
+                </a:lnTo>
+                <a:lnTo>
+                  <a:pt x="1046" y="1059"/>
+                </a:lnTo>
+                <a:lnTo>
+                  <a:pt x="1045" y="1005"/>
+                </a:lnTo>
+                <a:lnTo>
+                  <a:pt x="1047" y="952"/>
+                </a:lnTo>
+                <a:lnTo>
+                  <a:pt x="1052" y="898"/>
+                </a:lnTo>
+                <a:lnTo>
+                  <a:pt x="1061" y="845"/>
+                </a:lnTo>
+                <a:lnTo>
+                  <a:pt x="1076" y="794"/>
+                </a:lnTo>
+                <a:lnTo>
+                  <a:pt x="1084" y="774"/>
+                </a:lnTo>
+                <a:lnTo>
+                  <a:pt x="1094" y="755"/>
+                </a:lnTo>
+                <a:lnTo>
+                  <a:pt x="1107" y="737"/>
+                </a:lnTo>
+                <a:lnTo>
+                  <a:pt x="1120" y="720"/>
+                </a:lnTo>
+                <a:lnTo>
+                  <a:pt x="1136" y="703"/>
+                </a:lnTo>
+                <a:lnTo>
+                  <a:pt x="1153" y="688"/>
+                </a:lnTo>
+                <a:lnTo>
+                  <a:pt x="1172" y="673"/>
+                </a:lnTo>
+                <a:lnTo>
+                  <a:pt x="1191" y="659"/>
+                </a:lnTo>
+                <a:lnTo>
+                  <a:pt x="1211" y="646"/>
+                </a:lnTo>
+                <a:lnTo>
+                  <a:pt x="1233" y="635"/>
+                </a:lnTo>
+                <a:lnTo>
+                  <a:pt x="1255" y="623"/>
+                </a:lnTo>
+                <a:lnTo>
+                  <a:pt x="1276" y="614"/>
+                </a:lnTo>
+                <a:lnTo>
+                  <a:pt x="1299" y="604"/>
+                </a:lnTo>
+                <a:lnTo>
+                  <a:pt x="1321" y="596"/>
+                </a:lnTo>
+                <a:lnTo>
+                  <a:pt x="1342" y="589"/>
+                </a:lnTo>
+                <a:lnTo>
+                  <a:pt x="1364" y="583"/>
+                </a:lnTo>
+                <a:lnTo>
+                  <a:pt x="1372" y="627"/>
+                </a:lnTo>
+                <a:lnTo>
+                  <a:pt x="1379" y="671"/>
+                </a:lnTo>
+                <a:lnTo>
+                  <a:pt x="1384" y="715"/>
+                </a:lnTo>
+                <a:lnTo>
+                  <a:pt x="1391" y="758"/>
+                </a:lnTo>
+                <a:lnTo>
+                  <a:pt x="1396" y="803"/>
+                </a:lnTo>
+                <a:lnTo>
+                  <a:pt x="1401" y="847"/>
+                </a:lnTo>
+                <a:lnTo>
+                  <a:pt x="1407" y="891"/>
+                </a:lnTo>
+                <a:lnTo>
+                  <a:pt x="1414" y="936"/>
+                </a:lnTo>
+                <a:lnTo>
+                  <a:pt x="1483" y="936"/>
+                </a:lnTo>
+                <a:lnTo>
+                  <a:pt x="1475" y="890"/>
+                </a:lnTo>
+                <a:lnTo>
+                  <a:pt x="1468" y="844"/>
+                </a:lnTo>
+                <a:lnTo>
+                  <a:pt x="1457" y="798"/>
+                </a:lnTo>
+                <a:lnTo>
+                  <a:pt x="1447" y="754"/>
+                </a:lnTo>
+                <a:lnTo>
+                  <a:pt x="1435" y="709"/>
+                </a:lnTo>
+                <a:lnTo>
+                  <a:pt x="1422" y="664"/>
+                </a:lnTo>
+                <a:lnTo>
+                  <a:pt x="1407" y="620"/>
+                </a:lnTo>
+                <a:lnTo>
+                  <a:pt x="1390" y="577"/>
+                </a:lnTo>
+                <a:lnTo>
+                  <a:pt x="1420" y="571"/>
+                </a:lnTo>
+                <a:lnTo>
+                  <a:pt x="1449" y="568"/>
+                </a:lnTo>
+                <a:lnTo>
+                  <a:pt x="1480" y="567"/>
+                </a:lnTo>
+                <a:lnTo>
+                  <a:pt x="1511" y="567"/>
+                </a:lnTo>
+                <a:lnTo>
+                  <a:pt x="1540" y="570"/>
+                </a:lnTo>
+                <a:lnTo>
+                  <a:pt x="1571" y="575"/>
+                </a:lnTo>
+                <a:lnTo>
+                  <a:pt x="1601" y="580"/>
+                </a:lnTo>
+                <a:lnTo>
+                  <a:pt x="1629" y="587"/>
+                </a:lnTo>
+                <a:lnTo>
+                  <a:pt x="1658" y="597"/>
+                </a:lnTo>
+                <a:lnTo>
+                  <a:pt x="1686" y="608"/>
+                </a:lnTo>
+                <a:lnTo>
+                  <a:pt x="1712" y="621"/>
+                </a:lnTo>
+                <a:lnTo>
+                  <a:pt x="1738" y="636"/>
+                </a:lnTo>
+                <a:lnTo>
+                  <a:pt x="1762" y="653"/>
+                </a:lnTo>
+                <a:lnTo>
+                  <a:pt x="1786" y="671"/>
+                </a:lnTo>
+                <a:lnTo>
+                  <a:pt x="1808" y="691"/>
+                </a:lnTo>
+                <a:lnTo>
+                  <a:pt x="1827" y="712"/>
+                </a:lnTo>
+                <a:lnTo>
+                  <a:pt x="1848" y="753"/>
+                </a:lnTo>
+                <a:lnTo>
+                  <a:pt x="1868" y="795"/>
+                </a:lnTo>
+                <a:lnTo>
+                  <a:pt x="1886" y="836"/>
+                </a:lnTo>
+                <a:lnTo>
+                  <a:pt x="1904" y="879"/>
+                </a:lnTo>
+                <a:lnTo>
+                  <a:pt x="1918" y="921"/>
+                </a:lnTo>
+                <a:lnTo>
+                  <a:pt x="1930" y="963"/>
+                </a:lnTo>
+                <a:lnTo>
+                  <a:pt x="1939" y="1006"/>
+                </a:lnTo>
+                <a:lnTo>
+                  <a:pt x="1945" y="1049"/>
+                </a:lnTo>
+                <a:lnTo>
+                  <a:pt x="1925" y="1041"/>
+                </a:lnTo>
+                <a:lnTo>
+                  <a:pt x="1904" y="1035"/>
+                </a:lnTo>
+                <a:lnTo>
+                  <a:pt x="1881" y="1030"/>
+                </a:lnTo>
+                <a:lnTo>
+                  <a:pt x="1858" y="1023"/>
+                </a:lnTo>
+                <a:lnTo>
+                  <a:pt x="1833" y="1019"/>
+                </a:lnTo>
+                <a:lnTo>
+                  <a:pt x="1809" y="1015"/>
+                </a:lnTo>
+                <a:lnTo>
+                  <a:pt x="1786" y="1012"/>
+                </a:lnTo>
+                <a:lnTo>
+                  <a:pt x="1764" y="1009"/>
+                </a:lnTo>
+                <a:lnTo>
+                  <a:pt x="1764" y="1084"/>
+                </a:lnTo>
+                <a:lnTo>
+                  <a:pt x="1784" y="1085"/>
+                </a:lnTo>
+                <a:lnTo>
+                  <a:pt x="1806" y="1087"/>
+                </a:lnTo>
+                <a:lnTo>
+                  <a:pt x="1828" y="1089"/>
+                </a:lnTo>
+                <a:lnTo>
+                  <a:pt x="1851" y="1091"/>
+                </a:lnTo>
+                <a:lnTo>
+                  <a:pt x="1874" y="1093"/>
+                </a:lnTo>
+                <a:lnTo>
+                  <a:pt x="1897" y="1095"/>
+                </a:lnTo>
+                <a:lnTo>
+                  <a:pt x="1918" y="1097"/>
+                </a:lnTo>
+                <a:lnTo>
+                  <a:pt x="1938" y="1099"/>
+                </a:lnTo>
+                <a:lnTo>
+                  <a:pt x="1937" y="1112"/>
+                </a:lnTo>
+                <a:lnTo>
+                  <a:pt x="1933" y="1148"/>
+                </a:lnTo>
+                <a:lnTo>
+                  <a:pt x="1929" y="1203"/>
+                </a:lnTo>
+                <a:lnTo>
+                  <a:pt x="1923" y="1273"/>
+                </a:lnTo>
+                <a:lnTo>
+                  <a:pt x="1915" y="1355"/>
+                </a:lnTo>
+                <a:lnTo>
+                  <a:pt x="1907" y="1446"/>
+                </a:lnTo>
+                <a:lnTo>
+                  <a:pt x="1899" y="1542"/>
+                </a:lnTo>
+                <a:lnTo>
+                  <a:pt x="1891" y="1639"/>
+                </a:lnTo>
+                <a:lnTo>
+                  <a:pt x="1989" y="1639"/>
+                </a:lnTo>
+                <a:lnTo>
+                  <a:pt x="2006" y="1516"/>
+                </a:lnTo>
+                <a:lnTo>
+                  <a:pt x="2020" y="1393"/>
+                </a:lnTo>
+                <a:lnTo>
+                  <a:pt x="2029" y="1270"/>
+                </a:lnTo>
+                <a:lnTo>
+                  <a:pt x="2029" y="1148"/>
+                </a:lnTo>
+                <a:lnTo>
+                  <a:pt x="2020" y="1028"/>
+                </a:lnTo>
+                <a:lnTo>
+                  <a:pt x="1997" y="909"/>
+                </a:lnTo>
+                <a:lnTo>
+                  <a:pt x="1958" y="793"/>
+                </a:lnTo>
+                <a:lnTo>
+                  <a:pt x="1902" y="681"/>
+                </a:lnTo>
+                <a:lnTo>
+                  <a:pt x="1890" y="668"/>
+                </a:lnTo>
+                <a:lnTo>
+                  <a:pt x="1877" y="654"/>
+                </a:lnTo>
+                <a:lnTo>
+                  <a:pt x="1865" y="641"/>
+                </a:lnTo>
+                <a:lnTo>
+                  <a:pt x="1851" y="628"/>
+                </a:lnTo>
+                <a:lnTo>
+                  <a:pt x="1838" y="617"/>
+                </a:lnTo>
+                <a:lnTo>
+                  <a:pt x="1823" y="605"/>
+                </a:lnTo>
+                <a:lnTo>
+                  <a:pt x="1808" y="594"/>
+                </a:lnTo>
+                <a:lnTo>
+                  <a:pt x="1793" y="583"/>
+                </a:lnTo>
+                <a:lnTo>
+                  <a:pt x="1777" y="574"/>
+                </a:lnTo>
+                <a:lnTo>
+                  <a:pt x="1761" y="564"/>
+                </a:lnTo>
+                <a:lnTo>
+                  <a:pt x="1745" y="555"/>
+                </a:lnTo>
+                <a:lnTo>
+                  <a:pt x="1729" y="546"/>
+                </a:lnTo>
+                <a:lnTo>
+                  <a:pt x="1712" y="539"/>
+                </a:lnTo>
+                <a:lnTo>
+                  <a:pt x="1695" y="531"/>
+                </a:lnTo>
+                <a:lnTo>
+                  <a:pt x="1678" y="524"/>
+                </a:lnTo>
+                <a:lnTo>
+                  <a:pt x="1661" y="518"/>
+                </a:lnTo>
+                <a:lnTo>
+                  <a:pt x="1650" y="513"/>
+                </a:lnTo>
+                <a:lnTo>
+                  <a:pt x="1638" y="510"/>
+                </a:lnTo>
+                <a:lnTo>
+                  <a:pt x="1626" y="507"/>
+                </a:lnTo>
+                <a:lnTo>
+                  <a:pt x="1614" y="504"/>
+                </a:lnTo>
+                <a:lnTo>
+                  <a:pt x="1603" y="501"/>
+                </a:lnTo>
+                <a:lnTo>
+                  <a:pt x="1590" y="498"/>
+                </a:lnTo>
+                <a:lnTo>
+                  <a:pt x="1579" y="495"/>
+                </a:lnTo>
+                <a:lnTo>
+                  <a:pt x="1567" y="493"/>
+                </a:lnTo>
+                <a:lnTo>
+                  <a:pt x="1554" y="491"/>
+                </a:lnTo>
+                <a:lnTo>
+                  <a:pt x="1543" y="490"/>
+                </a:lnTo>
+                <a:lnTo>
+                  <a:pt x="1530" y="488"/>
+                </a:lnTo>
+                <a:lnTo>
+                  <a:pt x="1518" y="487"/>
+                </a:lnTo>
+                <a:lnTo>
+                  <a:pt x="1506" y="486"/>
+                </a:lnTo>
+                <a:lnTo>
+                  <a:pt x="1494" y="486"/>
+                </a:lnTo>
+                <a:lnTo>
+                  <a:pt x="1481" y="485"/>
+                </a:lnTo>
+                <a:lnTo>
+                  <a:pt x="1469" y="485"/>
+                </a:lnTo>
+                <a:lnTo>
+                  <a:pt x="1466" y="470"/>
+                </a:lnTo>
+                <a:lnTo>
+                  <a:pt x="1461" y="450"/>
+                </a:lnTo>
+                <a:lnTo>
+                  <a:pt x="1453" y="429"/>
+                </a:lnTo>
+                <a:lnTo>
+                  <a:pt x="1446" y="410"/>
+                </a:lnTo>
+                <a:lnTo>
+                  <a:pt x="1379" y="410"/>
+                </a:lnTo>
+                <a:lnTo>
+                  <a:pt x="1383" y="420"/>
+                </a:lnTo>
+                <a:lnTo>
+                  <a:pt x="1388" y="431"/>
+                </a:lnTo>
+                <a:lnTo>
+                  <a:pt x="1394" y="442"/>
+                </a:lnTo>
+                <a:lnTo>
+                  <a:pt x="1399" y="453"/>
+                </a:lnTo>
+                <a:lnTo>
+                  <a:pt x="1405" y="465"/>
+                </a:lnTo>
+                <a:lnTo>
+                  <a:pt x="1411" y="475"/>
+                </a:lnTo>
+                <a:lnTo>
+                  <a:pt x="1415" y="484"/>
+                </a:lnTo>
+                <a:lnTo>
+                  <a:pt x="1421" y="492"/>
+                </a:lnTo>
+                <a:lnTo>
+                  <a:pt x="1408" y="493"/>
+                </a:lnTo>
+                <a:lnTo>
+                  <a:pt x="1396" y="494"/>
+                </a:lnTo>
+                <a:lnTo>
+                  <a:pt x="1383" y="496"/>
+                </a:lnTo>
+                <a:lnTo>
+                  <a:pt x="1370" y="499"/>
+                </a:lnTo>
+                <a:lnTo>
+                  <a:pt x="1356" y="501"/>
+                </a:lnTo>
+                <a:lnTo>
+                  <a:pt x="1343" y="503"/>
+                </a:lnTo>
+                <a:lnTo>
+                  <a:pt x="1331" y="506"/>
+                </a:lnTo>
+                <a:lnTo>
+                  <a:pt x="1318" y="509"/>
+                </a:lnTo>
+                <a:lnTo>
+                  <a:pt x="1315" y="474"/>
+                </a:lnTo>
+                <a:lnTo>
+                  <a:pt x="1313" y="431"/>
+                </a:lnTo>
+                <a:lnTo>
+                  <a:pt x="1312" y="393"/>
+                </a:lnTo>
+                <a:lnTo>
+                  <a:pt x="1312" y="377"/>
+                </a:lnTo>
+                <a:lnTo>
+                  <a:pt x="1359" y="370"/>
+                </a:lnTo>
+                <a:lnTo>
+                  <a:pt x="1364" y="379"/>
+                </a:lnTo>
+                <a:lnTo>
+                  <a:pt x="1370" y="389"/>
+                </a:lnTo>
+                <a:lnTo>
+                  <a:pt x="1374" y="399"/>
+                </a:lnTo>
+                <a:lnTo>
+                  <a:pt x="1379" y="410"/>
+                </a:lnTo>
+                <a:lnTo>
+                  <a:pt x="1446" y="410"/>
+                </a:lnTo>
+                <a:lnTo>
+                  <a:pt x="1439" y="394"/>
+                </a:lnTo>
+                <a:lnTo>
+                  <a:pt x="1433" y="379"/>
+                </a:lnTo>
+                <a:lnTo>
+                  <a:pt x="1427" y="366"/>
+                </a:lnTo>
+                <a:lnTo>
+                  <a:pt x="1421" y="353"/>
+                </a:lnTo>
+                <a:lnTo>
+                  <a:pt x="1416" y="342"/>
+                </a:lnTo>
+                <a:lnTo>
+                  <a:pt x="1413" y="335"/>
+                </a:lnTo>
+                <a:lnTo>
+                  <a:pt x="1411" y="330"/>
+                </a:lnTo>
+                <a:lnTo>
+                  <a:pt x="1409" y="328"/>
+                </a:lnTo>
+                <a:lnTo>
+                  <a:pt x="1409" y="326"/>
+                </a:lnTo>
+                <a:lnTo>
+                  <a:pt x="1409" y="326"/>
+                </a:lnTo>
+                <a:lnTo>
+                  <a:pt x="1409" y="326"/>
+                </a:lnTo>
+                <a:lnTo>
+                  <a:pt x="1408" y="325"/>
+                </a:lnTo>
+                <a:lnTo>
+                  <a:pt x="1405" y="321"/>
+                </a:lnTo>
+                <a:lnTo>
+                  <a:pt x="1400" y="318"/>
+                </a:lnTo>
+                <a:lnTo>
+                  <a:pt x="1394" y="316"/>
+                </a:lnTo>
+                <a:lnTo>
+                  <a:pt x="1387" y="315"/>
+                </a:lnTo>
+                <a:lnTo>
+                  <a:pt x="1379" y="316"/>
+                </a:lnTo>
+                <a:lnTo>
+                  <a:pt x="1371" y="317"/>
+                </a:lnTo>
+                <a:lnTo>
+                  <a:pt x="1363" y="319"/>
+                </a:lnTo>
+                <a:lnTo>
+                  <a:pt x="1356" y="321"/>
+                </a:lnTo>
+                <a:lnTo>
+                  <a:pt x="1354" y="298"/>
+                </a:lnTo>
+                <a:lnTo>
+                  <a:pt x="1350" y="275"/>
+                </a:lnTo>
+                <a:lnTo>
+                  <a:pt x="1345" y="254"/>
+                </a:lnTo>
+                <a:lnTo>
+                  <a:pt x="1338" y="232"/>
+                </a:lnTo>
+                <a:lnTo>
+                  <a:pt x="1329" y="211"/>
+                </a:lnTo>
+                <a:lnTo>
+                  <a:pt x="1320" y="192"/>
+                </a:lnTo>
+                <a:lnTo>
+                  <a:pt x="1309" y="173"/>
+                </a:lnTo>
+                <a:lnTo>
+                  <a:pt x="1297" y="155"/>
+                </a:lnTo>
+                <a:lnTo>
+                  <a:pt x="1283" y="138"/>
+                </a:lnTo>
+                <a:lnTo>
+                  <a:pt x="1269" y="123"/>
+                </a:lnTo>
+                <a:lnTo>
+                  <a:pt x="1255" y="108"/>
+                </a:lnTo>
+                <a:lnTo>
+                  <a:pt x="1239" y="93"/>
+                </a:lnTo>
+                <a:lnTo>
+                  <a:pt x="1222" y="79"/>
+                </a:lnTo>
+                <a:lnTo>
+                  <a:pt x="1203" y="68"/>
+                </a:lnTo>
+                <a:lnTo>
+                  <a:pt x="1185" y="56"/>
+                </a:lnTo>
+                <a:lnTo>
+                  <a:pt x="1166" y="46"/>
+                </a:lnTo>
+                <a:lnTo>
+                  <a:pt x="1154" y="40"/>
+                </a:lnTo>
+                <a:lnTo>
+                  <a:pt x="1142" y="34"/>
+                </a:lnTo>
+                <a:lnTo>
+                  <a:pt x="1129" y="30"/>
+                </a:lnTo>
+                <a:lnTo>
+                  <a:pt x="1117" y="24"/>
+                </a:lnTo>
+                <a:lnTo>
+                  <a:pt x="1104" y="20"/>
+                </a:lnTo>
+                <a:lnTo>
+                  <a:pt x="1092" y="16"/>
+                </a:lnTo>
+                <a:lnTo>
+                  <a:pt x="1079" y="13"/>
+                </a:lnTo>
+                <a:lnTo>
+                  <a:pt x="1067" y="10"/>
+                </a:lnTo>
+                <a:lnTo>
+                  <a:pt x="1053" y="8"/>
+                </a:lnTo>
+                <a:lnTo>
+                  <a:pt x="1041" y="4"/>
+                </a:lnTo>
+                <a:lnTo>
+                  <a:pt x="1027" y="3"/>
+                </a:lnTo>
+                <a:lnTo>
+                  <a:pt x="1014" y="1"/>
+                </a:lnTo>
+                <a:lnTo>
+                  <a:pt x="1001" y="0"/>
+                </a:lnTo>
+                <a:lnTo>
+                  <a:pt x="987" y="0"/>
+                </a:lnTo>
+                <a:lnTo>
+                  <a:pt x="975" y="0"/>
+                </a:lnTo>
+                <a:lnTo>
+                  <a:pt x="961" y="0"/>
+                </a:lnTo>
+                <a:lnTo>
+                  <a:pt x="942" y="1"/>
+                </a:lnTo>
+                <a:lnTo>
+                  <a:pt x="922" y="2"/>
+                </a:lnTo>
+                <a:lnTo>
+                  <a:pt x="903" y="5"/>
+                </a:lnTo>
+                <a:lnTo>
+                  <a:pt x="883" y="8"/>
+                </a:lnTo>
+                <a:lnTo>
+                  <a:pt x="863" y="12"/>
+                </a:lnTo>
+                <a:lnTo>
+                  <a:pt x="844" y="16"/>
+                </a:lnTo>
+                <a:lnTo>
+                  <a:pt x="824" y="20"/>
+                </a:lnTo>
+                <a:lnTo>
+                  <a:pt x="805" y="26"/>
+                </a:lnTo>
+                <a:lnTo>
+                  <a:pt x="786" y="32"/>
+                </a:lnTo>
+                <a:lnTo>
+                  <a:pt x="766" y="38"/>
+                </a:lnTo>
+                <a:lnTo>
+                  <a:pt x="748" y="45"/>
+                </a:lnTo>
+                <a:lnTo>
+                  <a:pt x="729" y="52"/>
+                </a:lnTo>
+                <a:lnTo>
+                  <a:pt x="710" y="60"/>
+                </a:lnTo>
+                <a:lnTo>
+                  <a:pt x="691" y="69"/>
+                </a:lnTo>
+                <a:lnTo>
+                  <a:pt x="673" y="77"/>
+                </a:lnTo>
+                <a:lnTo>
+                  <a:pt x="655" y="87"/>
+                </a:lnTo>
+                <a:lnTo>
+                  <a:pt x="636" y="96"/>
+                </a:lnTo>
+                <a:lnTo>
+                  <a:pt x="619" y="106"/>
+                </a:lnTo>
+                <a:lnTo>
+                  <a:pt x="601" y="116"/>
+                </a:lnTo>
+                <a:lnTo>
+                  <a:pt x="584" y="127"/>
+                </a:lnTo>
+                <a:lnTo>
+                  <a:pt x="567" y="138"/>
+                </a:lnTo>
+                <a:lnTo>
+                  <a:pt x="550" y="150"/>
+                </a:lnTo>
+                <a:lnTo>
+                  <a:pt x="534" y="162"/>
+                </a:lnTo>
+                <a:lnTo>
+                  <a:pt x="518" y="173"/>
+                </a:lnTo>
+                <a:lnTo>
+                  <a:pt x="502" y="186"/>
+                </a:lnTo>
+                <a:lnTo>
+                  <a:pt x="486" y="199"/>
+                </a:lnTo>
+                <a:lnTo>
+                  <a:pt x="471" y="211"/>
+                </a:lnTo>
+                <a:lnTo>
+                  <a:pt x="457" y="224"/>
+                </a:lnTo>
+                <a:lnTo>
+                  <a:pt x="443" y="237"/>
+                </a:lnTo>
+                <a:lnTo>
+                  <a:pt x="429" y="250"/>
+                </a:lnTo>
+                <a:lnTo>
+                  <a:pt x="416" y="263"/>
+                </a:lnTo>
+                <a:lnTo>
+                  <a:pt x="403" y="277"/>
+                </a:lnTo>
+                <a:lnTo>
+                  <a:pt x="361" y="333"/>
+                </a:lnTo>
+                <a:lnTo>
+                  <a:pt x="332" y="392"/>
+                </a:lnTo>
+                <a:lnTo>
+                  <a:pt x="315" y="455"/>
+                </a:lnTo>
+                <a:lnTo>
+                  <a:pt x="310" y="520"/>
+                </a:lnTo>
+                <a:lnTo>
+                  <a:pt x="311" y="586"/>
+                </a:lnTo>
+                <a:lnTo>
+                  <a:pt x="321" y="652"/>
+                </a:lnTo>
+                <a:lnTo>
+                  <a:pt x="336" y="717"/>
+                </a:lnTo>
+                <a:lnTo>
+                  <a:pt x="355" y="781"/>
+                </a:lnTo>
+                <a:lnTo>
+                  <a:pt x="370" y="819"/>
+                </a:lnTo>
+                <a:lnTo>
+                  <a:pt x="387" y="854"/>
+                </a:lnTo>
+                <a:lnTo>
+                  <a:pt x="406" y="887"/>
+                </a:lnTo>
+                <a:lnTo>
+                  <a:pt x="427" y="920"/>
+                </a:lnTo>
+                <a:lnTo>
+                  <a:pt x="450" y="951"/>
+                </a:lnTo>
+                <a:lnTo>
+                  <a:pt x="474" y="980"/>
+                </a:lnTo>
+                <a:lnTo>
+                  <a:pt x="499" y="1010"/>
+                </a:lnTo>
+                <a:lnTo>
+                  <a:pt x="524" y="1038"/>
+                </a:lnTo>
+                <a:lnTo>
+                  <a:pt x="549" y="1067"/>
+                </a:lnTo>
+                <a:lnTo>
+                  <a:pt x="574" y="1096"/>
+                </a:lnTo>
+                <a:lnTo>
+                  <a:pt x="599" y="1125"/>
+                </a:lnTo>
+                <a:lnTo>
+                  <a:pt x="623" y="1155"/>
+                </a:lnTo>
+                <a:lnTo>
+                  <a:pt x="646" y="1187"/>
+                </a:lnTo>
+                <a:lnTo>
+                  <a:pt x="666" y="1220"/>
+                </a:lnTo>
+                <a:lnTo>
+                  <a:pt x="685" y="1254"/>
+                </a:lnTo>
+                <a:lnTo>
+                  <a:pt x="702" y="1291"/>
+                </a:lnTo>
+                <a:lnTo>
+                  <a:pt x="724" y="1383"/>
+                </a:lnTo>
+                <a:lnTo>
+                  <a:pt x="717" y="1452"/>
+                </a:lnTo>
+                <a:lnTo>
+                  <a:pt x="705" y="1471"/>
+                </a:lnTo>
+                <a:lnTo>
+                  <a:pt x="692" y="1493"/>
+                </a:lnTo>
+                <a:lnTo>
+                  <a:pt x="680" y="1519"/>
+                </a:lnTo>
+                <a:lnTo>
+                  <a:pt x="664" y="1544"/>
+                </a:lnTo>
+                <a:lnTo>
+                  <a:pt x="644" y="1569"/>
+                </a:lnTo>
+                <a:lnTo>
+                  <a:pt x="619" y="1591"/>
+                </a:lnTo>
+                <a:lnTo>
+                  <a:pt x="589" y="1609"/>
+                </a:lnTo>
+                <a:lnTo>
+                  <a:pt x="551" y="1622"/>
+                </a:lnTo>
+                <a:lnTo>
+                  <a:pt x="523" y="1626"/>
+                </a:lnTo>
+                <a:lnTo>
+                  <a:pt x="493" y="1631"/>
+                </a:lnTo>
+                <a:lnTo>
+                  <a:pt x="462" y="1635"/>
+                </a:lnTo>
+                <a:lnTo>
+                  <a:pt x="430" y="1638"/>
+                </a:lnTo>
+                <a:lnTo>
+                  <a:pt x="398" y="1641"/>
+                </a:lnTo>
+                <a:lnTo>
+                  <a:pt x="367" y="1643"/>
+                </a:lnTo>
+                <a:lnTo>
+                  <a:pt x="335" y="1643"/>
+                </a:lnTo>
+                <a:lnTo>
+                  <a:pt x="302" y="1643"/>
+                </a:lnTo>
+                <a:lnTo>
+                  <a:pt x="270" y="1641"/>
+                </a:lnTo>
+                <a:lnTo>
+                  <a:pt x="239" y="1637"/>
+                </a:lnTo>
+                <a:lnTo>
+                  <a:pt x="208" y="1631"/>
+                </a:lnTo>
+                <a:lnTo>
+                  <a:pt x="180" y="1623"/>
+                </a:lnTo>
+                <a:lnTo>
+                  <a:pt x="151" y="1613"/>
+                </a:lnTo>
+                <a:lnTo>
+                  <a:pt x="124" y="1600"/>
+                </a:lnTo>
+                <a:lnTo>
+                  <a:pt x="99" y="1584"/>
+                </a:lnTo>
+                <a:lnTo>
+                  <a:pt x="76" y="1566"/>
+                </a:lnTo>
+                <a:lnTo>
+                  <a:pt x="0" y="1613"/>
+                </a:lnTo>
+                <a:lnTo>
+                  <a:pt x="14" y="1626"/>
+                </a:lnTo>
+                <a:lnTo>
+                  <a:pt x="28" y="1640"/>
+                </a:lnTo>
+                <a:lnTo>
+                  <a:pt x="43" y="1652"/>
+                </a:lnTo>
+                <a:lnTo>
+                  <a:pt x="58" y="1662"/>
+                </a:lnTo>
+                <a:lnTo>
+                  <a:pt x="75" y="1673"/>
+                </a:lnTo>
+                <a:lnTo>
+                  <a:pt x="91" y="1681"/>
+                </a:lnTo>
+                <a:lnTo>
+                  <a:pt x="108" y="1690"/>
+                </a:lnTo>
+                <a:lnTo>
+                  <a:pt x="126" y="1697"/>
+                </a:lnTo>
+                <a:lnTo>
+                  <a:pt x="138" y="1701"/>
+                </a:lnTo>
+                <a:lnTo>
+                  <a:pt x="150" y="1706"/>
+                </a:lnTo>
+                <a:lnTo>
+                  <a:pt x="162" y="1709"/>
+                </a:lnTo>
+                <a:lnTo>
+                  <a:pt x="174" y="1713"/>
+                </a:lnTo>
+                <a:lnTo>
+                  <a:pt x="186" y="1716"/>
+                </a:lnTo>
+                <a:lnTo>
+                  <a:pt x="198" y="1718"/>
+                </a:lnTo>
+                <a:lnTo>
+                  <a:pt x="211" y="1721"/>
+                </a:lnTo>
+                <a:lnTo>
+                  <a:pt x="223" y="1723"/>
+                </a:lnTo>
+                <a:lnTo>
+                  <a:pt x="236" y="1725"/>
+                </a:lnTo>
+                <a:lnTo>
+                  <a:pt x="248" y="1727"/>
+                </a:lnTo>
+                <a:lnTo>
+                  <a:pt x="261" y="1728"/>
+                </a:lnTo>
+                <a:lnTo>
+                  <a:pt x="273" y="1729"/>
+                </a:lnTo>
+                <a:lnTo>
+                  <a:pt x="286" y="1730"/>
+                </a:lnTo>
+                <a:lnTo>
+                  <a:pt x="298" y="1731"/>
+                </a:lnTo>
+                <a:lnTo>
+                  <a:pt x="311" y="1731"/>
+                </a:lnTo>
+                <a:lnTo>
+                  <a:pt x="323" y="1731"/>
+                </a:lnTo>
+                <a:lnTo>
+                  <a:pt x="350" y="1731"/>
+                </a:lnTo>
+                <a:lnTo>
+                  <a:pt x="376" y="1731"/>
+                </a:lnTo>
+                <a:lnTo>
+                  <a:pt x="403" y="1730"/>
+                </a:lnTo>
+                <a:lnTo>
+                  <a:pt x="429" y="1729"/>
+                </a:lnTo>
+                <a:lnTo>
+                  <a:pt x="457" y="1727"/>
+                </a:lnTo>
+                <a:lnTo>
+                  <a:pt x="483" y="1725"/>
+                </a:lnTo>
+                <a:lnTo>
+                  <a:pt x="509" y="1720"/>
+                </a:lnTo>
+                <a:lnTo>
+                  <a:pt x="535" y="1715"/>
+                </a:lnTo>
+                <a:lnTo>
+                  <a:pt x="560" y="1709"/>
+                </a:lnTo>
+                <a:lnTo>
+                  <a:pt x="586" y="1700"/>
+                </a:lnTo>
+                <a:lnTo>
+                  <a:pt x="610" y="1691"/>
+                </a:lnTo>
+                <a:lnTo>
+                  <a:pt x="634" y="1679"/>
+                </a:lnTo>
+                <a:lnTo>
+                  <a:pt x="658" y="1665"/>
+                </a:lnTo>
+                <a:lnTo>
+                  <a:pt x="680" y="1650"/>
+                </a:lnTo>
+                <a:lnTo>
+                  <a:pt x="701" y="1632"/>
+                </a:lnTo>
+                <a:lnTo>
+                  <a:pt x="722" y="1610"/>
+                </a:lnTo>
+                <a:lnTo>
+                  <a:pt x="804" y="1483"/>
+                </a:lnTo>
+                <a:lnTo>
+                  <a:pt x="814" y="1445"/>
+                </a:lnTo>
+                <a:lnTo>
+                  <a:pt x="819" y="1410"/>
+                </a:lnTo>
+                <a:lnTo>
+                  <a:pt x="819" y="1378"/>
+                </a:lnTo>
+                <a:lnTo>
+                  <a:pt x="815" y="1351"/>
+                </a:lnTo>
+                <a:lnTo>
+                  <a:pt x="809" y="1329"/>
+                </a:lnTo>
+                <a:lnTo>
+                  <a:pt x="804" y="1312"/>
+                </a:lnTo>
+                <a:lnTo>
+                  <a:pt x="800" y="1301"/>
+                </a:lnTo>
+                <a:lnTo>
+                  <a:pt x="798" y="1297"/>
+                </a:lnTo>
+                <a:lnTo>
+                  <a:pt x="787" y="1273"/>
+                </a:lnTo>
+                <a:lnTo>
+                  <a:pt x="775" y="1249"/>
+                </a:lnTo>
+                <a:lnTo>
+                  <a:pt x="764" y="1225"/>
+                </a:lnTo>
+                <a:lnTo>
+                  <a:pt x="751" y="1202"/>
+                </a:lnTo>
+                <a:lnTo>
+                  <a:pt x="739" y="1178"/>
+                </a:lnTo>
+                <a:lnTo>
+                  <a:pt x="726" y="1154"/>
+                </a:lnTo>
+                <a:lnTo>
+                  <a:pt x="714" y="1131"/>
+                </a:lnTo>
+                <a:lnTo>
+                  <a:pt x="700" y="1108"/>
+                </a:lnTo>
+                <a:lnTo>
+                  <a:pt x="687" y="1086"/>
+                </a:lnTo>
+                <a:lnTo>
+                  <a:pt x="673" y="1062"/>
+                </a:lnTo>
+                <a:lnTo>
+                  <a:pt x="658" y="1040"/>
+                </a:lnTo>
+                <a:lnTo>
+                  <a:pt x="643" y="1018"/>
+                </a:lnTo>
+                <a:lnTo>
+                  <a:pt x="628" y="996"/>
+                </a:lnTo>
+                <a:lnTo>
+                  <a:pt x="613" y="974"/>
+                </a:lnTo>
+                <a:lnTo>
+                  <a:pt x="595" y="952"/>
+                </a:lnTo>
+                <a:lnTo>
+                  <a:pt x="578" y="929"/>
+                </a:lnTo>
+                <a:lnTo>
+                  <a:pt x="548" y="888"/>
+                </a:lnTo>
+                <a:lnTo>
+                  <a:pt x="520" y="847"/>
+                </a:lnTo>
+                <a:lnTo>
+                  <a:pt x="495" y="805"/>
+                </a:lnTo>
+                <a:lnTo>
+                  <a:pt x="474" y="764"/>
+                </a:lnTo>
+                <a:lnTo>
+                  <a:pt x="455" y="721"/>
+                </a:lnTo>
+                <a:lnTo>
+                  <a:pt x="441" y="679"/>
+                </a:lnTo>
+                <a:lnTo>
+                  <a:pt x="428" y="639"/>
+                </a:lnTo>
+                <a:lnTo>
+                  <a:pt x="419" y="599"/>
+                </a:lnTo>
+                <a:lnTo>
+                  <a:pt x="413" y="560"/>
+                </a:lnTo>
+                <a:lnTo>
+                  <a:pt x="410" y="523"/>
+                </a:lnTo>
+                <a:lnTo>
+                  <a:pt x="410" y="488"/>
+                </a:lnTo>
+                <a:lnTo>
+                  <a:pt x="412" y="455"/>
+                </a:lnTo>
+                <a:lnTo>
+                  <a:pt x="419" y="425"/>
+                </a:lnTo>
+                <a:lnTo>
+                  <a:pt x="427" y="397"/>
+                </a:lnTo>
+                <a:lnTo>
+                  <a:pt x="439" y="373"/>
+                </a:lnTo>
+                <a:lnTo>
+                  <a:pt x="454" y="352"/>
+                </a:lnTo>
+                <a:lnTo>
+                  <a:pt x="476" y="328"/>
+                </a:lnTo>
+                <a:lnTo>
+                  <a:pt x="498" y="304"/>
+                </a:lnTo>
+                <a:lnTo>
+                  <a:pt x="521" y="281"/>
+                </a:lnTo>
+                <a:lnTo>
+                  <a:pt x="546" y="258"/>
+                </a:lnTo>
+                <a:lnTo>
+                  <a:pt x="573" y="236"/>
+                </a:lnTo>
+                <a:lnTo>
+                  <a:pt x="600" y="215"/>
+                </a:lnTo>
+                <a:lnTo>
+                  <a:pt x="628" y="193"/>
+                </a:lnTo>
+                <a:lnTo>
+                  <a:pt x="658" y="174"/>
+                </a:lnTo>
+                <a:lnTo>
+                  <a:pt x="688" y="155"/>
+                </a:lnTo>
+                <a:lnTo>
+                  <a:pt x="718" y="138"/>
+                </a:lnTo>
+                <a:lnTo>
+                  <a:pt x="750" y="124"/>
+                </a:lnTo>
+                <a:lnTo>
+                  <a:pt x="783" y="110"/>
+                </a:lnTo>
+                <a:lnTo>
+                  <a:pt x="816" y="98"/>
+                </a:lnTo>
+                <a:lnTo>
+                  <a:pt x="849" y="89"/>
+                </a:lnTo>
+                <a:lnTo>
+                  <a:pt x="883" y="81"/>
+                </a:lnTo>
+                <a:lnTo>
+                  <a:pt x="918" y="76"/>
+                </a:lnTo>
+                <a:lnTo>
+                  <a:pt x="939" y="74"/>
+                </a:lnTo>
+                <a:lnTo>
+                  <a:pt x="961" y="74"/>
+                </a:lnTo>
+                <a:lnTo>
+                  <a:pt x="981" y="74"/>
+                </a:lnTo>
+                <a:lnTo>
+                  <a:pt x="1003" y="76"/>
+                </a:lnTo>
+                <a:lnTo>
+                  <a:pt x="1024" y="80"/>
+                </a:lnTo>
+                <a:lnTo>
+                  <a:pt x="1044" y="85"/>
+                </a:lnTo>
+                <a:lnTo>
+                  <a:pt x="1063" y="91"/>
+                </a:lnTo>
+                <a:lnTo>
+                  <a:pt x="1083" y="98"/>
+                </a:lnTo>
+                <a:lnTo>
+                  <a:pt x="1101" y="107"/>
+                </a:lnTo>
+                <a:lnTo>
+                  <a:pt x="1119" y="115"/>
+                </a:lnTo>
+                <a:lnTo>
+                  <a:pt x="1137" y="126"/>
+                </a:lnTo>
+                <a:lnTo>
+                  <a:pt x="1154" y="136"/>
+                </a:lnTo>
+                <a:lnTo>
+                  <a:pt x="1170" y="148"/>
+                </a:lnTo>
+                <a:lnTo>
+                  <a:pt x="1186" y="161"/>
+                </a:lnTo>
+                <a:lnTo>
+                  <a:pt x="1200" y="174"/>
+                </a:lnTo>
+                <a:lnTo>
+                  <a:pt x="1215" y="188"/>
+                </a:lnTo>
+                <a:lnTo>
+                  <a:pt x="1227" y="204"/>
+                </a:lnTo>
+                <a:lnTo>
+                  <a:pt x="1240" y="220"/>
+                </a:lnTo>
+                <a:lnTo>
+                  <a:pt x="1250" y="236"/>
+                </a:lnTo>
+                <a:lnTo>
+                  <a:pt x="1260" y="253"/>
+                </a:lnTo>
+                <a:lnTo>
+                  <a:pt x="1269" y="270"/>
+                </a:lnTo>
+                <a:lnTo>
+                  <a:pt x="1277" y="288"/>
+                </a:lnTo>
+                <a:lnTo>
+                  <a:pt x="1283" y="307"/>
+                </a:lnTo>
+                <a:lnTo>
+                  <a:pt x="1289" y="326"/>
+                </a:lnTo>
+                <a:lnTo>
+                  <a:pt x="1252" y="351"/>
+                </a:lnTo>
+                <a:lnTo>
+                  <a:pt x="1249" y="392"/>
+                </a:lnTo>
+                <a:lnTo>
+                  <a:pt x="1251" y="438"/>
+                </a:lnTo>
+                <a:lnTo>
+                  <a:pt x="1256" y="484"/>
+                </a:lnTo>
+                <a:lnTo>
+                  <a:pt x="1261" y="525"/>
+                </a:lnTo>
+                <a:lnTo>
+                  <a:pt x="1240" y="534"/>
+                </a:lnTo>
+                <a:lnTo>
+                  <a:pt x="1218" y="545"/>
+                </a:lnTo>
+                <a:lnTo>
+                  <a:pt x="1198" y="558"/>
+                </a:lnTo>
+                <a:lnTo>
+                  <a:pt x="1178" y="570"/>
+                </a:lnTo>
+                <a:lnTo>
+                  <a:pt x="1159" y="584"/>
+                </a:lnTo>
+                <a:lnTo>
+                  <a:pt x="1141" y="599"/>
+                </a:lnTo>
+                <a:lnTo>
+                  <a:pt x="1123" y="615"/>
+                </a:lnTo>
+                <a:lnTo>
+                  <a:pt x="1105" y="632"/>
+                </a:lnTo>
+                <a:lnTo>
+                  <a:pt x="1090" y="649"/>
+                </a:lnTo>
+                <a:lnTo>
+                  <a:pt x="1075" y="668"/>
+                </a:lnTo>
+                <a:lnTo>
+                  <a:pt x="1061" y="685"/>
+                </a:lnTo>
+                <a:lnTo>
+                  <a:pt x="1049" y="704"/>
+                </a:lnTo>
+                <a:lnTo>
+                  <a:pt x="1036" y="725"/>
+                </a:lnTo>
+                <a:lnTo>
+                  <a:pt x="1026" y="746"/>
+                </a:lnTo>
+                <a:lnTo>
+                  <a:pt x="1017" y="767"/>
+                </a:lnTo>
+                <a:lnTo>
+                  <a:pt x="1009" y="788"/>
+                </a:lnTo>
+                <a:lnTo>
+                  <a:pt x="989" y="850"/>
+                </a:lnTo>
+                <a:lnTo>
+                  <a:pt x="973" y="913"/>
+                </a:lnTo>
+                <a:lnTo>
+                  <a:pt x="963" y="973"/>
+                </a:lnTo>
+                <a:lnTo>
+                  <a:pt x="956" y="1033"/>
+                </a:lnTo>
+                <a:lnTo>
+                  <a:pt x="954" y="1094"/>
+                </a:lnTo>
+                <a:lnTo>
+                  <a:pt x="956" y="1155"/>
+                </a:lnTo>
+                <a:lnTo>
+                  <a:pt x="963" y="1218"/>
+                </a:lnTo>
+                <a:lnTo>
+                  <a:pt x="976" y="1282"/>
+                </a:lnTo>
+                <a:lnTo>
+                  <a:pt x="976" y="1288"/>
+                </a:lnTo>
+                <a:lnTo>
+                  <a:pt x="979" y="1304"/>
+                </a:lnTo>
+                <a:lnTo>
+                  <a:pt x="986" y="1327"/>
+                </a:lnTo>
+                <a:lnTo>
+                  <a:pt x="995" y="1357"/>
+                </a:lnTo>
+                <a:lnTo>
+                  <a:pt x="1006" y="1393"/>
+                </a:lnTo>
+                <a:lnTo>
+                  <a:pt x="1020" y="1433"/>
+                </a:lnTo>
+                <a:lnTo>
+                  <a:pt x="1036" y="1477"/>
+                </a:lnTo>
+                <a:lnTo>
+                  <a:pt x="1053" y="1524"/>
+                </a:lnTo>
+                <a:lnTo>
+                  <a:pt x="1071" y="1571"/>
+                </a:lnTo>
+                <a:lnTo>
+                  <a:pt x="1091" y="1620"/>
+                </a:lnTo>
+                <a:lnTo>
+                  <a:pt x="1110" y="1667"/>
+                </a:lnTo>
+                <a:lnTo>
+                  <a:pt x="1132" y="1714"/>
+                </a:lnTo>
+                <a:lnTo>
+                  <a:pt x="1152" y="1757"/>
+                </a:lnTo>
+                <a:lnTo>
+                  <a:pt x="1174" y="1796"/>
+                </a:lnTo>
+                <a:lnTo>
+                  <a:pt x="1194" y="1831"/>
+                </a:lnTo>
+                <a:lnTo>
+                  <a:pt x="1215" y="1861"/>
+                </a:lnTo>
+                <a:lnTo>
+                  <a:pt x="1227" y="1888"/>
+                </a:lnTo>
+                <a:lnTo>
+                  <a:pt x="1247" y="1925"/>
+                </a:lnTo>
+                <a:lnTo>
+                  <a:pt x="1271" y="1969"/>
+                </a:lnTo>
+                <a:lnTo>
+                  <a:pt x="1297" y="2015"/>
+                </a:lnTo>
+                <a:lnTo>
+                  <a:pt x="1322" y="2058"/>
+                </a:lnTo>
+                <a:lnTo>
+                  <a:pt x="1346" y="2094"/>
+                </a:lnTo>
+                <a:lnTo>
+                  <a:pt x="1365" y="2118"/>
+                </a:lnTo>
+                <a:lnTo>
+                  <a:pt x="1378" y="2127"/>
+                </a:lnTo>
+                <a:lnTo>
+                  <a:pt x="1947" y="1961"/>
+                </a:lnTo>
+                <a:lnTo>
+                  <a:pt x="1950" y="1923"/>
+                </a:lnTo>
+                <a:lnTo>
+                  <a:pt x="1955" y="1883"/>
+                </a:lnTo>
+                <a:lnTo>
+                  <a:pt x="1960" y="1843"/>
+                </a:lnTo>
+                <a:lnTo>
+                  <a:pt x="1965" y="1802"/>
+                </a:lnTo>
+                <a:lnTo>
+                  <a:pt x="1971" y="1759"/>
+                </a:lnTo>
+                <a:lnTo>
+                  <a:pt x="1976" y="1718"/>
+                </a:lnTo>
+                <a:lnTo>
+                  <a:pt x="1983" y="1678"/>
+                </a:lnTo>
+                <a:lnTo>
+                  <a:pt x="1989" y="1639"/>
+                </a:lnTo>
+                <a:lnTo>
+                  <a:pt x="1891" y="1639"/>
+                </a:lnTo>
+                <a:close/>
+              </a:path>
+            </a:pathLst>
+          </a:custGeom>
+          <a:solidFill>
+            <a:schemeClr val="bg1">
+              <a:lumMod val="65000"/>
+            </a:schemeClr>
+          </a:solidFill>
+          <a:ln w="9525">
+            <a:solidFill>
+              <a:schemeClr val="bg1">
+                <a:lumMod val="65000"/>
+              </a:schemeClr>
+            </a:solidFill>
+            <a:round/>
+            <a:headEnd/>
+            <a:tailEnd/>
+          </a:ln>
+        </p:spPr>
+        <p:txBody>
+          <a:bodyPr vert="horz" wrap="square" lIns="91440" tIns="45720" rIns="91440" bIns="45720" numCol="1" anchor="t" anchorCtr="0" compatLnSpc="1">
+            <a:prstTxWarp prst="textNoShape">
+              <a:avLst/>
+            </a:prstTxWarp>
+          </a:bodyPr>
+          <a:lstStyle/>
+          <a:p>
+            <a:endParaRPr lang="en-SG"/>
+          </a:p>
+        </p:txBody>
+      </p:sp>
+      <p:sp>
+        <p:nvSpPr>
+          <p:cNvPr id="172" name="Freeform 10"/>
+          <p:cNvSpPr>
+            <a:spLocks/>
+          </p:cNvSpPr>
+          <p:nvPr/>
+        </p:nvSpPr>
+        <p:spPr bwMode="auto">
+          <a:xfrm>
+            <a:off x="6469063" y="1939646"/>
+            <a:ext cx="0" cy="1588"/>
+          </a:xfrm>
+          <a:custGeom>
+            <a:avLst/>
+            <a:gdLst>
+              <a:gd name="T0" fmla="*/ 2 w 2"/>
+              <a:gd name="T1" fmla="*/ 0 h 3"/>
+              <a:gd name="T2" fmla="*/ 0 w 2"/>
+              <a:gd name="T3" fmla="*/ 3 h 3"/>
+              <a:gd name="T4" fmla="*/ 0 w 2"/>
+              <a:gd name="T5" fmla="*/ 3 h 3"/>
+              <a:gd name="T6" fmla="*/ 0 w 2"/>
+              <a:gd name="T7" fmla="*/ 3 h 3"/>
+              <a:gd name="T8" fmla="*/ 0 w 2"/>
+              <a:gd name="T9" fmla="*/ 3 h 3"/>
+              <a:gd name="T10" fmla="*/ 0 w 2"/>
+              <a:gd name="T11" fmla="*/ 3 h 3"/>
+              <a:gd name="T12" fmla="*/ 2 w 2"/>
+              <a:gd name="T13" fmla="*/ 0 h 3"/>
+            </a:gdLst>
+            <a:ahLst/>
+            <a:cxnLst>
+              <a:cxn ang="0">
+                <a:pos x="T0" y="T1"/>
+              </a:cxn>
+              <a:cxn ang="0">
+                <a:pos x="T2" y="T3"/>
+              </a:cxn>
+              <a:cxn ang="0">
+                <a:pos x="T4" y="T5"/>
+              </a:cxn>
+              <a:cxn ang="0">
+                <a:pos x="T6" y="T7"/>
+              </a:cxn>
+              <a:cxn ang="0">
+                <a:pos x="T8" y="T9"/>
+              </a:cxn>
+              <a:cxn ang="0">
+                <a:pos x="T10" y="T11"/>
+              </a:cxn>
+              <a:cxn ang="0">
+                <a:pos x="T12" y="T13"/>
+              </a:cxn>
+            </a:cxnLst>
+            <a:rect l="0" t="0" r="r" b="b"/>
+            <a:pathLst>
+              <a:path w="2" h="3">
+                <a:moveTo>
+                  <a:pt x="2" y="0"/>
+                </a:moveTo>
+                <a:lnTo>
+                  <a:pt x="0" y="3"/>
+                </a:lnTo>
+                <a:lnTo>
+                  <a:pt x="0" y="3"/>
+                </a:lnTo>
+                <a:lnTo>
+                  <a:pt x="0" y="3"/>
+                </a:lnTo>
+                <a:lnTo>
+                  <a:pt x="0" y="3"/>
+                </a:lnTo>
+                <a:lnTo>
+                  <a:pt x="0" y="3"/>
+                </a:lnTo>
+                <a:lnTo>
+                  <a:pt x="2" y="0"/>
+                </a:lnTo>
+                <a:close/>
+              </a:path>
+            </a:pathLst>
+          </a:custGeom>
+          <a:solidFill>
+            <a:srgbClr val="000000"/>
+          </a:solidFill>
+          <a:ln>
+            <a:noFill/>
+          </a:ln>
+          <a:extLst>
+            <a:ext uri="{91240B29-F687-4F45-9708-019B960494DF}">
+              <a14:hiddenLine xmlns:a14="http://schemas.microsoft.com/office/drawing/2010/main" w="9525">
+                <a:solidFill>
+                  <a:srgbClr val="000000"/>
+                </a:solidFill>
+                <a:round/>
+                <a:headEnd/>
+                <a:tailEnd/>
+              </a14:hiddenLine>
+            </a:ext>
+          </a:extLst>
+        </p:spPr>
+        <p:txBody>
+          <a:bodyPr vert="horz" wrap="square" lIns="91440" tIns="45720" rIns="91440" bIns="45720" numCol="1" anchor="t" anchorCtr="0" compatLnSpc="1">
+            <a:prstTxWarp prst="textNoShape">
+              <a:avLst/>
+            </a:prstTxWarp>
+          </a:bodyPr>
+          <a:lstStyle/>
+          <a:p>
+            <a:endParaRPr lang="en-SG"/>
+          </a:p>
+        </p:txBody>
+      </p:sp>
+      <p:grpSp>
+        <p:nvGrpSpPr>
+          <p:cNvPr id="173" name="Group 172"/>
+          <p:cNvGrpSpPr/>
+          <p:nvPr/>
+        </p:nvGrpSpPr>
+        <p:grpSpPr>
+          <a:xfrm>
+            <a:off x="5622925" y="1287462"/>
+            <a:ext cx="298983" cy="520531"/>
+            <a:chOff x="638861" y="309422"/>
+            <a:chExt cx="298983" cy="520531"/>
+          </a:xfrm>
+        </p:grpSpPr>
+        <p:sp>
+          <p:nvSpPr>
+            <p:cNvPr id="174" name="Flowchart: Connector 173"/>
+            <p:cNvSpPr/>
+            <p:nvPr/>
+          </p:nvSpPr>
+          <p:spPr>
+            <a:xfrm>
+              <a:off x="678021" y="309422"/>
+              <a:ext cx="220662" cy="220662"/>
+            </a:xfrm>
+            <a:prstGeom prst="flowChartConnector">
+              <a:avLst/>
+            </a:prstGeom>
+            <a:solidFill>
+              <a:schemeClr val="bg1"/>
+            </a:solidFill>
+          </p:spPr>
+          <p:style>
+            <a:lnRef idx="2">
+              <a:schemeClr val="accent1">
+                <a:shade val="50000"/>
+              </a:schemeClr>
+            </a:lnRef>
+            <a:fillRef idx="1">
+              <a:schemeClr val="accent1"/>
+            </a:fillRef>
+            <a:effectRef idx="0">
+              <a:schemeClr val="accent1"/>
+            </a:effectRef>
+            <a:fontRef idx="minor">
+              <a:schemeClr val="lt1"/>
+            </a:fontRef>
+          </p:style>
+          <p:txBody>
+            <a:bodyPr rtlCol="0" anchor="ctr"/>
+            <a:lstStyle/>
+            <a:p>
+              <a:pPr algn="ctr"/>
+              <a:endParaRPr lang="en-SG"/>
+            </a:p>
+          </p:txBody>
+        </p:sp>
+        <p:grpSp>
+          <p:nvGrpSpPr>
+            <p:cNvPr id="175" name="Group 174"/>
+            <p:cNvGrpSpPr/>
+            <p:nvPr/>
+          </p:nvGrpSpPr>
+          <p:grpSpPr>
+            <a:xfrm>
+              <a:off x="638861" y="549600"/>
+              <a:ext cx="298983" cy="280353"/>
+              <a:chOff x="638861" y="549600"/>
+              <a:chExt cx="298983" cy="280353"/>
+            </a:xfrm>
+          </p:grpSpPr>
+          <p:sp>
+            <p:nvSpPr>
+              <p:cNvPr id="178" name="Flowchart: Delay 177"/>
+              <p:cNvSpPr/>
+              <p:nvPr/>
+            </p:nvSpPr>
+            <p:spPr>
+              <a:xfrm rot="16200000">
+                <a:off x="648176" y="540285"/>
+                <a:ext cx="280353" cy="298983"/>
+              </a:xfrm>
+              <a:prstGeom prst="flowChartDelay">
+                <a:avLst/>
+              </a:prstGeom>
+              <a:solidFill>
+                <a:schemeClr val="bg1"/>
+              </a:solidFill>
+            </p:spPr>
+            <p:style>
+              <a:lnRef idx="2">
+                <a:schemeClr val="accent1">
+                  <a:shade val="50000"/>
+                </a:schemeClr>
+              </a:lnRef>
+              <a:fillRef idx="1">
+                <a:schemeClr val="accent1"/>
+              </a:fillRef>
+              <a:effectRef idx="0">
+                <a:schemeClr val="accent1"/>
+              </a:effectRef>
+              <a:fontRef idx="minor">
+                <a:schemeClr val="lt1"/>
+              </a:fontRef>
+            </p:style>
+            <p:txBody>
+              <a:bodyPr rtlCol="0" anchor="ctr"/>
+              <a:lstStyle/>
+              <a:p>
+                <a:pPr algn="ctr"/>
+                <a:endParaRPr lang="en-SG"/>
+              </a:p>
+            </p:txBody>
+          </p:sp>
+          <p:sp>
+            <p:nvSpPr>
+              <p:cNvPr id="179" name="Freeform 178"/>
+              <p:cNvSpPr/>
+              <p:nvPr/>
+            </p:nvSpPr>
+            <p:spPr>
+              <a:xfrm>
+                <a:off x="737215" y="552954"/>
+                <a:ext cx="102393" cy="235744"/>
+              </a:xfrm>
+              <a:custGeom>
+                <a:avLst/>
+                <a:gdLst>
+                  <a:gd name="connsiteX0" fmla="*/ 47625 w 102393"/>
+                  <a:gd name="connsiteY0" fmla="*/ 0 h 235744"/>
+                  <a:gd name="connsiteX1" fmla="*/ 0 w 102393"/>
+                  <a:gd name="connsiteY1" fmla="*/ 185738 h 235744"/>
+                  <a:gd name="connsiteX2" fmla="*/ 57150 w 102393"/>
+                  <a:gd name="connsiteY2" fmla="*/ 235744 h 235744"/>
+                  <a:gd name="connsiteX3" fmla="*/ 102393 w 102393"/>
+                  <a:gd name="connsiteY3" fmla="*/ 171450 h 235744"/>
+                  <a:gd name="connsiteX4" fmla="*/ 47625 w 102393"/>
+                  <a:gd name="connsiteY4" fmla="*/ 0 h 235744"/>
+                </a:gdLst>
+                <a:ahLst/>
+                <a:cxnLst>
+                  <a:cxn ang="0">
+                    <a:pos x="connsiteX0" y="connsiteY0"/>
+                  </a:cxn>
+                  <a:cxn ang="0">
+                    <a:pos x="connsiteX1" y="connsiteY1"/>
+                  </a:cxn>
+                  <a:cxn ang="0">
+                    <a:pos x="connsiteX2" y="connsiteY2"/>
+                  </a:cxn>
+                  <a:cxn ang="0">
+                    <a:pos x="connsiteX3" y="connsiteY3"/>
+                  </a:cxn>
+                  <a:cxn ang="0">
+                    <a:pos x="connsiteX4" y="connsiteY4"/>
+                  </a:cxn>
+                </a:cxnLst>
+                <a:rect l="l" t="t" r="r" b="b"/>
+                <a:pathLst>
+                  <a:path w="102393" h="235744">
+                    <a:moveTo>
+                      <a:pt x="47625" y="0"/>
+                    </a:moveTo>
+                    <a:lnTo>
+                      <a:pt x="0" y="185738"/>
+                    </a:lnTo>
+                    <a:lnTo>
+                      <a:pt x="57150" y="235744"/>
+                    </a:lnTo>
+                    <a:lnTo>
+                      <a:pt x="102393" y="171450"/>
+                    </a:lnTo>
+                    <a:lnTo>
+                      <a:pt x="47625" y="0"/>
+                    </a:lnTo>
+                    <a:close/>
+                  </a:path>
+                </a:pathLst>
+              </a:custGeom>
+              <a:solidFill>
+                <a:schemeClr val="bg1"/>
+              </a:solidFill>
+            </p:spPr>
+            <p:style>
+              <a:lnRef idx="2">
+                <a:schemeClr val="accent1">
+                  <a:shade val="50000"/>
+                </a:schemeClr>
+              </a:lnRef>
+              <a:fillRef idx="1">
+                <a:schemeClr val="accent1"/>
+              </a:fillRef>
+              <a:effectRef idx="0">
+                <a:schemeClr val="accent1"/>
+              </a:effectRef>
+              <a:fontRef idx="minor">
+                <a:schemeClr val="lt1"/>
+              </a:fontRef>
+            </p:style>
+            <p:txBody>
+              <a:bodyPr rtlCol="0" anchor="ctr"/>
+              <a:lstStyle/>
+              <a:p>
+                <a:pPr algn="ctr"/>
+                <a:endParaRPr lang="en-SG"/>
+              </a:p>
+            </p:txBody>
+          </p:sp>
+        </p:grpSp>
+        <p:sp>
+          <p:nvSpPr>
+            <p:cNvPr id="176" name="Freeform 175"/>
+            <p:cNvSpPr/>
+            <p:nvPr/>
+          </p:nvSpPr>
+          <p:spPr>
+            <a:xfrm>
+              <a:off x="882472" y="469611"/>
+              <a:ext cx="50006" cy="19050"/>
+            </a:xfrm>
+            <a:custGeom>
+              <a:avLst/>
+              <a:gdLst>
+                <a:gd name="connsiteX0" fmla="*/ 0 w 50006"/>
+                <a:gd name="connsiteY0" fmla="*/ 0 h 19050"/>
+                <a:gd name="connsiteX1" fmla="*/ 0 w 50006"/>
+                <a:gd name="connsiteY1" fmla="*/ 0 h 19050"/>
+                <a:gd name="connsiteX2" fmla="*/ 21431 w 50006"/>
+                <a:gd name="connsiteY2" fmla="*/ 4762 h 19050"/>
+                <a:gd name="connsiteX3" fmla="*/ 28575 w 50006"/>
+                <a:gd name="connsiteY3" fmla="*/ 9525 h 19050"/>
+                <a:gd name="connsiteX4" fmla="*/ 38100 w 50006"/>
+                <a:gd name="connsiteY4" fmla="*/ 14287 h 19050"/>
+                <a:gd name="connsiteX5" fmla="*/ 50006 w 50006"/>
+                <a:gd name="connsiteY5" fmla="*/ 19050 h 19050"/>
+              </a:gdLst>
+              <a:ahLst/>
+              <a:cxnLst>
+                <a:cxn ang="0">
+                  <a:pos x="connsiteX0" y="connsiteY0"/>
+                </a:cxn>
+                <a:cxn ang="0">
+                  <a:pos x="connsiteX1" y="connsiteY1"/>
+                </a:cxn>
+                <a:cxn ang="0">
+                  <a:pos x="connsiteX2" y="connsiteY2"/>
+                </a:cxn>
+                <a:cxn ang="0">
+                  <a:pos x="connsiteX3" y="connsiteY3"/>
+                </a:cxn>
+                <a:cxn ang="0">
+                  <a:pos x="connsiteX4" y="connsiteY4"/>
+                </a:cxn>
+                <a:cxn ang="0">
+                  <a:pos x="connsiteX5" y="connsiteY5"/>
+                </a:cxn>
+              </a:cxnLst>
+              <a:rect l="l" t="t" r="r" b="b"/>
+              <a:pathLst>
+                <a:path w="50006" h="19050">
+                  <a:moveTo>
+                    <a:pt x="0" y="0"/>
+                  </a:moveTo>
+                  <a:lnTo>
+                    <a:pt x="0" y="0"/>
+                  </a:lnTo>
+                  <a:cubicBezTo>
+                    <a:pt x="7144" y="1587"/>
+                    <a:pt x="14489" y="2448"/>
+                    <a:pt x="21431" y="4762"/>
+                  </a:cubicBezTo>
+                  <a:cubicBezTo>
+                    <a:pt x="24146" y="5667"/>
+                    <a:pt x="26090" y="8105"/>
+                    <a:pt x="28575" y="9525"/>
+                  </a:cubicBezTo>
+                  <a:cubicBezTo>
+                    <a:pt x="31657" y="11286"/>
+                    <a:pt x="34837" y="12889"/>
+                    <a:pt x="38100" y="14287"/>
+                  </a:cubicBezTo>
+                  <a:cubicBezTo>
+                    <a:pt x="58672" y="23103"/>
+                    <a:pt x="34691" y="11391"/>
+                    <a:pt x="50006" y="19050"/>
+                  </a:cubicBezTo>
+                </a:path>
+              </a:pathLst>
+            </a:custGeom>
+            <a:solidFill>
+              <a:schemeClr val="bg1"/>
+            </a:solidFill>
+          </p:spPr>
+          <p:style>
+            <a:lnRef idx="2">
+              <a:schemeClr val="accent1">
+                <a:shade val="50000"/>
+              </a:schemeClr>
+            </a:lnRef>
+            <a:fillRef idx="1">
+              <a:schemeClr val="accent1"/>
+            </a:fillRef>
+            <a:effectRef idx="0">
+              <a:schemeClr val="accent1"/>
+            </a:effectRef>
+            <a:fontRef idx="minor">
+              <a:schemeClr val="lt1"/>
+            </a:fontRef>
+          </p:style>
+          <p:txBody>
+            <a:bodyPr rtlCol="0" anchor="ctr"/>
+            <a:lstStyle/>
+            <a:p>
+              <a:pPr algn="ctr"/>
+              <a:endParaRPr lang="en-SG"/>
+            </a:p>
+          </p:txBody>
+        </p:sp>
+        <p:sp>
+          <p:nvSpPr>
+            <p:cNvPr id="177" name="Flowchart: Connector 176"/>
+            <p:cNvSpPr/>
+            <p:nvPr/>
+          </p:nvSpPr>
+          <p:spPr>
+            <a:xfrm>
+              <a:off x="800257" y="354516"/>
+              <a:ext cx="45719" cy="45719"/>
+            </a:xfrm>
+            <a:prstGeom prst="flowChartConnector">
+              <a:avLst/>
+            </a:prstGeom>
+            <a:solidFill>
+              <a:schemeClr val="bg1"/>
+            </a:solidFill>
+            <a:ln>
+              <a:solidFill>
+                <a:schemeClr val="accent1">
+                  <a:lumMod val="75000"/>
+                </a:schemeClr>
+              </a:solidFill>
+            </a:ln>
+          </p:spPr>
+          <p:style>
+            <a:lnRef idx="2">
+              <a:schemeClr val="accent1">
+                <a:shade val="50000"/>
+              </a:schemeClr>
+            </a:lnRef>
+            <a:fillRef idx="1">
+              <a:schemeClr val="accent1"/>
+            </a:fillRef>
+            <a:effectRef idx="0">
+              <a:schemeClr val="accent1"/>
+            </a:effectRef>
+            <a:fontRef idx="minor">
+              <a:schemeClr val="lt1"/>
+            </a:fontRef>
+          </p:style>
+          <p:txBody>
+            <a:bodyPr rtlCol="0" anchor="ctr"/>
+            <a:lstStyle/>
+            <a:p>
+              <a:pPr algn="ctr"/>
+              <a:endParaRPr lang="en-SG"/>
+            </a:p>
+          </p:txBody>
+        </p:sp>
+      </p:grpSp>
     </p:spTree>
     <p:extLst>
       <p:ext uri="{BB962C8B-B14F-4D97-AF65-F5344CB8AC3E}">

--- a/doc/mockups/homepage image.pptx
+++ b/doc/mockups/homepage image.pptx
@@ -1,6 +1,6 @@
 
 <file path=ppt/presentation.xml><?xml version="1.0" encoding="utf-8"?>
-<p:presentation xmlns:a="http://schemas.openxmlformats.org/drawingml/2006/main" xmlns:r="http://schemas.openxmlformats.org/officeDocument/2006/relationships" xmlns:p="http://schemas.openxmlformats.org/presentationml/2006/main" embedTrueTypeFonts="1">
+<p:presentation xmlns:a="http://schemas.openxmlformats.org/drawingml/2006/main" xmlns:r="http://schemas.openxmlformats.org/officeDocument/2006/relationships" xmlns:p="http://schemas.openxmlformats.org/presentationml/2006/main" saveSubsetFonts="1">
   <p:sldMasterIdLst>
     <p:sldMasterId id="2147483648" r:id="rId1"/>
   </p:sldMasterIdLst>
@@ -10,21 +10,11 @@
   <p:sldIdLst>
     <p:sldId id="258" r:id="rId2"/>
   </p:sldIdLst>
-  <p:sldSz cx="7740650" cy="2879725"/>
+  <p:sldSz cx="7740650" cy="3108325"/>
   <p:notesSz cx="6858000" cy="9144000"/>
-  <p:embeddedFontLst>
-    <p:embeddedFont>
-      <p:font typeface="2Dumb" pitchFamily="2" charset="0"/>
-      <p:regular r:id="rId4"/>
-    </p:embeddedFont>
-    <p:embeddedFont>
-      <p:font typeface="Calibri" pitchFamily="34" charset="0"/>
-      <p:regular r:id="rId5"/>
-      <p:bold r:id="rId6"/>
-      <p:italic r:id="rId7"/>
-      <p:boldItalic r:id="rId8"/>
-    </p:embeddedFont>
-  </p:embeddedFontLst>
+  <p:custDataLst>
+    <p:tags r:id="rId4"/>
+  </p:custDataLst>
   <p:defaultTextStyle>
     <a:defPPr>
       <a:defRPr lang="en-US"/>
@@ -205,7 +195,7 @@
           <a:p>
             <a:fld id="{A4537E34-E1A6-4BBF-AF99-84C669929841}" type="datetimeFigureOut">
               <a:rPr lang="en-SG" smtClean="0"/>
-              <a:t>6/3/2013</a:t>
+              <a:t>21/3/2013</a:t>
             </a:fld>
             <a:endParaRPr lang="en-SG"/>
           </a:p>
@@ -223,8 +213,8 @@
         </p:nvSpPr>
         <p:spPr>
           <a:xfrm>
-            <a:off x="-1179513" y="685800"/>
-            <a:ext cx="9217026" cy="3429000"/>
+            <a:off x="-841375" y="685800"/>
+            <a:ext cx="8540750" cy="3429000"/>
           </a:xfrm>
           <a:prstGeom prst="rect">
             <a:avLst/>
@@ -500,7 +490,12 @@
             <p:ph type="sldImg"/>
           </p:nvPr>
         </p:nvSpPr>
-        <p:spPr/>
+        <p:spPr>
+          <a:xfrm>
+            <a:off x="-841375" y="685800"/>
+            <a:ext cx="8540750" cy="3429000"/>
+          </a:xfrm>
+        </p:spPr>
       </p:sp>
       <p:sp>
         <p:nvSpPr>
@@ -586,8 +581,8 @@
         </p:nvSpPr>
         <p:spPr>
           <a:xfrm>
-            <a:off x="580550" y="894582"/>
-            <a:ext cx="6579552" cy="617275"/>
+            <a:off x="580550" y="965597"/>
+            <a:ext cx="6579552" cy="666276"/>
           </a:xfrm>
         </p:spPr>
         <p:txBody>
@@ -614,8 +609,8 @@
         </p:nvSpPr>
         <p:spPr>
           <a:xfrm>
-            <a:off x="1161098" y="1631845"/>
-            <a:ext cx="5418455" cy="735929"/>
+            <a:off x="1161099" y="1761386"/>
+            <a:ext cx="5418455" cy="794349"/>
           </a:xfrm>
         </p:spPr>
         <p:txBody>
@@ -739,7 +734,7 @@
             <a:fld id="{1D8BD707-D9CF-40AE-B4C6-C98DA3205C09}" type="datetimeFigureOut">
               <a:rPr lang="en-US" smtClean="0"/>
               <a:pPr/>
-              <a:t>3/6/2013</a:t>
+              <a:t>3/21/2013</a:t>
             </a:fld>
             <a:endParaRPr lang="en-US"/>
           </a:p>
@@ -906,7 +901,7 @@
             <a:fld id="{1D8BD707-D9CF-40AE-B4C6-C98DA3205C09}" type="datetimeFigureOut">
               <a:rPr lang="en-US" smtClean="0"/>
               <a:pPr/>
-              <a:t>3/6/2013</a:t>
+              <a:t>3/21/2013</a:t>
             </a:fld>
             <a:endParaRPr lang="en-US"/>
           </a:p>
@@ -992,8 +987,8 @@
         </p:nvSpPr>
         <p:spPr>
           <a:xfrm>
-            <a:off x="5611971" y="115324"/>
-            <a:ext cx="1741647" cy="2457099"/>
+            <a:off x="5611972" y="124479"/>
+            <a:ext cx="1741647" cy="2652150"/>
           </a:xfrm>
         </p:spPr>
         <p:txBody>
@@ -1020,8 +1015,8 @@
         </p:nvSpPr>
         <p:spPr>
           <a:xfrm>
-            <a:off x="387033" y="115324"/>
-            <a:ext cx="5095928" cy="2457099"/>
+            <a:off x="387033" y="124479"/>
+            <a:ext cx="5095928" cy="2652150"/>
           </a:xfrm>
         </p:spPr>
         <p:txBody>
@@ -1083,7 +1078,7 @@
             <a:fld id="{1D8BD707-D9CF-40AE-B4C6-C98DA3205C09}" type="datetimeFigureOut">
               <a:rPr lang="en-US" smtClean="0"/>
               <a:pPr/>
-              <a:t>3/6/2013</a:t>
+              <a:t>3/21/2013</a:t>
             </a:fld>
             <a:endParaRPr lang="en-US"/>
           </a:p>
@@ -1250,7 +1245,7 @@
             <a:fld id="{1D8BD707-D9CF-40AE-B4C6-C98DA3205C09}" type="datetimeFigureOut">
               <a:rPr lang="en-US" smtClean="0"/>
               <a:pPr/>
-              <a:t>3/6/2013</a:t>
+              <a:t>3/21/2013</a:t>
             </a:fld>
             <a:endParaRPr lang="en-US"/>
           </a:p>
@@ -1336,8 +1331,8 @@
         </p:nvSpPr>
         <p:spPr>
           <a:xfrm>
-            <a:off x="611459" y="1850492"/>
-            <a:ext cx="6579552" cy="571945"/>
+            <a:off x="611459" y="1997390"/>
+            <a:ext cx="6579552" cy="617347"/>
           </a:xfrm>
         </p:spPr>
         <p:txBody>
@@ -1368,8 +1363,8 @@
         </p:nvSpPr>
         <p:spPr>
           <a:xfrm>
-            <a:off x="611459" y="1220551"/>
-            <a:ext cx="6579552" cy="629940"/>
+            <a:off x="611459" y="1317442"/>
+            <a:ext cx="6579552" cy="679946"/>
           </a:xfrm>
         </p:spPr>
         <p:txBody>
@@ -1493,7 +1488,7 @@
             <a:fld id="{1D8BD707-D9CF-40AE-B4C6-C98DA3205C09}" type="datetimeFigureOut">
               <a:rPr lang="en-US" smtClean="0"/>
               <a:pPr/>
-              <a:t>3/6/2013</a:t>
+              <a:t>3/21/2013</a:t>
             </a:fld>
             <a:endParaRPr lang="en-US"/>
           </a:p>
@@ -1602,8 +1597,8 @@
         </p:nvSpPr>
         <p:spPr>
           <a:xfrm>
-            <a:off x="387032" y="671937"/>
-            <a:ext cx="3418787" cy="1900485"/>
+            <a:off x="387033" y="725278"/>
+            <a:ext cx="3418787" cy="2051350"/>
           </a:xfrm>
         </p:spPr>
         <p:txBody>
@@ -1687,8 +1682,8 @@
         </p:nvSpPr>
         <p:spPr>
           <a:xfrm>
-            <a:off x="3934831" y="671937"/>
-            <a:ext cx="3418787" cy="1900485"/>
+            <a:off x="3934831" y="725278"/>
+            <a:ext cx="3418787" cy="2051350"/>
           </a:xfrm>
         </p:spPr>
         <p:txBody>
@@ -1778,7 +1773,7 @@
             <a:fld id="{1D8BD707-D9CF-40AE-B4C6-C98DA3205C09}" type="datetimeFigureOut">
               <a:rPr lang="en-US" smtClean="0"/>
               <a:pPr/>
-              <a:t>3/6/2013</a:t>
+              <a:t>3/21/2013</a:t>
             </a:fld>
             <a:endParaRPr lang="en-US"/>
           </a:p>
@@ -1891,8 +1886,8 @@
         </p:nvSpPr>
         <p:spPr>
           <a:xfrm>
-            <a:off x="387033" y="644606"/>
-            <a:ext cx="3420131" cy="268641"/>
+            <a:off x="387034" y="695777"/>
+            <a:ext cx="3420131" cy="289966"/>
           </a:xfrm>
         </p:spPr>
         <p:txBody>
@@ -1956,8 +1951,8 @@
         </p:nvSpPr>
         <p:spPr>
           <a:xfrm>
-            <a:off x="387033" y="913248"/>
-            <a:ext cx="3420131" cy="1659175"/>
+            <a:off x="387034" y="985744"/>
+            <a:ext cx="3420131" cy="1790885"/>
           </a:xfrm>
         </p:spPr>
         <p:txBody>
@@ -2041,8 +2036,8 @@
         </p:nvSpPr>
         <p:spPr>
           <a:xfrm>
-            <a:off x="3932143" y="644606"/>
-            <a:ext cx="3421475" cy="268641"/>
+            <a:off x="3932143" y="695777"/>
+            <a:ext cx="3421475" cy="289966"/>
           </a:xfrm>
         </p:spPr>
         <p:txBody>
@@ -2106,8 +2101,8 @@
         </p:nvSpPr>
         <p:spPr>
           <a:xfrm>
-            <a:off x="3932143" y="913248"/>
-            <a:ext cx="3421475" cy="1659175"/>
+            <a:off x="3932143" y="985744"/>
+            <a:ext cx="3421475" cy="1790885"/>
           </a:xfrm>
         </p:spPr>
         <p:txBody>
@@ -2197,7 +2192,7 @@
             <a:fld id="{1D8BD707-D9CF-40AE-B4C6-C98DA3205C09}" type="datetimeFigureOut">
               <a:rPr lang="en-US" smtClean="0"/>
               <a:pPr/>
-              <a:t>3/6/2013</a:t>
+              <a:t>3/21/2013</a:t>
             </a:fld>
             <a:endParaRPr lang="en-US"/>
           </a:p>
@@ -2312,7 +2307,7 @@
             <a:fld id="{1D8BD707-D9CF-40AE-B4C6-C98DA3205C09}" type="datetimeFigureOut">
               <a:rPr lang="en-US" smtClean="0"/>
               <a:pPr/>
-              <a:t>3/6/2013</a:t>
+              <a:t>3/21/2013</a:t>
             </a:fld>
             <a:endParaRPr lang="en-US"/>
           </a:p>
@@ -2404,7 +2399,7 @@
             <a:fld id="{1D8BD707-D9CF-40AE-B4C6-C98DA3205C09}" type="datetimeFigureOut">
               <a:rPr lang="en-US" smtClean="0"/>
               <a:pPr/>
-              <a:t>3/6/2013</a:t>
+              <a:t>3/21/2013</a:t>
             </a:fld>
             <a:endParaRPr lang="en-US"/>
           </a:p>
@@ -2490,8 +2485,8 @@
         </p:nvSpPr>
         <p:spPr>
           <a:xfrm>
-            <a:off x="387033" y="114657"/>
-            <a:ext cx="2546620" cy="487953"/>
+            <a:off x="387033" y="123759"/>
+            <a:ext cx="2546620" cy="526688"/>
           </a:xfrm>
         </p:spPr>
         <p:txBody>
@@ -2522,8 +2517,8 @@
         </p:nvSpPr>
         <p:spPr>
           <a:xfrm>
-            <a:off x="3026380" y="114657"/>
-            <a:ext cx="4327238" cy="2457765"/>
+            <a:off x="3026380" y="123759"/>
+            <a:ext cx="4327238" cy="2652869"/>
           </a:xfrm>
         </p:spPr>
         <p:txBody>
@@ -2607,8 +2602,8 @@
         </p:nvSpPr>
         <p:spPr>
           <a:xfrm>
-            <a:off x="387033" y="602610"/>
-            <a:ext cx="2546620" cy="1969812"/>
+            <a:off x="387033" y="650447"/>
+            <a:ext cx="2546620" cy="2126181"/>
           </a:xfrm>
         </p:spPr>
         <p:txBody>
@@ -2678,7 +2673,7 @@
             <a:fld id="{1D8BD707-D9CF-40AE-B4C6-C98DA3205C09}" type="datetimeFigureOut">
               <a:rPr lang="en-US" smtClean="0"/>
               <a:pPr/>
-              <a:t>3/6/2013</a:t>
+              <a:t>3/21/2013</a:t>
             </a:fld>
             <a:endParaRPr lang="en-US"/>
           </a:p>
@@ -2764,8 +2759,8 @@
         </p:nvSpPr>
         <p:spPr>
           <a:xfrm>
-            <a:off x="1517222" y="2015807"/>
-            <a:ext cx="4644390" cy="237978"/>
+            <a:off x="1517222" y="2175827"/>
+            <a:ext cx="4644390" cy="256869"/>
           </a:xfrm>
         </p:spPr>
         <p:txBody>
@@ -2796,8 +2791,8 @@
         </p:nvSpPr>
         <p:spPr>
           <a:xfrm>
-            <a:off x="1517222" y="257309"/>
-            <a:ext cx="4644390" cy="1727835"/>
+            <a:off x="1517222" y="277735"/>
+            <a:ext cx="4644390" cy="1864995"/>
           </a:xfrm>
         </p:spPr>
         <p:txBody>
@@ -2857,8 +2852,8 @@
         </p:nvSpPr>
         <p:spPr>
           <a:xfrm>
-            <a:off x="1517222" y="2253786"/>
-            <a:ext cx="4644390" cy="337967"/>
+            <a:off x="1517222" y="2432698"/>
+            <a:ext cx="4644390" cy="364796"/>
           </a:xfrm>
         </p:spPr>
         <p:txBody>
@@ -2928,7 +2923,7 @@
             <a:fld id="{1D8BD707-D9CF-40AE-B4C6-C98DA3205C09}" type="datetimeFigureOut">
               <a:rPr lang="en-US" smtClean="0"/>
               <a:pPr/>
-              <a:t>3/6/2013</a:t>
+              <a:t>3/21/2013</a:t>
             </a:fld>
             <a:endParaRPr lang="en-US"/>
           </a:p>
@@ -3019,8 +3014,8 @@
         </p:nvSpPr>
         <p:spPr>
           <a:xfrm>
-            <a:off x="387033" y="115323"/>
-            <a:ext cx="6966585" cy="479954"/>
+            <a:off x="387034" y="124478"/>
+            <a:ext cx="6966585" cy="518054"/>
           </a:xfrm>
           <a:prstGeom prst="rect">
             <a:avLst/>
@@ -3052,8 +3047,8 @@
         </p:nvSpPr>
         <p:spPr>
           <a:xfrm>
-            <a:off x="387033" y="671937"/>
-            <a:ext cx="6966585" cy="1900485"/>
+            <a:off x="387034" y="725278"/>
+            <a:ext cx="6966585" cy="2051350"/>
           </a:xfrm>
           <a:prstGeom prst="rect">
             <a:avLst/>
@@ -3114,8 +3109,8 @@
         </p:nvSpPr>
         <p:spPr>
           <a:xfrm>
-            <a:off x="387032" y="2669080"/>
-            <a:ext cx="1806152" cy="153319"/>
+            <a:off x="387032" y="2880959"/>
+            <a:ext cx="1806152" cy="165490"/>
           </a:xfrm>
           <a:prstGeom prst="rect">
             <a:avLst/>
@@ -3138,7 +3133,7 @@
             <a:fld id="{1D8BD707-D9CF-40AE-B4C6-C98DA3205C09}" type="datetimeFigureOut">
               <a:rPr lang="en-US" smtClean="0"/>
               <a:pPr/>
-              <a:t>3/6/2013</a:t>
+              <a:t>3/21/2013</a:t>
             </a:fld>
             <a:endParaRPr lang="en-US"/>
           </a:p>
@@ -3156,8 +3151,8 @@
         </p:nvSpPr>
         <p:spPr>
           <a:xfrm>
-            <a:off x="2644723" y="2669080"/>
-            <a:ext cx="2451206" cy="153319"/>
+            <a:off x="2644723" y="2880959"/>
+            <a:ext cx="2451206" cy="165490"/>
           </a:xfrm>
           <a:prstGeom prst="rect">
             <a:avLst/>
@@ -3193,8 +3188,8 @@
         </p:nvSpPr>
         <p:spPr>
           <a:xfrm>
-            <a:off x="5547466" y="2669080"/>
-            <a:ext cx="1806152" cy="153319"/>
+            <a:off x="5547466" y="2880959"/>
+            <a:ext cx="1806152" cy="165490"/>
           </a:xfrm>
           <a:prstGeom prst="rect">
             <a:avLst/>
@@ -3511,7 +3506,59 @@
       </p:grpSpPr>
       <p:sp>
         <p:nvSpPr>
-          <p:cNvPr id="31" name="Flowchart: Delay 30"/>
+          <p:cNvPr id="100" name="Rounded Rectangle 99"/>
+          <p:cNvSpPr/>
+          <p:nvPr/>
+        </p:nvSpPr>
+        <p:spPr>
+          <a:xfrm>
+            <a:off x="136525" y="166476"/>
+            <a:ext cx="2117725" cy="2584344"/>
+          </a:xfrm>
+          <a:prstGeom prst="roundRect">
+            <a:avLst>
+              <a:gd name="adj" fmla="val 7667"/>
+            </a:avLst>
+          </a:prstGeom>
+          <a:noFill/>
+          <a:ln w="107950">
+            <a:solidFill>
+              <a:schemeClr val="accent6">
+                <a:lumMod val="60000"/>
+                <a:lumOff val="40000"/>
+              </a:schemeClr>
+            </a:solidFill>
+          </a:ln>
+          <a:effectLst/>
+        </p:spPr>
+        <p:style>
+          <a:lnRef idx="2">
+            <a:schemeClr val="accent1">
+              <a:shade val="50000"/>
+            </a:schemeClr>
+          </a:lnRef>
+          <a:fillRef idx="1">
+            <a:schemeClr val="accent1"/>
+          </a:fillRef>
+          <a:effectRef idx="0">
+            <a:schemeClr val="accent1"/>
+          </a:effectRef>
+          <a:fontRef idx="minor">
+            <a:schemeClr val="lt1"/>
+          </a:fontRef>
+        </p:style>
+        <p:txBody>
+          <a:bodyPr rtlCol="0" anchor="ctr"/>
+          <a:lstStyle/>
+          <a:p>
+            <a:pPr algn="ctr"/>
+            <a:endParaRPr lang="en-US"/>
+          </a:p>
+        </p:txBody>
+      </p:sp>
+      <p:sp>
+        <p:nvSpPr>
+          <p:cNvPr id="101" name="Flowchart: Delay 100"/>
           <p:cNvSpPr/>
           <p:nvPr/>
         </p:nvSpPr>
@@ -3554,7 +3601,7 @@
       </p:sp>
       <p:sp>
         <p:nvSpPr>
-          <p:cNvPr id="32" name="Freeform 31"/>
+          <p:cNvPr id="103" name="Freeform 102"/>
           <p:cNvSpPr/>
           <p:nvPr/>
         </p:nvSpPr>
@@ -3648,7 +3695,7 @@
       </p:sp>
       <p:sp>
         <p:nvSpPr>
-          <p:cNvPr id="30" name="Flowchart: Connector 29"/>
+          <p:cNvPr id="104" name="Flowchart: Connector 103"/>
           <p:cNvSpPr/>
           <p:nvPr/>
         </p:nvSpPr>
@@ -3691,7 +3738,7 @@
       </p:sp>
       <p:sp>
         <p:nvSpPr>
-          <p:cNvPr id="33" name="Freeform 32"/>
+          <p:cNvPr id="105" name="Freeform 104"/>
           <p:cNvSpPr/>
           <p:nvPr/>
         </p:nvSpPr>
@@ -3800,7 +3847,7 @@
       </p:sp>
       <p:sp>
         <p:nvSpPr>
-          <p:cNvPr id="34" name="Flowchart: Connector 33"/>
+          <p:cNvPr id="106" name="Flowchart: Connector 105"/>
           <p:cNvSpPr/>
           <p:nvPr/>
         </p:nvSpPr>
@@ -3850,7 +3897,7 @@
       </p:sp>
       <p:grpSp>
         <p:nvGrpSpPr>
-          <p:cNvPr id="22" name="Group 21"/>
+          <p:cNvPr id="107" name="Group 106"/>
           <p:cNvGrpSpPr/>
           <p:nvPr/>
         </p:nvGrpSpPr>
@@ -3864,7 +3911,7 @@
         </p:grpSpPr>
         <p:sp>
           <p:nvSpPr>
-            <p:cNvPr id="111" name="Flowchart: Connector 110"/>
+            <p:cNvPr id="109" name="Flowchart: Connector 108"/>
             <p:cNvSpPr/>
             <p:nvPr/>
           </p:nvSpPr>
@@ -3907,7 +3954,7 @@
         </p:sp>
         <p:grpSp>
           <p:nvGrpSpPr>
-            <p:cNvPr id="21" name="Group 20"/>
+            <p:cNvPr id="113" name="Group 112"/>
             <p:cNvGrpSpPr/>
             <p:nvPr/>
           </p:nvGrpSpPr>
@@ -3921,7 +3968,7 @@
           </p:grpSpPr>
           <p:sp>
             <p:nvSpPr>
-              <p:cNvPr id="112" name="Flowchart: Delay 111"/>
+              <p:cNvPr id="119" name="Flowchart: Delay 118"/>
               <p:cNvSpPr/>
               <p:nvPr/>
             </p:nvSpPr>
@@ -3964,7 +4011,7 @@
           </p:sp>
           <p:sp>
             <p:nvSpPr>
-              <p:cNvPr id="114" name="Freeform 113"/>
+              <p:cNvPr id="120" name="Freeform 119"/>
               <p:cNvSpPr/>
               <p:nvPr/>
             </p:nvSpPr>
@@ -4059,7 +4106,7 @@
         </p:grpSp>
         <p:sp>
           <p:nvSpPr>
-            <p:cNvPr id="115" name="Freeform 114"/>
+            <p:cNvPr id="117" name="Freeform 116"/>
             <p:cNvSpPr/>
             <p:nvPr/>
           </p:nvSpPr>
@@ -4168,7 +4215,7 @@
         </p:sp>
         <p:sp>
           <p:nvSpPr>
-            <p:cNvPr id="116" name="Flowchart: Connector 115"/>
+            <p:cNvPr id="118" name="Flowchart: Connector 117"/>
             <p:cNvSpPr/>
             <p:nvPr/>
           </p:nvSpPr>
@@ -4219,7 +4266,7 @@
       </p:grpSp>
       <p:sp>
         <p:nvSpPr>
-          <p:cNvPr id="24" name="Rounded Rectangle 23"/>
+          <p:cNvPr id="121" name="Rounded Rectangle 120"/>
           <p:cNvSpPr/>
           <p:nvPr/>
         </p:nvSpPr>
@@ -4236,15 +4283,13 @@
           <a:noFill/>
           <a:ln w="107950">
             <a:solidFill>
-              <a:schemeClr val="accent1">
-                <a:lumMod val="20000"/>
-                <a:lumOff val="80000"/>
+              <a:schemeClr val="tx2">
+                <a:lumMod val="40000"/>
+                <a:lumOff val="60000"/>
               </a:schemeClr>
             </a:solidFill>
           </a:ln>
-          <a:effectLst>
-            <a:softEdge rad="31750"/>
-          </a:effectLst>
+          <a:effectLst/>
         </p:spPr>
         <p:style>
           <a:lnRef idx="2">
@@ -4273,61 +4318,7 @@
       </p:sp>
       <p:sp>
         <p:nvSpPr>
-          <p:cNvPr id="23" name="Rounded Rectangle 22"/>
-          <p:cNvSpPr/>
-          <p:nvPr/>
-        </p:nvSpPr>
-        <p:spPr>
-          <a:xfrm>
-            <a:off x="136525" y="166476"/>
-            <a:ext cx="2117725" cy="2584344"/>
-          </a:xfrm>
-          <a:prstGeom prst="roundRect">
-            <a:avLst>
-              <a:gd name="adj" fmla="val 7667"/>
-            </a:avLst>
-          </a:prstGeom>
-          <a:noFill/>
-          <a:ln w="107950">
-            <a:solidFill>
-              <a:schemeClr val="accent6">
-                <a:lumMod val="20000"/>
-                <a:lumOff val="80000"/>
-              </a:schemeClr>
-            </a:solidFill>
-          </a:ln>
-          <a:effectLst>
-            <a:softEdge rad="31750"/>
-          </a:effectLst>
-        </p:spPr>
-        <p:style>
-          <a:lnRef idx="2">
-            <a:schemeClr val="accent1">
-              <a:shade val="50000"/>
-            </a:schemeClr>
-          </a:lnRef>
-          <a:fillRef idx="1">
-            <a:schemeClr val="accent1"/>
-          </a:fillRef>
-          <a:effectRef idx="0">
-            <a:schemeClr val="accent1"/>
-          </a:effectRef>
-          <a:fontRef idx="minor">
-            <a:schemeClr val="lt1"/>
-          </a:fontRef>
-        </p:style>
-        <p:txBody>
-          <a:bodyPr rtlCol="0" anchor="ctr"/>
-          <a:lstStyle/>
-          <a:p>
-            <a:pPr algn="ctr"/>
-            <a:endParaRPr lang="en-US"/>
-          </a:p>
-        </p:txBody>
-      </p:sp>
-      <p:sp>
-        <p:nvSpPr>
-          <p:cNvPr id="93" name="Isosceles Triangle 92"/>
+          <p:cNvPr id="122" name="Isosceles Triangle 121"/>
           <p:cNvSpPr/>
           <p:nvPr/>
         </p:nvSpPr>
@@ -4379,14 +4370,14 @@
       </p:sp>
       <p:sp>
         <p:nvSpPr>
-          <p:cNvPr id="94" name="Isosceles Triangle 93"/>
+          <p:cNvPr id="123" name="Isosceles Triangle 122"/>
           <p:cNvSpPr/>
           <p:nvPr/>
         </p:nvSpPr>
         <p:spPr>
           <a:xfrm rot="3148928">
-            <a:off x="3750367" y="1837621"/>
-            <a:ext cx="650104" cy="899883"/>
+            <a:off x="3703148" y="1794751"/>
+            <a:ext cx="650104" cy="1018950"/>
           </a:xfrm>
           <a:prstGeom prst="triangle">
             <a:avLst>
@@ -4397,6 +4388,7 @@
             <a:schemeClr val="accent6">
               <a:lumMod val="40000"/>
               <a:lumOff val="60000"/>
+              <a:alpha val="65000"/>
             </a:schemeClr>
           </a:solidFill>
           <a:ln>
@@ -4430,13 +4422,13 @@
       </p:sp>
       <p:sp>
         <p:nvSpPr>
-          <p:cNvPr id="95" name="Isosceles Triangle 94"/>
+          <p:cNvPr id="124" name="Isosceles Triangle 123"/>
           <p:cNvSpPr/>
           <p:nvPr/>
         </p:nvSpPr>
         <p:spPr>
           <a:xfrm rot="4843798">
-            <a:off x="3307100" y="1214943"/>
+            <a:off x="3307100" y="1195350"/>
             <a:ext cx="672349" cy="1283148"/>
           </a:xfrm>
           <a:prstGeom prst="triangle">
@@ -4446,6 +4438,7 @@
             <a:schemeClr val="accent6">
               <a:lumMod val="40000"/>
               <a:lumOff val="60000"/>
+              <a:alpha val="65000"/>
             </a:schemeClr>
           </a:solidFill>
           <a:ln>
@@ -4479,7 +4472,7 @@
       </p:sp>
       <p:sp>
         <p:nvSpPr>
-          <p:cNvPr id="98" name="TextBox 97"/>
+          <p:cNvPr id="125" name="TextBox 124"/>
           <p:cNvSpPr txBox="1"/>
           <p:nvPr/>
         </p:nvSpPr>
@@ -4563,7 +4556,7 @@
       </p:sp>
       <p:sp>
         <p:nvSpPr>
-          <p:cNvPr id="102" name="TextBox 101"/>
+          <p:cNvPr id="126" name="TextBox 125"/>
           <p:cNvSpPr txBox="1"/>
           <p:nvPr/>
         </p:nvSpPr>
@@ -4583,7 +4576,7 @@
           </a:bodyPr>
           <a:lstStyle/>
           <a:p>
-            <a:pPr algn="ctr"/>
+            <a:pPr algn="r"/>
             <a:r>
               <a:rPr lang="en-US" sz="1100" dirty="0" smtClean="0">
                 <a:solidFill>
@@ -4634,7 +4627,7 @@
       </p:sp>
       <p:sp>
         <p:nvSpPr>
-          <p:cNvPr id="108" name="TextBox 107"/>
+          <p:cNvPr id="127" name="TextBox 126"/>
           <p:cNvSpPr txBox="1"/>
           <p:nvPr/>
         </p:nvSpPr>
@@ -4674,17 +4667,7 @@
                 <a:latin typeface="+mj-lt"/>
                 <a:ea typeface="2Dumb" pitchFamily="2" charset="0"/>
               </a:rPr>
-              <a:t>team </a:t>
-            </a:r>
-            <a:r>
-              <a:rPr lang="en-US" sz="1100" b="1" dirty="0" smtClean="0">
-                <a:solidFill>
-                  <a:schemeClr val="accent1"/>
-                </a:solidFill>
-                <a:latin typeface="+mj-lt"/>
-                <a:ea typeface="2Dumb" pitchFamily="2" charset="0"/>
-              </a:rPr>
-              <a:t>projects</a:t>
+              <a:t>team projects</a:t>
             </a:r>
             <a:r>
               <a:rPr lang="en-US" sz="1100" b="1" dirty="0" smtClean="0">
@@ -4721,13 +4704,13 @@
       </p:sp>
       <p:sp>
         <p:nvSpPr>
-          <p:cNvPr id="110" name="Rounded Rectangle 109"/>
+          <p:cNvPr id="128" name="Rounded Rectangle 127"/>
           <p:cNvSpPr/>
           <p:nvPr/>
         </p:nvSpPr>
         <p:spPr>
           <a:xfrm>
-            <a:off x="5767678" y="1822729"/>
+            <a:off x="5767678" y="2049462"/>
             <a:ext cx="1371600" cy="457200"/>
           </a:xfrm>
           <a:prstGeom prst="roundRect">
@@ -4773,7 +4756,7 @@
       </p:sp>
       <p:sp>
         <p:nvSpPr>
-          <p:cNvPr id="25" name="Rounded Rectangle 24"/>
+          <p:cNvPr id="129" name="Rounded Rectangle 128"/>
           <p:cNvSpPr/>
           <p:nvPr/>
         </p:nvSpPr>
@@ -4791,14 +4774,12 @@
           <a:ln w="107950">
             <a:solidFill>
               <a:schemeClr val="accent6">
-                <a:lumMod val="20000"/>
-                <a:lumOff val="80000"/>
+                <a:lumMod val="60000"/>
+                <a:lumOff val="40000"/>
               </a:schemeClr>
             </a:solidFill>
           </a:ln>
-          <a:effectLst>
-            <a:softEdge rad="31750"/>
-          </a:effectLst>
+          <a:effectLst/>
         </p:spPr>
         <p:style>
           <a:lnRef idx="2">
@@ -4827,7 +4808,7 @@
       </p:sp>
       <p:grpSp>
         <p:nvGrpSpPr>
-          <p:cNvPr id="41" name="Group 40"/>
+          <p:cNvPr id="130" name="Group 129"/>
           <p:cNvGrpSpPr/>
           <p:nvPr/>
         </p:nvGrpSpPr>
@@ -4844,7 +4825,7 @@
         </p:grpSpPr>
         <p:sp>
           <p:nvSpPr>
-            <p:cNvPr id="42" name="Flowchart: Connector 41"/>
+            <p:cNvPr id="131" name="Flowchart: Connector 130"/>
             <p:cNvSpPr/>
             <p:nvPr/>
           </p:nvSpPr>
@@ -4892,7 +4873,7 @@
         </p:sp>
         <p:sp>
           <p:nvSpPr>
-            <p:cNvPr id="43" name="Flowchart: Delay 42"/>
+            <p:cNvPr id="132" name="Flowchart: Delay 131"/>
             <p:cNvSpPr/>
             <p:nvPr/>
           </p:nvSpPr>
@@ -4940,7 +4921,7 @@
         </p:sp>
         <p:sp>
           <p:nvSpPr>
-            <p:cNvPr id="45" name="Freeform 44"/>
+            <p:cNvPr id="133" name="Freeform 132"/>
             <p:cNvSpPr/>
             <p:nvPr/>
           </p:nvSpPr>
@@ -5054,7 +5035,7 @@
         </p:sp>
         <p:sp>
           <p:nvSpPr>
-            <p:cNvPr id="46" name="Flowchart: Connector 45"/>
+            <p:cNvPr id="134" name="Flowchart: Connector 133"/>
             <p:cNvSpPr/>
             <p:nvPr/>
           </p:nvSpPr>
@@ -5103,15 +5084,592 @@
           </p:txBody>
         </p:sp>
       </p:grpSp>
+      <p:grpSp>
+        <p:nvGrpSpPr>
+          <p:cNvPr id="135" name="Group 134"/>
+          <p:cNvGrpSpPr/>
+          <p:nvPr/>
+        </p:nvGrpSpPr>
+        <p:grpSpPr>
+          <a:xfrm>
+            <a:off x="593726" y="1760533"/>
+            <a:ext cx="309579" cy="505977"/>
+            <a:chOff x="593726" y="1760533"/>
+            <a:chExt cx="309579" cy="505977"/>
+          </a:xfrm>
+        </p:grpSpPr>
+        <p:sp>
+          <p:nvSpPr>
+            <p:cNvPr id="136" name="Flowchart: Delay 135"/>
+            <p:cNvSpPr/>
+            <p:nvPr/>
+          </p:nvSpPr>
+          <p:spPr>
+            <a:xfrm rot="16200000">
+              <a:off x="603041" y="1976842"/>
+              <a:ext cx="280353" cy="298983"/>
+            </a:xfrm>
+            <a:prstGeom prst="flowChartDelay">
+              <a:avLst/>
+            </a:prstGeom>
+            <a:solidFill>
+              <a:schemeClr val="bg1"/>
+            </a:solidFill>
+            <a:ln>
+              <a:solidFill>
+                <a:schemeClr val="bg1">
+                  <a:lumMod val="65000"/>
+                </a:schemeClr>
+              </a:solidFill>
+            </a:ln>
+          </p:spPr>
+          <p:style>
+            <a:lnRef idx="2">
+              <a:schemeClr val="accent1">
+                <a:shade val="50000"/>
+              </a:schemeClr>
+            </a:lnRef>
+            <a:fillRef idx="1">
+              <a:schemeClr val="accent1"/>
+            </a:fillRef>
+            <a:effectRef idx="0">
+              <a:schemeClr val="accent1"/>
+            </a:effectRef>
+            <a:fontRef idx="minor">
+              <a:schemeClr val="lt1"/>
+            </a:fontRef>
+          </p:style>
+          <p:txBody>
+            <a:bodyPr rtlCol="0" anchor="ctr"/>
+            <a:lstStyle/>
+            <a:p>
+              <a:pPr algn="ctr"/>
+              <a:endParaRPr lang="en-SG"/>
+            </a:p>
+          </p:txBody>
+        </p:sp>
+        <p:grpSp>
+          <p:nvGrpSpPr>
+            <p:cNvPr id="137" name="Group 136"/>
+            <p:cNvGrpSpPr/>
+            <p:nvPr/>
+          </p:nvGrpSpPr>
+          <p:grpSpPr>
+            <a:xfrm rot="20404603">
+              <a:off x="635382" y="1760533"/>
+              <a:ext cx="267923" cy="220662"/>
+              <a:chOff x="786804" y="1760533"/>
+              <a:chExt cx="267923" cy="220662"/>
+            </a:xfrm>
+          </p:grpSpPr>
+          <p:sp>
+            <p:nvSpPr>
+              <p:cNvPr id="138" name="Flowchart: Connector 137"/>
+              <p:cNvSpPr/>
+              <p:nvPr/>
+            </p:nvSpPr>
+            <p:spPr>
+              <a:xfrm rot="19707452">
+                <a:off x="786804" y="1760533"/>
+                <a:ext cx="220662" cy="220662"/>
+              </a:xfrm>
+              <a:prstGeom prst="flowChartConnector">
+                <a:avLst/>
+              </a:prstGeom>
+              <a:solidFill>
+                <a:schemeClr val="bg1"/>
+              </a:solidFill>
+              <a:ln>
+                <a:solidFill>
+                  <a:schemeClr val="bg1">
+                    <a:lumMod val="65000"/>
+                  </a:schemeClr>
+                </a:solidFill>
+              </a:ln>
+            </p:spPr>
+            <p:style>
+              <a:lnRef idx="2">
+                <a:schemeClr val="accent1">
+                  <a:shade val="50000"/>
+                </a:schemeClr>
+              </a:lnRef>
+              <a:fillRef idx="1">
+                <a:schemeClr val="accent1"/>
+              </a:fillRef>
+              <a:effectRef idx="0">
+                <a:schemeClr val="accent1"/>
+              </a:effectRef>
+              <a:fontRef idx="minor">
+                <a:schemeClr val="lt1"/>
+              </a:fontRef>
+            </p:style>
+            <p:txBody>
+              <a:bodyPr rtlCol="0" anchor="ctr"/>
+              <a:lstStyle/>
+              <a:p>
+                <a:pPr algn="ctr"/>
+                <a:endParaRPr lang="en-SG"/>
+              </a:p>
+            </p:txBody>
+          </p:sp>
+          <p:sp>
+            <p:nvSpPr>
+              <p:cNvPr id="139" name="Freeform 138"/>
+              <p:cNvSpPr/>
+              <p:nvPr/>
+            </p:nvSpPr>
+            <p:spPr>
+              <a:xfrm rot="19707452">
+                <a:off x="1004721" y="1849632"/>
+                <a:ext cx="50006" cy="19050"/>
+              </a:xfrm>
+              <a:custGeom>
+                <a:avLst/>
+                <a:gdLst>
+                  <a:gd name="connsiteX0" fmla="*/ 0 w 50006"/>
+                  <a:gd name="connsiteY0" fmla="*/ 0 h 19050"/>
+                  <a:gd name="connsiteX1" fmla="*/ 0 w 50006"/>
+                  <a:gd name="connsiteY1" fmla="*/ 0 h 19050"/>
+                  <a:gd name="connsiteX2" fmla="*/ 21431 w 50006"/>
+                  <a:gd name="connsiteY2" fmla="*/ 4762 h 19050"/>
+                  <a:gd name="connsiteX3" fmla="*/ 28575 w 50006"/>
+                  <a:gd name="connsiteY3" fmla="*/ 9525 h 19050"/>
+                  <a:gd name="connsiteX4" fmla="*/ 38100 w 50006"/>
+                  <a:gd name="connsiteY4" fmla="*/ 14287 h 19050"/>
+                  <a:gd name="connsiteX5" fmla="*/ 50006 w 50006"/>
+                  <a:gd name="connsiteY5" fmla="*/ 19050 h 19050"/>
+                </a:gdLst>
+                <a:ahLst/>
+                <a:cxnLst>
+                  <a:cxn ang="0">
+                    <a:pos x="connsiteX0" y="connsiteY0"/>
+                  </a:cxn>
+                  <a:cxn ang="0">
+                    <a:pos x="connsiteX1" y="connsiteY1"/>
+                  </a:cxn>
+                  <a:cxn ang="0">
+                    <a:pos x="connsiteX2" y="connsiteY2"/>
+                  </a:cxn>
+                  <a:cxn ang="0">
+                    <a:pos x="connsiteX3" y="connsiteY3"/>
+                  </a:cxn>
+                  <a:cxn ang="0">
+                    <a:pos x="connsiteX4" y="connsiteY4"/>
+                  </a:cxn>
+                  <a:cxn ang="0">
+                    <a:pos x="connsiteX5" y="connsiteY5"/>
+                  </a:cxn>
+                </a:cxnLst>
+                <a:rect l="l" t="t" r="r" b="b"/>
+                <a:pathLst>
+                  <a:path w="50006" h="19050">
+                    <a:moveTo>
+                      <a:pt x="0" y="0"/>
+                    </a:moveTo>
+                    <a:lnTo>
+                      <a:pt x="0" y="0"/>
+                    </a:lnTo>
+                    <a:cubicBezTo>
+                      <a:pt x="7144" y="1587"/>
+                      <a:pt x="14489" y="2448"/>
+                      <a:pt x="21431" y="4762"/>
+                    </a:cubicBezTo>
+                    <a:cubicBezTo>
+                      <a:pt x="24146" y="5667"/>
+                      <a:pt x="26090" y="8105"/>
+                      <a:pt x="28575" y="9525"/>
+                    </a:cubicBezTo>
+                    <a:cubicBezTo>
+                      <a:pt x="31657" y="11286"/>
+                      <a:pt x="34837" y="12889"/>
+                      <a:pt x="38100" y="14287"/>
+                    </a:cubicBezTo>
+                    <a:cubicBezTo>
+                      <a:pt x="58672" y="23103"/>
+                      <a:pt x="34691" y="11391"/>
+                      <a:pt x="50006" y="19050"/>
+                    </a:cubicBezTo>
+                  </a:path>
+                </a:pathLst>
+              </a:custGeom>
+              <a:solidFill>
+                <a:schemeClr val="bg1"/>
+              </a:solidFill>
+              <a:ln>
+                <a:solidFill>
+                  <a:schemeClr val="bg1">
+                    <a:lumMod val="65000"/>
+                  </a:schemeClr>
+                </a:solidFill>
+              </a:ln>
+            </p:spPr>
+            <p:style>
+              <a:lnRef idx="2">
+                <a:schemeClr val="accent1">
+                  <a:shade val="50000"/>
+                </a:schemeClr>
+              </a:lnRef>
+              <a:fillRef idx="1">
+                <a:schemeClr val="accent1"/>
+              </a:fillRef>
+              <a:effectRef idx="0">
+                <a:schemeClr val="accent1"/>
+              </a:effectRef>
+              <a:fontRef idx="minor">
+                <a:schemeClr val="lt1"/>
+              </a:fontRef>
+            </p:style>
+            <p:txBody>
+              <a:bodyPr rtlCol="0" anchor="ctr"/>
+              <a:lstStyle/>
+              <a:p>
+                <a:pPr algn="ctr"/>
+                <a:endParaRPr lang="en-SG"/>
+              </a:p>
+            </p:txBody>
+          </p:sp>
+          <p:sp>
+            <p:nvSpPr>
+              <p:cNvPr id="140" name="Flowchart: Connector 139"/>
+              <p:cNvSpPr/>
+              <p:nvPr/>
+            </p:nvSpPr>
+            <p:spPr>
+              <a:xfrm rot="19707452" flipH="1">
+                <a:off x="896667" y="1807272"/>
+                <a:ext cx="45719" cy="45719"/>
+              </a:xfrm>
+              <a:prstGeom prst="flowChartConnector">
+                <a:avLst/>
+              </a:prstGeom>
+              <a:solidFill>
+                <a:schemeClr val="bg1"/>
+              </a:solidFill>
+              <a:ln>
+                <a:solidFill>
+                  <a:schemeClr val="bg1">
+                    <a:lumMod val="65000"/>
+                  </a:schemeClr>
+                </a:solidFill>
+              </a:ln>
+            </p:spPr>
+            <p:style>
+              <a:lnRef idx="2">
+                <a:schemeClr val="accent1">
+                  <a:shade val="50000"/>
+                </a:schemeClr>
+              </a:lnRef>
+              <a:fillRef idx="1">
+                <a:schemeClr val="accent1"/>
+              </a:fillRef>
+              <a:effectRef idx="0">
+                <a:schemeClr val="accent1"/>
+              </a:effectRef>
+              <a:fontRef idx="minor">
+                <a:schemeClr val="lt1"/>
+              </a:fontRef>
+            </p:style>
+            <p:txBody>
+              <a:bodyPr rtlCol="0" anchor="ctr"/>
+              <a:lstStyle/>
+              <a:p>
+                <a:pPr algn="ctr"/>
+                <a:endParaRPr lang="en-SG"/>
+              </a:p>
+            </p:txBody>
+          </p:sp>
+        </p:grpSp>
+      </p:grpSp>
       <p:sp>
         <p:nvSpPr>
-          <p:cNvPr id="59" name="Flowchart: Delay 58"/>
+          <p:cNvPr id="141" name="Flowchart: Delay 140"/>
           <p:cNvSpPr/>
           <p:nvPr/>
         </p:nvSpPr>
         <p:spPr>
-          <a:xfrm rot="16200000">
-            <a:off x="603041" y="1976842"/>
+          <a:xfrm rot="5400000" flipH="1">
+            <a:off x="4290496" y="1800065"/>
+            <a:ext cx="280353" cy="298983"/>
+          </a:xfrm>
+          <a:prstGeom prst="flowChartDelay">
+            <a:avLst/>
+          </a:prstGeom>
+          <a:solidFill>
+            <a:schemeClr val="bg1"/>
+          </a:solidFill>
+          <a:ln>
+            <a:solidFill>
+              <a:schemeClr val="accent6">
+                <a:lumMod val="75000"/>
+              </a:schemeClr>
+            </a:solidFill>
+          </a:ln>
+        </p:spPr>
+        <p:style>
+          <a:lnRef idx="2">
+            <a:schemeClr val="accent1">
+              <a:shade val="50000"/>
+            </a:schemeClr>
+          </a:lnRef>
+          <a:fillRef idx="1">
+            <a:schemeClr val="accent1"/>
+          </a:fillRef>
+          <a:effectRef idx="0">
+            <a:schemeClr val="accent1"/>
+          </a:effectRef>
+          <a:fontRef idx="minor">
+            <a:schemeClr val="lt1"/>
+          </a:fontRef>
+        </p:style>
+        <p:txBody>
+          <a:bodyPr rtlCol="0" anchor="ctr"/>
+          <a:lstStyle/>
+          <a:p>
+            <a:pPr algn="ctr"/>
+            <a:endParaRPr lang="en-SG"/>
+          </a:p>
+        </p:txBody>
+      </p:sp>
+      <p:grpSp>
+        <p:nvGrpSpPr>
+          <p:cNvPr id="142" name="Group 141"/>
+          <p:cNvGrpSpPr/>
+          <p:nvPr/>
+        </p:nvGrpSpPr>
+        <p:grpSpPr>
+          <a:xfrm rot="3372795">
+            <a:off x="4286547" y="1569202"/>
+            <a:ext cx="254457" cy="220662"/>
+            <a:chOff x="4335990" y="1588795"/>
+            <a:chExt cx="254457" cy="220662"/>
+          </a:xfrm>
+        </p:grpSpPr>
+        <p:sp>
+          <p:nvSpPr>
+            <p:cNvPr id="143" name="Flowchart: Connector 142"/>
+            <p:cNvSpPr/>
+            <p:nvPr/>
+          </p:nvSpPr>
+          <p:spPr>
+            <a:xfrm flipH="1">
+              <a:off x="4369785" y="1588795"/>
+              <a:ext cx="220662" cy="220662"/>
+            </a:xfrm>
+            <a:prstGeom prst="flowChartConnector">
+              <a:avLst/>
+            </a:prstGeom>
+            <a:solidFill>
+              <a:schemeClr val="bg1"/>
+            </a:solidFill>
+            <a:ln>
+              <a:solidFill>
+                <a:schemeClr val="accent6">
+                  <a:lumMod val="75000"/>
+                </a:schemeClr>
+              </a:solidFill>
+            </a:ln>
+          </p:spPr>
+          <p:style>
+            <a:lnRef idx="2">
+              <a:schemeClr val="accent1">
+                <a:shade val="50000"/>
+              </a:schemeClr>
+            </a:lnRef>
+            <a:fillRef idx="1">
+              <a:schemeClr val="accent1"/>
+            </a:fillRef>
+            <a:effectRef idx="0">
+              <a:schemeClr val="accent1"/>
+            </a:effectRef>
+            <a:fontRef idx="minor">
+              <a:schemeClr val="lt1"/>
+            </a:fontRef>
+          </p:style>
+          <p:txBody>
+            <a:bodyPr rtlCol="0" anchor="ctr"/>
+            <a:lstStyle/>
+            <a:p>
+              <a:pPr algn="ctr"/>
+              <a:endParaRPr lang="en-SG"/>
+            </a:p>
+          </p:txBody>
+        </p:sp>
+        <p:sp>
+          <p:nvSpPr>
+            <p:cNvPr id="144" name="Freeform 143"/>
+            <p:cNvSpPr/>
+            <p:nvPr/>
+          </p:nvSpPr>
+          <p:spPr>
+            <a:xfrm flipH="1">
+              <a:off x="4335990" y="1748984"/>
+              <a:ext cx="50006" cy="19050"/>
+            </a:xfrm>
+            <a:custGeom>
+              <a:avLst/>
+              <a:gdLst>
+                <a:gd name="connsiteX0" fmla="*/ 0 w 50006"/>
+                <a:gd name="connsiteY0" fmla="*/ 0 h 19050"/>
+                <a:gd name="connsiteX1" fmla="*/ 0 w 50006"/>
+                <a:gd name="connsiteY1" fmla="*/ 0 h 19050"/>
+                <a:gd name="connsiteX2" fmla="*/ 21431 w 50006"/>
+                <a:gd name="connsiteY2" fmla="*/ 4762 h 19050"/>
+                <a:gd name="connsiteX3" fmla="*/ 28575 w 50006"/>
+                <a:gd name="connsiteY3" fmla="*/ 9525 h 19050"/>
+                <a:gd name="connsiteX4" fmla="*/ 38100 w 50006"/>
+                <a:gd name="connsiteY4" fmla="*/ 14287 h 19050"/>
+                <a:gd name="connsiteX5" fmla="*/ 50006 w 50006"/>
+                <a:gd name="connsiteY5" fmla="*/ 19050 h 19050"/>
+              </a:gdLst>
+              <a:ahLst/>
+              <a:cxnLst>
+                <a:cxn ang="0">
+                  <a:pos x="connsiteX0" y="connsiteY0"/>
+                </a:cxn>
+                <a:cxn ang="0">
+                  <a:pos x="connsiteX1" y="connsiteY1"/>
+                </a:cxn>
+                <a:cxn ang="0">
+                  <a:pos x="connsiteX2" y="connsiteY2"/>
+                </a:cxn>
+                <a:cxn ang="0">
+                  <a:pos x="connsiteX3" y="connsiteY3"/>
+                </a:cxn>
+                <a:cxn ang="0">
+                  <a:pos x="connsiteX4" y="connsiteY4"/>
+                </a:cxn>
+                <a:cxn ang="0">
+                  <a:pos x="connsiteX5" y="connsiteY5"/>
+                </a:cxn>
+              </a:cxnLst>
+              <a:rect l="l" t="t" r="r" b="b"/>
+              <a:pathLst>
+                <a:path w="50006" h="19050">
+                  <a:moveTo>
+                    <a:pt x="0" y="0"/>
+                  </a:moveTo>
+                  <a:lnTo>
+                    <a:pt x="0" y="0"/>
+                  </a:lnTo>
+                  <a:cubicBezTo>
+                    <a:pt x="7144" y="1587"/>
+                    <a:pt x="14489" y="2448"/>
+                    <a:pt x="21431" y="4762"/>
+                  </a:cubicBezTo>
+                  <a:cubicBezTo>
+                    <a:pt x="24146" y="5667"/>
+                    <a:pt x="26090" y="8105"/>
+                    <a:pt x="28575" y="9525"/>
+                  </a:cubicBezTo>
+                  <a:cubicBezTo>
+                    <a:pt x="31657" y="11286"/>
+                    <a:pt x="34837" y="12889"/>
+                    <a:pt x="38100" y="14287"/>
+                  </a:cubicBezTo>
+                  <a:cubicBezTo>
+                    <a:pt x="58672" y="23103"/>
+                    <a:pt x="34691" y="11391"/>
+                    <a:pt x="50006" y="19050"/>
+                  </a:cubicBezTo>
+                </a:path>
+              </a:pathLst>
+            </a:custGeom>
+            <a:solidFill>
+              <a:schemeClr val="bg1"/>
+            </a:solidFill>
+            <a:ln>
+              <a:solidFill>
+                <a:schemeClr val="accent6">
+                  <a:lumMod val="75000"/>
+                </a:schemeClr>
+              </a:solidFill>
+            </a:ln>
+          </p:spPr>
+          <p:style>
+            <a:lnRef idx="2">
+              <a:schemeClr val="accent1">
+                <a:shade val="50000"/>
+              </a:schemeClr>
+            </a:lnRef>
+            <a:fillRef idx="1">
+              <a:schemeClr val="accent1"/>
+            </a:fillRef>
+            <a:effectRef idx="0">
+              <a:schemeClr val="accent1"/>
+            </a:effectRef>
+            <a:fontRef idx="minor">
+              <a:schemeClr val="lt1"/>
+            </a:fontRef>
+          </p:style>
+          <p:txBody>
+            <a:bodyPr rtlCol="0" anchor="ctr"/>
+            <a:lstStyle/>
+            <a:p>
+              <a:pPr algn="ctr"/>
+              <a:endParaRPr lang="en-SG"/>
+            </a:p>
+          </p:txBody>
+        </p:sp>
+        <p:sp>
+          <p:nvSpPr>
+            <p:cNvPr id="145" name="Flowchart: Connector 144"/>
+            <p:cNvSpPr/>
+            <p:nvPr/>
+          </p:nvSpPr>
+          <p:spPr>
+            <a:xfrm>
+              <a:off x="4432016" y="1643413"/>
+              <a:ext cx="45719" cy="45719"/>
+            </a:xfrm>
+            <a:prstGeom prst="flowChartConnector">
+              <a:avLst/>
+            </a:prstGeom>
+            <a:solidFill>
+              <a:schemeClr val="bg1"/>
+            </a:solidFill>
+            <a:ln>
+              <a:solidFill>
+                <a:schemeClr val="accent6">
+                  <a:lumMod val="75000"/>
+                </a:schemeClr>
+              </a:solidFill>
+            </a:ln>
+          </p:spPr>
+          <p:style>
+            <a:lnRef idx="2">
+              <a:schemeClr val="accent1">
+                <a:shade val="50000"/>
+              </a:schemeClr>
+            </a:lnRef>
+            <a:fillRef idx="1">
+              <a:schemeClr val="accent1"/>
+            </a:fillRef>
+            <a:effectRef idx="0">
+              <a:schemeClr val="accent1"/>
+            </a:effectRef>
+            <a:fontRef idx="minor">
+              <a:schemeClr val="lt1"/>
+            </a:fontRef>
+          </p:style>
+          <p:txBody>
+            <a:bodyPr rtlCol="0" anchor="ctr"/>
+            <a:lstStyle/>
+            <a:p>
+              <a:pPr algn="ctr"/>
+              <a:endParaRPr lang="en-SG"/>
+            </a:p>
+          </p:txBody>
+        </p:sp>
+      </p:grpSp>
+      <p:sp>
+        <p:nvSpPr>
+          <p:cNvPr id="146" name="Flowchart: Delay 145"/>
+          <p:cNvSpPr/>
+          <p:nvPr/>
+        </p:nvSpPr>
+        <p:spPr>
+          <a:xfrm rot="5400000" flipH="1">
+            <a:off x="3732363" y="2349801"/>
             <a:ext cx="280353" cy="298983"/>
           </a:xfrm>
           <a:prstGeom prst="flowChartDelay">
@@ -5155,13 +5713,294 @@
       </p:sp>
       <p:grpSp>
         <p:nvGrpSpPr>
-          <p:cNvPr id="10" name="Group 9"/>
+          <p:cNvPr id="147" name="Group 146"/>
           <p:cNvGrpSpPr/>
           <p:nvPr/>
         </p:nvGrpSpPr>
         <p:grpSpPr>
-          <a:xfrm rot="20404603">
-            <a:off x="635383" y="1760534"/>
+          <a:xfrm rot="2886978">
+            <a:off x="3728414" y="2124653"/>
+            <a:ext cx="254457" cy="220662"/>
+            <a:chOff x="3791084" y="2070419"/>
+            <a:chExt cx="254457" cy="220662"/>
+          </a:xfrm>
+        </p:grpSpPr>
+        <p:sp>
+          <p:nvSpPr>
+            <p:cNvPr id="148" name="Flowchart: Connector 147"/>
+            <p:cNvSpPr/>
+            <p:nvPr/>
+          </p:nvSpPr>
+          <p:spPr>
+            <a:xfrm flipH="1">
+              <a:off x="3824879" y="2070419"/>
+              <a:ext cx="220662" cy="220662"/>
+            </a:xfrm>
+            <a:prstGeom prst="flowChartConnector">
+              <a:avLst/>
+            </a:prstGeom>
+            <a:solidFill>
+              <a:schemeClr val="bg1"/>
+            </a:solidFill>
+            <a:ln>
+              <a:solidFill>
+                <a:schemeClr val="bg1">
+                  <a:lumMod val="65000"/>
+                </a:schemeClr>
+              </a:solidFill>
+            </a:ln>
+          </p:spPr>
+          <p:style>
+            <a:lnRef idx="2">
+              <a:schemeClr val="accent1">
+                <a:shade val="50000"/>
+              </a:schemeClr>
+            </a:lnRef>
+            <a:fillRef idx="1">
+              <a:schemeClr val="accent1"/>
+            </a:fillRef>
+            <a:effectRef idx="0">
+              <a:schemeClr val="accent1"/>
+            </a:effectRef>
+            <a:fontRef idx="minor">
+              <a:schemeClr val="lt1"/>
+            </a:fontRef>
+          </p:style>
+          <p:txBody>
+            <a:bodyPr rtlCol="0" anchor="ctr"/>
+            <a:lstStyle/>
+            <a:p>
+              <a:pPr algn="ctr"/>
+              <a:endParaRPr lang="en-SG"/>
+            </a:p>
+          </p:txBody>
+        </p:sp>
+        <p:sp>
+          <p:nvSpPr>
+            <p:cNvPr id="149" name="Freeform 148"/>
+            <p:cNvSpPr/>
+            <p:nvPr/>
+          </p:nvSpPr>
+          <p:spPr>
+            <a:xfrm flipH="1">
+              <a:off x="3791084" y="2230608"/>
+              <a:ext cx="50006" cy="19050"/>
+            </a:xfrm>
+            <a:custGeom>
+              <a:avLst/>
+              <a:gdLst>
+                <a:gd name="connsiteX0" fmla="*/ 0 w 50006"/>
+                <a:gd name="connsiteY0" fmla="*/ 0 h 19050"/>
+                <a:gd name="connsiteX1" fmla="*/ 0 w 50006"/>
+                <a:gd name="connsiteY1" fmla="*/ 0 h 19050"/>
+                <a:gd name="connsiteX2" fmla="*/ 21431 w 50006"/>
+                <a:gd name="connsiteY2" fmla="*/ 4762 h 19050"/>
+                <a:gd name="connsiteX3" fmla="*/ 28575 w 50006"/>
+                <a:gd name="connsiteY3" fmla="*/ 9525 h 19050"/>
+                <a:gd name="connsiteX4" fmla="*/ 38100 w 50006"/>
+                <a:gd name="connsiteY4" fmla="*/ 14287 h 19050"/>
+                <a:gd name="connsiteX5" fmla="*/ 50006 w 50006"/>
+                <a:gd name="connsiteY5" fmla="*/ 19050 h 19050"/>
+              </a:gdLst>
+              <a:ahLst/>
+              <a:cxnLst>
+                <a:cxn ang="0">
+                  <a:pos x="connsiteX0" y="connsiteY0"/>
+                </a:cxn>
+                <a:cxn ang="0">
+                  <a:pos x="connsiteX1" y="connsiteY1"/>
+                </a:cxn>
+                <a:cxn ang="0">
+                  <a:pos x="connsiteX2" y="connsiteY2"/>
+                </a:cxn>
+                <a:cxn ang="0">
+                  <a:pos x="connsiteX3" y="connsiteY3"/>
+                </a:cxn>
+                <a:cxn ang="0">
+                  <a:pos x="connsiteX4" y="connsiteY4"/>
+                </a:cxn>
+                <a:cxn ang="0">
+                  <a:pos x="connsiteX5" y="connsiteY5"/>
+                </a:cxn>
+              </a:cxnLst>
+              <a:rect l="l" t="t" r="r" b="b"/>
+              <a:pathLst>
+                <a:path w="50006" h="19050">
+                  <a:moveTo>
+                    <a:pt x="0" y="0"/>
+                  </a:moveTo>
+                  <a:lnTo>
+                    <a:pt x="0" y="0"/>
+                  </a:lnTo>
+                  <a:cubicBezTo>
+                    <a:pt x="7144" y="1587"/>
+                    <a:pt x="14489" y="2448"/>
+                    <a:pt x="21431" y="4762"/>
+                  </a:cubicBezTo>
+                  <a:cubicBezTo>
+                    <a:pt x="24146" y="5667"/>
+                    <a:pt x="26090" y="8105"/>
+                    <a:pt x="28575" y="9525"/>
+                  </a:cubicBezTo>
+                  <a:cubicBezTo>
+                    <a:pt x="31657" y="11286"/>
+                    <a:pt x="34837" y="12889"/>
+                    <a:pt x="38100" y="14287"/>
+                  </a:cubicBezTo>
+                  <a:cubicBezTo>
+                    <a:pt x="58672" y="23103"/>
+                    <a:pt x="34691" y="11391"/>
+                    <a:pt x="50006" y="19050"/>
+                  </a:cubicBezTo>
+                </a:path>
+              </a:pathLst>
+            </a:custGeom>
+            <a:solidFill>
+              <a:schemeClr val="bg1"/>
+            </a:solidFill>
+            <a:ln>
+              <a:solidFill>
+                <a:schemeClr val="bg1">
+                  <a:lumMod val="65000"/>
+                </a:schemeClr>
+              </a:solidFill>
+            </a:ln>
+          </p:spPr>
+          <p:style>
+            <a:lnRef idx="2">
+              <a:schemeClr val="accent1">
+                <a:shade val="50000"/>
+              </a:schemeClr>
+            </a:lnRef>
+            <a:fillRef idx="1">
+              <a:schemeClr val="accent1"/>
+            </a:fillRef>
+            <a:effectRef idx="0">
+              <a:schemeClr val="accent1"/>
+            </a:effectRef>
+            <a:fontRef idx="minor">
+              <a:schemeClr val="lt1"/>
+            </a:fontRef>
+          </p:style>
+          <p:txBody>
+            <a:bodyPr rtlCol="0" anchor="ctr"/>
+            <a:lstStyle/>
+            <a:p>
+              <a:pPr algn="ctr"/>
+              <a:endParaRPr lang="en-SG"/>
+            </a:p>
+          </p:txBody>
+        </p:sp>
+        <p:sp>
+          <p:nvSpPr>
+            <p:cNvPr id="150" name="Flowchart: Connector 149"/>
+            <p:cNvSpPr/>
+            <p:nvPr/>
+          </p:nvSpPr>
+          <p:spPr>
+            <a:xfrm>
+              <a:off x="3870969" y="2125914"/>
+              <a:ext cx="45719" cy="45719"/>
+            </a:xfrm>
+            <a:prstGeom prst="flowChartConnector">
+              <a:avLst/>
+            </a:prstGeom>
+            <a:solidFill>
+              <a:schemeClr val="bg1"/>
+            </a:solidFill>
+            <a:ln>
+              <a:solidFill>
+                <a:schemeClr val="bg1">
+                  <a:lumMod val="65000"/>
+                </a:schemeClr>
+              </a:solidFill>
+            </a:ln>
+          </p:spPr>
+          <p:style>
+            <a:lnRef idx="2">
+              <a:schemeClr val="accent1">
+                <a:shade val="50000"/>
+              </a:schemeClr>
+            </a:lnRef>
+            <a:fillRef idx="1">
+              <a:schemeClr val="accent1"/>
+            </a:fillRef>
+            <a:effectRef idx="0">
+              <a:schemeClr val="accent1"/>
+            </a:effectRef>
+            <a:fontRef idx="minor">
+              <a:schemeClr val="lt1"/>
+            </a:fontRef>
+          </p:style>
+          <p:txBody>
+            <a:bodyPr rtlCol="0" anchor="ctr"/>
+            <a:lstStyle/>
+            <a:p>
+              <a:pPr algn="ctr"/>
+              <a:endParaRPr lang="en-SG"/>
+            </a:p>
+          </p:txBody>
+        </p:sp>
+      </p:grpSp>
+      <p:sp>
+        <p:nvSpPr>
+          <p:cNvPr id="151" name="Flowchart: Delay 150"/>
+          <p:cNvSpPr/>
+          <p:nvPr/>
+        </p:nvSpPr>
+        <p:spPr>
+          <a:xfrm rot="16200000">
+            <a:off x="3193840" y="1987294"/>
+            <a:ext cx="280353" cy="298983"/>
+          </a:xfrm>
+          <a:prstGeom prst="flowChartDelay">
+            <a:avLst/>
+          </a:prstGeom>
+          <a:solidFill>
+            <a:schemeClr val="bg1"/>
+          </a:solidFill>
+          <a:ln>
+            <a:solidFill>
+              <a:schemeClr val="bg1">
+                <a:lumMod val="65000"/>
+              </a:schemeClr>
+            </a:solidFill>
+          </a:ln>
+        </p:spPr>
+        <p:style>
+          <a:lnRef idx="2">
+            <a:schemeClr val="accent1">
+              <a:shade val="50000"/>
+            </a:schemeClr>
+          </a:lnRef>
+          <a:fillRef idx="1">
+            <a:schemeClr val="accent1"/>
+          </a:fillRef>
+          <a:effectRef idx="0">
+            <a:schemeClr val="accent1"/>
+          </a:effectRef>
+          <a:fontRef idx="minor">
+            <a:schemeClr val="lt1"/>
+          </a:fontRef>
+        </p:style>
+        <p:txBody>
+          <a:bodyPr rtlCol="0" anchor="ctr"/>
+          <a:lstStyle/>
+          <a:p>
+            <a:pPr algn="ctr"/>
+            <a:endParaRPr lang="en-SG"/>
+          </a:p>
+        </p:txBody>
+      </p:sp>
+      <p:grpSp>
+        <p:nvGrpSpPr>
+          <p:cNvPr id="152" name="Group 151"/>
+          <p:cNvGrpSpPr/>
+          <p:nvPr/>
+        </p:nvGrpSpPr>
+        <p:grpSpPr>
+          <a:xfrm rot="1483511">
+            <a:off x="3226182" y="1770986"/>
             <a:ext cx="267922" cy="220662"/>
             <a:chOff x="786805" y="1760534"/>
             <a:chExt cx="267922" cy="220662"/>
@@ -5169,7 +6008,7 @@
         </p:grpSpPr>
         <p:sp>
           <p:nvSpPr>
-            <p:cNvPr id="58" name="Flowchart: Connector 57"/>
+            <p:cNvPr id="153" name="Flowchart: Connector 152"/>
             <p:cNvSpPr/>
             <p:nvPr/>
           </p:nvSpPr>
@@ -5219,7 +6058,7 @@
         </p:sp>
         <p:sp>
           <p:nvSpPr>
-            <p:cNvPr id="60" name="Freeform 59"/>
+            <p:cNvPr id="154" name="Freeform 153"/>
             <p:cNvSpPr/>
             <p:nvPr/>
           </p:nvSpPr>
@@ -5335,850 +6174,7 @@
         </p:sp>
         <p:sp>
           <p:nvSpPr>
-            <p:cNvPr id="61" name="Flowchart: Connector 60"/>
-            <p:cNvSpPr/>
-            <p:nvPr/>
-          </p:nvSpPr>
-          <p:spPr>
-            <a:xfrm rot="19707452" flipH="1">
-              <a:off x="896667" y="1807272"/>
-              <a:ext cx="45719" cy="45719"/>
-            </a:xfrm>
-            <a:prstGeom prst="flowChartConnector">
-              <a:avLst/>
-            </a:prstGeom>
-            <a:solidFill>
-              <a:schemeClr val="bg1"/>
-            </a:solidFill>
-            <a:ln>
-              <a:solidFill>
-                <a:schemeClr val="bg1">
-                  <a:lumMod val="65000"/>
-                </a:schemeClr>
-              </a:solidFill>
-            </a:ln>
-          </p:spPr>
-          <p:style>
-            <a:lnRef idx="2">
-              <a:schemeClr val="accent1">
-                <a:shade val="50000"/>
-              </a:schemeClr>
-            </a:lnRef>
-            <a:fillRef idx="1">
-              <a:schemeClr val="accent1"/>
-            </a:fillRef>
-            <a:effectRef idx="0">
-              <a:schemeClr val="accent1"/>
-            </a:effectRef>
-            <a:fontRef idx="minor">
-              <a:schemeClr val="lt1"/>
-            </a:fontRef>
-          </p:style>
-          <p:txBody>
-            <a:bodyPr rtlCol="0" anchor="ctr"/>
-            <a:lstStyle/>
-            <a:p>
-              <a:pPr algn="ctr"/>
-              <a:endParaRPr lang="en-SG"/>
-            </a:p>
-          </p:txBody>
-        </p:sp>
-      </p:grpSp>
-      <p:sp>
-        <p:nvSpPr>
-          <p:cNvPr id="67" name="Flowchart: Delay 66"/>
-          <p:cNvSpPr/>
-          <p:nvPr/>
-        </p:nvSpPr>
-        <p:spPr>
-          <a:xfrm rot="5400000" flipH="1">
-            <a:off x="4290496" y="1819658"/>
-            <a:ext cx="280353" cy="298983"/>
-          </a:xfrm>
-          <a:prstGeom prst="flowChartDelay">
-            <a:avLst/>
-          </a:prstGeom>
-          <a:solidFill>
-            <a:schemeClr val="bg1"/>
-          </a:solidFill>
-          <a:ln>
-            <a:solidFill>
-              <a:schemeClr val="accent6">
-                <a:lumMod val="75000"/>
-              </a:schemeClr>
-            </a:solidFill>
-          </a:ln>
-        </p:spPr>
-        <p:style>
-          <a:lnRef idx="2">
-            <a:schemeClr val="accent1">
-              <a:shade val="50000"/>
-            </a:schemeClr>
-          </a:lnRef>
-          <a:fillRef idx="1">
-            <a:schemeClr val="accent1"/>
-          </a:fillRef>
-          <a:effectRef idx="0">
-            <a:schemeClr val="accent1"/>
-          </a:effectRef>
-          <a:fontRef idx="minor">
-            <a:schemeClr val="lt1"/>
-          </a:fontRef>
-        </p:style>
-        <p:txBody>
-          <a:bodyPr rtlCol="0" anchor="ctr"/>
-          <a:lstStyle/>
-          <a:p>
-            <a:pPr algn="ctr"/>
-            <a:endParaRPr lang="en-SG"/>
-          </a:p>
-        </p:txBody>
-      </p:sp>
-      <p:grpSp>
-        <p:nvGrpSpPr>
-          <p:cNvPr id="12" name="Group 11"/>
-          <p:cNvGrpSpPr/>
-          <p:nvPr/>
-        </p:nvGrpSpPr>
-        <p:grpSpPr>
-          <a:xfrm rot="3372795">
-            <a:off x="4286547" y="1588795"/>
-            <a:ext cx="254457" cy="220662"/>
-            <a:chOff x="4335990" y="1588795"/>
-            <a:chExt cx="254457" cy="220662"/>
-          </a:xfrm>
-        </p:grpSpPr>
-        <p:sp>
-          <p:nvSpPr>
-            <p:cNvPr id="66" name="Flowchart: Connector 65"/>
-            <p:cNvSpPr/>
-            <p:nvPr/>
-          </p:nvSpPr>
-          <p:spPr>
-            <a:xfrm flipH="1">
-              <a:off x="4369785" y="1588795"/>
-              <a:ext cx="220662" cy="220662"/>
-            </a:xfrm>
-            <a:prstGeom prst="flowChartConnector">
-              <a:avLst/>
-            </a:prstGeom>
-            <a:solidFill>
-              <a:schemeClr val="bg1"/>
-            </a:solidFill>
-            <a:ln>
-              <a:solidFill>
-                <a:schemeClr val="accent6">
-                  <a:lumMod val="75000"/>
-                </a:schemeClr>
-              </a:solidFill>
-            </a:ln>
-          </p:spPr>
-          <p:style>
-            <a:lnRef idx="2">
-              <a:schemeClr val="accent1">
-                <a:shade val="50000"/>
-              </a:schemeClr>
-            </a:lnRef>
-            <a:fillRef idx="1">
-              <a:schemeClr val="accent1"/>
-            </a:fillRef>
-            <a:effectRef idx="0">
-              <a:schemeClr val="accent1"/>
-            </a:effectRef>
-            <a:fontRef idx="minor">
-              <a:schemeClr val="lt1"/>
-            </a:fontRef>
-          </p:style>
-          <p:txBody>
-            <a:bodyPr rtlCol="0" anchor="ctr"/>
-            <a:lstStyle/>
-            <a:p>
-              <a:pPr algn="ctr"/>
-              <a:endParaRPr lang="en-SG"/>
-            </a:p>
-          </p:txBody>
-        </p:sp>
-        <p:sp>
-          <p:nvSpPr>
-            <p:cNvPr id="68" name="Freeform 67"/>
-            <p:cNvSpPr/>
-            <p:nvPr/>
-          </p:nvSpPr>
-          <p:spPr>
-            <a:xfrm flipH="1">
-              <a:off x="4335990" y="1748984"/>
-              <a:ext cx="50006" cy="19050"/>
-            </a:xfrm>
-            <a:custGeom>
-              <a:avLst/>
-              <a:gdLst>
-                <a:gd name="connsiteX0" fmla="*/ 0 w 50006"/>
-                <a:gd name="connsiteY0" fmla="*/ 0 h 19050"/>
-                <a:gd name="connsiteX1" fmla="*/ 0 w 50006"/>
-                <a:gd name="connsiteY1" fmla="*/ 0 h 19050"/>
-                <a:gd name="connsiteX2" fmla="*/ 21431 w 50006"/>
-                <a:gd name="connsiteY2" fmla="*/ 4762 h 19050"/>
-                <a:gd name="connsiteX3" fmla="*/ 28575 w 50006"/>
-                <a:gd name="connsiteY3" fmla="*/ 9525 h 19050"/>
-                <a:gd name="connsiteX4" fmla="*/ 38100 w 50006"/>
-                <a:gd name="connsiteY4" fmla="*/ 14287 h 19050"/>
-                <a:gd name="connsiteX5" fmla="*/ 50006 w 50006"/>
-                <a:gd name="connsiteY5" fmla="*/ 19050 h 19050"/>
-              </a:gdLst>
-              <a:ahLst/>
-              <a:cxnLst>
-                <a:cxn ang="0">
-                  <a:pos x="connsiteX0" y="connsiteY0"/>
-                </a:cxn>
-                <a:cxn ang="0">
-                  <a:pos x="connsiteX1" y="connsiteY1"/>
-                </a:cxn>
-                <a:cxn ang="0">
-                  <a:pos x="connsiteX2" y="connsiteY2"/>
-                </a:cxn>
-                <a:cxn ang="0">
-                  <a:pos x="connsiteX3" y="connsiteY3"/>
-                </a:cxn>
-                <a:cxn ang="0">
-                  <a:pos x="connsiteX4" y="connsiteY4"/>
-                </a:cxn>
-                <a:cxn ang="0">
-                  <a:pos x="connsiteX5" y="connsiteY5"/>
-                </a:cxn>
-              </a:cxnLst>
-              <a:rect l="l" t="t" r="r" b="b"/>
-              <a:pathLst>
-                <a:path w="50006" h="19050">
-                  <a:moveTo>
-                    <a:pt x="0" y="0"/>
-                  </a:moveTo>
-                  <a:lnTo>
-                    <a:pt x="0" y="0"/>
-                  </a:lnTo>
-                  <a:cubicBezTo>
-                    <a:pt x="7144" y="1587"/>
-                    <a:pt x="14489" y="2448"/>
-                    <a:pt x="21431" y="4762"/>
-                  </a:cubicBezTo>
-                  <a:cubicBezTo>
-                    <a:pt x="24146" y="5667"/>
-                    <a:pt x="26090" y="8105"/>
-                    <a:pt x="28575" y="9525"/>
-                  </a:cubicBezTo>
-                  <a:cubicBezTo>
-                    <a:pt x="31657" y="11286"/>
-                    <a:pt x="34837" y="12889"/>
-                    <a:pt x="38100" y="14287"/>
-                  </a:cubicBezTo>
-                  <a:cubicBezTo>
-                    <a:pt x="58672" y="23103"/>
-                    <a:pt x="34691" y="11391"/>
-                    <a:pt x="50006" y="19050"/>
-                  </a:cubicBezTo>
-                </a:path>
-              </a:pathLst>
-            </a:custGeom>
-            <a:solidFill>
-              <a:schemeClr val="bg1"/>
-            </a:solidFill>
-            <a:ln>
-              <a:solidFill>
-                <a:schemeClr val="accent6">
-                  <a:lumMod val="75000"/>
-                </a:schemeClr>
-              </a:solidFill>
-            </a:ln>
-          </p:spPr>
-          <p:style>
-            <a:lnRef idx="2">
-              <a:schemeClr val="accent1">
-                <a:shade val="50000"/>
-              </a:schemeClr>
-            </a:lnRef>
-            <a:fillRef idx="1">
-              <a:schemeClr val="accent1"/>
-            </a:fillRef>
-            <a:effectRef idx="0">
-              <a:schemeClr val="accent1"/>
-            </a:effectRef>
-            <a:fontRef idx="minor">
-              <a:schemeClr val="lt1"/>
-            </a:fontRef>
-          </p:style>
-          <p:txBody>
-            <a:bodyPr rtlCol="0" anchor="ctr"/>
-            <a:lstStyle/>
-            <a:p>
-              <a:pPr algn="ctr"/>
-              <a:endParaRPr lang="en-SG"/>
-            </a:p>
-          </p:txBody>
-        </p:sp>
-        <p:sp>
-          <p:nvSpPr>
-            <p:cNvPr id="69" name="Flowchart: Connector 68"/>
-            <p:cNvSpPr/>
-            <p:nvPr/>
-          </p:nvSpPr>
-          <p:spPr>
-            <a:xfrm>
-              <a:off x="4432016" y="1643413"/>
-              <a:ext cx="45719" cy="45719"/>
-            </a:xfrm>
-            <a:prstGeom prst="flowChartConnector">
-              <a:avLst/>
-            </a:prstGeom>
-            <a:solidFill>
-              <a:schemeClr val="bg1"/>
-            </a:solidFill>
-            <a:ln>
-              <a:solidFill>
-                <a:schemeClr val="accent6">
-                  <a:lumMod val="75000"/>
-                </a:schemeClr>
-              </a:solidFill>
-            </a:ln>
-          </p:spPr>
-          <p:style>
-            <a:lnRef idx="2">
-              <a:schemeClr val="accent1">
-                <a:shade val="50000"/>
-              </a:schemeClr>
-            </a:lnRef>
-            <a:fillRef idx="1">
-              <a:schemeClr val="accent1"/>
-            </a:fillRef>
-            <a:effectRef idx="0">
-              <a:schemeClr val="accent1"/>
-            </a:effectRef>
-            <a:fontRef idx="minor">
-              <a:schemeClr val="lt1"/>
-            </a:fontRef>
-          </p:style>
-          <p:txBody>
-            <a:bodyPr rtlCol="0" anchor="ctr"/>
-            <a:lstStyle/>
-            <a:p>
-              <a:pPr algn="ctr"/>
-              <a:endParaRPr lang="en-SG"/>
-            </a:p>
-          </p:txBody>
-        </p:sp>
-      </p:grpSp>
-      <p:sp>
-        <p:nvSpPr>
-          <p:cNvPr id="72" name="Flowchart: Delay 71"/>
-          <p:cNvSpPr/>
-          <p:nvPr/>
-        </p:nvSpPr>
-        <p:spPr>
-          <a:xfrm rot="5400000" flipH="1">
-            <a:off x="3732363" y="2369394"/>
-            <a:ext cx="280353" cy="298983"/>
-          </a:xfrm>
-          <a:prstGeom prst="flowChartDelay">
-            <a:avLst/>
-          </a:prstGeom>
-          <a:solidFill>
-            <a:schemeClr val="bg1"/>
-          </a:solidFill>
-          <a:ln>
-            <a:solidFill>
-              <a:schemeClr val="bg1">
-                <a:lumMod val="65000"/>
-              </a:schemeClr>
-            </a:solidFill>
-          </a:ln>
-        </p:spPr>
-        <p:style>
-          <a:lnRef idx="2">
-            <a:schemeClr val="accent1">
-              <a:shade val="50000"/>
-            </a:schemeClr>
-          </a:lnRef>
-          <a:fillRef idx="1">
-            <a:schemeClr val="accent1"/>
-          </a:fillRef>
-          <a:effectRef idx="0">
-            <a:schemeClr val="accent1"/>
-          </a:effectRef>
-          <a:fontRef idx="minor">
-            <a:schemeClr val="lt1"/>
-          </a:fontRef>
-        </p:style>
-        <p:txBody>
-          <a:bodyPr rtlCol="0" anchor="ctr"/>
-          <a:lstStyle/>
-          <a:p>
-            <a:pPr algn="ctr"/>
-            <a:endParaRPr lang="en-SG"/>
-          </a:p>
-        </p:txBody>
-      </p:sp>
-      <p:grpSp>
-        <p:nvGrpSpPr>
-          <p:cNvPr id="13" name="Group 12"/>
-          <p:cNvGrpSpPr/>
-          <p:nvPr/>
-        </p:nvGrpSpPr>
-        <p:grpSpPr>
-          <a:xfrm rot="2886978">
-            <a:off x="3728414" y="2144246"/>
-            <a:ext cx="254457" cy="220662"/>
-            <a:chOff x="3791084" y="2070419"/>
-            <a:chExt cx="254457" cy="220662"/>
-          </a:xfrm>
-        </p:grpSpPr>
-        <p:sp>
-          <p:nvSpPr>
-            <p:cNvPr id="71" name="Flowchart: Connector 70"/>
-            <p:cNvSpPr/>
-            <p:nvPr/>
-          </p:nvSpPr>
-          <p:spPr>
-            <a:xfrm flipH="1">
-              <a:off x="3824879" y="2070419"/>
-              <a:ext cx="220662" cy="220662"/>
-            </a:xfrm>
-            <a:prstGeom prst="flowChartConnector">
-              <a:avLst/>
-            </a:prstGeom>
-            <a:solidFill>
-              <a:schemeClr val="bg1"/>
-            </a:solidFill>
-            <a:ln>
-              <a:solidFill>
-                <a:schemeClr val="bg1">
-                  <a:lumMod val="65000"/>
-                </a:schemeClr>
-              </a:solidFill>
-            </a:ln>
-          </p:spPr>
-          <p:style>
-            <a:lnRef idx="2">
-              <a:schemeClr val="accent1">
-                <a:shade val="50000"/>
-              </a:schemeClr>
-            </a:lnRef>
-            <a:fillRef idx="1">
-              <a:schemeClr val="accent1"/>
-            </a:fillRef>
-            <a:effectRef idx="0">
-              <a:schemeClr val="accent1"/>
-            </a:effectRef>
-            <a:fontRef idx="minor">
-              <a:schemeClr val="lt1"/>
-            </a:fontRef>
-          </p:style>
-          <p:txBody>
-            <a:bodyPr rtlCol="0" anchor="ctr"/>
-            <a:lstStyle/>
-            <a:p>
-              <a:pPr algn="ctr"/>
-              <a:endParaRPr lang="en-SG"/>
-            </a:p>
-          </p:txBody>
-        </p:sp>
-        <p:sp>
-          <p:nvSpPr>
-            <p:cNvPr id="73" name="Freeform 72"/>
-            <p:cNvSpPr/>
-            <p:nvPr/>
-          </p:nvSpPr>
-          <p:spPr>
-            <a:xfrm flipH="1">
-              <a:off x="3791084" y="2230608"/>
-              <a:ext cx="50006" cy="19050"/>
-            </a:xfrm>
-            <a:custGeom>
-              <a:avLst/>
-              <a:gdLst>
-                <a:gd name="connsiteX0" fmla="*/ 0 w 50006"/>
-                <a:gd name="connsiteY0" fmla="*/ 0 h 19050"/>
-                <a:gd name="connsiteX1" fmla="*/ 0 w 50006"/>
-                <a:gd name="connsiteY1" fmla="*/ 0 h 19050"/>
-                <a:gd name="connsiteX2" fmla="*/ 21431 w 50006"/>
-                <a:gd name="connsiteY2" fmla="*/ 4762 h 19050"/>
-                <a:gd name="connsiteX3" fmla="*/ 28575 w 50006"/>
-                <a:gd name="connsiteY3" fmla="*/ 9525 h 19050"/>
-                <a:gd name="connsiteX4" fmla="*/ 38100 w 50006"/>
-                <a:gd name="connsiteY4" fmla="*/ 14287 h 19050"/>
-                <a:gd name="connsiteX5" fmla="*/ 50006 w 50006"/>
-                <a:gd name="connsiteY5" fmla="*/ 19050 h 19050"/>
-              </a:gdLst>
-              <a:ahLst/>
-              <a:cxnLst>
-                <a:cxn ang="0">
-                  <a:pos x="connsiteX0" y="connsiteY0"/>
-                </a:cxn>
-                <a:cxn ang="0">
-                  <a:pos x="connsiteX1" y="connsiteY1"/>
-                </a:cxn>
-                <a:cxn ang="0">
-                  <a:pos x="connsiteX2" y="connsiteY2"/>
-                </a:cxn>
-                <a:cxn ang="0">
-                  <a:pos x="connsiteX3" y="connsiteY3"/>
-                </a:cxn>
-                <a:cxn ang="0">
-                  <a:pos x="connsiteX4" y="connsiteY4"/>
-                </a:cxn>
-                <a:cxn ang="0">
-                  <a:pos x="connsiteX5" y="connsiteY5"/>
-                </a:cxn>
-              </a:cxnLst>
-              <a:rect l="l" t="t" r="r" b="b"/>
-              <a:pathLst>
-                <a:path w="50006" h="19050">
-                  <a:moveTo>
-                    <a:pt x="0" y="0"/>
-                  </a:moveTo>
-                  <a:lnTo>
-                    <a:pt x="0" y="0"/>
-                  </a:lnTo>
-                  <a:cubicBezTo>
-                    <a:pt x="7144" y="1587"/>
-                    <a:pt x="14489" y="2448"/>
-                    <a:pt x="21431" y="4762"/>
-                  </a:cubicBezTo>
-                  <a:cubicBezTo>
-                    <a:pt x="24146" y="5667"/>
-                    <a:pt x="26090" y="8105"/>
-                    <a:pt x="28575" y="9525"/>
-                  </a:cubicBezTo>
-                  <a:cubicBezTo>
-                    <a:pt x="31657" y="11286"/>
-                    <a:pt x="34837" y="12889"/>
-                    <a:pt x="38100" y="14287"/>
-                  </a:cubicBezTo>
-                  <a:cubicBezTo>
-                    <a:pt x="58672" y="23103"/>
-                    <a:pt x="34691" y="11391"/>
-                    <a:pt x="50006" y="19050"/>
-                  </a:cubicBezTo>
-                </a:path>
-              </a:pathLst>
-            </a:custGeom>
-            <a:solidFill>
-              <a:schemeClr val="bg1"/>
-            </a:solidFill>
-            <a:ln>
-              <a:solidFill>
-                <a:schemeClr val="bg1">
-                  <a:lumMod val="65000"/>
-                </a:schemeClr>
-              </a:solidFill>
-            </a:ln>
-          </p:spPr>
-          <p:style>
-            <a:lnRef idx="2">
-              <a:schemeClr val="accent1">
-                <a:shade val="50000"/>
-              </a:schemeClr>
-            </a:lnRef>
-            <a:fillRef idx="1">
-              <a:schemeClr val="accent1"/>
-            </a:fillRef>
-            <a:effectRef idx="0">
-              <a:schemeClr val="accent1"/>
-            </a:effectRef>
-            <a:fontRef idx="minor">
-              <a:schemeClr val="lt1"/>
-            </a:fontRef>
-          </p:style>
-          <p:txBody>
-            <a:bodyPr rtlCol="0" anchor="ctr"/>
-            <a:lstStyle/>
-            <a:p>
-              <a:pPr algn="ctr"/>
-              <a:endParaRPr lang="en-SG"/>
-            </a:p>
-          </p:txBody>
-        </p:sp>
-        <p:sp>
-          <p:nvSpPr>
-            <p:cNvPr id="74" name="Flowchart: Connector 73"/>
-            <p:cNvSpPr/>
-            <p:nvPr/>
-          </p:nvSpPr>
-          <p:spPr>
-            <a:xfrm>
-              <a:off x="3870969" y="2125914"/>
-              <a:ext cx="45719" cy="45719"/>
-            </a:xfrm>
-            <a:prstGeom prst="flowChartConnector">
-              <a:avLst/>
-            </a:prstGeom>
-            <a:solidFill>
-              <a:schemeClr val="bg1"/>
-            </a:solidFill>
-            <a:ln>
-              <a:solidFill>
-                <a:schemeClr val="bg1">
-                  <a:lumMod val="65000"/>
-                </a:schemeClr>
-              </a:solidFill>
-            </a:ln>
-          </p:spPr>
-          <p:style>
-            <a:lnRef idx="2">
-              <a:schemeClr val="accent1">
-                <a:shade val="50000"/>
-              </a:schemeClr>
-            </a:lnRef>
-            <a:fillRef idx="1">
-              <a:schemeClr val="accent1"/>
-            </a:fillRef>
-            <a:effectRef idx="0">
-              <a:schemeClr val="accent1"/>
-            </a:effectRef>
-            <a:fontRef idx="minor">
-              <a:schemeClr val="lt1"/>
-            </a:fontRef>
-          </p:style>
-          <p:txBody>
-            <a:bodyPr rtlCol="0" anchor="ctr"/>
-            <a:lstStyle/>
-            <a:p>
-              <a:pPr algn="ctr"/>
-              <a:endParaRPr lang="en-SG"/>
-            </a:p>
-          </p:txBody>
-        </p:sp>
-      </p:grpSp>
-      <p:sp>
-        <p:nvSpPr>
-          <p:cNvPr id="76" name="Flowchart: Delay 75"/>
-          <p:cNvSpPr/>
-          <p:nvPr/>
-        </p:nvSpPr>
-        <p:spPr>
-          <a:xfrm rot="16200000">
-            <a:off x="3193840" y="2006887"/>
-            <a:ext cx="280353" cy="298983"/>
-          </a:xfrm>
-          <a:prstGeom prst="flowChartDelay">
-            <a:avLst/>
-          </a:prstGeom>
-          <a:solidFill>
-            <a:schemeClr val="bg1"/>
-          </a:solidFill>
-          <a:ln>
-            <a:solidFill>
-              <a:schemeClr val="bg1">
-                <a:lumMod val="65000"/>
-              </a:schemeClr>
-            </a:solidFill>
-          </a:ln>
-        </p:spPr>
-        <p:style>
-          <a:lnRef idx="2">
-            <a:schemeClr val="accent1">
-              <a:shade val="50000"/>
-            </a:schemeClr>
-          </a:lnRef>
-          <a:fillRef idx="1">
-            <a:schemeClr val="accent1"/>
-          </a:fillRef>
-          <a:effectRef idx="0">
-            <a:schemeClr val="accent1"/>
-          </a:effectRef>
-          <a:fontRef idx="minor">
-            <a:schemeClr val="lt1"/>
-          </a:fontRef>
-        </p:style>
-        <p:txBody>
-          <a:bodyPr rtlCol="0" anchor="ctr"/>
-          <a:lstStyle/>
-          <a:p>
-            <a:pPr algn="ctr"/>
-            <a:endParaRPr lang="en-SG"/>
-          </a:p>
-        </p:txBody>
-      </p:sp>
-      <p:grpSp>
-        <p:nvGrpSpPr>
-          <p:cNvPr id="77" name="Group 76"/>
-          <p:cNvGrpSpPr/>
-          <p:nvPr/>
-        </p:nvGrpSpPr>
-        <p:grpSpPr>
-          <a:xfrm rot="1483511">
-            <a:off x="3226182" y="1790579"/>
-            <a:ext cx="267922" cy="220662"/>
-            <a:chOff x="786805" y="1760534"/>
-            <a:chExt cx="267922" cy="220662"/>
-          </a:xfrm>
-        </p:grpSpPr>
-        <p:sp>
-          <p:nvSpPr>
-            <p:cNvPr id="78" name="Flowchart: Connector 77"/>
-            <p:cNvSpPr/>
-            <p:nvPr/>
-          </p:nvSpPr>
-          <p:spPr>
-            <a:xfrm rot="19707452">
-              <a:off x="786805" y="1760534"/>
-              <a:ext cx="220662" cy="220662"/>
-            </a:xfrm>
-            <a:prstGeom prst="flowChartConnector">
-              <a:avLst/>
-            </a:prstGeom>
-            <a:solidFill>
-              <a:schemeClr val="bg1"/>
-            </a:solidFill>
-            <a:ln>
-              <a:solidFill>
-                <a:schemeClr val="bg1">
-                  <a:lumMod val="65000"/>
-                </a:schemeClr>
-              </a:solidFill>
-            </a:ln>
-          </p:spPr>
-          <p:style>
-            <a:lnRef idx="2">
-              <a:schemeClr val="accent1">
-                <a:shade val="50000"/>
-              </a:schemeClr>
-            </a:lnRef>
-            <a:fillRef idx="1">
-              <a:schemeClr val="accent1"/>
-            </a:fillRef>
-            <a:effectRef idx="0">
-              <a:schemeClr val="accent1"/>
-            </a:effectRef>
-            <a:fontRef idx="minor">
-              <a:schemeClr val="lt1"/>
-            </a:fontRef>
-          </p:style>
-          <p:txBody>
-            <a:bodyPr rtlCol="0" anchor="ctr"/>
-            <a:lstStyle/>
-            <a:p>
-              <a:pPr algn="ctr"/>
-              <a:endParaRPr lang="en-SG"/>
-            </a:p>
-          </p:txBody>
-        </p:sp>
-        <p:sp>
-          <p:nvSpPr>
-            <p:cNvPr id="79" name="Freeform 78"/>
-            <p:cNvSpPr/>
-            <p:nvPr/>
-          </p:nvSpPr>
-          <p:spPr>
-            <a:xfrm rot="19707452">
-              <a:off x="1004721" y="1849632"/>
-              <a:ext cx="50006" cy="19050"/>
-            </a:xfrm>
-            <a:custGeom>
-              <a:avLst/>
-              <a:gdLst>
-                <a:gd name="connsiteX0" fmla="*/ 0 w 50006"/>
-                <a:gd name="connsiteY0" fmla="*/ 0 h 19050"/>
-                <a:gd name="connsiteX1" fmla="*/ 0 w 50006"/>
-                <a:gd name="connsiteY1" fmla="*/ 0 h 19050"/>
-                <a:gd name="connsiteX2" fmla="*/ 21431 w 50006"/>
-                <a:gd name="connsiteY2" fmla="*/ 4762 h 19050"/>
-                <a:gd name="connsiteX3" fmla="*/ 28575 w 50006"/>
-                <a:gd name="connsiteY3" fmla="*/ 9525 h 19050"/>
-                <a:gd name="connsiteX4" fmla="*/ 38100 w 50006"/>
-                <a:gd name="connsiteY4" fmla="*/ 14287 h 19050"/>
-                <a:gd name="connsiteX5" fmla="*/ 50006 w 50006"/>
-                <a:gd name="connsiteY5" fmla="*/ 19050 h 19050"/>
-              </a:gdLst>
-              <a:ahLst/>
-              <a:cxnLst>
-                <a:cxn ang="0">
-                  <a:pos x="connsiteX0" y="connsiteY0"/>
-                </a:cxn>
-                <a:cxn ang="0">
-                  <a:pos x="connsiteX1" y="connsiteY1"/>
-                </a:cxn>
-                <a:cxn ang="0">
-                  <a:pos x="connsiteX2" y="connsiteY2"/>
-                </a:cxn>
-                <a:cxn ang="0">
-                  <a:pos x="connsiteX3" y="connsiteY3"/>
-                </a:cxn>
-                <a:cxn ang="0">
-                  <a:pos x="connsiteX4" y="connsiteY4"/>
-                </a:cxn>
-                <a:cxn ang="0">
-                  <a:pos x="connsiteX5" y="connsiteY5"/>
-                </a:cxn>
-              </a:cxnLst>
-              <a:rect l="l" t="t" r="r" b="b"/>
-              <a:pathLst>
-                <a:path w="50006" h="19050">
-                  <a:moveTo>
-                    <a:pt x="0" y="0"/>
-                  </a:moveTo>
-                  <a:lnTo>
-                    <a:pt x="0" y="0"/>
-                  </a:lnTo>
-                  <a:cubicBezTo>
-                    <a:pt x="7144" y="1587"/>
-                    <a:pt x="14489" y="2448"/>
-                    <a:pt x="21431" y="4762"/>
-                  </a:cubicBezTo>
-                  <a:cubicBezTo>
-                    <a:pt x="24146" y="5667"/>
-                    <a:pt x="26090" y="8105"/>
-                    <a:pt x="28575" y="9525"/>
-                  </a:cubicBezTo>
-                  <a:cubicBezTo>
-                    <a:pt x="31657" y="11286"/>
-                    <a:pt x="34837" y="12889"/>
-                    <a:pt x="38100" y="14287"/>
-                  </a:cubicBezTo>
-                  <a:cubicBezTo>
-                    <a:pt x="58672" y="23103"/>
-                    <a:pt x="34691" y="11391"/>
-                    <a:pt x="50006" y="19050"/>
-                  </a:cubicBezTo>
-                </a:path>
-              </a:pathLst>
-            </a:custGeom>
-            <a:solidFill>
-              <a:schemeClr val="bg1"/>
-            </a:solidFill>
-            <a:ln>
-              <a:solidFill>
-                <a:schemeClr val="bg1">
-                  <a:lumMod val="65000"/>
-                </a:schemeClr>
-              </a:solidFill>
-            </a:ln>
-          </p:spPr>
-          <p:style>
-            <a:lnRef idx="2">
-              <a:schemeClr val="accent1">
-                <a:shade val="50000"/>
-              </a:schemeClr>
-            </a:lnRef>
-            <a:fillRef idx="1">
-              <a:schemeClr val="accent1"/>
-            </a:fillRef>
-            <a:effectRef idx="0">
-              <a:schemeClr val="accent1"/>
-            </a:effectRef>
-            <a:fontRef idx="minor">
-              <a:schemeClr val="lt1"/>
-            </a:fontRef>
-          </p:style>
-          <p:txBody>
-            <a:bodyPr rtlCol="0" anchor="ctr"/>
-            <a:lstStyle/>
-            <a:p>
-              <a:pPr algn="ctr"/>
-              <a:endParaRPr lang="en-SG"/>
-            </a:p>
-          </p:txBody>
-        </p:sp>
-        <p:sp>
-          <p:nvSpPr>
-            <p:cNvPr id="80" name="Flowchart: Connector 79"/>
+            <p:cNvPr id="155" name="Flowchart: Connector 154"/>
             <p:cNvSpPr/>
             <p:nvPr/>
           </p:nvSpPr>
@@ -6229,7 +6225,7 @@
       </p:grpSp>
       <p:grpSp>
         <p:nvGrpSpPr>
-          <p:cNvPr id="26" name="Group 25"/>
+          <p:cNvPr id="156" name="Group 155"/>
           <p:cNvGrpSpPr/>
           <p:nvPr/>
         </p:nvGrpSpPr>
@@ -6243,7 +6239,7 @@
         </p:grpSpPr>
         <p:sp>
           <p:nvSpPr>
-            <p:cNvPr id="83" name="Flowchart: Delay 82"/>
+            <p:cNvPr id="157" name="Flowchart: Delay 156"/>
             <p:cNvSpPr/>
             <p:nvPr/>
           </p:nvSpPr>
@@ -6293,7 +6289,7 @@
         </p:sp>
         <p:sp>
           <p:nvSpPr>
-            <p:cNvPr id="85" name="Flowchart: Connector 84"/>
+            <p:cNvPr id="158" name="Flowchart: Connector 157"/>
             <p:cNvSpPr/>
             <p:nvPr/>
           </p:nvSpPr>
@@ -6343,7 +6339,7 @@
         </p:sp>
         <p:sp>
           <p:nvSpPr>
-            <p:cNvPr id="86" name="Freeform 85"/>
+            <p:cNvPr id="159" name="Freeform 158"/>
             <p:cNvSpPr/>
             <p:nvPr/>
           </p:nvSpPr>
@@ -6459,7 +6455,7 @@
         </p:sp>
         <p:sp>
           <p:nvSpPr>
-            <p:cNvPr id="87" name="Flowchart: Connector 86"/>
+            <p:cNvPr id="160" name="Flowchart: Connector 159"/>
             <p:cNvSpPr/>
             <p:nvPr/>
           </p:nvSpPr>
@@ -6510,13 +6506,13 @@
       </p:grpSp>
       <p:sp>
         <p:nvSpPr>
-          <p:cNvPr id="90" name="Flowchart: Delay 89"/>
+          <p:cNvPr id="161" name="Flowchart: Delay 160"/>
           <p:cNvSpPr/>
           <p:nvPr/>
         </p:nvSpPr>
         <p:spPr>
           <a:xfrm rot="16200000">
-            <a:off x="6851720" y="954795"/>
+            <a:off x="6845012" y="862936"/>
             <a:ext cx="280353" cy="298983"/>
           </a:xfrm>
           <a:prstGeom prst="flowChartDelay">
@@ -6553,13 +6549,13 @@
       </p:sp>
       <p:sp>
         <p:nvSpPr>
-          <p:cNvPr id="91" name="Freeform 90"/>
+          <p:cNvPr id="162" name="Freeform 161"/>
           <p:cNvSpPr/>
           <p:nvPr/>
         </p:nvSpPr>
         <p:spPr>
           <a:xfrm rot="326821">
-            <a:off x="6940759" y="967464"/>
+            <a:off x="6934051" y="875605"/>
             <a:ext cx="102393" cy="235744"/>
           </a:xfrm>
           <a:custGeom>
@@ -6647,13 +6643,13 @@
       </p:sp>
       <p:sp>
         <p:nvSpPr>
-          <p:cNvPr id="89" name="Flowchart: Connector 88"/>
+          <p:cNvPr id="163" name="Flowchart: Connector 162"/>
           <p:cNvSpPr/>
           <p:nvPr/>
         </p:nvSpPr>
         <p:spPr>
           <a:xfrm rot="11865946">
-            <a:off x="6914554" y="729088"/>
+            <a:off x="6907846" y="637229"/>
             <a:ext cx="220662" cy="220662"/>
           </a:xfrm>
           <a:prstGeom prst="flowChartConnector">
@@ -6690,13 +6686,13 @@
       </p:sp>
       <p:sp>
         <p:nvSpPr>
-          <p:cNvPr id="96" name="Freeform 95"/>
+          <p:cNvPr id="164" name="Freeform 163"/>
           <p:cNvSpPr/>
           <p:nvPr/>
         </p:nvSpPr>
         <p:spPr>
           <a:xfrm rot="11865946">
-            <a:off x="6904559" y="736995"/>
+            <a:off x="6897851" y="645136"/>
             <a:ext cx="50006" cy="19050"/>
           </a:xfrm>
           <a:custGeom>
@@ -6799,13 +6795,13 @@
       </p:sp>
       <p:sp>
         <p:nvSpPr>
-          <p:cNvPr id="97" name="Flowchart: Connector 96"/>
+          <p:cNvPr id="165" name="Flowchart: Connector 164"/>
           <p:cNvSpPr/>
           <p:nvPr/>
         </p:nvSpPr>
         <p:spPr>
           <a:xfrm rot="11865946">
-            <a:off x="7031245" y="783890"/>
+            <a:off x="7024537" y="692031"/>
             <a:ext cx="45719" cy="45719"/>
           </a:xfrm>
           <a:prstGeom prst="flowChartConnector">
@@ -6849,7 +6845,7 @@
       </p:sp>
       <p:sp>
         <p:nvSpPr>
-          <p:cNvPr id="16" name="Freeform 15"/>
+          <p:cNvPr id="166" name="Freeform 165"/>
           <p:cNvSpPr/>
           <p:nvPr/>
         </p:nvSpPr>
@@ -6952,7 +6948,7 @@
       </p:sp>
       <p:sp>
         <p:nvSpPr>
-          <p:cNvPr id="17" name="Freeform 16"/>
+          <p:cNvPr id="167" name="Freeform 166"/>
           <p:cNvSpPr/>
           <p:nvPr/>
         </p:nvSpPr>
@@ -7192,14 +7188,14 @@
       </p:sp>
       <p:sp>
         <p:nvSpPr>
-          <p:cNvPr id="18" name="Freeform 17"/>
+          <p:cNvPr id="168" name="Freeform 167"/>
           <p:cNvSpPr/>
           <p:nvPr/>
         </p:nvSpPr>
         <p:spPr>
           <a:xfrm>
-            <a:off x="797728" y="989315"/>
-            <a:ext cx="982980" cy="726012"/>
+            <a:off x="797728" y="989167"/>
+            <a:ext cx="975836" cy="726159"/>
           </a:xfrm>
           <a:custGeom>
             <a:avLst/>
@@ -7236,6 +7232,30 @@
               <a:gd name="connsiteY2" fmla="*/ 194517 h 726012"/>
               <a:gd name="connsiteX3" fmla="*/ 0 w 982980"/>
               <a:gd name="connsiteY3" fmla="*/ 726012 h 726012"/>
+              <a:gd name="connsiteX0" fmla="*/ 982980 w 982980"/>
+              <a:gd name="connsiteY0" fmla="*/ 206475 h 709395"/>
+              <a:gd name="connsiteX1" fmla="*/ 546259 w 982980"/>
+              <a:gd name="connsiteY1" fmla="*/ 258 h 709395"/>
+              <a:gd name="connsiteX2" fmla="*/ 217170 w 982980"/>
+              <a:gd name="connsiteY2" fmla="*/ 177900 h 709395"/>
+              <a:gd name="connsiteX3" fmla="*/ 0 w 982980"/>
+              <a:gd name="connsiteY3" fmla="*/ 709395 h 709395"/>
+              <a:gd name="connsiteX0" fmla="*/ 975836 w 975836"/>
+              <a:gd name="connsiteY0" fmla="*/ 216179 h 709574"/>
+              <a:gd name="connsiteX1" fmla="*/ 546259 w 975836"/>
+              <a:gd name="connsiteY1" fmla="*/ 437 h 709574"/>
+              <a:gd name="connsiteX2" fmla="*/ 217170 w 975836"/>
+              <a:gd name="connsiteY2" fmla="*/ 178079 h 709574"/>
+              <a:gd name="connsiteX3" fmla="*/ 0 w 975836"/>
+              <a:gd name="connsiteY3" fmla="*/ 709574 h 709574"/>
+              <a:gd name="connsiteX0" fmla="*/ 975836 w 975836"/>
+              <a:gd name="connsiteY0" fmla="*/ 232764 h 726159"/>
+              <a:gd name="connsiteX1" fmla="*/ 577216 w 975836"/>
+              <a:gd name="connsiteY1" fmla="*/ 353 h 726159"/>
+              <a:gd name="connsiteX2" fmla="*/ 217170 w 975836"/>
+              <a:gd name="connsiteY2" fmla="*/ 194664 h 726159"/>
+              <a:gd name="connsiteX3" fmla="*/ 0 w 975836"/>
+              <a:gd name="connsiteY3" fmla="*/ 726159 h 726159"/>
             </a:gdLst>
             <a:ahLst/>
             <a:cxnLst>
@@ -7254,24 +7274,24 @@
             </a:cxnLst>
             <a:rect l="l" t="t" r="r" b="b"/>
             <a:pathLst>
-              <a:path w="982980" h="726012">
+              <a:path w="975836" h="726159">
                 <a:moveTo>
-                  <a:pt x="982980" y="223092"/>
+                  <a:pt x="975836" y="232764"/>
                 </a:moveTo>
                 <a:cubicBezTo>
-                  <a:pt x="929640" y="132128"/>
-                  <a:pt x="676275" y="4969"/>
-                  <a:pt x="548640" y="207"/>
+                  <a:pt x="922496" y="141800"/>
+                  <a:pt x="703660" y="6703"/>
+                  <a:pt x="577216" y="353"/>
                 </a:cubicBezTo>
                 <a:cubicBezTo>
-                  <a:pt x="421005" y="-4555"/>
-                  <a:pt x="308610" y="73550"/>
-                  <a:pt x="217170" y="194517"/>
+                  <a:pt x="450772" y="-5997"/>
+                  <a:pt x="308610" y="73697"/>
+                  <a:pt x="217170" y="194664"/>
                 </a:cubicBezTo>
                 <a:cubicBezTo>
-                  <a:pt x="125730" y="315484"/>
-                  <a:pt x="62865" y="495507"/>
-                  <a:pt x="0" y="726012"/>
+                  <a:pt x="125730" y="315631"/>
+                  <a:pt x="62865" y="495654"/>
+                  <a:pt x="0" y="726159"/>
                 </a:cubicBezTo>
               </a:path>
             </a:pathLst>
@@ -7312,6 +7332,3480 @@
           </a:p>
         </p:txBody>
       </p:sp>
+      <p:sp>
+        <p:nvSpPr>
+          <p:cNvPr id="169" name="Freeform 7"/>
+          <p:cNvSpPr>
+            <a:spLocks/>
+          </p:cNvSpPr>
+          <p:nvPr/>
+        </p:nvSpPr>
+        <p:spPr bwMode="auto">
+          <a:xfrm>
+            <a:off x="6311900" y="1476375"/>
+            <a:ext cx="177800" cy="258763"/>
+          </a:xfrm>
+          <a:custGeom>
+            <a:avLst/>
+            <a:gdLst>
+              <a:gd name="T0" fmla="*/ 475 w 900"/>
+              <a:gd name="T1" fmla="*/ 204 h 1469"/>
+              <a:gd name="T2" fmla="*/ 527 w 900"/>
+              <a:gd name="T3" fmla="*/ 239 h 1469"/>
+              <a:gd name="T4" fmla="*/ 573 w 900"/>
+              <a:gd name="T5" fmla="*/ 280 h 1469"/>
+              <a:gd name="T6" fmla="*/ 601 w 900"/>
+              <a:gd name="T7" fmla="*/ 330 h 1469"/>
+              <a:gd name="T8" fmla="*/ 604 w 900"/>
+              <a:gd name="T9" fmla="*/ 437 h 1469"/>
+              <a:gd name="T10" fmla="*/ 579 w 900"/>
+              <a:gd name="T11" fmla="*/ 589 h 1469"/>
+              <a:gd name="T12" fmla="*/ 540 w 900"/>
+              <a:gd name="T13" fmla="*/ 739 h 1469"/>
+              <a:gd name="T14" fmla="*/ 500 w 900"/>
+              <a:gd name="T15" fmla="*/ 891 h 1469"/>
+              <a:gd name="T16" fmla="*/ 474 w 900"/>
+              <a:gd name="T17" fmla="*/ 1077 h 1469"/>
+              <a:gd name="T18" fmla="*/ 469 w 900"/>
+              <a:gd name="T19" fmla="*/ 1362 h 1469"/>
+              <a:gd name="T20" fmla="*/ 476 w 900"/>
+              <a:gd name="T21" fmla="*/ 1469 h 1469"/>
+              <a:gd name="T22" fmla="*/ 505 w 900"/>
+              <a:gd name="T23" fmla="*/ 1467 h 1469"/>
+              <a:gd name="T24" fmla="*/ 555 w 900"/>
+              <a:gd name="T25" fmla="*/ 1462 h 1469"/>
+              <a:gd name="T26" fmla="*/ 617 w 900"/>
+              <a:gd name="T27" fmla="*/ 1454 h 1469"/>
+              <a:gd name="T28" fmla="*/ 685 w 900"/>
+              <a:gd name="T29" fmla="*/ 1444 h 1469"/>
+              <a:gd name="T30" fmla="*/ 748 w 900"/>
+              <a:gd name="T31" fmla="*/ 1429 h 1469"/>
+              <a:gd name="T32" fmla="*/ 801 w 900"/>
+              <a:gd name="T33" fmla="*/ 1410 h 1469"/>
+              <a:gd name="T34" fmla="*/ 833 w 900"/>
+              <a:gd name="T35" fmla="*/ 1388 h 1469"/>
+              <a:gd name="T36" fmla="*/ 863 w 900"/>
+              <a:gd name="T37" fmla="*/ 1204 h 1469"/>
+              <a:gd name="T38" fmla="*/ 894 w 900"/>
+              <a:gd name="T39" fmla="*/ 903 h 1469"/>
+              <a:gd name="T40" fmla="*/ 899 w 900"/>
+              <a:gd name="T41" fmla="*/ 640 h 1469"/>
+              <a:gd name="T42" fmla="*/ 871 w 900"/>
+              <a:gd name="T43" fmla="*/ 395 h 1469"/>
+              <a:gd name="T44" fmla="*/ 834 w 900"/>
+              <a:gd name="T45" fmla="*/ 248 h 1469"/>
+              <a:gd name="T46" fmla="*/ 803 w 900"/>
+              <a:gd name="T47" fmla="*/ 201 h 1469"/>
+              <a:gd name="T48" fmla="*/ 763 w 900"/>
+              <a:gd name="T49" fmla="*/ 159 h 1469"/>
+              <a:gd name="T50" fmla="*/ 718 w 900"/>
+              <a:gd name="T51" fmla="*/ 121 h 1469"/>
+              <a:gd name="T52" fmla="*/ 665 w 900"/>
+              <a:gd name="T53" fmla="*/ 86 h 1469"/>
+              <a:gd name="T54" fmla="*/ 611 w 900"/>
+              <a:gd name="T55" fmla="*/ 56 h 1469"/>
+              <a:gd name="T56" fmla="*/ 554 w 900"/>
+              <a:gd name="T57" fmla="*/ 31 h 1469"/>
+              <a:gd name="T58" fmla="*/ 497 w 900"/>
+              <a:gd name="T59" fmla="*/ 10 h 1469"/>
+              <a:gd name="T60" fmla="*/ 439 w 900"/>
+              <a:gd name="T61" fmla="*/ 0 h 1469"/>
+              <a:gd name="T62" fmla="*/ 371 w 900"/>
+              <a:gd name="T63" fmla="*/ 3 h 1469"/>
+              <a:gd name="T64" fmla="*/ 300 w 900"/>
+              <a:gd name="T65" fmla="*/ 11 h 1469"/>
+              <a:gd name="T66" fmla="*/ 228 w 900"/>
+              <a:gd name="T67" fmla="*/ 26 h 1469"/>
+              <a:gd name="T68" fmla="*/ 159 w 900"/>
+              <a:gd name="T69" fmla="*/ 50 h 1469"/>
+              <a:gd name="T70" fmla="*/ 97 w 900"/>
+              <a:gd name="T71" fmla="*/ 82 h 1469"/>
+              <a:gd name="T72" fmla="*/ 47 w 900"/>
+              <a:gd name="T73" fmla="*/ 124 h 1469"/>
+              <a:gd name="T74" fmla="*/ 12 w 900"/>
+              <a:gd name="T75" fmla="*/ 176 h 1469"/>
+              <a:gd name="T76" fmla="*/ 4 w 900"/>
+              <a:gd name="T77" fmla="*/ 206 h 1469"/>
+              <a:gd name="T78" fmla="*/ 29 w 900"/>
+              <a:gd name="T79" fmla="*/ 204 h 1469"/>
+              <a:gd name="T80" fmla="*/ 77 w 900"/>
+              <a:gd name="T81" fmla="*/ 199 h 1469"/>
+              <a:gd name="T82" fmla="*/ 140 w 900"/>
+              <a:gd name="T83" fmla="*/ 192 h 1469"/>
+              <a:gd name="T84" fmla="*/ 213 w 900"/>
+              <a:gd name="T85" fmla="*/ 185 h 1469"/>
+              <a:gd name="T86" fmla="*/ 288 w 900"/>
+              <a:gd name="T87" fmla="*/ 181 h 1469"/>
+              <a:gd name="T88" fmla="*/ 361 w 900"/>
+              <a:gd name="T89" fmla="*/ 180 h 1469"/>
+              <a:gd name="T90" fmla="*/ 424 w 900"/>
+              <a:gd name="T91" fmla="*/ 184 h 1469"/>
+            </a:gdLst>
+            <a:ahLst/>
+            <a:cxnLst>
+              <a:cxn ang="0">
+                <a:pos x="T0" y="T1"/>
+              </a:cxn>
+              <a:cxn ang="0">
+                <a:pos x="T2" y="T3"/>
+              </a:cxn>
+              <a:cxn ang="0">
+                <a:pos x="T4" y="T5"/>
+              </a:cxn>
+              <a:cxn ang="0">
+                <a:pos x="T6" y="T7"/>
+              </a:cxn>
+              <a:cxn ang="0">
+                <a:pos x="T8" y="T9"/>
+              </a:cxn>
+              <a:cxn ang="0">
+                <a:pos x="T10" y="T11"/>
+              </a:cxn>
+              <a:cxn ang="0">
+                <a:pos x="T12" y="T13"/>
+              </a:cxn>
+              <a:cxn ang="0">
+                <a:pos x="T14" y="T15"/>
+              </a:cxn>
+              <a:cxn ang="0">
+                <a:pos x="T16" y="T17"/>
+              </a:cxn>
+              <a:cxn ang="0">
+                <a:pos x="T18" y="T19"/>
+              </a:cxn>
+              <a:cxn ang="0">
+                <a:pos x="T20" y="T21"/>
+              </a:cxn>
+              <a:cxn ang="0">
+                <a:pos x="T22" y="T23"/>
+              </a:cxn>
+              <a:cxn ang="0">
+                <a:pos x="T24" y="T25"/>
+              </a:cxn>
+              <a:cxn ang="0">
+                <a:pos x="T26" y="T27"/>
+              </a:cxn>
+              <a:cxn ang="0">
+                <a:pos x="T28" y="T29"/>
+              </a:cxn>
+              <a:cxn ang="0">
+                <a:pos x="T30" y="T31"/>
+              </a:cxn>
+              <a:cxn ang="0">
+                <a:pos x="T32" y="T33"/>
+              </a:cxn>
+              <a:cxn ang="0">
+                <a:pos x="T34" y="T35"/>
+              </a:cxn>
+              <a:cxn ang="0">
+                <a:pos x="T36" y="T37"/>
+              </a:cxn>
+              <a:cxn ang="0">
+                <a:pos x="T38" y="T39"/>
+              </a:cxn>
+              <a:cxn ang="0">
+                <a:pos x="T40" y="T41"/>
+              </a:cxn>
+              <a:cxn ang="0">
+                <a:pos x="T42" y="T43"/>
+              </a:cxn>
+              <a:cxn ang="0">
+                <a:pos x="T44" y="T45"/>
+              </a:cxn>
+              <a:cxn ang="0">
+                <a:pos x="T46" y="T47"/>
+              </a:cxn>
+              <a:cxn ang="0">
+                <a:pos x="T48" y="T49"/>
+              </a:cxn>
+              <a:cxn ang="0">
+                <a:pos x="T50" y="T51"/>
+              </a:cxn>
+              <a:cxn ang="0">
+                <a:pos x="T52" y="T53"/>
+              </a:cxn>
+              <a:cxn ang="0">
+                <a:pos x="T54" y="T55"/>
+              </a:cxn>
+              <a:cxn ang="0">
+                <a:pos x="T56" y="T57"/>
+              </a:cxn>
+              <a:cxn ang="0">
+                <a:pos x="T58" y="T59"/>
+              </a:cxn>
+              <a:cxn ang="0">
+                <a:pos x="T60" y="T61"/>
+              </a:cxn>
+              <a:cxn ang="0">
+                <a:pos x="T62" y="T63"/>
+              </a:cxn>
+              <a:cxn ang="0">
+                <a:pos x="T64" y="T65"/>
+              </a:cxn>
+              <a:cxn ang="0">
+                <a:pos x="T66" y="T67"/>
+              </a:cxn>
+              <a:cxn ang="0">
+                <a:pos x="T68" y="T69"/>
+              </a:cxn>
+              <a:cxn ang="0">
+                <a:pos x="T70" y="T71"/>
+              </a:cxn>
+              <a:cxn ang="0">
+                <a:pos x="T72" y="T73"/>
+              </a:cxn>
+              <a:cxn ang="0">
+                <a:pos x="T74" y="T75"/>
+              </a:cxn>
+              <a:cxn ang="0">
+                <a:pos x="T76" y="T77"/>
+              </a:cxn>
+              <a:cxn ang="0">
+                <a:pos x="T78" y="T79"/>
+              </a:cxn>
+              <a:cxn ang="0">
+                <a:pos x="T80" y="T81"/>
+              </a:cxn>
+              <a:cxn ang="0">
+                <a:pos x="T82" y="T83"/>
+              </a:cxn>
+              <a:cxn ang="0">
+                <a:pos x="T84" y="T85"/>
+              </a:cxn>
+              <a:cxn ang="0">
+                <a:pos x="T86" y="T87"/>
+              </a:cxn>
+              <a:cxn ang="0">
+                <a:pos x="T88" y="T89"/>
+              </a:cxn>
+              <a:cxn ang="0">
+                <a:pos x="T90" y="T91"/>
+              </a:cxn>
+            </a:cxnLst>
+            <a:rect l="0" t="0" r="r" b="b"/>
+            <a:pathLst>
+              <a:path w="900" h="1469">
+                <a:moveTo>
+                  <a:pt x="450" y="188"/>
+                </a:moveTo>
+                <a:lnTo>
+                  <a:pt x="475" y="204"/>
+                </a:lnTo>
+                <a:lnTo>
+                  <a:pt x="502" y="221"/>
+                </a:lnTo>
+                <a:lnTo>
+                  <a:pt x="527" y="239"/>
+                </a:lnTo>
+                <a:lnTo>
+                  <a:pt x="552" y="258"/>
+                </a:lnTo>
+                <a:lnTo>
+                  <a:pt x="573" y="280"/>
+                </a:lnTo>
+                <a:lnTo>
+                  <a:pt x="590" y="303"/>
+                </a:lnTo>
+                <a:lnTo>
+                  <a:pt x="601" y="330"/>
+                </a:lnTo>
+                <a:lnTo>
+                  <a:pt x="606" y="359"/>
+                </a:lnTo>
+                <a:lnTo>
+                  <a:pt x="604" y="437"/>
+                </a:lnTo>
+                <a:lnTo>
+                  <a:pt x="593" y="514"/>
+                </a:lnTo>
+                <a:lnTo>
+                  <a:pt x="579" y="589"/>
+                </a:lnTo>
+                <a:lnTo>
+                  <a:pt x="560" y="664"/>
+                </a:lnTo>
+                <a:lnTo>
+                  <a:pt x="540" y="739"/>
+                </a:lnTo>
+                <a:lnTo>
+                  <a:pt x="519" y="815"/>
+                </a:lnTo>
+                <a:lnTo>
+                  <a:pt x="500" y="891"/>
+                </a:lnTo>
+                <a:lnTo>
+                  <a:pt x="484" y="969"/>
+                </a:lnTo>
+                <a:lnTo>
+                  <a:pt x="474" y="1077"/>
+                </a:lnTo>
+                <a:lnTo>
+                  <a:pt x="469" y="1220"/>
+                </a:lnTo>
+                <a:lnTo>
+                  <a:pt x="469" y="1362"/>
+                </a:lnTo>
+                <a:lnTo>
+                  <a:pt x="472" y="1469"/>
+                </a:lnTo>
+                <a:lnTo>
+                  <a:pt x="476" y="1469"/>
+                </a:lnTo>
+                <a:lnTo>
+                  <a:pt x="486" y="1468"/>
+                </a:lnTo>
+                <a:lnTo>
+                  <a:pt x="505" y="1467"/>
+                </a:lnTo>
+                <a:lnTo>
+                  <a:pt x="527" y="1465"/>
+                </a:lnTo>
+                <a:lnTo>
+                  <a:pt x="555" y="1462"/>
+                </a:lnTo>
+                <a:lnTo>
+                  <a:pt x="584" y="1459"/>
+                </a:lnTo>
+                <a:lnTo>
+                  <a:pt x="617" y="1454"/>
+                </a:lnTo>
+                <a:lnTo>
+                  <a:pt x="650" y="1449"/>
+                </a:lnTo>
+                <a:lnTo>
+                  <a:pt x="685" y="1444"/>
+                </a:lnTo>
+                <a:lnTo>
+                  <a:pt x="718" y="1436"/>
+                </a:lnTo>
+                <a:lnTo>
+                  <a:pt x="748" y="1429"/>
+                </a:lnTo>
+                <a:lnTo>
+                  <a:pt x="776" y="1421"/>
+                </a:lnTo>
+                <a:lnTo>
+                  <a:pt x="801" y="1410"/>
+                </a:lnTo>
+                <a:lnTo>
+                  <a:pt x="819" y="1400"/>
+                </a:lnTo>
+                <a:lnTo>
+                  <a:pt x="833" y="1388"/>
+                </a:lnTo>
+                <a:lnTo>
+                  <a:pt x="838" y="1374"/>
+                </a:lnTo>
+                <a:lnTo>
+                  <a:pt x="863" y="1204"/>
+                </a:lnTo>
+                <a:lnTo>
+                  <a:pt x="881" y="1048"/>
+                </a:lnTo>
+                <a:lnTo>
+                  <a:pt x="894" y="903"/>
+                </a:lnTo>
+                <a:lnTo>
+                  <a:pt x="900" y="769"/>
+                </a:lnTo>
+                <a:lnTo>
+                  <a:pt x="899" y="640"/>
+                </a:lnTo>
+                <a:lnTo>
+                  <a:pt x="888" y="517"/>
+                </a:lnTo>
+                <a:lnTo>
+                  <a:pt x="871" y="395"/>
+                </a:lnTo>
+                <a:lnTo>
+                  <a:pt x="845" y="273"/>
+                </a:lnTo>
+                <a:lnTo>
+                  <a:pt x="834" y="248"/>
+                </a:lnTo>
+                <a:lnTo>
+                  <a:pt x="819" y="224"/>
+                </a:lnTo>
+                <a:lnTo>
+                  <a:pt x="803" y="201"/>
+                </a:lnTo>
+                <a:lnTo>
+                  <a:pt x="784" y="180"/>
+                </a:lnTo>
+                <a:lnTo>
+                  <a:pt x="763" y="159"/>
+                </a:lnTo>
+                <a:lnTo>
+                  <a:pt x="741" y="139"/>
+                </a:lnTo>
+                <a:lnTo>
+                  <a:pt x="718" y="121"/>
+                </a:lnTo>
+                <a:lnTo>
+                  <a:pt x="691" y="103"/>
+                </a:lnTo>
+                <a:lnTo>
+                  <a:pt x="665" y="86"/>
+                </a:lnTo>
+                <a:lnTo>
+                  <a:pt x="638" y="71"/>
+                </a:lnTo>
+                <a:lnTo>
+                  <a:pt x="611" y="56"/>
+                </a:lnTo>
+                <a:lnTo>
+                  <a:pt x="582" y="43"/>
+                </a:lnTo>
+                <a:lnTo>
+                  <a:pt x="554" y="31"/>
+                </a:lnTo>
+                <a:lnTo>
+                  <a:pt x="525" y="20"/>
+                </a:lnTo>
+                <a:lnTo>
+                  <a:pt x="497" y="10"/>
+                </a:lnTo>
+                <a:lnTo>
+                  <a:pt x="469" y="1"/>
+                </a:lnTo>
+                <a:lnTo>
+                  <a:pt x="439" y="0"/>
+                </a:lnTo>
+                <a:lnTo>
+                  <a:pt x="406" y="0"/>
+                </a:lnTo>
+                <a:lnTo>
+                  <a:pt x="371" y="3"/>
+                </a:lnTo>
+                <a:lnTo>
+                  <a:pt x="336" y="6"/>
+                </a:lnTo>
+                <a:lnTo>
+                  <a:pt x="300" y="11"/>
+                </a:lnTo>
+                <a:lnTo>
+                  <a:pt x="263" y="17"/>
+                </a:lnTo>
+                <a:lnTo>
+                  <a:pt x="228" y="26"/>
+                </a:lnTo>
+                <a:lnTo>
+                  <a:pt x="193" y="37"/>
+                </a:lnTo>
+                <a:lnTo>
+                  <a:pt x="159" y="50"/>
+                </a:lnTo>
+                <a:lnTo>
+                  <a:pt x="127" y="65"/>
+                </a:lnTo>
+                <a:lnTo>
+                  <a:pt x="97" y="82"/>
+                </a:lnTo>
+                <a:lnTo>
+                  <a:pt x="71" y="102"/>
+                </a:lnTo>
+                <a:lnTo>
+                  <a:pt x="47" y="124"/>
+                </a:lnTo>
+                <a:lnTo>
+                  <a:pt x="26" y="148"/>
+                </a:lnTo>
+                <a:lnTo>
+                  <a:pt x="12" y="176"/>
+                </a:lnTo>
+                <a:lnTo>
+                  <a:pt x="0" y="206"/>
+                </a:lnTo>
+                <a:lnTo>
+                  <a:pt x="4" y="206"/>
+                </a:lnTo>
+                <a:lnTo>
+                  <a:pt x="13" y="206"/>
+                </a:lnTo>
+                <a:lnTo>
+                  <a:pt x="29" y="204"/>
+                </a:lnTo>
+                <a:lnTo>
+                  <a:pt x="50" y="202"/>
+                </a:lnTo>
+                <a:lnTo>
+                  <a:pt x="77" y="199"/>
+                </a:lnTo>
+                <a:lnTo>
+                  <a:pt x="107" y="196"/>
+                </a:lnTo>
+                <a:lnTo>
+                  <a:pt x="140" y="192"/>
+                </a:lnTo>
+                <a:lnTo>
+                  <a:pt x="176" y="188"/>
+                </a:lnTo>
+                <a:lnTo>
+                  <a:pt x="213" y="185"/>
+                </a:lnTo>
+                <a:lnTo>
+                  <a:pt x="251" y="183"/>
+                </a:lnTo>
+                <a:lnTo>
+                  <a:pt x="288" y="181"/>
+                </a:lnTo>
+                <a:lnTo>
+                  <a:pt x="325" y="180"/>
+                </a:lnTo>
+                <a:lnTo>
+                  <a:pt x="361" y="180"/>
+                </a:lnTo>
+                <a:lnTo>
+                  <a:pt x="394" y="181"/>
+                </a:lnTo>
+                <a:lnTo>
+                  <a:pt x="424" y="184"/>
+                </a:lnTo>
+                <a:lnTo>
+                  <a:pt x="450" y="188"/>
+                </a:lnTo>
+                <a:close/>
+              </a:path>
+            </a:pathLst>
+          </a:custGeom>
+          <a:solidFill>
+            <a:srgbClr val="FFFFEA"/>
+          </a:solidFill>
+          <a:ln>
+            <a:noFill/>
+          </a:ln>
+          <a:extLst>
+            <a:ext uri="{91240B29-F687-4F45-9708-019B960494DF}">
+              <a14:hiddenLine xmlns:a14="http://schemas.microsoft.com/office/drawing/2010/main" w="9525">
+                <a:solidFill>
+                  <a:srgbClr val="000000"/>
+                </a:solidFill>
+                <a:round/>
+                <a:headEnd/>
+                <a:tailEnd/>
+              </a14:hiddenLine>
+            </a:ext>
+          </a:extLst>
+        </p:spPr>
+        <p:txBody>
+          <a:bodyPr vert="horz" wrap="square" lIns="91440" tIns="45720" rIns="91440" bIns="45720" numCol="1" anchor="t" anchorCtr="0" compatLnSpc="1">
+            <a:prstTxWarp prst="textNoShape">
+              <a:avLst/>
+            </a:prstTxWarp>
+          </a:bodyPr>
+          <a:lstStyle/>
+          <a:p>
+            <a:endParaRPr lang="en-SG"/>
+          </a:p>
+        </p:txBody>
+      </p:sp>
+      <p:sp>
+        <p:nvSpPr>
+          <p:cNvPr id="170" name="Freeform 8"/>
+          <p:cNvSpPr>
+            <a:spLocks/>
+          </p:cNvSpPr>
+          <p:nvPr/>
+        </p:nvSpPr>
+        <p:spPr bwMode="auto">
+          <a:xfrm>
+            <a:off x="6364288" y="1446213"/>
+            <a:ext cx="15875" cy="25400"/>
+          </a:xfrm>
+          <a:custGeom>
+            <a:avLst/>
+            <a:gdLst>
+              <a:gd name="T0" fmla="*/ 2 w 81"/>
+              <a:gd name="T1" fmla="*/ 11 h 146"/>
+              <a:gd name="T2" fmla="*/ 0 w 81"/>
+              <a:gd name="T3" fmla="*/ 44 h 146"/>
+              <a:gd name="T4" fmla="*/ 1 w 81"/>
+              <a:gd name="T5" fmla="*/ 76 h 146"/>
+              <a:gd name="T6" fmla="*/ 7 w 81"/>
+              <a:gd name="T7" fmla="*/ 109 h 146"/>
+              <a:gd name="T8" fmla="*/ 21 w 81"/>
+              <a:gd name="T9" fmla="*/ 140 h 146"/>
+              <a:gd name="T10" fmla="*/ 25 w 81"/>
+              <a:gd name="T11" fmla="*/ 144 h 146"/>
+              <a:gd name="T12" fmla="*/ 33 w 81"/>
+              <a:gd name="T13" fmla="*/ 146 h 146"/>
+              <a:gd name="T14" fmla="*/ 43 w 81"/>
+              <a:gd name="T15" fmla="*/ 145 h 146"/>
+              <a:gd name="T16" fmla="*/ 55 w 81"/>
+              <a:gd name="T17" fmla="*/ 143 h 146"/>
+              <a:gd name="T18" fmla="*/ 65 w 81"/>
+              <a:gd name="T19" fmla="*/ 139 h 146"/>
+              <a:gd name="T20" fmla="*/ 74 w 81"/>
+              <a:gd name="T21" fmla="*/ 133 h 146"/>
+              <a:gd name="T22" fmla="*/ 80 w 81"/>
+              <a:gd name="T23" fmla="*/ 128 h 146"/>
+              <a:gd name="T24" fmla="*/ 81 w 81"/>
+              <a:gd name="T25" fmla="*/ 122 h 146"/>
+              <a:gd name="T26" fmla="*/ 77 w 81"/>
+              <a:gd name="T27" fmla="*/ 106 h 146"/>
+              <a:gd name="T28" fmla="*/ 73 w 81"/>
+              <a:gd name="T29" fmla="*/ 90 h 146"/>
+              <a:gd name="T30" fmla="*/ 68 w 81"/>
+              <a:gd name="T31" fmla="*/ 75 h 146"/>
+              <a:gd name="T32" fmla="*/ 63 w 81"/>
+              <a:gd name="T33" fmla="*/ 60 h 146"/>
+              <a:gd name="T34" fmla="*/ 56 w 81"/>
+              <a:gd name="T35" fmla="*/ 45 h 146"/>
+              <a:gd name="T36" fmla="*/ 48 w 81"/>
+              <a:gd name="T37" fmla="*/ 30 h 146"/>
+              <a:gd name="T38" fmla="*/ 40 w 81"/>
+              <a:gd name="T39" fmla="*/ 16 h 146"/>
+              <a:gd name="T40" fmla="*/ 31 w 81"/>
+              <a:gd name="T41" fmla="*/ 3 h 146"/>
+              <a:gd name="T42" fmla="*/ 25 w 81"/>
+              <a:gd name="T43" fmla="*/ 0 h 146"/>
+              <a:gd name="T44" fmla="*/ 15 w 81"/>
+              <a:gd name="T45" fmla="*/ 1 h 146"/>
+              <a:gd name="T46" fmla="*/ 6 w 81"/>
+              <a:gd name="T47" fmla="*/ 6 h 146"/>
+              <a:gd name="T48" fmla="*/ 2 w 81"/>
+              <a:gd name="T49" fmla="*/ 11 h 146"/>
+              <a:gd name="T50" fmla="*/ 2 w 81"/>
+              <a:gd name="T51" fmla="*/ 11 h 146"/>
+            </a:gdLst>
+            <a:ahLst/>
+            <a:cxnLst>
+              <a:cxn ang="0">
+                <a:pos x="T0" y="T1"/>
+              </a:cxn>
+              <a:cxn ang="0">
+                <a:pos x="T2" y="T3"/>
+              </a:cxn>
+              <a:cxn ang="0">
+                <a:pos x="T4" y="T5"/>
+              </a:cxn>
+              <a:cxn ang="0">
+                <a:pos x="T6" y="T7"/>
+              </a:cxn>
+              <a:cxn ang="0">
+                <a:pos x="T8" y="T9"/>
+              </a:cxn>
+              <a:cxn ang="0">
+                <a:pos x="T10" y="T11"/>
+              </a:cxn>
+              <a:cxn ang="0">
+                <a:pos x="T12" y="T13"/>
+              </a:cxn>
+              <a:cxn ang="0">
+                <a:pos x="T14" y="T15"/>
+              </a:cxn>
+              <a:cxn ang="0">
+                <a:pos x="T16" y="T17"/>
+              </a:cxn>
+              <a:cxn ang="0">
+                <a:pos x="T18" y="T19"/>
+              </a:cxn>
+              <a:cxn ang="0">
+                <a:pos x="T20" y="T21"/>
+              </a:cxn>
+              <a:cxn ang="0">
+                <a:pos x="T22" y="T23"/>
+              </a:cxn>
+              <a:cxn ang="0">
+                <a:pos x="T24" y="T25"/>
+              </a:cxn>
+              <a:cxn ang="0">
+                <a:pos x="T26" y="T27"/>
+              </a:cxn>
+              <a:cxn ang="0">
+                <a:pos x="T28" y="T29"/>
+              </a:cxn>
+              <a:cxn ang="0">
+                <a:pos x="T30" y="T31"/>
+              </a:cxn>
+              <a:cxn ang="0">
+                <a:pos x="T32" y="T33"/>
+              </a:cxn>
+              <a:cxn ang="0">
+                <a:pos x="T34" y="T35"/>
+              </a:cxn>
+              <a:cxn ang="0">
+                <a:pos x="T36" y="T37"/>
+              </a:cxn>
+              <a:cxn ang="0">
+                <a:pos x="T38" y="T39"/>
+              </a:cxn>
+              <a:cxn ang="0">
+                <a:pos x="T40" y="T41"/>
+              </a:cxn>
+              <a:cxn ang="0">
+                <a:pos x="T42" y="T43"/>
+              </a:cxn>
+              <a:cxn ang="0">
+                <a:pos x="T44" y="T45"/>
+              </a:cxn>
+              <a:cxn ang="0">
+                <a:pos x="T46" y="T47"/>
+              </a:cxn>
+              <a:cxn ang="0">
+                <a:pos x="T48" y="T49"/>
+              </a:cxn>
+              <a:cxn ang="0">
+                <a:pos x="T50" y="T51"/>
+              </a:cxn>
+            </a:cxnLst>
+            <a:rect l="0" t="0" r="r" b="b"/>
+            <a:pathLst>
+              <a:path w="81" h="146">
+                <a:moveTo>
+                  <a:pt x="2" y="11"/>
+                </a:moveTo>
+                <a:lnTo>
+                  <a:pt x="0" y="44"/>
+                </a:lnTo>
+                <a:lnTo>
+                  <a:pt x="1" y="76"/>
+                </a:lnTo>
+                <a:lnTo>
+                  <a:pt x="7" y="109"/>
+                </a:lnTo>
+                <a:lnTo>
+                  <a:pt x="21" y="140"/>
+                </a:lnTo>
+                <a:lnTo>
+                  <a:pt x="25" y="144"/>
+                </a:lnTo>
+                <a:lnTo>
+                  <a:pt x="33" y="146"/>
+                </a:lnTo>
+                <a:lnTo>
+                  <a:pt x="43" y="145"/>
+                </a:lnTo>
+                <a:lnTo>
+                  <a:pt x="55" y="143"/>
+                </a:lnTo>
+                <a:lnTo>
+                  <a:pt x="65" y="139"/>
+                </a:lnTo>
+                <a:lnTo>
+                  <a:pt x="74" y="133"/>
+                </a:lnTo>
+                <a:lnTo>
+                  <a:pt x="80" y="128"/>
+                </a:lnTo>
+                <a:lnTo>
+                  <a:pt x="81" y="122"/>
+                </a:lnTo>
+                <a:lnTo>
+                  <a:pt x="77" y="106"/>
+                </a:lnTo>
+                <a:lnTo>
+                  <a:pt x="73" y="90"/>
+                </a:lnTo>
+                <a:lnTo>
+                  <a:pt x="68" y="75"/>
+                </a:lnTo>
+                <a:lnTo>
+                  <a:pt x="63" y="60"/>
+                </a:lnTo>
+                <a:lnTo>
+                  <a:pt x="56" y="45"/>
+                </a:lnTo>
+                <a:lnTo>
+                  <a:pt x="48" y="30"/>
+                </a:lnTo>
+                <a:lnTo>
+                  <a:pt x="40" y="16"/>
+                </a:lnTo>
+                <a:lnTo>
+                  <a:pt x="31" y="3"/>
+                </a:lnTo>
+                <a:lnTo>
+                  <a:pt x="25" y="0"/>
+                </a:lnTo>
+                <a:lnTo>
+                  <a:pt x="15" y="1"/>
+                </a:lnTo>
+                <a:lnTo>
+                  <a:pt x="6" y="6"/>
+                </a:lnTo>
+                <a:lnTo>
+                  <a:pt x="2" y="11"/>
+                </a:lnTo>
+                <a:lnTo>
+                  <a:pt x="2" y="11"/>
+                </a:lnTo>
+                <a:close/>
+              </a:path>
+            </a:pathLst>
+          </a:custGeom>
+          <a:solidFill>
+            <a:srgbClr val="FFFFEA"/>
+          </a:solidFill>
+          <a:ln>
+            <a:noFill/>
+          </a:ln>
+          <a:extLst>
+            <a:ext uri="{91240B29-F687-4F45-9708-019B960494DF}">
+              <a14:hiddenLine xmlns:a14="http://schemas.microsoft.com/office/drawing/2010/main" w="9525">
+                <a:solidFill>
+                  <a:srgbClr val="000000"/>
+                </a:solidFill>
+                <a:round/>
+                <a:headEnd/>
+                <a:tailEnd/>
+              </a14:hiddenLine>
+            </a:ext>
+          </a:extLst>
+        </p:spPr>
+        <p:txBody>
+          <a:bodyPr vert="horz" wrap="square" lIns="91440" tIns="45720" rIns="91440" bIns="45720" numCol="1" anchor="t" anchorCtr="0" compatLnSpc="1">
+            <a:prstTxWarp prst="textNoShape">
+              <a:avLst/>
+            </a:prstTxWarp>
+          </a:bodyPr>
+          <a:lstStyle/>
+          <a:p>
+            <a:endParaRPr lang="en-SG"/>
+          </a:p>
+        </p:txBody>
+      </p:sp>
+      <p:sp>
+        <p:nvSpPr>
+          <p:cNvPr id="171" name="Freeform 9"/>
+          <p:cNvSpPr>
+            <a:spLocks/>
+          </p:cNvSpPr>
+          <p:nvPr/>
+        </p:nvSpPr>
+        <p:spPr bwMode="auto">
+          <a:xfrm rot="2760171" flipH="1">
+            <a:off x="6071869" y="1628232"/>
+            <a:ext cx="403225" cy="376238"/>
+          </a:xfrm>
+          <a:custGeom>
+            <a:avLst/>
+            <a:gdLst>
+              <a:gd name="T0" fmla="*/ 1726 w 2029"/>
+              <a:gd name="T1" fmla="*/ 1943 h 2127"/>
+              <a:gd name="T2" fmla="*/ 1429 w 2029"/>
+              <a:gd name="T3" fmla="*/ 2016 h 2127"/>
+              <a:gd name="T4" fmla="*/ 1211 w 2029"/>
+              <a:gd name="T5" fmla="*/ 1616 h 2127"/>
+              <a:gd name="T6" fmla="*/ 1104 w 2029"/>
+              <a:gd name="T7" fmla="*/ 1279 h 2127"/>
+              <a:gd name="T8" fmla="*/ 1307 w 2029"/>
+              <a:gd name="T9" fmla="*/ 1164 h 2127"/>
+              <a:gd name="T10" fmla="*/ 1527 w 2029"/>
+              <a:gd name="T11" fmla="*/ 1092 h 2127"/>
+              <a:gd name="T12" fmla="*/ 1764 w 2029"/>
+              <a:gd name="T13" fmla="*/ 1084 h 2127"/>
+              <a:gd name="T14" fmla="*/ 1610 w 2029"/>
+              <a:gd name="T15" fmla="*/ 1008 h 2127"/>
+              <a:gd name="T16" fmla="*/ 1487 w 2029"/>
+              <a:gd name="T17" fmla="*/ 957 h 2127"/>
+              <a:gd name="T18" fmla="*/ 1403 w 2029"/>
+              <a:gd name="T19" fmla="*/ 1048 h 2127"/>
+              <a:gd name="T20" fmla="*/ 1249 w 2029"/>
+              <a:gd name="T21" fmla="*/ 1107 h 2127"/>
+              <a:gd name="T22" fmla="*/ 1057 w 2029"/>
+              <a:gd name="T23" fmla="*/ 1220 h 2127"/>
+              <a:gd name="T24" fmla="*/ 1094 w 2029"/>
+              <a:gd name="T25" fmla="*/ 755 h 2127"/>
+              <a:gd name="T26" fmla="*/ 1276 w 2029"/>
+              <a:gd name="T27" fmla="*/ 614 h 2127"/>
+              <a:gd name="T28" fmla="*/ 1401 w 2029"/>
+              <a:gd name="T29" fmla="*/ 847 h 2127"/>
+              <a:gd name="T30" fmla="*/ 1407 w 2029"/>
+              <a:gd name="T31" fmla="*/ 620 h 2127"/>
+              <a:gd name="T32" fmla="*/ 1658 w 2029"/>
+              <a:gd name="T33" fmla="*/ 597 h 2127"/>
+              <a:gd name="T34" fmla="*/ 1886 w 2029"/>
+              <a:gd name="T35" fmla="*/ 836 h 2127"/>
+              <a:gd name="T36" fmla="*/ 1833 w 2029"/>
+              <a:gd name="T37" fmla="*/ 1019 h 2127"/>
+              <a:gd name="T38" fmla="*/ 1897 w 2029"/>
+              <a:gd name="T39" fmla="*/ 1095 h 2127"/>
+              <a:gd name="T40" fmla="*/ 1891 w 2029"/>
+              <a:gd name="T41" fmla="*/ 1639 h 2127"/>
+              <a:gd name="T42" fmla="*/ 1890 w 2029"/>
+              <a:gd name="T43" fmla="*/ 668 h 2127"/>
+              <a:gd name="T44" fmla="*/ 1745 w 2029"/>
+              <a:gd name="T45" fmla="*/ 555 h 2127"/>
+              <a:gd name="T46" fmla="*/ 1603 w 2029"/>
+              <a:gd name="T47" fmla="*/ 501 h 2127"/>
+              <a:gd name="T48" fmla="*/ 1481 w 2029"/>
+              <a:gd name="T49" fmla="*/ 485 h 2127"/>
+              <a:gd name="T50" fmla="*/ 1399 w 2029"/>
+              <a:gd name="T51" fmla="*/ 453 h 2127"/>
+              <a:gd name="T52" fmla="*/ 1343 w 2029"/>
+              <a:gd name="T53" fmla="*/ 503 h 2127"/>
+              <a:gd name="T54" fmla="*/ 1374 w 2029"/>
+              <a:gd name="T55" fmla="*/ 399 h 2127"/>
+              <a:gd name="T56" fmla="*/ 1409 w 2029"/>
+              <a:gd name="T57" fmla="*/ 328 h 2127"/>
+              <a:gd name="T58" fmla="*/ 1371 w 2029"/>
+              <a:gd name="T59" fmla="*/ 317 h 2127"/>
+              <a:gd name="T60" fmla="*/ 1297 w 2029"/>
+              <a:gd name="T61" fmla="*/ 155 h 2127"/>
+              <a:gd name="T62" fmla="*/ 1142 w 2029"/>
+              <a:gd name="T63" fmla="*/ 34 h 2127"/>
+              <a:gd name="T64" fmla="*/ 1014 w 2029"/>
+              <a:gd name="T65" fmla="*/ 1 h 2127"/>
+              <a:gd name="T66" fmla="*/ 844 w 2029"/>
+              <a:gd name="T67" fmla="*/ 16 h 2127"/>
+              <a:gd name="T68" fmla="*/ 655 w 2029"/>
+              <a:gd name="T69" fmla="*/ 87 h 2127"/>
+              <a:gd name="T70" fmla="*/ 486 w 2029"/>
+              <a:gd name="T71" fmla="*/ 199 h 2127"/>
+              <a:gd name="T72" fmla="*/ 310 w 2029"/>
+              <a:gd name="T73" fmla="*/ 520 h 2127"/>
+              <a:gd name="T74" fmla="*/ 474 w 2029"/>
+              <a:gd name="T75" fmla="*/ 980 h 2127"/>
+              <a:gd name="T76" fmla="*/ 702 w 2029"/>
+              <a:gd name="T77" fmla="*/ 1291 h 2127"/>
+              <a:gd name="T78" fmla="*/ 551 w 2029"/>
+              <a:gd name="T79" fmla="*/ 1622 h 2127"/>
+              <a:gd name="T80" fmla="*/ 239 w 2029"/>
+              <a:gd name="T81" fmla="*/ 1637 h 2127"/>
+              <a:gd name="T82" fmla="*/ 43 w 2029"/>
+              <a:gd name="T83" fmla="*/ 1652 h 2127"/>
+              <a:gd name="T84" fmla="*/ 186 w 2029"/>
+              <a:gd name="T85" fmla="*/ 1716 h 2127"/>
+              <a:gd name="T86" fmla="*/ 311 w 2029"/>
+              <a:gd name="T87" fmla="*/ 1731 h 2127"/>
+              <a:gd name="T88" fmla="*/ 560 w 2029"/>
+              <a:gd name="T89" fmla="*/ 1709 h 2127"/>
+              <a:gd name="T90" fmla="*/ 819 w 2029"/>
+              <a:gd name="T91" fmla="*/ 1410 h 2127"/>
+              <a:gd name="T92" fmla="*/ 751 w 2029"/>
+              <a:gd name="T93" fmla="*/ 1202 h 2127"/>
+              <a:gd name="T94" fmla="*/ 613 w 2029"/>
+              <a:gd name="T95" fmla="*/ 974 h 2127"/>
+              <a:gd name="T96" fmla="*/ 419 w 2029"/>
+              <a:gd name="T97" fmla="*/ 599 h 2127"/>
+              <a:gd name="T98" fmla="*/ 498 w 2029"/>
+              <a:gd name="T99" fmla="*/ 304 h 2127"/>
+              <a:gd name="T100" fmla="*/ 783 w 2029"/>
+              <a:gd name="T101" fmla="*/ 110 h 2127"/>
+              <a:gd name="T102" fmla="*/ 1044 w 2029"/>
+              <a:gd name="T103" fmla="*/ 85 h 2127"/>
+              <a:gd name="T104" fmla="*/ 1215 w 2029"/>
+              <a:gd name="T105" fmla="*/ 188 h 2127"/>
+              <a:gd name="T106" fmla="*/ 1249 w 2029"/>
+              <a:gd name="T107" fmla="*/ 392 h 2127"/>
+              <a:gd name="T108" fmla="*/ 1123 w 2029"/>
+              <a:gd name="T109" fmla="*/ 615 h 2127"/>
+              <a:gd name="T110" fmla="*/ 989 w 2029"/>
+              <a:gd name="T111" fmla="*/ 850 h 2127"/>
+              <a:gd name="T112" fmla="*/ 986 w 2029"/>
+              <a:gd name="T113" fmla="*/ 1327 h 2127"/>
+              <a:gd name="T114" fmla="*/ 1152 w 2029"/>
+              <a:gd name="T115" fmla="*/ 1757 h 2127"/>
+              <a:gd name="T116" fmla="*/ 1365 w 2029"/>
+              <a:gd name="T117" fmla="*/ 2118 h 2127"/>
+              <a:gd name="T118" fmla="*/ 1989 w 2029"/>
+              <a:gd name="T119" fmla="*/ 1639 h 2127"/>
+            </a:gdLst>
+            <a:ahLst/>
+            <a:cxnLst>
+              <a:cxn ang="0">
+                <a:pos x="T0" y="T1"/>
+              </a:cxn>
+              <a:cxn ang="0">
+                <a:pos x="T2" y="T3"/>
+              </a:cxn>
+              <a:cxn ang="0">
+                <a:pos x="T4" y="T5"/>
+              </a:cxn>
+              <a:cxn ang="0">
+                <a:pos x="T6" y="T7"/>
+              </a:cxn>
+              <a:cxn ang="0">
+                <a:pos x="T8" y="T9"/>
+              </a:cxn>
+              <a:cxn ang="0">
+                <a:pos x="T10" y="T11"/>
+              </a:cxn>
+              <a:cxn ang="0">
+                <a:pos x="T12" y="T13"/>
+              </a:cxn>
+              <a:cxn ang="0">
+                <a:pos x="T14" y="T15"/>
+              </a:cxn>
+              <a:cxn ang="0">
+                <a:pos x="T16" y="T17"/>
+              </a:cxn>
+              <a:cxn ang="0">
+                <a:pos x="T18" y="T19"/>
+              </a:cxn>
+              <a:cxn ang="0">
+                <a:pos x="T20" y="T21"/>
+              </a:cxn>
+              <a:cxn ang="0">
+                <a:pos x="T22" y="T23"/>
+              </a:cxn>
+              <a:cxn ang="0">
+                <a:pos x="T24" y="T25"/>
+              </a:cxn>
+              <a:cxn ang="0">
+                <a:pos x="T26" y="T27"/>
+              </a:cxn>
+              <a:cxn ang="0">
+                <a:pos x="T28" y="T29"/>
+              </a:cxn>
+              <a:cxn ang="0">
+                <a:pos x="T30" y="T31"/>
+              </a:cxn>
+              <a:cxn ang="0">
+                <a:pos x="T32" y="T33"/>
+              </a:cxn>
+              <a:cxn ang="0">
+                <a:pos x="T34" y="T35"/>
+              </a:cxn>
+              <a:cxn ang="0">
+                <a:pos x="T36" y="T37"/>
+              </a:cxn>
+              <a:cxn ang="0">
+                <a:pos x="T38" y="T39"/>
+              </a:cxn>
+              <a:cxn ang="0">
+                <a:pos x="T40" y="T41"/>
+              </a:cxn>
+              <a:cxn ang="0">
+                <a:pos x="T42" y="T43"/>
+              </a:cxn>
+              <a:cxn ang="0">
+                <a:pos x="T44" y="T45"/>
+              </a:cxn>
+              <a:cxn ang="0">
+                <a:pos x="T46" y="T47"/>
+              </a:cxn>
+              <a:cxn ang="0">
+                <a:pos x="T48" y="T49"/>
+              </a:cxn>
+              <a:cxn ang="0">
+                <a:pos x="T50" y="T51"/>
+              </a:cxn>
+              <a:cxn ang="0">
+                <a:pos x="T52" y="T53"/>
+              </a:cxn>
+              <a:cxn ang="0">
+                <a:pos x="T54" y="T55"/>
+              </a:cxn>
+              <a:cxn ang="0">
+                <a:pos x="T56" y="T57"/>
+              </a:cxn>
+              <a:cxn ang="0">
+                <a:pos x="T58" y="T59"/>
+              </a:cxn>
+              <a:cxn ang="0">
+                <a:pos x="T60" y="T61"/>
+              </a:cxn>
+              <a:cxn ang="0">
+                <a:pos x="T62" y="T63"/>
+              </a:cxn>
+              <a:cxn ang="0">
+                <a:pos x="T64" y="T65"/>
+              </a:cxn>
+              <a:cxn ang="0">
+                <a:pos x="T66" y="T67"/>
+              </a:cxn>
+              <a:cxn ang="0">
+                <a:pos x="T68" y="T69"/>
+              </a:cxn>
+              <a:cxn ang="0">
+                <a:pos x="T70" y="T71"/>
+              </a:cxn>
+              <a:cxn ang="0">
+                <a:pos x="T72" y="T73"/>
+              </a:cxn>
+              <a:cxn ang="0">
+                <a:pos x="T74" y="T75"/>
+              </a:cxn>
+              <a:cxn ang="0">
+                <a:pos x="T76" y="T77"/>
+              </a:cxn>
+              <a:cxn ang="0">
+                <a:pos x="T78" y="T79"/>
+              </a:cxn>
+              <a:cxn ang="0">
+                <a:pos x="T80" y="T81"/>
+              </a:cxn>
+              <a:cxn ang="0">
+                <a:pos x="T82" y="T83"/>
+              </a:cxn>
+              <a:cxn ang="0">
+                <a:pos x="T84" y="T85"/>
+              </a:cxn>
+              <a:cxn ang="0">
+                <a:pos x="T86" y="T87"/>
+              </a:cxn>
+              <a:cxn ang="0">
+                <a:pos x="T88" y="T89"/>
+              </a:cxn>
+              <a:cxn ang="0">
+                <a:pos x="T90" y="T91"/>
+              </a:cxn>
+              <a:cxn ang="0">
+                <a:pos x="T92" y="T93"/>
+              </a:cxn>
+              <a:cxn ang="0">
+                <a:pos x="T94" y="T95"/>
+              </a:cxn>
+              <a:cxn ang="0">
+                <a:pos x="T96" y="T97"/>
+              </a:cxn>
+              <a:cxn ang="0">
+                <a:pos x="T98" y="T99"/>
+              </a:cxn>
+              <a:cxn ang="0">
+                <a:pos x="T100" y="T101"/>
+              </a:cxn>
+              <a:cxn ang="0">
+                <a:pos x="T102" y="T103"/>
+              </a:cxn>
+              <a:cxn ang="0">
+                <a:pos x="T104" y="T105"/>
+              </a:cxn>
+              <a:cxn ang="0">
+                <a:pos x="T106" y="T107"/>
+              </a:cxn>
+              <a:cxn ang="0">
+                <a:pos x="T108" y="T109"/>
+              </a:cxn>
+              <a:cxn ang="0">
+                <a:pos x="T110" y="T111"/>
+              </a:cxn>
+              <a:cxn ang="0">
+                <a:pos x="T112" y="T113"/>
+              </a:cxn>
+              <a:cxn ang="0">
+                <a:pos x="T114" y="T115"/>
+              </a:cxn>
+              <a:cxn ang="0">
+                <a:pos x="T116" y="T117"/>
+              </a:cxn>
+              <a:cxn ang="0">
+                <a:pos x="T118" y="T119"/>
+              </a:cxn>
+            </a:cxnLst>
+            <a:rect l="0" t="0" r="r" b="b"/>
+            <a:pathLst>
+              <a:path w="2029" h="2127">
+                <a:moveTo>
+                  <a:pt x="1891" y="1639"/>
+                </a:moveTo>
+                <a:lnTo>
+                  <a:pt x="1885" y="1709"/>
+                </a:lnTo>
+                <a:lnTo>
+                  <a:pt x="1880" y="1778"/>
+                </a:lnTo>
+                <a:lnTo>
+                  <a:pt x="1874" y="1845"/>
+                </a:lnTo>
+                <a:lnTo>
+                  <a:pt x="1869" y="1902"/>
+                </a:lnTo>
+                <a:lnTo>
+                  <a:pt x="1842" y="1910"/>
+                </a:lnTo>
+                <a:lnTo>
+                  <a:pt x="1814" y="1919"/>
+                </a:lnTo>
+                <a:lnTo>
+                  <a:pt x="1785" y="1926"/>
+                </a:lnTo>
+                <a:lnTo>
+                  <a:pt x="1756" y="1935"/>
+                </a:lnTo>
+                <a:lnTo>
+                  <a:pt x="1726" y="1943"/>
+                </a:lnTo>
+                <a:lnTo>
+                  <a:pt x="1696" y="1950"/>
+                </a:lnTo>
+                <a:lnTo>
+                  <a:pt x="1667" y="1959"/>
+                </a:lnTo>
+                <a:lnTo>
+                  <a:pt x="1636" y="1966"/>
+                </a:lnTo>
+                <a:lnTo>
+                  <a:pt x="1606" y="1974"/>
+                </a:lnTo>
+                <a:lnTo>
+                  <a:pt x="1576" y="1981"/>
+                </a:lnTo>
+                <a:lnTo>
+                  <a:pt x="1546" y="1989"/>
+                </a:lnTo>
+                <a:lnTo>
+                  <a:pt x="1516" y="1996"/>
+                </a:lnTo>
+                <a:lnTo>
+                  <a:pt x="1487" y="2003"/>
+                </a:lnTo>
+                <a:lnTo>
+                  <a:pt x="1457" y="2010"/>
+                </a:lnTo>
+                <a:lnTo>
+                  <a:pt x="1429" y="2016"/>
+                </a:lnTo>
+                <a:lnTo>
+                  <a:pt x="1401" y="2022"/>
+                </a:lnTo>
+                <a:lnTo>
+                  <a:pt x="1398" y="2015"/>
+                </a:lnTo>
+                <a:lnTo>
+                  <a:pt x="1383" y="1984"/>
+                </a:lnTo>
+                <a:lnTo>
+                  <a:pt x="1365" y="1946"/>
+                </a:lnTo>
+                <a:lnTo>
+                  <a:pt x="1343" y="1900"/>
+                </a:lnTo>
+                <a:lnTo>
+                  <a:pt x="1320" y="1849"/>
+                </a:lnTo>
+                <a:lnTo>
+                  <a:pt x="1293" y="1793"/>
+                </a:lnTo>
+                <a:lnTo>
+                  <a:pt x="1267" y="1735"/>
+                </a:lnTo>
+                <a:lnTo>
+                  <a:pt x="1239" y="1675"/>
+                </a:lnTo>
+                <a:lnTo>
+                  <a:pt x="1211" y="1616"/>
+                </a:lnTo>
+                <a:lnTo>
+                  <a:pt x="1185" y="1558"/>
+                </a:lnTo>
+                <a:lnTo>
+                  <a:pt x="1159" y="1502"/>
+                </a:lnTo>
+                <a:lnTo>
+                  <a:pt x="1136" y="1451"/>
+                </a:lnTo>
+                <a:lnTo>
+                  <a:pt x="1116" y="1406"/>
+                </a:lnTo>
+                <a:lnTo>
+                  <a:pt x="1099" y="1368"/>
+                </a:lnTo>
+                <a:lnTo>
+                  <a:pt x="1085" y="1339"/>
+                </a:lnTo>
+                <a:lnTo>
+                  <a:pt x="1077" y="1319"/>
+                </a:lnTo>
+                <a:lnTo>
+                  <a:pt x="1074" y="1312"/>
+                </a:lnTo>
+                <a:lnTo>
+                  <a:pt x="1088" y="1295"/>
+                </a:lnTo>
+                <a:lnTo>
+                  <a:pt x="1104" y="1279"/>
+                </a:lnTo>
+                <a:lnTo>
+                  <a:pt x="1123" y="1263"/>
+                </a:lnTo>
+                <a:lnTo>
+                  <a:pt x="1141" y="1249"/>
+                </a:lnTo>
+                <a:lnTo>
+                  <a:pt x="1159" y="1237"/>
+                </a:lnTo>
+                <a:lnTo>
+                  <a:pt x="1178" y="1224"/>
+                </a:lnTo>
+                <a:lnTo>
+                  <a:pt x="1199" y="1212"/>
+                </a:lnTo>
+                <a:lnTo>
+                  <a:pt x="1220" y="1202"/>
+                </a:lnTo>
+                <a:lnTo>
+                  <a:pt x="1241" y="1192"/>
+                </a:lnTo>
+                <a:lnTo>
+                  <a:pt x="1263" y="1182"/>
+                </a:lnTo>
+                <a:lnTo>
+                  <a:pt x="1285" y="1172"/>
+                </a:lnTo>
+                <a:lnTo>
+                  <a:pt x="1307" y="1164"/>
+                </a:lnTo>
+                <a:lnTo>
+                  <a:pt x="1329" y="1155"/>
+                </a:lnTo>
+                <a:lnTo>
+                  <a:pt x="1351" y="1146"/>
+                </a:lnTo>
+                <a:lnTo>
+                  <a:pt x="1373" y="1137"/>
+                </a:lnTo>
+                <a:lnTo>
+                  <a:pt x="1395" y="1129"/>
+                </a:lnTo>
+                <a:lnTo>
+                  <a:pt x="1416" y="1121"/>
+                </a:lnTo>
+                <a:lnTo>
+                  <a:pt x="1438" y="1113"/>
+                </a:lnTo>
+                <a:lnTo>
+                  <a:pt x="1460" y="1107"/>
+                </a:lnTo>
+                <a:lnTo>
+                  <a:pt x="1481" y="1102"/>
+                </a:lnTo>
+                <a:lnTo>
+                  <a:pt x="1504" y="1096"/>
+                </a:lnTo>
+                <a:lnTo>
+                  <a:pt x="1527" y="1092"/>
+                </a:lnTo>
+                <a:lnTo>
+                  <a:pt x="1551" y="1089"/>
+                </a:lnTo>
+                <a:lnTo>
+                  <a:pt x="1573" y="1086"/>
+                </a:lnTo>
+                <a:lnTo>
+                  <a:pt x="1597" y="1084"/>
+                </a:lnTo>
+                <a:lnTo>
+                  <a:pt x="1621" y="1083"/>
+                </a:lnTo>
+                <a:lnTo>
+                  <a:pt x="1644" y="1081"/>
+                </a:lnTo>
+                <a:lnTo>
+                  <a:pt x="1668" y="1081"/>
+                </a:lnTo>
+                <a:lnTo>
+                  <a:pt x="1692" y="1081"/>
+                </a:lnTo>
+                <a:lnTo>
+                  <a:pt x="1716" y="1081"/>
+                </a:lnTo>
+                <a:lnTo>
+                  <a:pt x="1740" y="1083"/>
+                </a:lnTo>
+                <a:lnTo>
+                  <a:pt x="1764" y="1084"/>
+                </a:lnTo>
+                <a:lnTo>
+                  <a:pt x="1764" y="1009"/>
+                </a:lnTo>
+                <a:lnTo>
+                  <a:pt x="1746" y="1008"/>
+                </a:lnTo>
+                <a:lnTo>
+                  <a:pt x="1729" y="1006"/>
+                </a:lnTo>
+                <a:lnTo>
+                  <a:pt x="1712" y="1005"/>
+                </a:lnTo>
+                <a:lnTo>
+                  <a:pt x="1695" y="1005"/>
+                </a:lnTo>
+                <a:lnTo>
+                  <a:pt x="1678" y="1004"/>
+                </a:lnTo>
+                <a:lnTo>
+                  <a:pt x="1661" y="1005"/>
+                </a:lnTo>
+                <a:lnTo>
+                  <a:pt x="1644" y="1005"/>
+                </a:lnTo>
+                <a:lnTo>
+                  <a:pt x="1627" y="1006"/>
+                </a:lnTo>
+                <a:lnTo>
+                  <a:pt x="1610" y="1008"/>
+                </a:lnTo>
+                <a:lnTo>
+                  <a:pt x="1593" y="1009"/>
+                </a:lnTo>
+                <a:lnTo>
+                  <a:pt x="1576" y="1011"/>
+                </a:lnTo>
+                <a:lnTo>
+                  <a:pt x="1560" y="1013"/>
+                </a:lnTo>
+                <a:lnTo>
+                  <a:pt x="1544" y="1015"/>
+                </a:lnTo>
+                <a:lnTo>
+                  <a:pt x="1528" y="1017"/>
+                </a:lnTo>
+                <a:lnTo>
+                  <a:pt x="1512" y="1020"/>
+                </a:lnTo>
+                <a:lnTo>
+                  <a:pt x="1496" y="1023"/>
+                </a:lnTo>
+                <a:lnTo>
+                  <a:pt x="1493" y="1002"/>
+                </a:lnTo>
+                <a:lnTo>
+                  <a:pt x="1490" y="979"/>
+                </a:lnTo>
+                <a:lnTo>
+                  <a:pt x="1487" y="957"/>
+                </a:lnTo>
+                <a:lnTo>
+                  <a:pt x="1483" y="936"/>
+                </a:lnTo>
+                <a:lnTo>
+                  <a:pt x="1414" y="936"/>
+                </a:lnTo>
+                <a:lnTo>
+                  <a:pt x="1417" y="960"/>
+                </a:lnTo>
+                <a:lnTo>
+                  <a:pt x="1423" y="987"/>
+                </a:lnTo>
+                <a:lnTo>
+                  <a:pt x="1428" y="1014"/>
+                </a:lnTo>
+                <a:lnTo>
+                  <a:pt x="1432" y="1039"/>
+                </a:lnTo>
+                <a:lnTo>
+                  <a:pt x="1425" y="1041"/>
+                </a:lnTo>
+                <a:lnTo>
+                  <a:pt x="1417" y="1043"/>
+                </a:lnTo>
+                <a:lnTo>
+                  <a:pt x="1411" y="1046"/>
+                </a:lnTo>
+                <a:lnTo>
+                  <a:pt x="1403" y="1048"/>
+                </a:lnTo>
+                <a:lnTo>
+                  <a:pt x="1395" y="1050"/>
+                </a:lnTo>
+                <a:lnTo>
+                  <a:pt x="1388" y="1053"/>
+                </a:lnTo>
+                <a:lnTo>
+                  <a:pt x="1380" y="1055"/>
+                </a:lnTo>
+                <a:lnTo>
+                  <a:pt x="1373" y="1057"/>
+                </a:lnTo>
+                <a:lnTo>
+                  <a:pt x="1353" y="1065"/>
+                </a:lnTo>
+                <a:lnTo>
+                  <a:pt x="1332" y="1072"/>
+                </a:lnTo>
+                <a:lnTo>
+                  <a:pt x="1312" y="1080"/>
+                </a:lnTo>
+                <a:lnTo>
+                  <a:pt x="1291" y="1089"/>
+                </a:lnTo>
+                <a:lnTo>
+                  <a:pt x="1271" y="1097"/>
+                </a:lnTo>
+                <a:lnTo>
+                  <a:pt x="1249" y="1107"/>
+                </a:lnTo>
+                <a:lnTo>
+                  <a:pt x="1228" y="1117"/>
+                </a:lnTo>
+                <a:lnTo>
+                  <a:pt x="1208" y="1127"/>
+                </a:lnTo>
+                <a:lnTo>
+                  <a:pt x="1189" y="1137"/>
+                </a:lnTo>
+                <a:lnTo>
+                  <a:pt x="1168" y="1148"/>
+                </a:lnTo>
+                <a:lnTo>
+                  <a:pt x="1149" y="1160"/>
+                </a:lnTo>
+                <a:lnTo>
+                  <a:pt x="1129" y="1171"/>
+                </a:lnTo>
+                <a:lnTo>
+                  <a:pt x="1110" y="1183"/>
+                </a:lnTo>
+                <a:lnTo>
+                  <a:pt x="1092" y="1194"/>
+                </a:lnTo>
+                <a:lnTo>
+                  <a:pt x="1074" y="1207"/>
+                </a:lnTo>
+                <a:lnTo>
+                  <a:pt x="1057" y="1220"/>
+                </a:lnTo>
+                <a:lnTo>
+                  <a:pt x="1053" y="1167"/>
+                </a:lnTo>
+                <a:lnTo>
+                  <a:pt x="1049" y="1114"/>
+                </a:lnTo>
+                <a:lnTo>
+                  <a:pt x="1046" y="1059"/>
+                </a:lnTo>
+                <a:lnTo>
+                  <a:pt x="1045" y="1005"/>
+                </a:lnTo>
+                <a:lnTo>
+                  <a:pt x="1047" y="952"/>
+                </a:lnTo>
+                <a:lnTo>
+                  <a:pt x="1052" y="898"/>
+                </a:lnTo>
+                <a:lnTo>
+                  <a:pt x="1061" y="845"/>
+                </a:lnTo>
+                <a:lnTo>
+                  <a:pt x="1076" y="794"/>
+                </a:lnTo>
+                <a:lnTo>
+                  <a:pt x="1084" y="774"/>
+                </a:lnTo>
+                <a:lnTo>
+                  <a:pt x="1094" y="755"/>
+                </a:lnTo>
+                <a:lnTo>
+                  <a:pt x="1107" y="737"/>
+                </a:lnTo>
+                <a:lnTo>
+                  <a:pt x="1120" y="720"/>
+                </a:lnTo>
+                <a:lnTo>
+                  <a:pt x="1136" y="703"/>
+                </a:lnTo>
+                <a:lnTo>
+                  <a:pt x="1153" y="688"/>
+                </a:lnTo>
+                <a:lnTo>
+                  <a:pt x="1172" y="673"/>
+                </a:lnTo>
+                <a:lnTo>
+                  <a:pt x="1191" y="659"/>
+                </a:lnTo>
+                <a:lnTo>
+                  <a:pt x="1211" y="646"/>
+                </a:lnTo>
+                <a:lnTo>
+                  <a:pt x="1233" y="635"/>
+                </a:lnTo>
+                <a:lnTo>
+                  <a:pt x="1255" y="623"/>
+                </a:lnTo>
+                <a:lnTo>
+                  <a:pt x="1276" y="614"/>
+                </a:lnTo>
+                <a:lnTo>
+                  <a:pt x="1299" y="604"/>
+                </a:lnTo>
+                <a:lnTo>
+                  <a:pt x="1321" y="596"/>
+                </a:lnTo>
+                <a:lnTo>
+                  <a:pt x="1342" y="589"/>
+                </a:lnTo>
+                <a:lnTo>
+                  <a:pt x="1364" y="583"/>
+                </a:lnTo>
+                <a:lnTo>
+                  <a:pt x="1372" y="627"/>
+                </a:lnTo>
+                <a:lnTo>
+                  <a:pt x="1379" y="671"/>
+                </a:lnTo>
+                <a:lnTo>
+                  <a:pt x="1384" y="715"/>
+                </a:lnTo>
+                <a:lnTo>
+                  <a:pt x="1391" y="758"/>
+                </a:lnTo>
+                <a:lnTo>
+                  <a:pt x="1396" y="803"/>
+                </a:lnTo>
+                <a:lnTo>
+                  <a:pt x="1401" y="847"/>
+                </a:lnTo>
+                <a:lnTo>
+                  <a:pt x="1407" y="891"/>
+                </a:lnTo>
+                <a:lnTo>
+                  <a:pt x="1414" y="936"/>
+                </a:lnTo>
+                <a:lnTo>
+                  <a:pt x="1483" y="936"/>
+                </a:lnTo>
+                <a:lnTo>
+                  <a:pt x="1475" y="890"/>
+                </a:lnTo>
+                <a:lnTo>
+                  <a:pt x="1468" y="844"/>
+                </a:lnTo>
+                <a:lnTo>
+                  <a:pt x="1457" y="798"/>
+                </a:lnTo>
+                <a:lnTo>
+                  <a:pt x="1447" y="754"/>
+                </a:lnTo>
+                <a:lnTo>
+                  <a:pt x="1435" y="709"/>
+                </a:lnTo>
+                <a:lnTo>
+                  <a:pt x="1422" y="664"/>
+                </a:lnTo>
+                <a:lnTo>
+                  <a:pt x="1407" y="620"/>
+                </a:lnTo>
+                <a:lnTo>
+                  <a:pt x="1390" y="577"/>
+                </a:lnTo>
+                <a:lnTo>
+                  <a:pt x="1420" y="571"/>
+                </a:lnTo>
+                <a:lnTo>
+                  <a:pt x="1449" y="568"/>
+                </a:lnTo>
+                <a:lnTo>
+                  <a:pt x="1480" y="567"/>
+                </a:lnTo>
+                <a:lnTo>
+                  <a:pt x="1511" y="567"/>
+                </a:lnTo>
+                <a:lnTo>
+                  <a:pt x="1540" y="570"/>
+                </a:lnTo>
+                <a:lnTo>
+                  <a:pt x="1571" y="575"/>
+                </a:lnTo>
+                <a:lnTo>
+                  <a:pt x="1601" y="580"/>
+                </a:lnTo>
+                <a:lnTo>
+                  <a:pt x="1629" y="587"/>
+                </a:lnTo>
+                <a:lnTo>
+                  <a:pt x="1658" y="597"/>
+                </a:lnTo>
+                <a:lnTo>
+                  <a:pt x="1686" y="608"/>
+                </a:lnTo>
+                <a:lnTo>
+                  <a:pt x="1712" y="621"/>
+                </a:lnTo>
+                <a:lnTo>
+                  <a:pt x="1738" y="636"/>
+                </a:lnTo>
+                <a:lnTo>
+                  <a:pt x="1762" y="653"/>
+                </a:lnTo>
+                <a:lnTo>
+                  <a:pt x="1786" y="671"/>
+                </a:lnTo>
+                <a:lnTo>
+                  <a:pt x="1808" y="691"/>
+                </a:lnTo>
+                <a:lnTo>
+                  <a:pt x="1827" y="712"/>
+                </a:lnTo>
+                <a:lnTo>
+                  <a:pt x="1848" y="753"/>
+                </a:lnTo>
+                <a:lnTo>
+                  <a:pt x="1868" y="795"/>
+                </a:lnTo>
+                <a:lnTo>
+                  <a:pt x="1886" y="836"/>
+                </a:lnTo>
+                <a:lnTo>
+                  <a:pt x="1904" y="879"/>
+                </a:lnTo>
+                <a:lnTo>
+                  <a:pt x="1918" y="921"/>
+                </a:lnTo>
+                <a:lnTo>
+                  <a:pt x="1930" y="963"/>
+                </a:lnTo>
+                <a:lnTo>
+                  <a:pt x="1939" y="1006"/>
+                </a:lnTo>
+                <a:lnTo>
+                  <a:pt x="1945" y="1049"/>
+                </a:lnTo>
+                <a:lnTo>
+                  <a:pt x="1925" y="1041"/>
+                </a:lnTo>
+                <a:lnTo>
+                  <a:pt x="1904" y="1035"/>
+                </a:lnTo>
+                <a:lnTo>
+                  <a:pt x="1881" y="1030"/>
+                </a:lnTo>
+                <a:lnTo>
+                  <a:pt x="1858" y="1023"/>
+                </a:lnTo>
+                <a:lnTo>
+                  <a:pt x="1833" y="1019"/>
+                </a:lnTo>
+                <a:lnTo>
+                  <a:pt x="1809" y="1015"/>
+                </a:lnTo>
+                <a:lnTo>
+                  <a:pt x="1786" y="1012"/>
+                </a:lnTo>
+                <a:lnTo>
+                  <a:pt x="1764" y="1009"/>
+                </a:lnTo>
+                <a:lnTo>
+                  <a:pt x="1764" y="1084"/>
+                </a:lnTo>
+                <a:lnTo>
+                  <a:pt x="1784" y="1085"/>
+                </a:lnTo>
+                <a:lnTo>
+                  <a:pt x="1806" y="1087"/>
+                </a:lnTo>
+                <a:lnTo>
+                  <a:pt x="1828" y="1089"/>
+                </a:lnTo>
+                <a:lnTo>
+                  <a:pt x="1851" y="1091"/>
+                </a:lnTo>
+                <a:lnTo>
+                  <a:pt x="1874" y="1093"/>
+                </a:lnTo>
+                <a:lnTo>
+                  <a:pt x="1897" y="1095"/>
+                </a:lnTo>
+                <a:lnTo>
+                  <a:pt x="1918" y="1097"/>
+                </a:lnTo>
+                <a:lnTo>
+                  <a:pt x="1938" y="1099"/>
+                </a:lnTo>
+                <a:lnTo>
+                  <a:pt x="1937" y="1112"/>
+                </a:lnTo>
+                <a:lnTo>
+                  <a:pt x="1933" y="1148"/>
+                </a:lnTo>
+                <a:lnTo>
+                  <a:pt x="1929" y="1203"/>
+                </a:lnTo>
+                <a:lnTo>
+                  <a:pt x="1923" y="1273"/>
+                </a:lnTo>
+                <a:lnTo>
+                  <a:pt x="1915" y="1355"/>
+                </a:lnTo>
+                <a:lnTo>
+                  <a:pt x="1907" y="1446"/>
+                </a:lnTo>
+                <a:lnTo>
+                  <a:pt x="1899" y="1542"/>
+                </a:lnTo>
+                <a:lnTo>
+                  <a:pt x="1891" y="1639"/>
+                </a:lnTo>
+                <a:lnTo>
+                  <a:pt x="1989" y="1639"/>
+                </a:lnTo>
+                <a:lnTo>
+                  <a:pt x="2006" y="1516"/>
+                </a:lnTo>
+                <a:lnTo>
+                  <a:pt x="2020" y="1393"/>
+                </a:lnTo>
+                <a:lnTo>
+                  <a:pt x="2029" y="1270"/>
+                </a:lnTo>
+                <a:lnTo>
+                  <a:pt x="2029" y="1148"/>
+                </a:lnTo>
+                <a:lnTo>
+                  <a:pt x="2020" y="1028"/>
+                </a:lnTo>
+                <a:lnTo>
+                  <a:pt x="1997" y="909"/>
+                </a:lnTo>
+                <a:lnTo>
+                  <a:pt x="1958" y="793"/>
+                </a:lnTo>
+                <a:lnTo>
+                  <a:pt x="1902" y="681"/>
+                </a:lnTo>
+                <a:lnTo>
+                  <a:pt x="1890" y="668"/>
+                </a:lnTo>
+                <a:lnTo>
+                  <a:pt x="1877" y="654"/>
+                </a:lnTo>
+                <a:lnTo>
+                  <a:pt x="1865" y="641"/>
+                </a:lnTo>
+                <a:lnTo>
+                  <a:pt x="1851" y="628"/>
+                </a:lnTo>
+                <a:lnTo>
+                  <a:pt x="1838" y="617"/>
+                </a:lnTo>
+                <a:lnTo>
+                  <a:pt x="1823" y="605"/>
+                </a:lnTo>
+                <a:lnTo>
+                  <a:pt x="1808" y="594"/>
+                </a:lnTo>
+                <a:lnTo>
+                  <a:pt x="1793" y="583"/>
+                </a:lnTo>
+                <a:lnTo>
+                  <a:pt x="1777" y="574"/>
+                </a:lnTo>
+                <a:lnTo>
+                  <a:pt x="1761" y="564"/>
+                </a:lnTo>
+                <a:lnTo>
+                  <a:pt x="1745" y="555"/>
+                </a:lnTo>
+                <a:lnTo>
+                  <a:pt x="1729" y="546"/>
+                </a:lnTo>
+                <a:lnTo>
+                  <a:pt x="1712" y="539"/>
+                </a:lnTo>
+                <a:lnTo>
+                  <a:pt x="1695" y="531"/>
+                </a:lnTo>
+                <a:lnTo>
+                  <a:pt x="1678" y="524"/>
+                </a:lnTo>
+                <a:lnTo>
+                  <a:pt x="1661" y="518"/>
+                </a:lnTo>
+                <a:lnTo>
+                  <a:pt x="1650" y="513"/>
+                </a:lnTo>
+                <a:lnTo>
+                  <a:pt x="1638" y="510"/>
+                </a:lnTo>
+                <a:lnTo>
+                  <a:pt x="1626" y="507"/>
+                </a:lnTo>
+                <a:lnTo>
+                  <a:pt x="1614" y="504"/>
+                </a:lnTo>
+                <a:lnTo>
+                  <a:pt x="1603" y="501"/>
+                </a:lnTo>
+                <a:lnTo>
+                  <a:pt x="1590" y="498"/>
+                </a:lnTo>
+                <a:lnTo>
+                  <a:pt x="1579" y="495"/>
+                </a:lnTo>
+                <a:lnTo>
+                  <a:pt x="1567" y="493"/>
+                </a:lnTo>
+                <a:lnTo>
+                  <a:pt x="1554" y="491"/>
+                </a:lnTo>
+                <a:lnTo>
+                  <a:pt x="1543" y="490"/>
+                </a:lnTo>
+                <a:lnTo>
+                  <a:pt x="1530" y="488"/>
+                </a:lnTo>
+                <a:lnTo>
+                  <a:pt x="1518" y="487"/>
+                </a:lnTo>
+                <a:lnTo>
+                  <a:pt x="1506" y="486"/>
+                </a:lnTo>
+                <a:lnTo>
+                  <a:pt x="1494" y="486"/>
+                </a:lnTo>
+                <a:lnTo>
+                  <a:pt x="1481" y="485"/>
+                </a:lnTo>
+                <a:lnTo>
+                  <a:pt x="1469" y="485"/>
+                </a:lnTo>
+                <a:lnTo>
+                  <a:pt x="1466" y="470"/>
+                </a:lnTo>
+                <a:lnTo>
+                  <a:pt x="1461" y="450"/>
+                </a:lnTo>
+                <a:lnTo>
+                  <a:pt x="1453" y="429"/>
+                </a:lnTo>
+                <a:lnTo>
+                  <a:pt x="1446" y="410"/>
+                </a:lnTo>
+                <a:lnTo>
+                  <a:pt x="1379" y="410"/>
+                </a:lnTo>
+                <a:lnTo>
+                  <a:pt x="1383" y="420"/>
+                </a:lnTo>
+                <a:lnTo>
+                  <a:pt x="1388" y="431"/>
+                </a:lnTo>
+                <a:lnTo>
+                  <a:pt x="1394" y="442"/>
+                </a:lnTo>
+                <a:lnTo>
+                  <a:pt x="1399" y="453"/>
+                </a:lnTo>
+                <a:lnTo>
+                  <a:pt x="1405" y="465"/>
+                </a:lnTo>
+                <a:lnTo>
+                  <a:pt x="1411" y="475"/>
+                </a:lnTo>
+                <a:lnTo>
+                  <a:pt x="1415" y="484"/>
+                </a:lnTo>
+                <a:lnTo>
+                  <a:pt x="1421" y="492"/>
+                </a:lnTo>
+                <a:lnTo>
+                  <a:pt x="1408" y="493"/>
+                </a:lnTo>
+                <a:lnTo>
+                  <a:pt x="1396" y="494"/>
+                </a:lnTo>
+                <a:lnTo>
+                  <a:pt x="1383" y="496"/>
+                </a:lnTo>
+                <a:lnTo>
+                  <a:pt x="1370" y="499"/>
+                </a:lnTo>
+                <a:lnTo>
+                  <a:pt x="1356" y="501"/>
+                </a:lnTo>
+                <a:lnTo>
+                  <a:pt x="1343" y="503"/>
+                </a:lnTo>
+                <a:lnTo>
+                  <a:pt x="1331" y="506"/>
+                </a:lnTo>
+                <a:lnTo>
+                  <a:pt x="1318" y="509"/>
+                </a:lnTo>
+                <a:lnTo>
+                  <a:pt x="1315" y="474"/>
+                </a:lnTo>
+                <a:lnTo>
+                  <a:pt x="1313" y="431"/>
+                </a:lnTo>
+                <a:lnTo>
+                  <a:pt x="1312" y="393"/>
+                </a:lnTo>
+                <a:lnTo>
+                  <a:pt x="1312" y="377"/>
+                </a:lnTo>
+                <a:lnTo>
+                  <a:pt x="1359" y="370"/>
+                </a:lnTo>
+                <a:lnTo>
+                  <a:pt x="1364" y="379"/>
+                </a:lnTo>
+                <a:lnTo>
+                  <a:pt x="1370" y="389"/>
+                </a:lnTo>
+                <a:lnTo>
+                  <a:pt x="1374" y="399"/>
+                </a:lnTo>
+                <a:lnTo>
+                  <a:pt x="1379" y="410"/>
+                </a:lnTo>
+                <a:lnTo>
+                  <a:pt x="1446" y="410"/>
+                </a:lnTo>
+                <a:lnTo>
+                  <a:pt x="1439" y="394"/>
+                </a:lnTo>
+                <a:lnTo>
+                  <a:pt x="1433" y="379"/>
+                </a:lnTo>
+                <a:lnTo>
+                  <a:pt x="1427" y="366"/>
+                </a:lnTo>
+                <a:lnTo>
+                  <a:pt x="1421" y="353"/>
+                </a:lnTo>
+                <a:lnTo>
+                  <a:pt x="1416" y="342"/>
+                </a:lnTo>
+                <a:lnTo>
+                  <a:pt x="1413" y="335"/>
+                </a:lnTo>
+                <a:lnTo>
+                  <a:pt x="1411" y="330"/>
+                </a:lnTo>
+                <a:lnTo>
+                  <a:pt x="1409" y="328"/>
+                </a:lnTo>
+                <a:lnTo>
+                  <a:pt x="1409" y="326"/>
+                </a:lnTo>
+                <a:lnTo>
+                  <a:pt x="1409" y="326"/>
+                </a:lnTo>
+                <a:lnTo>
+                  <a:pt x="1409" y="326"/>
+                </a:lnTo>
+                <a:lnTo>
+                  <a:pt x="1408" y="325"/>
+                </a:lnTo>
+                <a:lnTo>
+                  <a:pt x="1405" y="321"/>
+                </a:lnTo>
+                <a:lnTo>
+                  <a:pt x="1400" y="318"/>
+                </a:lnTo>
+                <a:lnTo>
+                  <a:pt x="1394" y="316"/>
+                </a:lnTo>
+                <a:lnTo>
+                  <a:pt x="1387" y="315"/>
+                </a:lnTo>
+                <a:lnTo>
+                  <a:pt x="1379" y="316"/>
+                </a:lnTo>
+                <a:lnTo>
+                  <a:pt x="1371" y="317"/>
+                </a:lnTo>
+                <a:lnTo>
+                  <a:pt x="1363" y="319"/>
+                </a:lnTo>
+                <a:lnTo>
+                  <a:pt x="1356" y="321"/>
+                </a:lnTo>
+                <a:lnTo>
+                  <a:pt x="1354" y="298"/>
+                </a:lnTo>
+                <a:lnTo>
+                  <a:pt x="1350" y="275"/>
+                </a:lnTo>
+                <a:lnTo>
+                  <a:pt x="1345" y="254"/>
+                </a:lnTo>
+                <a:lnTo>
+                  <a:pt x="1338" y="232"/>
+                </a:lnTo>
+                <a:lnTo>
+                  <a:pt x="1329" y="211"/>
+                </a:lnTo>
+                <a:lnTo>
+                  <a:pt x="1320" y="192"/>
+                </a:lnTo>
+                <a:lnTo>
+                  <a:pt x="1309" y="173"/>
+                </a:lnTo>
+                <a:lnTo>
+                  <a:pt x="1297" y="155"/>
+                </a:lnTo>
+                <a:lnTo>
+                  <a:pt x="1283" y="138"/>
+                </a:lnTo>
+                <a:lnTo>
+                  <a:pt x="1269" y="123"/>
+                </a:lnTo>
+                <a:lnTo>
+                  <a:pt x="1255" y="108"/>
+                </a:lnTo>
+                <a:lnTo>
+                  <a:pt x="1239" y="93"/>
+                </a:lnTo>
+                <a:lnTo>
+                  <a:pt x="1222" y="79"/>
+                </a:lnTo>
+                <a:lnTo>
+                  <a:pt x="1203" y="68"/>
+                </a:lnTo>
+                <a:lnTo>
+                  <a:pt x="1185" y="56"/>
+                </a:lnTo>
+                <a:lnTo>
+                  <a:pt x="1166" y="46"/>
+                </a:lnTo>
+                <a:lnTo>
+                  <a:pt x="1154" y="40"/>
+                </a:lnTo>
+                <a:lnTo>
+                  <a:pt x="1142" y="34"/>
+                </a:lnTo>
+                <a:lnTo>
+                  <a:pt x="1129" y="30"/>
+                </a:lnTo>
+                <a:lnTo>
+                  <a:pt x="1117" y="24"/>
+                </a:lnTo>
+                <a:lnTo>
+                  <a:pt x="1104" y="20"/>
+                </a:lnTo>
+                <a:lnTo>
+                  <a:pt x="1092" y="16"/>
+                </a:lnTo>
+                <a:lnTo>
+                  <a:pt x="1079" y="13"/>
+                </a:lnTo>
+                <a:lnTo>
+                  <a:pt x="1067" y="10"/>
+                </a:lnTo>
+                <a:lnTo>
+                  <a:pt x="1053" y="8"/>
+                </a:lnTo>
+                <a:lnTo>
+                  <a:pt x="1041" y="4"/>
+                </a:lnTo>
+                <a:lnTo>
+                  <a:pt x="1027" y="3"/>
+                </a:lnTo>
+                <a:lnTo>
+                  <a:pt x="1014" y="1"/>
+                </a:lnTo>
+                <a:lnTo>
+                  <a:pt x="1001" y="0"/>
+                </a:lnTo>
+                <a:lnTo>
+                  <a:pt x="987" y="0"/>
+                </a:lnTo>
+                <a:lnTo>
+                  <a:pt x="975" y="0"/>
+                </a:lnTo>
+                <a:lnTo>
+                  <a:pt x="961" y="0"/>
+                </a:lnTo>
+                <a:lnTo>
+                  <a:pt x="942" y="1"/>
+                </a:lnTo>
+                <a:lnTo>
+                  <a:pt x="922" y="2"/>
+                </a:lnTo>
+                <a:lnTo>
+                  <a:pt x="903" y="5"/>
+                </a:lnTo>
+                <a:lnTo>
+                  <a:pt x="883" y="8"/>
+                </a:lnTo>
+                <a:lnTo>
+                  <a:pt x="863" y="12"/>
+                </a:lnTo>
+                <a:lnTo>
+                  <a:pt x="844" y="16"/>
+                </a:lnTo>
+                <a:lnTo>
+                  <a:pt x="824" y="20"/>
+                </a:lnTo>
+                <a:lnTo>
+                  <a:pt x="805" y="26"/>
+                </a:lnTo>
+                <a:lnTo>
+                  <a:pt x="786" y="32"/>
+                </a:lnTo>
+                <a:lnTo>
+                  <a:pt x="766" y="38"/>
+                </a:lnTo>
+                <a:lnTo>
+                  <a:pt x="748" y="45"/>
+                </a:lnTo>
+                <a:lnTo>
+                  <a:pt x="729" y="52"/>
+                </a:lnTo>
+                <a:lnTo>
+                  <a:pt x="710" y="60"/>
+                </a:lnTo>
+                <a:lnTo>
+                  <a:pt x="691" y="69"/>
+                </a:lnTo>
+                <a:lnTo>
+                  <a:pt x="673" y="77"/>
+                </a:lnTo>
+                <a:lnTo>
+                  <a:pt x="655" y="87"/>
+                </a:lnTo>
+                <a:lnTo>
+                  <a:pt x="636" y="96"/>
+                </a:lnTo>
+                <a:lnTo>
+                  <a:pt x="619" y="106"/>
+                </a:lnTo>
+                <a:lnTo>
+                  <a:pt x="601" y="116"/>
+                </a:lnTo>
+                <a:lnTo>
+                  <a:pt x="584" y="127"/>
+                </a:lnTo>
+                <a:lnTo>
+                  <a:pt x="567" y="138"/>
+                </a:lnTo>
+                <a:lnTo>
+                  <a:pt x="550" y="150"/>
+                </a:lnTo>
+                <a:lnTo>
+                  <a:pt x="534" y="162"/>
+                </a:lnTo>
+                <a:lnTo>
+                  <a:pt x="518" y="173"/>
+                </a:lnTo>
+                <a:lnTo>
+                  <a:pt x="502" y="186"/>
+                </a:lnTo>
+                <a:lnTo>
+                  <a:pt x="486" y="199"/>
+                </a:lnTo>
+                <a:lnTo>
+                  <a:pt x="471" y="211"/>
+                </a:lnTo>
+                <a:lnTo>
+                  <a:pt x="457" y="224"/>
+                </a:lnTo>
+                <a:lnTo>
+                  <a:pt x="443" y="237"/>
+                </a:lnTo>
+                <a:lnTo>
+                  <a:pt x="429" y="250"/>
+                </a:lnTo>
+                <a:lnTo>
+                  <a:pt x="416" y="263"/>
+                </a:lnTo>
+                <a:lnTo>
+                  <a:pt x="403" y="277"/>
+                </a:lnTo>
+                <a:lnTo>
+                  <a:pt x="361" y="333"/>
+                </a:lnTo>
+                <a:lnTo>
+                  <a:pt x="332" y="392"/>
+                </a:lnTo>
+                <a:lnTo>
+                  <a:pt x="315" y="455"/>
+                </a:lnTo>
+                <a:lnTo>
+                  <a:pt x="310" y="520"/>
+                </a:lnTo>
+                <a:lnTo>
+                  <a:pt x="311" y="586"/>
+                </a:lnTo>
+                <a:lnTo>
+                  <a:pt x="321" y="652"/>
+                </a:lnTo>
+                <a:lnTo>
+                  <a:pt x="336" y="717"/>
+                </a:lnTo>
+                <a:lnTo>
+                  <a:pt x="355" y="781"/>
+                </a:lnTo>
+                <a:lnTo>
+                  <a:pt x="370" y="819"/>
+                </a:lnTo>
+                <a:lnTo>
+                  <a:pt x="387" y="854"/>
+                </a:lnTo>
+                <a:lnTo>
+                  <a:pt x="406" y="887"/>
+                </a:lnTo>
+                <a:lnTo>
+                  <a:pt x="427" y="920"/>
+                </a:lnTo>
+                <a:lnTo>
+                  <a:pt x="450" y="951"/>
+                </a:lnTo>
+                <a:lnTo>
+                  <a:pt x="474" y="980"/>
+                </a:lnTo>
+                <a:lnTo>
+                  <a:pt x="499" y="1010"/>
+                </a:lnTo>
+                <a:lnTo>
+                  <a:pt x="524" y="1038"/>
+                </a:lnTo>
+                <a:lnTo>
+                  <a:pt x="549" y="1067"/>
+                </a:lnTo>
+                <a:lnTo>
+                  <a:pt x="574" y="1096"/>
+                </a:lnTo>
+                <a:lnTo>
+                  <a:pt x="599" y="1125"/>
+                </a:lnTo>
+                <a:lnTo>
+                  <a:pt x="623" y="1155"/>
+                </a:lnTo>
+                <a:lnTo>
+                  <a:pt x="646" y="1187"/>
+                </a:lnTo>
+                <a:lnTo>
+                  <a:pt x="666" y="1220"/>
+                </a:lnTo>
+                <a:lnTo>
+                  <a:pt x="685" y="1254"/>
+                </a:lnTo>
+                <a:lnTo>
+                  <a:pt x="702" y="1291"/>
+                </a:lnTo>
+                <a:lnTo>
+                  <a:pt x="724" y="1383"/>
+                </a:lnTo>
+                <a:lnTo>
+                  <a:pt x="717" y="1452"/>
+                </a:lnTo>
+                <a:lnTo>
+                  <a:pt x="705" y="1471"/>
+                </a:lnTo>
+                <a:lnTo>
+                  <a:pt x="692" y="1493"/>
+                </a:lnTo>
+                <a:lnTo>
+                  <a:pt x="680" y="1519"/>
+                </a:lnTo>
+                <a:lnTo>
+                  <a:pt x="664" y="1544"/>
+                </a:lnTo>
+                <a:lnTo>
+                  <a:pt x="644" y="1569"/>
+                </a:lnTo>
+                <a:lnTo>
+                  <a:pt x="619" y="1591"/>
+                </a:lnTo>
+                <a:lnTo>
+                  <a:pt x="589" y="1609"/>
+                </a:lnTo>
+                <a:lnTo>
+                  <a:pt x="551" y="1622"/>
+                </a:lnTo>
+                <a:lnTo>
+                  <a:pt x="523" y="1626"/>
+                </a:lnTo>
+                <a:lnTo>
+                  <a:pt x="493" y="1631"/>
+                </a:lnTo>
+                <a:lnTo>
+                  <a:pt x="462" y="1635"/>
+                </a:lnTo>
+                <a:lnTo>
+                  <a:pt x="430" y="1638"/>
+                </a:lnTo>
+                <a:lnTo>
+                  <a:pt x="398" y="1641"/>
+                </a:lnTo>
+                <a:lnTo>
+                  <a:pt x="367" y="1643"/>
+                </a:lnTo>
+                <a:lnTo>
+                  <a:pt x="335" y="1643"/>
+                </a:lnTo>
+                <a:lnTo>
+                  <a:pt x="302" y="1643"/>
+                </a:lnTo>
+                <a:lnTo>
+                  <a:pt x="270" y="1641"/>
+                </a:lnTo>
+                <a:lnTo>
+                  <a:pt x="239" y="1637"/>
+                </a:lnTo>
+                <a:lnTo>
+                  <a:pt x="208" y="1631"/>
+                </a:lnTo>
+                <a:lnTo>
+                  <a:pt x="180" y="1623"/>
+                </a:lnTo>
+                <a:lnTo>
+                  <a:pt x="151" y="1613"/>
+                </a:lnTo>
+                <a:lnTo>
+                  <a:pt x="124" y="1600"/>
+                </a:lnTo>
+                <a:lnTo>
+                  <a:pt x="99" y="1584"/>
+                </a:lnTo>
+                <a:lnTo>
+                  <a:pt x="76" y="1566"/>
+                </a:lnTo>
+                <a:lnTo>
+                  <a:pt x="0" y="1613"/>
+                </a:lnTo>
+                <a:lnTo>
+                  <a:pt x="14" y="1626"/>
+                </a:lnTo>
+                <a:lnTo>
+                  <a:pt x="28" y="1640"/>
+                </a:lnTo>
+                <a:lnTo>
+                  <a:pt x="43" y="1652"/>
+                </a:lnTo>
+                <a:lnTo>
+                  <a:pt x="58" y="1662"/>
+                </a:lnTo>
+                <a:lnTo>
+                  <a:pt x="75" y="1673"/>
+                </a:lnTo>
+                <a:lnTo>
+                  <a:pt x="91" y="1681"/>
+                </a:lnTo>
+                <a:lnTo>
+                  <a:pt x="108" y="1690"/>
+                </a:lnTo>
+                <a:lnTo>
+                  <a:pt x="126" y="1697"/>
+                </a:lnTo>
+                <a:lnTo>
+                  <a:pt x="138" y="1701"/>
+                </a:lnTo>
+                <a:lnTo>
+                  <a:pt x="150" y="1706"/>
+                </a:lnTo>
+                <a:lnTo>
+                  <a:pt x="162" y="1709"/>
+                </a:lnTo>
+                <a:lnTo>
+                  <a:pt x="174" y="1713"/>
+                </a:lnTo>
+                <a:lnTo>
+                  <a:pt x="186" y="1716"/>
+                </a:lnTo>
+                <a:lnTo>
+                  <a:pt x="198" y="1718"/>
+                </a:lnTo>
+                <a:lnTo>
+                  <a:pt x="211" y="1721"/>
+                </a:lnTo>
+                <a:lnTo>
+                  <a:pt x="223" y="1723"/>
+                </a:lnTo>
+                <a:lnTo>
+                  <a:pt x="236" y="1725"/>
+                </a:lnTo>
+                <a:lnTo>
+                  <a:pt x="248" y="1727"/>
+                </a:lnTo>
+                <a:lnTo>
+                  <a:pt x="261" y="1728"/>
+                </a:lnTo>
+                <a:lnTo>
+                  <a:pt x="273" y="1729"/>
+                </a:lnTo>
+                <a:lnTo>
+                  <a:pt x="286" y="1730"/>
+                </a:lnTo>
+                <a:lnTo>
+                  <a:pt x="298" y="1731"/>
+                </a:lnTo>
+                <a:lnTo>
+                  <a:pt x="311" y="1731"/>
+                </a:lnTo>
+                <a:lnTo>
+                  <a:pt x="323" y="1731"/>
+                </a:lnTo>
+                <a:lnTo>
+                  <a:pt x="350" y="1731"/>
+                </a:lnTo>
+                <a:lnTo>
+                  <a:pt x="376" y="1731"/>
+                </a:lnTo>
+                <a:lnTo>
+                  <a:pt x="403" y="1730"/>
+                </a:lnTo>
+                <a:lnTo>
+                  <a:pt x="429" y="1729"/>
+                </a:lnTo>
+                <a:lnTo>
+                  <a:pt x="457" y="1727"/>
+                </a:lnTo>
+                <a:lnTo>
+                  <a:pt x="483" y="1725"/>
+                </a:lnTo>
+                <a:lnTo>
+                  <a:pt x="509" y="1720"/>
+                </a:lnTo>
+                <a:lnTo>
+                  <a:pt x="535" y="1715"/>
+                </a:lnTo>
+                <a:lnTo>
+                  <a:pt x="560" y="1709"/>
+                </a:lnTo>
+                <a:lnTo>
+                  <a:pt x="586" y="1700"/>
+                </a:lnTo>
+                <a:lnTo>
+                  <a:pt x="610" y="1691"/>
+                </a:lnTo>
+                <a:lnTo>
+                  <a:pt x="634" y="1679"/>
+                </a:lnTo>
+                <a:lnTo>
+                  <a:pt x="658" y="1665"/>
+                </a:lnTo>
+                <a:lnTo>
+                  <a:pt x="680" y="1650"/>
+                </a:lnTo>
+                <a:lnTo>
+                  <a:pt x="701" y="1632"/>
+                </a:lnTo>
+                <a:lnTo>
+                  <a:pt x="722" y="1610"/>
+                </a:lnTo>
+                <a:lnTo>
+                  <a:pt x="804" y="1483"/>
+                </a:lnTo>
+                <a:lnTo>
+                  <a:pt x="814" y="1445"/>
+                </a:lnTo>
+                <a:lnTo>
+                  <a:pt x="819" y="1410"/>
+                </a:lnTo>
+                <a:lnTo>
+                  <a:pt x="819" y="1378"/>
+                </a:lnTo>
+                <a:lnTo>
+                  <a:pt x="815" y="1351"/>
+                </a:lnTo>
+                <a:lnTo>
+                  <a:pt x="809" y="1329"/>
+                </a:lnTo>
+                <a:lnTo>
+                  <a:pt x="804" y="1312"/>
+                </a:lnTo>
+                <a:lnTo>
+                  <a:pt x="800" y="1301"/>
+                </a:lnTo>
+                <a:lnTo>
+                  <a:pt x="798" y="1297"/>
+                </a:lnTo>
+                <a:lnTo>
+                  <a:pt x="787" y="1273"/>
+                </a:lnTo>
+                <a:lnTo>
+                  <a:pt x="775" y="1249"/>
+                </a:lnTo>
+                <a:lnTo>
+                  <a:pt x="764" y="1225"/>
+                </a:lnTo>
+                <a:lnTo>
+                  <a:pt x="751" y="1202"/>
+                </a:lnTo>
+                <a:lnTo>
+                  <a:pt x="739" y="1178"/>
+                </a:lnTo>
+                <a:lnTo>
+                  <a:pt x="726" y="1154"/>
+                </a:lnTo>
+                <a:lnTo>
+                  <a:pt x="714" y="1131"/>
+                </a:lnTo>
+                <a:lnTo>
+                  <a:pt x="700" y="1108"/>
+                </a:lnTo>
+                <a:lnTo>
+                  <a:pt x="687" y="1086"/>
+                </a:lnTo>
+                <a:lnTo>
+                  <a:pt x="673" y="1062"/>
+                </a:lnTo>
+                <a:lnTo>
+                  <a:pt x="658" y="1040"/>
+                </a:lnTo>
+                <a:lnTo>
+                  <a:pt x="643" y="1018"/>
+                </a:lnTo>
+                <a:lnTo>
+                  <a:pt x="628" y="996"/>
+                </a:lnTo>
+                <a:lnTo>
+                  <a:pt x="613" y="974"/>
+                </a:lnTo>
+                <a:lnTo>
+                  <a:pt x="595" y="952"/>
+                </a:lnTo>
+                <a:lnTo>
+                  <a:pt x="578" y="929"/>
+                </a:lnTo>
+                <a:lnTo>
+                  <a:pt x="548" y="888"/>
+                </a:lnTo>
+                <a:lnTo>
+                  <a:pt x="520" y="847"/>
+                </a:lnTo>
+                <a:lnTo>
+                  <a:pt x="495" y="805"/>
+                </a:lnTo>
+                <a:lnTo>
+                  <a:pt x="474" y="764"/>
+                </a:lnTo>
+                <a:lnTo>
+                  <a:pt x="455" y="721"/>
+                </a:lnTo>
+                <a:lnTo>
+                  <a:pt x="441" y="679"/>
+                </a:lnTo>
+                <a:lnTo>
+                  <a:pt x="428" y="639"/>
+                </a:lnTo>
+                <a:lnTo>
+                  <a:pt x="419" y="599"/>
+                </a:lnTo>
+                <a:lnTo>
+                  <a:pt x="413" y="560"/>
+                </a:lnTo>
+                <a:lnTo>
+                  <a:pt x="410" y="523"/>
+                </a:lnTo>
+                <a:lnTo>
+                  <a:pt x="410" y="488"/>
+                </a:lnTo>
+                <a:lnTo>
+                  <a:pt x="412" y="455"/>
+                </a:lnTo>
+                <a:lnTo>
+                  <a:pt x="419" y="425"/>
+                </a:lnTo>
+                <a:lnTo>
+                  <a:pt x="427" y="397"/>
+                </a:lnTo>
+                <a:lnTo>
+                  <a:pt x="439" y="373"/>
+                </a:lnTo>
+                <a:lnTo>
+                  <a:pt x="454" y="352"/>
+                </a:lnTo>
+                <a:lnTo>
+                  <a:pt x="476" y="328"/>
+                </a:lnTo>
+                <a:lnTo>
+                  <a:pt x="498" y="304"/>
+                </a:lnTo>
+                <a:lnTo>
+                  <a:pt x="521" y="281"/>
+                </a:lnTo>
+                <a:lnTo>
+                  <a:pt x="546" y="258"/>
+                </a:lnTo>
+                <a:lnTo>
+                  <a:pt x="573" y="236"/>
+                </a:lnTo>
+                <a:lnTo>
+                  <a:pt x="600" y="215"/>
+                </a:lnTo>
+                <a:lnTo>
+                  <a:pt x="628" y="193"/>
+                </a:lnTo>
+                <a:lnTo>
+                  <a:pt x="658" y="174"/>
+                </a:lnTo>
+                <a:lnTo>
+                  <a:pt x="688" y="155"/>
+                </a:lnTo>
+                <a:lnTo>
+                  <a:pt x="718" y="138"/>
+                </a:lnTo>
+                <a:lnTo>
+                  <a:pt x="750" y="124"/>
+                </a:lnTo>
+                <a:lnTo>
+                  <a:pt x="783" y="110"/>
+                </a:lnTo>
+                <a:lnTo>
+                  <a:pt x="816" y="98"/>
+                </a:lnTo>
+                <a:lnTo>
+                  <a:pt x="849" y="89"/>
+                </a:lnTo>
+                <a:lnTo>
+                  <a:pt x="883" y="81"/>
+                </a:lnTo>
+                <a:lnTo>
+                  <a:pt x="918" y="76"/>
+                </a:lnTo>
+                <a:lnTo>
+                  <a:pt x="939" y="74"/>
+                </a:lnTo>
+                <a:lnTo>
+                  <a:pt x="961" y="74"/>
+                </a:lnTo>
+                <a:lnTo>
+                  <a:pt x="981" y="74"/>
+                </a:lnTo>
+                <a:lnTo>
+                  <a:pt x="1003" y="76"/>
+                </a:lnTo>
+                <a:lnTo>
+                  <a:pt x="1024" y="80"/>
+                </a:lnTo>
+                <a:lnTo>
+                  <a:pt x="1044" y="85"/>
+                </a:lnTo>
+                <a:lnTo>
+                  <a:pt x="1063" y="91"/>
+                </a:lnTo>
+                <a:lnTo>
+                  <a:pt x="1083" y="98"/>
+                </a:lnTo>
+                <a:lnTo>
+                  <a:pt x="1101" y="107"/>
+                </a:lnTo>
+                <a:lnTo>
+                  <a:pt x="1119" y="115"/>
+                </a:lnTo>
+                <a:lnTo>
+                  <a:pt x="1137" y="126"/>
+                </a:lnTo>
+                <a:lnTo>
+                  <a:pt x="1154" y="136"/>
+                </a:lnTo>
+                <a:lnTo>
+                  <a:pt x="1170" y="148"/>
+                </a:lnTo>
+                <a:lnTo>
+                  <a:pt x="1186" y="161"/>
+                </a:lnTo>
+                <a:lnTo>
+                  <a:pt x="1200" y="174"/>
+                </a:lnTo>
+                <a:lnTo>
+                  <a:pt x="1215" y="188"/>
+                </a:lnTo>
+                <a:lnTo>
+                  <a:pt x="1227" y="204"/>
+                </a:lnTo>
+                <a:lnTo>
+                  <a:pt x="1240" y="220"/>
+                </a:lnTo>
+                <a:lnTo>
+                  <a:pt x="1250" y="236"/>
+                </a:lnTo>
+                <a:lnTo>
+                  <a:pt x="1260" y="253"/>
+                </a:lnTo>
+                <a:lnTo>
+                  <a:pt x="1269" y="270"/>
+                </a:lnTo>
+                <a:lnTo>
+                  <a:pt x="1277" y="288"/>
+                </a:lnTo>
+                <a:lnTo>
+                  <a:pt x="1283" y="307"/>
+                </a:lnTo>
+                <a:lnTo>
+                  <a:pt x="1289" y="326"/>
+                </a:lnTo>
+                <a:lnTo>
+                  <a:pt x="1252" y="351"/>
+                </a:lnTo>
+                <a:lnTo>
+                  <a:pt x="1249" y="392"/>
+                </a:lnTo>
+                <a:lnTo>
+                  <a:pt x="1251" y="438"/>
+                </a:lnTo>
+                <a:lnTo>
+                  <a:pt x="1256" y="484"/>
+                </a:lnTo>
+                <a:lnTo>
+                  <a:pt x="1261" y="525"/>
+                </a:lnTo>
+                <a:lnTo>
+                  <a:pt x="1240" y="534"/>
+                </a:lnTo>
+                <a:lnTo>
+                  <a:pt x="1218" y="545"/>
+                </a:lnTo>
+                <a:lnTo>
+                  <a:pt x="1198" y="558"/>
+                </a:lnTo>
+                <a:lnTo>
+                  <a:pt x="1178" y="570"/>
+                </a:lnTo>
+                <a:lnTo>
+                  <a:pt x="1159" y="584"/>
+                </a:lnTo>
+                <a:lnTo>
+                  <a:pt x="1141" y="599"/>
+                </a:lnTo>
+                <a:lnTo>
+                  <a:pt x="1123" y="615"/>
+                </a:lnTo>
+                <a:lnTo>
+                  <a:pt x="1105" y="632"/>
+                </a:lnTo>
+                <a:lnTo>
+                  <a:pt x="1090" y="649"/>
+                </a:lnTo>
+                <a:lnTo>
+                  <a:pt x="1075" y="668"/>
+                </a:lnTo>
+                <a:lnTo>
+                  <a:pt x="1061" y="685"/>
+                </a:lnTo>
+                <a:lnTo>
+                  <a:pt x="1049" y="704"/>
+                </a:lnTo>
+                <a:lnTo>
+                  <a:pt x="1036" y="725"/>
+                </a:lnTo>
+                <a:lnTo>
+                  <a:pt x="1026" y="746"/>
+                </a:lnTo>
+                <a:lnTo>
+                  <a:pt x="1017" y="767"/>
+                </a:lnTo>
+                <a:lnTo>
+                  <a:pt x="1009" y="788"/>
+                </a:lnTo>
+                <a:lnTo>
+                  <a:pt x="989" y="850"/>
+                </a:lnTo>
+                <a:lnTo>
+                  <a:pt x="973" y="913"/>
+                </a:lnTo>
+                <a:lnTo>
+                  <a:pt x="963" y="973"/>
+                </a:lnTo>
+                <a:lnTo>
+                  <a:pt x="956" y="1033"/>
+                </a:lnTo>
+                <a:lnTo>
+                  <a:pt x="954" y="1094"/>
+                </a:lnTo>
+                <a:lnTo>
+                  <a:pt x="956" y="1155"/>
+                </a:lnTo>
+                <a:lnTo>
+                  <a:pt x="963" y="1218"/>
+                </a:lnTo>
+                <a:lnTo>
+                  <a:pt x="976" y="1282"/>
+                </a:lnTo>
+                <a:lnTo>
+                  <a:pt x="976" y="1288"/>
+                </a:lnTo>
+                <a:lnTo>
+                  <a:pt x="979" y="1304"/>
+                </a:lnTo>
+                <a:lnTo>
+                  <a:pt x="986" y="1327"/>
+                </a:lnTo>
+                <a:lnTo>
+                  <a:pt x="995" y="1357"/>
+                </a:lnTo>
+                <a:lnTo>
+                  <a:pt x="1006" y="1393"/>
+                </a:lnTo>
+                <a:lnTo>
+                  <a:pt x="1020" y="1433"/>
+                </a:lnTo>
+                <a:lnTo>
+                  <a:pt x="1036" y="1477"/>
+                </a:lnTo>
+                <a:lnTo>
+                  <a:pt x="1053" y="1524"/>
+                </a:lnTo>
+                <a:lnTo>
+                  <a:pt x="1071" y="1571"/>
+                </a:lnTo>
+                <a:lnTo>
+                  <a:pt x="1091" y="1620"/>
+                </a:lnTo>
+                <a:lnTo>
+                  <a:pt x="1110" y="1667"/>
+                </a:lnTo>
+                <a:lnTo>
+                  <a:pt x="1132" y="1714"/>
+                </a:lnTo>
+                <a:lnTo>
+                  <a:pt x="1152" y="1757"/>
+                </a:lnTo>
+                <a:lnTo>
+                  <a:pt x="1174" y="1796"/>
+                </a:lnTo>
+                <a:lnTo>
+                  <a:pt x="1194" y="1831"/>
+                </a:lnTo>
+                <a:lnTo>
+                  <a:pt x="1215" y="1861"/>
+                </a:lnTo>
+                <a:lnTo>
+                  <a:pt x="1227" y="1888"/>
+                </a:lnTo>
+                <a:lnTo>
+                  <a:pt x="1247" y="1925"/>
+                </a:lnTo>
+                <a:lnTo>
+                  <a:pt x="1271" y="1969"/>
+                </a:lnTo>
+                <a:lnTo>
+                  <a:pt x="1297" y="2015"/>
+                </a:lnTo>
+                <a:lnTo>
+                  <a:pt x="1322" y="2058"/>
+                </a:lnTo>
+                <a:lnTo>
+                  <a:pt x="1346" y="2094"/>
+                </a:lnTo>
+                <a:lnTo>
+                  <a:pt x="1365" y="2118"/>
+                </a:lnTo>
+                <a:lnTo>
+                  <a:pt x="1378" y="2127"/>
+                </a:lnTo>
+                <a:lnTo>
+                  <a:pt x="1947" y="1961"/>
+                </a:lnTo>
+                <a:lnTo>
+                  <a:pt x="1950" y="1923"/>
+                </a:lnTo>
+                <a:lnTo>
+                  <a:pt x="1955" y="1883"/>
+                </a:lnTo>
+                <a:lnTo>
+                  <a:pt x="1960" y="1843"/>
+                </a:lnTo>
+                <a:lnTo>
+                  <a:pt x="1965" y="1802"/>
+                </a:lnTo>
+                <a:lnTo>
+                  <a:pt x="1971" y="1759"/>
+                </a:lnTo>
+                <a:lnTo>
+                  <a:pt x="1976" y="1718"/>
+                </a:lnTo>
+                <a:lnTo>
+                  <a:pt x="1983" y="1678"/>
+                </a:lnTo>
+                <a:lnTo>
+                  <a:pt x="1989" y="1639"/>
+                </a:lnTo>
+                <a:lnTo>
+                  <a:pt x="1891" y="1639"/>
+                </a:lnTo>
+                <a:close/>
+              </a:path>
+            </a:pathLst>
+          </a:custGeom>
+          <a:solidFill>
+            <a:schemeClr val="bg1">
+              <a:lumMod val="65000"/>
+            </a:schemeClr>
+          </a:solidFill>
+          <a:ln w="9525">
+            <a:solidFill>
+              <a:schemeClr val="bg1">
+                <a:lumMod val="65000"/>
+              </a:schemeClr>
+            </a:solidFill>
+            <a:round/>
+            <a:headEnd/>
+            <a:tailEnd/>
+          </a:ln>
+        </p:spPr>
+        <p:txBody>
+          <a:bodyPr vert="horz" wrap="square" lIns="91440" tIns="45720" rIns="91440" bIns="45720" numCol="1" anchor="t" anchorCtr="0" compatLnSpc="1">
+            <a:prstTxWarp prst="textNoShape">
+              <a:avLst/>
+            </a:prstTxWarp>
+          </a:bodyPr>
+          <a:lstStyle/>
+          <a:p>
+            <a:endParaRPr lang="en-SG"/>
+          </a:p>
+        </p:txBody>
+      </p:sp>
+      <p:sp>
+        <p:nvSpPr>
+          <p:cNvPr id="172" name="Freeform 10"/>
+          <p:cNvSpPr>
+            <a:spLocks/>
+          </p:cNvSpPr>
+          <p:nvPr/>
+        </p:nvSpPr>
+        <p:spPr bwMode="auto">
+          <a:xfrm>
+            <a:off x="6469063" y="1939646"/>
+            <a:ext cx="0" cy="1588"/>
+          </a:xfrm>
+          <a:custGeom>
+            <a:avLst/>
+            <a:gdLst>
+              <a:gd name="T0" fmla="*/ 2 w 2"/>
+              <a:gd name="T1" fmla="*/ 0 h 3"/>
+              <a:gd name="T2" fmla="*/ 0 w 2"/>
+              <a:gd name="T3" fmla="*/ 3 h 3"/>
+              <a:gd name="T4" fmla="*/ 0 w 2"/>
+              <a:gd name="T5" fmla="*/ 3 h 3"/>
+              <a:gd name="T6" fmla="*/ 0 w 2"/>
+              <a:gd name="T7" fmla="*/ 3 h 3"/>
+              <a:gd name="T8" fmla="*/ 0 w 2"/>
+              <a:gd name="T9" fmla="*/ 3 h 3"/>
+              <a:gd name="T10" fmla="*/ 0 w 2"/>
+              <a:gd name="T11" fmla="*/ 3 h 3"/>
+              <a:gd name="T12" fmla="*/ 2 w 2"/>
+              <a:gd name="T13" fmla="*/ 0 h 3"/>
+            </a:gdLst>
+            <a:ahLst/>
+            <a:cxnLst>
+              <a:cxn ang="0">
+                <a:pos x="T0" y="T1"/>
+              </a:cxn>
+              <a:cxn ang="0">
+                <a:pos x="T2" y="T3"/>
+              </a:cxn>
+              <a:cxn ang="0">
+                <a:pos x="T4" y="T5"/>
+              </a:cxn>
+              <a:cxn ang="0">
+                <a:pos x="T6" y="T7"/>
+              </a:cxn>
+              <a:cxn ang="0">
+                <a:pos x="T8" y="T9"/>
+              </a:cxn>
+              <a:cxn ang="0">
+                <a:pos x="T10" y="T11"/>
+              </a:cxn>
+              <a:cxn ang="0">
+                <a:pos x="T12" y="T13"/>
+              </a:cxn>
+            </a:cxnLst>
+            <a:rect l="0" t="0" r="r" b="b"/>
+            <a:pathLst>
+              <a:path w="2" h="3">
+                <a:moveTo>
+                  <a:pt x="2" y="0"/>
+                </a:moveTo>
+                <a:lnTo>
+                  <a:pt x="0" y="3"/>
+                </a:lnTo>
+                <a:lnTo>
+                  <a:pt x="0" y="3"/>
+                </a:lnTo>
+                <a:lnTo>
+                  <a:pt x="0" y="3"/>
+                </a:lnTo>
+                <a:lnTo>
+                  <a:pt x="0" y="3"/>
+                </a:lnTo>
+                <a:lnTo>
+                  <a:pt x="0" y="3"/>
+                </a:lnTo>
+                <a:lnTo>
+                  <a:pt x="2" y="0"/>
+                </a:lnTo>
+                <a:close/>
+              </a:path>
+            </a:pathLst>
+          </a:custGeom>
+          <a:solidFill>
+            <a:srgbClr val="000000"/>
+          </a:solidFill>
+          <a:ln>
+            <a:noFill/>
+          </a:ln>
+          <a:extLst>
+            <a:ext uri="{91240B29-F687-4F45-9708-019B960494DF}">
+              <a14:hiddenLine xmlns:a14="http://schemas.microsoft.com/office/drawing/2010/main" w="9525">
+                <a:solidFill>
+                  <a:srgbClr val="000000"/>
+                </a:solidFill>
+                <a:round/>
+                <a:headEnd/>
+                <a:tailEnd/>
+              </a14:hiddenLine>
+            </a:ext>
+          </a:extLst>
+        </p:spPr>
+        <p:txBody>
+          <a:bodyPr vert="horz" wrap="square" lIns="91440" tIns="45720" rIns="91440" bIns="45720" numCol="1" anchor="t" anchorCtr="0" compatLnSpc="1">
+            <a:prstTxWarp prst="textNoShape">
+              <a:avLst/>
+            </a:prstTxWarp>
+          </a:bodyPr>
+          <a:lstStyle/>
+          <a:p>
+            <a:endParaRPr lang="en-SG"/>
+          </a:p>
+        </p:txBody>
+      </p:sp>
+      <p:grpSp>
+        <p:nvGrpSpPr>
+          <p:cNvPr id="173" name="Group 172"/>
+          <p:cNvGrpSpPr/>
+          <p:nvPr/>
+        </p:nvGrpSpPr>
+        <p:grpSpPr>
+          <a:xfrm>
+            <a:off x="5622925" y="1287462"/>
+            <a:ext cx="298983" cy="520531"/>
+            <a:chOff x="638861" y="309422"/>
+            <a:chExt cx="298983" cy="520531"/>
+          </a:xfrm>
+        </p:grpSpPr>
+        <p:sp>
+          <p:nvSpPr>
+            <p:cNvPr id="174" name="Flowchart: Connector 173"/>
+            <p:cNvSpPr/>
+            <p:nvPr/>
+          </p:nvSpPr>
+          <p:spPr>
+            <a:xfrm>
+              <a:off x="678021" y="309422"/>
+              <a:ext cx="220662" cy="220662"/>
+            </a:xfrm>
+            <a:prstGeom prst="flowChartConnector">
+              <a:avLst/>
+            </a:prstGeom>
+            <a:solidFill>
+              <a:schemeClr val="bg1"/>
+            </a:solidFill>
+          </p:spPr>
+          <p:style>
+            <a:lnRef idx="2">
+              <a:schemeClr val="accent1">
+                <a:shade val="50000"/>
+              </a:schemeClr>
+            </a:lnRef>
+            <a:fillRef idx="1">
+              <a:schemeClr val="accent1"/>
+            </a:fillRef>
+            <a:effectRef idx="0">
+              <a:schemeClr val="accent1"/>
+            </a:effectRef>
+            <a:fontRef idx="minor">
+              <a:schemeClr val="lt1"/>
+            </a:fontRef>
+          </p:style>
+          <p:txBody>
+            <a:bodyPr rtlCol="0" anchor="ctr"/>
+            <a:lstStyle/>
+            <a:p>
+              <a:pPr algn="ctr"/>
+              <a:endParaRPr lang="en-SG"/>
+            </a:p>
+          </p:txBody>
+        </p:sp>
+        <p:grpSp>
+          <p:nvGrpSpPr>
+            <p:cNvPr id="175" name="Group 174"/>
+            <p:cNvGrpSpPr/>
+            <p:nvPr/>
+          </p:nvGrpSpPr>
+          <p:grpSpPr>
+            <a:xfrm>
+              <a:off x="638861" y="549600"/>
+              <a:ext cx="298983" cy="280353"/>
+              <a:chOff x="638861" y="549600"/>
+              <a:chExt cx="298983" cy="280353"/>
+            </a:xfrm>
+          </p:grpSpPr>
+          <p:sp>
+            <p:nvSpPr>
+              <p:cNvPr id="178" name="Flowchart: Delay 177"/>
+              <p:cNvSpPr/>
+              <p:nvPr/>
+            </p:nvSpPr>
+            <p:spPr>
+              <a:xfrm rot="16200000">
+                <a:off x="648176" y="540285"/>
+                <a:ext cx="280353" cy="298983"/>
+              </a:xfrm>
+              <a:prstGeom prst="flowChartDelay">
+                <a:avLst/>
+              </a:prstGeom>
+              <a:solidFill>
+                <a:schemeClr val="bg1"/>
+              </a:solidFill>
+            </p:spPr>
+            <p:style>
+              <a:lnRef idx="2">
+                <a:schemeClr val="accent1">
+                  <a:shade val="50000"/>
+                </a:schemeClr>
+              </a:lnRef>
+              <a:fillRef idx="1">
+                <a:schemeClr val="accent1"/>
+              </a:fillRef>
+              <a:effectRef idx="0">
+                <a:schemeClr val="accent1"/>
+              </a:effectRef>
+              <a:fontRef idx="minor">
+                <a:schemeClr val="lt1"/>
+              </a:fontRef>
+            </p:style>
+            <p:txBody>
+              <a:bodyPr rtlCol="0" anchor="ctr"/>
+              <a:lstStyle/>
+              <a:p>
+                <a:pPr algn="ctr"/>
+                <a:endParaRPr lang="en-SG"/>
+              </a:p>
+            </p:txBody>
+          </p:sp>
+          <p:sp>
+            <p:nvSpPr>
+              <p:cNvPr id="179" name="Freeform 178"/>
+              <p:cNvSpPr/>
+              <p:nvPr/>
+            </p:nvSpPr>
+            <p:spPr>
+              <a:xfrm>
+                <a:off x="737215" y="552954"/>
+                <a:ext cx="102393" cy="235744"/>
+              </a:xfrm>
+              <a:custGeom>
+                <a:avLst/>
+                <a:gdLst>
+                  <a:gd name="connsiteX0" fmla="*/ 47625 w 102393"/>
+                  <a:gd name="connsiteY0" fmla="*/ 0 h 235744"/>
+                  <a:gd name="connsiteX1" fmla="*/ 0 w 102393"/>
+                  <a:gd name="connsiteY1" fmla="*/ 185738 h 235744"/>
+                  <a:gd name="connsiteX2" fmla="*/ 57150 w 102393"/>
+                  <a:gd name="connsiteY2" fmla="*/ 235744 h 235744"/>
+                  <a:gd name="connsiteX3" fmla="*/ 102393 w 102393"/>
+                  <a:gd name="connsiteY3" fmla="*/ 171450 h 235744"/>
+                  <a:gd name="connsiteX4" fmla="*/ 47625 w 102393"/>
+                  <a:gd name="connsiteY4" fmla="*/ 0 h 235744"/>
+                </a:gdLst>
+                <a:ahLst/>
+                <a:cxnLst>
+                  <a:cxn ang="0">
+                    <a:pos x="connsiteX0" y="connsiteY0"/>
+                  </a:cxn>
+                  <a:cxn ang="0">
+                    <a:pos x="connsiteX1" y="connsiteY1"/>
+                  </a:cxn>
+                  <a:cxn ang="0">
+                    <a:pos x="connsiteX2" y="connsiteY2"/>
+                  </a:cxn>
+                  <a:cxn ang="0">
+                    <a:pos x="connsiteX3" y="connsiteY3"/>
+                  </a:cxn>
+                  <a:cxn ang="0">
+                    <a:pos x="connsiteX4" y="connsiteY4"/>
+                  </a:cxn>
+                </a:cxnLst>
+                <a:rect l="l" t="t" r="r" b="b"/>
+                <a:pathLst>
+                  <a:path w="102393" h="235744">
+                    <a:moveTo>
+                      <a:pt x="47625" y="0"/>
+                    </a:moveTo>
+                    <a:lnTo>
+                      <a:pt x="0" y="185738"/>
+                    </a:lnTo>
+                    <a:lnTo>
+                      <a:pt x="57150" y="235744"/>
+                    </a:lnTo>
+                    <a:lnTo>
+                      <a:pt x="102393" y="171450"/>
+                    </a:lnTo>
+                    <a:lnTo>
+                      <a:pt x="47625" y="0"/>
+                    </a:lnTo>
+                    <a:close/>
+                  </a:path>
+                </a:pathLst>
+              </a:custGeom>
+              <a:solidFill>
+                <a:schemeClr val="bg1"/>
+              </a:solidFill>
+            </p:spPr>
+            <p:style>
+              <a:lnRef idx="2">
+                <a:schemeClr val="accent1">
+                  <a:shade val="50000"/>
+                </a:schemeClr>
+              </a:lnRef>
+              <a:fillRef idx="1">
+                <a:schemeClr val="accent1"/>
+              </a:fillRef>
+              <a:effectRef idx="0">
+                <a:schemeClr val="accent1"/>
+              </a:effectRef>
+              <a:fontRef idx="minor">
+                <a:schemeClr val="lt1"/>
+              </a:fontRef>
+            </p:style>
+            <p:txBody>
+              <a:bodyPr rtlCol="0" anchor="ctr"/>
+              <a:lstStyle/>
+              <a:p>
+                <a:pPr algn="ctr"/>
+                <a:endParaRPr lang="en-SG"/>
+              </a:p>
+            </p:txBody>
+          </p:sp>
+        </p:grpSp>
+        <p:sp>
+          <p:nvSpPr>
+            <p:cNvPr id="176" name="Freeform 175"/>
+            <p:cNvSpPr/>
+            <p:nvPr/>
+          </p:nvSpPr>
+          <p:spPr>
+            <a:xfrm>
+              <a:off x="882472" y="469611"/>
+              <a:ext cx="50006" cy="19050"/>
+            </a:xfrm>
+            <a:custGeom>
+              <a:avLst/>
+              <a:gdLst>
+                <a:gd name="connsiteX0" fmla="*/ 0 w 50006"/>
+                <a:gd name="connsiteY0" fmla="*/ 0 h 19050"/>
+                <a:gd name="connsiteX1" fmla="*/ 0 w 50006"/>
+                <a:gd name="connsiteY1" fmla="*/ 0 h 19050"/>
+                <a:gd name="connsiteX2" fmla="*/ 21431 w 50006"/>
+                <a:gd name="connsiteY2" fmla="*/ 4762 h 19050"/>
+                <a:gd name="connsiteX3" fmla="*/ 28575 w 50006"/>
+                <a:gd name="connsiteY3" fmla="*/ 9525 h 19050"/>
+                <a:gd name="connsiteX4" fmla="*/ 38100 w 50006"/>
+                <a:gd name="connsiteY4" fmla="*/ 14287 h 19050"/>
+                <a:gd name="connsiteX5" fmla="*/ 50006 w 50006"/>
+                <a:gd name="connsiteY5" fmla="*/ 19050 h 19050"/>
+              </a:gdLst>
+              <a:ahLst/>
+              <a:cxnLst>
+                <a:cxn ang="0">
+                  <a:pos x="connsiteX0" y="connsiteY0"/>
+                </a:cxn>
+                <a:cxn ang="0">
+                  <a:pos x="connsiteX1" y="connsiteY1"/>
+                </a:cxn>
+                <a:cxn ang="0">
+                  <a:pos x="connsiteX2" y="connsiteY2"/>
+                </a:cxn>
+                <a:cxn ang="0">
+                  <a:pos x="connsiteX3" y="connsiteY3"/>
+                </a:cxn>
+                <a:cxn ang="0">
+                  <a:pos x="connsiteX4" y="connsiteY4"/>
+                </a:cxn>
+                <a:cxn ang="0">
+                  <a:pos x="connsiteX5" y="connsiteY5"/>
+                </a:cxn>
+              </a:cxnLst>
+              <a:rect l="l" t="t" r="r" b="b"/>
+              <a:pathLst>
+                <a:path w="50006" h="19050">
+                  <a:moveTo>
+                    <a:pt x="0" y="0"/>
+                  </a:moveTo>
+                  <a:lnTo>
+                    <a:pt x="0" y="0"/>
+                  </a:lnTo>
+                  <a:cubicBezTo>
+                    <a:pt x="7144" y="1587"/>
+                    <a:pt x="14489" y="2448"/>
+                    <a:pt x="21431" y="4762"/>
+                  </a:cubicBezTo>
+                  <a:cubicBezTo>
+                    <a:pt x="24146" y="5667"/>
+                    <a:pt x="26090" y="8105"/>
+                    <a:pt x="28575" y="9525"/>
+                  </a:cubicBezTo>
+                  <a:cubicBezTo>
+                    <a:pt x="31657" y="11286"/>
+                    <a:pt x="34837" y="12889"/>
+                    <a:pt x="38100" y="14287"/>
+                  </a:cubicBezTo>
+                  <a:cubicBezTo>
+                    <a:pt x="58672" y="23103"/>
+                    <a:pt x="34691" y="11391"/>
+                    <a:pt x="50006" y="19050"/>
+                  </a:cubicBezTo>
+                </a:path>
+              </a:pathLst>
+            </a:custGeom>
+            <a:solidFill>
+              <a:schemeClr val="bg1"/>
+            </a:solidFill>
+          </p:spPr>
+          <p:style>
+            <a:lnRef idx="2">
+              <a:schemeClr val="accent1">
+                <a:shade val="50000"/>
+              </a:schemeClr>
+            </a:lnRef>
+            <a:fillRef idx="1">
+              <a:schemeClr val="accent1"/>
+            </a:fillRef>
+            <a:effectRef idx="0">
+              <a:schemeClr val="accent1"/>
+            </a:effectRef>
+            <a:fontRef idx="minor">
+              <a:schemeClr val="lt1"/>
+            </a:fontRef>
+          </p:style>
+          <p:txBody>
+            <a:bodyPr rtlCol="0" anchor="ctr"/>
+            <a:lstStyle/>
+            <a:p>
+              <a:pPr algn="ctr"/>
+              <a:endParaRPr lang="en-SG"/>
+            </a:p>
+          </p:txBody>
+        </p:sp>
+        <p:sp>
+          <p:nvSpPr>
+            <p:cNvPr id="177" name="Flowchart: Connector 176"/>
+            <p:cNvSpPr/>
+            <p:nvPr/>
+          </p:nvSpPr>
+          <p:spPr>
+            <a:xfrm>
+              <a:off x="800257" y="354516"/>
+              <a:ext cx="45719" cy="45719"/>
+            </a:xfrm>
+            <a:prstGeom prst="flowChartConnector">
+              <a:avLst/>
+            </a:prstGeom>
+            <a:solidFill>
+              <a:schemeClr val="bg1"/>
+            </a:solidFill>
+            <a:ln>
+              <a:solidFill>
+                <a:schemeClr val="accent1">
+                  <a:lumMod val="75000"/>
+                </a:schemeClr>
+              </a:solidFill>
+            </a:ln>
+          </p:spPr>
+          <p:style>
+            <a:lnRef idx="2">
+              <a:schemeClr val="accent1">
+                <a:shade val="50000"/>
+              </a:schemeClr>
+            </a:lnRef>
+            <a:fillRef idx="1">
+              <a:schemeClr val="accent1"/>
+            </a:fillRef>
+            <a:effectRef idx="0">
+              <a:schemeClr val="accent1"/>
+            </a:effectRef>
+            <a:fontRef idx="minor">
+              <a:schemeClr val="lt1"/>
+            </a:fontRef>
+          </p:style>
+          <p:txBody>
+            <a:bodyPr rtlCol="0" anchor="ctr"/>
+            <a:lstStyle/>
+            <a:p>
+              <a:pPr algn="ctr"/>
+              <a:endParaRPr lang="en-SG"/>
+            </a:p>
+          </p:txBody>
+        </p:sp>
+      </p:grpSp>
     </p:spTree>
     <p:extLst>
       <p:ext uri="{BB962C8B-B14F-4D97-AF65-F5344CB8AC3E}">
@@ -7330,6 +10824,12 @@
     </p:tnLst>
   </p:timing>
 </p:sld>
+</file>
+
+<file path=ppt/tags/tag1.xml><?xml version="1.0" encoding="utf-8"?>
+<p:tagLst xmlns:a="http://schemas.openxmlformats.org/drawingml/2006/main" xmlns:r="http://schemas.openxmlformats.org/officeDocument/2006/relationships" xmlns:p="http://schemas.openxmlformats.org/presentationml/2006/main">
+  <p:tag name="ARTICULATE_PROJECT_OPEN" val="0"/>
+</p:tagLst>
 </file>
 
 <file path=ppt/theme/theme1.xml><?xml version="1.0" encoding="utf-8"?>

--- a/doc/mockups/homepage image.pptx
+++ b/doc/mockups/homepage image.pptx
@@ -5,15 +5,16 @@
     <p:sldMasterId id="2147483648" r:id="rId1"/>
   </p:sldMasterIdLst>
   <p:notesMasterIdLst>
-    <p:notesMasterId r:id="rId3"/>
+    <p:notesMasterId r:id="rId4"/>
   </p:notesMasterIdLst>
   <p:sldIdLst>
     <p:sldId id="258" r:id="rId2"/>
+    <p:sldId id="259" r:id="rId3"/>
   </p:sldIdLst>
   <p:sldSz cx="7740650" cy="3108325"/>
   <p:notesSz cx="6858000" cy="9144000"/>
   <p:custDataLst>
-    <p:tags r:id="rId4"/>
+    <p:tags r:id="rId5"/>
   </p:custDataLst>
   <p:defaultTextStyle>
     <a:defPPr>
@@ -195,7 +196,7 @@
           <a:p>
             <a:fld id="{A4537E34-E1A6-4BBF-AF99-84C669929841}" type="datetimeFigureOut">
               <a:rPr lang="en-SG" smtClean="0"/>
-              <a:t>21/3/2013</a:t>
+              <a:t>3/8/2013</a:t>
             </a:fld>
             <a:endParaRPr lang="en-SG"/>
           </a:p>
@@ -734,7 +735,7 @@
             <a:fld id="{1D8BD707-D9CF-40AE-B4C6-C98DA3205C09}" type="datetimeFigureOut">
               <a:rPr lang="en-US" smtClean="0"/>
               <a:pPr/>
-              <a:t>3/21/2013</a:t>
+              <a:t>8/3/2013</a:t>
             </a:fld>
             <a:endParaRPr lang="en-US"/>
           </a:p>
@@ -901,7 +902,7 @@
             <a:fld id="{1D8BD707-D9CF-40AE-B4C6-C98DA3205C09}" type="datetimeFigureOut">
               <a:rPr lang="en-US" smtClean="0"/>
               <a:pPr/>
-              <a:t>3/21/2013</a:t>
+              <a:t>8/3/2013</a:t>
             </a:fld>
             <a:endParaRPr lang="en-US"/>
           </a:p>
@@ -1078,7 +1079,7 @@
             <a:fld id="{1D8BD707-D9CF-40AE-B4C6-C98DA3205C09}" type="datetimeFigureOut">
               <a:rPr lang="en-US" smtClean="0"/>
               <a:pPr/>
-              <a:t>3/21/2013</a:t>
+              <a:t>8/3/2013</a:t>
             </a:fld>
             <a:endParaRPr lang="en-US"/>
           </a:p>
@@ -1245,7 +1246,7 @@
             <a:fld id="{1D8BD707-D9CF-40AE-B4C6-C98DA3205C09}" type="datetimeFigureOut">
               <a:rPr lang="en-US" smtClean="0"/>
               <a:pPr/>
-              <a:t>3/21/2013</a:t>
+              <a:t>8/3/2013</a:t>
             </a:fld>
             <a:endParaRPr lang="en-US"/>
           </a:p>
@@ -1488,7 +1489,7 @@
             <a:fld id="{1D8BD707-D9CF-40AE-B4C6-C98DA3205C09}" type="datetimeFigureOut">
               <a:rPr lang="en-US" smtClean="0"/>
               <a:pPr/>
-              <a:t>3/21/2013</a:t>
+              <a:t>8/3/2013</a:t>
             </a:fld>
             <a:endParaRPr lang="en-US"/>
           </a:p>
@@ -1773,7 +1774,7 @@
             <a:fld id="{1D8BD707-D9CF-40AE-B4C6-C98DA3205C09}" type="datetimeFigureOut">
               <a:rPr lang="en-US" smtClean="0"/>
               <a:pPr/>
-              <a:t>3/21/2013</a:t>
+              <a:t>8/3/2013</a:t>
             </a:fld>
             <a:endParaRPr lang="en-US"/>
           </a:p>
@@ -2192,7 +2193,7 @@
             <a:fld id="{1D8BD707-D9CF-40AE-B4C6-C98DA3205C09}" type="datetimeFigureOut">
               <a:rPr lang="en-US" smtClean="0"/>
               <a:pPr/>
-              <a:t>3/21/2013</a:t>
+              <a:t>8/3/2013</a:t>
             </a:fld>
             <a:endParaRPr lang="en-US"/>
           </a:p>
@@ -2307,7 +2308,7 @@
             <a:fld id="{1D8BD707-D9CF-40AE-B4C6-C98DA3205C09}" type="datetimeFigureOut">
               <a:rPr lang="en-US" smtClean="0"/>
               <a:pPr/>
-              <a:t>3/21/2013</a:t>
+              <a:t>8/3/2013</a:t>
             </a:fld>
             <a:endParaRPr lang="en-US"/>
           </a:p>
@@ -2399,7 +2400,7 @@
             <a:fld id="{1D8BD707-D9CF-40AE-B4C6-C98DA3205C09}" type="datetimeFigureOut">
               <a:rPr lang="en-US" smtClean="0"/>
               <a:pPr/>
-              <a:t>3/21/2013</a:t>
+              <a:t>8/3/2013</a:t>
             </a:fld>
             <a:endParaRPr lang="en-US"/>
           </a:p>
@@ -2673,7 +2674,7 @@
             <a:fld id="{1D8BD707-D9CF-40AE-B4C6-C98DA3205C09}" type="datetimeFigureOut">
               <a:rPr lang="en-US" smtClean="0"/>
               <a:pPr/>
-              <a:t>3/21/2013</a:t>
+              <a:t>8/3/2013</a:t>
             </a:fld>
             <a:endParaRPr lang="en-US"/>
           </a:p>
@@ -2923,7 +2924,7 @@
             <a:fld id="{1D8BD707-D9CF-40AE-B4C6-C98DA3205C09}" type="datetimeFigureOut">
               <a:rPr lang="en-US" smtClean="0"/>
               <a:pPr/>
-              <a:t>3/21/2013</a:t>
+              <a:t>8/3/2013</a:t>
             </a:fld>
             <a:endParaRPr lang="en-US"/>
           </a:p>
@@ -3133,7 +3134,7 @@
             <a:fld id="{1D8BD707-D9CF-40AE-B4C6-C98DA3205C09}" type="datetimeFigureOut">
               <a:rPr lang="en-US" smtClean="0"/>
               <a:pPr/>
-              <a:t>3/21/2013</a:t>
+              <a:t>8/3/2013</a:t>
             </a:fld>
             <a:endParaRPr lang="en-US"/>
           </a:p>
@@ -3506,6 +3507,254 @@
       </p:grpSpPr>
       <p:sp>
         <p:nvSpPr>
+          <p:cNvPr id="128" name="Arc 127"/>
+          <p:cNvSpPr/>
+          <p:nvPr/>
+        </p:nvSpPr>
+        <p:spPr>
+          <a:xfrm flipH="1">
+            <a:off x="6165671" y="1119862"/>
+            <a:ext cx="501561" cy="385615"/>
+          </a:xfrm>
+          <a:prstGeom prst="arc">
+            <a:avLst>
+              <a:gd name="adj1" fmla="val 15063136"/>
+              <a:gd name="adj2" fmla="val 21246208"/>
+            </a:avLst>
+          </a:prstGeom>
+          <a:noFill/>
+          <a:ln w="38100" cap="rnd">
+            <a:solidFill>
+              <a:schemeClr val="accent6">
+                <a:lumMod val="40000"/>
+                <a:lumOff val="60000"/>
+                <a:alpha val="65000"/>
+              </a:schemeClr>
+            </a:solidFill>
+            <a:headEnd type="triangle" w="med" len="med"/>
+            <a:tailEnd type="none" w="med" len="med"/>
+          </a:ln>
+        </p:spPr>
+        <p:style>
+          <a:lnRef idx="2">
+            <a:schemeClr val="accent1">
+              <a:shade val="50000"/>
+            </a:schemeClr>
+          </a:lnRef>
+          <a:fillRef idx="1">
+            <a:schemeClr val="accent1"/>
+          </a:fillRef>
+          <a:effectRef idx="0">
+            <a:schemeClr val="accent1"/>
+          </a:effectRef>
+          <a:fontRef idx="minor">
+            <a:schemeClr val="lt1"/>
+          </a:fontRef>
+        </p:style>
+        <p:txBody>
+          <a:bodyPr rtlCol="0" anchor="ctr"/>
+          <a:lstStyle/>
+          <a:p>
+            <a:pPr algn="ctr"/>
+            <a:endParaRPr lang="en-US"/>
+          </a:p>
+        </p:txBody>
+      </p:sp>
+      <p:sp>
+        <p:nvSpPr>
+          <p:cNvPr id="111" name="Arc 110"/>
+          <p:cNvSpPr/>
+          <p:nvPr/>
+        </p:nvSpPr>
+        <p:spPr>
+          <a:xfrm>
+            <a:off x="6619247" y="1706937"/>
+            <a:ext cx="1645430" cy="1645430"/>
+          </a:xfrm>
+          <a:prstGeom prst="arc">
+            <a:avLst>
+              <a:gd name="adj1" fmla="val 5379666"/>
+              <a:gd name="adj2" fmla="val 16530257"/>
+            </a:avLst>
+          </a:prstGeom>
+          <a:solidFill>
+            <a:schemeClr val="accent1">
+              <a:lumMod val="40000"/>
+              <a:lumOff val="60000"/>
+            </a:schemeClr>
+          </a:solidFill>
+          <a:ln w="38100">
+            <a:noFill/>
+            <a:prstDash val="sysDash"/>
+          </a:ln>
+        </p:spPr>
+        <p:style>
+          <a:lnRef idx="1">
+            <a:schemeClr val="accent1"/>
+          </a:lnRef>
+          <a:fillRef idx="0">
+            <a:schemeClr val="accent1"/>
+          </a:fillRef>
+          <a:effectRef idx="0">
+            <a:schemeClr val="accent1"/>
+          </a:effectRef>
+          <a:fontRef idx="minor">
+            <a:schemeClr val="tx1"/>
+          </a:fontRef>
+        </p:style>
+        <p:txBody>
+          <a:bodyPr rtlCol="0" anchor="ctr"/>
+          <a:lstStyle/>
+          <a:p>
+            <a:pPr algn="ctr"/>
+            <a:endParaRPr lang="en-US"/>
+          </a:p>
+        </p:txBody>
+      </p:sp>
+      <p:sp>
+        <p:nvSpPr>
+          <p:cNvPr id="182" name="Rectangle 181"/>
+          <p:cNvSpPr/>
+          <p:nvPr/>
+        </p:nvSpPr>
+        <p:spPr>
+          <a:xfrm>
+            <a:off x="6550255" y="2750820"/>
+            <a:ext cx="1130070" cy="389127"/>
+          </a:xfrm>
+          <a:prstGeom prst="rect">
+            <a:avLst/>
+          </a:prstGeom>
+          <a:solidFill>
+            <a:schemeClr val="bg1"/>
+          </a:solidFill>
+          <a:ln>
+            <a:noFill/>
+          </a:ln>
+        </p:spPr>
+        <p:style>
+          <a:lnRef idx="2">
+            <a:schemeClr val="accent1">
+              <a:shade val="50000"/>
+            </a:schemeClr>
+          </a:lnRef>
+          <a:fillRef idx="1">
+            <a:schemeClr val="accent1"/>
+          </a:fillRef>
+          <a:effectRef idx="0">
+            <a:schemeClr val="accent1"/>
+          </a:effectRef>
+          <a:fontRef idx="minor">
+            <a:schemeClr val="lt1"/>
+          </a:fontRef>
+        </p:style>
+        <p:txBody>
+          <a:bodyPr rtlCol="0" anchor="ctr"/>
+          <a:lstStyle/>
+          <a:p>
+            <a:pPr algn="ctr"/>
+            <a:endParaRPr lang="en-US"/>
+          </a:p>
+        </p:txBody>
+      </p:sp>
+      <p:sp>
+        <p:nvSpPr>
+          <p:cNvPr id="4" name="Flowchart: Connector 3"/>
+          <p:cNvSpPr/>
+          <p:nvPr/>
+        </p:nvSpPr>
+        <p:spPr>
+          <a:xfrm>
+            <a:off x="4860925" y="1119805"/>
+            <a:ext cx="1645430" cy="1645430"/>
+          </a:xfrm>
+          <a:prstGeom prst="flowChartConnector">
+            <a:avLst/>
+          </a:prstGeom>
+          <a:solidFill>
+            <a:schemeClr val="accent6">
+              <a:lumMod val="40000"/>
+              <a:lumOff val="60000"/>
+              <a:alpha val="65000"/>
+            </a:schemeClr>
+          </a:solidFill>
+          <a:ln>
+            <a:noFill/>
+          </a:ln>
+        </p:spPr>
+        <p:style>
+          <a:lnRef idx="2">
+            <a:schemeClr val="accent1">
+              <a:shade val="50000"/>
+            </a:schemeClr>
+          </a:lnRef>
+          <a:fillRef idx="1">
+            <a:schemeClr val="accent1"/>
+          </a:fillRef>
+          <a:effectRef idx="0">
+            <a:schemeClr val="accent1"/>
+          </a:effectRef>
+          <a:fontRef idx="minor">
+            <a:schemeClr val="lt1"/>
+          </a:fontRef>
+        </p:style>
+        <p:txBody>
+          <a:bodyPr rtlCol="0" anchor="ctr"/>
+          <a:lstStyle/>
+          <a:p>
+            <a:pPr algn="ctr"/>
+            <a:endParaRPr lang="en-US"/>
+          </a:p>
+        </p:txBody>
+      </p:sp>
+      <p:sp>
+        <p:nvSpPr>
+          <p:cNvPr id="14" name="Rectangle 13"/>
+          <p:cNvSpPr/>
+          <p:nvPr/>
+        </p:nvSpPr>
+        <p:spPr>
+          <a:xfrm>
+            <a:off x="4869542" y="846175"/>
+            <a:ext cx="497568" cy="2155787"/>
+          </a:xfrm>
+          <a:prstGeom prst="rect">
+            <a:avLst/>
+          </a:prstGeom>
+          <a:solidFill>
+            <a:schemeClr val="bg1"/>
+          </a:solidFill>
+          <a:ln>
+            <a:noFill/>
+          </a:ln>
+        </p:spPr>
+        <p:style>
+          <a:lnRef idx="2">
+            <a:schemeClr val="accent1">
+              <a:shade val="50000"/>
+            </a:schemeClr>
+          </a:lnRef>
+          <a:fillRef idx="1">
+            <a:schemeClr val="accent1"/>
+          </a:fillRef>
+          <a:effectRef idx="0">
+            <a:schemeClr val="accent1"/>
+          </a:effectRef>
+          <a:fontRef idx="minor">
+            <a:schemeClr val="lt1"/>
+          </a:fontRef>
+        </p:style>
+        <p:txBody>
+          <a:bodyPr rtlCol="0" anchor="ctr"/>
+          <a:lstStyle/>
+          <a:p>
+            <a:pPr algn="ctr"/>
+            <a:endParaRPr lang="en-US"/>
+          </a:p>
+        </p:txBody>
+      </p:sp>
+      <p:sp>
+        <p:nvSpPr>
           <p:cNvPr id="100" name="Rounded Rectangle 99"/>
           <p:cNvSpPr/>
           <p:nvPr/>
@@ -3701,7 +3950,7 @@
         </p:nvSpPr>
         <p:spPr>
           <a:xfrm rot="6417624">
-            <a:off x="3752701" y="764379"/>
+            <a:off x="3752701" y="771813"/>
             <a:ext cx="220662" cy="220662"/>
           </a:xfrm>
           <a:prstGeom prst="flowChartConnector">
@@ -3903,10 +4152,10 @@
         </p:nvGrpSpPr>
         <p:grpSpPr>
           <a:xfrm>
-            <a:off x="638861" y="309422"/>
-            <a:ext cx="298983" cy="520531"/>
-            <a:chOff x="638861" y="309422"/>
-            <a:chExt cx="298983" cy="520531"/>
+            <a:off x="638861" y="671308"/>
+            <a:ext cx="298983" cy="513097"/>
+            <a:chOff x="638861" y="316856"/>
+            <a:chExt cx="298983" cy="513097"/>
           </a:xfrm>
         </p:grpSpPr>
         <p:sp>
@@ -3917,7 +4166,7 @@
           </p:nvSpPr>
           <p:spPr>
             <a:xfrm>
-              <a:off x="678021" y="309422"/>
+              <a:off x="678021" y="316856"/>
               <a:ext cx="220662" cy="220662"/>
             </a:xfrm>
             <a:prstGeom prst="flowChartConnector">
@@ -4324,12 +4573,12 @@
         </p:nvSpPr>
         <p:spPr>
           <a:xfrm rot="20473365">
-            <a:off x="-118869" y="359220"/>
-            <a:ext cx="2397834" cy="1003329"/>
+            <a:off x="-143498" y="717745"/>
+            <a:ext cx="2397834" cy="850298"/>
           </a:xfrm>
           <a:prstGeom prst="triangle">
             <a:avLst>
-              <a:gd name="adj" fmla="val 47478"/>
+              <a:gd name="adj" fmla="val 47525"/>
             </a:avLst>
           </a:prstGeom>
           <a:solidFill>
@@ -4376,8 +4625,8 @@
         </p:nvSpPr>
         <p:spPr>
           <a:xfrm rot="3148928">
-            <a:off x="3703148" y="1794751"/>
-            <a:ext cx="650104" cy="1018950"/>
+            <a:off x="3650834" y="1768963"/>
+            <a:ext cx="713841" cy="1021565"/>
           </a:xfrm>
           <a:prstGeom prst="triangle">
             <a:avLst>
@@ -4428,11 +4677,13 @@
         </p:nvSpPr>
         <p:spPr>
           <a:xfrm rot="4843798">
-            <a:off x="3307100" y="1195350"/>
-            <a:ext cx="672349" cy="1283148"/>
+            <a:off x="3211708" y="1114265"/>
+            <a:ext cx="863133" cy="1252009"/>
           </a:xfrm>
           <a:prstGeom prst="triangle">
-            <a:avLst/>
+            <a:avLst>
+              <a:gd name="adj" fmla="val 53834"/>
+            </a:avLst>
           </a:prstGeom>
           <a:solidFill>
             <a:schemeClr val="accent6">
@@ -4478,7 +4729,7 @@
         </p:nvSpPr>
         <p:spPr>
           <a:xfrm>
-            <a:off x="365125" y="2266950"/>
+            <a:off x="485546" y="227167"/>
             <a:ext cx="1600200" cy="430887"/>
           </a:xfrm>
           <a:prstGeom prst="rect">
@@ -4576,7 +4827,7 @@
           </a:bodyPr>
           <a:lstStyle/>
           <a:p>
-            <a:pPr algn="r"/>
+            <a:pPr algn="ctr"/>
             <a:r>
               <a:rPr lang="en-US" sz="1100" dirty="0" smtClean="0">
                 <a:solidFill>
@@ -4634,7 +4885,7 @@
         <p:spPr>
           <a:xfrm>
             <a:off x="5594757" y="230098"/>
-            <a:ext cx="1676400" cy="600164"/>
+            <a:ext cx="1676400" cy="430887"/>
           </a:xfrm>
           <a:prstGeom prst="rect">
             <a:avLst/>
@@ -4647,6 +4898,7 @@
           </a:bodyPr>
           <a:lstStyle/>
           <a:p>
+            <a:pPr algn="ctr"/>
             <a:r>
               <a:rPr lang="en-US" sz="1100" dirty="0" smtClean="0">
                 <a:solidFill>
@@ -4657,32 +4909,10 @@
                 <a:latin typeface="+mj-lt"/>
                 <a:ea typeface="2Dumb" pitchFamily="2" charset="0"/>
               </a:rPr>
-              <a:t>Teaching a course with </a:t>
-            </a:r>
-            <a:r>
-              <a:rPr lang="en-US" sz="1100" b="1" dirty="0" smtClean="0">
-                <a:solidFill>
-                  <a:schemeClr val="accent1"/>
-                </a:solidFill>
-                <a:latin typeface="+mj-lt"/>
-                <a:ea typeface="2Dumb" pitchFamily="2" charset="0"/>
-              </a:rPr>
-              <a:t>team projects</a:t>
-            </a:r>
-            <a:r>
-              <a:rPr lang="en-US" sz="1100" b="1" dirty="0" smtClean="0">
-                <a:solidFill>
-                  <a:schemeClr val="bg1">
-                    <a:lumMod val="50000"/>
-                  </a:schemeClr>
-                </a:solidFill>
-                <a:latin typeface="+mj-lt"/>
-                <a:ea typeface="2Dumb" pitchFamily="2" charset="0"/>
-              </a:rPr>
-              <a:t>?</a:t>
+              <a:t>Many other</a:t>
             </a:r>
             <a:br>
-              <a:rPr lang="en-US" sz="1100" b="1" dirty="0" smtClean="0">
+              <a:rPr lang="en-US" sz="1100" dirty="0" smtClean="0">
                 <a:solidFill>
                   <a:schemeClr val="bg1">
                     <a:lumMod val="50000"/>
@@ -4692,6 +4922,30 @@
                 <a:ea typeface="2Dumb" pitchFamily="2" charset="0"/>
               </a:rPr>
             </a:br>
+            <a:r>
+              <a:rPr lang="en-US" sz="1100" dirty="0" smtClean="0">
+                <a:solidFill>
+                  <a:schemeClr val="bg1">
+                    <a:lumMod val="50000"/>
+                  </a:schemeClr>
+                </a:solidFill>
+                <a:latin typeface="+mj-lt"/>
+                <a:ea typeface="2Dumb" pitchFamily="2" charset="0"/>
+              </a:rPr>
+              <a:t> </a:t>
+            </a:r>
+            <a:r>
+              <a:rPr lang="en-US" sz="1100" b="1" dirty="0" smtClean="0">
+                <a:solidFill>
+                  <a:schemeClr val="accent6">
+                    <a:lumMod val="75000"/>
+                  </a:schemeClr>
+                </a:solidFill>
+                <a:latin typeface="+mj-lt"/>
+                <a:ea typeface="2Dumb" pitchFamily="2" charset="0"/>
+              </a:rPr>
+              <a:t>feedback paths</a:t>
+            </a:r>
             <a:endParaRPr lang="en-US" sz="1100" b="1" dirty="0" smtClean="0">
               <a:solidFill>
                 <a:schemeClr val="accent1"/>
@@ -4699,110 +4953,6 @@
               <a:latin typeface="+mj-lt"/>
               <a:ea typeface="2Dumb" pitchFamily="2" charset="0"/>
             </a:endParaRPr>
-          </a:p>
-        </p:txBody>
-      </p:sp>
-      <p:sp>
-        <p:nvSpPr>
-          <p:cNvPr id="128" name="Rounded Rectangle 127"/>
-          <p:cNvSpPr/>
-          <p:nvPr/>
-        </p:nvSpPr>
-        <p:spPr>
-          <a:xfrm>
-            <a:off x="5767678" y="2049462"/>
-            <a:ext cx="1371600" cy="457200"/>
-          </a:xfrm>
-          <a:prstGeom prst="roundRect">
-            <a:avLst/>
-          </a:prstGeom>
-          <a:solidFill>
-            <a:srgbClr val="00B050"/>
-          </a:solidFill>
-        </p:spPr>
-        <p:style>
-          <a:lnRef idx="0">
-            <a:schemeClr val="accent3"/>
-          </a:lnRef>
-          <a:fillRef idx="3">
-            <a:schemeClr val="accent3"/>
-          </a:fillRef>
-          <a:effectRef idx="3">
-            <a:schemeClr val="accent3"/>
-          </a:effectRef>
-          <a:fontRef idx="minor">
-            <a:schemeClr val="lt1"/>
-          </a:fontRef>
-        </p:style>
-        <p:txBody>
-          <a:bodyPr rtlCol="0" anchor="ctr"/>
-          <a:lstStyle/>
-          <a:p>
-            <a:pPr algn="ctr"/>
-            <a:r>
-              <a:rPr lang="en-US" sz="1200" dirty="0" smtClean="0"/>
-              <a:t>Sign up for a </a:t>
-            </a:r>
-            <a:br>
-              <a:rPr lang="en-US" sz="1200" dirty="0" smtClean="0"/>
-            </a:br>
-            <a:r>
-              <a:rPr lang="en-US" sz="1200" b="1" dirty="0" smtClean="0"/>
-              <a:t>FREE account</a:t>
-            </a:r>
-            <a:endParaRPr lang="en-US" sz="1200" b="1" dirty="0"/>
-          </a:p>
-        </p:txBody>
-      </p:sp>
-      <p:sp>
-        <p:nvSpPr>
-          <p:cNvPr id="129" name="Rounded Rectangle 128"/>
-          <p:cNvSpPr/>
-          <p:nvPr/>
-        </p:nvSpPr>
-        <p:spPr>
-          <a:xfrm>
-            <a:off x="5367110" y="166476"/>
-            <a:ext cx="2117725" cy="2584344"/>
-          </a:xfrm>
-          <a:prstGeom prst="roundRect">
-            <a:avLst>
-              <a:gd name="adj" fmla="val 7667"/>
-            </a:avLst>
-          </a:prstGeom>
-          <a:noFill/>
-          <a:ln w="107950">
-            <a:solidFill>
-              <a:schemeClr val="accent6">
-                <a:lumMod val="60000"/>
-                <a:lumOff val="40000"/>
-              </a:schemeClr>
-            </a:solidFill>
-          </a:ln>
-          <a:effectLst/>
-        </p:spPr>
-        <p:style>
-          <a:lnRef idx="2">
-            <a:schemeClr val="accent1">
-              <a:shade val="50000"/>
-            </a:schemeClr>
-          </a:lnRef>
-          <a:fillRef idx="1">
-            <a:schemeClr val="accent1"/>
-          </a:fillRef>
-          <a:effectRef idx="0">
-            <a:schemeClr val="accent1"/>
-          </a:effectRef>
-          <a:fontRef idx="minor">
-            <a:schemeClr val="lt1"/>
-          </a:fontRef>
-        </p:style>
-        <p:txBody>
-          <a:bodyPr rtlCol="0" anchor="ctr"/>
-          <a:lstStyle/>
-          <a:p>
-            <a:pPr algn="ctr"/>
-            <a:endParaRPr lang="en-US"/>
           </a:p>
         </p:txBody>
       </p:sp>
@@ -4814,7 +4964,7 @@
         </p:nvGrpSpPr>
         <p:grpSpPr>
           <a:xfrm flipH="1">
-            <a:off x="1770477" y="1235193"/>
+            <a:off x="1770477" y="1589645"/>
             <a:ext cx="298983" cy="520531"/>
             <a:chOff x="699777" y="319219"/>
             <a:chExt cx="298983" cy="520531"/>
@@ -5092,7 +5242,7 @@
         </p:nvGrpSpPr>
         <p:grpSpPr>
           <a:xfrm>
-            <a:off x="593726" y="1760533"/>
+            <a:off x="593726" y="2114985"/>
             <a:ext cx="309579" cy="505977"/>
             <a:chOff x="593726" y="1760533"/>
             <a:chExt cx="309579" cy="505977"/>
@@ -5380,82 +5530,32 @@
           </p:sp>
         </p:grpSp>
       </p:grpSp>
-      <p:sp>
-        <p:nvSpPr>
-          <p:cNvPr id="141" name="Flowchart: Delay 140"/>
-          <p:cNvSpPr/>
-          <p:nvPr/>
-        </p:nvSpPr>
-        <p:spPr>
-          <a:xfrm rot="5400000" flipH="1">
-            <a:off x="4290496" y="1800065"/>
-            <a:ext cx="280353" cy="298983"/>
-          </a:xfrm>
-          <a:prstGeom prst="flowChartDelay">
-            <a:avLst/>
-          </a:prstGeom>
-          <a:solidFill>
-            <a:schemeClr val="bg1"/>
-          </a:solidFill>
-          <a:ln>
-            <a:solidFill>
-              <a:schemeClr val="accent6">
-                <a:lumMod val="75000"/>
-              </a:schemeClr>
-            </a:solidFill>
-          </a:ln>
-        </p:spPr>
-        <p:style>
-          <a:lnRef idx="2">
-            <a:schemeClr val="accent1">
-              <a:shade val="50000"/>
-            </a:schemeClr>
-          </a:lnRef>
-          <a:fillRef idx="1">
-            <a:schemeClr val="accent1"/>
-          </a:fillRef>
-          <a:effectRef idx="0">
-            <a:schemeClr val="accent1"/>
-          </a:effectRef>
-          <a:fontRef idx="minor">
-            <a:schemeClr val="lt1"/>
-          </a:fontRef>
-        </p:style>
-        <p:txBody>
-          <a:bodyPr rtlCol="0" anchor="ctr"/>
-          <a:lstStyle/>
-          <a:p>
-            <a:pPr algn="ctr"/>
-            <a:endParaRPr lang="en-SG"/>
-          </a:p>
-        </p:txBody>
-      </p:sp>
       <p:grpSp>
         <p:nvGrpSpPr>
-          <p:cNvPr id="142" name="Group 141"/>
+          <p:cNvPr id="2" name="Group 1"/>
           <p:cNvGrpSpPr/>
           <p:nvPr/>
         </p:nvGrpSpPr>
         <p:grpSpPr>
-          <a:xfrm rot="3372795">
-            <a:off x="4286547" y="1569202"/>
-            <a:ext cx="254457" cy="220662"/>
-            <a:chOff x="4335990" y="1588795"/>
-            <a:chExt cx="254457" cy="220662"/>
+          <a:xfrm>
+            <a:off x="4281181" y="1552305"/>
+            <a:ext cx="298983" cy="537428"/>
+            <a:chOff x="4281181" y="1552305"/>
+            <a:chExt cx="298983" cy="537428"/>
           </a:xfrm>
         </p:grpSpPr>
         <p:sp>
           <p:nvSpPr>
-            <p:cNvPr id="143" name="Flowchart: Connector 142"/>
+            <p:cNvPr id="141" name="Flowchart: Delay 140"/>
             <p:cNvSpPr/>
             <p:nvPr/>
           </p:nvSpPr>
           <p:spPr>
-            <a:xfrm flipH="1">
-              <a:off x="4369785" y="1588795"/>
-              <a:ext cx="220662" cy="220662"/>
+            <a:xfrm rot="5400000" flipH="1">
+              <a:off x="4290496" y="1800065"/>
+              <a:ext cx="280353" cy="298983"/>
             </a:xfrm>
-            <a:prstGeom prst="flowChartConnector">
+            <a:prstGeom prst="flowChartDelay">
               <a:avLst/>
             </a:prstGeom>
             <a:solidFill>
@@ -5494,172 +5594,237 @@
             </a:p>
           </p:txBody>
         </p:sp>
-        <p:sp>
-          <p:nvSpPr>
-            <p:cNvPr id="144" name="Freeform 143"/>
-            <p:cNvSpPr/>
+        <p:grpSp>
+          <p:nvGrpSpPr>
+            <p:cNvPr id="142" name="Group 141"/>
+            <p:cNvGrpSpPr/>
             <p:nvPr/>
-          </p:nvSpPr>
-          <p:spPr>
-            <a:xfrm flipH="1">
-              <a:off x="4335990" y="1748984"/>
-              <a:ext cx="50006" cy="19050"/>
+          </p:nvGrpSpPr>
+          <p:grpSpPr>
+            <a:xfrm rot="3372795">
+              <a:off x="4286547" y="1569203"/>
+              <a:ext cx="254457" cy="220662"/>
+              <a:chOff x="4335990" y="1588796"/>
+              <a:chExt cx="254457" cy="220662"/>
             </a:xfrm>
-            <a:custGeom>
-              <a:avLst/>
-              <a:gdLst>
-                <a:gd name="connsiteX0" fmla="*/ 0 w 50006"/>
-                <a:gd name="connsiteY0" fmla="*/ 0 h 19050"/>
-                <a:gd name="connsiteX1" fmla="*/ 0 w 50006"/>
-                <a:gd name="connsiteY1" fmla="*/ 0 h 19050"/>
-                <a:gd name="connsiteX2" fmla="*/ 21431 w 50006"/>
-                <a:gd name="connsiteY2" fmla="*/ 4762 h 19050"/>
-                <a:gd name="connsiteX3" fmla="*/ 28575 w 50006"/>
-                <a:gd name="connsiteY3" fmla="*/ 9525 h 19050"/>
-                <a:gd name="connsiteX4" fmla="*/ 38100 w 50006"/>
-                <a:gd name="connsiteY4" fmla="*/ 14287 h 19050"/>
-                <a:gd name="connsiteX5" fmla="*/ 50006 w 50006"/>
-                <a:gd name="connsiteY5" fmla="*/ 19050 h 19050"/>
-              </a:gdLst>
-              <a:ahLst/>
-              <a:cxnLst>
-                <a:cxn ang="0">
-                  <a:pos x="connsiteX0" y="connsiteY0"/>
-                </a:cxn>
-                <a:cxn ang="0">
-                  <a:pos x="connsiteX1" y="connsiteY1"/>
-                </a:cxn>
-                <a:cxn ang="0">
-                  <a:pos x="connsiteX2" y="connsiteY2"/>
-                </a:cxn>
-                <a:cxn ang="0">
-                  <a:pos x="connsiteX3" y="connsiteY3"/>
-                </a:cxn>
-                <a:cxn ang="0">
-                  <a:pos x="connsiteX4" y="connsiteY4"/>
-                </a:cxn>
-                <a:cxn ang="0">
-                  <a:pos x="connsiteX5" y="connsiteY5"/>
-                </a:cxn>
-              </a:cxnLst>
-              <a:rect l="l" t="t" r="r" b="b"/>
-              <a:pathLst>
-                <a:path w="50006" h="19050">
-                  <a:moveTo>
-                    <a:pt x="0" y="0"/>
-                  </a:moveTo>
-                  <a:lnTo>
-                    <a:pt x="0" y="0"/>
-                  </a:lnTo>
-                  <a:cubicBezTo>
-                    <a:pt x="7144" y="1587"/>
-                    <a:pt x="14489" y="2448"/>
-                    <a:pt x="21431" y="4762"/>
-                  </a:cubicBezTo>
-                  <a:cubicBezTo>
-                    <a:pt x="24146" y="5667"/>
-                    <a:pt x="26090" y="8105"/>
-                    <a:pt x="28575" y="9525"/>
-                  </a:cubicBezTo>
-                  <a:cubicBezTo>
-                    <a:pt x="31657" y="11286"/>
-                    <a:pt x="34837" y="12889"/>
-                    <a:pt x="38100" y="14287"/>
-                  </a:cubicBezTo>
-                  <a:cubicBezTo>
-                    <a:pt x="58672" y="23103"/>
-                    <a:pt x="34691" y="11391"/>
-                    <a:pt x="50006" y="19050"/>
-                  </a:cubicBezTo>
-                </a:path>
-              </a:pathLst>
-            </a:custGeom>
-            <a:solidFill>
-              <a:schemeClr val="bg1"/>
-            </a:solidFill>
-            <a:ln>
+          </p:grpSpPr>
+          <p:sp>
+            <p:nvSpPr>
+              <p:cNvPr id="143" name="Flowchart: Connector 142"/>
+              <p:cNvSpPr/>
+              <p:nvPr/>
+            </p:nvSpPr>
+            <p:spPr>
+              <a:xfrm flipH="1">
+                <a:off x="4369785" y="1588796"/>
+                <a:ext cx="220662" cy="220662"/>
+              </a:xfrm>
+              <a:prstGeom prst="flowChartConnector">
+                <a:avLst/>
+              </a:prstGeom>
               <a:solidFill>
-                <a:schemeClr val="accent6">
-                  <a:lumMod val="75000"/>
+                <a:schemeClr val="bg1"/>
+              </a:solidFill>
+              <a:ln>
+                <a:solidFill>
+                  <a:schemeClr val="accent6">
+                    <a:lumMod val="75000"/>
+                  </a:schemeClr>
+                </a:solidFill>
+              </a:ln>
+            </p:spPr>
+            <p:style>
+              <a:lnRef idx="2">
+                <a:schemeClr val="accent1">
+                  <a:shade val="50000"/>
                 </a:schemeClr>
+              </a:lnRef>
+              <a:fillRef idx="1">
+                <a:schemeClr val="accent1"/>
+              </a:fillRef>
+              <a:effectRef idx="0">
+                <a:schemeClr val="accent1"/>
+              </a:effectRef>
+              <a:fontRef idx="minor">
+                <a:schemeClr val="lt1"/>
+              </a:fontRef>
+            </p:style>
+            <p:txBody>
+              <a:bodyPr rtlCol="0" anchor="ctr"/>
+              <a:lstStyle/>
+              <a:p>
+                <a:pPr algn="ctr"/>
+                <a:endParaRPr lang="en-SG"/>
+              </a:p>
+            </p:txBody>
+          </p:sp>
+          <p:sp>
+            <p:nvSpPr>
+              <p:cNvPr id="144" name="Freeform 143"/>
+              <p:cNvSpPr/>
+              <p:nvPr/>
+            </p:nvSpPr>
+            <p:spPr>
+              <a:xfrm flipH="1">
+                <a:off x="4335990" y="1748984"/>
+                <a:ext cx="50006" cy="19050"/>
+              </a:xfrm>
+              <a:custGeom>
+                <a:avLst/>
+                <a:gdLst>
+                  <a:gd name="connsiteX0" fmla="*/ 0 w 50006"/>
+                  <a:gd name="connsiteY0" fmla="*/ 0 h 19050"/>
+                  <a:gd name="connsiteX1" fmla="*/ 0 w 50006"/>
+                  <a:gd name="connsiteY1" fmla="*/ 0 h 19050"/>
+                  <a:gd name="connsiteX2" fmla="*/ 21431 w 50006"/>
+                  <a:gd name="connsiteY2" fmla="*/ 4762 h 19050"/>
+                  <a:gd name="connsiteX3" fmla="*/ 28575 w 50006"/>
+                  <a:gd name="connsiteY3" fmla="*/ 9525 h 19050"/>
+                  <a:gd name="connsiteX4" fmla="*/ 38100 w 50006"/>
+                  <a:gd name="connsiteY4" fmla="*/ 14287 h 19050"/>
+                  <a:gd name="connsiteX5" fmla="*/ 50006 w 50006"/>
+                  <a:gd name="connsiteY5" fmla="*/ 19050 h 19050"/>
+                </a:gdLst>
+                <a:ahLst/>
+                <a:cxnLst>
+                  <a:cxn ang="0">
+                    <a:pos x="connsiteX0" y="connsiteY0"/>
+                  </a:cxn>
+                  <a:cxn ang="0">
+                    <a:pos x="connsiteX1" y="connsiteY1"/>
+                  </a:cxn>
+                  <a:cxn ang="0">
+                    <a:pos x="connsiteX2" y="connsiteY2"/>
+                  </a:cxn>
+                  <a:cxn ang="0">
+                    <a:pos x="connsiteX3" y="connsiteY3"/>
+                  </a:cxn>
+                  <a:cxn ang="0">
+                    <a:pos x="connsiteX4" y="connsiteY4"/>
+                  </a:cxn>
+                  <a:cxn ang="0">
+                    <a:pos x="connsiteX5" y="connsiteY5"/>
+                  </a:cxn>
+                </a:cxnLst>
+                <a:rect l="l" t="t" r="r" b="b"/>
+                <a:pathLst>
+                  <a:path w="50006" h="19050">
+                    <a:moveTo>
+                      <a:pt x="0" y="0"/>
+                    </a:moveTo>
+                    <a:lnTo>
+                      <a:pt x="0" y="0"/>
+                    </a:lnTo>
+                    <a:cubicBezTo>
+                      <a:pt x="7144" y="1587"/>
+                      <a:pt x="14489" y="2448"/>
+                      <a:pt x="21431" y="4762"/>
+                    </a:cubicBezTo>
+                    <a:cubicBezTo>
+                      <a:pt x="24146" y="5667"/>
+                      <a:pt x="26090" y="8105"/>
+                      <a:pt x="28575" y="9525"/>
+                    </a:cubicBezTo>
+                    <a:cubicBezTo>
+                      <a:pt x="31657" y="11286"/>
+                      <a:pt x="34837" y="12889"/>
+                      <a:pt x="38100" y="14287"/>
+                    </a:cubicBezTo>
+                    <a:cubicBezTo>
+                      <a:pt x="58672" y="23103"/>
+                      <a:pt x="34691" y="11391"/>
+                      <a:pt x="50006" y="19050"/>
+                    </a:cubicBezTo>
+                  </a:path>
+                </a:pathLst>
+              </a:custGeom>
+              <a:solidFill>
+                <a:schemeClr val="bg1"/>
               </a:solidFill>
-            </a:ln>
-          </p:spPr>
-          <p:style>
-            <a:lnRef idx="2">
-              <a:schemeClr val="accent1">
-                <a:shade val="50000"/>
-              </a:schemeClr>
-            </a:lnRef>
-            <a:fillRef idx="1">
-              <a:schemeClr val="accent1"/>
-            </a:fillRef>
-            <a:effectRef idx="0">
-              <a:schemeClr val="accent1"/>
-            </a:effectRef>
-            <a:fontRef idx="minor">
-              <a:schemeClr val="lt1"/>
-            </a:fontRef>
-          </p:style>
-          <p:txBody>
-            <a:bodyPr rtlCol="0" anchor="ctr"/>
-            <a:lstStyle/>
-            <a:p>
-              <a:pPr algn="ctr"/>
-              <a:endParaRPr lang="en-SG"/>
-            </a:p>
-          </p:txBody>
-        </p:sp>
-        <p:sp>
-          <p:nvSpPr>
-            <p:cNvPr id="145" name="Flowchart: Connector 144"/>
-            <p:cNvSpPr/>
-            <p:nvPr/>
-          </p:nvSpPr>
-          <p:spPr>
-            <a:xfrm>
-              <a:off x="4432016" y="1643413"/>
-              <a:ext cx="45719" cy="45719"/>
-            </a:xfrm>
-            <a:prstGeom prst="flowChartConnector">
-              <a:avLst/>
-            </a:prstGeom>
-            <a:solidFill>
-              <a:schemeClr val="bg1"/>
-            </a:solidFill>
-            <a:ln>
+              <a:ln>
+                <a:solidFill>
+                  <a:schemeClr val="accent6">
+                    <a:lumMod val="75000"/>
+                  </a:schemeClr>
+                </a:solidFill>
+              </a:ln>
+            </p:spPr>
+            <p:style>
+              <a:lnRef idx="2">
+                <a:schemeClr val="accent1">
+                  <a:shade val="50000"/>
+                </a:schemeClr>
+              </a:lnRef>
+              <a:fillRef idx="1">
+                <a:schemeClr val="accent1"/>
+              </a:fillRef>
+              <a:effectRef idx="0">
+                <a:schemeClr val="accent1"/>
+              </a:effectRef>
+              <a:fontRef idx="minor">
+                <a:schemeClr val="lt1"/>
+              </a:fontRef>
+            </p:style>
+            <p:txBody>
+              <a:bodyPr rtlCol="0" anchor="ctr"/>
+              <a:lstStyle/>
+              <a:p>
+                <a:pPr algn="ctr"/>
+                <a:endParaRPr lang="en-SG"/>
+              </a:p>
+            </p:txBody>
+          </p:sp>
+          <p:sp>
+            <p:nvSpPr>
+              <p:cNvPr id="145" name="Flowchart: Connector 144"/>
+              <p:cNvSpPr/>
+              <p:nvPr/>
+            </p:nvSpPr>
+            <p:spPr>
+              <a:xfrm>
+                <a:off x="4432016" y="1643414"/>
+                <a:ext cx="45719" cy="45719"/>
+              </a:xfrm>
+              <a:prstGeom prst="flowChartConnector">
+                <a:avLst/>
+              </a:prstGeom>
               <a:solidFill>
-                <a:schemeClr val="accent6">
-                  <a:lumMod val="75000"/>
+                <a:schemeClr val="bg1"/>
+              </a:solidFill>
+              <a:ln>
+                <a:solidFill>
+                  <a:schemeClr val="accent6">
+                    <a:lumMod val="75000"/>
+                  </a:schemeClr>
+                </a:solidFill>
+              </a:ln>
+            </p:spPr>
+            <p:style>
+              <a:lnRef idx="2">
+                <a:schemeClr val="accent1">
+                  <a:shade val="50000"/>
                 </a:schemeClr>
-              </a:solidFill>
-            </a:ln>
-          </p:spPr>
-          <p:style>
-            <a:lnRef idx="2">
-              <a:schemeClr val="accent1">
-                <a:shade val="50000"/>
-              </a:schemeClr>
-            </a:lnRef>
-            <a:fillRef idx="1">
-              <a:schemeClr val="accent1"/>
-            </a:fillRef>
-            <a:effectRef idx="0">
-              <a:schemeClr val="accent1"/>
-            </a:effectRef>
-            <a:fontRef idx="minor">
-              <a:schemeClr val="lt1"/>
-            </a:fontRef>
-          </p:style>
-          <p:txBody>
-            <a:bodyPr rtlCol="0" anchor="ctr"/>
-            <a:lstStyle/>
-            <a:p>
-              <a:pPr algn="ctr"/>
-              <a:endParaRPr lang="en-SG"/>
-            </a:p>
-          </p:txBody>
-        </p:sp>
+              </a:lnRef>
+              <a:fillRef idx="1">
+                <a:schemeClr val="accent1"/>
+              </a:fillRef>
+              <a:effectRef idx="0">
+                <a:schemeClr val="accent1"/>
+              </a:effectRef>
+              <a:fontRef idx="minor">
+                <a:schemeClr val="lt1"/>
+              </a:fontRef>
+            </p:style>
+            <p:txBody>
+              <a:bodyPr rtlCol="0" anchor="ctr"/>
+              <a:lstStyle/>
+              <a:p>
+                <a:pPr algn="ctr"/>
+                <a:endParaRPr lang="en-SG"/>
+              </a:p>
+            </p:txBody>
+          </p:sp>
+        </p:grpSp>
       </p:grpSp>
       <p:sp>
         <p:nvSpPr>
@@ -5942,82 +6107,32 @@
           </p:txBody>
         </p:sp>
       </p:grpSp>
-      <p:sp>
-        <p:nvSpPr>
-          <p:cNvPr id="151" name="Flowchart: Delay 150"/>
-          <p:cNvSpPr/>
-          <p:nvPr/>
-        </p:nvSpPr>
-        <p:spPr>
-          <a:xfrm rot="16200000">
-            <a:off x="3193840" y="1987294"/>
-            <a:ext cx="280353" cy="298983"/>
-          </a:xfrm>
-          <a:prstGeom prst="flowChartDelay">
-            <a:avLst/>
-          </a:prstGeom>
-          <a:solidFill>
-            <a:schemeClr val="bg1"/>
-          </a:solidFill>
-          <a:ln>
-            <a:solidFill>
-              <a:schemeClr val="bg1">
-                <a:lumMod val="65000"/>
-              </a:schemeClr>
-            </a:solidFill>
-          </a:ln>
-        </p:spPr>
-        <p:style>
-          <a:lnRef idx="2">
-            <a:schemeClr val="accent1">
-              <a:shade val="50000"/>
-            </a:schemeClr>
-          </a:lnRef>
-          <a:fillRef idx="1">
-            <a:schemeClr val="accent1"/>
-          </a:fillRef>
-          <a:effectRef idx="0">
-            <a:schemeClr val="accent1"/>
-          </a:effectRef>
-          <a:fontRef idx="minor">
-            <a:schemeClr val="lt1"/>
-          </a:fontRef>
-        </p:style>
-        <p:txBody>
-          <a:bodyPr rtlCol="0" anchor="ctr"/>
-          <a:lstStyle/>
-          <a:p>
-            <a:pPr algn="ctr"/>
-            <a:endParaRPr lang="en-SG"/>
-          </a:p>
-        </p:txBody>
-      </p:sp>
       <p:grpSp>
         <p:nvGrpSpPr>
-          <p:cNvPr id="152" name="Group 151"/>
+          <p:cNvPr id="3" name="Group 2"/>
           <p:cNvGrpSpPr/>
           <p:nvPr/>
         </p:nvGrpSpPr>
         <p:grpSpPr>
-          <a:xfrm rot="1483511">
-            <a:off x="3226182" y="1770986"/>
-            <a:ext cx="267922" cy="220662"/>
-            <a:chOff x="786805" y="1760534"/>
-            <a:chExt cx="267922" cy="220662"/>
+          <a:xfrm>
+            <a:off x="3184525" y="1630362"/>
+            <a:ext cx="309579" cy="505976"/>
+            <a:chOff x="3184525" y="1770986"/>
+            <a:chExt cx="309579" cy="505976"/>
           </a:xfrm>
         </p:grpSpPr>
         <p:sp>
           <p:nvSpPr>
-            <p:cNvPr id="153" name="Flowchart: Connector 152"/>
+            <p:cNvPr id="151" name="Flowchart: Delay 150"/>
             <p:cNvSpPr/>
             <p:nvPr/>
           </p:nvSpPr>
           <p:spPr>
-            <a:xfrm rot="19707452">
-              <a:off x="786805" y="1760534"/>
-              <a:ext cx="220662" cy="220662"/>
+            <a:xfrm rot="16200000">
+              <a:off x="3193840" y="1987294"/>
+              <a:ext cx="280353" cy="298983"/>
             </a:xfrm>
-            <a:prstGeom prst="flowChartConnector">
+            <a:prstGeom prst="flowChartDelay">
               <a:avLst/>
             </a:prstGeom>
             <a:solidFill>
@@ -6056,172 +6171,237 @@
             </a:p>
           </p:txBody>
         </p:sp>
-        <p:sp>
-          <p:nvSpPr>
-            <p:cNvPr id="154" name="Freeform 153"/>
-            <p:cNvSpPr/>
+        <p:grpSp>
+          <p:nvGrpSpPr>
+            <p:cNvPr id="152" name="Group 151"/>
+            <p:cNvGrpSpPr/>
             <p:nvPr/>
-          </p:nvSpPr>
-          <p:spPr>
-            <a:xfrm rot="19707452">
-              <a:off x="1004721" y="1849632"/>
-              <a:ext cx="50006" cy="19050"/>
+          </p:nvGrpSpPr>
+          <p:grpSpPr>
+            <a:xfrm rot="1483511">
+              <a:off x="3226182" y="1770986"/>
+              <a:ext cx="267922" cy="220662"/>
+              <a:chOff x="786805" y="1760534"/>
+              <a:chExt cx="267922" cy="220662"/>
             </a:xfrm>
-            <a:custGeom>
-              <a:avLst/>
-              <a:gdLst>
-                <a:gd name="connsiteX0" fmla="*/ 0 w 50006"/>
-                <a:gd name="connsiteY0" fmla="*/ 0 h 19050"/>
-                <a:gd name="connsiteX1" fmla="*/ 0 w 50006"/>
-                <a:gd name="connsiteY1" fmla="*/ 0 h 19050"/>
-                <a:gd name="connsiteX2" fmla="*/ 21431 w 50006"/>
-                <a:gd name="connsiteY2" fmla="*/ 4762 h 19050"/>
-                <a:gd name="connsiteX3" fmla="*/ 28575 w 50006"/>
-                <a:gd name="connsiteY3" fmla="*/ 9525 h 19050"/>
-                <a:gd name="connsiteX4" fmla="*/ 38100 w 50006"/>
-                <a:gd name="connsiteY4" fmla="*/ 14287 h 19050"/>
-                <a:gd name="connsiteX5" fmla="*/ 50006 w 50006"/>
-                <a:gd name="connsiteY5" fmla="*/ 19050 h 19050"/>
-              </a:gdLst>
-              <a:ahLst/>
-              <a:cxnLst>
-                <a:cxn ang="0">
-                  <a:pos x="connsiteX0" y="connsiteY0"/>
-                </a:cxn>
-                <a:cxn ang="0">
-                  <a:pos x="connsiteX1" y="connsiteY1"/>
-                </a:cxn>
-                <a:cxn ang="0">
-                  <a:pos x="connsiteX2" y="connsiteY2"/>
-                </a:cxn>
-                <a:cxn ang="0">
-                  <a:pos x="connsiteX3" y="connsiteY3"/>
-                </a:cxn>
-                <a:cxn ang="0">
-                  <a:pos x="connsiteX4" y="connsiteY4"/>
-                </a:cxn>
-                <a:cxn ang="0">
-                  <a:pos x="connsiteX5" y="connsiteY5"/>
-                </a:cxn>
-              </a:cxnLst>
-              <a:rect l="l" t="t" r="r" b="b"/>
-              <a:pathLst>
-                <a:path w="50006" h="19050">
-                  <a:moveTo>
-                    <a:pt x="0" y="0"/>
-                  </a:moveTo>
-                  <a:lnTo>
-                    <a:pt x="0" y="0"/>
-                  </a:lnTo>
-                  <a:cubicBezTo>
-                    <a:pt x="7144" y="1587"/>
-                    <a:pt x="14489" y="2448"/>
-                    <a:pt x="21431" y="4762"/>
-                  </a:cubicBezTo>
-                  <a:cubicBezTo>
-                    <a:pt x="24146" y="5667"/>
-                    <a:pt x="26090" y="8105"/>
-                    <a:pt x="28575" y="9525"/>
-                  </a:cubicBezTo>
-                  <a:cubicBezTo>
-                    <a:pt x="31657" y="11286"/>
-                    <a:pt x="34837" y="12889"/>
-                    <a:pt x="38100" y="14287"/>
-                  </a:cubicBezTo>
-                  <a:cubicBezTo>
-                    <a:pt x="58672" y="23103"/>
-                    <a:pt x="34691" y="11391"/>
-                    <a:pt x="50006" y="19050"/>
-                  </a:cubicBezTo>
-                </a:path>
-              </a:pathLst>
-            </a:custGeom>
-            <a:solidFill>
-              <a:schemeClr val="bg1"/>
-            </a:solidFill>
-            <a:ln>
+          </p:grpSpPr>
+          <p:sp>
+            <p:nvSpPr>
+              <p:cNvPr id="153" name="Flowchart: Connector 152"/>
+              <p:cNvSpPr/>
+              <p:nvPr/>
+            </p:nvSpPr>
+            <p:spPr>
+              <a:xfrm rot="19707452">
+                <a:off x="786805" y="1760534"/>
+                <a:ext cx="220662" cy="220662"/>
+              </a:xfrm>
+              <a:prstGeom prst="flowChartConnector">
+                <a:avLst/>
+              </a:prstGeom>
               <a:solidFill>
-                <a:schemeClr val="bg1">
-                  <a:lumMod val="65000"/>
+                <a:schemeClr val="bg1"/>
+              </a:solidFill>
+              <a:ln>
+                <a:solidFill>
+                  <a:schemeClr val="bg1">
+                    <a:lumMod val="65000"/>
+                  </a:schemeClr>
+                </a:solidFill>
+              </a:ln>
+            </p:spPr>
+            <p:style>
+              <a:lnRef idx="2">
+                <a:schemeClr val="accent1">
+                  <a:shade val="50000"/>
                 </a:schemeClr>
+              </a:lnRef>
+              <a:fillRef idx="1">
+                <a:schemeClr val="accent1"/>
+              </a:fillRef>
+              <a:effectRef idx="0">
+                <a:schemeClr val="accent1"/>
+              </a:effectRef>
+              <a:fontRef idx="minor">
+                <a:schemeClr val="lt1"/>
+              </a:fontRef>
+            </p:style>
+            <p:txBody>
+              <a:bodyPr rtlCol="0" anchor="ctr"/>
+              <a:lstStyle/>
+              <a:p>
+                <a:pPr algn="ctr"/>
+                <a:endParaRPr lang="en-SG"/>
+              </a:p>
+            </p:txBody>
+          </p:sp>
+          <p:sp>
+            <p:nvSpPr>
+              <p:cNvPr id="154" name="Freeform 153"/>
+              <p:cNvSpPr/>
+              <p:nvPr/>
+            </p:nvSpPr>
+            <p:spPr>
+              <a:xfrm rot="19707452">
+                <a:off x="1004721" y="1849632"/>
+                <a:ext cx="50006" cy="19050"/>
+              </a:xfrm>
+              <a:custGeom>
+                <a:avLst/>
+                <a:gdLst>
+                  <a:gd name="connsiteX0" fmla="*/ 0 w 50006"/>
+                  <a:gd name="connsiteY0" fmla="*/ 0 h 19050"/>
+                  <a:gd name="connsiteX1" fmla="*/ 0 w 50006"/>
+                  <a:gd name="connsiteY1" fmla="*/ 0 h 19050"/>
+                  <a:gd name="connsiteX2" fmla="*/ 21431 w 50006"/>
+                  <a:gd name="connsiteY2" fmla="*/ 4762 h 19050"/>
+                  <a:gd name="connsiteX3" fmla="*/ 28575 w 50006"/>
+                  <a:gd name="connsiteY3" fmla="*/ 9525 h 19050"/>
+                  <a:gd name="connsiteX4" fmla="*/ 38100 w 50006"/>
+                  <a:gd name="connsiteY4" fmla="*/ 14287 h 19050"/>
+                  <a:gd name="connsiteX5" fmla="*/ 50006 w 50006"/>
+                  <a:gd name="connsiteY5" fmla="*/ 19050 h 19050"/>
+                </a:gdLst>
+                <a:ahLst/>
+                <a:cxnLst>
+                  <a:cxn ang="0">
+                    <a:pos x="connsiteX0" y="connsiteY0"/>
+                  </a:cxn>
+                  <a:cxn ang="0">
+                    <a:pos x="connsiteX1" y="connsiteY1"/>
+                  </a:cxn>
+                  <a:cxn ang="0">
+                    <a:pos x="connsiteX2" y="connsiteY2"/>
+                  </a:cxn>
+                  <a:cxn ang="0">
+                    <a:pos x="connsiteX3" y="connsiteY3"/>
+                  </a:cxn>
+                  <a:cxn ang="0">
+                    <a:pos x="connsiteX4" y="connsiteY4"/>
+                  </a:cxn>
+                  <a:cxn ang="0">
+                    <a:pos x="connsiteX5" y="connsiteY5"/>
+                  </a:cxn>
+                </a:cxnLst>
+                <a:rect l="l" t="t" r="r" b="b"/>
+                <a:pathLst>
+                  <a:path w="50006" h="19050">
+                    <a:moveTo>
+                      <a:pt x="0" y="0"/>
+                    </a:moveTo>
+                    <a:lnTo>
+                      <a:pt x="0" y="0"/>
+                    </a:lnTo>
+                    <a:cubicBezTo>
+                      <a:pt x="7144" y="1587"/>
+                      <a:pt x="14489" y="2448"/>
+                      <a:pt x="21431" y="4762"/>
+                    </a:cubicBezTo>
+                    <a:cubicBezTo>
+                      <a:pt x="24146" y="5667"/>
+                      <a:pt x="26090" y="8105"/>
+                      <a:pt x="28575" y="9525"/>
+                    </a:cubicBezTo>
+                    <a:cubicBezTo>
+                      <a:pt x="31657" y="11286"/>
+                      <a:pt x="34837" y="12889"/>
+                      <a:pt x="38100" y="14287"/>
+                    </a:cubicBezTo>
+                    <a:cubicBezTo>
+                      <a:pt x="58672" y="23103"/>
+                      <a:pt x="34691" y="11391"/>
+                      <a:pt x="50006" y="19050"/>
+                    </a:cubicBezTo>
+                  </a:path>
+                </a:pathLst>
+              </a:custGeom>
+              <a:solidFill>
+                <a:schemeClr val="bg1"/>
               </a:solidFill>
-            </a:ln>
-          </p:spPr>
-          <p:style>
-            <a:lnRef idx="2">
-              <a:schemeClr val="accent1">
-                <a:shade val="50000"/>
-              </a:schemeClr>
-            </a:lnRef>
-            <a:fillRef idx="1">
-              <a:schemeClr val="accent1"/>
-            </a:fillRef>
-            <a:effectRef idx="0">
-              <a:schemeClr val="accent1"/>
-            </a:effectRef>
-            <a:fontRef idx="minor">
-              <a:schemeClr val="lt1"/>
-            </a:fontRef>
-          </p:style>
-          <p:txBody>
-            <a:bodyPr rtlCol="0" anchor="ctr"/>
-            <a:lstStyle/>
-            <a:p>
-              <a:pPr algn="ctr"/>
-              <a:endParaRPr lang="en-SG"/>
-            </a:p>
-          </p:txBody>
-        </p:sp>
-        <p:sp>
-          <p:nvSpPr>
-            <p:cNvPr id="155" name="Flowchart: Connector 154"/>
-            <p:cNvSpPr/>
-            <p:nvPr/>
-          </p:nvSpPr>
-          <p:spPr>
-            <a:xfrm rot="19707452" flipH="1">
-              <a:off x="878601" y="1806802"/>
-              <a:ext cx="45719" cy="45719"/>
-            </a:xfrm>
-            <a:prstGeom prst="flowChartConnector">
-              <a:avLst/>
-            </a:prstGeom>
-            <a:solidFill>
-              <a:schemeClr val="bg1"/>
-            </a:solidFill>
-            <a:ln>
+              <a:ln>
+                <a:solidFill>
+                  <a:schemeClr val="bg1">
+                    <a:lumMod val="65000"/>
+                  </a:schemeClr>
+                </a:solidFill>
+              </a:ln>
+            </p:spPr>
+            <p:style>
+              <a:lnRef idx="2">
+                <a:schemeClr val="accent1">
+                  <a:shade val="50000"/>
+                </a:schemeClr>
+              </a:lnRef>
+              <a:fillRef idx="1">
+                <a:schemeClr val="accent1"/>
+              </a:fillRef>
+              <a:effectRef idx="0">
+                <a:schemeClr val="accent1"/>
+              </a:effectRef>
+              <a:fontRef idx="minor">
+                <a:schemeClr val="lt1"/>
+              </a:fontRef>
+            </p:style>
+            <p:txBody>
+              <a:bodyPr rtlCol="0" anchor="ctr"/>
+              <a:lstStyle/>
+              <a:p>
+                <a:pPr algn="ctr"/>
+                <a:endParaRPr lang="en-SG"/>
+              </a:p>
+            </p:txBody>
+          </p:sp>
+          <p:sp>
+            <p:nvSpPr>
+              <p:cNvPr id="155" name="Flowchart: Connector 154"/>
+              <p:cNvSpPr/>
+              <p:nvPr/>
+            </p:nvSpPr>
+            <p:spPr>
+              <a:xfrm rot="19707452" flipH="1">
+                <a:off x="878601" y="1806802"/>
+                <a:ext cx="45719" cy="45719"/>
+              </a:xfrm>
+              <a:prstGeom prst="flowChartConnector">
+                <a:avLst/>
+              </a:prstGeom>
               <a:solidFill>
-                <a:schemeClr val="bg1">
-                  <a:lumMod val="65000"/>
+                <a:schemeClr val="bg1"/>
+              </a:solidFill>
+              <a:ln>
+                <a:solidFill>
+                  <a:schemeClr val="bg1">
+                    <a:lumMod val="65000"/>
+                  </a:schemeClr>
+                </a:solidFill>
+              </a:ln>
+            </p:spPr>
+            <p:style>
+              <a:lnRef idx="2">
+                <a:schemeClr val="accent1">
+                  <a:shade val="50000"/>
                 </a:schemeClr>
-              </a:solidFill>
-            </a:ln>
-          </p:spPr>
-          <p:style>
-            <a:lnRef idx="2">
-              <a:schemeClr val="accent1">
-                <a:shade val="50000"/>
-              </a:schemeClr>
-            </a:lnRef>
-            <a:fillRef idx="1">
-              <a:schemeClr val="accent1"/>
-            </a:fillRef>
-            <a:effectRef idx="0">
-              <a:schemeClr val="accent1"/>
-            </a:effectRef>
-            <a:fontRef idx="minor">
-              <a:schemeClr val="lt1"/>
-            </a:fontRef>
-          </p:style>
-          <p:txBody>
-            <a:bodyPr rtlCol="0" anchor="ctr"/>
-            <a:lstStyle/>
-            <a:p>
-              <a:pPr algn="ctr"/>
-              <a:endParaRPr lang="en-SG"/>
-            </a:p>
-          </p:txBody>
-        </p:sp>
+              </a:lnRef>
+              <a:fillRef idx="1">
+                <a:schemeClr val="accent1"/>
+              </a:fillRef>
+              <a:effectRef idx="0">
+                <a:schemeClr val="accent1"/>
+              </a:effectRef>
+              <a:fontRef idx="minor">
+                <a:schemeClr val="lt1"/>
+              </a:fontRef>
+            </p:style>
+            <p:txBody>
+              <a:bodyPr rtlCol="0" anchor="ctr"/>
+              <a:lstStyle/>
+              <a:p>
+                <a:pPr algn="ctr"/>
+                <a:endParaRPr lang="en-SG"/>
+              </a:p>
+            </p:txBody>
+          </p:sp>
+        </p:grpSp>
       </p:grpSp>
       <p:grpSp>
         <p:nvGrpSpPr>
@@ -6231,7 +6411,7 @@
         </p:nvGrpSpPr>
         <p:grpSpPr>
           <a:xfrm flipH="1">
-            <a:off x="1075575" y="1768586"/>
+            <a:off x="1075575" y="2123038"/>
             <a:ext cx="298983" cy="497924"/>
             <a:chOff x="1075575" y="1768586"/>
             <a:chExt cx="298983" cy="497924"/>
@@ -6506,345 +6686,6 @@
       </p:grpSp>
       <p:sp>
         <p:nvSpPr>
-          <p:cNvPr id="161" name="Flowchart: Delay 160"/>
-          <p:cNvSpPr/>
-          <p:nvPr/>
-        </p:nvSpPr>
-        <p:spPr>
-          <a:xfrm rot="16200000">
-            <a:off x="6845012" y="862936"/>
-            <a:ext cx="280353" cy="298983"/>
-          </a:xfrm>
-          <a:prstGeom prst="flowChartDelay">
-            <a:avLst/>
-          </a:prstGeom>
-          <a:solidFill>
-            <a:schemeClr val="bg1"/>
-          </a:solidFill>
-        </p:spPr>
-        <p:style>
-          <a:lnRef idx="2">
-            <a:schemeClr val="accent1">
-              <a:shade val="50000"/>
-            </a:schemeClr>
-          </a:lnRef>
-          <a:fillRef idx="1">
-            <a:schemeClr val="accent1"/>
-          </a:fillRef>
-          <a:effectRef idx="0">
-            <a:schemeClr val="accent1"/>
-          </a:effectRef>
-          <a:fontRef idx="minor">
-            <a:schemeClr val="lt1"/>
-          </a:fontRef>
-        </p:style>
-        <p:txBody>
-          <a:bodyPr rtlCol="0" anchor="ctr"/>
-          <a:lstStyle/>
-          <a:p>
-            <a:pPr algn="ctr"/>
-            <a:endParaRPr lang="en-SG"/>
-          </a:p>
-        </p:txBody>
-      </p:sp>
-      <p:sp>
-        <p:nvSpPr>
-          <p:cNvPr id="162" name="Freeform 161"/>
-          <p:cNvSpPr/>
-          <p:nvPr/>
-        </p:nvSpPr>
-        <p:spPr>
-          <a:xfrm rot="326821">
-            <a:off x="6934051" y="875605"/>
-            <a:ext cx="102393" cy="235744"/>
-          </a:xfrm>
-          <a:custGeom>
-            <a:avLst/>
-            <a:gdLst>
-              <a:gd name="connsiteX0" fmla="*/ 47625 w 102393"/>
-              <a:gd name="connsiteY0" fmla="*/ 0 h 235744"/>
-              <a:gd name="connsiteX1" fmla="*/ 0 w 102393"/>
-              <a:gd name="connsiteY1" fmla="*/ 185738 h 235744"/>
-              <a:gd name="connsiteX2" fmla="*/ 57150 w 102393"/>
-              <a:gd name="connsiteY2" fmla="*/ 235744 h 235744"/>
-              <a:gd name="connsiteX3" fmla="*/ 102393 w 102393"/>
-              <a:gd name="connsiteY3" fmla="*/ 171450 h 235744"/>
-              <a:gd name="connsiteX4" fmla="*/ 47625 w 102393"/>
-              <a:gd name="connsiteY4" fmla="*/ 0 h 235744"/>
-            </a:gdLst>
-            <a:ahLst/>
-            <a:cxnLst>
-              <a:cxn ang="0">
-                <a:pos x="connsiteX0" y="connsiteY0"/>
-              </a:cxn>
-              <a:cxn ang="0">
-                <a:pos x="connsiteX1" y="connsiteY1"/>
-              </a:cxn>
-              <a:cxn ang="0">
-                <a:pos x="connsiteX2" y="connsiteY2"/>
-              </a:cxn>
-              <a:cxn ang="0">
-                <a:pos x="connsiteX3" y="connsiteY3"/>
-              </a:cxn>
-              <a:cxn ang="0">
-                <a:pos x="connsiteX4" y="connsiteY4"/>
-              </a:cxn>
-            </a:cxnLst>
-            <a:rect l="l" t="t" r="r" b="b"/>
-            <a:pathLst>
-              <a:path w="102393" h="235744">
-                <a:moveTo>
-                  <a:pt x="47625" y="0"/>
-                </a:moveTo>
-                <a:lnTo>
-                  <a:pt x="0" y="185738"/>
-                </a:lnTo>
-                <a:lnTo>
-                  <a:pt x="57150" y="235744"/>
-                </a:lnTo>
-                <a:lnTo>
-                  <a:pt x="102393" y="171450"/>
-                </a:lnTo>
-                <a:lnTo>
-                  <a:pt x="47625" y="0"/>
-                </a:lnTo>
-                <a:close/>
-              </a:path>
-            </a:pathLst>
-          </a:custGeom>
-          <a:solidFill>
-            <a:schemeClr val="bg1"/>
-          </a:solidFill>
-        </p:spPr>
-        <p:style>
-          <a:lnRef idx="2">
-            <a:schemeClr val="accent1">
-              <a:shade val="50000"/>
-            </a:schemeClr>
-          </a:lnRef>
-          <a:fillRef idx="1">
-            <a:schemeClr val="accent1"/>
-          </a:fillRef>
-          <a:effectRef idx="0">
-            <a:schemeClr val="accent1"/>
-          </a:effectRef>
-          <a:fontRef idx="minor">
-            <a:schemeClr val="lt1"/>
-          </a:fontRef>
-        </p:style>
-        <p:txBody>
-          <a:bodyPr rtlCol="0" anchor="ctr"/>
-          <a:lstStyle/>
-          <a:p>
-            <a:pPr algn="ctr"/>
-            <a:endParaRPr lang="en-SG"/>
-          </a:p>
-        </p:txBody>
-      </p:sp>
-      <p:sp>
-        <p:nvSpPr>
-          <p:cNvPr id="163" name="Flowchart: Connector 162"/>
-          <p:cNvSpPr/>
-          <p:nvPr/>
-        </p:nvSpPr>
-        <p:spPr>
-          <a:xfrm rot="11865946">
-            <a:off x="6907846" y="637229"/>
-            <a:ext cx="220662" cy="220662"/>
-          </a:xfrm>
-          <a:prstGeom prst="flowChartConnector">
-            <a:avLst/>
-          </a:prstGeom>
-          <a:solidFill>
-            <a:schemeClr val="bg1"/>
-          </a:solidFill>
-        </p:spPr>
-        <p:style>
-          <a:lnRef idx="2">
-            <a:schemeClr val="accent1">
-              <a:shade val="50000"/>
-            </a:schemeClr>
-          </a:lnRef>
-          <a:fillRef idx="1">
-            <a:schemeClr val="accent1"/>
-          </a:fillRef>
-          <a:effectRef idx="0">
-            <a:schemeClr val="accent1"/>
-          </a:effectRef>
-          <a:fontRef idx="minor">
-            <a:schemeClr val="lt1"/>
-          </a:fontRef>
-        </p:style>
-        <p:txBody>
-          <a:bodyPr rtlCol="0" anchor="ctr"/>
-          <a:lstStyle/>
-          <a:p>
-            <a:pPr algn="ctr"/>
-            <a:endParaRPr lang="en-SG"/>
-          </a:p>
-        </p:txBody>
-      </p:sp>
-      <p:sp>
-        <p:nvSpPr>
-          <p:cNvPr id="164" name="Freeform 163"/>
-          <p:cNvSpPr/>
-          <p:nvPr/>
-        </p:nvSpPr>
-        <p:spPr>
-          <a:xfrm rot="11865946">
-            <a:off x="6897851" y="645136"/>
-            <a:ext cx="50006" cy="19050"/>
-          </a:xfrm>
-          <a:custGeom>
-            <a:avLst/>
-            <a:gdLst>
-              <a:gd name="connsiteX0" fmla="*/ 0 w 50006"/>
-              <a:gd name="connsiteY0" fmla="*/ 0 h 19050"/>
-              <a:gd name="connsiteX1" fmla="*/ 0 w 50006"/>
-              <a:gd name="connsiteY1" fmla="*/ 0 h 19050"/>
-              <a:gd name="connsiteX2" fmla="*/ 21431 w 50006"/>
-              <a:gd name="connsiteY2" fmla="*/ 4762 h 19050"/>
-              <a:gd name="connsiteX3" fmla="*/ 28575 w 50006"/>
-              <a:gd name="connsiteY3" fmla="*/ 9525 h 19050"/>
-              <a:gd name="connsiteX4" fmla="*/ 38100 w 50006"/>
-              <a:gd name="connsiteY4" fmla="*/ 14287 h 19050"/>
-              <a:gd name="connsiteX5" fmla="*/ 50006 w 50006"/>
-              <a:gd name="connsiteY5" fmla="*/ 19050 h 19050"/>
-            </a:gdLst>
-            <a:ahLst/>
-            <a:cxnLst>
-              <a:cxn ang="0">
-                <a:pos x="connsiteX0" y="connsiteY0"/>
-              </a:cxn>
-              <a:cxn ang="0">
-                <a:pos x="connsiteX1" y="connsiteY1"/>
-              </a:cxn>
-              <a:cxn ang="0">
-                <a:pos x="connsiteX2" y="connsiteY2"/>
-              </a:cxn>
-              <a:cxn ang="0">
-                <a:pos x="connsiteX3" y="connsiteY3"/>
-              </a:cxn>
-              <a:cxn ang="0">
-                <a:pos x="connsiteX4" y="connsiteY4"/>
-              </a:cxn>
-              <a:cxn ang="0">
-                <a:pos x="connsiteX5" y="connsiteY5"/>
-              </a:cxn>
-            </a:cxnLst>
-            <a:rect l="l" t="t" r="r" b="b"/>
-            <a:pathLst>
-              <a:path w="50006" h="19050">
-                <a:moveTo>
-                  <a:pt x="0" y="0"/>
-                </a:moveTo>
-                <a:lnTo>
-                  <a:pt x="0" y="0"/>
-                </a:lnTo>
-                <a:cubicBezTo>
-                  <a:pt x="7144" y="1587"/>
-                  <a:pt x="14489" y="2448"/>
-                  <a:pt x="21431" y="4762"/>
-                </a:cubicBezTo>
-                <a:cubicBezTo>
-                  <a:pt x="24146" y="5667"/>
-                  <a:pt x="26090" y="8105"/>
-                  <a:pt x="28575" y="9525"/>
-                </a:cubicBezTo>
-                <a:cubicBezTo>
-                  <a:pt x="31657" y="11286"/>
-                  <a:pt x="34837" y="12889"/>
-                  <a:pt x="38100" y="14287"/>
-                </a:cubicBezTo>
-                <a:cubicBezTo>
-                  <a:pt x="58672" y="23103"/>
-                  <a:pt x="34691" y="11391"/>
-                  <a:pt x="50006" y="19050"/>
-                </a:cubicBezTo>
-              </a:path>
-            </a:pathLst>
-          </a:custGeom>
-          <a:solidFill>
-            <a:schemeClr val="bg1"/>
-          </a:solidFill>
-        </p:spPr>
-        <p:style>
-          <a:lnRef idx="2">
-            <a:schemeClr val="accent1">
-              <a:shade val="50000"/>
-            </a:schemeClr>
-          </a:lnRef>
-          <a:fillRef idx="1">
-            <a:schemeClr val="accent1"/>
-          </a:fillRef>
-          <a:effectRef idx="0">
-            <a:schemeClr val="accent1"/>
-          </a:effectRef>
-          <a:fontRef idx="minor">
-            <a:schemeClr val="lt1"/>
-          </a:fontRef>
-        </p:style>
-        <p:txBody>
-          <a:bodyPr rtlCol="0" anchor="ctr"/>
-          <a:lstStyle/>
-          <a:p>
-            <a:pPr algn="ctr"/>
-            <a:endParaRPr lang="en-SG"/>
-          </a:p>
-        </p:txBody>
-      </p:sp>
-      <p:sp>
-        <p:nvSpPr>
-          <p:cNvPr id="165" name="Flowchart: Connector 164"/>
-          <p:cNvSpPr/>
-          <p:nvPr/>
-        </p:nvSpPr>
-        <p:spPr>
-          <a:xfrm rot="11865946">
-            <a:off x="7024537" y="692031"/>
-            <a:ext cx="45719" cy="45719"/>
-          </a:xfrm>
-          <a:prstGeom prst="flowChartConnector">
-            <a:avLst/>
-          </a:prstGeom>
-          <a:solidFill>
-            <a:schemeClr val="bg1"/>
-          </a:solidFill>
-          <a:ln>
-            <a:solidFill>
-              <a:schemeClr val="accent1">
-                <a:lumMod val="75000"/>
-              </a:schemeClr>
-            </a:solidFill>
-          </a:ln>
-        </p:spPr>
-        <p:style>
-          <a:lnRef idx="2">
-            <a:schemeClr val="accent1">
-              <a:shade val="50000"/>
-            </a:schemeClr>
-          </a:lnRef>
-          <a:fillRef idx="1">
-            <a:schemeClr val="accent1"/>
-          </a:fillRef>
-          <a:effectRef idx="0">
-            <a:schemeClr val="accent1"/>
-          </a:effectRef>
-          <a:fontRef idx="minor">
-            <a:schemeClr val="lt1"/>
-          </a:fontRef>
-        </p:style>
-        <p:txBody>
-          <a:bodyPr rtlCol="0" anchor="ctr"/>
-          <a:lstStyle/>
-          <a:p>
-            <a:pPr algn="ctr"/>
-            <a:endParaRPr lang="en-SG"/>
-          </a:p>
-        </p:txBody>
-      </p:sp>
-      <p:sp>
-        <p:nvSpPr>
           <p:cNvPr id="166" name="Freeform 165"/>
           <p:cNvSpPr/>
           <p:nvPr/>
@@ -6916,7 +6757,7 @@
             </a:pathLst>
           </a:custGeom>
           <a:noFill/>
-          <a:ln w="57150" cap="rnd">
+          <a:ln w="38100" cap="rnd">
             <a:headEnd type="none" w="med" len="med"/>
             <a:tailEnd type="triangle" w="med" len="med"/>
           </a:ln>
@@ -6954,8 +6795,8 @@
         </p:nvSpPr>
         <p:spPr>
           <a:xfrm>
-            <a:off x="1206653" y="1088618"/>
-            <a:ext cx="574055" cy="626709"/>
+            <a:off x="1206653" y="1437572"/>
+            <a:ext cx="574055" cy="632207"/>
           </a:xfrm>
           <a:custGeom>
             <a:avLst/>
@@ -7086,6 +6927,20 @@
               <a:gd name="connsiteY5" fmla="*/ 451310 h 577516"/>
               <a:gd name="connsiteX6" fmla="*/ 173 w 574055"/>
               <a:gd name="connsiteY6" fmla="*/ 577516 h 577516"/>
+              <a:gd name="connsiteX0" fmla="*/ 574055 w 574055"/>
+              <a:gd name="connsiteY0" fmla="*/ 134907 h 582582"/>
+              <a:gd name="connsiteX1" fmla="*/ 419750 w 574055"/>
+              <a:gd name="connsiteY1" fmla="*/ 14527 h 582582"/>
+              <a:gd name="connsiteX2" fmla="*/ 252109 w 574055"/>
+              <a:gd name="connsiteY2" fmla="*/ 11707 h 582582"/>
+              <a:gd name="connsiteX3" fmla="*/ 129713 w 574055"/>
+              <a:gd name="connsiteY3" fmla="*/ 101204 h 582582"/>
+              <a:gd name="connsiteX4" fmla="*/ 47798 w 574055"/>
+              <a:gd name="connsiteY4" fmla="*/ 263495 h 582582"/>
+              <a:gd name="connsiteX5" fmla="*/ 7317 w 574055"/>
+              <a:gd name="connsiteY5" fmla="*/ 456376 h 582582"/>
+              <a:gd name="connsiteX6" fmla="*/ 173 w 574055"/>
+              <a:gd name="connsiteY6" fmla="*/ 582582 h 582582"/>
             </a:gdLst>
             <a:ahLst/>
             <a:cxnLst>
@@ -7113,45 +6968,45 @@
             </a:cxnLst>
             <a:rect l="l" t="t" r="r" b="b"/>
             <a:pathLst>
-              <a:path w="574055" h="577516">
+              <a:path w="574055" h="582582">
                 <a:moveTo>
-                  <a:pt x="574055" y="129841"/>
+                  <a:pt x="574055" y="134907"/>
                 </a:moveTo>
                 <a:cubicBezTo>
-                  <a:pt x="529208" y="73485"/>
-                  <a:pt x="475789" y="28166"/>
-                  <a:pt x="419750" y="9461"/>
+                  <a:pt x="529208" y="78551"/>
+                  <a:pt x="473408" y="35060"/>
+                  <a:pt x="419750" y="14527"/>
                 </a:cubicBezTo>
                 <a:cubicBezTo>
-                  <a:pt x="363711" y="-9244"/>
-                  <a:pt x="286161" y="3167"/>
-                  <a:pt x="237822" y="17613"/>
+                  <a:pt x="366092" y="-6006"/>
+                  <a:pt x="300448" y="-2739"/>
+                  <a:pt x="252109" y="11707"/>
                 </a:cubicBezTo>
                 <a:cubicBezTo>
-                  <a:pt x="189483" y="32059"/>
-                  <a:pt x="161384" y="56002"/>
-                  <a:pt x="129713" y="96138"/>
+                  <a:pt x="203770" y="26153"/>
+                  <a:pt x="163765" y="59239"/>
+                  <a:pt x="129713" y="101204"/>
                 </a:cubicBezTo>
                 <a:cubicBezTo>
-                  <a:pt x="98042" y="136274"/>
-                  <a:pt x="68197" y="199234"/>
-                  <a:pt x="47798" y="258429"/>
+                  <a:pt x="95661" y="143169"/>
+                  <a:pt x="68197" y="204300"/>
+                  <a:pt x="47798" y="263495"/>
                 </a:cubicBezTo>
                 <a:cubicBezTo>
-                  <a:pt x="27399" y="317624"/>
-                  <a:pt x="15254" y="398129"/>
-                  <a:pt x="7317" y="451310"/>
+                  <a:pt x="27399" y="322690"/>
+                  <a:pt x="15254" y="403195"/>
+                  <a:pt x="7317" y="456376"/>
                 </a:cubicBezTo>
                 <a:cubicBezTo>
-                  <a:pt x="-620" y="504491"/>
-                  <a:pt x="-224" y="541003"/>
-                  <a:pt x="173" y="577516"/>
+                  <a:pt x="-620" y="509557"/>
+                  <a:pt x="-224" y="546069"/>
+                  <a:pt x="173" y="582582"/>
                 </a:cubicBezTo>
               </a:path>
             </a:pathLst>
           </a:custGeom>
           <a:noFill/>
-          <a:ln w="57150" cap="rnd">
+          <a:ln w="38100" cap="rnd">
             <a:solidFill>
               <a:schemeClr val="accent6">
                 <a:lumMod val="75000"/>
@@ -7194,8 +7049,8 @@
         </p:nvSpPr>
         <p:spPr>
           <a:xfrm>
-            <a:off x="797728" y="989167"/>
-            <a:ext cx="975836" cy="726159"/>
+            <a:off x="797728" y="1343969"/>
+            <a:ext cx="975836" cy="725810"/>
           </a:xfrm>
           <a:custGeom>
             <a:avLst/>
@@ -7256,6 +7111,22 @@
               <a:gd name="connsiteY2" fmla="*/ 194664 h 726159"/>
               <a:gd name="connsiteX3" fmla="*/ 0 w 975836"/>
               <a:gd name="connsiteY3" fmla="*/ 726159 h 726159"/>
+              <a:gd name="connsiteX0" fmla="*/ 975836 w 975836"/>
+              <a:gd name="connsiteY0" fmla="*/ 232764 h 726159"/>
+              <a:gd name="connsiteX1" fmla="*/ 562928 w 975836"/>
+              <a:gd name="connsiteY1" fmla="*/ 353 h 726159"/>
+              <a:gd name="connsiteX2" fmla="*/ 217170 w 975836"/>
+              <a:gd name="connsiteY2" fmla="*/ 194664 h 726159"/>
+              <a:gd name="connsiteX3" fmla="*/ 0 w 975836"/>
+              <a:gd name="connsiteY3" fmla="*/ 726159 h 726159"/>
+              <a:gd name="connsiteX0" fmla="*/ 975836 w 975836"/>
+              <a:gd name="connsiteY0" fmla="*/ 232415 h 725810"/>
+              <a:gd name="connsiteX1" fmla="*/ 562928 w 975836"/>
+              <a:gd name="connsiteY1" fmla="*/ 4 h 725810"/>
+              <a:gd name="connsiteX2" fmla="*/ 217170 w 975836"/>
+              <a:gd name="connsiteY2" fmla="*/ 194315 h 725810"/>
+              <a:gd name="connsiteX3" fmla="*/ 0 w 975836"/>
+              <a:gd name="connsiteY3" fmla="*/ 725810 h 725810"/>
             </a:gdLst>
             <a:ahLst/>
             <a:cxnLst>
@@ -7274,30 +7145,30 @@
             </a:cxnLst>
             <a:rect l="l" t="t" r="r" b="b"/>
             <a:pathLst>
-              <a:path w="975836" h="726159">
+              <a:path w="975836" h="725810">
                 <a:moveTo>
-                  <a:pt x="975836" y="232764"/>
+                  <a:pt x="975836" y="232415"/>
                 </a:moveTo>
                 <a:cubicBezTo>
-                  <a:pt x="922496" y="141800"/>
-                  <a:pt x="703660" y="6703"/>
-                  <a:pt x="577216" y="353"/>
+                  <a:pt x="922496" y="141451"/>
+                  <a:pt x="689372" y="-790"/>
+                  <a:pt x="562928" y="4"/>
                 </a:cubicBezTo>
                 <a:cubicBezTo>
-                  <a:pt x="450772" y="-5997"/>
-                  <a:pt x="308610" y="73697"/>
-                  <a:pt x="217170" y="194664"/>
+                  <a:pt x="436484" y="798"/>
+                  <a:pt x="308610" y="73348"/>
+                  <a:pt x="217170" y="194315"/>
                 </a:cubicBezTo>
                 <a:cubicBezTo>
-                  <a:pt x="125730" y="315631"/>
-                  <a:pt x="62865" y="495654"/>
-                  <a:pt x="0" y="726159"/>
+                  <a:pt x="125730" y="315282"/>
+                  <a:pt x="62865" y="495305"/>
+                  <a:pt x="0" y="725810"/>
                 </a:cubicBezTo>
               </a:path>
             </a:pathLst>
           </a:custGeom>
           <a:noFill/>
-          <a:ln w="57150" cap="rnd">
+          <a:ln w="38100" cap="rnd">
             <a:solidFill>
               <a:schemeClr val="accent6">
                 <a:lumMod val="75000"/>
@@ -7328,573 +7199,6 @@
           <a:lstStyle/>
           <a:p>
             <a:pPr algn="ctr"/>
-            <a:endParaRPr lang="en-SG"/>
-          </a:p>
-        </p:txBody>
-      </p:sp>
-      <p:sp>
-        <p:nvSpPr>
-          <p:cNvPr id="169" name="Freeform 7"/>
-          <p:cNvSpPr>
-            <a:spLocks/>
-          </p:cNvSpPr>
-          <p:nvPr/>
-        </p:nvSpPr>
-        <p:spPr bwMode="auto">
-          <a:xfrm>
-            <a:off x="6311900" y="1476375"/>
-            <a:ext cx="177800" cy="258763"/>
-          </a:xfrm>
-          <a:custGeom>
-            <a:avLst/>
-            <a:gdLst>
-              <a:gd name="T0" fmla="*/ 475 w 900"/>
-              <a:gd name="T1" fmla="*/ 204 h 1469"/>
-              <a:gd name="T2" fmla="*/ 527 w 900"/>
-              <a:gd name="T3" fmla="*/ 239 h 1469"/>
-              <a:gd name="T4" fmla="*/ 573 w 900"/>
-              <a:gd name="T5" fmla="*/ 280 h 1469"/>
-              <a:gd name="T6" fmla="*/ 601 w 900"/>
-              <a:gd name="T7" fmla="*/ 330 h 1469"/>
-              <a:gd name="T8" fmla="*/ 604 w 900"/>
-              <a:gd name="T9" fmla="*/ 437 h 1469"/>
-              <a:gd name="T10" fmla="*/ 579 w 900"/>
-              <a:gd name="T11" fmla="*/ 589 h 1469"/>
-              <a:gd name="T12" fmla="*/ 540 w 900"/>
-              <a:gd name="T13" fmla="*/ 739 h 1469"/>
-              <a:gd name="T14" fmla="*/ 500 w 900"/>
-              <a:gd name="T15" fmla="*/ 891 h 1469"/>
-              <a:gd name="T16" fmla="*/ 474 w 900"/>
-              <a:gd name="T17" fmla="*/ 1077 h 1469"/>
-              <a:gd name="T18" fmla="*/ 469 w 900"/>
-              <a:gd name="T19" fmla="*/ 1362 h 1469"/>
-              <a:gd name="T20" fmla="*/ 476 w 900"/>
-              <a:gd name="T21" fmla="*/ 1469 h 1469"/>
-              <a:gd name="T22" fmla="*/ 505 w 900"/>
-              <a:gd name="T23" fmla="*/ 1467 h 1469"/>
-              <a:gd name="T24" fmla="*/ 555 w 900"/>
-              <a:gd name="T25" fmla="*/ 1462 h 1469"/>
-              <a:gd name="T26" fmla="*/ 617 w 900"/>
-              <a:gd name="T27" fmla="*/ 1454 h 1469"/>
-              <a:gd name="T28" fmla="*/ 685 w 900"/>
-              <a:gd name="T29" fmla="*/ 1444 h 1469"/>
-              <a:gd name="T30" fmla="*/ 748 w 900"/>
-              <a:gd name="T31" fmla="*/ 1429 h 1469"/>
-              <a:gd name="T32" fmla="*/ 801 w 900"/>
-              <a:gd name="T33" fmla="*/ 1410 h 1469"/>
-              <a:gd name="T34" fmla="*/ 833 w 900"/>
-              <a:gd name="T35" fmla="*/ 1388 h 1469"/>
-              <a:gd name="T36" fmla="*/ 863 w 900"/>
-              <a:gd name="T37" fmla="*/ 1204 h 1469"/>
-              <a:gd name="T38" fmla="*/ 894 w 900"/>
-              <a:gd name="T39" fmla="*/ 903 h 1469"/>
-              <a:gd name="T40" fmla="*/ 899 w 900"/>
-              <a:gd name="T41" fmla="*/ 640 h 1469"/>
-              <a:gd name="T42" fmla="*/ 871 w 900"/>
-              <a:gd name="T43" fmla="*/ 395 h 1469"/>
-              <a:gd name="T44" fmla="*/ 834 w 900"/>
-              <a:gd name="T45" fmla="*/ 248 h 1469"/>
-              <a:gd name="T46" fmla="*/ 803 w 900"/>
-              <a:gd name="T47" fmla="*/ 201 h 1469"/>
-              <a:gd name="T48" fmla="*/ 763 w 900"/>
-              <a:gd name="T49" fmla="*/ 159 h 1469"/>
-              <a:gd name="T50" fmla="*/ 718 w 900"/>
-              <a:gd name="T51" fmla="*/ 121 h 1469"/>
-              <a:gd name="T52" fmla="*/ 665 w 900"/>
-              <a:gd name="T53" fmla="*/ 86 h 1469"/>
-              <a:gd name="T54" fmla="*/ 611 w 900"/>
-              <a:gd name="T55" fmla="*/ 56 h 1469"/>
-              <a:gd name="T56" fmla="*/ 554 w 900"/>
-              <a:gd name="T57" fmla="*/ 31 h 1469"/>
-              <a:gd name="T58" fmla="*/ 497 w 900"/>
-              <a:gd name="T59" fmla="*/ 10 h 1469"/>
-              <a:gd name="T60" fmla="*/ 439 w 900"/>
-              <a:gd name="T61" fmla="*/ 0 h 1469"/>
-              <a:gd name="T62" fmla="*/ 371 w 900"/>
-              <a:gd name="T63" fmla="*/ 3 h 1469"/>
-              <a:gd name="T64" fmla="*/ 300 w 900"/>
-              <a:gd name="T65" fmla="*/ 11 h 1469"/>
-              <a:gd name="T66" fmla="*/ 228 w 900"/>
-              <a:gd name="T67" fmla="*/ 26 h 1469"/>
-              <a:gd name="T68" fmla="*/ 159 w 900"/>
-              <a:gd name="T69" fmla="*/ 50 h 1469"/>
-              <a:gd name="T70" fmla="*/ 97 w 900"/>
-              <a:gd name="T71" fmla="*/ 82 h 1469"/>
-              <a:gd name="T72" fmla="*/ 47 w 900"/>
-              <a:gd name="T73" fmla="*/ 124 h 1469"/>
-              <a:gd name="T74" fmla="*/ 12 w 900"/>
-              <a:gd name="T75" fmla="*/ 176 h 1469"/>
-              <a:gd name="T76" fmla="*/ 4 w 900"/>
-              <a:gd name="T77" fmla="*/ 206 h 1469"/>
-              <a:gd name="T78" fmla="*/ 29 w 900"/>
-              <a:gd name="T79" fmla="*/ 204 h 1469"/>
-              <a:gd name="T80" fmla="*/ 77 w 900"/>
-              <a:gd name="T81" fmla="*/ 199 h 1469"/>
-              <a:gd name="T82" fmla="*/ 140 w 900"/>
-              <a:gd name="T83" fmla="*/ 192 h 1469"/>
-              <a:gd name="T84" fmla="*/ 213 w 900"/>
-              <a:gd name="T85" fmla="*/ 185 h 1469"/>
-              <a:gd name="T86" fmla="*/ 288 w 900"/>
-              <a:gd name="T87" fmla="*/ 181 h 1469"/>
-              <a:gd name="T88" fmla="*/ 361 w 900"/>
-              <a:gd name="T89" fmla="*/ 180 h 1469"/>
-              <a:gd name="T90" fmla="*/ 424 w 900"/>
-              <a:gd name="T91" fmla="*/ 184 h 1469"/>
-            </a:gdLst>
-            <a:ahLst/>
-            <a:cxnLst>
-              <a:cxn ang="0">
-                <a:pos x="T0" y="T1"/>
-              </a:cxn>
-              <a:cxn ang="0">
-                <a:pos x="T2" y="T3"/>
-              </a:cxn>
-              <a:cxn ang="0">
-                <a:pos x="T4" y="T5"/>
-              </a:cxn>
-              <a:cxn ang="0">
-                <a:pos x="T6" y="T7"/>
-              </a:cxn>
-              <a:cxn ang="0">
-                <a:pos x="T8" y="T9"/>
-              </a:cxn>
-              <a:cxn ang="0">
-                <a:pos x="T10" y="T11"/>
-              </a:cxn>
-              <a:cxn ang="0">
-                <a:pos x="T12" y="T13"/>
-              </a:cxn>
-              <a:cxn ang="0">
-                <a:pos x="T14" y="T15"/>
-              </a:cxn>
-              <a:cxn ang="0">
-                <a:pos x="T16" y="T17"/>
-              </a:cxn>
-              <a:cxn ang="0">
-                <a:pos x="T18" y="T19"/>
-              </a:cxn>
-              <a:cxn ang="0">
-                <a:pos x="T20" y="T21"/>
-              </a:cxn>
-              <a:cxn ang="0">
-                <a:pos x="T22" y="T23"/>
-              </a:cxn>
-              <a:cxn ang="0">
-                <a:pos x="T24" y="T25"/>
-              </a:cxn>
-              <a:cxn ang="0">
-                <a:pos x="T26" y="T27"/>
-              </a:cxn>
-              <a:cxn ang="0">
-                <a:pos x="T28" y="T29"/>
-              </a:cxn>
-              <a:cxn ang="0">
-                <a:pos x="T30" y="T31"/>
-              </a:cxn>
-              <a:cxn ang="0">
-                <a:pos x="T32" y="T33"/>
-              </a:cxn>
-              <a:cxn ang="0">
-                <a:pos x="T34" y="T35"/>
-              </a:cxn>
-              <a:cxn ang="0">
-                <a:pos x="T36" y="T37"/>
-              </a:cxn>
-              <a:cxn ang="0">
-                <a:pos x="T38" y="T39"/>
-              </a:cxn>
-              <a:cxn ang="0">
-                <a:pos x="T40" y="T41"/>
-              </a:cxn>
-              <a:cxn ang="0">
-                <a:pos x="T42" y="T43"/>
-              </a:cxn>
-              <a:cxn ang="0">
-                <a:pos x="T44" y="T45"/>
-              </a:cxn>
-              <a:cxn ang="0">
-                <a:pos x="T46" y="T47"/>
-              </a:cxn>
-              <a:cxn ang="0">
-                <a:pos x="T48" y="T49"/>
-              </a:cxn>
-              <a:cxn ang="0">
-                <a:pos x="T50" y="T51"/>
-              </a:cxn>
-              <a:cxn ang="0">
-                <a:pos x="T52" y="T53"/>
-              </a:cxn>
-              <a:cxn ang="0">
-                <a:pos x="T54" y="T55"/>
-              </a:cxn>
-              <a:cxn ang="0">
-                <a:pos x="T56" y="T57"/>
-              </a:cxn>
-              <a:cxn ang="0">
-                <a:pos x="T58" y="T59"/>
-              </a:cxn>
-              <a:cxn ang="0">
-                <a:pos x="T60" y="T61"/>
-              </a:cxn>
-              <a:cxn ang="0">
-                <a:pos x="T62" y="T63"/>
-              </a:cxn>
-              <a:cxn ang="0">
-                <a:pos x="T64" y="T65"/>
-              </a:cxn>
-              <a:cxn ang="0">
-                <a:pos x="T66" y="T67"/>
-              </a:cxn>
-              <a:cxn ang="0">
-                <a:pos x="T68" y="T69"/>
-              </a:cxn>
-              <a:cxn ang="0">
-                <a:pos x="T70" y="T71"/>
-              </a:cxn>
-              <a:cxn ang="0">
-                <a:pos x="T72" y="T73"/>
-              </a:cxn>
-              <a:cxn ang="0">
-                <a:pos x="T74" y="T75"/>
-              </a:cxn>
-              <a:cxn ang="0">
-                <a:pos x="T76" y="T77"/>
-              </a:cxn>
-              <a:cxn ang="0">
-                <a:pos x="T78" y="T79"/>
-              </a:cxn>
-              <a:cxn ang="0">
-                <a:pos x="T80" y="T81"/>
-              </a:cxn>
-              <a:cxn ang="0">
-                <a:pos x="T82" y="T83"/>
-              </a:cxn>
-              <a:cxn ang="0">
-                <a:pos x="T84" y="T85"/>
-              </a:cxn>
-              <a:cxn ang="0">
-                <a:pos x="T86" y="T87"/>
-              </a:cxn>
-              <a:cxn ang="0">
-                <a:pos x="T88" y="T89"/>
-              </a:cxn>
-              <a:cxn ang="0">
-                <a:pos x="T90" y="T91"/>
-              </a:cxn>
-            </a:cxnLst>
-            <a:rect l="0" t="0" r="r" b="b"/>
-            <a:pathLst>
-              <a:path w="900" h="1469">
-                <a:moveTo>
-                  <a:pt x="450" y="188"/>
-                </a:moveTo>
-                <a:lnTo>
-                  <a:pt x="475" y="204"/>
-                </a:lnTo>
-                <a:lnTo>
-                  <a:pt x="502" y="221"/>
-                </a:lnTo>
-                <a:lnTo>
-                  <a:pt x="527" y="239"/>
-                </a:lnTo>
-                <a:lnTo>
-                  <a:pt x="552" y="258"/>
-                </a:lnTo>
-                <a:lnTo>
-                  <a:pt x="573" y="280"/>
-                </a:lnTo>
-                <a:lnTo>
-                  <a:pt x="590" y="303"/>
-                </a:lnTo>
-                <a:lnTo>
-                  <a:pt x="601" y="330"/>
-                </a:lnTo>
-                <a:lnTo>
-                  <a:pt x="606" y="359"/>
-                </a:lnTo>
-                <a:lnTo>
-                  <a:pt x="604" y="437"/>
-                </a:lnTo>
-                <a:lnTo>
-                  <a:pt x="593" y="514"/>
-                </a:lnTo>
-                <a:lnTo>
-                  <a:pt x="579" y="589"/>
-                </a:lnTo>
-                <a:lnTo>
-                  <a:pt x="560" y="664"/>
-                </a:lnTo>
-                <a:lnTo>
-                  <a:pt x="540" y="739"/>
-                </a:lnTo>
-                <a:lnTo>
-                  <a:pt x="519" y="815"/>
-                </a:lnTo>
-                <a:lnTo>
-                  <a:pt x="500" y="891"/>
-                </a:lnTo>
-                <a:lnTo>
-                  <a:pt x="484" y="969"/>
-                </a:lnTo>
-                <a:lnTo>
-                  <a:pt x="474" y="1077"/>
-                </a:lnTo>
-                <a:lnTo>
-                  <a:pt x="469" y="1220"/>
-                </a:lnTo>
-                <a:lnTo>
-                  <a:pt x="469" y="1362"/>
-                </a:lnTo>
-                <a:lnTo>
-                  <a:pt x="472" y="1469"/>
-                </a:lnTo>
-                <a:lnTo>
-                  <a:pt x="476" y="1469"/>
-                </a:lnTo>
-                <a:lnTo>
-                  <a:pt x="486" y="1468"/>
-                </a:lnTo>
-                <a:lnTo>
-                  <a:pt x="505" y="1467"/>
-                </a:lnTo>
-                <a:lnTo>
-                  <a:pt x="527" y="1465"/>
-                </a:lnTo>
-                <a:lnTo>
-                  <a:pt x="555" y="1462"/>
-                </a:lnTo>
-                <a:lnTo>
-                  <a:pt x="584" y="1459"/>
-                </a:lnTo>
-                <a:lnTo>
-                  <a:pt x="617" y="1454"/>
-                </a:lnTo>
-                <a:lnTo>
-                  <a:pt x="650" y="1449"/>
-                </a:lnTo>
-                <a:lnTo>
-                  <a:pt x="685" y="1444"/>
-                </a:lnTo>
-                <a:lnTo>
-                  <a:pt x="718" y="1436"/>
-                </a:lnTo>
-                <a:lnTo>
-                  <a:pt x="748" y="1429"/>
-                </a:lnTo>
-                <a:lnTo>
-                  <a:pt x="776" y="1421"/>
-                </a:lnTo>
-                <a:lnTo>
-                  <a:pt x="801" y="1410"/>
-                </a:lnTo>
-                <a:lnTo>
-                  <a:pt x="819" y="1400"/>
-                </a:lnTo>
-                <a:lnTo>
-                  <a:pt x="833" y="1388"/>
-                </a:lnTo>
-                <a:lnTo>
-                  <a:pt x="838" y="1374"/>
-                </a:lnTo>
-                <a:lnTo>
-                  <a:pt x="863" y="1204"/>
-                </a:lnTo>
-                <a:lnTo>
-                  <a:pt x="881" y="1048"/>
-                </a:lnTo>
-                <a:lnTo>
-                  <a:pt x="894" y="903"/>
-                </a:lnTo>
-                <a:lnTo>
-                  <a:pt x="900" y="769"/>
-                </a:lnTo>
-                <a:lnTo>
-                  <a:pt x="899" y="640"/>
-                </a:lnTo>
-                <a:lnTo>
-                  <a:pt x="888" y="517"/>
-                </a:lnTo>
-                <a:lnTo>
-                  <a:pt x="871" y="395"/>
-                </a:lnTo>
-                <a:lnTo>
-                  <a:pt x="845" y="273"/>
-                </a:lnTo>
-                <a:lnTo>
-                  <a:pt x="834" y="248"/>
-                </a:lnTo>
-                <a:lnTo>
-                  <a:pt x="819" y="224"/>
-                </a:lnTo>
-                <a:lnTo>
-                  <a:pt x="803" y="201"/>
-                </a:lnTo>
-                <a:lnTo>
-                  <a:pt x="784" y="180"/>
-                </a:lnTo>
-                <a:lnTo>
-                  <a:pt x="763" y="159"/>
-                </a:lnTo>
-                <a:lnTo>
-                  <a:pt x="741" y="139"/>
-                </a:lnTo>
-                <a:lnTo>
-                  <a:pt x="718" y="121"/>
-                </a:lnTo>
-                <a:lnTo>
-                  <a:pt x="691" y="103"/>
-                </a:lnTo>
-                <a:lnTo>
-                  <a:pt x="665" y="86"/>
-                </a:lnTo>
-                <a:lnTo>
-                  <a:pt x="638" y="71"/>
-                </a:lnTo>
-                <a:lnTo>
-                  <a:pt x="611" y="56"/>
-                </a:lnTo>
-                <a:lnTo>
-                  <a:pt x="582" y="43"/>
-                </a:lnTo>
-                <a:lnTo>
-                  <a:pt x="554" y="31"/>
-                </a:lnTo>
-                <a:lnTo>
-                  <a:pt x="525" y="20"/>
-                </a:lnTo>
-                <a:lnTo>
-                  <a:pt x="497" y="10"/>
-                </a:lnTo>
-                <a:lnTo>
-                  <a:pt x="469" y="1"/>
-                </a:lnTo>
-                <a:lnTo>
-                  <a:pt x="439" y="0"/>
-                </a:lnTo>
-                <a:lnTo>
-                  <a:pt x="406" y="0"/>
-                </a:lnTo>
-                <a:lnTo>
-                  <a:pt x="371" y="3"/>
-                </a:lnTo>
-                <a:lnTo>
-                  <a:pt x="336" y="6"/>
-                </a:lnTo>
-                <a:lnTo>
-                  <a:pt x="300" y="11"/>
-                </a:lnTo>
-                <a:lnTo>
-                  <a:pt x="263" y="17"/>
-                </a:lnTo>
-                <a:lnTo>
-                  <a:pt x="228" y="26"/>
-                </a:lnTo>
-                <a:lnTo>
-                  <a:pt x="193" y="37"/>
-                </a:lnTo>
-                <a:lnTo>
-                  <a:pt x="159" y="50"/>
-                </a:lnTo>
-                <a:lnTo>
-                  <a:pt x="127" y="65"/>
-                </a:lnTo>
-                <a:lnTo>
-                  <a:pt x="97" y="82"/>
-                </a:lnTo>
-                <a:lnTo>
-                  <a:pt x="71" y="102"/>
-                </a:lnTo>
-                <a:lnTo>
-                  <a:pt x="47" y="124"/>
-                </a:lnTo>
-                <a:lnTo>
-                  <a:pt x="26" y="148"/>
-                </a:lnTo>
-                <a:lnTo>
-                  <a:pt x="12" y="176"/>
-                </a:lnTo>
-                <a:lnTo>
-                  <a:pt x="0" y="206"/>
-                </a:lnTo>
-                <a:lnTo>
-                  <a:pt x="4" y="206"/>
-                </a:lnTo>
-                <a:lnTo>
-                  <a:pt x="13" y="206"/>
-                </a:lnTo>
-                <a:lnTo>
-                  <a:pt x="29" y="204"/>
-                </a:lnTo>
-                <a:lnTo>
-                  <a:pt x="50" y="202"/>
-                </a:lnTo>
-                <a:lnTo>
-                  <a:pt x="77" y="199"/>
-                </a:lnTo>
-                <a:lnTo>
-                  <a:pt x="107" y="196"/>
-                </a:lnTo>
-                <a:lnTo>
-                  <a:pt x="140" y="192"/>
-                </a:lnTo>
-                <a:lnTo>
-                  <a:pt x="176" y="188"/>
-                </a:lnTo>
-                <a:lnTo>
-                  <a:pt x="213" y="185"/>
-                </a:lnTo>
-                <a:lnTo>
-                  <a:pt x="251" y="183"/>
-                </a:lnTo>
-                <a:lnTo>
-                  <a:pt x="288" y="181"/>
-                </a:lnTo>
-                <a:lnTo>
-                  <a:pt x="325" y="180"/>
-                </a:lnTo>
-                <a:lnTo>
-                  <a:pt x="361" y="180"/>
-                </a:lnTo>
-                <a:lnTo>
-                  <a:pt x="394" y="181"/>
-                </a:lnTo>
-                <a:lnTo>
-                  <a:pt x="424" y="184"/>
-                </a:lnTo>
-                <a:lnTo>
-                  <a:pt x="450" y="188"/>
-                </a:lnTo>
-                <a:close/>
-              </a:path>
-            </a:pathLst>
-          </a:custGeom>
-          <a:solidFill>
-            <a:srgbClr val="FFFFEA"/>
-          </a:solidFill>
-          <a:ln>
-            <a:noFill/>
-          </a:ln>
-          <a:extLst>
-            <a:ext uri="{91240B29-F687-4F45-9708-019B960494DF}">
-              <a14:hiddenLine xmlns:a14="http://schemas.microsoft.com/office/drawing/2010/main" w="9525">
-                <a:solidFill>
-                  <a:srgbClr val="000000"/>
-                </a:solidFill>
-                <a:round/>
-                <a:headEnd/>
-                <a:tailEnd/>
-              </a14:hiddenLine>
-            </a:ext>
-          </a:extLst>
-        </p:spPr>
-        <p:txBody>
-          <a:bodyPr vert="horz" wrap="square" lIns="91440" tIns="45720" rIns="91440" bIns="45720" numCol="1" anchor="t" anchorCtr="0" compatLnSpc="1">
-            <a:prstTxWarp prst="textNoShape">
-              <a:avLst/>
-            </a:prstTxWarp>
-          </a:bodyPr>
-          <a:lstStyle/>
-          <a:p>
             <a:endParaRPr lang="en-SG"/>
           </a:p>
         </p:txBody>
@@ -8167,2164 +7471,6 @@
       </p:sp>
       <p:sp>
         <p:nvSpPr>
-          <p:cNvPr id="171" name="Freeform 9"/>
-          <p:cNvSpPr>
-            <a:spLocks/>
-          </p:cNvSpPr>
-          <p:nvPr/>
-        </p:nvSpPr>
-        <p:spPr bwMode="auto">
-          <a:xfrm rot="2760171" flipH="1">
-            <a:off x="6071869" y="1628232"/>
-            <a:ext cx="403225" cy="376238"/>
-          </a:xfrm>
-          <a:custGeom>
-            <a:avLst/>
-            <a:gdLst>
-              <a:gd name="T0" fmla="*/ 1726 w 2029"/>
-              <a:gd name="T1" fmla="*/ 1943 h 2127"/>
-              <a:gd name="T2" fmla="*/ 1429 w 2029"/>
-              <a:gd name="T3" fmla="*/ 2016 h 2127"/>
-              <a:gd name="T4" fmla="*/ 1211 w 2029"/>
-              <a:gd name="T5" fmla="*/ 1616 h 2127"/>
-              <a:gd name="T6" fmla="*/ 1104 w 2029"/>
-              <a:gd name="T7" fmla="*/ 1279 h 2127"/>
-              <a:gd name="T8" fmla="*/ 1307 w 2029"/>
-              <a:gd name="T9" fmla="*/ 1164 h 2127"/>
-              <a:gd name="T10" fmla="*/ 1527 w 2029"/>
-              <a:gd name="T11" fmla="*/ 1092 h 2127"/>
-              <a:gd name="T12" fmla="*/ 1764 w 2029"/>
-              <a:gd name="T13" fmla="*/ 1084 h 2127"/>
-              <a:gd name="T14" fmla="*/ 1610 w 2029"/>
-              <a:gd name="T15" fmla="*/ 1008 h 2127"/>
-              <a:gd name="T16" fmla="*/ 1487 w 2029"/>
-              <a:gd name="T17" fmla="*/ 957 h 2127"/>
-              <a:gd name="T18" fmla="*/ 1403 w 2029"/>
-              <a:gd name="T19" fmla="*/ 1048 h 2127"/>
-              <a:gd name="T20" fmla="*/ 1249 w 2029"/>
-              <a:gd name="T21" fmla="*/ 1107 h 2127"/>
-              <a:gd name="T22" fmla="*/ 1057 w 2029"/>
-              <a:gd name="T23" fmla="*/ 1220 h 2127"/>
-              <a:gd name="T24" fmla="*/ 1094 w 2029"/>
-              <a:gd name="T25" fmla="*/ 755 h 2127"/>
-              <a:gd name="T26" fmla="*/ 1276 w 2029"/>
-              <a:gd name="T27" fmla="*/ 614 h 2127"/>
-              <a:gd name="T28" fmla="*/ 1401 w 2029"/>
-              <a:gd name="T29" fmla="*/ 847 h 2127"/>
-              <a:gd name="T30" fmla="*/ 1407 w 2029"/>
-              <a:gd name="T31" fmla="*/ 620 h 2127"/>
-              <a:gd name="T32" fmla="*/ 1658 w 2029"/>
-              <a:gd name="T33" fmla="*/ 597 h 2127"/>
-              <a:gd name="T34" fmla="*/ 1886 w 2029"/>
-              <a:gd name="T35" fmla="*/ 836 h 2127"/>
-              <a:gd name="T36" fmla="*/ 1833 w 2029"/>
-              <a:gd name="T37" fmla="*/ 1019 h 2127"/>
-              <a:gd name="T38" fmla="*/ 1897 w 2029"/>
-              <a:gd name="T39" fmla="*/ 1095 h 2127"/>
-              <a:gd name="T40" fmla="*/ 1891 w 2029"/>
-              <a:gd name="T41" fmla="*/ 1639 h 2127"/>
-              <a:gd name="T42" fmla="*/ 1890 w 2029"/>
-              <a:gd name="T43" fmla="*/ 668 h 2127"/>
-              <a:gd name="T44" fmla="*/ 1745 w 2029"/>
-              <a:gd name="T45" fmla="*/ 555 h 2127"/>
-              <a:gd name="T46" fmla="*/ 1603 w 2029"/>
-              <a:gd name="T47" fmla="*/ 501 h 2127"/>
-              <a:gd name="T48" fmla="*/ 1481 w 2029"/>
-              <a:gd name="T49" fmla="*/ 485 h 2127"/>
-              <a:gd name="T50" fmla="*/ 1399 w 2029"/>
-              <a:gd name="T51" fmla="*/ 453 h 2127"/>
-              <a:gd name="T52" fmla="*/ 1343 w 2029"/>
-              <a:gd name="T53" fmla="*/ 503 h 2127"/>
-              <a:gd name="T54" fmla="*/ 1374 w 2029"/>
-              <a:gd name="T55" fmla="*/ 399 h 2127"/>
-              <a:gd name="T56" fmla="*/ 1409 w 2029"/>
-              <a:gd name="T57" fmla="*/ 328 h 2127"/>
-              <a:gd name="T58" fmla="*/ 1371 w 2029"/>
-              <a:gd name="T59" fmla="*/ 317 h 2127"/>
-              <a:gd name="T60" fmla="*/ 1297 w 2029"/>
-              <a:gd name="T61" fmla="*/ 155 h 2127"/>
-              <a:gd name="T62" fmla="*/ 1142 w 2029"/>
-              <a:gd name="T63" fmla="*/ 34 h 2127"/>
-              <a:gd name="T64" fmla="*/ 1014 w 2029"/>
-              <a:gd name="T65" fmla="*/ 1 h 2127"/>
-              <a:gd name="T66" fmla="*/ 844 w 2029"/>
-              <a:gd name="T67" fmla="*/ 16 h 2127"/>
-              <a:gd name="T68" fmla="*/ 655 w 2029"/>
-              <a:gd name="T69" fmla="*/ 87 h 2127"/>
-              <a:gd name="T70" fmla="*/ 486 w 2029"/>
-              <a:gd name="T71" fmla="*/ 199 h 2127"/>
-              <a:gd name="T72" fmla="*/ 310 w 2029"/>
-              <a:gd name="T73" fmla="*/ 520 h 2127"/>
-              <a:gd name="T74" fmla="*/ 474 w 2029"/>
-              <a:gd name="T75" fmla="*/ 980 h 2127"/>
-              <a:gd name="T76" fmla="*/ 702 w 2029"/>
-              <a:gd name="T77" fmla="*/ 1291 h 2127"/>
-              <a:gd name="T78" fmla="*/ 551 w 2029"/>
-              <a:gd name="T79" fmla="*/ 1622 h 2127"/>
-              <a:gd name="T80" fmla="*/ 239 w 2029"/>
-              <a:gd name="T81" fmla="*/ 1637 h 2127"/>
-              <a:gd name="T82" fmla="*/ 43 w 2029"/>
-              <a:gd name="T83" fmla="*/ 1652 h 2127"/>
-              <a:gd name="T84" fmla="*/ 186 w 2029"/>
-              <a:gd name="T85" fmla="*/ 1716 h 2127"/>
-              <a:gd name="T86" fmla="*/ 311 w 2029"/>
-              <a:gd name="T87" fmla="*/ 1731 h 2127"/>
-              <a:gd name="T88" fmla="*/ 560 w 2029"/>
-              <a:gd name="T89" fmla="*/ 1709 h 2127"/>
-              <a:gd name="T90" fmla="*/ 819 w 2029"/>
-              <a:gd name="T91" fmla="*/ 1410 h 2127"/>
-              <a:gd name="T92" fmla="*/ 751 w 2029"/>
-              <a:gd name="T93" fmla="*/ 1202 h 2127"/>
-              <a:gd name="T94" fmla="*/ 613 w 2029"/>
-              <a:gd name="T95" fmla="*/ 974 h 2127"/>
-              <a:gd name="T96" fmla="*/ 419 w 2029"/>
-              <a:gd name="T97" fmla="*/ 599 h 2127"/>
-              <a:gd name="T98" fmla="*/ 498 w 2029"/>
-              <a:gd name="T99" fmla="*/ 304 h 2127"/>
-              <a:gd name="T100" fmla="*/ 783 w 2029"/>
-              <a:gd name="T101" fmla="*/ 110 h 2127"/>
-              <a:gd name="T102" fmla="*/ 1044 w 2029"/>
-              <a:gd name="T103" fmla="*/ 85 h 2127"/>
-              <a:gd name="T104" fmla="*/ 1215 w 2029"/>
-              <a:gd name="T105" fmla="*/ 188 h 2127"/>
-              <a:gd name="T106" fmla="*/ 1249 w 2029"/>
-              <a:gd name="T107" fmla="*/ 392 h 2127"/>
-              <a:gd name="T108" fmla="*/ 1123 w 2029"/>
-              <a:gd name="T109" fmla="*/ 615 h 2127"/>
-              <a:gd name="T110" fmla="*/ 989 w 2029"/>
-              <a:gd name="T111" fmla="*/ 850 h 2127"/>
-              <a:gd name="T112" fmla="*/ 986 w 2029"/>
-              <a:gd name="T113" fmla="*/ 1327 h 2127"/>
-              <a:gd name="T114" fmla="*/ 1152 w 2029"/>
-              <a:gd name="T115" fmla="*/ 1757 h 2127"/>
-              <a:gd name="T116" fmla="*/ 1365 w 2029"/>
-              <a:gd name="T117" fmla="*/ 2118 h 2127"/>
-              <a:gd name="T118" fmla="*/ 1989 w 2029"/>
-              <a:gd name="T119" fmla="*/ 1639 h 2127"/>
-            </a:gdLst>
-            <a:ahLst/>
-            <a:cxnLst>
-              <a:cxn ang="0">
-                <a:pos x="T0" y="T1"/>
-              </a:cxn>
-              <a:cxn ang="0">
-                <a:pos x="T2" y="T3"/>
-              </a:cxn>
-              <a:cxn ang="0">
-                <a:pos x="T4" y="T5"/>
-              </a:cxn>
-              <a:cxn ang="0">
-                <a:pos x="T6" y="T7"/>
-              </a:cxn>
-              <a:cxn ang="0">
-                <a:pos x="T8" y="T9"/>
-              </a:cxn>
-              <a:cxn ang="0">
-                <a:pos x="T10" y="T11"/>
-              </a:cxn>
-              <a:cxn ang="0">
-                <a:pos x="T12" y="T13"/>
-              </a:cxn>
-              <a:cxn ang="0">
-                <a:pos x="T14" y="T15"/>
-              </a:cxn>
-              <a:cxn ang="0">
-                <a:pos x="T16" y="T17"/>
-              </a:cxn>
-              <a:cxn ang="0">
-                <a:pos x="T18" y="T19"/>
-              </a:cxn>
-              <a:cxn ang="0">
-                <a:pos x="T20" y="T21"/>
-              </a:cxn>
-              <a:cxn ang="0">
-                <a:pos x="T22" y="T23"/>
-              </a:cxn>
-              <a:cxn ang="0">
-                <a:pos x="T24" y="T25"/>
-              </a:cxn>
-              <a:cxn ang="0">
-                <a:pos x="T26" y="T27"/>
-              </a:cxn>
-              <a:cxn ang="0">
-                <a:pos x="T28" y="T29"/>
-              </a:cxn>
-              <a:cxn ang="0">
-                <a:pos x="T30" y="T31"/>
-              </a:cxn>
-              <a:cxn ang="0">
-                <a:pos x="T32" y="T33"/>
-              </a:cxn>
-              <a:cxn ang="0">
-                <a:pos x="T34" y="T35"/>
-              </a:cxn>
-              <a:cxn ang="0">
-                <a:pos x="T36" y="T37"/>
-              </a:cxn>
-              <a:cxn ang="0">
-                <a:pos x="T38" y="T39"/>
-              </a:cxn>
-              <a:cxn ang="0">
-                <a:pos x="T40" y="T41"/>
-              </a:cxn>
-              <a:cxn ang="0">
-                <a:pos x="T42" y="T43"/>
-              </a:cxn>
-              <a:cxn ang="0">
-                <a:pos x="T44" y="T45"/>
-              </a:cxn>
-              <a:cxn ang="0">
-                <a:pos x="T46" y="T47"/>
-              </a:cxn>
-              <a:cxn ang="0">
-                <a:pos x="T48" y="T49"/>
-              </a:cxn>
-              <a:cxn ang="0">
-                <a:pos x="T50" y="T51"/>
-              </a:cxn>
-              <a:cxn ang="0">
-                <a:pos x="T52" y="T53"/>
-              </a:cxn>
-              <a:cxn ang="0">
-                <a:pos x="T54" y="T55"/>
-              </a:cxn>
-              <a:cxn ang="0">
-                <a:pos x="T56" y="T57"/>
-              </a:cxn>
-              <a:cxn ang="0">
-                <a:pos x="T58" y="T59"/>
-              </a:cxn>
-              <a:cxn ang="0">
-                <a:pos x="T60" y="T61"/>
-              </a:cxn>
-              <a:cxn ang="0">
-                <a:pos x="T62" y="T63"/>
-              </a:cxn>
-              <a:cxn ang="0">
-                <a:pos x="T64" y="T65"/>
-              </a:cxn>
-              <a:cxn ang="0">
-                <a:pos x="T66" y="T67"/>
-              </a:cxn>
-              <a:cxn ang="0">
-                <a:pos x="T68" y="T69"/>
-              </a:cxn>
-              <a:cxn ang="0">
-                <a:pos x="T70" y="T71"/>
-              </a:cxn>
-              <a:cxn ang="0">
-                <a:pos x="T72" y="T73"/>
-              </a:cxn>
-              <a:cxn ang="0">
-                <a:pos x="T74" y="T75"/>
-              </a:cxn>
-              <a:cxn ang="0">
-                <a:pos x="T76" y="T77"/>
-              </a:cxn>
-              <a:cxn ang="0">
-                <a:pos x="T78" y="T79"/>
-              </a:cxn>
-              <a:cxn ang="0">
-                <a:pos x="T80" y="T81"/>
-              </a:cxn>
-              <a:cxn ang="0">
-                <a:pos x="T82" y="T83"/>
-              </a:cxn>
-              <a:cxn ang="0">
-                <a:pos x="T84" y="T85"/>
-              </a:cxn>
-              <a:cxn ang="0">
-                <a:pos x="T86" y="T87"/>
-              </a:cxn>
-              <a:cxn ang="0">
-                <a:pos x="T88" y="T89"/>
-              </a:cxn>
-              <a:cxn ang="0">
-                <a:pos x="T90" y="T91"/>
-              </a:cxn>
-              <a:cxn ang="0">
-                <a:pos x="T92" y="T93"/>
-              </a:cxn>
-              <a:cxn ang="0">
-                <a:pos x="T94" y="T95"/>
-              </a:cxn>
-              <a:cxn ang="0">
-                <a:pos x="T96" y="T97"/>
-              </a:cxn>
-              <a:cxn ang="0">
-                <a:pos x="T98" y="T99"/>
-              </a:cxn>
-              <a:cxn ang="0">
-                <a:pos x="T100" y="T101"/>
-              </a:cxn>
-              <a:cxn ang="0">
-                <a:pos x="T102" y="T103"/>
-              </a:cxn>
-              <a:cxn ang="0">
-                <a:pos x="T104" y="T105"/>
-              </a:cxn>
-              <a:cxn ang="0">
-                <a:pos x="T106" y="T107"/>
-              </a:cxn>
-              <a:cxn ang="0">
-                <a:pos x="T108" y="T109"/>
-              </a:cxn>
-              <a:cxn ang="0">
-                <a:pos x="T110" y="T111"/>
-              </a:cxn>
-              <a:cxn ang="0">
-                <a:pos x="T112" y="T113"/>
-              </a:cxn>
-              <a:cxn ang="0">
-                <a:pos x="T114" y="T115"/>
-              </a:cxn>
-              <a:cxn ang="0">
-                <a:pos x="T116" y="T117"/>
-              </a:cxn>
-              <a:cxn ang="0">
-                <a:pos x="T118" y="T119"/>
-              </a:cxn>
-            </a:cxnLst>
-            <a:rect l="0" t="0" r="r" b="b"/>
-            <a:pathLst>
-              <a:path w="2029" h="2127">
-                <a:moveTo>
-                  <a:pt x="1891" y="1639"/>
-                </a:moveTo>
-                <a:lnTo>
-                  <a:pt x="1885" y="1709"/>
-                </a:lnTo>
-                <a:lnTo>
-                  <a:pt x="1880" y="1778"/>
-                </a:lnTo>
-                <a:lnTo>
-                  <a:pt x="1874" y="1845"/>
-                </a:lnTo>
-                <a:lnTo>
-                  <a:pt x="1869" y="1902"/>
-                </a:lnTo>
-                <a:lnTo>
-                  <a:pt x="1842" y="1910"/>
-                </a:lnTo>
-                <a:lnTo>
-                  <a:pt x="1814" y="1919"/>
-                </a:lnTo>
-                <a:lnTo>
-                  <a:pt x="1785" y="1926"/>
-                </a:lnTo>
-                <a:lnTo>
-                  <a:pt x="1756" y="1935"/>
-                </a:lnTo>
-                <a:lnTo>
-                  <a:pt x="1726" y="1943"/>
-                </a:lnTo>
-                <a:lnTo>
-                  <a:pt x="1696" y="1950"/>
-                </a:lnTo>
-                <a:lnTo>
-                  <a:pt x="1667" y="1959"/>
-                </a:lnTo>
-                <a:lnTo>
-                  <a:pt x="1636" y="1966"/>
-                </a:lnTo>
-                <a:lnTo>
-                  <a:pt x="1606" y="1974"/>
-                </a:lnTo>
-                <a:lnTo>
-                  <a:pt x="1576" y="1981"/>
-                </a:lnTo>
-                <a:lnTo>
-                  <a:pt x="1546" y="1989"/>
-                </a:lnTo>
-                <a:lnTo>
-                  <a:pt x="1516" y="1996"/>
-                </a:lnTo>
-                <a:lnTo>
-                  <a:pt x="1487" y="2003"/>
-                </a:lnTo>
-                <a:lnTo>
-                  <a:pt x="1457" y="2010"/>
-                </a:lnTo>
-                <a:lnTo>
-                  <a:pt x="1429" y="2016"/>
-                </a:lnTo>
-                <a:lnTo>
-                  <a:pt x="1401" y="2022"/>
-                </a:lnTo>
-                <a:lnTo>
-                  <a:pt x="1398" y="2015"/>
-                </a:lnTo>
-                <a:lnTo>
-                  <a:pt x="1383" y="1984"/>
-                </a:lnTo>
-                <a:lnTo>
-                  <a:pt x="1365" y="1946"/>
-                </a:lnTo>
-                <a:lnTo>
-                  <a:pt x="1343" y="1900"/>
-                </a:lnTo>
-                <a:lnTo>
-                  <a:pt x="1320" y="1849"/>
-                </a:lnTo>
-                <a:lnTo>
-                  <a:pt x="1293" y="1793"/>
-                </a:lnTo>
-                <a:lnTo>
-                  <a:pt x="1267" y="1735"/>
-                </a:lnTo>
-                <a:lnTo>
-                  <a:pt x="1239" y="1675"/>
-                </a:lnTo>
-                <a:lnTo>
-                  <a:pt x="1211" y="1616"/>
-                </a:lnTo>
-                <a:lnTo>
-                  <a:pt x="1185" y="1558"/>
-                </a:lnTo>
-                <a:lnTo>
-                  <a:pt x="1159" y="1502"/>
-                </a:lnTo>
-                <a:lnTo>
-                  <a:pt x="1136" y="1451"/>
-                </a:lnTo>
-                <a:lnTo>
-                  <a:pt x="1116" y="1406"/>
-                </a:lnTo>
-                <a:lnTo>
-                  <a:pt x="1099" y="1368"/>
-                </a:lnTo>
-                <a:lnTo>
-                  <a:pt x="1085" y="1339"/>
-                </a:lnTo>
-                <a:lnTo>
-                  <a:pt x="1077" y="1319"/>
-                </a:lnTo>
-                <a:lnTo>
-                  <a:pt x="1074" y="1312"/>
-                </a:lnTo>
-                <a:lnTo>
-                  <a:pt x="1088" y="1295"/>
-                </a:lnTo>
-                <a:lnTo>
-                  <a:pt x="1104" y="1279"/>
-                </a:lnTo>
-                <a:lnTo>
-                  <a:pt x="1123" y="1263"/>
-                </a:lnTo>
-                <a:lnTo>
-                  <a:pt x="1141" y="1249"/>
-                </a:lnTo>
-                <a:lnTo>
-                  <a:pt x="1159" y="1237"/>
-                </a:lnTo>
-                <a:lnTo>
-                  <a:pt x="1178" y="1224"/>
-                </a:lnTo>
-                <a:lnTo>
-                  <a:pt x="1199" y="1212"/>
-                </a:lnTo>
-                <a:lnTo>
-                  <a:pt x="1220" y="1202"/>
-                </a:lnTo>
-                <a:lnTo>
-                  <a:pt x="1241" y="1192"/>
-                </a:lnTo>
-                <a:lnTo>
-                  <a:pt x="1263" y="1182"/>
-                </a:lnTo>
-                <a:lnTo>
-                  <a:pt x="1285" y="1172"/>
-                </a:lnTo>
-                <a:lnTo>
-                  <a:pt x="1307" y="1164"/>
-                </a:lnTo>
-                <a:lnTo>
-                  <a:pt x="1329" y="1155"/>
-                </a:lnTo>
-                <a:lnTo>
-                  <a:pt x="1351" y="1146"/>
-                </a:lnTo>
-                <a:lnTo>
-                  <a:pt x="1373" y="1137"/>
-                </a:lnTo>
-                <a:lnTo>
-                  <a:pt x="1395" y="1129"/>
-                </a:lnTo>
-                <a:lnTo>
-                  <a:pt x="1416" y="1121"/>
-                </a:lnTo>
-                <a:lnTo>
-                  <a:pt x="1438" y="1113"/>
-                </a:lnTo>
-                <a:lnTo>
-                  <a:pt x="1460" y="1107"/>
-                </a:lnTo>
-                <a:lnTo>
-                  <a:pt x="1481" y="1102"/>
-                </a:lnTo>
-                <a:lnTo>
-                  <a:pt x="1504" y="1096"/>
-                </a:lnTo>
-                <a:lnTo>
-                  <a:pt x="1527" y="1092"/>
-                </a:lnTo>
-                <a:lnTo>
-                  <a:pt x="1551" y="1089"/>
-                </a:lnTo>
-                <a:lnTo>
-                  <a:pt x="1573" y="1086"/>
-                </a:lnTo>
-                <a:lnTo>
-                  <a:pt x="1597" y="1084"/>
-                </a:lnTo>
-                <a:lnTo>
-                  <a:pt x="1621" y="1083"/>
-                </a:lnTo>
-                <a:lnTo>
-                  <a:pt x="1644" y="1081"/>
-                </a:lnTo>
-                <a:lnTo>
-                  <a:pt x="1668" y="1081"/>
-                </a:lnTo>
-                <a:lnTo>
-                  <a:pt x="1692" y="1081"/>
-                </a:lnTo>
-                <a:lnTo>
-                  <a:pt x="1716" y="1081"/>
-                </a:lnTo>
-                <a:lnTo>
-                  <a:pt x="1740" y="1083"/>
-                </a:lnTo>
-                <a:lnTo>
-                  <a:pt x="1764" y="1084"/>
-                </a:lnTo>
-                <a:lnTo>
-                  <a:pt x="1764" y="1009"/>
-                </a:lnTo>
-                <a:lnTo>
-                  <a:pt x="1746" y="1008"/>
-                </a:lnTo>
-                <a:lnTo>
-                  <a:pt x="1729" y="1006"/>
-                </a:lnTo>
-                <a:lnTo>
-                  <a:pt x="1712" y="1005"/>
-                </a:lnTo>
-                <a:lnTo>
-                  <a:pt x="1695" y="1005"/>
-                </a:lnTo>
-                <a:lnTo>
-                  <a:pt x="1678" y="1004"/>
-                </a:lnTo>
-                <a:lnTo>
-                  <a:pt x="1661" y="1005"/>
-                </a:lnTo>
-                <a:lnTo>
-                  <a:pt x="1644" y="1005"/>
-                </a:lnTo>
-                <a:lnTo>
-                  <a:pt x="1627" y="1006"/>
-                </a:lnTo>
-                <a:lnTo>
-                  <a:pt x="1610" y="1008"/>
-                </a:lnTo>
-                <a:lnTo>
-                  <a:pt x="1593" y="1009"/>
-                </a:lnTo>
-                <a:lnTo>
-                  <a:pt x="1576" y="1011"/>
-                </a:lnTo>
-                <a:lnTo>
-                  <a:pt x="1560" y="1013"/>
-                </a:lnTo>
-                <a:lnTo>
-                  <a:pt x="1544" y="1015"/>
-                </a:lnTo>
-                <a:lnTo>
-                  <a:pt x="1528" y="1017"/>
-                </a:lnTo>
-                <a:lnTo>
-                  <a:pt x="1512" y="1020"/>
-                </a:lnTo>
-                <a:lnTo>
-                  <a:pt x="1496" y="1023"/>
-                </a:lnTo>
-                <a:lnTo>
-                  <a:pt x="1493" y="1002"/>
-                </a:lnTo>
-                <a:lnTo>
-                  <a:pt x="1490" y="979"/>
-                </a:lnTo>
-                <a:lnTo>
-                  <a:pt x="1487" y="957"/>
-                </a:lnTo>
-                <a:lnTo>
-                  <a:pt x="1483" y="936"/>
-                </a:lnTo>
-                <a:lnTo>
-                  <a:pt x="1414" y="936"/>
-                </a:lnTo>
-                <a:lnTo>
-                  <a:pt x="1417" y="960"/>
-                </a:lnTo>
-                <a:lnTo>
-                  <a:pt x="1423" y="987"/>
-                </a:lnTo>
-                <a:lnTo>
-                  <a:pt x="1428" y="1014"/>
-                </a:lnTo>
-                <a:lnTo>
-                  <a:pt x="1432" y="1039"/>
-                </a:lnTo>
-                <a:lnTo>
-                  <a:pt x="1425" y="1041"/>
-                </a:lnTo>
-                <a:lnTo>
-                  <a:pt x="1417" y="1043"/>
-                </a:lnTo>
-                <a:lnTo>
-                  <a:pt x="1411" y="1046"/>
-                </a:lnTo>
-                <a:lnTo>
-                  <a:pt x="1403" y="1048"/>
-                </a:lnTo>
-                <a:lnTo>
-                  <a:pt x="1395" y="1050"/>
-                </a:lnTo>
-                <a:lnTo>
-                  <a:pt x="1388" y="1053"/>
-                </a:lnTo>
-                <a:lnTo>
-                  <a:pt x="1380" y="1055"/>
-                </a:lnTo>
-                <a:lnTo>
-                  <a:pt x="1373" y="1057"/>
-                </a:lnTo>
-                <a:lnTo>
-                  <a:pt x="1353" y="1065"/>
-                </a:lnTo>
-                <a:lnTo>
-                  <a:pt x="1332" y="1072"/>
-                </a:lnTo>
-                <a:lnTo>
-                  <a:pt x="1312" y="1080"/>
-                </a:lnTo>
-                <a:lnTo>
-                  <a:pt x="1291" y="1089"/>
-                </a:lnTo>
-                <a:lnTo>
-                  <a:pt x="1271" y="1097"/>
-                </a:lnTo>
-                <a:lnTo>
-                  <a:pt x="1249" y="1107"/>
-                </a:lnTo>
-                <a:lnTo>
-                  <a:pt x="1228" y="1117"/>
-                </a:lnTo>
-                <a:lnTo>
-                  <a:pt x="1208" y="1127"/>
-                </a:lnTo>
-                <a:lnTo>
-                  <a:pt x="1189" y="1137"/>
-                </a:lnTo>
-                <a:lnTo>
-                  <a:pt x="1168" y="1148"/>
-                </a:lnTo>
-                <a:lnTo>
-                  <a:pt x="1149" y="1160"/>
-                </a:lnTo>
-                <a:lnTo>
-                  <a:pt x="1129" y="1171"/>
-                </a:lnTo>
-                <a:lnTo>
-                  <a:pt x="1110" y="1183"/>
-                </a:lnTo>
-                <a:lnTo>
-                  <a:pt x="1092" y="1194"/>
-                </a:lnTo>
-                <a:lnTo>
-                  <a:pt x="1074" y="1207"/>
-                </a:lnTo>
-                <a:lnTo>
-                  <a:pt x="1057" y="1220"/>
-                </a:lnTo>
-                <a:lnTo>
-                  <a:pt x="1053" y="1167"/>
-                </a:lnTo>
-                <a:lnTo>
-                  <a:pt x="1049" y="1114"/>
-                </a:lnTo>
-                <a:lnTo>
-                  <a:pt x="1046" y="1059"/>
-                </a:lnTo>
-                <a:lnTo>
-                  <a:pt x="1045" y="1005"/>
-                </a:lnTo>
-                <a:lnTo>
-                  <a:pt x="1047" y="952"/>
-                </a:lnTo>
-                <a:lnTo>
-                  <a:pt x="1052" y="898"/>
-                </a:lnTo>
-                <a:lnTo>
-                  <a:pt x="1061" y="845"/>
-                </a:lnTo>
-                <a:lnTo>
-                  <a:pt x="1076" y="794"/>
-                </a:lnTo>
-                <a:lnTo>
-                  <a:pt x="1084" y="774"/>
-                </a:lnTo>
-                <a:lnTo>
-                  <a:pt x="1094" y="755"/>
-                </a:lnTo>
-                <a:lnTo>
-                  <a:pt x="1107" y="737"/>
-                </a:lnTo>
-                <a:lnTo>
-                  <a:pt x="1120" y="720"/>
-                </a:lnTo>
-                <a:lnTo>
-                  <a:pt x="1136" y="703"/>
-                </a:lnTo>
-                <a:lnTo>
-                  <a:pt x="1153" y="688"/>
-                </a:lnTo>
-                <a:lnTo>
-                  <a:pt x="1172" y="673"/>
-                </a:lnTo>
-                <a:lnTo>
-                  <a:pt x="1191" y="659"/>
-                </a:lnTo>
-                <a:lnTo>
-                  <a:pt x="1211" y="646"/>
-                </a:lnTo>
-                <a:lnTo>
-                  <a:pt x="1233" y="635"/>
-                </a:lnTo>
-                <a:lnTo>
-                  <a:pt x="1255" y="623"/>
-                </a:lnTo>
-                <a:lnTo>
-                  <a:pt x="1276" y="614"/>
-                </a:lnTo>
-                <a:lnTo>
-                  <a:pt x="1299" y="604"/>
-                </a:lnTo>
-                <a:lnTo>
-                  <a:pt x="1321" y="596"/>
-                </a:lnTo>
-                <a:lnTo>
-                  <a:pt x="1342" y="589"/>
-                </a:lnTo>
-                <a:lnTo>
-                  <a:pt x="1364" y="583"/>
-                </a:lnTo>
-                <a:lnTo>
-                  <a:pt x="1372" y="627"/>
-                </a:lnTo>
-                <a:lnTo>
-                  <a:pt x="1379" y="671"/>
-                </a:lnTo>
-                <a:lnTo>
-                  <a:pt x="1384" y="715"/>
-                </a:lnTo>
-                <a:lnTo>
-                  <a:pt x="1391" y="758"/>
-                </a:lnTo>
-                <a:lnTo>
-                  <a:pt x="1396" y="803"/>
-                </a:lnTo>
-                <a:lnTo>
-                  <a:pt x="1401" y="847"/>
-                </a:lnTo>
-                <a:lnTo>
-                  <a:pt x="1407" y="891"/>
-                </a:lnTo>
-                <a:lnTo>
-                  <a:pt x="1414" y="936"/>
-                </a:lnTo>
-                <a:lnTo>
-                  <a:pt x="1483" y="936"/>
-                </a:lnTo>
-                <a:lnTo>
-                  <a:pt x="1475" y="890"/>
-                </a:lnTo>
-                <a:lnTo>
-                  <a:pt x="1468" y="844"/>
-                </a:lnTo>
-                <a:lnTo>
-                  <a:pt x="1457" y="798"/>
-                </a:lnTo>
-                <a:lnTo>
-                  <a:pt x="1447" y="754"/>
-                </a:lnTo>
-                <a:lnTo>
-                  <a:pt x="1435" y="709"/>
-                </a:lnTo>
-                <a:lnTo>
-                  <a:pt x="1422" y="664"/>
-                </a:lnTo>
-                <a:lnTo>
-                  <a:pt x="1407" y="620"/>
-                </a:lnTo>
-                <a:lnTo>
-                  <a:pt x="1390" y="577"/>
-                </a:lnTo>
-                <a:lnTo>
-                  <a:pt x="1420" y="571"/>
-                </a:lnTo>
-                <a:lnTo>
-                  <a:pt x="1449" y="568"/>
-                </a:lnTo>
-                <a:lnTo>
-                  <a:pt x="1480" y="567"/>
-                </a:lnTo>
-                <a:lnTo>
-                  <a:pt x="1511" y="567"/>
-                </a:lnTo>
-                <a:lnTo>
-                  <a:pt x="1540" y="570"/>
-                </a:lnTo>
-                <a:lnTo>
-                  <a:pt x="1571" y="575"/>
-                </a:lnTo>
-                <a:lnTo>
-                  <a:pt x="1601" y="580"/>
-                </a:lnTo>
-                <a:lnTo>
-                  <a:pt x="1629" y="587"/>
-                </a:lnTo>
-                <a:lnTo>
-                  <a:pt x="1658" y="597"/>
-                </a:lnTo>
-                <a:lnTo>
-                  <a:pt x="1686" y="608"/>
-                </a:lnTo>
-                <a:lnTo>
-                  <a:pt x="1712" y="621"/>
-                </a:lnTo>
-                <a:lnTo>
-                  <a:pt x="1738" y="636"/>
-                </a:lnTo>
-                <a:lnTo>
-                  <a:pt x="1762" y="653"/>
-                </a:lnTo>
-                <a:lnTo>
-                  <a:pt x="1786" y="671"/>
-                </a:lnTo>
-                <a:lnTo>
-                  <a:pt x="1808" y="691"/>
-                </a:lnTo>
-                <a:lnTo>
-                  <a:pt x="1827" y="712"/>
-                </a:lnTo>
-                <a:lnTo>
-                  <a:pt x="1848" y="753"/>
-                </a:lnTo>
-                <a:lnTo>
-                  <a:pt x="1868" y="795"/>
-                </a:lnTo>
-                <a:lnTo>
-                  <a:pt x="1886" y="836"/>
-                </a:lnTo>
-                <a:lnTo>
-                  <a:pt x="1904" y="879"/>
-                </a:lnTo>
-                <a:lnTo>
-                  <a:pt x="1918" y="921"/>
-                </a:lnTo>
-                <a:lnTo>
-                  <a:pt x="1930" y="963"/>
-                </a:lnTo>
-                <a:lnTo>
-                  <a:pt x="1939" y="1006"/>
-                </a:lnTo>
-                <a:lnTo>
-                  <a:pt x="1945" y="1049"/>
-                </a:lnTo>
-                <a:lnTo>
-                  <a:pt x="1925" y="1041"/>
-                </a:lnTo>
-                <a:lnTo>
-                  <a:pt x="1904" y="1035"/>
-                </a:lnTo>
-                <a:lnTo>
-                  <a:pt x="1881" y="1030"/>
-                </a:lnTo>
-                <a:lnTo>
-                  <a:pt x="1858" y="1023"/>
-                </a:lnTo>
-                <a:lnTo>
-                  <a:pt x="1833" y="1019"/>
-                </a:lnTo>
-                <a:lnTo>
-                  <a:pt x="1809" y="1015"/>
-                </a:lnTo>
-                <a:lnTo>
-                  <a:pt x="1786" y="1012"/>
-                </a:lnTo>
-                <a:lnTo>
-                  <a:pt x="1764" y="1009"/>
-                </a:lnTo>
-                <a:lnTo>
-                  <a:pt x="1764" y="1084"/>
-                </a:lnTo>
-                <a:lnTo>
-                  <a:pt x="1784" y="1085"/>
-                </a:lnTo>
-                <a:lnTo>
-                  <a:pt x="1806" y="1087"/>
-                </a:lnTo>
-                <a:lnTo>
-                  <a:pt x="1828" y="1089"/>
-                </a:lnTo>
-                <a:lnTo>
-                  <a:pt x="1851" y="1091"/>
-                </a:lnTo>
-                <a:lnTo>
-                  <a:pt x="1874" y="1093"/>
-                </a:lnTo>
-                <a:lnTo>
-                  <a:pt x="1897" y="1095"/>
-                </a:lnTo>
-                <a:lnTo>
-                  <a:pt x="1918" y="1097"/>
-                </a:lnTo>
-                <a:lnTo>
-                  <a:pt x="1938" y="1099"/>
-                </a:lnTo>
-                <a:lnTo>
-                  <a:pt x="1937" y="1112"/>
-                </a:lnTo>
-                <a:lnTo>
-                  <a:pt x="1933" y="1148"/>
-                </a:lnTo>
-                <a:lnTo>
-                  <a:pt x="1929" y="1203"/>
-                </a:lnTo>
-                <a:lnTo>
-                  <a:pt x="1923" y="1273"/>
-                </a:lnTo>
-                <a:lnTo>
-                  <a:pt x="1915" y="1355"/>
-                </a:lnTo>
-                <a:lnTo>
-                  <a:pt x="1907" y="1446"/>
-                </a:lnTo>
-                <a:lnTo>
-                  <a:pt x="1899" y="1542"/>
-                </a:lnTo>
-                <a:lnTo>
-                  <a:pt x="1891" y="1639"/>
-                </a:lnTo>
-                <a:lnTo>
-                  <a:pt x="1989" y="1639"/>
-                </a:lnTo>
-                <a:lnTo>
-                  <a:pt x="2006" y="1516"/>
-                </a:lnTo>
-                <a:lnTo>
-                  <a:pt x="2020" y="1393"/>
-                </a:lnTo>
-                <a:lnTo>
-                  <a:pt x="2029" y="1270"/>
-                </a:lnTo>
-                <a:lnTo>
-                  <a:pt x="2029" y="1148"/>
-                </a:lnTo>
-                <a:lnTo>
-                  <a:pt x="2020" y="1028"/>
-                </a:lnTo>
-                <a:lnTo>
-                  <a:pt x="1997" y="909"/>
-                </a:lnTo>
-                <a:lnTo>
-                  <a:pt x="1958" y="793"/>
-                </a:lnTo>
-                <a:lnTo>
-                  <a:pt x="1902" y="681"/>
-                </a:lnTo>
-                <a:lnTo>
-                  <a:pt x="1890" y="668"/>
-                </a:lnTo>
-                <a:lnTo>
-                  <a:pt x="1877" y="654"/>
-                </a:lnTo>
-                <a:lnTo>
-                  <a:pt x="1865" y="641"/>
-                </a:lnTo>
-                <a:lnTo>
-                  <a:pt x="1851" y="628"/>
-                </a:lnTo>
-                <a:lnTo>
-                  <a:pt x="1838" y="617"/>
-                </a:lnTo>
-                <a:lnTo>
-                  <a:pt x="1823" y="605"/>
-                </a:lnTo>
-                <a:lnTo>
-                  <a:pt x="1808" y="594"/>
-                </a:lnTo>
-                <a:lnTo>
-                  <a:pt x="1793" y="583"/>
-                </a:lnTo>
-                <a:lnTo>
-                  <a:pt x="1777" y="574"/>
-                </a:lnTo>
-                <a:lnTo>
-                  <a:pt x="1761" y="564"/>
-                </a:lnTo>
-                <a:lnTo>
-                  <a:pt x="1745" y="555"/>
-                </a:lnTo>
-                <a:lnTo>
-                  <a:pt x="1729" y="546"/>
-                </a:lnTo>
-                <a:lnTo>
-                  <a:pt x="1712" y="539"/>
-                </a:lnTo>
-                <a:lnTo>
-                  <a:pt x="1695" y="531"/>
-                </a:lnTo>
-                <a:lnTo>
-                  <a:pt x="1678" y="524"/>
-                </a:lnTo>
-                <a:lnTo>
-                  <a:pt x="1661" y="518"/>
-                </a:lnTo>
-                <a:lnTo>
-                  <a:pt x="1650" y="513"/>
-                </a:lnTo>
-                <a:lnTo>
-                  <a:pt x="1638" y="510"/>
-                </a:lnTo>
-                <a:lnTo>
-                  <a:pt x="1626" y="507"/>
-                </a:lnTo>
-                <a:lnTo>
-                  <a:pt x="1614" y="504"/>
-                </a:lnTo>
-                <a:lnTo>
-                  <a:pt x="1603" y="501"/>
-                </a:lnTo>
-                <a:lnTo>
-                  <a:pt x="1590" y="498"/>
-                </a:lnTo>
-                <a:lnTo>
-                  <a:pt x="1579" y="495"/>
-                </a:lnTo>
-                <a:lnTo>
-                  <a:pt x="1567" y="493"/>
-                </a:lnTo>
-                <a:lnTo>
-                  <a:pt x="1554" y="491"/>
-                </a:lnTo>
-                <a:lnTo>
-                  <a:pt x="1543" y="490"/>
-                </a:lnTo>
-                <a:lnTo>
-                  <a:pt x="1530" y="488"/>
-                </a:lnTo>
-                <a:lnTo>
-                  <a:pt x="1518" y="487"/>
-                </a:lnTo>
-                <a:lnTo>
-                  <a:pt x="1506" y="486"/>
-                </a:lnTo>
-                <a:lnTo>
-                  <a:pt x="1494" y="486"/>
-                </a:lnTo>
-                <a:lnTo>
-                  <a:pt x="1481" y="485"/>
-                </a:lnTo>
-                <a:lnTo>
-                  <a:pt x="1469" y="485"/>
-                </a:lnTo>
-                <a:lnTo>
-                  <a:pt x="1466" y="470"/>
-                </a:lnTo>
-                <a:lnTo>
-                  <a:pt x="1461" y="450"/>
-                </a:lnTo>
-                <a:lnTo>
-                  <a:pt x="1453" y="429"/>
-                </a:lnTo>
-                <a:lnTo>
-                  <a:pt x="1446" y="410"/>
-                </a:lnTo>
-                <a:lnTo>
-                  <a:pt x="1379" y="410"/>
-                </a:lnTo>
-                <a:lnTo>
-                  <a:pt x="1383" y="420"/>
-                </a:lnTo>
-                <a:lnTo>
-                  <a:pt x="1388" y="431"/>
-                </a:lnTo>
-                <a:lnTo>
-                  <a:pt x="1394" y="442"/>
-                </a:lnTo>
-                <a:lnTo>
-                  <a:pt x="1399" y="453"/>
-                </a:lnTo>
-                <a:lnTo>
-                  <a:pt x="1405" y="465"/>
-                </a:lnTo>
-                <a:lnTo>
-                  <a:pt x="1411" y="475"/>
-                </a:lnTo>
-                <a:lnTo>
-                  <a:pt x="1415" y="484"/>
-                </a:lnTo>
-                <a:lnTo>
-                  <a:pt x="1421" y="492"/>
-                </a:lnTo>
-                <a:lnTo>
-                  <a:pt x="1408" y="493"/>
-                </a:lnTo>
-                <a:lnTo>
-                  <a:pt x="1396" y="494"/>
-                </a:lnTo>
-                <a:lnTo>
-                  <a:pt x="1383" y="496"/>
-                </a:lnTo>
-                <a:lnTo>
-                  <a:pt x="1370" y="499"/>
-                </a:lnTo>
-                <a:lnTo>
-                  <a:pt x="1356" y="501"/>
-                </a:lnTo>
-                <a:lnTo>
-                  <a:pt x="1343" y="503"/>
-                </a:lnTo>
-                <a:lnTo>
-                  <a:pt x="1331" y="506"/>
-                </a:lnTo>
-                <a:lnTo>
-                  <a:pt x="1318" y="509"/>
-                </a:lnTo>
-                <a:lnTo>
-                  <a:pt x="1315" y="474"/>
-                </a:lnTo>
-                <a:lnTo>
-                  <a:pt x="1313" y="431"/>
-                </a:lnTo>
-                <a:lnTo>
-                  <a:pt x="1312" y="393"/>
-                </a:lnTo>
-                <a:lnTo>
-                  <a:pt x="1312" y="377"/>
-                </a:lnTo>
-                <a:lnTo>
-                  <a:pt x="1359" y="370"/>
-                </a:lnTo>
-                <a:lnTo>
-                  <a:pt x="1364" y="379"/>
-                </a:lnTo>
-                <a:lnTo>
-                  <a:pt x="1370" y="389"/>
-                </a:lnTo>
-                <a:lnTo>
-                  <a:pt x="1374" y="399"/>
-                </a:lnTo>
-                <a:lnTo>
-                  <a:pt x="1379" y="410"/>
-                </a:lnTo>
-                <a:lnTo>
-                  <a:pt x="1446" y="410"/>
-                </a:lnTo>
-                <a:lnTo>
-                  <a:pt x="1439" y="394"/>
-                </a:lnTo>
-                <a:lnTo>
-                  <a:pt x="1433" y="379"/>
-                </a:lnTo>
-                <a:lnTo>
-                  <a:pt x="1427" y="366"/>
-                </a:lnTo>
-                <a:lnTo>
-                  <a:pt x="1421" y="353"/>
-                </a:lnTo>
-                <a:lnTo>
-                  <a:pt x="1416" y="342"/>
-                </a:lnTo>
-                <a:lnTo>
-                  <a:pt x="1413" y="335"/>
-                </a:lnTo>
-                <a:lnTo>
-                  <a:pt x="1411" y="330"/>
-                </a:lnTo>
-                <a:lnTo>
-                  <a:pt x="1409" y="328"/>
-                </a:lnTo>
-                <a:lnTo>
-                  <a:pt x="1409" y="326"/>
-                </a:lnTo>
-                <a:lnTo>
-                  <a:pt x="1409" y="326"/>
-                </a:lnTo>
-                <a:lnTo>
-                  <a:pt x="1409" y="326"/>
-                </a:lnTo>
-                <a:lnTo>
-                  <a:pt x="1408" y="325"/>
-                </a:lnTo>
-                <a:lnTo>
-                  <a:pt x="1405" y="321"/>
-                </a:lnTo>
-                <a:lnTo>
-                  <a:pt x="1400" y="318"/>
-                </a:lnTo>
-                <a:lnTo>
-                  <a:pt x="1394" y="316"/>
-                </a:lnTo>
-                <a:lnTo>
-                  <a:pt x="1387" y="315"/>
-                </a:lnTo>
-                <a:lnTo>
-                  <a:pt x="1379" y="316"/>
-                </a:lnTo>
-                <a:lnTo>
-                  <a:pt x="1371" y="317"/>
-                </a:lnTo>
-                <a:lnTo>
-                  <a:pt x="1363" y="319"/>
-                </a:lnTo>
-                <a:lnTo>
-                  <a:pt x="1356" y="321"/>
-                </a:lnTo>
-                <a:lnTo>
-                  <a:pt x="1354" y="298"/>
-                </a:lnTo>
-                <a:lnTo>
-                  <a:pt x="1350" y="275"/>
-                </a:lnTo>
-                <a:lnTo>
-                  <a:pt x="1345" y="254"/>
-                </a:lnTo>
-                <a:lnTo>
-                  <a:pt x="1338" y="232"/>
-                </a:lnTo>
-                <a:lnTo>
-                  <a:pt x="1329" y="211"/>
-                </a:lnTo>
-                <a:lnTo>
-                  <a:pt x="1320" y="192"/>
-                </a:lnTo>
-                <a:lnTo>
-                  <a:pt x="1309" y="173"/>
-                </a:lnTo>
-                <a:lnTo>
-                  <a:pt x="1297" y="155"/>
-                </a:lnTo>
-                <a:lnTo>
-                  <a:pt x="1283" y="138"/>
-                </a:lnTo>
-                <a:lnTo>
-                  <a:pt x="1269" y="123"/>
-                </a:lnTo>
-                <a:lnTo>
-                  <a:pt x="1255" y="108"/>
-                </a:lnTo>
-                <a:lnTo>
-                  <a:pt x="1239" y="93"/>
-                </a:lnTo>
-                <a:lnTo>
-                  <a:pt x="1222" y="79"/>
-                </a:lnTo>
-                <a:lnTo>
-                  <a:pt x="1203" y="68"/>
-                </a:lnTo>
-                <a:lnTo>
-                  <a:pt x="1185" y="56"/>
-                </a:lnTo>
-                <a:lnTo>
-                  <a:pt x="1166" y="46"/>
-                </a:lnTo>
-                <a:lnTo>
-                  <a:pt x="1154" y="40"/>
-                </a:lnTo>
-                <a:lnTo>
-                  <a:pt x="1142" y="34"/>
-                </a:lnTo>
-                <a:lnTo>
-                  <a:pt x="1129" y="30"/>
-                </a:lnTo>
-                <a:lnTo>
-                  <a:pt x="1117" y="24"/>
-                </a:lnTo>
-                <a:lnTo>
-                  <a:pt x="1104" y="20"/>
-                </a:lnTo>
-                <a:lnTo>
-                  <a:pt x="1092" y="16"/>
-                </a:lnTo>
-                <a:lnTo>
-                  <a:pt x="1079" y="13"/>
-                </a:lnTo>
-                <a:lnTo>
-                  <a:pt x="1067" y="10"/>
-                </a:lnTo>
-                <a:lnTo>
-                  <a:pt x="1053" y="8"/>
-                </a:lnTo>
-                <a:lnTo>
-                  <a:pt x="1041" y="4"/>
-                </a:lnTo>
-                <a:lnTo>
-                  <a:pt x="1027" y="3"/>
-                </a:lnTo>
-                <a:lnTo>
-                  <a:pt x="1014" y="1"/>
-                </a:lnTo>
-                <a:lnTo>
-                  <a:pt x="1001" y="0"/>
-                </a:lnTo>
-                <a:lnTo>
-                  <a:pt x="987" y="0"/>
-                </a:lnTo>
-                <a:lnTo>
-                  <a:pt x="975" y="0"/>
-                </a:lnTo>
-                <a:lnTo>
-                  <a:pt x="961" y="0"/>
-                </a:lnTo>
-                <a:lnTo>
-                  <a:pt x="942" y="1"/>
-                </a:lnTo>
-                <a:lnTo>
-                  <a:pt x="922" y="2"/>
-                </a:lnTo>
-                <a:lnTo>
-                  <a:pt x="903" y="5"/>
-                </a:lnTo>
-                <a:lnTo>
-                  <a:pt x="883" y="8"/>
-                </a:lnTo>
-                <a:lnTo>
-                  <a:pt x="863" y="12"/>
-                </a:lnTo>
-                <a:lnTo>
-                  <a:pt x="844" y="16"/>
-                </a:lnTo>
-                <a:lnTo>
-                  <a:pt x="824" y="20"/>
-                </a:lnTo>
-                <a:lnTo>
-                  <a:pt x="805" y="26"/>
-                </a:lnTo>
-                <a:lnTo>
-                  <a:pt x="786" y="32"/>
-                </a:lnTo>
-                <a:lnTo>
-                  <a:pt x="766" y="38"/>
-                </a:lnTo>
-                <a:lnTo>
-                  <a:pt x="748" y="45"/>
-                </a:lnTo>
-                <a:lnTo>
-                  <a:pt x="729" y="52"/>
-                </a:lnTo>
-                <a:lnTo>
-                  <a:pt x="710" y="60"/>
-                </a:lnTo>
-                <a:lnTo>
-                  <a:pt x="691" y="69"/>
-                </a:lnTo>
-                <a:lnTo>
-                  <a:pt x="673" y="77"/>
-                </a:lnTo>
-                <a:lnTo>
-                  <a:pt x="655" y="87"/>
-                </a:lnTo>
-                <a:lnTo>
-                  <a:pt x="636" y="96"/>
-                </a:lnTo>
-                <a:lnTo>
-                  <a:pt x="619" y="106"/>
-                </a:lnTo>
-                <a:lnTo>
-                  <a:pt x="601" y="116"/>
-                </a:lnTo>
-                <a:lnTo>
-                  <a:pt x="584" y="127"/>
-                </a:lnTo>
-                <a:lnTo>
-                  <a:pt x="567" y="138"/>
-                </a:lnTo>
-                <a:lnTo>
-                  <a:pt x="550" y="150"/>
-                </a:lnTo>
-                <a:lnTo>
-                  <a:pt x="534" y="162"/>
-                </a:lnTo>
-                <a:lnTo>
-                  <a:pt x="518" y="173"/>
-                </a:lnTo>
-                <a:lnTo>
-                  <a:pt x="502" y="186"/>
-                </a:lnTo>
-                <a:lnTo>
-                  <a:pt x="486" y="199"/>
-                </a:lnTo>
-                <a:lnTo>
-                  <a:pt x="471" y="211"/>
-                </a:lnTo>
-                <a:lnTo>
-                  <a:pt x="457" y="224"/>
-                </a:lnTo>
-                <a:lnTo>
-                  <a:pt x="443" y="237"/>
-                </a:lnTo>
-                <a:lnTo>
-                  <a:pt x="429" y="250"/>
-                </a:lnTo>
-                <a:lnTo>
-                  <a:pt x="416" y="263"/>
-                </a:lnTo>
-                <a:lnTo>
-                  <a:pt x="403" y="277"/>
-                </a:lnTo>
-                <a:lnTo>
-                  <a:pt x="361" y="333"/>
-                </a:lnTo>
-                <a:lnTo>
-                  <a:pt x="332" y="392"/>
-                </a:lnTo>
-                <a:lnTo>
-                  <a:pt x="315" y="455"/>
-                </a:lnTo>
-                <a:lnTo>
-                  <a:pt x="310" y="520"/>
-                </a:lnTo>
-                <a:lnTo>
-                  <a:pt x="311" y="586"/>
-                </a:lnTo>
-                <a:lnTo>
-                  <a:pt x="321" y="652"/>
-                </a:lnTo>
-                <a:lnTo>
-                  <a:pt x="336" y="717"/>
-                </a:lnTo>
-                <a:lnTo>
-                  <a:pt x="355" y="781"/>
-                </a:lnTo>
-                <a:lnTo>
-                  <a:pt x="370" y="819"/>
-                </a:lnTo>
-                <a:lnTo>
-                  <a:pt x="387" y="854"/>
-                </a:lnTo>
-                <a:lnTo>
-                  <a:pt x="406" y="887"/>
-                </a:lnTo>
-                <a:lnTo>
-                  <a:pt x="427" y="920"/>
-                </a:lnTo>
-                <a:lnTo>
-                  <a:pt x="450" y="951"/>
-                </a:lnTo>
-                <a:lnTo>
-                  <a:pt x="474" y="980"/>
-                </a:lnTo>
-                <a:lnTo>
-                  <a:pt x="499" y="1010"/>
-                </a:lnTo>
-                <a:lnTo>
-                  <a:pt x="524" y="1038"/>
-                </a:lnTo>
-                <a:lnTo>
-                  <a:pt x="549" y="1067"/>
-                </a:lnTo>
-                <a:lnTo>
-                  <a:pt x="574" y="1096"/>
-                </a:lnTo>
-                <a:lnTo>
-                  <a:pt x="599" y="1125"/>
-                </a:lnTo>
-                <a:lnTo>
-                  <a:pt x="623" y="1155"/>
-                </a:lnTo>
-                <a:lnTo>
-                  <a:pt x="646" y="1187"/>
-                </a:lnTo>
-                <a:lnTo>
-                  <a:pt x="666" y="1220"/>
-                </a:lnTo>
-                <a:lnTo>
-                  <a:pt x="685" y="1254"/>
-                </a:lnTo>
-                <a:lnTo>
-                  <a:pt x="702" y="1291"/>
-                </a:lnTo>
-                <a:lnTo>
-                  <a:pt x="724" y="1383"/>
-                </a:lnTo>
-                <a:lnTo>
-                  <a:pt x="717" y="1452"/>
-                </a:lnTo>
-                <a:lnTo>
-                  <a:pt x="705" y="1471"/>
-                </a:lnTo>
-                <a:lnTo>
-                  <a:pt x="692" y="1493"/>
-                </a:lnTo>
-                <a:lnTo>
-                  <a:pt x="680" y="1519"/>
-                </a:lnTo>
-                <a:lnTo>
-                  <a:pt x="664" y="1544"/>
-                </a:lnTo>
-                <a:lnTo>
-                  <a:pt x="644" y="1569"/>
-                </a:lnTo>
-                <a:lnTo>
-                  <a:pt x="619" y="1591"/>
-                </a:lnTo>
-                <a:lnTo>
-                  <a:pt x="589" y="1609"/>
-                </a:lnTo>
-                <a:lnTo>
-                  <a:pt x="551" y="1622"/>
-                </a:lnTo>
-                <a:lnTo>
-                  <a:pt x="523" y="1626"/>
-                </a:lnTo>
-                <a:lnTo>
-                  <a:pt x="493" y="1631"/>
-                </a:lnTo>
-                <a:lnTo>
-                  <a:pt x="462" y="1635"/>
-                </a:lnTo>
-                <a:lnTo>
-                  <a:pt x="430" y="1638"/>
-                </a:lnTo>
-                <a:lnTo>
-                  <a:pt x="398" y="1641"/>
-                </a:lnTo>
-                <a:lnTo>
-                  <a:pt x="367" y="1643"/>
-                </a:lnTo>
-                <a:lnTo>
-                  <a:pt x="335" y="1643"/>
-                </a:lnTo>
-                <a:lnTo>
-                  <a:pt x="302" y="1643"/>
-                </a:lnTo>
-                <a:lnTo>
-                  <a:pt x="270" y="1641"/>
-                </a:lnTo>
-                <a:lnTo>
-                  <a:pt x="239" y="1637"/>
-                </a:lnTo>
-                <a:lnTo>
-                  <a:pt x="208" y="1631"/>
-                </a:lnTo>
-                <a:lnTo>
-                  <a:pt x="180" y="1623"/>
-                </a:lnTo>
-                <a:lnTo>
-                  <a:pt x="151" y="1613"/>
-                </a:lnTo>
-                <a:lnTo>
-                  <a:pt x="124" y="1600"/>
-                </a:lnTo>
-                <a:lnTo>
-                  <a:pt x="99" y="1584"/>
-                </a:lnTo>
-                <a:lnTo>
-                  <a:pt x="76" y="1566"/>
-                </a:lnTo>
-                <a:lnTo>
-                  <a:pt x="0" y="1613"/>
-                </a:lnTo>
-                <a:lnTo>
-                  <a:pt x="14" y="1626"/>
-                </a:lnTo>
-                <a:lnTo>
-                  <a:pt x="28" y="1640"/>
-                </a:lnTo>
-                <a:lnTo>
-                  <a:pt x="43" y="1652"/>
-                </a:lnTo>
-                <a:lnTo>
-                  <a:pt x="58" y="1662"/>
-                </a:lnTo>
-                <a:lnTo>
-                  <a:pt x="75" y="1673"/>
-                </a:lnTo>
-                <a:lnTo>
-                  <a:pt x="91" y="1681"/>
-                </a:lnTo>
-                <a:lnTo>
-                  <a:pt x="108" y="1690"/>
-                </a:lnTo>
-                <a:lnTo>
-                  <a:pt x="126" y="1697"/>
-                </a:lnTo>
-                <a:lnTo>
-                  <a:pt x="138" y="1701"/>
-                </a:lnTo>
-                <a:lnTo>
-                  <a:pt x="150" y="1706"/>
-                </a:lnTo>
-                <a:lnTo>
-                  <a:pt x="162" y="1709"/>
-                </a:lnTo>
-                <a:lnTo>
-                  <a:pt x="174" y="1713"/>
-                </a:lnTo>
-                <a:lnTo>
-                  <a:pt x="186" y="1716"/>
-                </a:lnTo>
-                <a:lnTo>
-                  <a:pt x="198" y="1718"/>
-                </a:lnTo>
-                <a:lnTo>
-                  <a:pt x="211" y="1721"/>
-                </a:lnTo>
-                <a:lnTo>
-                  <a:pt x="223" y="1723"/>
-                </a:lnTo>
-                <a:lnTo>
-                  <a:pt x="236" y="1725"/>
-                </a:lnTo>
-                <a:lnTo>
-                  <a:pt x="248" y="1727"/>
-                </a:lnTo>
-                <a:lnTo>
-                  <a:pt x="261" y="1728"/>
-                </a:lnTo>
-                <a:lnTo>
-                  <a:pt x="273" y="1729"/>
-                </a:lnTo>
-                <a:lnTo>
-                  <a:pt x="286" y="1730"/>
-                </a:lnTo>
-                <a:lnTo>
-                  <a:pt x="298" y="1731"/>
-                </a:lnTo>
-                <a:lnTo>
-                  <a:pt x="311" y="1731"/>
-                </a:lnTo>
-                <a:lnTo>
-                  <a:pt x="323" y="1731"/>
-                </a:lnTo>
-                <a:lnTo>
-                  <a:pt x="350" y="1731"/>
-                </a:lnTo>
-                <a:lnTo>
-                  <a:pt x="376" y="1731"/>
-                </a:lnTo>
-                <a:lnTo>
-                  <a:pt x="403" y="1730"/>
-                </a:lnTo>
-                <a:lnTo>
-                  <a:pt x="429" y="1729"/>
-                </a:lnTo>
-                <a:lnTo>
-                  <a:pt x="457" y="1727"/>
-                </a:lnTo>
-                <a:lnTo>
-                  <a:pt x="483" y="1725"/>
-                </a:lnTo>
-                <a:lnTo>
-                  <a:pt x="509" y="1720"/>
-                </a:lnTo>
-                <a:lnTo>
-                  <a:pt x="535" y="1715"/>
-                </a:lnTo>
-                <a:lnTo>
-                  <a:pt x="560" y="1709"/>
-                </a:lnTo>
-                <a:lnTo>
-                  <a:pt x="586" y="1700"/>
-                </a:lnTo>
-                <a:lnTo>
-                  <a:pt x="610" y="1691"/>
-                </a:lnTo>
-                <a:lnTo>
-                  <a:pt x="634" y="1679"/>
-                </a:lnTo>
-                <a:lnTo>
-                  <a:pt x="658" y="1665"/>
-                </a:lnTo>
-                <a:lnTo>
-                  <a:pt x="680" y="1650"/>
-                </a:lnTo>
-                <a:lnTo>
-                  <a:pt x="701" y="1632"/>
-                </a:lnTo>
-                <a:lnTo>
-                  <a:pt x="722" y="1610"/>
-                </a:lnTo>
-                <a:lnTo>
-                  <a:pt x="804" y="1483"/>
-                </a:lnTo>
-                <a:lnTo>
-                  <a:pt x="814" y="1445"/>
-                </a:lnTo>
-                <a:lnTo>
-                  <a:pt x="819" y="1410"/>
-                </a:lnTo>
-                <a:lnTo>
-                  <a:pt x="819" y="1378"/>
-                </a:lnTo>
-                <a:lnTo>
-                  <a:pt x="815" y="1351"/>
-                </a:lnTo>
-                <a:lnTo>
-                  <a:pt x="809" y="1329"/>
-                </a:lnTo>
-                <a:lnTo>
-                  <a:pt x="804" y="1312"/>
-                </a:lnTo>
-                <a:lnTo>
-                  <a:pt x="800" y="1301"/>
-                </a:lnTo>
-                <a:lnTo>
-                  <a:pt x="798" y="1297"/>
-                </a:lnTo>
-                <a:lnTo>
-                  <a:pt x="787" y="1273"/>
-                </a:lnTo>
-                <a:lnTo>
-                  <a:pt x="775" y="1249"/>
-                </a:lnTo>
-                <a:lnTo>
-                  <a:pt x="764" y="1225"/>
-                </a:lnTo>
-                <a:lnTo>
-                  <a:pt x="751" y="1202"/>
-                </a:lnTo>
-                <a:lnTo>
-                  <a:pt x="739" y="1178"/>
-                </a:lnTo>
-                <a:lnTo>
-                  <a:pt x="726" y="1154"/>
-                </a:lnTo>
-                <a:lnTo>
-                  <a:pt x="714" y="1131"/>
-                </a:lnTo>
-                <a:lnTo>
-                  <a:pt x="700" y="1108"/>
-                </a:lnTo>
-                <a:lnTo>
-                  <a:pt x="687" y="1086"/>
-                </a:lnTo>
-                <a:lnTo>
-                  <a:pt x="673" y="1062"/>
-                </a:lnTo>
-                <a:lnTo>
-                  <a:pt x="658" y="1040"/>
-                </a:lnTo>
-                <a:lnTo>
-                  <a:pt x="643" y="1018"/>
-                </a:lnTo>
-                <a:lnTo>
-                  <a:pt x="628" y="996"/>
-                </a:lnTo>
-                <a:lnTo>
-                  <a:pt x="613" y="974"/>
-                </a:lnTo>
-                <a:lnTo>
-                  <a:pt x="595" y="952"/>
-                </a:lnTo>
-                <a:lnTo>
-                  <a:pt x="578" y="929"/>
-                </a:lnTo>
-                <a:lnTo>
-                  <a:pt x="548" y="888"/>
-                </a:lnTo>
-                <a:lnTo>
-                  <a:pt x="520" y="847"/>
-                </a:lnTo>
-                <a:lnTo>
-                  <a:pt x="495" y="805"/>
-                </a:lnTo>
-                <a:lnTo>
-                  <a:pt x="474" y="764"/>
-                </a:lnTo>
-                <a:lnTo>
-                  <a:pt x="455" y="721"/>
-                </a:lnTo>
-                <a:lnTo>
-                  <a:pt x="441" y="679"/>
-                </a:lnTo>
-                <a:lnTo>
-                  <a:pt x="428" y="639"/>
-                </a:lnTo>
-                <a:lnTo>
-                  <a:pt x="419" y="599"/>
-                </a:lnTo>
-                <a:lnTo>
-                  <a:pt x="413" y="560"/>
-                </a:lnTo>
-                <a:lnTo>
-                  <a:pt x="410" y="523"/>
-                </a:lnTo>
-                <a:lnTo>
-                  <a:pt x="410" y="488"/>
-                </a:lnTo>
-                <a:lnTo>
-                  <a:pt x="412" y="455"/>
-                </a:lnTo>
-                <a:lnTo>
-                  <a:pt x="419" y="425"/>
-                </a:lnTo>
-                <a:lnTo>
-                  <a:pt x="427" y="397"/>
-                </a:lnTo>
-                <a:lnTo>
-                  <a:pt x="439" y="373"/>
-                </a:lnTo>
-                <a:lnTo>
-                  <a:pt x="454" y="352"/>
-                </a:lnTo>
-                <a:lnTo>
-                  <a:pt x="476" y="328"/>
-                </a:lnTo>
-                <a:lnTo>
-                  <a:pt x="498" y="304"/>
-                </a:lnTo>
-                <a:lnTo>
-                  <a:pt x="521" y="281"/>
-                </a:lnTo>
-                <a:lnTo>
-                  <a:pt x="546" y="258"/>
-                </a:lnTo>
-                <a:lnTo>
-                  <a:pt x="573" y="236"/>
-                </a:lnTo>
-                <a:lnTo>
-                  <a:pt x="600" y="215"/>
-                </a:lnTo>
-                <a:lnTo>
-                  <a:pt x="628" y="193"/>
-                </a:lnTo>
-                <a:lnTo>
-                  <a:pt x="658" y="174"/>
-                </a:lnTo>
-                <a:lnTo>
-                  <a:pt x="688" y="155"/>
-                </a:lnTo>
-                <a:lnTo>
-                  <a:pt x="718" y="138"/>
-                </a:lnTo>
-                <a:lnTo>
-                  <a:pt x="750" y="124"/>
-                </a:lnTo>
-                <a:lnTo>
-                  <a:pt x="783" y="110"/>
-                </a:lnTo>
-                <a:lnTo>
-                  <a:pt x="816" y="98"/>
-                </a:lnTo>
-                <a:lnTo>
-                  <a:pt x="849" y="89"/>
-                </a:lnTo>
-                <a:lnTo>
-                  <a:pt x="883" y="81"/>
-                </a:lnTo>
-                <a:lnTo>
-                  <a:pt x="918" y="76"/>
-                </a:lnTo>
-                <a:lnTo>
-                  <a:pt x="939" y="74"/>
-                </a:lnTo>
-                <a:lnTo>
-                  <a:pt x="961" y="74"/>
-                </a:lnTo>
-                <a:lnTo>
-                  <a:pt x="981" y="74"/>
-                </a:lnTo>
-                <a:lnTo>
-                  <a:pt x="1003" y="76"/>
-                </a:lnTo>
-                <a:lnTo>
-                  <a:pt x="1024" y="80"/>
-                </a:lnTo>
-                <a:lnTo>
-                  <a:pt x="1044" y="85"/>
-                </a:lnTo>
-                <a:lnTo>
-                  <a:pt x="1063" y="91"/>
-                </a:lnTo>
-                <a:lnTo>
-                  <a:pt x="1083" y="98"/>
-                </a:lnTo>
-                <a:lnTo>
-                  <a:pt x="1101" y="107"/>
-                </a:lnTo>
-                <a:lnTo>
-                  <a:pt x="1119" y="115"/>
-                </a:lnTo>
-                <a:lnTo>
-                  <a:pt x="1137" y="126"/>
-                </a:lnTo>
-                <a:lnTo>
-                  <a:pt x="1154" y="136"/>
-                </a:lnTo>
-                <a:lnTo>
-                  <a:pt x="1170" y="148"/>
-                </a:lnTo>
-                <a:lnTo>
-                  <a:pt x="1186" y="161"/>
-                </a:lnTo>
-                <a:lnTo>
-                  <a:pt x="1200" y="174"/>
-                </a:lnTo>
-                <a:lnTo>
-                  <a:pt x="1215" y="188"/>
-                </a:lnTo>
-                <a:lnTo>
-                  <a:pt x="1227" y="204"/>
-                </a:lnTo>
-                <a:lnTo>
-                  <a:pt x="1240" y="220"/>
-                </a:lnTo>
-                <a:lnTo>
-                  <a:pt x="1250" y="236"/>
-                </a:lnTo>
-                <a:lnTo>
-                  <a:pt x="1260" y="253"/>
-                </a:lnTo>
-                <a:lnTo>
-                  <a:pt x="1269" y="270"/>
-                </a:lnTo>
-                <a:lnTo>
-                  <a:pt x="1277" y="288"/>
-                </a:lnTo>
-                <a:lnTo>
-                  <a:pt x="1283" y="307"/>
-                </a:lnTo>
-                <a:lnTo>
-                  <a:pt x="1289" y="326"/>
-                </a:lnTo>
-                <a:lnTo>
-                  <a:pt x="1252" y="351"/>
-                </a:lnTo>
-                <a:lnTo>
-                  <a:pt x="1249" y="392"/>
-                </a:lnTo>
-                <a:lnTo>
-                  <a:pt x="1251" y="438"/>
-                </a:lnTo>
-                <a:lnTo>
-                  <a:pt x="1256" y="484"/>
-                </a:lnTo>
-                <a:lnTo>
-                  <a:pt x="1261" y="525"/>
-                </a:lnTo>
-                <a:lnTo>
-                  <a:pt x="1240" y="534"/>
-                </a:lnTo>
-                <a:lnTo>
-                  <a:pt x="1218" y="545"/>
-                </a:lnTo>
-                <a:lnTo>
-                  <a:pt x="1198" y="558"/>
-                </a:lnTo>
-                <a:lnTo>
-                  <a:pt x="1178" y="570"/>
-                </a:lnTo>
-                <a:lnTo>
-                  <a:pt x="1159" y="584"/>
-                </a:lnTo>
-                <a:lnTo>
-                  <a:pt x="1141" y="599"/>
-                </a:lnTo>
-                <a:lnTo>
-                  <a:pt x="1123" y="615"/>
-                </a:lnTo>
-                <a:lnTo>
-                  <a:pt x="1105" y="632"/>
-                </a:lnTo>
-                <a:lnTo>
-                  <a:pt x="1090" y="649"/>
-                </a:lnTo>
-                <a:lnTo>
-                  <a:pt x="1075" y="668"/>
-                </a:lnTo>
-                <a:lnTo>
-                  <a:pt x="1061" y="685"/>
-                </a:lnTo>
-                <a:lnTo>
-                  <a:pt x="1049" y="704"/>
-                </a:lnTo>
-                <a:lnTo>
-                  <a:pt x="1036" y="725"/>
-                </a:lnTo>
-                <a:lnTo>
-                  <a:pt x="1026" y="746"/>
-                </a:lnTo>
-                <a:lnTo>
-                  <a:pt x="1017" y="767"/>
-                </a:lnTo>
-                <a:lnTo>
-                  <a:pt x="1009" y="788"/>
-                </a:lnTo>
-                <a:lnTo>
-                  <a:pt x="989" y="850"/>
-                </a:lnTo>
-                <a:lnTo>
-                  <a:pt x="973" y="913"/>
-                </a:lnTo>
-                <a:lnTo>
-                  <a:pt x="963" y="973"/>
-                </a:lnTo>
-                <a:lnTo>
-                  <a:pt x="956" y="1033"/>
-                </a:lnTo>
-                <a:lnTo>
-                  <a:pt x="954" y="1094"/>
-                </a:lnTo>
-                <a:lnTo>
-                  <a:pt x="956" y="1155"/>
-                </a:lnTo>
-                <a:lnTo>
-                  <a:pt x="963" y="1218"/>
-                </a:lnTo>
-                <a:lnTo>
-                  <a:pt x="976" y="1282"/>
-                </a:lnTo>
-                <a:lnTo>
-                  <a:pt x="976" y="1288"/>
-                </a:lnTo>
-                <a:lnTo>
-                  <a:pt x="979" y="1304"/>
-                </a:lnTo>
-                <a:lnTo>
-                  <a:pt x="986" y="1327"/>
-                </a:lnTo>
-                <a:lnTo>
-                  <a:pt x="995" y="1357"/>
-                </a:lnTo>
-                <a:lnTo>
-                  <a:pt x="1006" y="1393"/>
-                </a:lnTo>
-                <a:lnTo>
-                  <a:pt x="1020" y="1433"/>
-                </a:lnTo>
-                <a:lnTo>
-                  <a:pt x="1036" y="1477"/>
-                </a:lnTo>
-                <a:lnTo>
-                  <a:pt x="1053" y="1524"/>
-                </a:lnTo>
-                <a:lnTo>
-                  <a:pt x="1071" y="1571"/>
-                </a:lnTo>
-                <a:lnTo>
-                  <a:pt x="1091" y="1620"/>
-                </a:lnTo>
-                <a:lnTo>
-                  <a:pt x="1110" y="1667"/>
-                </a:lnTo>
-                <a:lnTo>
-                  <a:pt x="1132" y="1714"/>
-                </a:lnTo>
-                <a:lnTo>
-                  <a:pt x="1152" y="1757"/>
-                </a:lnTo>
-                <a:lnTo>
-                  <a:pt x="1174" y="1796"/>
-                </a:lnTo>
-                <a:lnTo>
-                  <a:pt x="1194" y="1831"/>
-                </a:lnTo>
-                <a:lnTo>
-                  <a:pt x="1215" y="1861"/>
-                </a:lnTo>
-                <a:lnTo>
-                  <a:pt x="1227" y="1888"/>
-                </a:lnTo>
-                <a:lnTo>
-                  <a:pt x="1247" y="1925"/>
-                </a:lnTo>
-                <a:lnTo>
-                  <a:pt x="1271" y="1969"/>
-                </a:lnTo>
-                <a:lnTo>
-                  <a:pt x="1297" y="2015"/>
-                </a:lnTo>
-                <a:lnTo>
-                  <a:pt x="1322" y="2058"/>
-                </a:lnTo>
-                <a:lnTo>
-                  <a:pt x="1346" y="2094"/>
-                </a:lnTo>
-                <a:lnTo>
-                  <a:pt x="1365" y="2118"/>
-                </a:lnTo>
-                <a:lnTo>
-                  <a:pt x="1378" y="2127"/>
-                </a:lnTo>
-                <a:lnTo>
-                  <a:pt x="1947" y="1961"/>
-                </a:lnTo>
-                <a:lnTo>
-                  <a:pt x="1950" y="1923"/>
-                </a:lnTo>
-                <a:lnTo>
-                  <a:pt x="1955" y="1883"/>
-                </a:lnTo>
-                <a:lnTo>
-                  <a:pt x="1960" y="1843"/>
-                </a:lnTo>
-                <a:lnTo>
-                  <a:pt x="1965" y="1802"/>
-                </a:lnTo>
-                <a:lnTo>
-                  <a:pt x="1971" y="1759"/>
-                </a:lnTo>
-                <a:lnTo>
-                  <a:pt x="1976" y="1718"/>
-                </a:lnTo>
-                <a:lnTo>
-                  <a:pt x="1983" y="1678"/>
-                </a:lnTo>
-                <a:lnTo>
-                  <a:pt x="1989" y="1639"/>
-                </a:lnTo>
-                <a:lnTo>
-                  <a:pt x="1891" y="1639"/>
-                </a:lnTo>
-                <a:close/>
-              </a:path>
-            </a:pathLst>
-          </a:custGeom>
-          <a:solidFill>
-            <a:schemeClr val="bg1">
-              <a:lumMod val="65000"/>
-            </a:schemeClr>
-          </a:solidFill>
-          <a:ln w="9525">
-            <a:solidFill>
-              <a:schemeClr val="bg1">
-                <a:lumMod val="65000"/>
-              </a:schemeClr>
-            </a:solidFill>
-            <a:round/>
-            <a:headEnd/>
-            <a:tailEnd/>
-          </a:ln>
-        </p:spPr>
-        <p:txBody>
-          <a:bodyPr vert="horz" wrap="square" lIns="91440" tIns="45720" rIns="91440" bIns="45720" numCol="1" anchor="t" anchorCtr="0" compatLnSpc="1">
-            <a:prstTxWarp prst="textNoShape">
-              <a:avLst/>
-            </a:prstTxWarp>
-          </a:bodyPr>
-          <a:lstStyle/>
-          <a:p>
-            <a:endParaRPr lang="en-SG"/>
-          </a:p>
-        </p:txBody>
-      </p:sp>
-      <p:sp>
-        <p:nvSpPr>
           <p:cNvPr id="172" name="Freeform 10"/>
           <p:cNvSpPr>
             <a:spLocks/>
@@ -10444,11 +7590,11 @@
           <p:nvPr/>
         </p:nvGrpSpPr>
         <p:grpSpPr>
-          <a:xfrm>
-            <a:off x="5622925" y="1287462"/>
-            <a:ext cx="298983" cy="520531"/>
-            <a:chOff x="638861" y="309422"/>
-            <a:chExt cx="298983" cy="520531"/>
+          <a:xfrm flipH="1">
+            <a:off x="6517742" y="660065"/>
+            <a:ext cx="298983" cy="513097"/>
+            <a:chOff x="638861" y="316856"/>
+            <a:chExt cx="298983" cy="513097"/>
           </a:xfrm>
         </p:grpSpPr>
         <p:sp>
@@ -10459,7 +7605,7 @@
           </p:nvSpPr>
           <p:spPr>
             <a:xfrm>
-              <a:off x="678021" y="309422"/>
+              <a:off x="678021" y="316856"/>
               <a:ext cx="220662" cy="220662"/>
             </a:xfrm>
             <a:prstGeom prst="flowChartConnector">
@@ -10806,10 +7952,2536 @@
           </p:txBody>
         </p:sp>
       </p:grpSp>
+      <p:grpSp>
+        <p:nvGrpSpPr>
+          <p:cNvPr id="75" name="Group 74"/>
+          <p:cNvGrpSpPr/>
+          <p:nvPr/>
+        </p:nvGrpSpPr>
+        <p:grpSpPr>
+          <a:xfrm flipH="1">
+            <a:off x="6026227" y="1782762"/>
+            <a:ext cx="298983" cy="513097"/>
+            <a:chOff x="699777" y="319219"/>
+            <a:chExt cx="298983" cy="513097"/>
+          </a:xfrm>
+          <a:noFill/>
+        </p:grpSpPr>
+        <p:sp>
+          <p:nvSpPr>
+            <p:cNvPr id="76" name="Flowchart: Connector 75"/>
+            <p:cNvSpPr/>
+            <p:nvPr/>
+          </p:nvSpPr>
+          <p:spPr>
+            <a:xfrm>
+              <a:off x="738937" y="319219"/>
+              <a:ext cx="220662" cy="220662"/>
+            </a:xfrm>
+            <a:prstGeom prst="flowChartConnector">
+              <a:avLst/>
+            </a:prstGeom>
+            <a:grpFill/>
+            <a:ln>
+              <a:solidFill>
+                <a:schemeClr val="bg1"/>
+              </a:solidFill>
+            </a:ln>
+          </p:spPr>
+          <p:style>
+            <a:lnRef idx="2">
+              <a:schemeClr val="accent1">
+                <a:shade val="50000"/>
+              </a:schemeClr>
+            </a:lnRef>
+            <a:fillRef idx="1">
+              <a:schemeClr val="accent1"/>
+            </a:fillRef>
+            <a:effectRef idx="0">
+              <a:schemeClr val="accent1"/>
+            </a:effectRef>
+            <a:fontRef idx="minor">
+              <a:schemeClr val="lt1"/>
+            </a:fontRef>
+          </p:style>
+          <p:txBody>
+            <a:bodyPr rtlCol="0" anchor="ctr"/>
+            <a:lstStyle/>
+            <a:p>
+              <a:pPr algn="ctr"/>
+              <a:endParaRPr lang="en-SG"/>
+            </a:p>
+          </p:txBody>
+        </p:sp>
+        <p:sp>
+          <p:nvSpPr>
+            <p:cNvPr id="77" name="Flowchart: Delay 76"/>
+            <p:cNvSpPr/>
+            <p:nvPr/>
+          </p:nvSpPr>
+          <p:spPr>
+            <a:xfrm rot="16200000">
+              <a:off x="709092" y="542648"/>
+              <a:ext cx="280353" cy="298983"/>
+            </a:xfrm>
+            <a:prstGeom prst="flowChartDelay">
+              <a:avLst/>
+            </a:prstGeom>
+            <a:grpFill/>
+            <a:ln>
+              <a:solidFill>
+                <a:schemeClr val="bg1"/>
+              </a:solidFill>
+            </a:ln>
+          </p:spPr>
+          <p:style>
+            <a:lnRef idx="2">
+              <a:schemeClr val="accent1">
+                <a:shade val="50000"/>
+              </a:schemeClr>
+            </a:lnRef>
+            <a:fillRef idx="1">
+              <a:schemeClr val="accent1"/>
+            </a:fillRef>
+            <a:effectRef idx="0">
+              <a:schemeClr val="accent1"/>
+            </a:effectRef>
+            <a:fontRef idx="minor">
+              <a:schemeClr val="lt1"/>
+            </a:fontRef>
+          </p:style>
+          <p:txBody>
+            <a:bodyPr rtlCol="0" anchor="ctr"/>
+            <a:lstStyle/>
+            <a:p>
+              <a:pPr algn="ctr"/>
+              <a:endParaRPr lang="en-SG"/>
+            </a:p>
+          </p:txBody>
+        </p:sp>
+        <p:sp>
+          <p:nvSpPr>
+            <p:cNvPr id="78" name="Freeform 77"/>
+            <p:cNvSpPr/>
+            <p:nvPr/>
+          </p:nvSpPr>
+          <p:spPr>
+            <a:xfrm>
+              <a:off x="943388" y="479408"/>
+              <a:ext cx="50006" cy="19050"/>
+            </a:xfrm>
+            <a:custGeom>
+              <a:avLst/>
+              <a:gdLst>
+                <a:gd name="connsiteX0" fmla="*/ 0 w 50006"/>
+                <a:gd name="connsiteY0" fmla="*/ 0 h 19050"/>
+                <a:gd name="connsiteX1" fmla="*/ 0 w 50006"/>
+                <a:gd name="connsiteY1" fmla="*/ 0 h 19050"/>
+                <a:gd name="connsiteX2" fmla="*/ 21431 w 50006"/>
+                <a:gd name="connsiteY2" fmla="*/ 4762 h 19050"/>
+                <a:gd name="connsiteX3" fmla="*/ 28575 w 50006"/>
+                <a:gd name="connsiteY3" fmla="*/ 9525 h 19050"/>
+                <a:gd name="connsiteX4" fmla="*/ 38100 w 50006"/>
+                <a:gd name="connsiteY4" fmla="*/ 14287 h 19050"/>
+                <a:gd name="connsiteX5" fmla="*/ 50006 w 50006"/>
+                <a:gd name="connsiteY5" fmla="*/ 19050 h 19050"/>
+              </a:gdLst>
+              <a:ahLst/>
+              <a:cxnLst>
+                <a:cxn ang="0">
+                  <a:pos x="connsiteX0" y="connsiteY0"/>
+                </a:cxn>
+                <a:cxn ang="0">
+                  <a:pos x="connsiteX1" y="connsiteY1"/>
+                </a:cxn>
+                <a:cxn ang="0">
+                  <a:pos x="connsiteX2" y="connsiteY2"/>
+                </a:cxn>
+                <a:cxn ang="0">
+                  <a:pos x="connsiteX3" y="connsiteY3"/>
+                </a:cxn>
+                <a:cxn ang="0">
+                  <a:pos x="connsiteX4" y="connsiteY4"/>
+                </a:cxn>
+                <a:cxn ang="0">
+                  <a:pos x="connsiteX5" y="connsiteY5"/>
+                </a:cxn>
+              </a:cxnLst>
+              <a:rect l="l" t="t" r="r" b="b"/>
+              <a:pathLst>
+                <a:path w="50006" h="19050">
+                  <a:moveTo>
+                    <a:pt x="0" y="0"/>
+                  </a:moveTo>
+                  <a:lnTo>
+                    <a:pt x="0" y="0"/>
+                  </a:lnTo>
+                  <a:cubicBezTo>
+                    <a:pt x="7144" y="1587"/>
+                    <a:pt x="14489" y="2448"/>
+                    <a:pt x="21431" y="4762"/>
+                  </a:cubicBezTo>
+                  <a:cubicBezTo>
+                    <a:pt x="24146" y="5667"/>
+                    <a:pt x="26090" y="8105"/>
+                    <a:pt x="28575" y="9525"/>
+                  </a:cubicBezTo>
+                  <a:cubicBezTo>
+                    <a:pt x="31657" y="11286"/>
+                    <a:pt x="34837" y="12889"/>
+                    <a:pt x="38100" y="14287"/>
+                  </a:cubicBezTo>
+                  <a:cubicBezTo>
+                    <a:pt x="58672" y="23103"/>
+                    <a:pt x="34691" y="11391"/>
+                    <a:pt x="50006" y="19050"/>
+                  </a:cubicBezTo>
+                </a:path>
+              </a:pathLst>
+            </a:custGeom>
+            <a:grpFill/>
+            <a:ln>
+              <a:solidFill>
+                <a:schemeClr val="bg1"/>
+              </a:solidFill>
+            </a:ln>
+          </p:spPr>
+          <p:style>
+            <a:lnRef idx="2">
+              <a:schemeClr val="accent1">
+                <a:shade val="50000"/>
+              </a:schemeClr>
+            </a:lnRef>
+            <a:fillRef idx="1">
+              <a:schemeClr val="accent1"/>
+            </a:fillRef>
+            <a:effectRef idx="0">
+              <a:schemeClr val="accent1"/>
+            </a:effectRef>
+            <a:fontRef idx="minor">
+              <a:schemeClr val="lt1"/>
+            </a:fontRef>
+          </p:style>
+          <p:txBody>
+            <a:bodyPr rtlCol="0" anchor="ctr"/>
+            <a:lstStyle/>
+            <a:p>
+              <a:pPr algn="ctr"/>
+              <a:endParaRPr lang="en-SG"/>
+            </a:p>
+          </p:txBody>
+        </p:sp>
+        <p:sp>
+          <p:nvSpPr>
+            <p:cNvPr id="79" name="Flowchart: Connector 78"/>
+            <p:cNvSpPr/>
+            <p:nvPr/>
+          </p:nvSpPr>
+          <p:spPr>
+            <a:xfrm flipH="1">
+              <a:off x="851649" y="373837"/>
+              <a:ext cx="45719" cy="45719"/>
+            </a:xfrm>
+            <a:prstGeom prst="flowChartConnector">
+              <a:avLst/>
+            </a:prstGeom>
+            <a:grpFill/>
+            <a:ln>
+              <a:solidFill>
+                <a:schemeClr val="bg1"/>
+              </a:solidFill>
+            </a:ln>
+          </p:spPr>
+          <p:style>
+            <a:lnRef idx="2">
+              <a:schemeClr val="accent1">
+                <a:shade val="50000"/>
+              </a:schemeClr>
+            </a:lnRef>
+            <a:fillRef idx="1">
+              <a:schemeClr val="accent1"/>
+            </a:fillRef>
+            <a:effectRef idx="0">
+              <a:schemeClr val="accent1"/>
+            </a:effectRef>
+            <a:fontRef idx="minor">
+              <a:schemeClr val="lt1"/>
+            </a:fontRef>
+          </p:style>
+          <p:txBody>
+            <a:bodyPr rtlCol="0" anchor="ctr"/>
+            <a:lstStyle/>
+            <a:p>
+              <a:pPr algn="ctr"/>
+              <a:endParaRPr lang="en-SG"/>
+            </a:p>
+          </p:txBody>
+        </p:sp>
+      </p:grpSp>
+      <p:grpSp>
+        <p:nvGrpSpPr>
+          <p:cNvPr id="86" name="Group 85"/>
+          <p:cNvGrpSpPr/>
+          <p:nvPr/>
+        </p:nvGrpSpPr>
+        <p:grpSpPr>
+          <a:xfrm>
+            <a:off x="5622925" y="1352985"/>
+            <a:ext cx="309579" cy="505977"/>
+            <a:chOff x="593726" y="1760533"/>
+            <a:chExt cx="309579" cy="505977"/>
+          </a:xfrm>
+          <a:noFill/>
+        </p:grpSpPr>
+        <p:sp>
+          <p:nvSpPr>
+            <p:cNvPr id="87" name="Flowchart: Delay 86"/>
+            <p:cNvSpPr/>
+            <p:nvPr/>
+          </p:nvSpPr>
+          <p:spPr>
+            <a:xfrm rot="16200000">
+              <a:off x="603041" y="1976842"/>
+              <a:ext cx="280353" cy="298983"/>
+            </a:xfrm>
+            <a:prstGeom prst="flowChartDelay">
+              <a:avLst/>
+            </a:prstGeom>
+            <a:grpFill/>
+            <a:ln>
+              <a:solidFill>
+                <a:schemeClr val="accent6">
+                  <a:lumMod val="75000"/>
+                </a:schemeClr>
+              </a:solidFill>
+            </a:ln>
+          </p:spPr>
+          <p:style>
+            <a:lnRef idx="2">
+              <a:schemeClr val="accent1">
+                <a:shade val="50000"/>
+              </a:schemeClr>
+            </a:lnRef>
+            <a:fillRef idx="1">
+              <a:schemeClr val="accent1"/>
+            </a:fillRef>
+            <a:effectRef idx="0">
+              <a:schemeClr val="accent1"/>
+            </a:effectRef>
+            <a:fontRef idx="minor">
+              <a:schemeClr val="lt1"/>
+            </a:fontRef>
+          </p:style>
+          <p:txBody>
+            <a:bodyPr rtlCol="0" anchor="ctr"/>
+            <a:lstStyle/>
+            <a:p>
+              <a:pPr algn="ctr"/>
+              <a:endParaRPr lang="en-SG"/>
+            </a:p>
+          </p:txBody>
+        </p:sp>
+        <p:grpSp>
+          <p:nvGrpSpPr>
+            <p:cNvPr id="88" name="Group 87"/>
+            <p:cNvGrpSpPr/>
+            <p:nvPr/>
+          </p:nvGrpSpPr>
+          <p:grpSpPr>
+            <a:xfrm rot="20404603">
+              <a:off x="635382" y="1760533"/>
+              <a:ext cx="267923" cy="220662"/>
+              <a:chOff x="786804" y="1760533"/>
+              <a:chExt cx="267923" cy="220662"/>
+            </a:xfrm>
+            <a:grpFill/>
+          </p:grpSpPr>
+          <p:sp>
+            <p:nvSpPr>
+              <p:cNvPr id="89" name="Flowchart: Connector 88"/>
+              <p:cNvSpPr/>
+              <p:nvPr/>
+            </p:nvSpPr>
+            <p:spPr>
+              <a:xfrm rot="19707452">
+                <a:off x="786804" y="1760533"/>
+                <a:ext cx="220662" cy="220662"/>
+              </a:xfrm>
+              <a:prstGeom prst="flowChartConnector">
+                <a:avLst/>
+              </a:prstGeom>
+              <a:grpFill/>
+              <a:ln>
+                <a:solidFill>
+                  <a:schemeClr val="accent6">
+                    <a:lumMod val="75000"/>
+                  </a:schemeClr>
+                </a:solidFill>
+              </a:ln>
+            </p:spPr>
+            <p:style>
+              <a:lnRef idx="2">
+                <a:schemeClr val="accent1">
+                  <a:shade val="50000"/>
+                </a:schemeClr>
+              </a:lnRef>
+              <a:fillRef idx="1">
+                <a:schemeClr val="accent1"/>
+              </a:fillRef>
+              <a:effectRef idx="0">
+                <a:schemeClr val="accent1"/>
+              </a:effectRef>
+              <a:fontRef idx="minor">
+                <a:schemeClr val="lt1"/>
+              </a:fontRef>
+            </p:style>
+            <p:txBody>
+              <a:bodyPr rtlCol="0" anchor="ctr"/>
+              <a:lstStyle/>
+              <a:p>
+                <a:pPr algn="ctr"/>
+                <a:endParaRPr lang="en-SG"/>
+              </a:p>
+            </p:txBody>
+          </p:sp>
+          <p:sp>
+            <p:nvSpPr>
+              <p:cNvPr id="90" name="Freeform 89"/>
+              <p:cNvSpPr/>
+              <p:nvPr/>
+            </p:nvSpPr>
+            <p:spPr>
+              <a:xfrm rot="19707452">
+                <a:off x="1004721" y="1849632"/>
+                <a:ext cx="50006" cy="19050"/>
+              </a:xfrm>
+              <a:custGeom>
+                <a:avLst/>
+                <a:gdLst>
+                  <a:gd name="connsiteX0" fmla="*/ 0 w 50006"/>
+                  <a:gd name="connsiteY0" fmla="*/ 0 h 19050"/>
+                  <a:gd name="connsiteX1" fmla="*/ 0 w 50006"/>
+                  <a:gd name="connsiteY1" fmla="*/ 0 h 19050"/>
+                  <a:gd name="connsiteX2" fmla="*/ 21431 w 50006"/>
+                  <a:gd name="connsiteY2" fmla="*/ 4762 h 19050"/>
+                  <a:gd name="connsiteX3" fmla="*/ 28575 w 50006"/>
+                  <a:gd name="connsiteY3" fmla="*/ 9525 h 19050"/>
+                  <a:gd name="connsiteX4" fmla="*/ 38100 w 50006"/>
+                  <a:gd name="connsiteY4" fmla="*/ 14287 h 19050"/>
+                  <a:gd name="connsiteX5" fmla="*/ 50006 w 50006"/>
+                  <a:gd name="connsiteY5" fmla="*/ 19050 h 19050"/>
+                </a:gdLst>
+                <a:ahLst/>
+                <a:cxnLst>
+                  <a:cxn ang="0">
+                    <a:pos x="connsiteX0" y="connsiteY0"/>
+                  </a:cxn>
+                  <a:cxn ang="0">
+                    <a:pos x="connsiteX1" y="connsiteY1"/>
+                  </a:cxn>
+                  <a:cxn ang="0">
+                    <a:pos x="connsiteX2" y="connsiteY2"/>
+                  </a:cxn>
+                  <a:cxn ang="0">
+                    <a:pos x="connsiteX3" y="connsiteY3"/>
+                  </a:cxn>
+                  <a:cxn ang="0">
+                    <a:pos x="connsiteX4" y="connsiteY4"/>
+                  </a:cxn>
+                  <a:cxn ang="0">
+                    <a:pos x="connsiteX5" y="connsiteY5"/>
+                  </a:cxn>
+                </a:cxnLst>
+                <a:rect l="l" t="t" r="r" b="b"/>
+                <a:pathLst>
+                  <a:path w="50006" h="19050">
+                    <a:moveTo>
+                      <a:pt x="0" y="0"/>
+                    </a:moveTo>
+                    <a:lnTo>
+                      <a:pt x="0" y="0"/>
+                    </a:lnTo>
+                    <a:cubicBezTo>
+                      <a:pt x="7144" y="1587"/>
+                      <a:pt x="14489" y="2448"/>
+                      <a:pt x="21431" y="4762"/>
+                    </a:cubicBezTo>
+                    <a:cubicBezTo>
+                      <a:pt x="24146" y="5667"/>
+                      <a:pt x="26090" y="8105"/>
+                      <a:pt x="28575" y="9525"/>
+                    </a:cubicBezTo>
+                    <a:cubicBezTo>
+                      <a:pt x="31657" y="11286"/>
+                      <a:pt x="34837" y="12889"/>
+                      <a:pt x="38100" y="14287"/>
+                    </a:cubicBezTo>
+                    <a:cubicBezTo>
+                      <a:pt x="58672" y="23103"/>
+                      <a:pt x="34691" y="11391"/>
+                      <a:pt x="50006" y="19050"/>
+                    </a:cubicBezTo>
+                  </a:path>
+                </a:pathLst>
+              </a:custGeom>
+              <a:grpFill/>
+              <a:ln>
+                <a:solidFill>
+                  <a:schemeClr val="accent6">
+                    <a:lumMod val="75000"/>
+                  </a:schemeClr>
+                </a:solidFill>
+              </a:ln>
+            </p:spPr>
+            <p:style>
+              <a:lnRef idx="2">
+                <a:schemeClr val="accent1">
+                  <a:shade val="50000"/>
+                </a:schemeClr>
+              </a:lnRef>
+              <a:fillRef idx="1">
+                <a:schemeClr val="accent1"/>
+              </a:fillRef>
+              <a:effectRef idx="0">
+                <a:schemeClr val="accent1"/>
+              </a:effectRef>
+              <a:fontRef idx="minor">
+                <a:schemeClr val="lt1"/>
+              </a:fontRef>
+            </p:style>
+            <p:txBody>
+              <a:bodyPr rtlCol="0" anchor="ctr"/>
+              <a:lstStyle/>
+              <a:p>
+                <a:pPr algn="ctr"/>
+                <a:endParaRPr lang="en-SG"/>
+              </a:p>
+            </p:txBody>
+          </p:sp>
+          <p:sp>
+            <p:nvSpPr>
+              <p:cNvPr id="91" name="Flowchart: Connector 90"/>
+              <p:cNvSpPr/>
+              <p:nvPr/>
+            </p:nvSpPr>
+            <p:spPr>
+              <a:xfrm rot="19707452" flipH="1">
+                <a:off x="896667" y="1807272"/>
+                <a:ext cx="45719" cy="45719"/>
+              </a:xfrm>
+              <a:prstGeom prst="flowChartConnector">
+                <a:avLst/>
+              </a:prstGeom>
+              <a:grpFill/>
+              <a:ln>
+                <a:solidFill>
+                  <a:schemeClr val="accent6">
+                    <a:lumMod val="75000"/>
+                  </a:schemeClr>
+                </a:solidFill>
+              </a:ln>
+            </p:spPr>
+            <p:style>
+              <a:lnRef idx="2">
+                <a:schemeClr val="accent1">
+                  <a:shade val="50000"/>
+                </a:schemeClr>
+              </a:lnRef>
+              <a:fillRef idx="1">
+                <a:schemeClr val="accent1"/>
+              </a:fillRef>
+              <a:effectRef idx="0">
+                <a:schemeClr val="accent1"/>
+              </a:effectRef>
+              <a:fontRef idx="minor">
+                <a:schemeClr val="lt1"/>
+              </a:fontRef>
+            </p:style>
+            <p:txBody>
+              <a:bodyPr rtlCol="0" anchor="ctr"/>
+              <a:lstStyle/>
+              <a:p>
+                <a:pPr algn="ctr"/>
+                <a:endParaRPr lang="en-SG"/>
+              </a:p>
+            </p:txBody>
+          </p:sp>
+        </p:grpSp>
+      </p:grpSp>
+      <p:grpSp>
+        <p:nvGrpSpPr>
+          <p:cNvPr id="92" name="Group 91"/>
+          <p:cNvGrpSpPr/>
+          <p:nvPr/>
+        </p:nvGrpSpPr>
+        <p:grpSpPr>
+          <a:xfrm flipH="1">
+            <a:off x="7228942" y="1816578"/>
+            <a:ext cx="298983" cy="513097"/>
+            <a:chOff x="699777" y="319219"/>
+            <a:chExt cx="298983" cy="513097"/>
+          </a:xfrm>
+          <a:noFill/>
+        </p:grpSpPr>
+        <p:sp>
+          <p:nvSpPr>
+            <p:cNvPr id="93" name="Flowchart: Connector 92"/>
+            <p:cNvSpPr/>
+            <p:nvPr/>
+          </p:nvSpPr>
+          <p:spPr>
+            <a:xfrm>
+              <a:off x="738937" y="319219"/>
+              <a:ext cx="220662" cy="220662"/>
+            </a:xfrm>
+            <a:prstGeom prst="flowChartConnector">
+              <a:avLst/>
+            </a:prstGeom>
+            <a:grpFill/>
+            <a:ln>
+              <a:solidFill>
+                <a:schemeClr val="bg1"/>
+              </a:solidFill>
+            </a:ln>
+          </p:spPr>
+          <p:style>
+            <a:lnRef idx="2">
+              <a:schemeClr val="accent1">
+                <a:shade val="50000"/>
+              </a:schemeClr>
+            </a:lnRef>
+            <a:fillRef idx="1">
+              <a:schemeClr val="accent1"/>
+            </a:fillRef>
+            <a:effectRef idx="0">
+              <a:schemeClr val="accent1"/>
+            </a:effectRef>
+            <a:fontRef idx="minor">
+              <a:schemeClr val="lt1"/>
+            </a:fontRef>
+          </p:style>
+          <p:txBody>
+            <a:bodyPr rtlCol="0" anchor="ctr"/>
+            <a:lstStyle/>
+            <a:p>
+              <a:pPr algn="ctr"/>
+              <a:endParaRPr lang="en-SG"/>
+            </a:p>
+          </p:txBody>
+        </p:sp>
+        <p:sp>
+          <p:nvSpPr>
+            <p:cNvPr id="94" name="Flowchart: Delay 93"/>
+            <p:cNvSpPr/>
+            <p:nvPr/>
+          </p:nvSpPr>
+          <p:spPr>
+            <a:xfrm rot="16200000">
+              <a:off x="709092" y="542648"/>
+              <a:ext cx="280353" cy="298983"/>
+            </a:xfrm>
+            <a:prstGeom prst="flowChartDelay">
+              <a:avLst/>
+            </a:prstGeom>
+            <a:grpFill/>
+            <a:ln>
+              <a:solidFill>
+                <a:schemeClr val="bg1"/>
+              </a:solidFill>
+            </a:ln>
+          </p:spPr>
+          <p:style>
+            <a:lnRef idx="2">
+              <a:schemeClr val="accent1">
+                <a:shade val="50000"/>
+              </a:schemeClr>
+            </a:lnRef>
+            <a:fillRef idx="1">
+              <a:schemeClr val="accent1"/>
+            </a:fillRef>
+            <a:effectRef idx="0">
+              <a:schemeClr val="accent1"/>
+            </a:effectRef>
+            <a:fontRef idx="minor">
+              <a:schemeClr val="lt1"/>
+            </a:fontRef>
+          </p:style>
+          <p:txBody>
+            <a:bodyPr rtlCol="0" anchor="ctr"/>
+            <a:lstStyle/>
+            <a:p>
+              <a:pPr algn="ctr"/>
+              <a:endParaRPr lang="en-SG"/>
+            </a:p>
+          </p:txBody>
+        </p:sp>
+        <p:sp>
+          <p:nvSpPr>
+            <p:cNvPr id="95" name="Freeform 94"/>
+            <p:cNvSpPr/>
+            <p:nvPr/>
+          </p:nvSpPr>
+          <p:spPr>
+            <a:xfrm>
+              <a:off x="943388" y="479408"/>
+              <a:ext cx="50006" cy="19050"/>
+            </a:xfrm>
+            <a:custGeom>
+              <a:avLst/>
+              <a:gdLst>
+                <a:gd name="connsiteX0" fmla="*/ 0 w 50006"/>
+                <a:gd name="connsiteY0" fmla="*/ 0 h 19050"/>
+                <a:gd name="connsiteX1" fmla="*/ 0 w 50006"/>
+                <a:gd name="connsiteY1" fmla="*/ 0 h 19050"/>
+                <a:gd name="connsiteX2" fmla="*/ 21431 w 50006"/>
+                <a:gd name="connsiteY2" fmla="*/ 4762 h 19050"/>
+                <a:gd name="connsiteX3" fmla="*/ 28575 w 50006"/>
+                <a:gd name="connsiteY3" fmla="*/ 9525 h 19050"/>
+                <a:gd name="connsiteX4" fmla="*/ 38100 w 50006"/>
+                <a:gd name="connsiteY4" fmla="*/ 14287 h 19050"/>
+                <a:gd name="connsiteX5" fmla="*/ 50006 w 50006"/>
+                <a:gd name="connsiteY5" fmla="*/ 19050 h 19050"/>
+              </a:gdLst>
+              <a:ahLst/>
+              <a:cxnLst>
+                <a:cxn ang="0">
+                  <a:pos x="connsiteX0" y="connsiteY0"/>
+                </a:cxn>
+                <a:cxn ang="0">
+                  <a:pos x="connsiteX1" y="connsiteY1"/>
+                </a:cxn>
+                <a:cxn ang="0">
+                  <a:pos x="connsiteX2" y="connsiteY2"/>
+                </a:cxn>
+                <a:cxn ang="0">
+                  <a:pos x="connsiteX3" y="connsiteY3"/>
+                </a:cxn>
+                <a:cxn ang="0">
+                  <a:pos x="connsiteX4" y="connsiteY4"/>
+                </a:cxn>
+                <a:cxn ang="0">
+                  <a:pos x="connsiteX5" y="connsiteY5"/>
+                </a:cxn>
+              </a:cxnLst>
+              <a:rect l="l" t="t" r="r" b="b"/>
+              <a:pathLst>
+                <a:path w="50006" h="19050">
+                  <a:moveTo>
+                    <a:pt x="0" y="0"/>
+                  </a:moveTo>
+                  <a:lnTo>
+                    <a:pt x="0" y="0"/>
+                  </a:lnTo>
+                  <a:cubicBezTo>
+                    <a:pt x="7144" y="1587"/>
+                    <a:pt x="14489" y="2448"/>
+                    <a:pt x="21431" y="4762"/>
+                  </a:cubicBezTo>
+                  <a:cubicBezTo>
+                    <a:pt x="24146" y="5667"/>
+                    <a:pt x="26090" y="8105"/>
+                    <a:pt x="28575" y="9525"/>
+                  </a:cubicBezTo>
+                  <a:cubicBezTo>
+                    <a:pt x="31657" y="11286"/>
+                    <a:pt x="34837" y="12889"/>
+                    <a:pt x="38100" y="14287"/>
+                  </a:cubicBezTo>
+                  <a:cubicBezTo>
+                    <a:pt x="58672" y="23103"/>
+                    <a:pt x="34691" y="11391"/>
+                    <a:pt x="50006" y="19050"/>
+                  </a:cubicBezTo>
+                </a:path>
+              </a:pathLst>
+            </a:custGeom>
+            <a:grpFill/>
+            <a:ln>
+              <a:solidFill>
+                <a:schemeClr val="bg1"/>
+              </a:solidFill>
+            </a:ln>
+          </p:spPr>
+          <p:style>
+            <a:lnRef idx="2">
+              <a:schemeClr val="accent1">
+                <a:shade val="50000"/>
+              </a:schemeClr>
+            </a:lnRef>
+            <a:fillRef idx="1">
+              <a:schemeClr val="accent1"/>
+            </a:fillRef>
+            <a:effectRef idx="0">
+              <a:schemeClr val="accent1"/>
+            </a:effectRef>
+            <a:fontRef idx="minor">
+              <a:schemeClr val="lt1"/>
+            </a:fontRef>
+          </p:style>
+          <p:txBody>
+            <a:bodyPr rtlCol="0" anchor="ctr"/>
+            <a:lstStyle/>
+            <a:p>
+              <a:pPr algn="ctr"/>
+              <a:endParaRPr lang="en-SG"/>
+            </a:p>
+          </p:txBody>
+        </p:sp>
+        <p:sp>
+          <p:nvSpPr>
+            <p:cNvPr id="96" name="Flowchart: Connector 95"/>
+            <p:cNvSpPr/>
+            <p:nvPr/>
+          </p:nvSpPr>
+          <p:spPr>
+            <a:xfrm flipH="1">
+              <a:off x="851649" y="373837"/>
+              <a:ext cx="45719" cy="45719"/>
+            </a:xfrm>
+            <a:prstGeom prst="flowChartConnector">
+              <a:avLst/>
+            </a:prstGeom>
+            <a:grpFill/>
+            <a:ln>
+              <a:solidFill>
+                <a:schemeClr val="bg1"/>
+              </a:solidFill>
+            </a:ln>
+          </p:spPr>
+          <p:style>
+            <a:lnRef idx="2">
+              <a:schemeClr val="accent1">
+                <a:shade val="50000"/>
+              </a:schemeClr>
+            </a:lnRef>
+            <a:fillRef idx="1">
+              <a:schemeClr val="accent1"/>
+            </a:fillRef>
+            <a:effectRef idx="0">
+              <a:schemeClr val="accent1"/>
+            </a:effectRef>
+            <a:fontRef idx="minor">
+              <a:schemeClr val="lt1"/>
+            </a:fontRef>
+          </p:style>
+          <p:txBody>
+            <a:bodyPr rtlCol="0" anchor="ctr"/>
+            <a:lstStyle/>
+            <a:p>
+              <a:pPr algn="ctr"/>
+              <a:endParaRPr lang="en-SG"/>
+            </a:p>
+          </p:txBody>
+        </p:sp>
+      </p:grpSp>
+      <p:grpSp>
+        <p:nvGrpSpPr>
+          <p:cNvPr id="97" name="Group 96"/>
+          <p:cNvGrpSpPr/>
+          <p:nvPr/>
+        </p:nvGrpSpPr>
+        <p:grpSpPr>
+          <a:xfrm>
+            <a:off x="6837346" y="2267385"/>
+            <a:ext cx="309579" cy="505977"/>
+            <a:chOff x="593726" y="1760533"/>
+            <a:chExt cx="309579" cy="505977"/>
+          </a:xfrm>
+          <a:noFill/>
+        </p:grpSpPr>
+        <p:sp>
+          <p:nvSpPr>
+            <p:cNvPr id="98" name="Flowchart: Delay 97"/>
+            <p:cNvSpPr/>
+            <p:nvPr/>
+          </p:nvSpPr>
+          <p:spPr>
+            <a:xfrm rot="16200000">
+              <a:off x="603041" y="1976842"/>
+              <a:ext cx="280353" cy="298983"/>
+            </a:xfrm>
+            <a:prstGeom prst="flowChartDelay">
+              <a:avLst/>
+            </a:prstGeom>
+            <a:grpFill/>
+            <a:ln>
+              <a:solidFill>
+                <a:schemeClr val="bg1"/>
+              </a:solidFill>
+            </a:ln>
+          </p:spPr>
+          <p:style>
+            <a:lnRef idx="2">
+              <a:schemeClr val="accent1">
+                <a:shade val="50000"/>
+              </a:schemeClr>
+            </a:lnRef>
+            <a:fillRef idx="1">
+              <a:schemeClr val="accent1"/>
+            </a:fillRef>
+            <a:effectRef idx="0">
+              <a:schemeClr val="accent1"/>
+            </a:effectRef>
+            <a:fontRef idx="minor">
+              <a:schemeClr val="lt1"/>
+            </a:fontRef>
+          </p:style>
+          <p:txBody>
+            <a:bodyPr rtlCol="0" anchor="ctr"/>
+            <a:lstStyle/>
+            <a:p>
+              <a:pPr algn="ctr"/>
+              <a:endParaRPr lang="en-SG"/>
+            </a:p>
+          </p:txBody>
+        </p:sp>
+        <p:grpSp>
+          <p:nvGrpSpPr>
+            <p:cNvPr id="99" name="Group 98"/>
+            <p:cNvGrpSpPr/>
+            <p:nvPr/>
+          </p:nvGrpSpPr>
+          <p:grpSpPr>
+            <a:xfrm rot="20404603">
+              <a:off x="635382" y="1760533"/>
+              <a:ext cx="267923" cy="220662"/>
+              <a:chOff x="786804" y="1760533"/>
+              <a:chExt cx="267923" cy="220662"/>
+            </a:xfrm>
+            <a:grpFill/>
+          </p:grpSpPr>
+          <p:sp>
+            <p:nvSpPr>
+              <p:cNvPr id="102" name="Flowchart: Connector 101"/>
+              <p:cNvSpPr/>
+              <p:nvPr/>
+            </p:nvSpPr>
+            <p:spPr>
+              <a:xfrm rot="19707452">
+                <a:off x="786804" y="1760533"/>
+                <a:ext cx="220662" cy="220662"/>
+              </a:xfrm>
+              <a:prstGeom prst="flowChartConnector">
+                <a:avLst/>
+              </a:prstGeom>
+              <a:grpFill/>
+              <a:ln>
+                <a:solidFill>
+                  <a:schemeClr val="bg1"/>
+                </a:solidFill>
+              </a:ln>
+            </p:spPr>
+            <p:style>
+              <a:lnRef idx="2">
+                <a:schemeClr val="accent1">
+                  <a:shade val="50000"/>
+                </a:schemeClr>
+              </a:lnRef>
+              <a:fillRef idx="1">
+                <a:schemeClr val="accent1"/>
+              </a:fillRef>
+              <a:effectRef idx="0">
+                <a:schemeClr val="accent1"/>
+              </a:effectRef>
+              <a:fontRef idx="minor">
+                <a:schemeClr val="lt1"/>
+              </a:fontRef>
+            </p:style>
+            <p:txBody>
+              <a:bodyPr rtlCol="0" anchor="ctr"/>
+              <a:lstStyle/>
+              <a:p>
+                <a:pPr algn="ctr"/>
+                <a:endParaRPr lang="en-SG"/>
+              </a:p>
+            </p:txBody>
+          </p:sp>
+          <p:sp>
+            <p:nvSpPr>
+              <p:cNvPr id="108" name="Freeform 107"/>
+              <p:cNvSpPr/>
+              <p:nvPr/>
+            </p:nvSpPr>
+            <p:spPr>
+              <a:xfrm rot="19707452">
+                <a:off x="1004721" y="1849632"/>
+                <a:ext cx="50006" cy="19050"/>
+              </a:xfrm>
+              <a:custGeom>
+                <a:avLst/>
+                <a:gdLst>
+                  <a:gd name="connsiteX0" fmla="*/ 0 w 50006"/>
+                  <a:gd name="connsiteY0" fmla="*/ 0 h 19050"/>
+                  <a:gd name="connsiteX1" fmla="*/ 0 w 50006"/>
+                  <a:gd name="connsiteY1" fmla="*/ 0 h 19050"/>
+                  <a:gd name="connsiteX2" fmla="*/ 21431 w 50006"/>
+                  <a:gd name="connsiteY2" fmla="*/ 4762 h 19050"/>
+                  <a:gd name="connsiteX3" fmla="*/ 28575 w 50006"/>
+                  <a:gd name="connsiteY3" fmla="*/ 9525 h 19050"/>
+                  <a:gd name="connsiteX4" fmla="*/ 38100 w 50006"/>
+                  <a:gd name="connsiteY4" fmla="*/ 14287 h 19050"/>
+                  <a:gd name="connsiteX5" fmla="*/ 50006 w 50006"/>
+                  <a:gd name="connsiteY5" fmla="*/ 19050 h 19050"/>
+                </a:gdLst>
+                <a:ahLst/>
+                <a:cxnLst>
+                  <a:cxn ang="0">
+                    <a:pos x="connsiteX0" y="connsiteY0"/>
+                  </a:cxn>
+                  <a:cxn ang="0">
+                    <a:pos x="connsiteX1" y="connsiteY1"/>
+                  </a:cxn>
+                  <a:cxn ang="0">
+                    <a:pos x="connsiteX2" y="connsiteY2"/>
+                  </a:cxn>
+                  <a:cxn ang="0">
+                    <a:pos x="connsiteX3" y="connsiteY3"/>
+                  </a:cxn>
+                  <a:cxn ang="0">
+                    <a:pos x="connsiteX4" y="connsiteY4"/>
+                  </a:cxn>
+                  <a:cxn ang="0">
+                    <a:pos x="connsiteX5" y="connsiteY5"/>
+                  </a:cxn>
+                </a:cxnLst>
+                <a:rect l="l" t="t" r="r" b="b"/>
+                <a:pathLst>
+                  <a:path w="50006" h="19050">
+                    <a:moveTo>
+                      <a:pt x="0" y="0"/>
+                    </a:moveTo>
+                    <a:lnTo>
+                      <a:pt x="0" y="0"/>
+                    </a:lnTo>
+                    <a:cubicBezTo>
+                      <a:pt x="7144" y="1587"/>
+                      <a:pt x="14489" y="2448"/>
+                      <a:pt x="21431" y="4762"/>
+                    </a:cubicBezTo>
+                    <a:cubicBezTo>
+                      <a:pt x="24146" y="5667"/>
+                      <a:pt x="26090" y="8105"/>
+                      <a:pt x="28575" y="9525"/>
+                    </a:cubicBezTo>
+                    <a:cubicBezTo>
+                      <a:pt x="31657" y="11286"/>
+                      <a:pt x="34837" y="12889"/>
+                      <a:pt x="38100" y="14287"/>
+                    </a:cubicBezTo>
+                    <a:cubicBezTo>
+                      <a:pt x="58672" y="23103"/>
+                      <a:pt x="34691" y="11391"/>
+                      <a:pt x="50006" y="19050"/>
+                    </a:cubicBezTo>
+                  </a:path>
+                </a:pathLst>
+              </a:custGeom>
+              <a:grpFill/>
+              <a:ln>
+                <a:solidFill>
+                  <a:schemeClr val="bg1"/>
+                </a:solidFill>
+              </a:ln>
+            </p:spPr>
+            <p:style>
+              <a:lnRef idx="2">
+                <a:schemeClr val="accent1">
+                  <a:shade val="50000"/>
+                </a:schemeClr>
+              </a:lnRef>
+              <a:fillRef idx="1">
+                <a:schemeClr val="accent1"/>
+              </a:fillRef>
+              <a:effectRef idx="0">
+                <a:schemeClr val="accent1"/>
+              </a:effectRef>
+              <a:fontRef idx="minor">
+                <a:schemeClr val="lt1"/>
+              </a:fontRef>
+            </p:style>
+            <p:txBody>
+              <a:bodyPr rtlCol="0" anchor="ctr"/>
+              <a:lstStyle/>
+              <a:p>
+                <a:pPr algn="ctr"/>
+                <a:endParaRPr lang="en-SG"/>
+              </a:p>
+            </p:txBody>
+          </p:sp>
+          <p:sp>
+            <p:nvSpPr>
+              <p:cNvPr id="110" name="Flowchart: Connector 109"/>
+              <p:cNvSpPr/>
+              <p:nvPr/>
+            </p:nvSpPr>
+            <p:spPr>
+              <a:xfrm rot="19707452" flipH="1">
+                <a:off x="896667" y="1807272"/>
+                <a:ext cx="45719" cy="45719"/>
+              </a:xfrm>
+              <a:prstGeom prst="flowChartConnector">
+                <a:avLst/>
+              </a:prstGeom>
+              <a:grpFill/>
+              <a:ln>
+                <a:solidFill>
+                  <a:schemeClr val="bg1"/>
+                </a:solidFill>
+              </a:ln>
+            </p:spPr>
+            <p:style>
+              <a:lnRef idx="2">
+                <a:schemeClr val="accent1">
+                  <a:shade val="50000"/>
+                </a:schemeClr>
+              </a:lnRef>
+              <a:fillRef idx="1">
+                <a:schemeClr val="accent1"/>
+              </a:fillRef>
+              <a:effectRef idx="0">
+                <a:schemeClr val="accent1"/>
+              </a:effectRef>
+              <a:fontRef idx="minor">
+                <a:schemeClr val="lt1"/>
+              </a:fontRef>
+            </p:style>
+            <p:txBody>
+              <a:bodyPr rtlCol="0" anchor="ctr"/>
+              <a:lstStyle/>
+              <a:p>
+                <a:pPr algn="ctr"/>
+                <a:endParaRPr lang="en-SG"/>
+              </a:p>
+            </p:txBody>
+          </p:sp>
+        </p:grpSp>
+      </p:grpSp>
+      <p:sp>
+        <p:nvSpPr>
+          <p:cNvPr id="129" name="Rounded Rectangle 128"/>
+          <p:cNvSpPr/>
+          <p:nvPr/>
+        </p:nvSpPr>
+        <p:spPr>
+          <a:xfrm>
+            <a:off x="5367110" y="166476"/>
+            <a:ext cx="2117725" cy="2584344"/>
+          </a:xfrm>
+          <a:prstGeom prst="roundRect">
+            <a:avLst>
+              <a:gd name="adj" fmla="val 7667"/>
+            </a:avLst>
+          </a:prstGeom>
+          <a:noFill/>
+          <a:ln w="107950">
+            <a:solidFill>
+              <a:schemeClr val="accent6">
+                <a:lumMod val="60000"/>
+                <a:lumOff val="40000"/>
+              </a:schemeClr>
+            </a:solidFill>
+          </a:ln>
+          <a:effectLst/>
+        </p:spPr>
+        <p:style>
+          <a:lnRef idx="2">
+            <a:schemeClr val="accent1">
+              <a:shade val="50000"/>
+            </a:schemeClr>
+          </a:lnRef>
+          <a:fillRef idx="1">
+            <a:schemeClr val="accent1"/>
+          </a:fillRef>
+          <a:effectRef idx="0">
+            <a:schemeClr val="accent1"/>
+          </a:effectRef>
+          <a:fontRef idx="minor">
+            <a:schemeClr val="lt1"/>
+          </a:fontRef>
+        </p:style>
+        <p:txBody>
+          <a:bodyPr rtlCol="0" anchor="ctr"/>
+          <a:lstStyle/>
+          <a:p>
+            <a:pPr algn="ctr"/>
+            <a:endParaRPr lang="en-US"/>
+          </a:p>
+        </p:txBody>
+      </p:sp>
+      <p:sp>
+        <p:nvSpPr>
+          <p:cNvPr id="7" name="Freeform 6"/>
+          <p:cNvSpPr/>
+          <p:nvPr/>
+        </p:nvSpPr>
+        <p:spPr>
+          <a:xfrm>
+            <a:off x="6475141" y="1660828"/>
+            <a:ext cx="498088" cy="182840"/>
+          </a:xfrm>
+          <a:custGeom>
+            <a:avLst/>
+            <a:gdLst>
+              <a:gd name="connsiteX0" fmla="*/ 0 w 498088"/>
+              <a:gd name="connsiteY0" fmla="*/ 87078 h 220892"/>
+              <a:gd name="connsiteX1" fmla="*/ 245327 w 498088"/>
+              <a:gd name="connsiteY1" fmla="*/ 5302 h 220892"/>
+              <a:gd name="connsiteX2" fmla="*/ 498088 w 498088"/>
+              <a:gd name="connsiteY2" fmla="*/ 220892 h 220892"/>
+              <a:gd name="connsiteX0" fmla="*/ 0 w 498088"/>
+              <a:gd name="connsiteY0" fmla="*/ 49026 h 182840"/>
+              <a:gd name="connsiteX1" fmla="*/ 260196 w 498088"/>
+              <a:gd name="connsiteY1" fmla="*/ 11855 h 182840"/>
+              <a:gd name="connsiteX2" fmla="*/ 498088 w 498088"/>
+              <a:gd name="connsiteY2" fmla="*/ 182840 h 182840"/>
+            </a:gdLst>
+            <a:ahLst/>
+            <a:cxnLst>
+              <a:cxn ang="0">
+                <a:pos x="connsiteX0" y="connsiteY0"/>
+              </a:cxn>
+              <a:cxn ang="0">
+                <a:pos x="connsiteX1" y="connsiteY1"/>
+              </a:cxn>
+              <a:cxn ang="0">
+                <a:pos x="connsiteX2" y="connsiteY2"/>
+              </a:cxn>
+            </a:cxnLst>
+            <a:rect l="l" t="t" r="r" b="b"/>
+            <a:pathLst>
+              <a:path w="498088" h="182840">
+                <a:moveTo>
+                  <a:pt x="0" y="49026"/>
+                </a:moveTo>
+                <a:cubicBezTo>
+                  <a:pt x="81156" y="-3013"/>
+                  <a:pt x="177181" y="-10447"/>
+                  <a:pt x="260196" y="11855"/>
+                </a:cubicBezTo>
+                <a:cubicBezTo>
+                  <a:pt x="343211" y="34157"/>
+                  <a:pt x="413215" y="86196"/>
+                  <a:pt x="498088" y="182840"/>
+                </a:cubicBezTo>
+              </a:path>
+            </a:pathLst>
+          </a:custGeom>
+          <a:noFill/>
+          <a:ln w="38100" cap="rnd">
+            <a:solidFill>
+              <a:schemeClr val="accent6">
+                <a:lumMod val="40000"/>
+                <a:lumOff val="60000"/>
+                <a:alpha val="65000"/>
+              </a:schemeClr>
+            </a:solidFill>
+            <a:headEnd type="none" w="med" len="med"/>
+            <a:tailEnd type="triangle" w="med" len="med"/>
+          </a:ln>
+        </p:spPr>
+        <p:style>
+          <a:lnRef idx="2">
+            <a:schemeClr val="accent1">
+              <a:shade val="50000"/>
+            </a:schemeClr>
+          </a:lnRef>
+          <a:fillRef idx="1">
+            <a:schemeClr val="accent1"/>
+          </a:fillRef>
+          <a:effectRef idx="0">
+            <a:schemeClr val="accent1"/>
+          </a:effectRef>
+          <a:fontRef idx="minor">
+            <a:schemeClr val="lt1"/>
+          </a:fontRef>
+        </p:style>
+        <p:txBody>
+          <a:bodyPr rtlCol="0" anchor="ctr"/>
+          <a:lstStyle/>
+          <a:p>
+            <a:pPr algn="ctr"/>
+            <a:endParaRPr lang="en-US">
+              <a:solidFill>
+                <a:schemeClr val="lt1"/>
+              </a:solidFill>
+            </a:endParaRPr>
+          </a:p>
+        </p:txBody>
+      </p:sp>
+      <p:sp>
+        <p:nvSpPr>
+          <p:cNvPr id="9" name="Arc 8"/>
+          <p:cNvSpPr/>
+          <p:nvPr/>
+        </p:nvSpPr>
+        <p:spPr>
+          <a:xfrm>
+            <a:off x="5473046" y="1240750"/>
+            <a:ext cx="230126" cy="230126"/>
+          </a:xfrm>
+          <a:prstGeom prst="arc">
+            <a:avLst>
+              <a:gd name="adj1" fmla="val 3939097"/>
+              <a:gd name="adj2" fmla="val 20260855"/>
+            </a:avLst>
+          </a:prstGeom>
+          <a:noFill/>
+          <a:ln w="38100" cap="rnd">
+            <a:solidFill>
+              <a:schemeClr val="accent6">
+                <a:lumMod val="75000"/>
+              </a:schemeClr>
+            </a:solidFill>
+            <a:headEnd type="triangle" w="med" len="med"/>
+            <a:tailEnd type="none" w="med" len="med"/>
+          </a:ln>
+        </p:spPr>
+        <p:style>
+          <a:lnRef idx="2">
+            <a:schemeClr val="accent1">
+              <a:shade val="50000"/>
+            </a:schemeClr>
+          </a:lnRef>
+          <a:fillRef idx="1">
+            <a:schemeClr val="accent1"/>
+          </a:fillRef>
+          <a:effectRef idx="0">
+            <a:schemeClr val="accent1"/>
+          </a:effectRef>
+          <a:fontRef idx="minor">
+            <a:schemeClr val="lt1"/>
+          </a:fontRef>
+        </p:style>
+        <p:txBody>
+          <a:bodyPr rtlCol="0" anchor="ctr"/>
+          <a:lstStyle/>
+          <a:p>
+            <a:pPr algn="ctr"/>
+            <a:endParaRPr lang="en-US">
+              <a:solidFill>
+                <a:schemeClr val="lt1"/>
+              </a:solidFill>
+            </a:endParaRPr>
+          </a:p>
+        </p:txBody>
+      </p:sp>
+      <p:sp>
+        <p:nvSpPr>
+          <p:cNvPr id="11" name="Arc 10"/>
+          <p:cNvSpPr/>
+          <p:nvPr/>
+        </p:nvSpPr>
+        <p:spPr>
+          <a:xfrm flipH="1">
+            <a:off x="5777792" y="1706562"/>
+            <a:ext cx="358256" cy="385615"/>
+          </a:xfrm>
+          <a:prstGeom prst="arc">
+            <a:avLst>
+              <a:gd name="adj1" fmla="val 21544144"/>
+              <a:gd name="adj2" fmla="val 6639267"/>
+            </a:avLst>
+          </a:prstGeom>
+          <a:noFill/>
+          <a:ln w="38100" cap="rnd">
+            <a:solidFill>
+              <a:schemeClr val="accent6">
+                <a:lumMod val="75000"/>
+              </a:schemeClr>
+            </a:solidFill>
+            <a:headEnd type="none" w="med" len="med"/>
+            <a:tailEnd type="triangle" w="med" len="med"/>
+          </a:ln>
+        </p:spPr>
+        <p:style>
+          <a:lnRef idx="2">
+            <a:schemeClr val="accent1">
+              <a:shade val="50000"/>
+            </a:schemeClr>
+          </a:lnRef>
+          <a:fillRef idx="1">
+            <a:schemeClr val="accent1"/>
+          </a:fillRef>
+          <a:effectRef idx="0">
+            <a:schemeClr val="accent1"/>
+          </a:effectRef>
+          <a:fontRef idx="minor">
+            <a:schemeClr val="lt1"/>
+          </a:fontRef>
+        </p:style>
+        <p:txBody>
+          <a:bodyPr rtlCol="0" anchor="ctr"/>
+          <a:lstStyle/>
+          <a:p>
+            <a:pPr algn="ctr"/>
+            <a:endParaRPr lang="en-US"/>
+          </a:p>
+        </p:txBody>
+      </p:sp>
+      <p:sp>
+        <p:nvSpPr>
+          <p:cNvPr id="114" name="Freeform 113"/>
+          <p:cNvSpPr/>
+          <p:nvPr/>
+        </p:nvSpPr>
+        <p:spPr>
+          <a:xfrm rot="2235209">
+            <a:off x="6801931" y="1243398"/>
+            <a:ext cx="610394" cy="277347"/>
+          </a:xfrm>
+          <a:custGeom>
+            <a:avLst/>
+            <a:gdLst>
+              <a:gd name="connsiteX0" fmla="*/ 0 w 498088"/>
+              <a:gd name="connsiteY0" fmla="*/ 87078 h 220892"/>
+              <a:gd name="connsiteX1" fmla="*/ 245327 w 498088"/>
+              <a:gd name="connsiteY1" fmla="*/ 5302 h 220892"/>
+              <a:gd name="connsiteX2" fmla="*/ 498088 w 498088"/>
+              <a:gd name="connsiteY2" fmla="*/ 220892 h 220892"/>
+              <a:gd name="connsiteX0" fmla="*/ 0 w 498088"/>
+              <a:gd name="connsiteY0" fmla="*/ 42889 h 176703"/>
+              <a:gd name="connsiteX1" fmla="*/ 230764 w 498088"/>
+              <a:gd name="connsiteY1" fmla="*/ 14707 h 176703"/>
+              <a:gd name="connsiteX2" fmla="*/ 498088 w 498088"/>
+              <a:gd name="connsiteY2" fmla="*/ 176703 h 176703"/>
+              <a:gd name="connsiteX0" fmla="*/ 0 w 498088"/>
+              <a:gd name="connsiteY0" fmla="*/ 50473 h 184287"/>
+              <a:gd name="connsiteX1" fmla="*/ 242175 w 498088"/>
+              <a:gd name="connsiteY1" fmla="*/ 11327 h 184287"/>
+              <a:gd name="connsiteX2" fmla="*/ 498088 w 498088"/>
+              <a:gd name="connsiteY2" fmla="*/ 184287 h 184287"/>
+            </a:gdLst>
+            <a:ahLst/>
+            <a:cxnLst>
+              <a:cxn ang="0">
+                <a:pos x="connsiteX0" y="connsiteY0"/>
+              </a:cxn>
+              <a:cxn ang="0">
+                <a:pos x="connsiteX1" y="connsiteY1"/>
+              </a:cxn>
+              <a:cxn ang="0">
+                <a:pos x="connsiteX2" y="connsiteY2"/>
+              </a:cxn>
+            </a:cxnLst>
+            <a:rect l="l" t="t" r="r" b="b"/>
+            <a:pathLst>
+              <a:path w="498088" h="184287">
+                <a:moveTo>
+                  <a:pt x="0" y="50473"/>
+                </a:moveTo>
+                <a:cubicBezTo>
+                  <a:pt x="81156" y="-1566"/>
+                  <a:pt x="159160" y="-10975"/>
+                  <a:pt x="242175" y="11327"/>
+                </a:cubicBezTo>
+                <a:cubicBezTo>
+                  <a:pt x="325190" y="33629"/>
+                  <a:pt x="413215" y="87643"/>
+                  <a:pt x="498088" y="184287"/>
+                </a:cubicBezTo>
+              </a:path>
+            </a:pathLst>
+          </a:custGeom>
+          <a:noFill/>
+          <a:ln w="38100" cap="rnd">
+            <a:headEnd type="none" w="med" len="med"/>
+            <a:tailEnd type="triangle" w="med" len="med"/>
+          </a:ln>
+        </p:spPr>
+        <p:style>
+          <a:lnRef idx="2">
+            <a:schemeClr val="accent1">
+              <a:shade val="50000"/>
+            </a:schemeClr>
+          </a:lnRef>
+          <a:fillRef idx="1">
+            <a:schemeClr val="accent1"/>
+          </a:fillRef>
+          <a:effectRef idx="0">
+            <a:schemeClr val="accent1"/>
+          </a:effectRef>
+          <a:fontRef idx="minor">
+            <a:schemeClr val="lt1"/>
+          </a:fontRef>
+        </p:style>
+        <p:txBody>
+          <a:bodyPr rtlCol="0" anchor="ctr"/>
+          <a:lstStyle/>
+          <a:p>
+            <a:pPr algn="ctr"/>
+            <a:endParaRPr lang="en-US"/>
+          </a:p>
+        </p:txBody>
+      </p:sp>
+      <p:sp>
+        <p:nvSpPr>
+          <p:cNvPr id="116" name="Freeform 115"/>
+          <p:cNvSpPr/>
+          <p:nvPr/>
+        </p:nvSpPr>
+        <p:spPr>
+          <a:xfrm rot="7580198">
+            <a:off x="5962649" y="1303851"/>
+            <a:ext cx="681819" cy="325155"/>
+          </a:xfrm>
+          <a:custGeom>
+            <a:avLst/>
+            <a:gdLst>
+              <a:gd name="connsiteX0" fmla="*/ 0 w 498088"/>
+              <a:gd name="connsiteY0" fmla="*/ 87078 h 220892"/>
+              <a:gd name="connsiteX1" fmla="*/ 245327 w 498088"/>
+              <a:gd name="connsiteY1" fmla="*/ 5302 h 220892"/>
+              <a:gd name="connsiteX2" fmla="*/ 498088 w 498088"/>
+              <a:gd name="connsiteY2" fmla="*/ 220892 h 220892"/>
+              <a:gd name="connsiteX0" fmla="*/ 0 w 498088"/>
+              <a:gd name="connsiteY0" fmla="*/ 42889 h 176703"/>
+              <a:gd name="connsiteX1" fmla="*/ 230764 w 498088"/>
+              <a:gd name="connsiteY1" fmla="*/ 14707 h 176703"/>
+              <a:gd name="connsiteX2" fmla="*/ 498088 w 498088"/>
+              <a:gd name="connsiteY2" fmla="*/ 176703 h 176703"/>
+              <a:gd name="connsiteX0" fmla="*/ 0 w 548075"/>
+              <a:gd name="connsiteY0" fmla="*/ 22042 h 216634"/>
+              <a:gd name="connsiteX1" fmla="*/ 280751 w 548075"/>
+              <a:gd name="connsiteY1" fmla="*/ 54638 h 216634"/>
+              <a:gd name="connsiteX2" fmla="*/ 548075 w 548075"/>
+              <a:gd name="connsiteY2" fmla="*/ 216634 h 216634"/>
+              <a:gd name="connsiteX0" fmla="*/ 0 w 548075"/>
+              <a:gd name="connsiteY0" fmla="*/ 10076 h 204668"/>
+              <a:gd name="connsiteX1" fmla="*/ 280751 w 548075"/>
+              <a:gd name="connsiteY1" fmla="*/ 42672 h 204668"/>
+              <a:gd name="connsiteX2" fmla="*/ 548075 w 548075"/>
+              <a:gd name="connsiteY2" fmla="*/ 204668 h 204668"/>
+              <a:gd name="connsiteX0" fmla="*/ 0 w 548075"/>
+              <a:gd name="connsiteY0" fmla="*/ 15033 h 209625"/>
+              <a:gd name="connsiteX1" fmla="*/ 288172 w 548075"/>
+              <a:gd name="connsiteY1" fmla="*/ 29366 h 209625"/>
+              <a:gd name="connsiteX2" fmla="*/ 548075 w 548075"/>
+              <a:gd name="connsiteY2" fmla="*/ 209625 h 209625"/>
+            </a:gdLst>
+            <a:ahLst/>
+            <a:cxnLst>
+              <a:cxn ang="0">
+                <a:pos x="connsiteX0" y="connsiteY0"/>
+              </a:cxn>
+              <a:cxn ang="0">
+                <a:pos x="connsiteX1" y="connsiteY1"/>
+              </a:cxn>
+              <a:cxn ang="0">
+                <a:pos x="connsiteX2" y="connsiteY2"/>
+              </a:cxn>
+            </a:cxnLst>
+            <a:rect l="l" t="t" r="r" b="b"/>
+            <a:pathLst>
+              <a:path w="548075" h="209625">
+                <a:moveTo>
+                  <a:pt x="0" y="15033"/>
+                </a:moveTo>
+                <a:cubicBezTo>
+                  <a:pt x="111004" y="-9809"/>
+                  <a:pt x="196826" y="-3066"/>
+                  <a:pt x="288172" y="29366"/>
+                </a:cubicBezTo>
+                <a:cubicBezTo>
+                  <a:pt x="379518" y="61798"/>
+                  <a:pt x="463202" y="112981"/>
+                  <a:pt x="548075" y="209625"/>
+                </a:cubicBezTo>
+              </a:path>
+            </a:pathLst>
+          </a:custGeom>
+          <a:noFill/>
+          <a:ln w="38100" cap="rnd">
+            <a:headEnd type="none" w="med" len="med"/>
+            <a:tailEnd type="triangle" w="med" len="med"/>
+          </a:ln>
+        </p:spPr>
+        <p:style>
+          <a:lnRef idx="2">
+            <a:schemeClr val="accent1">
+              <a:shade val="50000"/>
+            </a:schemeClr>
+          </a:lnRef>
+          <a:fillRef idx="1">
+            <a:schemeClr val="accent1"/>
+          </a:fillRef>
+          <a:effectRef idx="0">
+            <a:schemeClr val="accent1"/>
+          </a:effectRef>
+          <a:fontRef idx="minor">
+            <a:schemeClr val="lt1"/>
+          </a:fontRef>
+        </p:style>
+        <p:txBody>
+          <a:bodyPr rtlCol="0" anchor="ctr"/>
+          <a:lstStyle/>
+          <a:p>
+            <a:pPr algn="ctr"/>
+            <a:endParaRPr lang="en-US"/>
+          </a:p>
+        </p:txBody>
+      </p:sp>
+      <p:sp>
+        <p:nvSpPr>
+          <p:cNvPr id="181" name="Arc 180"/>
+          <p:cNvSpPr/>
+          <p:nvPr/>
+        </p:nvSpPr>
+        <p:spPr>
+          <a:xfrm flipH="1">
+            <a:off x="6176353" y="1849151"/>
+            <a:ext cx="635005" cy="683499"/>
+          </a:xfrm>
+          <a:prstGeom prst="arc">
+            <a:avLst>
+              <a:gd name="adj1" fmla="val 1590645"/>
+              <a:gd name="adj2" fmla="val 6555229"/>
+            </a:avLst>
+          </a:prstGeom>
+          <a:noFill/>
+          <a:ln w="38100" cap="rnd">
+            <a:solidFill>
+              <a:schemeClr val="accent6">
+                <a:lumMod val="75000"/>
+              </a:schemeClr>
+            </a:solidFill>
+            <a:headEnd type="none" w="med" len="med"/>
+            <a:tailEnd type="triangle" w="med" len="med"/>
+          </a:ln>
+        </p:spPr>
+        <p:style>
+          <a:lnRef idx="2">
+            <a:schemeClr val="accent1">
+              <a:shade val="50000"/>
+            </a:schemeClr>
+          </a:lnRef>
+          <a:fillRef idx="1">
+            <a:schemeClr val="accent1"/>
+          </a:fillRef>
+          <a:effectRef idx="0">
+            <a:schemeClr val="accent1"/>
+          </a:effectRef>
+          <a:fontRef idx="minor">
+            <a:schemeClr val="lt1"/>
+          </a:fontRef>
+        </p:style>
+        <p:txBody>
+          <a:bodyPr rtlCol="0" anchor="ctr"/>
+          <a:lstStyle/>
+          <a:p>
+            <a:pPr algn="ctr"/>
+            <a:endParaRPr lang="en-US"/>
+          </a:p>
+        </p:txBody>
+      </p:sp>
+      <p:sp>
+        <p:nvSpPr>
+          <p:cNvPr id="183" name="Arc 182"/>
+          <p:cNvSpPr/>
+          <p:nvPr/>
+        </p:nvSpPr>
+        <p:spPr>
+          <a:xfrm>
+            <a:off x="5508317" y="903244"/>
+            <a:ext cx="275180" cy="585149"/>
+          </a:xfrm>
+          <a:prstGeom prst="arc">
+            <a:avLst>
+              <a:gd name="adj1" fmla="val 12344503"/>
+              <a:gd name="adj2" fmla="val 2561817"/>
+            </a:avLst>
+          </a:prstGeom>
+          <a:noFill/>
+          <a:ln w="38100" cap="rnd">
+            <a:solidFill>
+              <a:schemeClr val="accent6">
+                <a:lumMod val="75000"/>
+              </a:schemeClr>
+            </a:solidFill>
+            <a:headEnd type="triangle" w="med" len="med"/>
+            <a:tailEnd type="none" w="med" len="med"/>
+          </a:ln>
+        </p:spPr>
+        <p:style>
+          <a:lnRef idx="2">
+            <a:schemeClr val="accent1">
+              <a:shade val="50000"/>
+            </a:schemeClr>
+          </a:lnRef>
+          <a:fillRef idx="1">
+            <a:schemeClr val="accent1"/>
+          </a:fillRef>
+          <a:effectRef idx="0">
+            <a:schemeClr val="accent1"/>
+          </a:effectRef>
+          <a:fontRef idx="minor">
+            <a:schemeClr val="lt1"/>
+          </a:fontRef>
+        </p:style>
+        <p:txBody>
+          <a:bodyPr rtlCol="0" anchor="ctr"/>
+          <a:lstStyle/>
+          <a:p>
+            <a:pPr algn="ctr"/>
+            <a:endParaRPr lang="en-US">
+              <a:solidFill>
+                <a:schemeClr val="lt1"/>
+              </a:solidFill>
+            </a:endParaRPr>
+          </a:p>
+        </p:txBody>
+      </p:sp>
+      <p:grpSp>
+        <p:nvGrpSpPr>
+          <p:cNvPr id="80" name="Group 79"/>
+          <p:cNvGrpSpPr/>
+          <p:nvPr/>
+        </p:nvGrpSpPr>
+        <p:grpSpPr>
+          <a:xfrm>
+            <a:off x="5541946" y="2114985"/>
+            <a:ext cx="309579" cy="505977"/>
+            <a:chOff x="593726" y="1760533"/>
+            <a:chExt cx="309579" cy="505977"/>
+          </a:xfrm>
+          <a:noFill/>
+        </p:grpSpPr>
+        <p:sp>
+          <p:nvSpPr>
+            <p:cNvPr id="81" name="Flowchart: Delay 80"/>
+            <p:cNvSpPr/>
+            <p:nvPr/>
+          </p:nvSpPr>
+          <p:spPr>
+            <a:xfrm rot="16200000">
+              <a:off x="603041" y="1976842"/>
+              <a:ext cx="280353" cy="298983"/>
+            </a:xfrm>
+            <a:prstGeom prst="flowChartDelay">
+              <a:avLst/>
+            </a:prstGeom>
+            <a:grpFill/>
+            <a:ln>
+              <a:solidFill>
+                <a:schemeClr val="bg1"/>
+              </a:solidFill>
+            </a:ln>
+          </p:spPr>
+          <p:style>
+            <a:lnRef idx="2">
+              <a:schemeClr val="accent1">
+                <a:shade val="50000"/>
+              </a:schemeClr>
+            </a:lnRef>
+            <a:fillRef idx="1">
+              <a:schemeClr val="accent1"/>
+            </a:fillRef>
+            <a:effectRef idx="0">
+              <a:schemeClr val="accent1"/>
+            </a:effectRef>
+            <a:fontRef idx="minor">
+              <a:schemeClr val="lt1"/>
+            </a:fontRef>
+          </p:style>
+          <p:txBody>
+            <a:bodyPr rtlCol="0" anchor="ctr"/>
+            <a:lstStyle/>
+            <a:p>
+              <a:pPr algn="ctr"/>
+              <a:endParaRPr lang="en-SG"/>
+            </a:p>
+          </p:txBody>
+        </p:sp>
+        <p:grpSp>
+          <p:nvGrpSpPr>
+            <p:cNvPr id="82" name="Group 81"/>
+            <p:cNvGrpSpPr/>
+            <p:nvPr/>
+          </p:nvGrpSpPr>
+          <p:grpSpPr>
+            <a:xfrm rot="20404603">
+              <a:off x="635382" y="1760533"/>
+              <a:ext cx="267923" cy="220662"/>
+              <a:chOff x="786804" y="1760533"/>
+              <a:chExt cx="267923" cy="220662"/>
+            </a:xfrm>
+            <a:grpFill/>
+          </p:grpSpPr>
+          <p:sp>
+            <p:nvSpPr>
+              <p:cNvPr id="83" name="Flowchart: Connector 82"/>
+              <p:cNvSpPr/>
+              <p:nvPr/>
+            </p:nvSpPr>
+            <p:spPr>
+              <a:xfrm rot="19707452">
+                <a:off x="786804" y="1760533"/>
+                <a:ext cx="220662" cy="220662"/>
+              </a:xfrm>
+              <a:prstGeom prst="flowChartConnector">
+                <a:avLst/>
+              </a:prstGeom>
+              <a:grpFill/>
+              <a:ln>
+                <a:solidFill>
+                  <a:schemeClr val="bg1"/>
+                </a:solidFill>
+              </a:ln>
+            </p:spPr>
+            <p:style>
+              <a:lnRef idx="2">
+                <a:schemeClr val="accent1">
+                  <a:shade val="50000"/>
+                </a:schemeClr>
+              </a:lnRef>
+              <a:fillRef idx="1">
+                <a:schemeClr val="accent1"/>
+              </a:fillRef>
+              <a:effectRef idx="0">
+                <a:schemeClr val="accent1"/>
+              </a:effectRef>
+              <a:fontRef idx="minor">
+                <a:schemeClr val="lt1"/>
+              </a:fontRef>
+            </p:style>
+            <p:txBody>
+              <a:bodyPr rtlCol="0" anchor="ctr"/>
+              <a:lstStyle/>
+              <a:p>
+                <a:pPr algn="ctr"/>
+                <a:endParaRPr lang="en-SG"/>
+              </a:p>
+            </p:txBody>
+          </p:sp>
+          <p:sp>
+            <p:nvSpPr>
+              <p:cNvPr id="84" name="Freeform 83"/>
+              <p:cNvSpPr/>
+              <p:nvPr/>
+            </p:nvSpPr>
+            <p:spPr>
+              <a:xfrm rot="19707452">
+                <a:off x="1004721" y="1849632"/>
+                <a:ext cx="50006" cy="19050"/>
+              </a:xfrm>
+              <a:custGeom>
+                <a:avLst/>
+                <a:gdLst>
+                  <a:gd name="connsiteX0" fmla="*/ 0 w 50006"/>
+                  <a:gd name="connsiteY0" fmla="*/ 0 h 19050"/>
+                  <a:gd name="connsiteX1" fmla="*/ 0 w 50006"/>
+                  <a:gd name="connsiteY1" fmla="*/ 0 h 19050"/>
+                  <a:gd name="connsiteX2" fmla="*/ 21431 w 50006"/>
+                  <a:gd name="connsiteY2" fmla="*/ 4762 h 19050"/>
+                  <a:gd name="connsiteX3" fmla="*/ 28575 w 50006"/>
+                  <a:gd name="connsiteY3" fmla="*/ 9525 h 19050"/>
+                  <a:gd name="connsiteX4" fmla="*/ 38100 w 50006"/>
+                  <a:gd name="connsiteY4" fmla="*/ 14287 h 19050"/>
+                  <a:gd name="connsiteX5" fmla="*/ 50006 w 50006"/>
+                  <a:gd name="connsiteY5" fmla="*/ 19050 h 19050"/>
+                </a:gdLst>
+                <a:ahLst/>
+                <a:cxnLst>
+                  <a:cxn ang="0">
+                    <a:pos x="connsiteX0" y="connsiteY0"/>
+                  </a:cxn>
+                  <a:cxn ang="0">
+                    <a:pos x="connsiteX1" y="connsiteY1"/>
+                  </a:cxn>
+                  <a:cxn ang="0">
+                    <a:pos x="connsiteX2" y="connsiteY2"/>
+                  </a:cxn>
+                  <a:cxn ang="0">
+                    <a:pos x="connsiteX3" y="connsiteY3"/>
+                  </a:cxn>
+                  <a:cxn ang="0">
+                    <a:pos x="connsiteX4" y="connsiteY4"/>
+                  </a:cxn>
+                  <a:cxn ang="0">
+                    <a:pos x="connsiteX5" y="connsiteY5"/>
+                  </a:cxn>
+                </a:cxnLst>
+                <a:rect l="l" t="t" r="r" b="b"/>
+                <a:pathLst>
+                  <a:path w="50006" h="19050">
+                    <a:moveTo>
+                      <a:pt x="0" y="0"/>
+                    </a:moveTo>
+                    <a:lnTo>
+                      <a:pt x="0" y="0"/>
+                    </a:lnTo>
+                    <a:cubicBezTo>
+                      <a:pt x="7144" y="1587"/>
+                      <a:pt x="14489" y="2448"/>
+                      <a:pt x="21431" y="4762"/>
+                    </a:cubicBezTo>
+                    <a:cubicBezTo>
+                      <a:pt x="24146" y="5667"/>
+                      <a:pt x="26090" y="8105"/>
+                      <a:pt x="28575" y="9525"/>
+                    </a:cubicBezTo>
+                    <a:cubicBezTo>
+                      <a:pt x="31657" y="11286"/>
+                      <a:pt x="34837" y="12889"/>
+                      <a:pt x="38100" y="14287"/>
+                    </a:cubicBezTo>
+                    <a:cubicBezTo>
+                      <a:pt x="58672" y="23103"/>
+                      <a:pt x="34691" y="11391"/>
+                      <a:pt x="50006" y="19050"/>
+                    </a:cubicBezTo>
+                  </a:path>
+                </a:pathLst>
+              </a:custGeom>
+              <a:grpFill/>
+              <a:ln>
+                <a:solidFill>
+                  <a:schemeClr val="bg1"/>
+                </a:solidFill>
+              </a:ln>
+            </p:spPr>
+            <p:style>
+              <a:lnRef idx="2">
+                <a:schemeClr val="accent1">
+                  <a:shade val="50000"/>
+                </a:schemeClr>
+              </a:lnRef>
+              <a:fillRef idx="1">
+                <a:schemeClr val="accent1"/>
+              </a:fillRef>
+              <a:effectRef idx="0">
+                <a:schemeClr val="accent1"/>
+              </a:effectRef>
+              <a:fontRef idx="minor">
+                <a:schemeClr val="lt1"/>
+              </a:fontRef>
+            </p:style>
+            <p:txBody>
+              <a:bodyPr rtlCol="0" anchor="ctr"/>
+              <a:lstStyle/>
+              <a:p>
+                <a:pPr algn="ctr"/>
+                <a:endParaRPr lang="en-SG"/>
+              </a:p>
+            </p:txBody>
+          </p:sp>
+          <p:sp>
+            <p:nvSpPr>
+              <p:cNvPr id="85" name="Flowchart: Connector 84"/>
+              <p:cNvSpPr/>
+              <p:nvPr/>
+            </p:nvSpPr>
+            <p:spPr>
+              <a:xfrm rot="19707452" flipH="1">
+                <a:off x="896667" y="1807272"/>
+                <a:ext cx="45719" cy="45719"/>
+              </a:xfrm>
+              <a:prstGeom prst="flowChartConnector">
+                <a:avLst/>
+              </a:prstGeom>
+              <a:grpFill/>
+              <a:ln>
+                <a:solidFill>
+                  <a:schemeClr val="bg1"/>
+                </a:solidFill>
+              </a:ln>
+            </p:spPr>
+            <p:style>
+              <a:lnRef idx="2">
+                <a:schemeClr val="accent1">
+                  <a:shade val="50000"/>
+                </a:schemeClr>
+              </a:lnRef>
+              <a:fillRef idx="1">
+                <a:schemeClr val="accent1"/>
+              </a:fillRef>
+              <a:effectRef idx="0">
+                <a:schemeClr val="accent1"/>
+              </a:effectRef>
+              <a:fontRef idx="minor">
+                <a:schemeClr val="lt1"/>
+              </a:fontRef>
+            </p:style>
+            <p:txBody>
+              <a:bodyPr rtlCol="0" anchor="ctr"/>
+              <a:lstStyle/>
+              <a:p>
+                <a:pPr algn="ctr"/>
+                <a:endParaRPr lang="en-SG"/>
+              </a:p>
+            </p:txBody>
+          </p:sp>
+        </p:grpSp>
+      </p:grpSp>
+      <p:sp>
+        <p:nvSpPr>
+          <p:cNvPr id="112" name="Arc 111"/>
+          <p:cNvSpPr/>
+          <p:nvPr/>
+        </p:nvSpPr>
+        <p:spPr>
+          <a:xfrm flipH="1">
+            <a:off x="6263954" y="1881381"/>
+            <a:ext cx="701840" cy="622330"/>
+          </a:xfrm>
+          <a:prstGeom prst="arc">
+            <a:avLst>
+              <a:gd name="adj1" fmla="val 10121185"/>
+              <a:gd name="adj2" fmla="val 19631935"/>
+            </a:avLst>
+          </a:prstGeom>
+          <a:noFill/>
+          <a:ln w="38100" cap="rnd">
+            <a:solidFill>
+              <a:schemeClr val="accent6">
+                <a:lumMod val="75000"/>
+              </a:schemeClr>
+            </a:solidFill>
+            <a:headEnd type="triangle" w="med" len="med"/>
+            <a:tailEnd type="none" w="med" len="med"/>
+          </a:ln>
+        </p:spPr>
+        <p:style>
+          <a:lnRef idx="2">
+            <a:schemeClr val="accent1">
+              <a:shade val="50000"/>
+            </a:schemeClr>
+          </a:lnRef>
+          <a:fillRef idx="1">
+            <a:schemeClr val="accent1"/>
+          </a:fillRef>
+          <a:effectRef idx="0">
+            <a:schemeClr val="accent1"/>
+          </a:effectRef>
+          <a:fontRef idx="minor">
+            <a:schemeClr val="lt1"/>
+          </a:fontRef>
+        </p:style>
+        <p:txBody>
+          <a:bodyPr rtlCol="0" anchor="ctr"/>
+          <a:lstStyle/>
+          <a:p>
+            <a:pPr algn="ctr"/>
+            <a:endParaRPr lang="en-US"/>
+          </a:p>
+        </p:txBody>
+      </p:sp>
+      <p:sp>
+        <p:nvSpPr>
+          <p:cNvPr id="161" name="Arc 160"/>
+          <p:cNvSpPr/>
+          <p:nvPr/>
+        </p:nvSpPr>
+        <p:spPr>
+          <a:xfrm flipH="1">
+            <a:off x="5873963" y="903245"/>
+            <a:ext cx="846681" cy="837640"/>
+          </a:xfrm>
+          <a:prstGeom prst="arc">
+            <a:avLst>
+              <a:gd name="adj1" fmla="val 14609524"/>
+              <a:gd name="adj2" fmla="val 21562356"/>
+            </a:avLst>
+          </a:prstGeom>
+          <a:noFill/>
+          <a:ln w="38100" cap="rnd">
+            <a:solidFill>
+              <a:schemeClr val="accent6">
+                <a:lumMod val="75000"/>
+              </a:schemeClr>
+            </a:solidFill>
+            <a:headEnd type="triangle" w="med" len="med"/>
+            <a:tailEnd type="none" w="med" len="med"/>
+          </a:ln>
+        </p:spPr>
+        <p:style>
+          <a:lnRef idx="2">
+            <a:schemeClr val="accent1">
+              <a:shade val="50000"/>
+            </a:schemeClr>
+          </a:lnRef>
+          <a:fillRef idx="1">
+            <a:schemeClr val="accent1"/>
+          </a:fillRef>
+          <a:effectRef idx="0">
+            <a:schemeClr val="accent1"/>
+          </a:effectRef>
+          <a:fontRef idx="minor">
+            <a:schemeClr val="lt1"/>
+          </a:fontRef>
+        </p:style>
+        <p:txBody>
+          <a:bodyPr rtlCol="0" anchor="ctr"/>
+          <a:lstStyle/>
+          <a:p>
+            <a:pPr algn="ctr"/>
+            <a:endParaRPr lang="en-US"/>
+          </a:p>
+        </p:txBody>
+      </p:sp>
     </p:spTree>
     <p:extLst>
       <p:ext uri="{BB962C8B-B14F-4D97-AF65-F5344CB8AC3E}">
         <p14:creationId xmlns:p14="http://schemas.microsoft.com/office/powerpoint/2010/main" val="3754261543"/>
+      </p:ext>
+    </p:extLst>
+  </p:cSld>
+  <p:clrMapOvr>
+    <a:masterClrMapping/>
+  </p:clrMapOvr>
+  <p:timing>
+    <p:tnLst>
+      <p:par>
+        <p:cTn id="1" dur="indefinite" restart="never" nodeType="tmRoot"/>
+      </p:par>
+    </p:tnLst>
+  </p:timing>
+</p:sld>
+</file>
+
+<file path=ppt/slides/slide2.xml><?xml version="1.0" encoding="utf-8"?>
+<p:sld xmlns:a="http://schemas.openxmlformats.org/drawingml/2006/main" xmlns:r="http://schemas.openxmlformats.org/officeDocument/2006/relationships" xmlns:p="http://schemas.openxmlformats.org/presentationml/2006/main">
+  <p:cSld>
+    <p:spTree>
+      <p:nvGrpSpPr>
+        <p:cNvPr id="1" name=""/>
+        <p:cNvGrpSpPr/>
+        <p:nvPr/>
+      </p:nvGrpSpPr>
+      <p:grpSpPr>
+        <a:xfrm>
+          <a:off x="0" y="0"/>
+          <a:ext cx="0" cy="0"/>
+          <a:chOff x="0" y="0"/>
+          <a:chExt cx="0" cy="0"/>
+        </a:xfrm>
+      </p:grpSpPr>
+      <p:sp>
+        <p:nvSpPr>
+          <p:cNvPr id="4" name="Rounded Rectangle 3"/>
+          <p:cNvSpPr/>
+          <p:nvPr/>
+        </p:nvSpPr>
+        <p:spPr>
+          <a:xfrm>
+            <a:off x="2955925" y="1630362"/>
+            <a:ext cx="1219200" cy="381000"/>
+          </a:xfrm>
+          <a:prstGeom prst="roundRect">
+            <a:avLst>
+              <a:gd name="adj" fmla="val 50000"/>
+            </a:avLst>
+          </a:prstGeom>
+          <a:solidFill>
+            <a:srgbClr val="00B050"/>
+          </a:solidFill>
+          <a:effectLst/>
+        </p:spPr>
+        <p:style>
+          <a:lnRef idx="0">
+            <a:schemeClr val="accent3"/>
+          </a:lnRef>
+          <a:fillRef idx="3">
+            <a:schemeClr val="accent3"/>
+          </a:fillRef>
+          <a:effectRef idx="3">
+            <a:schemeClr val="accent3"/>
+          </a:effectRef>
+          <a:fontRef idx="minor">
+            <a:schemeClr val="lt1"/>
+          </a:fontRef>
+        </p:style>
+        <p:txBody>
+          <a:bodyPr rtlCol="0" anchor="ctr"/>
+          <a:lstStyle/>
+          <a:p>
+            <a:pPr algn="ctr"/>
+            <a:r>
+              <a:rPr lang="en-US" dirty="0" smtClean="0"/>
+              <a:t>Request for a </a:t>
+            </a:r>
+            <a:r>
+              <a:rPr lang="en-US" b="1" dirty="0" smtClean="0"/>
+              <a:t>FREE Account</a:t>
+            </a:r>
+            <a:endParaRPr lang="en-US" b="1" dirty="0"/>
+          </a:p>
+        </p:txBody>
+      </p:sp>
+      <p:grpSp>
+        <p:nvGrpSpPr>
+          <p:cNvPr id="8" name="Group 7"/>
+          <p:cNvGrpSpPr/>
+          <p:nvPr/>
+        </p:nvGrpSpPr>
+        <p:grpSpPr>
+          <a:xfrm>
+            <a:off x="1584325" y="1630362"/>
+            <a:ext cx="990600" cy="381000"/>
+            <a:chOff x="1584325" y="1630362"/>
+            <a:chExt cx="990600" cy="381000"/>
+          </a:xfrm>
+        </p:grpSpPr>
+        <p:sp>
+          <p:nvSpPr>
+            <p:cNvPr id="5" name="Rounded Rectangle 4"/>
+            <p:cNvSpPr/>
+            <p:nvPr/>
+          </p:nvSpPr>
+          <p:spPr>
+            <a:xfrm>
+              <a:off x="1584325" y="1630362"/>
+              <a:ext cx="990600" cy="381000"/>
+            </a:xfrm>
+            <a:prstGeom prst="roundRect">
+              <a:avLst>
+                <a:gd name="adj" fmla="val 50000"/>
+              </a:avLst>
+            </a:prstGeom>
+            <a:solidFill>
+              <a:schemeClr val="bg1">
+                <a:lumMod val="50000"/>
+              </a:schemeClr>
+            </a:solidFill>
+            <a:effectLst/>
+          </p:spPr>
+          <p:style>
+            <a:lnRef idx="0">
+              <a:schemeClr val="accent3"/>
+            </a:lnRef>
+            <a:fillRef idx="3">
+              <a:schemeClr val="accent3"/>
+            </a:fillRef>
+            <a:effectRef idx="3">
+              <a:schemeClr val="accent3"/>
+            </a:effectRef>
+            <a:fontRef idx="minor">
+              <a:schemeClr val="lt1"/>
+            </a:fontRef>
+          </p:style>
+          <p:txBody>
+            <a:bodyPr rtlCol="0" anchor="ctr"/>
+            <a:lstStyle/>
+            <a:p>
+              <a:r>
+                <a:rPr lang="en-US" b="1" dirty="0" smtClean="0"/>
+                <a:t>  Video     </a:t>
+              </a:r>
+              <a:br>
+                <a:rPr lang="en-US" b="1" dirty="0" smtClean="0"/>
+              </a:br>
+              <a:r>
+                <a:rPr lang="en-US" b="1" dirty="0" smtClean="0"/>
+                <a:t>   Tour</a:t>
+              </a:r>
+              <a:endParaRPr lang="en-US" b="1" dirty="0"/>
+            </a:p>
+          </p:txBody>
+        </p:sp>
+        <p:sp>
+          <p:nvSpPr>
+            <p:cNvPr id="6" name="Donut 5"/>
+            <p:cNvSpPr>
+              <a:spLocks noChangeAspect="1"/>
+            </p:cNvSpPr>
+            <p:nvPr/>
+          </p:nvSpPr>
+          <p:spPr>
+            <a:xfrm>
+              <a:off x="2224405" y="1680424"/>
+              <a:ext cx="274320" cy="274320"/>
+            </a:xfrm>
+            <a:prstGeom prst="donut">
+              <a:avLst>
+                <a:gd name="adj" fmla="val 40050"/>
+              </a:avLst>
+            </a:prstGeom>
+            <a:solidFill>
+              <a:schemeClr val="bg1"/>
+            </a:solidFill>
+            <a:ln>
+              <a:noFill/>
+            </a:ln>
+            <a:effectLst>
+              <a:outerShdw blurRad="63500" sx="102000" sy="102000" algn="ctr" rotWithShape="0">
+                <a:prstClr val="black">
+                  <a:alpha val="40000"/>
+                </a:prstClr>
+              </a:outerShdw>
+            </a:effectLst>
+          </p:spPr>
+          <p:style>
+            <a:lnRef idx="2">
+              <a:schemeClr val="accent1">
+                <a:shade val="50000"/>
+              </a:schemeClr>
+            </a:lnRef>
+            <a:fillRef idx="1">
+              <a:schemeClr val="accent1"/>
+            </a:fillRef>
+            <a:effectRef idx="0">
+              <a:schemeClr val="accent1"/>
+            </a:effectRef>
+            <a:fontRef idx="minor">
+              <a:schemeClr val="lt1"/>
+            </a:fontRef>
+          </p:style>
+          <p:txBody>
+            <a:bodyPr rtlCol="0" anchor="ctr"/>
+            <a:lstStyle/>
+            <a:p>
+              <a:pPr algn="ctr"/>
+              <a:endParaRPr lang="en-US">
+                <a:solidFill>
+                  <a:schemeClr val="tx1"/>
+                </a:solidFill>
+              </a:endParaRPr>
+            </a:p>
+          </p:txBody>
+        </p:sp>
+        <p:sp>
+          <p:nvSpPr>
+            <p:cNvPr id="7" name="Isosceles Triangle 6"/>
+            <p:cNvSpPr>
+              <a:spLocks/>
+            </p:cNvSpPr>
+            <p:nvPr/>
+          </p:nvSpPr>
+          <p:spPr>
+            <a:xfrm rot="5400000">
+              <a:off x="2296159" y="1763974"/>
+              <a:ext cx="171728" cy="107221"/>
+            </a:xfrm>
+            <a:prstGeom prst="triangle">
+              <a:avLst/>
+            </a:prstGeom>
+            <a:solidFill>
+              <a:srgbClr val="00B050"/>
+            </a:solidFill>
+            <a:ln>
+              <a:noFill/>
+            </a:ln>
+            <a:effectLst>
+              <a:outerShdw blurRad="63500" sx="102000" sy="102000" algn="ctr" rotWithShape="0">
+                <a:prstClr val="black">
+                  <a:alpha val="40000"/>
+                </a:prstClr>
+              </a:outerShdw>
+            </a:effectLst>
+          </p:spPr>
+          <p:style>
+            <a:lnRef idx="2">
+              <a:schemeClr val="accent1">
+                <a:shade val="50000"/>
+              </a:schemeClr>
+            </a:lnRef>
+            <a:fillRef idx="1">
+              <a:schemeClr val="accent1"/>
+            </a:fillRef>
+            <a:effectRef idx="0">
+              <a:schemeClr val="accent1"/>
+            </a:effectRef>
+            <a:fontRef idx="minor">
+              <a:schemeClr val="lt1"/>
+            </a:fontRef>
+          </p:style>
+          <p:txBody>
+            <a:bodyPr rtlCol="0" anchor="ctr"/>
+            <a:lstStyle/>
+            <a:p>
+              <a:pPr algn="ctr"/>
+              <a:endParaRPr lang="en-US"/>
+            </a:p>
+          </p:txBody>
+        </p:sp>
+      </p:grpSp>
+      <p:pic>
+        <p:nvPicPr>
+          <p:cNvPr id="1027" name="Picture 3"/>
+          <p:cNvPicPr>
+            <a:picLocks noChangeAspect="1" noChangeArrowheads="1"/>
+          </p:cNvPicPr>
+          <p:nvPr/>
+        </p:nvPicPr>
+        <p:blipFill rotWithShape="1">
+          <a:blip r:embed="rId2">
+            <a:extLst>
+              <a:ext uri="{28A0092B-C50C-407E-A947-70E740481C1C}">
+                <a14:useLocalDpi xmlns:a14="http://schemas.microsoft.com/office/drawing/2010/main" val="0"/>
+              </a:ext>
+            </a:extLst>
+          </a:blip>
+          <a:srcRect t="4816" b="13680"/>
+          <a:stretch/>
+        </p:blipFill>
+        <p:spPr bwMode="auto">
+          <a:xfrm>
+            <a:off x="1590471" y="2449514"/>
+            <a:ext cx="1023937" cy="412750"/>
+          </a:xfrm>
+          <a:prstGeom prst="rect">
+            <a:avLst/>
+          </a:prstGeom>
+          <a:noFill/>
+          <a:ln>
+            <a:noFill/>
+          </a:ln>
+          <a:effectLst/>
+          <a:extLst>
+            <a:ext uri="{909E8E84-426E-40DD-AFC4-6F175D3DCCD1}">
+              <a14:hiddenFill xmlns:a14="http://schemas.microsoft.com/office/drawing/2010/main">
+                <a:solidFill>
+                  <a:schemeClr val="accent1"/>
+                </a:solidFill>
+              </a14:hiddenFill>
+            </a:ext>
+            <a:ext uri="{91240B29-F687-4F45-9708-019B960494DF}">
+              <a14:hiddenLine xmlns:a14="http://schemas.microsoft.com/office/drawing/2010/main" w="9525">
+                <a:solidFill>
+                  <a:schemeClr val="tx1"/>
+                </a:solidFill>
+                <a:miter lim="800000"/>
+                <a:headEnd/>
+                <a:tailEnd/>
+              </a14:hiddenLine>
+            </a:ext>
+            <a:ext uri="{AF507438-7753-43E0-B8FC-AC1667EBCBE1}">
+              <a14:hiddenEffects xmlns:a14="http://schemas.microsoft.com/office/drawing/2010/main">
+                <a:effectLst>
+                  <a:outerShdw dist="35921" dir="2700000" algn="ctr" rotWithShape="0">
+                    <a:schemeClr val="bg2"/>
+                  </a:outerShdw>
+                </a:effectLst>
+              </a14:hiddenEffects>
+            </a:ext>
+          </a:extLst>
+        </p:spPr>
+      </p:pic>
+      <p:sp>
+        <p:nvSpPr>
+          <p:cNvPr id="9" name="TextBox 8"/>
+          <p:cNvSpPr txBox="1"/>
+          <p:nvPr/>
+        </p:nvSpPr>
+        <p:spPr>
+          <a:xfrm>
+            <a:off x="136525" y="2465388"/>
+            <a:ext cx="1453946" cy="461665"/>
+          </a:xfrm>
+          <a:prstGeom prst="rect">
+            <a:avLst/>
+          </a:prstGeom>
+          <a:noFill/>
+        </p:spPr>
+        <p:txBody>
+          <a:bodyPr wrap="square" rtlCol="0">
+            <a:spAutoFit/>
+          </a:bodyPr>
+          <a:lstStyle/>
+          <a:p>
+            <a:r>
+              <a:rPr lang="en-US" dirty="0" smtClean="0"/>
+              <a:t>Pasted as an image and cropped</a:t>
+            </a:r>
+            <a:endParaRPr lang="en-US" dirty="0"/>
+          </a:p>
+        </p:txBody>
+      </p:sp>
+      <p:cxnSp>
+        <p:nvCxnSpPr>
+          <p:cNvPr id="16" name="Straight Connector 15"/>
+          <p:cNvCxnSpPr/>
+          <p:nvPr/>
+        </p:nvCxnSpPr>
+        <p:spPr>
+          <a:xfrm>
+            <a:off x="288925" y="2239962"/>
+            <a:ext cx="4343400" cy="0"/>
+          </a:xfrm>
+          <a:prstGeom prst="line">
+            <a:avLst/>
+          </a:prstGeom>
+        </p:spPr>
+        <p:style>
+          <a:lnRef idx="1">
+            <a:schemeClr val="accent1"/>
+          </a:lnRef>
+          <a:fillRef idx="0">
+            <a:schemeClr val="accent1"/>
+          </a:fillRef>
+          <a:effectRef idx="0">
+            <a:schemeClr val="accent1"/>
+          </a:effectRef>
+          <a:fontRef idx="minor">
+            <a:schemeClr val="tx1"/>
+          </a:fontRef>
+        </p:style>
+      </p:cxnSp>
+      <p:pic>
+        <p:nvPicPr>
+          <p:cNvPr id="1026" name="Picture 2"/>
+          <p:cNvPicPr>
+            <a:picLocks noChangeAspect="1" noChangeArrowheads="1"/>
+          </p:cNvPicPr>
+          <p:nvPr/>
+        </p:nvPicPr>
+        <p:blipFill rotWithShape="1">
+          <a:blip r:embed="rId3">
+            <a:extLst>
+              <a:ext uri="{28A0092B-C50C-407E-A947-70E740481C1C}">
+                <a14:useLocalDpi xmlns:a14="http://schemas.microsoft.com/office/drawing/2010/main" val="0"/>
+              </a:ext>
+            </a:extLst>
+          </a:blip>
+          <a:srcRect t="5956" b="14420"/>
+          <a:stretch/>
+        </p:blipFill>
+        <p:spPr bwMode="auto">
+          <a:xfrm>
+            <a:off x="2962275" y="2472384"/>
+            <a:ext cx="1249362" cy="403225"/>
+          </a:xfrm>
+          <a:prstGeom prst="rect">
+            <a:avLst/>
+          </a:prstGeom>
+          <a:noFill/>
+          <a:ln>
+            <a:noFill/>
+          </a:ln>
+          <a:effectLst/>
+          <a:extLst>
+            <a:ext uri="{909E8E84-426E-40DD-AFC4-6F175D3DCCD1}">
+              <a14:hiddenFill xmlns:a14="http://schemas.microsoft.com/office/drawing/2010/main">
+                <a:solidFill>
+                  <a:schemeClr val="accent1"/>
+                </a:solidFill>
+              </a14:hiddenFill>
+            </a:ext>
+            <a:ext uri="{91240B29-F687-4F45-9708-019B960494DF}">
+              <a14:hiddenLine xmlns:a14="http://schemas.microsoft.com/office/drawing/2010/main" w="9525">
+                <a:solidFill>
+                  <a:schemeClr val="tx1"/>
+                </a:solidFill>
+                <a:miter lim="800000"/>
+                <a:headEnd/>
+                <a:tailEnd/>
+              </a14:hiddenLine>
+            </a:ext>
+            <a:ext uri="{AF507438-7753-43E0-B8FC-AC1667EBCBE1}">
+              <a14:hiddenEffects xmlns:a14="http://schemas.microsoft.com/office/drawing/2010/main">
+                <a:effectLst>
+                  <a:outerShdw dist="35921" dir="2700000" algn="ctr" rotWithShape="0">
+                    <a:schemeClr val="bg2"/>
+                  </a:outerShdw>
+                </a:effectLst>
+              </a14:hiddenEffects>
+            </a:ext>
+          </a:extLst>
+        </p:spPr>
+      </p:pic>
+    </p:spTree>
+    <p:extLst>
+      <p:ext uri="{BB962C8B-B14F-4D97-AF65-F5344CB8AC3E}">
+        <p14:creationId xmlns:p14="http://schemas.microsoft.com/office/powerpoint/2010/main" val="532718900"/>
       </p:ext>
     </p:extLst>
   </p:cSld>

--- a/doc/mockups/homepage image.pptx
+++ b/doc/mockups/homepage image.pptx
@@ -196,7 +196,7 @@
           <a:p>
             <a:fld id="{A4537E34-E1A6-4BBF-AF99-84C669929841}" type="datetimeFigureOut">
               <a:rPr lang="en-SG" smtClean="0"/>
-              <a:t>3/8/2013</a:t>
+              <a:t>9/8/2013</a:t>
             </a:fld>
             <a:endParaRPr lang="en-SG"/>
           </a:p>
@@ -735,7 +735,7 @@
             <a:fld id="{1D8BD707-D9CF-40AE-B4C6-C98DA3205C09}" type="datetimeFigureOut">
               <a:rPr lang="en-US" smtClean="0"/>
               <a:pPr/>
-              <a:t>8/3/2013</a:t>
+              <a:t>8/9/2013</a:t>
             </a:fld>
             <a:endParaRPr lang="en-US"/>
           </a:p>
@@ -902,7 +902,7 @@
             <a:fld id="{1D8BD707-D9CF-40AE-B4C6-C98DA3205C09}" type="datetimeFigureOut">
               <a:rPr lang="en-US" smtClean="0"/>
               <a:pPr/>
-              <a:t>8/3/2013</a:t>
+              <a:t>8/9/2013</a:t>
             </a:fld>
             <a:endParaRPr lang="en-US"/>
           </a:p>
@@ -1079,7 +1079,7 @@
             <a:fld id="{1D8BD707-D9CF-40AE-B4C6-C98DA3205C09}" type="datetimeFigureOut">
               <a:rPr lang="en-US" smtClean="0"/>
               <a:pPr/>
-              <a:t>8/3/2013</a:t>
+              <a:t>8/9/2013</a:t>
             </a:fld>
             <a:endParaRPr lang="en-US"/>
           </a:p>
@@ -1246,7 +1246,7 @@
             <a:fld id="{1D8BD707-D9CF-40AE-B4C6-C98DA3205C09}" type="datetimeFigureOut">
               <a:rPr lang="en-US" smtClean="0"/>
               <a:pPr/>
-              <a:t>8/3/2013</a:t>
+              <a:t>8/9/2013</a:t>
             </a:fld>
             <a:endParaRPr lang="en-US"/>
           </a:p>
@@ -1489,7 +1489,7 @@
             <a:fld id="{1D8BD707-D9CF-40AE-B4C6-C98DA3205C09}" type="datetimeFigureOut">
               <a:rPr lang="en-US" smtClean="0"/>
               <a:pPr/>
-              <a:t>8/3/2013</a:t>
+              <a:t>8/9/2013</a:t>
             </a:fld>
             <a:endParaRPr lang="en-US"/>
           </a:p>
@@ -1774,7 +1774,7 @@
             <a:fld id="{1D8BD707-D9CF-40AE-B4C6-C98DA3205C09}" type="datetimeFigureOut">
               <a:rPr lang="en-US" smtClean="0"/>
               <a:pPr/>
-              <a:t>8/3/2013</a:t>
+              <a:t>8/9/2013</a:t>
             </a:fld>
             <a:endParaRPr lang="en-US"/>
           </a:p>
@@ -2193,7 +2193,7 @@
             <a:fld id="{1D8BD707-D9CF-40AE-B4C6-C98DA3205C09}" type="datetimeFigureOut">
               <a:rPr lang="en-US" smtClean="0"/>
               <a:pPr/>
-              <a:t>8/3/2013</a:t>
+              <a:t>8/9/2013</a:t>
             </a:fld>
             <a:endParaRPr lang="en-US"/>
           </a:p>
@@ -2308,7 +2308,7 @@
             <a:fld id="{1D8BD707-D9CF-40AE-B4C6-C98DA3205C09}" type="datetimeFigureOut">
               <a:rPr lang="en-US" smtClean="0"/>
               <a:pPr/>
-              <a:t>8/3/2013</a:t>
+              <a:t>8/9/2013</a:t>
             </a:fld>
             <a:endParaRPr lang="en-US"/>
           </a:p>
@@ -2400,7 +2400,7 @@
             <a:fld id="{1D8BD707-D9CF-40AE-B4C6-C98DA3205C09}" type="datetimeFigureOut">
               <a:rPr lang="en-US" smtClean="0"/>
               <a:pPr/>
-              <a:t>8/3/2013</a:t>
+              <a:t>8/9/2013</a:t>
             </a:fld>
             <a:endParaRPr lang="en-US"/>
           </a:p>
@@ -2674,7 +2674,7 @@
             <a:fld id="{1D8BD707-D9CF-40AE-B4C6-C98DA3205C09}" type="datetimeFigureOut">
               <a:rPr lang="en-US" smtClean="0"/>
               <a:pPr/>
-              <a:t>8/3/2013</a:t>
+              <a:t>8/9/2013</a:t>
             </a:fld>
             <a:endParaRPr lang="en-US"/>
           </a:p>
@@ -2924,7 +2924,7 @@
             <a:fld id="{1D8BD707-D9CF-40AE-B4C6-C98DA3205C09}" type="datetimeFigureOut">
               <a:rPr lang="en-US" smtClean="0"/>
               <a:pPr/>
-              <a:t>8/3/2013</a:t>
+              <a:t>8/9/2013</a:t>
             </a:fld>
             <a:endParaRPr lang="en-US"/>
           </a:p>
@@ -3134,7 +3134,7 @@
             <a:fld id="{1D8BD707-D9CF-40AE-B4C6-C98DA3205C09}" type="datetimeFigureOut">
               <a:rPr lang="en-US" smtClean="0"/>
               <a:pPr/>
-              <a:t>8/3/2013</a:t>
+              <a:t>8/9/2013</a:t>
             </a:fld>
             <a:endParaRPr lang="en-US"/>
           </a:p>
@@ -10064,7 +10064,7 @@
         <p:spPr>
           <a:xfrm>
             <a:off x="2955925" y="1630362"/>
-            <a:ext cx="1219200" cy="381000"/>
+            <a:ext cx="1524000" cy="381000"/>
           </a:xfrm>
           <a:prstGeom prst="roundRect">
             <a:avLst>
@@ -10094,14 +10094,26 @@
           <a:bodyPr rtlCol="0" anchor="ctr"/>
           <a:lstStyle/>
           <a:p>
-            <a:pPr algn="ctr"/>
+            <a:pPr algn="ctr">
+              <a:lnSpc>
+                <a:spcPts val="1100"/>
+              </a:lnSpc>
+            </a:pPr>
             <a:r>
               <a:rPr lang="en-US" dirty="0" smtClean="0"/>
-              <a:t>Request for a </a:t>
+              <a:t>Request a </a:t>
             </a:r>
             <a:r>
               <a:rPr lang="en-US" b="1" dirty="0" smtClean="0"/>
-              <a:t>FREE Account</a:t>
+              <a:t>FREE </a:t>
+            </a:r>
+            <a:r>
+              <a:rPr lang="en-US" dirty="0" smtClean="0"/>
+              <a:t>Instructor </a:t>
+            </a:r>
+            <a:r>
+              <a:rPr lang="en-US" b="1" dirty="0" smtClean="0"/>
+              <a:t>Account</a:t>
             </a:r>
             <a:endParaRPr lang="en-US" b="1" dirty="0"/>
           </a:p>
@@ -10418,7 +10430,7 @@
       </p:cxnSp>
       <p:pic>
         <p:nvPicPr>
-          <p:cNvPr id="1026" name="Picture 2"/>
+          <p:cNvPr id="3" name="Picture 3"/>
           <p:cNvPicPr>
             <a:picLocks noChangeAspect="1" noChangeArrowheads="1"/>
           </p:cNvPicPr>
@@ -10432,13 +10444,13 @@
               </a:ext>
             </a:extLst>
           </a:blip>
-          <a:srcRect t="5956" b="14420"/>
+          <a:srcRect t="3082" b="7876"/>
           <a:stretch/>
         </p:blipFill>
         <p:spPr bwMode="auto">
           <a:xfrm>
-            <a:off x="2962275" y="2472384"/>
-            <a:ext cx="1249362" cy="403225"/>
+            <a:off x="2925763" y="2449514"/>
+            <a:ext cx="1554162" cy="412750"/>
           </a:xfrm>
           <a:prstGeom prst="rect">
             <a:avLst/>
